--- a/Week4/BESD Week 4.pptx
+++ b/Week4/BESD Week 4.pptx
@@ -14,9 +14,10 @@
     <p:sldId id="289" r:id="rId8"/>
     <p:sldId id="290" r:id="rId9"/>
     <p:sldId id="291" r:id="rId10"/>
-    <p:sldId id="286" r:id="rId11"/>
-    <p:sldId id="287" r:id="rId12"/>
-    <p:sldId id="260" r:id="rId13"/>
+    <p:sldId id="292" r:id="rId11"/>
+    <p:sldId id="286" r:id="rId12"/>
+    <p:sldId id="287" r:id="rId13"/>
+    <p:sldId id="260" r:id="rId14"/>
   </p:sldIdLst>
   <p:sldSz cx="12192000" cy="6858000"/>
   <p:notesSz cx="6858000" cy="9144000"/>
@@ -126,7 +127,7 @@
 <file path=ppt/revisionInfo.xml><?xml version="1.0" encoding="utf-8"?>
 <p1510:revInfo xmlns:a="http://schemas.openxmlformats.org/drawingml/2006/main" xmlns:r="http://schemas.openxmlformats.org/officeDocument/2006/relationships" xmlns:p1510="http://schemas.microsoft.com/office/powerpoint/2015/10/main">
   <p1510:revLst>
-    <p1510:client id="{CF84103F-70B6-4350-9F54-3D403F3ADED5}" v="24" dt="2023-03-27T16:28:42.145"/>
+    <p1510:client id="{CF84103F-70B6-4350-9F54-3D403F3ADED5}" v="25" dt="2023-03-29T00:39:19.596"/>
   </p1510:revLst>
 </p1510:revInfo>
 </file>
@@ -772,13 +773,13 @@
   </pc:docChgLst>
   <pc:docChgLst>
     <pc:chgData name="Chuck Kiefriter" userId="c57348f7-b440-4861-a58f-c89f414ea74a" providerId="ADAL" clId="{CF84103F-70B6-4350-9F54-3D403F3ADED5}"/>
-    <pc:docChg chg="undo custSel addSld delSld modSld">
-      <pc:chgData name="Chuck Kiefriter" userId="c57348f7-b440-4861-a58f-c89f414ea74a" providerId="ADAL" clId="{CF84103F-70B6-4350-9F54-3D403F3ADED5}" dt="2023-03-27T16:42:44.630" v="445" actId="478"/>
+    <pc:docChg chg="undo custSel addSld delSld modSld sldOrd">
+      <pc:chgData name="Chuck Kiefriter" userId="c57348f7-b440-4861-a58f-c89f414ea74a" providerId="ADAL" clId="{CF84103F-70B6-4350-9F54-3D403F3ADED5}" dt="2023-03-29T00:40:29.287" v="501" actId="207"/>
       <pc:docMkLst>
         <pc:docMk/>
       </pc:docMkLst>
       <pc:sldChg chg="addSp delSp modSp mod">
-        <pc:chgData name="Chuck Kiefriter" userId="c57348f7-b440-4861-a58f-c89f414ea74a" providerId="ADAL" clId="{CF84103F-70B6-4350-9F54-3D403F3ADED5}" dt="2023-03-27T13:25:30.970" v="161" actId="1076"/>
+        <pc:chgData name="Chuck Kiefriter" userId="c57348f7-b440-4861-a58f-c89f414ea74a" providerId="ADAL" clId="{CF84103F-70B6-4350-9F54-3D403F3ADED5}" dt="2023-03-28T22:40:54.585" v="448" actId="1076"/>
         <pc:sldMkLst>
           <pc:docMk/>
           <pc:sldMk cId="3995279466" sldId="256"/>
@@ -824,7 +825,7 @@
           </ac:spMkLst>
         </pc:spChg>
         <pc:spChg chg="mod">
-          <ac:chgData name="Chuck Kiefriter" userId="c57348f7-b440-4861-a58f-c89f414ea74a" providerId="ADAL" clId="{CF84103F-70B6-4350-9F54-3D403F3ADED5}" dt="2023-03-27T13:15:52.139" v="147" actId="207"/>
+          <ac:chgData name="Chuck Kiefriter" userId="c57348f7-b440-4861-a58f-c89f414ea74a" providerId="ADAL" clId="{CF84103F-70B6-4350-9F54-3D403F3ADED5}" dt="2023-03-28T22:40:46.669" v="447" actId="20577"/>
           <ac:spMkLst>
             <pc:docMk/>
             <pc:sldMk cId="3995279466" sldId="256"/>
@@ -840,7 +841,7 @@
           </ac:spMkLst>
         </pc:spChg>
         <pc:picChg chg="add mod">
-          <ac:chgData name="Chuck Kiefriter" userId="c57348f7-b440-4861-a58f-c89f414ea74a" providerId="ADAL" clId="{CF84103F-70B6-4350-9F54-3D403F3ADED5}" dt="2023-03-27T13:25:30.970" v="161" actId="1076"/>
+          <ac:chgData name="Chuck Kiefriter" userId="c57348f7-b440-4861-a58f-c89f414ea74a" providerId="ADAL" clId="{CF84103F-70B6-4350-9F54-3D403F3ADED5}" dt="2023-03-28T22:40:54.585" v="448" actId="1076"/>
           <ac:picMkLst>
             <pc:docMk/>
             <pc:sldMk cId="3995279466" sldId="256"/>
@@ -1213,6 +1214,37 @@
             <pc:docMk/>
             <pc:sldMk cId="491903796" sldId="291"/>
             <ac:spMk id="8" creationId="{7C40366F-ED76-9B97-8CF7-3BAFEF94FE77}"/>
+          </ac:spMkLst>
+        </pc:spChg>
+      </pc:sldChg>
+      <pc:sldChg chg="delSp modSp add mod ord">
+        <pc:chgData name="Chuck Kiefriter" userId="c57348f7-b440-4861-a58f-c89f414ea74a" providerId="ADAL" clId="{CF84103F-70B6-4350-9F54-3D403F3ADED5}" dt="2023-03-29T00:40:29.287" v="501" actId="207"/>
+        <pc:sldMkLst>
+          <pc:docMk/>
+          <pc:sldMk cId="1538833485" sldId="292"/>
+        </pc:sldMkLst>
+        <pc:spChg chg="mod">
+          <ac:chgData name="Chuck Kiefriter" userId="c57348f7-b440-4861-a58f-c89f414ea74a" providerId="ADAL" clId="{CF84103F-70B6-4350-9F54-3D403F3ADED5}" dt="2023-03-29T00:40:29.287" v="501" actId="207"/>
+          <ac:spMkLst>
+            <pc:docMk/>
+            <pc:sldMk cId="1538833485" sldId="292"/>
+            <ac:spMk id="4" creationId="{C0B26727-0F97-5A73-B4ED-6BE65E07E5DB}"/>
+          </ac:spMkLst>
+        </pc:spChg>
+        <pc:spChg chg="del">
+          <ac:chgData name="Chuck Kiefriter" userId="c57348f7-b440-4861-a58f-c89f414ea74a" providerId="ADAL" clId="{CF84103F-70B6-4350-9F54-3D403F3ADED5}" dt="2023-03-29T00:40:19.373" v="500" actId="478"/>
+          <ac:spMkLst>
+            <pc:docMk/>
+            <pc:sldMk cId="1538833485" sldId="292"/>
+            <ac:spMk id="5" creationId="{468397A7-672B-24AB-3F61-0F9A073389EE}"/>
+          </ac:spMkLst>
+        </pc:spChg>
+        <pc:spChg chg="mod">
+          <ac:chgData name="Chuck Kiefriter" userId="c57348f7-b440-4861-a58f-c89f414ea74a" providerId="ADAL" clId="{CF84103F-70B6-4350-9F54-3D403F3ADED5}" dt="2023-03-29T00:39:14.001" v="476" actId="20577"/>
+          <ac:spMkLst>
+            <pc:docMk/>
+            <pc:sldMk cId="1538833485" sldId="292"/>
+            <ac:spMk id="6" creationId="{59E906CD-110B-9D01-732C-2F21759B0265}"/>
           </ac:spMkLst>
         </pc:spChg>
       </pc:sldChg>
@@ -1872,7 +1904,7 @@
           <a:p>
             <a:fld id="{33D569A9-A222-4DCC-AF28-BB813B4F2ABB}" type="datetimeFigureOut">
               <a:rPr lang="en-US" smtClean="0"/>
-              <a:t>3/27/2023</a:t>
+              <a:t>3/28/2023</a:t>
             </a:fld>
             <a:endParaRPr lang="en-US"/>
           </a:p>
@@ -2160,7 +2192,7 @@
           <a:p>
             <a:fld id="{33D569A9-A222-4DCC-AF28-BB813B4F2ABB}" type="datetimeFigureOut">
               <a:rPr lang="en-US" smtClean="0"/>
-              <a:t>3/27/2023</a:t>
+              <a:t>3/28/2023</a:t>
             </a:fld>
             <a:endParaRPr lang="en-US"/>
           </a:p>
@@ -2358,7 +2390,7 @@
           <a:p>
             <a:fld id="{33D569A9-A222-4DCC-AF28-BB813B4F2ABB}" type="datetimeFigureOut">
               <a:rPr lang="en-US" smtClean="0"/>
-              <a:t>3/27/2023</a:t>
+              <a:t>3/28/2023</a:t>
             </a:fld>
             <a:endParaRPr lang="en-US"/>
           </a:p>
@@ -2566,7 +2598,7 @@
           <a:p>
             <a:fld id="{33D569A9-A222-4DCC-AF28-BB813B4F2ABB}" type="datetimeFigureOut">
               <a:rPr lang="en-US" smtClean="0"/>
-              <a:t>3/27/2023</a:t>
+              <a:t>3/28/2023</a:t>
             </a:fld>
             <a:endParaRPr lang="en-US"/>
           </a:p>
@@ -2764,7 +2796,7 @@
           <a:p>
             <a:fld id="{33D569A9-A222-4DCC-AF28-BB813B4F2ABB}" type="datetimeFigureOut">
               <a:rPr lang="en-US" smtClean="0"/>
-              <a:t>3/27/2023</a:t>
+              <a:t>3/28/2023</a:t>
             </a:fld>
             <a:endParaRPr lang="en-US"/>
           </a:p>
@@ -3039,7 +3071,7 @@
           <a:p>
             <a:fld id="{33D569A9-A222-4DCC-AF28-BB813B4F2ABB}" type="datetimeFigureOut">
               <a:rPr lang="en-US" smtClean="0"/>
-              <a:t>3/27/2023</a:t>
+              <a:t>3/28/2023</a:t>
             </a:fld>
             <a:endParaRPr lang="en-US"/>
           </a:p>
@@ -3304,7 +3336,7 @@
           <a:p>
             <a:fld id="{33D569A9-A222-4DCC-AF28-BB813B4F2ABB}" type="datetimeFigureOut">
               <a:rPr lang="en-US" smtClean="0"/>
-              <a:t>3/27/2023</a:t>
+              <a:t>3/28/2023</a:t>
             </a:fld>
             <a:endParaRPr lang="en-US"/>
           </a:p>
@@ -3716,7 +3748,7 @@
           <a:p>
             <a:fld id="{33D569A9-A222-4DCC-AF28-BB813B4F2ABB}" type="datetimeFigureOut">
               <a:rPr lang="en-US" smtClean="0"/>
-              <a:t>3/27/2023</a:t>
+              <a:t>3/28/2023</a:t>
             </a:fld>
             <a:endParaRPr lang="en-US"/>
           </a:p>
@@ -3857,7 +3889,7 @@
           <a:p>
             <a:fld id="{33D569A9-A222-4DCC-AF28-BB813B4F2ABB}" type="datetimeFigureOut">
               <a:rPr lang="en-US" smtClean="0"/>
-              <a:t>3/27/2023</a:t>
+              <a:t>3/28/2023</a:t>
             </a:fld>
             <a:endParaRPr lang="en-US"/>
           </a:p>
@@ -3970,7 +4002,7 @@
           <a:p>
             <a:fld id="{33D569A9-A222-4DCC-AF28-BB813B4F2ABB}" type="datetimeFigureOut">
               <a:rPr lang="en-US" smtClean="0"/>
-              <a:t>3/27/2023</a:t>
+              <a:t>3/28/2023</a:t>
             </a:fld>
             <a:endParaRPr lang="en-US"/>
           </a:p>
@@ -4316,7 +4348,7 @@
           <a:p>
             <a:fld id="{33D569A9-A222-4DCC-AF28-BB813B4F2ABB}" type="datetimeFigureOut">
               <a:rPr lang="en-US" smtClean="0"/>
-              <a:t>3/27/2023</a:t>
+              <a:t>3/28/2023</a:t>
             </a:fld>
             <a:endParaRPr lang="en-US"/>
           </a:p>
@@ -4557,7 +4589,7 @@
           <a:p>
             <a:fld id="{33D569A9-A222-4DCC-AF28-BB813B4F2ABB}" type="datetimeFigureOut">
               <a:rPr lang="en-US" smtClean="0"/>
-              <a:t>3/27/2023</a:t>
+              <a:t>3/28/2023</a:t>
             </a:fld>
             <a:endParaRPr lang="en-US"/>
           </a:p>
@@ -5315,6 +5347,409 @@
       </p:grpSpPr>
       <p:sp>
         <p:nvSpPr>
+          <p:cNvPr id="6" name="TextBox 5">
+            <a:extLst>
+              <a:ext uri="{FF2B5EF4-FFF2-40B4-BE49-F238E27FC236}">
+                <a16:creationId xmlns:a16="http://schemas.microsoft.com/office/drawing/2014/main" id="{59E906CD-110B-9D01-732C-2F21759B0265}"/>
+              </a:ext>
+            </a:extLst>
+          </p:cNvPr>
+          <p:cNvSpPr txBox="1"/>
+          <p:nvPr/>
+        </p:nvSpPr>
+        <p:spPr>
+          <a:xfrm>
+            <a:off x="193251" y="91915"/>
+            <a:ext cx="6094854" cy="461665"/>
+          </a:xfrm>
+          <a:prstGeom prst="rect">
+            <a:avLst/>
+          </a:prstGeom>
+          <a:noFill/>
+        </p:spPr>
+        <p:txBody>
+          <a:bodyPr wrap="square">
+            <a:spAutoFit/>
+          </a:bodyPr>
+          <a:lstStyle/>
+          <a:p>
+            <a:pPr algn="l"/>
+            <a:r>
+              <a:rPr lang="en-US" sz="2400" b="1" dirty="0">
+                <a:solidFill>
+                  <a:srgbClr val="00B050"/>
+                </a:solidFill>
+                <a:effectLst/>
+                <a:latin typeface="Open Sans" panose="020B0606030504020204" pitchFamily="34" charset="0"/>
+              </a:rPr>
+              <a:t>Java Wrapper Classes</a:t>
+            </a:r>
+          </a:p>
+        </p:txBody>
+      </p:sp>
+      <p:sp>
+        <p:nvSpPr>
+          <p:cNvPr id="4" name="TextBox 3">
+            <a:extLst>
+              <a:ext uri="{FF2B5EF4-FFF2-40B4-BE49-F238E27FC236}">
+                <a16:creationId xmlns:a16="http://schemas.microsoft.com/office/drawing/2014/main" id="{C0B26727-0F97-5A73-B4ED-6BE65E07E5DB}"/>
+              </a:ext>
+            </a:extLst>
+          </p:cNvPr>
+          <p:cNvSpPr txBox="1"/>
+          <p:nvPr/>
+        </p:nvSpPr>
+        <p:spPr>
+          <a:xfrm>
+            <a:off x="193251" y="624665"/>
+            <a:ext cx="11931637" cy="4524315"/>
+          </a:xfrm>
+          <a:prstGeom prst="rect">
+            <a:avLst/>
+          </a:prstGeom>
+          <a:noFill/>
+        </p:spPr>
+        <p:txBody>
+          <a:bodyPr wrap="square">
+            <a:spAutoFit/>
+          </a:bodyPr>
+          <a:lstStyle/>
+          <a:p>
+            <a:pPr algn="l"/>
+            <a:r>
+              <a:rPr lang="en-US" b="0" i="0" dirty="0">
+                <a:solidFill>
+                  <a:srgbClr val="00B0F0"/>
+                </a:solidFill>
+                <a:effectLst/>
+                <a:latin typeface="Open Sans" panose="020B0606030504020204" pitchFamily="34" charset="0"/>
+              </a:rPr>
+              <a:t>Wrapper classes </a:t>
+            </a:r>
+            <a:r>
+              <a:rPr lang="en-US" b="0" i="0" dirty="0">
+                <a:solidFill>
+                  <a:schemeClr val="tx1">
+                    <a:lumMod val="85000"/>
+                  </a:schemeClr>
+                </a:solidFill>
+                <a:effectLst/>
+                <a:latin typeface="Open Sans" panose="020B0606030504020204" pitchFamily="34" charset="0"/>
+              </a:rPr>
+              <a:t>provide a way to </a:t>
+            </a:r>
+            <a:r>
+              <a:rPr lang="en-US" b="0" i="0" dirty="0">
+                <a:solidFill>
+                  <a:srgbClr val="00B0F0"/>
+                </a:solidFill>
+                <a:effectLst/>
+                <a:latin typeface="Open Sans" panose="020B0606030504020204" pitchFamily="34" charset="0"/>
+              </a:rPr>
+              <a:t>use primitive data types (int, </a:t>
+            </a:r>
+            <a:r>
+              <a:rPr lang="en-US" b="0" i="0" dirty="0" err="1">
+                <a:solidFill>
+                  <a:srgbClr val="00B0F0"/>
+                </a:solidFill>
+                <a:effectLst/>
+                <a:latin typeface="Open Sans" panose="020B0606030504020204" pitchFamily="34" charset="0"/>
+              </a:rPr>
+              <a:t>boolean</a:t>
+            </a:r>
+            <a:r>
+              <a:rPr lang="en-US" b="0" i="0" dirty="0">
+                <a:solidFill>
+                  <a:srgbClr val="00B0F0"/>
+                </a:solidFill>
+                <a:effectLst/>
+                <a:latin typeface="Open Sans" panose="020B0606030504020204" pitchFamily="34" charset="0"/>
+              </a:rPr>
+              <a:t>, etc..) as objects</a:t>
+            </a:r>
+            <a:r>
+              <a:rPr lang="en-US" b="0" i="0" dirty="0">
+                <a:solidFill>
+                  <a:schemeClr val="tx1">
+                    <a:lumMod val="85000"/>
+                  </a:schemeClr>
+                </a:solidFill>
+                <a:effectLst/>
+                <a:latin typeface="Open Sans" panose="020B0606030504020204" pitchFamily="34" charset="0"/>
+              </a:rPr>
+              <a:t>.</a:t>
+            </a:r>
+          </a:p>
+          <a:p>
+            <a:pPr algn="l"/>
+            <a:endParaRPr lang="en-US" b="0" i="0" dirty="0">
+              <a:solidFill>
+                <a:schemeClr val="tx1">
+                  <a:lumMod val="85000"/>
+                </a:schemeClr>
+              </a:solidFill>
+              <a:effectLst/>
+              <a:latin typeface="Open Sans" panose="020B0606030504020204" pitchFamily="34" charset="0"/>
+            </a:endParaRPr>
+          </a:p>
+          <a:p>
+            <a:pPr algn="l"/>
+            <a:r>
+              <a:rPr lang="en-US" b="0" i="0" dirty="0">
+                <a:solidFill>
+                  <a:schemeClr val="tx1">
+                    <a:lumMod val="85000"/>
+                  </a:schemeClr>
+                </a:solidFill>
+                <a:effectLst/>
+                <a:latin typeface="Open Sans" panose="020B0606030504020204" pitchFamily="34" charset="0"/>
+              </a:rPr>
+              <a:t>The table below shows the primitive type and the equivalent wrapper class:</a:t>
+            </a:r>
+          </a:p>
+          <a:p>
+            <a:pPr algn="l"/>
+            <a:endParaRPr lang="en-US" b="0" i="0" dirty="0">
+              <a:solidFill>
+                <a:schemeClr val="tx1">
+                  <a:lumMod val="85000"/>
+                </a:schemeClr>
+              </a:solidFill>
+              <a:effectLst/>
+              <a:latin typeface="Open Sans" panose="020B0606030504020204" pitchFamily="34" charset="0"/>
+            </a:endParaRPr>
+          </a:p>
+          <a:p>
+            <a:pPr algn="l"/>
+            <a:r>
+              <a:rPr lang="en-US" b="0" i="0" dirty="0">
+                <a:solidFill>
+                  <a:srgbClr val="00B0F0"/>
+                </a:solidFill>
+                <a:effectLst/>
+                <a:latin typeface="Open Sans" panose="020B0606030504020204" pitchFamily="34" charset="0"/>
+              </a:rPr>
+              <a:t>Primitive Data Type	Wrapper Class</a:t>
+            </a:r>
+          </a:p>
+          <a:p>
+            <a:pPr algn="l"/>
+            <a:r>
+              <a:rPr lang="en-US" b="0" i="0" dirty="0">
+                <a:solidFill>
+                  <a:schemeClr val="tx1">
+                    <a:lumMod val="85000"/>
+                  </a:schemeClr>
+                </a:solidFill>
+                <a:effectLst/>
+                <a:latin typeface="Open Sans" panose="020B0606030504020204" pitchFamily="34" charset="0"/>
+              </a:rPr>
+              <a:t>byte			Byte</a:t>
+            </a:r>
+          </a:p>
+          <a:p>
+            <a:pPr algn="l"/>
+            <a:r>
+              <a:rPr lang="en-US" b="0" i="0" dirty="0">
+                <a:solidFill>
+                  <a:schemeClr val="tx1">
+                    <a:lumMod val="85000"/>
+                  </a:schemeClr>
+                </a:solidFill>
+                <a:effectLst/>
+                <a:latin typeface="Open Sans" panose="020B0606030504020204" pitchFamily="34" charset="0"/>
+              </a:rPr>
+              <a:t>short			Short</a:t>
+            </a:r>
+          </a:p>
+          <a:p>
+            <a:pPr algn="l"/>
+            <a:r>
+              <a:rPr lang="en-US" b="0" i="0" dirty="0">
+                <a:solidFill>
+                  <a:schemeClr val="tx1">
+                    <a:lumMod val="85000"/>
+                  </a:schemeClr>
+                </a:solidFill>
+                <a:effectLst/>
+                <a:latin typeface="Open Sans" panose="020B0606030504020204" pitchFamily="34" charset="0"/>
+              </a:rPr>
+              <a:t>int			Integer</a:t>
+            </a:r>
+          </a:p>
+          <a:p>
+            <a:pPr algn="l"/>
+            <a:r>
+              <a:rPr lang="en-US" b="0" i="0" dirty="0">
+                <a:solidFill>
+                  <a:schemeClr val="tx1">
+                    <a:lumMod val="85000"/>
+                  </a:schemeClr>
+                </a:solidFill>
+                <a:effectLst/>
+                <a:latin typeface="Open Sans" panose="020B0606030504020204" pitchFamily="34" charset="0"/>
+              </a:rPr>
+              <a:t>long			Long</a:t>
+            </a:r>
+          </a:p>
+          <a:p>
+            <a:pPr algn="l"/>
+            <a:r>
+              <a:rPr lang="en-US" b="0" i="0" dirty="0">
+                <a:solidFill>
+                  <a:schemeClr val="tx1">
+                    <a:lumMod val="85000"/>
+                  </a:schemeClr>
+                </a:solidFill>
+                <a:effectLst/>
+                <a:latin typeface="Open Sans" panose="020B0606030504020204" pitchFamily="34" charset="0"/>
+              </a:rPr>
+              <a:t>float			Float</a:t>
+            </a:r>
+          </a:p>
+          <a:p>
+            <a:pPr algn="l"/>
+            <a:r>
+              <a:rPr lang="en-US" b="0" i="0" dirty="0">
+                <a:solidFill>
+                  <a:schemeClr val="tx1">
+                    <a:lumMod val="85000"/>
+                  </a:schemeClr>
+                </a:solidFill>
+                <a:effectLst/>
+                <a:latin typeface="Open Sans" panose="020B0606030504020204" pitchFamily="34" charset="0"/>
+              </a:rPr>
+              <a:t>double			Double</a:t>
+            </a:r>
+          </a:p>
+          <a:p>
+            <a:pPr algn="l"/>
+            <a:r>
+              <a:rPr lang="en-US" b="0" i="0" dirty="0" err="1">
+                <a:solidFill>
+                  <a:schemeClr val="tx1">
+                    <a:lumMod val="85000"/>
+                  </a:schemeClr>
+                </a:solidFill>
+                <a:effectLst/>
+                <a:latin typeface="Open Sans" panose="020B0606030504020204" pitchFamily="34" charset="0"/>
+              </a:rPr>
+              <a:t>boolean</a:t>
+            </a:r>
+            <a:r>
+              <a:rPr lang="en-US" b="0" i="0" dirty="0">
+                <a:solidFill>
+                  <a:schemeClr val="tx1">
+                    <a:lumMod val="85000"/>
+                  </a:schemeClr>
+                </a:solidFill>
+                <a:effectLst/>
+                <a:latin typeface="Open Sans" panose="020B0606030504020204" pitchFamily="34" charset="0"/>
+              </a:rPr>
+              <a:t>			Boolean</a:t>
+            </a:r>
+          </a:p>
+          <a:p>
+            <a:pPr algn="l"/>
+            <a:r>
+              <a:rPr lang="en-US" b="0" i="0" dirty="0">
+                <a:solidFill>
+                  <a:schemeClr val="tx1">
+                    <a:lumMod val="85000"/>
+                  </a:schemeClr>
+                </a:solidFill>
+                <a:effectLst/>
+                <a:latin typeface="Open Sans" panose="020B0606030504020204" pitchFamily="34" charset="0"/>
+              </a:rPr>
+              <a:t>char			Character</a:t>
+            </a:r>
+          </a:p>
+          <a:p>
+            <a:pPr algn="l"/>
+            <a:endParaRPr lang="en-US" b="0" i="0" dirty="0">
+              <a:solidFill>
+                <a:schemeClr val="tx1">
+                  <a:lumMod val="85000"/>
+                </a:schemeClr>
+              </a:solidFill>
+              <a:effectLst/>
+              <a:latin typeface="Open Sans" panose="020B0606030504020204" pitchFamily="34" charset="0"/>
+            </a:endParaRPr>
+          </a:p>
+          <a:p>
+            <a:pPr algn="l"/>
+            <a:r>
+              <a:rPr lang="en-US" b="0" i="0" dirty="0">
+                <a:solidFill>
+                  <a:schemeClr val="tx1">
+                    <a:lumMod val="85000"/>
+                  </a:schemeClr>
+                </a:solidFill>
+                <a:effectLst/>
+                <a:latin typeface="Open Sans" panose="020B0606030504020204" pitchFamily="34" charset="0"/>
+              </a:rPr>
+              <a:t>Sometimes you must use wrapper classes, for example when working with Collection objects, such as </a:t>
+            </a:r>
+            <a:r>
+              <a:rPr lang="en-US" b="0" i="0" dirty="0" err="1">
+                <a:solidFill>
+                  <a:schemeClr val="tx1">
+                    <a:lumMod val="85000"/>
+                  </a:schemeClr>
+                </a:solidFill>
+                <a:effectLst/>
+                <a:latin typeface="Open Sans" panose="020B0606030504020204" pitchFamily="34" charset="0"/>
+              </a:rPr>
+              <a:t>ArrayList</a:t>
+            </a:r>
+            <a:r>
+              <a:rPr lang="en-US" b="0" i="0" dirty="0">
+                <a:solidFill>
+                  <a:schemeClr val="tx1">
+                    <a:lumMod val="85000"/>
+                  </a:schemeClr>
+                </a:solidFill>
+                <a:effectLst/>
+                <a:latin typeface="Open Sans" panose="020B0606030504020204" pitchFamily="34" charset="0"/>
+              </a:rPr>
+              <a:t>, where primitive types cannot be used (the list can only store objects):</a:t>
+            </a:r>
+          </a:p>
+        </p:txBody>
+      </p:sp>
+    </p:spTree>
+    <p:extLst>
+      <p:ext uri="{BB962C8B-B14F-4D97-AF65-F5344CB8AC3E}">
+        <p14:creationId xmlns:p14="http://schemas.microsoft.com/office/powerpoint/2010/main" val="1538833485"/>
+      </p:ext>
+    </p:extLst>
+  </p:cSld>
+  <p:clrMapOvr>
+    <a:masterClrMapping/>
+  </p:clrMapOvr>
+</p:sld>
+</file>
+
+<file path=ppt/slides/slide11.xml><?xml version="1.0" encoding="utf-8"?>
+<p:sld xmlns:a="http://schemas.openxmlformats.org/drawingml/2006/main" xmlns:r="http://schemas.openxmlformats.org/officeDocument/2006/relationships" xmlns:p="http://schemas.openxmlformats.org/presentationml/2006/main">
+  <p:cSld>
+    <p:spTree>
+      <p:nvGrpSpPr>
+        <p:cNvPr id="1" name=""/>
+        <p:cNvGrpSpPr/>
+        <p:nvPr/>
+      </p:nvGrpSpPr>
+      <p:grpSpPr>
+        <a:xfrm>
+          <a:off x="0" y="0"/>
+          <a:ext cx="0" cy="0"/>
+          <a:chOff x="0" y="0"/>
+          <a:chExt cx="0" cy="0"/>
+        </a:xfrm>
+      </p:grpSpPr>
+      <p:sp>
+        <p:nvSpPr>
           <p:cNvPr id="3" name="TextBox 2">
             <a:extLst>
               <a:ext uri="{FF2B5EF4-FFF2-40B4-BE49-F238E27FC236}">
@@ -5393,7 +5828,7 @@
 </p:sld>
 </file>
 
-<file path=ppt/slides/slide11.xml><?xml version="1.0" encoding="utf-8"?>
+<file path=ppt/slides/slide12.xml><?xml version="1.0" encoding="utf-8"?>
 <p:sld xmlns:a="http://schemas.openxmlformats.org/drawingml/2006/main" xmlns:r="http://schemas.openxmlformats.org/officeDocument/2006/relationships" xmlns:p="http://schemas.openxmlformats.org/presentationml/2006/main">
   <p:cSld>
     <p:spTree>
@@ -5821,7 +6256,7 @@
 </p:sld>
 </file>
 
-<file path=ppt/slides/slide12.xml><?xml version="1.0" encoding="utf-8"?>
+<file path=ppt/slides/slide13.xml><?xml version="1.0" encoding="utf-8"?>
 <p:sld xmlns:a="http://schemas.openxmlformats.org/drawingml/2006/main" xmlns:r="http://schemas.openxmlformats.org/officeDocument/2006/relationships" xmlns:p="http://schemas.openxmlformats.org/presentationml/2006/main">
   <p:cSld>
     <p:spTree>
@@ -6066,7 +6501,7 @@
         <p:spPr>
           <a:xfrm>
             <a:off x="216336" y="551776"/>
-            <a:ext cx="11671510" cy="2862322"/>
+            <a:ext cx="11671510" cy="3170099"/>
           </a:xfrm>
           <a:prstGeom prst="rect">
             <a:avLst/>
@@ -6252,7 +6687,34 @@
                 <a:ea typeface="Open Sans" panose="020B0606030504020204" pitchFamily="34" charset="0"/>
                 <a:cs typeface="Open Sans" panose="020B0606030504020204" pitchFamily="34" charset="0"/>
               </a:rPr>
-              <a:t> for “Sue Brown”.  The syntax works, but it </a:t>
+              <a:t> for “Sue Brown”.  </a:t>
+            </a:r>
+          </a:p>
+          <a:p>
+            <a:endParaRPr lang="en-US" sz="2000" dirty="0">
+              <a:solidFill>
+                <a:schemeClr val="tx1">
+                  <a:lumMod val="85000"/>
+                </a:schemeClr>
+              </a:solidFill>
+              <a:latin typeface="Open Sans" panose="020B0606030504020204" pitchFamily="34" charset="0"/>
+              <a:ea typeface="Open Sans" panose="020B0606030504020204" pitchFamily="34" charset="0"/>
+              <a:cs typeface="Open Sans" panose="020B0606030504020204" pitchFamily="34" charset="0"/>
+            </a:endParaRPr>
+          </a:p>
+          <a:p>
+            <a:r>
+              <a:rPr lang="en-US" sz="2000" dirty="0">
+                <a:solidFill>
+                  <a:schemeClr val="tx1">
+                    <a:lumMod val="85000"/>
+                  </a:schemeClr>
+                </a:solidFill>
+                <a:latin typeface="Open Sans" panose="020B0606030504020204" pitchFamily="34" charset="0"/>
+                <a:ea typeface="Open Sans" panose="020B0606030504020204" pitchFamily="34" charset="0"/>
+                <a:cs typeface="Open Sans" panose="020B0606030504020204" pitchFamily="34" charset="0"/>
+              </a:rPr>
+              <a:t>The syntax works, but it </a:t>
             </a:r>
             <a:r>
               <a:rPr lang="en-US" sz="2000" dirty="0">
@@ -6327,7 +6789,7 @@
         </p:blipFill>
         <p:spPr>
           <a:xfrm>
-            <a:off x="3263637" y="3649853"/>
+            <a:off x="3263637" y="4125410"/>
             <a:ext cx="3432166" cy="1539663"/>
           </a:xfrm>
           <a:prstGeom prst="rect">

--- a/Week4/BESD Week 4.pptx
+++ b/Week4/BESD Week 4.pptx
@@ -14,10 +14,11 @@
     <p:sldId id="289" r:id="rId8"/>
     <p:sldId id="290" r:id="rId9"/>
     <p:sldId id="291" r:id="rId10"/>
-    <p:sldId id="292" r:id="rId11"/>
-    <p:sldId id="286" r:id="rId12"/>
-    <p:sldId id="287" r:id="rId13"/>
-    <p:sldId id="260" r:id="rId14"/>
+    <p:sldId id="293" r:id="rId11"/>
+    <p:sldId id="292" r:id="rId12"/>
+    <p:sldId id="286" r:id="rId13"/>
+    <p:sldId id="287" r:id="rId14"/>
+    <p:sldId id="260" r:id="rId15"/>
   </p:sldIdLst>
   <p:sldSz cx="12192000" cy="6858000"/>
   <p:notesSz cx="6858000" cy="9144000"/>
@@ -127,7 +128,7 @@
 <file path=ppt/revisionInfo.xml><?xml version="1.0" encoding="utf-8"?>
 <p1510:revInfo xmlns:a="http://schemas.openxmlformats.org/drawingml/2006/main" xmlns:r="http://schemas.openxmlformats.org/officeDocument/2006/relationships" xmlns:p1510="http://schemas.microsoft.com/office/powerpoint/2015/10/main">
   <p1510:revLst>
-    <p1510:client id="{CF84103F-70B6-4350-9F54-3D403F3ADED5}" v="25" dt="2023-03-29T00:39:19.596"/>
+    <p1510:client id="{8CB59AA7-7A73-42A3-88B3-E53E303BB376}" v="2" dt="2024-01-17T03:42:20.234"/>
   </p1510:revLst>
 </p1510:revInfo>
 </file>
@@ -1749,6 +1750,69 @@
             <pc:docMk/>
             <pc:sldMk cId="424094208" sldId="287"/>
             <ac:spMk id="6" creationId="{59E906CD-110B-9D01-732C-2F21759B0265}"/>
+          </ac:spMkLst>
+        </pc:spChg>
+      </pc:sldChg>
+    </pc:docChg>
+  </pc:docChgLst>
+  <pc:docChgLst>
+    <pc:chgData name="Charles Kiefriter" userId="a996b49251c4dfd2" providerId="LiveId" clId="{8CB59AA7-7A73-42A3-88B3-E53E303BB376}"/>
+    <pc:docChg chg="custSel addSld modSld">
+      <pc:chgData name="Charles Kiefriter" userId="a996b49251c4dfd2" providerId="LiveId" clId="{8CB59AA7-7A73-42A3-88B3-E53E303BB376}" dt="2024-01-17T03:42:12.071" v="65" actId="1076"/>
+      <pc:docMkLst>
+        <pc:docMk/>
+      </pc:docMkLst>
+      <pc:sldChg chg="modSp mod">
+        <pc:chgData name="Charles Kiefriter" userId="a996b49251c4dfd2" providerId="LiveId" clId="{8CB59AA7-7A73-42A3-88B3-E53E303BB376}" dt="2024-01-10T01:07:06.853" v="43" actId="20577"/>
+        <pc:sldMkLst>
+          <pc:docMk/>
+          <pc:sldMk cId="3194223319" sldId="263"/>
+        </pc:sldMkLst>
+        <pc:spChg chg="mod">
+          <ac:chgData name="Charles Kiefriter" userId="a996b49251c4dfd2" providerId="LiveId" clId="{8CB59AA7-7A73-42A3-88B3-E53E303BB376}" dt="2024-01-10T01:07:06.853" v="43" actId="20577"/>
+          <ac:spMkLst>
+            <pc:docMk/>
+            <pc:sldMk cId="3194223319" sldId="263"/>
+            <ac:spMk id="3" creationId="{23DFC7E9-54DD-38D7-0B9B-D34948D68CF9}"/>
+          </ac:spMkLst>
+        </pc:spChg>
+      </pc:sldChg>
+      <pc:sldChg chg="addSp delSp modSp add mod">
+        <pc:chgData name="Charles Kiefriter" userId="a996b49251c4dfd2" providerId="LiveId" clId="{8CB59AA7-7A73-42A3-88B3-E53E303BB376}" dt="2024-01-17T03:42:12.071" v="65" actId="1076"/>
+        <pc:sldMkLst>
+          <pc:docMk/>
+          <pc:sldMk cId="2582931961" sldId="293"/>
+        </pc:sldMkLst>
+        <pc:spChg chg="add mod">
+          <ac:chgData name="Charles Kiefriter" userId="a996b49251c4dfd2" providerId="LiveId" clId="{8CB59AA7-7A73-42A3-88B3-E53E303BB376}" dt="2024-01-17T03:42:12.071" v="65" actId="1076"/>
+          <ac:spMkLst>
+            <pc:docMk/>
+            <pc:sldMk cId="2582931961" sldId="293"/>
+            <ac:spMk id="3" creationId="{24A5F382-564E-CC53-4829-1E1BD61A1C6D}"/>
+          </ac:spMkLst>
+        </pc:spChg>
+        <pc:spChg chg="mod">
+          <ac:chgData name="Charles Kiefriter" userId="a996b49251c4dfd2" providerId="LiveId" clId="{8CB59AA7-7A73-42A3-88B3-E53E303BB376}" dt="2024-01-17T03:41:40.418" v="58" actId="108"/>
+          <ac:spMkLst>
+            <pc:docMk/>
+            <pc:sldMk cId="2582931961" sldId="293"/>
+            <ac:spMk id="4" creationId="{C0B26727-0F97-5A73-B4ED-6BE65E07E5DB}"/>
+          </ac:spMkLst>
+        </pc:spChg>
+        <pc:spChg chg="mod">
+          <ac:chgData name="Charles Kiefriter" userId="a996b49251c4dfd2" providerId="LiveId" clId="{8CB59AA7-7A73-42A3-88B3-E53E303BB376}" dt="2024-01-17T03:40:33.627" v="52" actId="20577"/>
+          <ac:spMkLst>
+            <pc:docMk/>
+            <pc:sldMk cId="2582931961" sldId="293"/>
+            <ac:spMk id="6" creationId="{59E906CD-110B-9D01-732C-2F21759B0265}"/>
+          </ac:spMkLst>
+        </pc:spChg>
+        <pc:spChg chg="del mod">
+          <ac:chgData name="Charles Kiefriter" userId="a996b49251c4dfd2" providerId="LiveId" clId="{8CB59AA7-7A73-42A3-88B3-E53E303BB376}" dt="2024-01-17T03:41:50.962" v="60" actId="478"/>
+          <ac:spMkLst>
+            <pc:docMk/>
+            <pc:sldMk cId="2582931961" sldId="293"/>
+            <ac:spMk id="8" creationId="{7C40366F-ED76-9B97-8CF7-3BAFEF94FE77}"/>
           </ac:spMkLst>
         </pc:spChg>
       </pc:sldChg>
@@ -1904,7 +1968,7 @@
           <a:p>
             <a:fld id="{33D569A9-A222-4DCC-AF28-BB813B4F2ABB}" type="datetimeFigureOut">
               <a:rPr lang="en-US" smtClean="0"/>
-              <a:t>3/28/2023</a:t>
+              <a:t>1/16/2024</a:t>
             </a:fld>
             <a:endParaRPr lang="en-US"/>
           </a:p>
@@ -2192,7 +2256,7 @@
           <a:p>
             <a:fld id="{33D569A9-A222-4DCC-AF28-BB813B4F2ABB}" type="datetimeFigureOut">
               <a:rPr lang="en-US" smtClean="0"/>
-              <a:t>3/28/2023</a:t>
+              <a:t>1/16/2024</a:t>
             </a:fld>
             <a:endParaRPr lang="en-US"/>
           </a:p>
@@ -2390,7 +2454,7 @@
           <a:p>
             <a:fld id="{33D569A9-A222-4DCC-AF28-BB813B4F2ABB}" type="datetimeFigureOut">
               <a:rPr lang="en-US" smtClean="0"/>
-              <a:t>3/28/2023</a:t>
+              <a:t>1/16/2024</a:t>
             </a:fld>
             <a:endParaRPr lang="en-US"/>
           </a:p>
@@ -2598,7 +2662,7 @@
           <a:p>
             <a:fld id="{33D569A9-A222-4DCC-AF28-BB813B4F2ABB}" type="datetimeFigureOut">
               <a:rPr lang="en-US" smtClean="0"/>
-              <a:t>3/28/2023</a:t>
+              <a:t>1/16/2024</a:t>
             </a:fld>
             <a:endParaRPr lang="en-US"/>
           </a:p>
@@ -2796,7 +2860,7 @@
           <a:p>
             <a:fld id="{33D569A9-A222-4DCC-AF28-BB813B4F2ABB}" type="datetimeFigureOut">
               <a:rPr lang="en-US" smtClean="0"/>
-              <a:t>3/28/2023</a:t>
+              <a:t>1/16/2024</a:t>
             </a:fld>
             <a:endParaRPr lang="en-US"/>
           </a:p>
@@ -3071,7 +3135,7 @@
           <a:p>
             <a:fld id="{33D569A9-A222-4DCC-AF28-BB813B4F2ABB}" type="datetimeFigureOut">
               <a:rPr lang="en-US" smtClean="0"/>
-              <a:t>3/28/2023</a:t>
+              <a:t>1/16/2024</a:t>
             </a:fld>
             <a:endParaRPr lang="en-US"/>
           </a:p>
@@ -3336,7 +3400,7 @@
           <a:p>
             <a:fld id="{33D569A9-A222-4DCC-AF28-BB813B4F2ABB}" type="datetimeFigureOut">
               <a:rPr lang="en-US" smtClean="0"/>
-              <a:t>3/28/2023</a:t>
+              <a:t>1/16/2024</a:t>
             </a:fld>
             <a:endParaRPr lang="en-US"/>
           </a:p>
@@ -3748,7 +3812,7 @@
           <a:p>
             <a:fld id="{33D569A9-A222-4DCC-AF28-BB813B4F2ABB}" type="datetimeFigureOut">
               <a:rPr lang="en-US" smtClean="0"/>
-              <a:t>3/28/2023</a:t>
+              <a:t>1/16/2024</a:t>
             </a:fld>
             <a:endParaRPr lang="en-US"/>
           </a:p>
@@ -3889,7 +3953,7 @@
           <a:p>
             <a:fld id="{33D569A9-A222-4DCC-AF28-BB813B4F2ABB}" type="datetimeFigureOut">
               <a:rPr lang="en-US" smtClean="0"/>
-              <a:t>3/28/2023</a:t>
+              <a:t>1/16/2024</a:t>
             </a:fld>
             <a:endParaRPr lang="en-US"/>
           </a:p>
@@ -4002,7 +4066,7 @@
           <a:p>
             <a:fld id="{33D569A9-A222-4DCC-AF28-BB813B4F2ABB}" type="datetimeFigureOut">
               <a:rPr lang="en-US" smtClean="0"/>
-              <a:t>3/28/2023</a:t>
+              <a:t>1/16/2024</a:t>
             </a:fld>
             <a:endParaRPr lang="en-US"/>
           </a:p>
@@ -4348,7 +4412,7 @@
           <a:p>
             <a:fld id="{33D569A9-A222-4DCC-AF28-BB813B4F2ABB}" type="datetimeFigureOut">
               <a:rPr lang="en-US" smtClean="0"/>
-              <a:t>3/28/2023</a:t>
+              <a:t>1/16/2024</a:t>
             </a:fld>
             <a:endParaRPr lang="en-US"/>
           </a:p>
@@ -4589,7 +4653,7 @@
           <a:p>
             <a:fld id="{33D569A9-A222-4DCC-AF28-BB813B4F2ABB}" type="datetimeFigureOut">
               <a:rPr lang="en-US" smtClean="0"/>
-              <a:t>3/28/2023</a:t>
+              <a:t>1/16/2024</a:t>
             </a:fld>
             <a:endParaRPr lang="en-US"/>
           </a:p>
@@ -5022,7 +5086,7 @@
         <p:spPr>
           <a:xfrm>
             <a:off x="696537" y="87952"/>
-            <a:ext cx="9326104" cy="3770263"/>
+            <a:ext cx="9326104" cy="4508927"/>
           </a:xfrm>
           <a:prstGeom prst="rect">
             <a:avLst/>
@@ -5183,8 +5247,73 @@
                 </a:solidFill>
                 <a:latin typeface="Open Sans" panose="020B0606030504020204" pitchFamily="34" charset="0"/>
               </a:rPr>
-              <a:t>Lists</a:t>
-            </a:r>
+              <a:t>Classes, Objects, Interfaces</a:t>
+            </a:r>
+          </a:p>
+          <a:p>
+            <a:pPr marL="571500" marR="0" lvl="0" indent="-571500" algn="l" defTabSz="914400" rtl="0" eaLnBrk="1" fontAlgn="auto" latinLnBrk="0" hangingPunct="1">
+              <a:lnSpc>
+                <a:spcPct val="100000"/>
+              </a:lnSpc>
+              <a:spcBef>
+                <a:spcPts val="0"/>
+              </a:spcBef>
+              <a:spcAft>
+                <a:spcPts val="0"/>
+              </a:spcAft>
+              <a:buClrTx/>
+              <a:buSzTx/>
+              <a:buFont typeface="Arial" panose="020B0604020202020204" pitchFamily="34" charset="0"/>
+              <a:buChar char="•"/>
+              <a:tabLst/>
+              <a:defRPr/>
+            </a:pPr>
+            <a:endParaRPr lang="en-US" sz="2400" dirty="0">
+              <a:solidFill>
+                <a:prstClr val="white">
+                  <a:lumMod val="75000"/>
+                </a:prstClr>
+              </a:solidFill>
+              <a:latin typeface="Open Sans" panose="020B0606030504020204" pitchFamily="34" charset="0"/>
+            </a:endParaRPr>
+          </a:p>
+          <a:p>
+            <a:pPr marL="571500" marR="0" lvl="0" indent="-571500" algn="l" defTabSz="914400" rtl="0" eaLnBrk="1" fontAlgn="auto" latinLnBrk="0" hangingPunct="1">
+              <a:lnSpc>
+                <a:spcPct val="100000"/>
+              </a:lnSpc>
+              <a:spcBef>
+                <a:spcPts val="0"/>
+              </a:spcBef>
+              <a:spcAft>
+                <a:spcPts val="0"/>
+              </a:spcAft>
+              <a:buClrTx/>
+              <a:buSzTx/>
+              <a:buFont typeface="Arial" panose="020B0604020202020204" pitchFamily="34" charset="0"/>
+              <a:buChar char="•"/>
+              <a:tabLst/>
+              <a:defRPr/>
+            </a:pPr>
+            <a:r>
+              <a:rPr lang="en-US" sz="2400">
+                <a:solidFill>
+                  <a:prstClr val="white">
+                    <a:lumMod val="75000"/>
+                  </a:prstClr>
+                </a:solidFill>
+                <a:latin typeface="Open Sans" panose="020B0606030504020204" pitchFamily="34" charset="0"/>
+              </a:rPr>
+              <a:t>Lists, Sets, &amp; Maps</a:t>
+            </a:r>
+            <a:endParaRPr lang="en-US" sz="2400" dirty="0">
+              <a:solidFill>
+                <a:prstClr val="white">
+                  <a:lumMod val="75000"/>
+                </a:prstClr>
+              </a:solidFill>
+              <a:latin typeface="Open Sans" panose="020B0606030504020204" pitchFamily="34" charset="0"/>
+            </a:endParaRPr>
           </a:p>
           <a:p>
             <a:pPr marL="571500" marR="0" lvl="0" indent="-571500" algn="l" defTabSz="914400" rtl="0" eaLnBrk="1" fontAlgn="auto" latinLnBrk="0" hangingPunct="1">
@@ -5382,6 +5511,466 @@
                 <a:effectLst/>
                 <a:latin typeface="Open Sans" panose="020B0606030504020204" pitchFamily="34" charset="0"/>
               </a:rPr>
+              <a:t>Maps</a:t>
+            </a:r>
+          </a:p>
+        </p:txBody>
+      </p:sp>
+      <p:sp>
+        <p:nvSpPr>
+          <p:cNvPr id="4" name="TextBox 3">
+            <a:extLst>
+              <a:ext uri="{FF2B5EF4-FFF2-40B4-BE49-F238E27FC236}">
+                <a16:creationId xmlns:a16="http://schemas.microsoft.com/office/drawing/2014/main" id="{C0B26727-0F97-5A73-B4ED-6BE65E07E5DB}"/>
+              </a:ext>
+            </a:extLst>
+          </p:cNvPr>
+          <p:cNvSpPr txBox="1"/>
+          <p:nvPr/>
+        </p:nvSpPr>
+        <p:spPr>
+          <a:xfrm>
+            <a:off x="193251" y="624665"/>
+            <a:ext cx="11931637" cy="2308324"/>
+          </a:xfrm>
+          <a:prstGeom prst="rect">
+            <a:avLst/>
+          </a:prstGeom>
+          <a:noFill/>
+        </p:spPr>
+        <p:txBody>
+          <a:bodyPr wrap="square">
+            <a:spAutoFit/>
+          </a:bodyPr>
+          <a:lstStyle/>
+          <a:p>
+            <a:pPr algn="l"/>
+            <a:r>
+              <a:rPr lang="en-US" b="0" i="0" dirty="0">
+                <a:solidFill>
+                  <a:schemeClr val="tx1">
+                    <a:lumMod val="85000"/>
+                  </a:schemeClr>
+                </a:solidFill>
+                <a:effectLst/>
+                <a:latin typeface="Open Sans" panose="020B0606030504020204" pitchFamily="34" charset="0"/>
+              </a:rPr>
+              <a:t>A </a:t>
+            </a:r>
+            <a:r>
+              <a:rPr lang="en-US" dirty="0">
+                <a:solidFill>
+                  <a:srgbClr val="00B0F0"/>
+                </a:solidFill>
+                <a:latin typeface="Open Sans" panose="020B0606030504020204" pitchFamily="34" charset="0"/>
+              </a:rPr>
+              <a:t>Map</a:t>
+            </a:r>
+            <a:r>
+              <a:rPr lang="en-US" b="0" i="0" dirty="0">
+                <a:solidFill>
+                  <a:schemeClr val="tx1">
+                    <a:lumMod val="85000"/>
+                  </a:schemeClr>
+                </a:solidFill>
+                <a:effectLst/>
+                <a:latin typeface="Open Sans" panose="020B0606030504020204" pitchFamily="34" charset="0"/>
+              </a:rPr>
+              <a:t> is an </a:t>
+            </a:r>
+            <a:r>
+              <a:rPr lang="en-US" dirty="0">
+                <a:solidFill>
+                  <a:srgbClr val="00B0F0"/>
+                </a:solidFill>
+                <a:latin typeface="Open Sans" panose="020B0606030504020204" pitchFamily="34" charset="0"/>
+              </a:rPr>
+              <a:t>object that maps keys to values</a:t>
+            </a:r>
+            <a:r>
+              <a:rPr lang="en-US" b="0" i="0" dirty="0">
+                <a:solidFill>
+                  <a:schemeClr val="tx1">
+                    <a:lumMod val="85000"/>
+                  </a:schemeClr>
+                </a:solidFill>
+                <a:effectLst/>
+                <a:latin typeface="Open Sans" panose="020B0606030504020204" pitchFamily="34" charset="0"/>
+              </a:rPr>
+              <a:t>. A map </a:t>
+            </a:r>
+            <a:r>
+              <a:rPr lang="en-US" dirty="0">
+                <a:solidFill>
+                  <a:srgbClr val="00B0F0"/>
+                </a:solidFill>
+                <a:latin typeface="Open Sans" panose="020B0606030504020204" pitchFamily="34" charset="0"/>
+              </a:rPr>
+              <a:t>cannot contain duplicate keys</a:t>
+            </a:r>
+            <a:r>
+              <a:rPr lang="en-US" b="0" i="0" dirty="0">
+                <a:solidFill>
+                  <a:schemeClr val="tx1">
+                    <a:lumMod val="85000"/>
+                  </a:schemeClr>
+                </a:solidFill>
+                <a:effectLst/>
+                <a:latin typeface="Open Sans" panose="020B0606030504020204" pitchFamily="34" charset="0"/>
+              </a:rPr>
+              <a:t>: Each key can map to at most one value. It models the mathematical function abstraction. The Map interface includes methods for basic operations (such as put, get, remove, </a:t>
+            </a:r>
+            <a:r>
+              <a:rPr lang="en-US" b="0" i="0" dirty="0" err="1">
+                <a:solidFill>
+                  <a:schemeClr val="tx1">
+                    <a:lumMod val="85000"/>
+                  </a:schemeClr>
+                </a:solidFill>
+                <a:effectLst/>
+                <a:latin typeface="Open Sans" panose="020B0606030504020204" pitchFamily="34" charset="0"/>
+              </a:rPr>
+              <a:t>containsKey</a:t>
+            </a:r>
+            <a:r>
+              <a:rPr lang="en-US" b="0" i="0" dirty="0">
+                <a:solidFill>
+                  <a:schemeClr val="tx1">
+                    <a:lumMod val="85000"/>
+                  </a:schemeClr>
+                </a:solidFill>
+                <a:effectLst/>
+                <a:latin typeface="Open Sans" panose="020B0606030504020204" pitchFamily="34" charset="0"/>
+              </a:rPr>
+              <a:t>, </a:t>
+            </a:r>
+            <a:r>
+              <a:rPr lang="en-US" b="0" i="0" dirty="0" err="1">
+                <a:solidFill>
+                  <a:schemeClr val="tx1">
+                    <a:lumMod val="85000"/>
+                  </a:schemeClr>
+                </a:solidFill>
+                <a:effectLst/>
+                <a:latin typeface="Open Sans" panose="020B0606030504020204" pitchFamily="34" charset="0"/>
+              </a:rPr>
+              <a:t>containsValue</a:t>
+            </a:r>
+            <a:r>
+              <a:rPr lang="en-US" b="0" i="0" dirty="0">
+                <a:solidFill>
+                  <a:schemeClr val="tx1">
+                    <a:lumMod val="85000"/>
+                  </a:schemeClr>
+                </a:solidFill>
+                <a:effectLst/>
+                <a:latin typeface="Open Sans" panose="020B0606030504020204" pitchFamily="34" charset="0"/>
+              </a:rPr>
+              <a:t>, size, and empty), bulk operations (such as </a:t>
+            </a:r>
+            <a:r>
+              <a:rPr lang="en-US" b="0" i="0" dirty="0" err="1">
+                <a:solidFill>
+                  <a:schemeClr val="tx1">
+                    <a:lumMod val="85000"/>
+                  </a:schemeClr>
+                </a:solidFill>
+                <a:effectLst/>
+                <a:latin typeface="Open Sans" panose="020B0606030504020204" pitchFamily="34" charset="0"/>
+              </a:rPr>
+              <a:t>putAll</a:t>
+            </a:r>
+            <a:r>
+              <a:rPr lang="en-US" b="0" i="0" dirty="0">
+                <a:solidFill>
+                  <a:schemeClr val="tx1">
+                    <a:lumMod val="85000"/>
+                  </a:schemeClr>
+                </a:solidFill>
+                <a:effectLst/>
+                <a:latin typeface="Open Sans" panose="020B0606030504020204" pitchFamily="34" charset="0"/>
+              </a:rPr>
+              <a:t> and clear), and collection views (such as </a:t>
+            </a:r>
+            <a:r>
+              <a:rPr lang="en-US" b="0" i="0" dirty="0" err="1">
+                <a:solidFill>
+                  <a:schemeClr val="tx1">
+                    <a:lumMod val="85000"/>
+                  </a:schemeClr>
+                </a:solidFill>
+                <a:effectLst/>
+                <a:latin typeface="Open Sans" panose="020B0606030504020204" pitchFamily="34" charset="0"/>
+              </a:rPr>
+              <a:t>keySet</a:t>
+            </a:r>
+            <a:r>
+              <a:rPr lang="en-US" b="0" i="0" dirty="0">
+                <a:solidFill>
+                  <a:schemeClr val="tx1">
+                    <a:lumMod val="85000"/>
+                  </a:schemeClr>
+                </a:solidFill>
+                <a:effectLst/>
+                <a:latin typeface="Open Sans" panose="020B0606030504020204" pitchFamily="34" charset="0"/>
+              </a:rPr>
+              <a:t>, </a:t>
+            </a:r>
+            <a:r>
+              <a:rPr lang="en-US" b="0" i="0" dirty="0" err="1">
+                <a:solidFill>
+                  <a:schemeClr val="tx1">
+                    <a:lumMod val="85000"/>
+                  </a:schemeClr>
+                </a:solidFill>
+                <a:effectLst/>
+                <a:latin typeface="Open Sans" panose="020B0606030504020204" pitchFamily="34" charset="0"/>
+              </a:rPr>
+              <a:t>entrySet</a:t>
+            </a:r>
+            <a:r>
+              <a:rPr lang="en-US" b="0" i="0" dirty="0">
+                <a:solidFill>
+                  <a:schemeClr val="tx1">
+                    <a:lumMod val="85000"/>
+                  </a:schemeClr>
+                </a:solidFill>
+                <a:effectLst/>
+                <a:latin typeface="Open Sans" panose="020B0606030504020204" pitchFamily="34" charset="0"/>
+              </a:rPr>
+              <a:t>, and values).</a:t>
+            </a:r>
+          </a:p>
+          <a:p>
+            <a:pPr algn="l"/>
+            <a:endParaRPr lang="en-US" b="0" i="0" dirty="0">
+              <a:solidFill>
+                <a:schemeClr val="tx1">
+                  <a:lumMod val="85000"/>
+                </a:schemeClr>
+              </a:solidFill>
+              <a:effectLst/>
+              <a:latin typeface="Open Sans" panose="020B0606030504020204" pitchFamily="34" charset="0"/>
+            </a:endParaRPr>
+          </a:p>
+          <a:p>
+            <a:pPr algn="l"/>
+            <a:r>
+              <a:rPr lang="en-US" b="0" i="0" dirty="0">
+                <a:solidFill>
+                  <a:schemeClr val="tx1">
+                    <a:lumMod val="85000"/>
+                  </a:schemeClr>
+                </a:solidFill>
+                <a:effectLst/>
+                <a:latin typeface="Open Sans" panose="020B0606030504020204" pitchFamily="34" charset="0"/>
+              </a:rPr>
+              <a:t>The Java platform contains three general-purpose Map implementations: </a:t>
+            </a:r>
+            <a:r>
+              <a:rPr lang="en-US" dirty="0">
+                <a:solidFill>
+                  <a:srgbClr val="00B0F0"/>
+                </a:solidFill>
+                <a:latin typeface="Open Sans" panose="020B0606030504020204" pitchFamily="34" charset="0"/>
+              </a:rPr>
+              <a:t>HashMap, </a:t>
+            </a:r>
+            <a:r>
+              <a:rPr lang="en-US" dirty="0" err="1">
+                <a:solidFill>
+                  <a:srgbClr val="00B0F0"/>
+                </a:solidFill>
+                <a:latin typeface="Open Sans" panose="020B0606030504020204" pitchFamily="34" charset="0"/>
+              </a:rPr>
+              <a:t>TreeMap</a:t>
+            </a:r>
+            <a:r>
+              <a:rPr lang="en-US" dirty="0">
+                <a:solidFill>
+                  <a:srgbClr val="00B0F0"/>
+                </a:solidFill>
+                <a:latin typeface="Open Sans" panose="020B0606030504020204" pitchFamily="34" charset="0"/>
+              </a:rPr>
+              <a:t>, and </a:t>
+            </a:r>
+            <a:r>
+              <a:rPr lang="en-US" dirty="0" err="1">
+                <a:solidFill>
+                  <a:srgbClr val="00B0F0"/>
+                </a:solidFill>
+                <a:latin typeface="Open Sans" panose="020B0606030504020204" pitchFamily="34" charset="0"/>
+              </a:rPr>
+              <a:t>LinkedHashMap</a:t>
+            </a:r>
+            <a:r>
+              <a:rPr lang="en-US" b="0" i="0" dirty="0">
+                <a:solidFill>
+                  <a:schemeClr val="tx1">
+                    <a:lumMod val="85000"/>
+                  </a:schemeClr>
+                </a:solidFill>
+                <a:effectLst/>
+                <a:latin typeface="Open Sans" panose="020B0606030504020204" pitchFamily="34" charset="0"/>
+              </a:rPr>
+              <a:t>. Their behavior and performance are precisely analogous to HashSet, </a:t>
+            </a:r>
+            <a:r>
+              <a:rPr lang="en-US" b="0" i="0" dirty="0" err="1">
+                <a:solidFill>
+                  <a:schemeClr val="tx1">
+                    <a:lumMod val="85000"/>
+                  </a:schemeClr>
+                </a:solidFill>
+                <a:effectLst/>
+                <a:latin typeface="Open Sans" panose="020B0606030504020204" pitchFamily="34" charset="0"/>
+              </a:rPr>
+              <a:t>TreeSet</a:t>
+            </a:r>
+            <a:r>
+              <a:rPr lang="en-US" b="0" i="0" dirty="0">
+                <a:solidFill>
+                  <a:schemeClr val="tx1">
+                    <a:lumMod val="85000"/>
+                  </a:schemeClr>
+                </a:solidFill>
+                <a:effectLst/>
+                <a:latin typeface="Open Sans" panose="020B0606030504020204" pitchFamily="34" charset="0"/>
+              </a:rPr>
+              <a:t>, and </a:t>
+            </a:r>
+            <a:r>
+              <a:rPr lang="en-US" b="0" i="0" dirty="0" err="1">
+                <a:solidFill>
+                  <a:schemeClr val="tx1">
+                    <a:lumMod val="85000"/>
+                  </a:schemeClr>
+                </a:solidFill>
+                <a:effectLst/>
+                <a:latin typeface="Open Sans" panose="020B0606030504020204" pitchFamily="34" charset="0"/>
+              </a:rPr>
+              <a:t>LinkedHashSet</a:t>
+            </a:r>
+            <a:r>
+              <a:rPr lang="en-US" b="0" i="0" dirty="0">
+                <a:solidFill>
+                  <a:schemeClr val="tx1">
+                    <a:lumMod val="85000"/>
+                  </a:schemeClr>
+                </a:solidFill>
+                <a:effectLst/>
+                <a:latin typeface="Open Sans" panose="020B0606030504020204" pitchFamily="34" charset="0"/>
+              </a:rPr>
+              <a:t>, as described in The Set Interface section.</a:t>
+            </a:r>
+          </a:p>
+        </p:txBody>
+      </p:sp>
+      <p:sp>
+        <p:nvSpPr>
+          <p:cNvPr id="3" name="TextBox 2">
+            <a:extLst>
+              <a:ext uri="{FF2B5EF4-FFF2-40B4-BE49-F238E27FC236}">
+                <a16:creationId xmlns:a16="http://schemas.microsoft.com/office/drawing/2014/main" id="{24A5F382-564E-CC53-4829-1E1BD61A1C6D}"/>
+              </a:ext>
+            </a:extLst>
+          </p:cNvPr>
+          <p:cNvSpPr txBox="1"/>
+          <p:nvPr/>
+        </p:nvSpPr>
+        <p:spPr>
+          <a:xfrm>
+            <a:off x="2883379" y="6332115"/>
+            <a:ext cx="9400636" cy="369332"/>
+          </a:xfrm>
+          <a:prstGeom prst="rect">
+            <a:avLst/>
+          </a:prstGeom>
+          <a:noFill/>
+        </p:spPr>
+        <p:txBody>
+          <a:bodyPr wrap="square">
+            <a:spAutoFit/>
+          </a:bodyPr>
+          <a:lstStyle/>
+          <a:p>
+            <a:r>
+              <a:rPr lang="en-US" dirty="0">
+                <a:hlinkClick r:id="rId2"/>
+              </a:rPr>
+              <a:t>https://github.com/ckiefriter1/Java-Code-Examples/blob/main/src/collections/MapExample.java</a:t>
+            </a:r>
+            <a:endParaRPr lang="en-US" dirty="0"/>
+          </a:p>
+        </p:txBody>
+      </p:sp>
+    </p:spTree>
+    <p:extLst>
+      <p:ext uri="{BB962C8B-B14F-4D97-AF65-F5344CB8AC3E}">
+        <p14:creationId xmlns:p14="http://schemas.microsoft.com/office/powerpoint/2010/main" val="2582931961"/>
+      </p:ext>
+    </p:extLst>
+  </p:cSld>
+  <p:clrMapOvr>
+    <a:masterClrMapping/>
+  </p:clrMapOvr>
+</p:sld>
+</file>
+
+<file path=ppt/slides/slide11.xml><?xml version="1.0" encoding="utf-8"?>
+<p:sld xmlns:a="http://schemas.openxmlformats.org/drawingml/2006/main" xmlns:r="http://schemas.openxmlformats.org/officeDocument/2006/relationships" xmlns:p="http://schemas.openxmlformats.org/presentationml/2006/main">
+  <p:cSld>
+    <p:spTree>
+      <p:nvGrpSpPr>
+        <p:cNvPr id="1" name=""/>
+        <p:cNvGrpSpPr/>
+        <p:nvPr/>
+      </p:nvGrpSpPr>
+      <p:grpSpPr>
+        <a:xfrm>
+          <a:off x="0" y="0"/>
+          <a:ext cx="0" cy="0"/>
+          <a:chOff x="0" y="0"/>
+          <a:chExt cx="0" cy="0"/>
+        </a:xfrm>
+      </p:grpSpPr>
+      <p:sp>
+        <p:nvSpPr>
+          <p:cNvPr id="6" name="TextBox 5">
+            <a:extLst>
+              <a:ext uri="{FF2B5EF4-FFF2-40B4-BE49-F238E27FC236}">
+                <a16:creationId xmlns:a16="http://schemas.microsoft.com/office/drawing/2014/main" id="{59E906CD-110B-9D01-732C-2F21759B0265}"/>
+              </a:ext>
+            </a:extLst>
+          </p:cNvPr>
+          <p:cNvSpPr txBox="1"/>
+          <p:nvPr/>
+        </p:nvSpPr>
+        <p:spPr>
+          <a:xfrm>
+            <a:off x="193251" y="91915"/>
+            <a:ext cx="6094854" cy="461665"/>
+          </a:xfrm>
+          <a:prstGeom prst="rect">
+            <a:avLst/>
+          </a:prstGeom>
+          <a:noFill/>
+        </p:spPr>
+        <p:txBody>
+          <a:bodyPr wrap="square">
+            <a:spAutoFit/>
+          </a:bodyPr>
+          <a:lstStyle/>
+          <a:p>
+            <a:pPr algn="l"/>
+            <a:r>
+              <a:rPr lang="en-US" sz="2400" b="1" dirty="0">
+                <a:solidFill>
+                  <a:srgbClr val="00B050"/>
+                </a:solidFill>
+                <a:effectLst/>
+                <a:latin typeface="Open Sans" panose="020B0606030504020204" pitchFamily="34" charset="0"/>
+              </a:rPr>
               <a:t>Java Wrapper Classes</a:t>
             </a:r>
           </a:p>
@@ -5731,7 +6320,7 @@
 </p:sld>
 </file>
 
-<file path=ppt/slides/slide11.xml><?xml version="1.0" encoding="utf-8"?>
+<file path=ppt/slides/slide12.xml><?xml version="1.0" encoding="utf-8"?>
 <p:sld xmlns:a="http://schemas.openxmlformats.org/drawingml/2006/main" xmlns:r="http://schemas.openxmlformats.org/officeDocument/2006/relationships" xmlns:p="http://schemas.openxmlformats.org/presentationml/2006/main">
   <p:cSld>
     <p:spTree>
@@ -5828,7 +6417,7 @@
 </p:sld>
 </file>
 
-<file path=ppt/slides/slide12.xml><?xml version="1.0" encoding="utf-8"?>
+<file path=ppt/slides/slide13.xml><?xml version="1.0" encoding="utf-8"?>
 <p:sld xmlns:a="http://schemas.openxmlformats.org/drawingml/2006/main" xmlns:r="http://schemas.openxmlformats.org/officeDocument/2006/relationships" xmlns:p="http://schemas.openxmlformats.org/presentationml/2006/main">
   <p:cSld>
     <p:spTree>
@@ -6256,7 +6845,7 @@
 </p:sld>
 </file>
 
-<file path=ppt/slides/slide13.xml><?xml version="1.0" encoding="utf-8"?>
+<file path=ppt/slides/slide14.xml><?xml version="1.0" encoding="utf-8"?>
 <p:sld xmlns:a="http://schemas.openxmlformats.org/drawingml/2006/main" xmlns:r="http://schemas.openxmlformats.org/officeDocument/2006/relationships" xmlns:p="http://schemas.openxmlformats.org/presentationml/2006/main">
   <p:cSld>
     <p:spTree>

--- a/Week4/BESD Week 4.pptx
+++ b/Week4/BESD Week 4.pptx
@@ -10,15 +10,17 @@
     <p:sldId id="256" r:id="rId4"/>
     <p:sldId id="288" r:id="rId5"/>
     <p:sldId id="265" r:id="rId6"/>
-    <p:sldId id="278" r:id="rId7"/>
-    <p:sldId id="289" r:id="rId8"/>
-    <p:sldId id="290" r:id="rId9"/>
-    <p:sldId id="291" r:id="rId10"/>
-    <p:sldId id="293" r:id="rId11"/>
-    <p:sldId id="292" r:id="rId12"/>
-    <p:sldId id="286" r:id="rId13"/>
-    <p:sldId id="287" r:id="rId14"/>
-    <p:sldId id="260" r:id="rId15"/>
+    <p:sldId id="294" r:id="rId7"/>
+    <p:sldId id="305" r:id="rId8"/>
+    <p:sldId id="278" r:id="rId9"/>
+    <p:sldId id="289" r:id="rId10"/>
+    <p:sldId id="290" r:id="rId11"/>
+    <p:sldId id="291" r:id="rId12"/>
+    <p:sldId id="293" r:id="rId13"/>
+    <p:sldId id="292" r:id="rId14"/>
+    <p:sldId id="286" r:id="rId15"/>
+    <p:sldId id="287" r:id="rId16"/>
+    <p:sldId id="260" r:id="rId17"/>
   </p:sldIdLst>
   <p:sldSz cx="12192000" cy="6858000"/>
   <p:notesSz cx="6858000" cy="9144000"/>
@@ -128,13 +130,580 @@
 <file path=ppt/revisionInfo.xml><?xml version="1.0" encoding="utf-8"?>
 <p1510:revInfo xmlns:a="http://schemas.openxmlformats.org/drawingml/2006/main" xmlns:r="http://schemas.openxmlformats.org/officeDocument/2006/relationships" xmlns:p1510="http://schemas.microsoft.com/office/powerpoint/2015/10/main">
   <p1510:revLst>
-    <p1510:client id="{8CB59AA7-7A73-42A3-88B3-E53E303BB376}" v="2" dt="2024-01-17T03:42:20.234"/>
+    <p1510:client id="{2697E729-9D9A-438C-B341-43C1F5F37DD7}" v="2" dt="2024-02-28T22:39:36.450"/>
   </p1510:revLst>
 </p1510:revInfo>
 </file>
 
 <file path=ppt/changesInfos/changesInfo1.xml><?xml version="1.0" encoding="utf-8"?>
 <pc:chgInfo xmlns:a="http://schemas.openxmlformats.org/drawingml/2006/main" xmlns:r="http://schemas.openxmlformats.org/officeDocument/2006/relationships" xmlns:ac="http://schemas.microsoft.com/office/drawing/2013/main/command" xmlns:pc="http://schemas.microsoft.com/office/powerpoint/2013/main/command">
+  <pc:docChgLst>
+    <pc:chgData name="Charles Kiefriter" userId="a996b49251c4dfd2" providerId="LiveId" clId="{8CB59AA7-7A73-42A3-88B3-E53E303BB376}"/>
+    <pc:docChg chg="custSel addSld modSld">
+      <pc:chgData name="Charles Kiefriter" userId="a996b49251c4dfd2" providerId="LiveId" clId="{8CB59AA7-7A73-42A3-88B3-E53E303BB376}" dt="2024-01-17T03:42:12.071" v="65" actId="1076"/>
+      <pc:docMkLst>
+        <pc:docMk/>
+      </pc:docMkLst>
+      <pc:sldChg chg="modSp mod">
+        <pc:chgData name="Charles Kiefriter" userId="a996b49251c4dfd2" providerId="LiveId" clId="{8CB59AA7-7A73-42A3-88B3-E53E303BB376}" dt="2024-01-10T01:07:06.853" v="43" actId="20577"/>
+        <pc:sldMkLst>
+          <pc:docMk/>
+          <pc:sldMk cId="3194223319" sldId="263"/>
+        </pc:sldMkLst>
+        <pc:spChg chg="mod">
+          <ac:chgData name="Charles Kiefriter" userId="a996b49251c4dfd2" providerId="LiveId" clId="{8CB59AA7-7A73-42A3-88B3-E53E303BB376}" dt="2024-01-10T01:07:06.853" v="43" actId="20577"/>
+          <ac:spMkLst>
+            <pc:docMk/>
+            <pc:sldMk cId="3194223319" sldId="263"/>
+            <ac:spMk id="3" creationId="{23DFC7E9-54DD-38D7-0B9B-D34948D68CF9}"/>
+          </ac:spMkLst>
+        </pc:spChg>
+      </pc:sldChg>
+      <pc:sldChg chg="addSp delSp modSp add mod">
+        <pc:chgData name="Charles Kiefriter" userId="a996b49251c4dfd2" providerId="LiveId" clId="{8CB59AA7-7A73-42A3-88B3-E53E303BB376}" dt="2024-01-17T03:42:12.071" v="65" actId="1076"/>
+        <pc:sldMkLst>
+          <pc:docMk/>
+          <pc:sldMk cId="2582931961" sldId="293"/>
+        </pc:sldMkLst>
+        <pc:spChg chg="add mod">
+          <ac:chgData name="Charles Kiefriter" userId="a996b49251c4dfd2" providerId="LiveId" clId="{8CB59AA7-7A73-42A3-88B3-E53E303BB376}" dt="2024-01-17T03:42:12.071" v="65" actId="1076"/>
+          <ac:spMkLst>
+            <pc:docMk/>
+            <pc:sldMk cId="2582931961" sldId="293"/>
+            <ac:spMk id="3" creationId="{24A5F382-564E-CC53-4829-1E1BD61A1C6D}"/>
+          </ac:spMkLst>
+        </pc:spChg>
+        <pc:spChg chg="mod">
+          <ac:chgData name="Charles Kiefriter" userId="a996b49251c4dfd2" providerId="LiveId" clId="{8CB59AA7-7A73-42A3-88B3-E53E303BB376}" dt="2024-01-17T03:41:40.418" v="58" actId="108"/>
+          <ac:spMkLst>
+            <pc:docMk/>
+            <pc:sldMk cId="2582931961" sldId="293"/>
+            <ac:spMk id="4" creationId="{C0B26727-0F97-5A73-B4ED-6BE65E07E5DB}"/>
+          </ac:spMkLst>
+        </pc:spChg>
+        <pc:spChg chg="mod">
+          <ac:chgData name="Charles Kiefriter" userId="a996b49251c4dfd2" providerId="LiveId" clId="{8CB59AA7-7A73-42A3-88B3-E53E303BB376}" dt="2024-01-17T03:40:33.627" v="52" actId="20577"/>
+          <ac:spMkLst>
+            <pc:docMk/>
+            <pc:sldMk cId="2582931961" sldId="293"/>
+            <ac:spMk id="6" creationId="{59E906CD-110B-9D01-732C-2F21759B0265}"/>
+          </ac:spMkLst>
+        </pc:spChg>
+        <pc:spChg chg="del mod">
+          <ac:chgData name="Charles Kiefriter" userId="a996b49251c4dfd2" providerId="LiveId" clId="{8CB59AA7-7A73-42A3-88B3-E53E303BB376}" dt="2024-01-17T03:41:50.962" v="60" actId="478"/>
+          <ac:spMkLst>
+            <pc:docMk/>
+            <pc:sldMk cId="2582931961" sldId="293"/>
+            <ac:spMk id="8" creationId="{7C40366F-ED76-9B97-8CF7-3BAFEF94FE77}"/>
+          </ac:spMkLst>
+        </pc:spChg>
+      </pc:sldChg>
+    </pc:docChg>
+  </pc:docChgLst>
+  <pc:docChgLst>
+    <pc:chgData name="Chuck Kiefriter" userId="c57348f7-b440-4861-a58f-c89f414ea74a" providerId="ADAL" clId="{CEAAE73E-A3C0-4EF3-8264-4F08772B5760}"/>
+    <pc:docChg chg="undo custSel addSld delSld modSld">
+      <pc:chgData name="Chuck Kiefriter" userId="c57348f7-b440-4861-a58f-c89f414ea74a" providerId="ADAL" clId="{CEAAE73E-A3C0-4EF3-8264-4F08772B5760}" dt="2023-03-21T23:02:03.008" v="988" actId="6549"/>
+      <pc:docMkLst>
+        <pc:docMk/>
+      </pc:docMkLst>
+      <pc:sldChg chg="addSp delSp modSp mod">
+        <pc:chgData name="Chuck Kiefriter" userId="c57348f7-b440-4861-a58f-c89f414ea74a" providerId="ADAL" clId="{CEAAE73E-A3C0-4EF3-8264-4F08772B5760}" dt="2023-03-20T00:52:59.383" v="449" actId="1038"/>
+        <pc:sldMkLst>
+          <pc:docMk/>
+          <pc:sldMk cId="3995279466" sldId="256"/>
+        </pc:sldMkLst>
+        <pc:spChg chg="mod">
+          <ac:chgData name="Chuck Kiefriter" userId="c57348f7-b440-4861-a58f-c89f414ea74a" providerId="ADAL" clId="{CEAAE73E-A3C0-4EF3-8264-4F08772B5760}" dt="2023-03-20T00:32:06.566" v="230" actId="14100"/>
+          <ac:spMkLst>
+            <pc:docMk/>
+            <pc:sldMk cId="3995279466" sldId="256"/>
+            <ac:spMk id="3" creationId="{A6B2E4B2-9556-220D-A265-44C9FD951EE6}"/>
+          </ac:spMkLst>
+        </pc:spChg>
+        <pc:spChg chg="add mod">
+          <ac:chgData name="Chuck Kiefriter" userId="c57348f7-b440-4861-a58f-c89f414ea74a" providerId="ADAL" clId="{CEAAE73E-A3C0-4EF3-8264-4F08772B5760}" dt="2023-03-20T00:52:59.383" v="449" actId="1038"/>
+          <ac:spMkLst>
+            <pc:docMk/>
+            <pc:sldMk cId="3995279466" sldId="256"/>
+            <ac:spMk id="4" creationId="{2BADD1C9-CF72-0C69-861B-7E5D509DA5B2}"/>
+          </ac:spMkLst>
+        </pc:spChg>
+        <pc:spChg chg="mod">
+          <ac:chgData name="Chuck Kiefriter" userId="c57348f7-b440-4861-a58f-c89f414ea74a" providerId="ADAL" clId="{CEAAE73E-A3C0-4EF3-8264-4F08772B5760}" dt="2023-03-19T22:41:44.062" v="187" actId="20577"/>
+          <ac:spMkLst>
+            <pc:docMk/>
+            <pc:sldMk cId="3995279466" sldId="256"/>
+            <ac:spMk id="6" creationId="{DE3DBA5A-FA8E-46C6-1402-E5C7632F4CAD}"/>
+          </ac:spMkLst>
+        </pc:spChg>
+        <pc:spChg chg="add mod">
+          <ac:chgData name="Chuck Kiefriter" userId="c57348f7-b440-4861-a58f-c89f414ea74a" providerId="ADAL" clId="{CEAAE73E-A3C0-4EF3-8264-4F08772B5760}" dt="2023-03-20T00:52:59.383" v="449" actId="1038"/>
+          <ac:spMkLst>
+            <pc:docMk/>
+            <pc:sldMk cId="3995279466" sldId="256"/>
+            <ac:spMk id="7" creationId="{4F528AA2-6361-22B4-C232-EF99675F9D72}"/>
+          </ac:spMkLst>
+        </pc:spChg>
+        <pc:spChg chg="add mod">
+          <ac:chgData name="Chuck Kiefriter" userId="c57348f7-b440-4861-a58f-c89f414ea74a" providerId="ADAL" clId="{CEAAE73E-A3C0-4EF3-8264-4F08772B5760}" dt="2023-03-20T00:52:59.383" v="449" actId="1038"/>
+          <ac:spMkLst>
+            <pc:docMk/>
+            <pc:sldMk cId="3995279466" sldId="256"/>
+            <ac:spMk id="9" creationId="{06F995E6-DACC-B060-CDB5-BB562B195537}"/>
+          </ac:spMkLst>
+        </pc:spChg>
+        <pc:spChg chg="mod">
+          <ac:chgData name="Chuck Kiefriter" userId="c57348f7-b440-4861-a58f-c89f414ea74a" providerId="ADAL" clId="{CEAAE73E-A3C0-4EF3-8264-4F08772B5760}" dt="2023-03-20T00:52:45.699" v="401" actId="1035"/>
+          <ac:spMkLst>
+            <pc:docMk/>
+            <pc:sldMk cId="3995279466" sldId="256"/>
+            <ac:spMk id="10" creationId="{EA3D5ED0-1762-C438-DD7C-B32C5582A339}"/>
+          </ac:spMkLst>
+        </pc:spChg>
+        <pc:spChg chg="del">
+          <ac:chgData name="Chuck Kiefriter" userId="c57348f7-b440-4861-a58f-c89f414ea74a" providerId="ADAL" clId="{CEAAE73E-A3C0-4EF3-8264-4F08772B5760}" dt="2023-03-19T22:42:40.760" v="188" actId="478"/>
+          <ac:spMkLst>
+            <pc:docMk/>
+            <pc:sldMk cId="3995279466" sldId="256"/>
+            <ac:spMk id="12" creationId="{18FCF58A-E768-0BFC-8A0B-3881F7F528D8}"/>
+          </ac:spMkLst>
+        </pc:spChg>
+        <pc:graphicFrameChg chg="del">
+          <ac:chgData name="Chuck Kiefriter" userId="c57348f7-b440-4861-a58f-c89f414ea74a" providerId="ADAL" clId="{CEAAE73E-A3C0-4EF3-8264-4F08772B5760}" dt="2023-03-19T22:42:40.760" v="188" actId="478"/>
+          <ac:graphicFrameMkLst>
+            <pc:docMk/>
+            <pc:sldMk cId="3995279466" sldId="256"/>
+            <ac:graphicFrameMk id="13" creationId="{BB1305A0-0446-F701-7436-EA612090B033}"/>
+          </ac:graphicFrameMkLst>
+        </pc:graphicFrameChg>
+      </pc:sldChg>
+      <pc:sldChg chg="modSp mod">
+        <pc:chgData name="Chuck Kiefriter" userId="c57348f7-b440-4861-a58f-c89f414ea74a" providerId="ADAL" clId="{CEAAE73E-A3C0-4EF3-8264-4F08772B5760}" dt="2023-03-19T22:40:49.123" v="181" actId="20577"/>
+        <pc:sldMkLst>
+          <pc:docMk/>
+          <pc:sldMk cId="3194223319" sldId="263"/>
+        </pc:sldMkLst>
+        <pc:spChg chg="mod">
+          <ac:chgData name="Chuck Kiefriter" userId="c57348f7-b440-4861-a58f-c89f414ea74a" providerId="ADAL" clId="{CEAAE73E-A3C0-4EF3-8264-4F08772B5760}" dt="2023-03-19T22:40:49.123" v="181" actId="20577"/>
+          <ac:spMkLst>
+            <pc:docMk/>
+            <pc:sldMk cId="3194223319" sldId="263"/>
+            <ac:spMk id="3" creationId="{23DFC7E9-54DD-38D7-0B9B-D34948D68CF9}"/>
+          </ac:spMkLst>
+        </pc:spChg>
+      </pc:sldChg>
+      <pc:sldChg chg="modSp mod">
+        <pc:chgData name="Chuck Kiefriter" userId="c57348f7-b440-4861-a58f-c89f414ea74a" providerId="ADAL" clId="{CEAAE73E-A3C0-4EF3-8264-4F08772B5760}" dt="2023-03-15T21:04:54.713" v="90" actId="20577"/>
+        <pc:sldMkLst>
+          <pc:docMk/>
+          <pc:sldMk cId="763182894" sldId="264"/>
+        </pc:sldMkLst>
+        <pc:spChg chg="mod">
+          <ac:chgData name="Chuck Kiefriter" userId="c57348f7-b440-4861-a58f-c89f414ea74a" providerId="ADAL" clId="{CEAAE73E-A3C0-4EF3-8264-4F08772B5760}" dt="2023-03-15T21:04:54.713" v="90" actId="20577"/>
+          <ac:spMkLst>
+            <pc:docMk/>
+            <pc:sldMk cId="763182894" sldId="264"/>
+            <ac:spMk id="3" creationId="{23DFC7E9-54DD-38D7-0B9B-D34948D68CF9}"/>
+          </ac:spMkLst>
+        </pc:spChg>
+      </pc:sldChg>
+      <pc:sldChg chg="modSp mod">
+        <pc:chgData name="Chuck Kiefriter" userId="c57348f7-b440-4861-a58f-c89f414ea74a" providerId="ADAL" clId="{CEAAE73E-A3C0-4EF3-8264-4F08772B5760}" dt="2023-03-15T21:05:03.858" v="97" actId="20577"/>
+        <pc:sldMkLst>
+          <pc:docMk/>
+          <pc:sldMk cId="367428708" sldId="265"/>
+        </pc:sldMkLst>
+        <pc:spChg chg="mod">
+          <ac:chgData name="Chuck Kiefriter" userId="c57348f7-b440-4861-a58f-c89f414ea74a" providerId="ADAL" clId="{CEAAE73E-A3C0-4EF3-8264-4F08772B5760}" dt="2023-03-15T21:05:03.858" v="97" actId="20577"/>
+          <ac:spMkLst>
+            <pc:docMk/>
+            <pc:sldMk cId="367428708" sldId="265"/>
+            <ac:spMk id="3" creationId="{23DFC7E9-54DD-38D7-0B9B-D34948D68CF9}"/>
+          </ac:spMkLst>
+        </pc:spChg>
+      </pc:sldChg>
+      <pc:sldChg chg="delSp del mod">
+        <pc:chgData name="Chuck Kiefriter" userId="c57348f7-b440-4861-a58f-c89f414ea74a" providerId="ADAL" clId="{CEAAE73E-A3C0-4EF3-8264-4F08772B5760}" dt="2023-03-20T00:56:01.589" v="451" actId="2696"/>
+        <pc:sldMkLst>
+          <pc:docMk/>
+          <pc:sldMk cId="3472760250" sldId="266"/>
+        </pc:sldMkLst>
+        <pc:picChg chg="del">
+          <ac:chgData name="Chuck Kiefriter" userId="c57348f7-b440-4861-a58f-c89f414ea74a" providerId="ADAL" clId="{CEAAE73E-A3C0-4EF3-8264-4F08772B5760}" dt="2023-03-20T00:55:53.266" v="450" actId="478"/>
+          <ac:picMkLst>
+            <pc:docMk/>
+            <pc:sldMk cId="3472760250" sldId="266"/>
+            <ac:picMk id="12" creationId="{BC86969A-DE0A-FA6D-2E0B-7566AF411A68}"/>
+          </ac:picMkLst>
+        </pc:picChg>
+      </pc:sldChg>
+      <pc:sldChg chg="modSp mod">
+        <pc:chgData name="Chuck Kiefriter" userId="c57348f7-b440-4861-a58f-c89f414ea74a" providerId="ADAL" clId="{CEAAE73E-A3C0-4EF3-8264-4F08772B5760}" dt="2023-03-15T21:05:15.266" v="104" actId="20577"/>
+        <pc:sldMkLst>
+          <pc:docMk/>
+          <pc:sldMk cId="4170465764" sldId="274"/>
+        </pc:sldMkLst>
+        <pc:spChg chg="mod">
+          <ac:chgData name="Chuck Kiefriter" userId="c57348f7-b440-4861-a58f-c89f414ea74a" providerId="ADAL" clId="{CEAAE73E-A3C0-4EF3-8264-4F08772B5760}" dt="2023-03-15T21:05:15.266" v="104" actId="20577"/>
+          <ac:spMkLst>
+            <pc:docMk/>
+            <pc:sldMk cId="4170465764" sldId="274"/>
+            <ac:spMk id="3" creationId="{23DFC7E9-54DD-38D7-0B9B-D34948D68CF9}"/>
+          </ac:spMkLst>
+        </pc:spChg>
+      </pc:sldChg>
+      <pc:sldChg chg="addSp delSp modSp mod">
+        <pc:chgData name="Chuck Kiefriter" userId="c57348f7-b440-4861-a58f-c89f414ea74a" providerId="ADAL" clId="{CEAAE73E-A3C0-4EF3-8264-4F08772B5760}" dt="2023-03-20T02:06:54.913" v="624" actId="207"/>
+        <pc:sldMkLst>
+          <pc:docMk/>
+          <pc:sldMk cId="1513494963" sldId="275"/>
+        </pc:sldMkLst>
+        <pc:spChg chg="add del">
+          <ac:chgData name="Chuck Kiefriter" userId="c57348f7-b440-4861-a58f-c89f414ea74a" providerId="ADAL" clId="{CEAAE73E-A3C0-4EF3-8264-4F08772B5760}" dt="2023-03-20T02:02:35.193" v="575"/>
+          <ac:spMkLst>
+            <pc:docMk/>
+            <pc:sldMk cId="1513494963" sldId="275"/>
+            <ac:spMk id="2" creationId="{BE46888D-AF6D-1D94-6855-0D2BDE1A167F}"/>
+          </ac:spMkLst>
+        </pc:spChg>
+        <pc:spChg chg="mod">
+          <ac:chgData name="Chuck Kiefriter" userId="c57348f7-b440-4861-a58f-c89f414ea74a" providerId="ADAL" clId="{CEAAE73E-A3C0-4EF3-8264-4F08772B5760}" dt="2023-03-20T02:06:54.913" v="624" actId="207"/>
+          <ac:spMkLst>
+            <pc:docMk/>
+            <pc:sldMk cId="1513494963" sldId="275"/>
+            <ac:spMk id="5" creationId="{9DB63145-E59C-9501-8AA5-4E6AC5C0D40F}"/>
+          </ac:spMkLst>
+        </pc:spChg>
+        <pc:spChg chg="mod">
+          <ac:chgData name="Chuck Kiefriter" userId="c57348f7-b440-4861-a58f-c89f414ea74a" providerId="ADAL" clId="{CEAAE73E-A3C0-4EF3-8264-4F08772B5760}" dt="2023-03-20T02:02:54.072" v="598" actId="20577"/>
+          <ac:spMkLst>
+            <pc:docMk/>
+            <pc:sldMk cId="1513494963" sldId="275"/>
+            <ac:spMk id="6" creationId="{59E906CD-110B-9D01-732C-2F21759B0265}"/>
+          </ac:spMkLst>
+        </pc:spChg>
+        <pc:picChg chg="del">
+          <ac:chgData name="Chuck Kiefriter" userId="c57348f7-b440-4861-a58f-c89f414ea74a" providerId="ADAL" clId="{CEAAE73E-A3C0-4EF3-8264-4F08772B5760}" dt="2023-03-20T02:02:29.241" v="573" actId="478"/>
+          <ac:picMkLst>
+            <pc:docMk/>
+            <pc:sldMk cId="1513494963" sldId="275"/>
+            <ac:picMk id="3" creationId="{0E14C303-4A08-9E3D-827C-D6CF995E9C7A}"/>
+          </ac:picMkLst>
+        </pc:picChg>
+      </pc:sldChg>
+      <pc:sldChg chg="addSp delSp modSp mod">
+        <pc:chgData name="Chuck Kiefriter" userId="c57348f7-b440-4861-a58f-c89f414ea74a" providerId="ADAL" clId="{CEAAE73E-A3C0-4EF3-8264-4F08772B5760}" dt="2023-03-20T01:40:14.037" v="572" actId="1035"/>
+        <pc:sldMkLst>
+          <pc:docMk/>
+          <pc:sldMk cId="976671966" sldId="278"/>
+        </pc:sldMkLst>
+        <pc:spChg chg="add mod">
+          <ac:chgData name="Chuck Kiefriter" userId="c57348f7-b440-4861-a58f-c89f414ea74a" providerId="ADAL" clId="{CEAAE73E-A3C0-4EF3-8264-4F08772B5760}" dt="2023-03-20T01:39:58.996" v="563" actId="1076"/>
+          <ac:spMkLst>
+            <pc:docMk/>
+            <pc:sldMk cId="976671966" sldId="278"/>
+            <ac:spMk id="3" creationId="{AECD1743-AE1E-E8A6-57D4-D340FC95D16D}"/>
+          </ac:spMkLst>
+        </pc:spChg>
+        <pc:spChg chg="mod">
+          <ac:chgData name="Chuck Kiefriter" userId="c57348f7-b440-4861-a58f-c89f414ea74a" providerId="ADAL" clId="{CEAAE73E-A3C0-4EF3-8264-4F08772B5760}" dt="2023-03-20T01:39:21.020" v="555" actId="1038"/>
+          <ac:spMkLst>
+            <pc:docMk/>
+            <pc:sldMk cId="976671966" sldId="278"/>
+            <ac:spMk id="4" creationId="{C0B26727-0F97-5A73-B4ED-6BE65E07E5DB}"/>
+          </ac:spMkLst>
+        </pc:spChg>
+        <pc:spChg chg="mod">
+          <ac:chgData name="Chuck Kiefriter" userId="c57348f7-b440-4861-a58f-c89f414ea74a" providerId="ADAL" clId="{CEAAE73E-A3C0-4EF3-8264-4F08772B5760}" dt="2023-03-20T01:06:07.991" v="518" actId="1076"/>
+          <ac:spMkLst>
+            <pc:docMk/>
+            <pc:sldMk cId="976671966" sldId="278"/>
+            <ac:spMk id="6" creationId="{59E906CD-110B-9D01-732C-2F21759B0265}"/>
+          </ac:spMkLst>
+        </pc:spChg>
+        <pc:spChg chg="add mod">
+          <ac:chgData name="Chuck Kiefriter" userId="c57348f7-b440-4861-a58f-c89f414ea74a" providerId="ADAL" clId="{CEAAE73E-A3C0-4EF3-8264-4F08772B5760}" dt="2023-03-20T01:40:14.037" v="572" actId="1035"/>
+          <ac:spMkLst>
+            <pc:docMk/>
+            <pc:sldMk cId="976671966" sldId="278"/>
+            <ac:spMk id="7" creationId="{5DAF20F1-2F34-F140-81DA-E78BF03C81E4}"/>
+          </ac:spMkLst>
+        </pc:spChg>
+        <pc:picChg chg="del">
+          <ac:chgData name="Chuck Kiefriter" userId="c57348f7-b440-4861-a58f-c89f414ea74a" providerId="ADAL" clId="{CEAAE73E-A3C0-4EF3-8264-4F08772B5760}" dt="2023-03-20T00:56:04.277" v="452" actId="478"/>
+          <ac:picMkLst>
+            <pc:docMk/>
+            <pc:sldMk cId="976671966" sldId="278"/>
+            <ac:picMk id="12" creationId="{EDDB08A4-A3C1-182F-A00B-0BE97F3C502C}"/>
+          </ac:picMkLst>
+        </pc:picChg>
+      </pc:sldChg>
+      <pc:sldChg chg="del">
+        <pc:chgData name="Chuck Kiefriter" userId="c57348f7-b440-4861-a58f-c89f414ea74a" providerId="ADAL" clId="{CEAAE73E-A3C0-4EF3-8264-4F08772B5760}" dt="2023-03-20T02:31:42.639" v="625" actId="47"/>
+        <pc:sldMkLst>
+          <pc:docMk/>
+          <pc:sldMk cId="3402929522" sldId="279"/>
+        </pc:sldMkLst>
+      </pc:sldChg>
+      <pc:sldChg chg="modSp mod">
+        <pc:chgData name="Chuck Kiefriter" userId="c57348f7-b440-4861-a58f-c89f414ea74a" providerId="ADAL" clId="{CEAAE73E-A3C0-4EF3-8264-4F08772B5760}" dt="2023-03-15T21:05:31.946" v="118" actId="20577"/>
+        <pc:sldMkLst>
+          <pc:docMk/>
+          <pc:sldMk cId="3395566764" sldId="280"/>
+        </pc:sldMkLst>
+        <pc:spChg chg="mod">
+          <ac:chgData name="Chuck Kiefriter" userId="c57348f7-b440-4861-a58f-c89f414ea74a" providerId="ADAL" clId="{CEAAE73E-A3C0-4EF3-8264-4F08772B5760}" dt="2023-03-15T21:05:31.946" v="118" actId="20577"/>
+          <ac:spMkLst>
+            <pc:docMk/>
+            <pc:sldMk cId="3395566764" sldId="280"/>
+            <ac:spMk id="3" creationId="{23DFC7E9-54DD-38D7-0B9B-D34948D68CF9}"/>
+          </ac:spMkLst>
+        </pc:spChg>
+      </pc:sldChg>
+      <pc:sldChg chg="addSp delSp modSp mod">
+        <pc:chgData name="Chuck Kiefriter" userId="c57348f7-b440-4861-a58f-c89f414ea74a" providerId="ADAL" clId="{CEAAE73E-A3C0-4EF3-8264-4F08772B5760}" dt="2023-03-21T22:58:27.146" v="986" actId="1076"/>
+        <pc:sldMkLst>
+          <pc:docMk/>
+          <pc:sldMk cId="3187156049" sldId="281"/>
+        </pc:sldMkLst>
+        <pc:spChg chg="add del mod">
+          <ac:chgData name="Chuck Kiefriter" userId="c57348f7-b440-4861-a58f-c89f414ea74a" providerId="ADAL" clId="{CEAAE73E-A3C0-4EF3-8264-4F08772B5760}" dt="2023-03-21T22:58:23.744" v="985" actId="478"/>
+          <ac:spMkLst>
+            <pc:docMk/>
+            <pc:sldMk cId="3187156049" sldId="281"/>
+            <ac:spMk id="3" creationId="{B1BCC113-17B8-CD92-4AF4-0B14B609C3EC}"/>
+          </ac:spMkLst>
+        </pc:spChg>
+        <pc:spChg chg="add mod">
+          <ac:chgData name="Chuck Kiefriter" userId="c57348f7-b440-4861-a58f-c89f414ea74a" providerId="ADAL" clId="{CEAAE73E-A3C0-4EF3-8264-4F08772B5760}" dt="2023-03-21T22:53:21.514" v="780" actId="1076"/>
+          <ac:spMkLst>
+            <pc:docMk/>
+            <pc:sldMk cId="3187156049" sldId="281"/>
+            <ac:spMk id="4" creationId="{5F4890C8-248C-DE3F-EFBE-A4EB3744954C}"/>
+          </ac:spMkLst>
+        </pc:spChg>
+        <pc:spChg chg="del mod">
+          <ac:chgData name="Chuck Kiefriter" userId="c57348f7-b440-4861-a58f-c89f414ea74a" providerId="ADAL" clId="{CEAAE73E-A3C0-4EF3-8264-4F08772B5760}" dt="2023-03-21T22:44:00.025" v="764" actId="478"/>
+          <ac:spMkLst>
+            <pc:docMk/>
+            <pc:sldMk cId="3187156049" sldId="281"/>
+            <ac:spMk id="5" creationId="{9DB63145-E59C-9501-8AA5-4E6AC5C0D40F}"/>
+          </ac:spMkLst>
+        </pc:spChg>
+        <pc:spChg chg="mod">
+          <ac:chgData name="Chuck Kiefriter" userId="c57348f7-b440-4861-a58f-c89f414ea74a" providerId="ADAL" clId="{CEAAE73E-A3C0-4EF3-8264-4F08772B5760}" dt="2023-03-20T04:34:19.666" v="743" actId="20577"/>
+          <ac:spMkLst>
+            <pc:docMk/>
+            <pc:sldMk cId="3187156049" sldId="281"/>
+            <ac:spMk id="6" creationId="{59E906CD-110B-9D01-732C-2F21759B0265}"/>
+          </ac:spMkLst>
+        </pc:spChg>
+        <pc:spChg chg="add mod">
+          <ac:chgData name="Chuck Kiefriter" userId="c57348f7-b440-4861-a58f-c89f414ea74a" providerId="ADAL" clId="{CEAAE73E-A3C0-4EF3-8264-4F08772B5760}" dt="2023-03-21T22:54:53.559" v="895" actId="1076"/>
+          <ac:spMkLst>
+            <pc:docMk/>
+            <pc:sldMk cId="3187156049" sldId="281"/>
+            <ac:spMk id="8" creationId="{C70D9D43-254A-0545-002D-C444DCDB15AD}"/>
+          </ac:spMkLst>
+        </pc:spChg>
+        <pc:spChg chg="add del">
+          <ac:chgData name="Chuck Kiefriter" userId="c57348f7-b440-4861-a58f-c89f414ea74a" providerId="ADAL" clId="{CEAAE73E-A3C0-4EF3-8264-4F08772B5760}" dt="2023-03-21T22:52:46.609" v="772"/>
+          <ac:spMkLst>
+            <pc:docMk/>
+            <pc:sldMk cId="3187156049" sldId="281"/>
+            <ac:spMk id="9" creationId="{D91EFD97-7B32-CAFA-DA27-56C69DD1B8B9}"/>
+          </ac:spMkLst>
+        </pc:spChg>
+        <pc:spChg chg="add mod">
+          <ac:chgData name="Chuck Kiefriter" userId="c57348f7-b440-4861-a58f-c89f414ea74a" providerId="ADAL" clId="{CEAAE73E-A3C0-4EF3-8264-4F08772B5760}" dt="2023-03-21T22:57:14.137" v="981" actId="1076"/>
+          <ac:spMkLst>
+            <pc:docMk/>
+            <pc:sldMk cId="3187156049" sldId="281"/>
+            <ac:spMk id="11" creationId="{FBFF1272-6FED-ACD0-CEF8-E11B1DD3B48B}"/>
+          </ac:spMkLst>
+        </pc:spChg>
+        <pc:spChg chg="add mod">
+          <ac:chgData name="Chuck Kiefriter" userId="c57348f7-b440-4861-a58f-c89f414ea74a" providerId="ADAL" clId="{CEAAE73E-A3C0-4EF3-8264-4F08772B5760}" dt="2023-03-21T22:58:27.146" v="986" actId="1076"/>
+          <ac:spMkLst>
+            <pc:docMk/>
+            <pc:sldMk cId="3187156049" sldId="281"/>
+            <ac:spMk id="13" creationId="{54490E19-5FDF-8610-D214-65ABB5B29ACD}"/>
+          </ac:spMkLst>
+        </pc:spChg>
+        <pc:picChg chg="del">
+          <ac:chgData name="Chuck Kiefriter" userId="c57348f7-b440-4861-a58f-c89f414ea74a" providerId="ADAL" clId="{CEAAE73E-A3C0-4EF3-8264-4F08772B5760}" dt="2023-03-20T04:34:21.482" v="744" actId="478"/>
+          <ac:picMkLst>
+            <pc:docMk/>
+            <pc:sldMk cId="3187156049" sldId="281"/>
+            <ac:picMk id="3" creationId="{83E4109A-5F0E-62C4-2DDC-A1744C5BE6B5}"/>
+          </ac:picMkLst>
+        </pc:picChg>
+      </pc:sldChg>
+      <pc:sldChg chg="modSp mod">
+        <pc:chgData name="Chuck Kiefriter" userId="c57348f7-b440-4861-a58f-c89f414ea74a" providerId="ADAL" clId="{CEAAE73E-A3C0-4EF3-8264-4F08772B5760}" dt="2023-03-15T21:06:00.300" v="163" actId="20577"/>
+        <pc:sldMkLst>
+          <pc:docMk/>
+          <pc:sldMk cId="2065140228" sldId="282"/>
+        </pc:sldMkLst>
+        <pc:spChg chg="mod">
+          <ac:chgData name="Chuck Kiefriter" userId="c57348f7-b440-4861-a58f-c89f414ea74a" providerId="ADAL" clId="{CEAAE73E-A3C0-4EF3-8264-4F08772B5760}" dt="2023-03-15T21:06:00.300" v="163" actId="20577"/>
+          <ac:spMkLst>
+            <pc:docMk/>
+            <pc:sldMk cId="2065140228" sldId="282"/>
+            <ac:spMk id="3" creationId="{23DFC7E9-54DD-38D7-0B9B-D34948D68CF9}"/>
+          </ac:spMkLst>
+        </pc:spChg>
+      </pc:sldChg>
+      <pc:sldChg chg="delSp modSp mod">
+        <pc:chgData name="Chuck Kiefriter" userId="c57348f7-b440-4861-a58f-c89f414ea74a" providerId="ADAL" clId="{CEAAE73E-A3C0-4EF3-8264-4F08772B5760}" dt="2023-03-21T23:02:03.008" v="988" actId="6549"/>
+        <pc:sldMkLst>
+          <pc:docMk/>
+          <pc:sldMk cId="1885158462" sldId="283"/>
+        </pc:sldMkLst>
+        <pc:spChg chg="mod">
+          <ac:chgData name="Chuck Kiefriter" userId="c57348f7-b440-4861-a58f-c89f414ea74a" providerId="ADAL" clId="{CEAAE73E-A3C0-4EF3-8264-4F08772B5760}" dt="2023-03-21T23:02:03.008" v="988" actId="6549"/>
+          <ac:spMkLst>
+            <pc:docMk/>
+            <pc:sldMk cId="1885158462" sldId="283"/>
+            <ac:spMk id="5" creationId="{9DB63145-E59C-9501-8AA5-4E6AC5C0D40F}"/>
+          </ac:spMkLst>
+        </pc:spChg>
+        <pc:spChg chg="mod">
+          <ac:chgData name="Chuck Kiefriter" userId="c57348f7-b440-4861-a58f-c89f414ea74a" providerId="ADAL" clId="{CEAAE73E-A3C0-4EF3-8264-4F08772B5760}" dt="2023-03-20T02:33:34.475" v="658" actId="20577"/>
+          <ac:spMkLst>
+            <pc:docMk/>
+            <pc:sldMk cId="1885158462" sldId="283"/>
+            <ac:spMk id="6" creationId="{59E906CD-110B-9D01-732C-2F21759B0265}"/>
+          </ac:spMkLst>
+        </pc:spChg>
+        <pc:spChg chg="del">
+          <ac:chgData name="Chuck Kiefriter" userId="c57348f7-b440-4861-a58f-c89f414ea74a" providerId="ADAL" clId="{CEAAE73E-A3C0-4EF3-8264-4F08772B5760}" dt="2023-03-20T02:33:47.335" v="661" actId="478"/>
+          <ac:spMkLst>
+            <pc:docMk/>
+            <pc:sldMk cId="1885158462" sldId="283"/>
+            <ac:spMk id="8" creationId="{ECD506A8-B7B8-3E79-FA2D-BD62C204B827}"/>
+          </ac:spMkLst>
+        </pc:spChg>
+        <pc:picChg chg="del">
+          <ac:chgData name="Chuck Kiefriter" userId="c57348f7-b440-4861-a58f-c89f414ea74a" providerId="ADAL" clId="{CEAAE73E-A3C0-4EF3-8264-4F08772B5760}" dt="2023-03-20T02:33:38.052" v="659" actId="478"/>
+          <ac:picMkLst>
+            <pc:docMk/>
+            <pc:sldMk cId="1885158462" sldId="283"/>
+            <ac:picMk id="4" creationId="{7C9F3104-C66F-0189-6D64-A0BDCF1B495F}"/>
+          </ac:picMkLst>
+        </pc:picChg>
+      </pc:sldChg>
+      <pc:sldChg chg="del">
+        <pc:chgData name="Chuck Kiefriter" userId="c57348f7-b440-4861-a58f-c89f414ea74a" providerId="ADAL" clId="{CEAAE73E-A3C0-4EF3-8264-4F08772B5760}" dt="2023-03-20T04:03:18.428" v="665" actId="47"/>
+        <pc:sldMkLst>
+          <pc:docMk/>
+          <pc:sldMk cId="356231122" sldId="284"/>
+        </pc:sldMkLst>
+      </pc:sldChg>
+      <pc:sldChg chg="addSp modSp add mod">
+        <pc:chgData name="Chuck Kiefriter" userId="c57348f7-b440-4861-a58f-c89f414ea74a" providerId="ADAL" clId="{CEAAE73E-A3C0-4EF3-8264-4F08772B5760}" dt="2023-03-20T00:39:44.108" v="365" actId="14100"/>
+        <pc:sldMkLst>
+          <pc:docMk/>
+          <pc:sldMk cId="460794980" sldId="285"/>
+        </pc:sldMkLst>
+        <pc:spChg chg="add mod">
+          <ac:chgData name="Chuck Kiefriter" userId="c57348f7-b440-4861-a58f-c89f414ea74a" providerId="ADAL" clId="{CEAAE73E-A3C0-4EF3-8264-4F08772B5760}" dt="2023-03-20T00:37:53.726" v="352" actId="1076"/>
+          <ac:spMkLst>
+            <pc:docMk/>
+            <pc:sldMk cId="460794980" sldId="285"/>
+            <ac:spMk id="4" creationId="{0A9C3E86-2548-ECB5-8430-3E2B6C004107}"/>
+          </ac:spMkLst>
+        </pc:spChg>
+        <pc:spChg chg="mod">
+          <ac:chgData name="Chuck Kiefriter" userId="c57348f7-b440-4861-a58f-c89f414ea74a" providerId="ADAL" clId="{CEAAE73E-A3C0-4EF3-8264-4F08772B5760}" dt="2023-03-20T00:28:09.677" v="229" actId="20577"/>
+          <ac:spMkLst>
+            <pc:docMk/>
+            <pc:sldMk cId="460794980" sldId="285"/>
+            <ac:spMk id="6" creationId="{DE3DBA5A-FA8E-46C6-1402-E5C7632F4CAD}"/>
+          </ac:spMkLst>
+        </pc:spChg>
+        <pc:spChg chg="add mod">
+          <ac:chgData name="Chuck Kiefriter" userId="c57348f7-b440-4861-a58f-c89f414ea74a" providerId="ADAL" clId="{CEAAE73E-A3C0-4EF3-8264-4F08772B5760}" dt="2023-03-20T00:37:53.726" v="352" actId="1076"/>
+          <ac:spMkLst>
+            <pc:docMk/>
+            <pc:sldMk cId="460794980" sldId="285"/>
+            <ac:spMk id="7" creationId="{6078F001-09B3-95A6-FBBF-049E24348AA3}"/>
+          </ac:spMkLst>
+        </pc:spChg>
+        <pc:spChg chg="mod">
+          <ac:chgData name="Chuck Kiefriter" userId="c57348f7-b440-4861-a58f-c89f414ea74a" providerId="ADAL" clId="{CEAAE73E-A3C0-4EF3-8264-4F08772B5760}" dt="2023-03-20T00:36:05.988" v="344" actId="207"/>
+          <ac:spMkLst>
+            <pc:docMk/>
+            <pc:sldMk cId="460794980" sldId="285"/>
+            <ac:spMk id="10" creationId="{EA3D5ED0-1762-C438-DD7C-B32C5582A339}"/>
+          </ac:spMkLst>
+        </pc:spChg>
+        <pc:picChg chg="add mod">
+          <ac:chgData name="Chuck Kiefriter" userId="c57348f7-b440-4861-a58f-c89f414ea74a" providerId="ADAL" clId="{CEAAE73E-A3C0-4EF3-8264-4F08772B5760}" dt="2023-03-20T00:39:44.108" v="365" actId="14100"/>
+          <ac:picMkLst>
+            <pc:docMk/>
+            <pc:sldMk cId="460794980" sldId="285"/>
+            <ac:picMk id="9" creationId="{951D6567-EE71-636D-5131-1733E9CA3EE1}"/>
+          </ac:picMkLst>
+        </pc:picChg>
+        <pc:picChg chg="add mod">
+          <ac:chgData name="Chuck Kiefriter" userId="c57348f7-b440-4861-a58f-c89f414ea74a" providerId="ADAL" clId="{CEAAE73E-A3C0-4EF3-8264-4F08772B5760}" dt="2023-03-20T00:39:41.309" v="364" actId="1076"/>
+          <ac:picMkLst>
+            <pc:docMk/>
+            <pc:sldMk cId="460794980" sldId="285"/>
+            <ac:picMk id="12" creationId="{75DBF1A8-6B47-A236-0E35-BCD7AC30E1AC}"/>
+          </ac:picMkLst>
+        </pc:picChg>
+      </pc:sldChg>
+      <pc:sldChg chg="modSp add mod">
+        <pc:chgData name="Chuck Kiefriter" userId="c57348f7-b440-4861-a58f-c89f414ea74a" providerId="ADAL" clId="{CEAAE73E-A3C0-4EF3-8264-4F08772B5760}" dt="2023-03-20T04:03:46.401" v="693" actId="1076"/>
+        <pc:sldMkLst>
+          <pc:docMk/>
+          <pc:sldMk cId="1155090792" sldId="286"/>
+        </pc:sldMkLst>
+        <pc:spChg chg="mod">
+          <ac:chgData name="Chuck Kiefriter" userId="c57348f7-b440-4861-a58f-c89f414ea74a" providerId="ADAL" clId="{CEAAE73E-A3C0-4EF3-8264-4F08772B5760}" dt="2023-03-20T04:03:46.401" v="693" actId="1076"/>
+          <ac:spMkLst>
+            <pc:docMk/>
+            <pc:sldMk cId="1155090792" sldId="286"/>
+            <ac:spMk id="3" creationId="{23DFC7E9-54DD-38D7-0B9B-D34948D68CF9}"/>
+          </ac:spMkLst>
+        </pc:spChg>
+      </pc:sldChg>
+      <pc:sldChg chg="addSp modSp add mod">
+        <pc:chgData name="Chuck Kiefriter" userId="c57348f7-b440-4861-a58f-c89f414ea74a" providerId="ADAL" clId="{CEAAE73E-A3C0-4EF3-8264-4F08772B5760}" dt="2023-03-20T04:06:13.253" v="729" actId="1076"/>
+        <pc:sldMkLst>
+          <pc:docMk/>
+          <pc:sldMk cId="424094208" sldId="287"/>
+        </pc:sldMkLst>
+        <pc:spChg chg="add mod">
+          <ac:chgData name="Chuck Kiefriter" userId="c57348f7-b440-4861-a58f-c89f414ea74a" providerId="ADAL" clId="{CEAAE73E-A3C0-4EF3-8264-4F08772B5760}" dt="2023-03-20T04:06:13.253" v="729" actId="1076"/>
+          <ac:spMkLst>
+            <pc:docMk/>
+            <pc:sldMk cId="424094208" sldId="287"/>
+            <ac:spMk id="3" creationId="{FF9F9172-C924-1C79-FA1B-3659223D7D26}"/>
+          </ac:spMkLst>
+        </pc:spChg>
+        <pc:spChg chg="mod">
+          <ac:chgData name="Chuck Kiefriter" userId="c57348f7-b440-4861-a58f-c89f414ea74a" providerId="ADAL" clId="{CEAAE73E-A3C0-4EF3-8264-4F08772B5760}" dt="2023-03-20T04:04:56.478" v="721" actId="6549"/>
+          <ac:spMkLst>
+            <pc:docMk/>
+            <pc:sldMk cId="424094208" sldId="287"/>
+            <ac:spMk id="5" creationId="{9DB63145-E59C-9501-8AA5-4E6AC5C0D40F}"/>
+          </ac:spMkLst>
+        </pc:spChg>
+        <pc:spChg chg="mod">
+          <ac:chgData name="Chuck Kiefriter" userId="c57348f7-b440-4861-a58f-c89f414ea74a" providerId="ADAL" clId="{CEAAE73E-A3C0-4EF3-8264-4F08772B5760}" dt="2023-03-20T04:03:56.659" v="717" actId="20577"/>
+          <ac:spMkLst>
+            <pc:docMk/>
+            <pc:sldMk cId="424094208" sldId="287"/>
+            <ac:spMk id="6" creationId="{59E906CD-110B-9D01-732C-2F21759B0265}"/>
+          </ac:spMkLst>
+        </pc:spChg>
+      </pc:sldChg>
+    </pc:docChg>
+  </pc:docChgLst>
   <pc:docChgLst>
     <pc:chgData name="Chuck Kiefriter" userId="c57348f7-b440-4861-a58f-c89f414ea74a" providerId="ADAL" clId="{C2FDF4A5-FE03-4269-B12C-3FB90C87A25C}"/>
     <pc:docChg chg="undo custSel addSld delSld modSld">
@@ -1252,91 +1821,20 @@
     </pc:docChg>
   </pc:docChgLst>
   <pc:docChgLst>
-    <pc:chgData name="Chuck Kiefriter" userId="c57348f7-b440-4861-a58f-c89f414ea74a" providerId="ADAL" clId="{CEAAE73E-A3C0-4EF3-8264-4F08772B5760}"/>
-    <pc:docChg chg="undo custSel addSld delSld modSld">
-      <pc:chgData name="Chuck Kiefriter" userId="c57348f7-b440-4861-a58f-c89f414ea74a" providerId="ADAL" clId="{CEAAE73E-A3C0-4EF3-8264-4F08772B5760}" dt="2023-03-21T23:02:03.008" v="988" actId="6549"/>
+    <pc:chgData name="Chuck Kiefriter" userId="a996b49251c4dfd2" providerId="LiveId" clId="{2697E729-9D9A-438C-B341-43C1F5F37DD7}"/>
+    <pc:docChg chg="custSel addSld modSld">
+      <pc:chgData name="Chuck Kiefriter" userId="a996b49251c4dfd2" providerId="LiveId" clId="{2697E729-9D9A-438C-B341-43C1F5F37DD7}" dt="2024-02-28T22:42:27.548" v="156" actId="20577"/>
       <pc:docMkLst>
         <pc:docMk/>
       </pc:docMkLst>
-      <pc:sldChg chg="addSp delSp modSp mod">
-        <pc:chgData name="Chuck Kiefriter" userId="c57348f7-b440-4861-a58f-c89f414ea74a" providerId="ADAL" clId="{CEAAE73E-A3C0-4EF3-8264-4F08772B5760}" dt="2023-03-20T00:52:59.383" v="449" actId="1038"/>
-        <pc:sldMkLst>
-          <pc:docMk/>
-          <pc:sldMk cId="3995279466" sldId="256"/>
-        </pc:sldMkLst>
-        <pc:spChg chg="mod">
-          <ac:chgData name="Chuck Kiefriter" userId="c57348f7-b440-4861-a58f-c89f414ea74a" providerId="ADAL" clId="{CEAAE73E-A3C0-4EF3-8264-4F08772B5760}" dt="2023-03-20T00:32:06.566" v="230" actId="14100"/>
-          <ac:spMkLst>
-            <pc:docMk/>
-            <pc:sldMk cId="3995279466" sldId="256"/>
-            <ac:spMk id="3" creationId="{A6B2E4B2-9556-220D-A265-44C9FD951EE6}"/>
-          </ac:spMkLst>
-        </pc:spChg>
-        <pc:spChg chg="add mod">
-          <ac:chgData name="Chuck Kiefriter" userId="c57348f7-b440-4861-a58f-c89f414ea74a" providerId="ADAL" clId="{CEAAE73E-A3C0-4EF3-8264-4F08772B5760}" dt="2023-03-20T00:52:59.383" v="449" actId="1038"/>
-          <ac:spMkLst>
-            <pc:docMk/>
-            <pc:sldMk cId="3995279466" sldId="256"/>
-            <ac:spMk id="4" creationId="{2BADD1C9-CF72-0C69-861B-7E5D509DA5B2}"/>
-          </ac:spMkLst>
-        </pc:spChg>
-        <pc:spChg chg="mod">
-          <ac:chgData name="Chuck Kiefriter" userId="c57348f7-b440-4861-a58f-c89f414ea74a" providerId="ADAL" clId="{CEAAE73E-A3C0-4EF3-8264-4F08772B5760}" dt="2023-03-19T22:41:44.062" v="187" actId="20577"/>
-          <ac:spMkLst>
-            <pc:docMk/>
-            <pc:sldMk cId="3995279466" sldId="256"/>
-            <ac:spMk id="6" creationId="{DE3DBA5A-FA8E-46C6-1402-E5C7632F4CAD}"/>
-          </ac:spMkLst>
-        </pc:spChg>
-        <pc:spChg chg="add mod">
-          <ac:chgData name="Chuck Kiefriter" userId="c57348f7-b440-4861-a58f-c89f414ea74a" providerId="ADAL" clId="{CEAAE73E-A3C0-4EF3-8264-4F08772B5760}" dt="2023-03-20T00:52:59.383" v="449" actId="1038"/>
-          <ac:spMkLst>
-            <pc:docMk/>
-            <pc:sldMk cId="3995279466" sldId="256"/>
-            <ac:spMk id="7" creationId="{4F528AA2-6361-22B4-C232-EF99675F9D72}"/>
-          </ac:spMkLst>
-        </pc:spChg>
-        <pc:spChg chg="add mod">
-          <ac:chgData name="Chuck Kiefriter" userId="c57348f7-b440-4861-a58f-c89f414ea74a" providerId="ADAL" clId="{CEAAE73E-A3C0-4EF3-8264-4F08772B5760}" dt="2023-03-20T00:52:59.383" v="449" actId="1038"/>
-          <ac:spMkLst>
-            <pc:docMk/>
-            <pc:sldMk cId="3995279466" sldId="256"/>
-            <ac:spMk id="9" creationId="{06F995E6-DACC-B060-CDB5-BB562B195537}"/>
-          </ac:spMkLst>
-        </pc:spChg>
-        <pc:spChg chg="mod">
-          <ac:chgData name="Chuck Kiefriter" userId="c57348f7-b440-4861-a58f-c89f414ea74a" providerId="ADAL" clId="{CEAAE73E-A3C0-4EF3-8264-4F08772B5760}" dt="2023-03-20T00:52:45.699" v="401" actId="1035"/>
-          <ac:spMkLst>
-            <pc:docMk/>
-            <pc:sldMk cId="3995279466" sldId="256"/>
-            <ac:spMk id="10" creationId="{EA3D5ED0-1762-C438-DD7C-B32C5582A339}"/>
-          </ac:spMkLst>
-        </pc:spChg>
-        <pc:spChg chg="del">
-          <ac:chgData name="Chuck Kiefriter" userId="c57348f7-b440-4861-a58f-c89f414ea74a" providerId="ADAL" clId="{CEAAE73E-A3C0-4EF3-8264-4F08772B5760}" dt="2023-03-19T22:42:40.760" v="188" actId="478"/>
-          <ac:spMkLst>
-            <pc:docMk/>
-            <pc:sldMk cId="3995279466" sldId="256"/>
-            <ac:spMk id="12" creationId="{18FCF58A-E768-0BFC-8A0B-3881F7F528D8}"/>
-          </ac:spMkLst>
-        </pc:spChg>
-        <pc:graphicFrameChg chg="del">
-          <ac:chgData name="Chuck Kiefriter" userId="c57348f7-b440-4861-a58f-c89f414ea74a" providerId="ADAL" clId="{CEAAE73E-A3C0-4EF3-8264-4F08772B5760}" dt="2023-03-19T22:42:40.760" v="188" actId="478"/>
-          <ac:graphicFrameMkLst>
-            <pc:docMk/>
-            <pc:sldMk cId="3995279466" sldId="256"/>
-            <ac:graphicFrameMk id="13" creationId="{BB1305A0-0446-F701-7436-EA612090B033}"/>
-          </ac:graphicFrameMkLst>
-        </pc:graphicFrameChg>
-      </pc:sldChg>
       <pc:sldChg chg="modSp mod">
-        <pc:chgData name="Chuck Kiefriter" userId="c57348f7-b440-4861-a58f-c89f414ea74a" providerId="ADAL" clId="{CEAAE73E-A3C0-4EF3-8264-4F08772B5760}" dt="2023-03-19T22:40:49.123" v="181" actId="20577"/>
+        <pc:chgData name="Chuck Kiefriter" userId="a996b49251c4dfd2" providerId="LiveId" clId="{2697E729-9D9A-438C-B341-43C1F5F37DD7}" dt="2024-02-28T21:57:15.131" v="28" actId="20577"/>
         <pc:sldMkLst>
           <pc:docMk/>
           <pc:sldMk cId="3194223319" sldId="263"/>
         </pc:sldMkLst>
         <pc:spChg chg="mod">
-          <ac:chgData name="Chuck Kiefriter" userId="c57348f7-b440-4861-a58f-c89f414ea74a" providerId="ADAL" clId="{CEAAE73E-A3C0-4EF3-8264-4F08772B5760}" dt="2023-03-19T22:40:49.123" v="181" actId="20577"/>
+          <ac:chgData name="Chuck Kiefriter" userId="a996b49251c4dfd2" providerId="LiveId" clId="{2697E729-9D9A-438C-B341-43C1F5F37DD7}" dt="2024-02-28T21:57:15.131" v="28" actId="20577"/>
           <ac:spMkLst>
             <pc:docMk/>
             <pc:sldMk cId="3194223319" sldId="263"/>
@@ -1345,28 +1843,13 @@
         </pc:spChg>
       </pc:sldChg>
       <pc:sldChg chg="modSp mod">
-        <pc:chgData name="Chuck Kiefriter" userId="c57348f7-b440-4861-a58f-c89f414ea74a" providerId="ADAL" clId="{CEAAE73E-A3C0-4EF3-8264-4F08772B5760}" dt="2023-03-15T21:04:54.713" v="90" actId="20577"/>
-        <pc:sldMkLst>
-          <pc:docMk/>
-          <pc:sldMk cId="763182894" sldId="264"/>
-        </pc:sldMkLst>
-        <pc:spChg chg="mod">
-          <ac:chgData name="Chuck Kiefriter" userId="c57348f7-b440-4861-a58f-c89f414ea74a" providerId="ADAL" clId="{CEAAE73E-A3C0-4EF3-8264-4F08772B5760}" dt="2023-03-15T21:04:54.713" v="90" actId="20577"/>
-          <ac:spMkLst>
-            <pc:docMk/>
-            <pc:sldMk cId="763182894" sldId="264"/>
-            <ac:spMk id="3" creationId="{23DFC7E9-54DD-38D7-0B9B-D34948D68CF9}"/>
-          </ac:spMkLst>
-        </pc:spChg>
-      </pc:sldChg>
-      <pc:sldChg chg="modSp mod">
-        <pc:chgData name="Chuck Kiefriter" userId="c57348f7-b440-4861-a58f-c89f414ea74a" providerId="ADAL" clId="{CEAAE73E-A3C0-4EF3-8264-4F08772B5760}" dt="2023-03-15T21:05:03.858" v="97" actId="20577"/>
+        <pc:chgData name="Chuck Kiefriter" userId="a996b49251c4dfd2" providerId="LiveId" clId="{2697E729-9D9A-438C-B341-43C1F5F37DD7}" dt="2024-02-28T22:42:27.548" v="156" actId="20577"/>
         <pc:sldMkLst>
           <pc:docMk/>
           <pc:sldMk cId="367428708" sldId="265"/>
         </pc:sldMkLst>
         <pc:spChg chg="mod">
-          <ac:chgData name="Chuck Kiefriter" userId="c57348f7-b440-4861-a58f-c89f414ea74a" providerId="ADAL" clId="{CEAAE73E-A3C0-4EF3-8264-4F08772B5760}" dt="2023-03-15T21:05:03.858" v="97" actId="20577"/>
+          <ac:chgData name="Chuck Kiefriter" userId="a996b49251c4dfd2" providerId="LiveId" clId="{2697E729-9D9A-438C-B341-43C1F5F37DD7}" dt="2024-02-28T22:42:27.548" v="156" actId="20577"/>
           <ac:spMkLst>
             <pc:docMk/>
             <pc:sldMk cId="367428708" sldId="265"/>
@@ -1374,447 +1857,19 @@
           </ac:spMkLst>
         </pc:spChg>
       </pc:sldChg>
-      <pc:sldChg chg="delSp del mod">
-        <pc:chgData name="Chuck Kiefriter" userId="c57348f7-b440-4861-a58f-c89f414ea74a" providerId="ADAL" clId="{CEAAE73E-A3C0-4EF3-8264-4F08772B5760}" dt="2023-03-20T00:56:01.589" v="451" actId="2696"/>
+      <pc:sldChg chg="add">
+        <pc:chgData name="Chuck Kiefriter" userId="a996b49251c4dfd2" providerId="LiveId" clId="{2697E729-9D9A-438C-B341-43C1F5F37DD7}" dt="2024-02-28T22:39:12.377" v="29"/>
         <pc:sldMkLst>
           <pc:docMk/>
-          <pc:sldMk cId="3472760250" sldId="266"/>
+          <pc:sldMk cId="250210305" sldId="294"/>
         </pc:sldMkLst>
-        <pc:picChg chg="del">
-          <ac:chgData name="Chuck Kiefriter" userId="c57348f7-b440-4861-a58f-c89f414ea74a" providerId="ADAL" clId="{CEAAE73E-A3C0-4EF3-8264-4F08772B5760}" dt="2023-03-20T00:55:53.266" v="450" actId="478"/>
-          <ac:picMkLst>
-            <pc:docMk/>
-            <pc:sldMk cId="3472760250" sldId="266"/>
-            <ac:picMk id="12" creationId="{BC86969A-DE0A-FA6D-2E0B-7566AF411A68}"/>
-          </ac:picMkLst>
-        </pc:picChg>
       </pc:sldChg>
-      <pc:sldChg chg="modSp mod">
-        <pc:chgData name="Chuck Kiefriter" userId="c57348f7-b440-4861-a58f-c89f414ea74a" providerId="ADAL" clId="{CEAAE73E-A3C0-4EF3-8264-4F08772B5760}" dt="2023-03-15T21:05:15.266" v="104" actId="20577"/>
+      <pc:sldChg chg="add">
+        <pc:chgData name="Chuck Kiefriter" userId="a996b49251c4dfd2" providerId="LiveId" clId="{2697E729-9D9A-438C-B341-43C1F5F37DD7}" dt="2024-02-28T22:39:36.450" v="30"/>
         <pc:sldMkLst>
           <pc:docMk/>
-          <pc:sldMk cId="4170465764" sldId="274"/>
+          <pc:sldMk cId="3827704663" sldId="305"/>
         </pc:sldMkLst>
-        <pc:spChg chg="mod">
-          <ac:chgData name="Chuck Kiefriter" userId="c57348f7-b440-4861-a58f-c89f414ea74a" providerId="ADAL" clId="{CEAAE73E-A3C0-4EF3-8264-4F08772B5760}" dt="2023-03-15T21:05:15.266" v="104" actId="20577"/>
-          <ac:spMkLst>
-            <pc:docMk/>
-            <pc:sldMk cId="4170465764" sldId="274"/>
-            <ac:spMk id="3" creationId="{23DFC7E9-54DD-38D7-0B9B-D34948D68CF9}"/>
-          </ac:spMkLst>
-        </pc:spChg>
-      </pc:sldChg>
-      <pc:sldChg chg="addSp delSp modSp mod">
-        <pc:chgData name="Chuck Kiefriter" userId="c57348f7-b440-4861-a58f-c89f414ea74a" providerId="ADAL" clId="{CEAAE73E-A3C0-4EF3-8264-4F08772B5760}" dt="2023-03-20T02:06:54.913" v="624" actId="207"/>
-        <pc:sldMkLst>
-          <pc:docMk/>
-          <pc:sldMk cId="1513494963" sldId="275"/>
-        </pc:sldMkLst>
-        <pc:spChg chg="add del">
-          <ac:chgData name="Chuck Kiefriter" userId="c57348f7-b440-4861-a58f-c89f414ea74a" providerId="ADAL" clId="{CEAAE73E-A3C0-4EF3-8264-4F08772B5760}" dt="2023-03-20T02:02:35.193" v="575"/>
-          <ac:spMkLst>
-            <pc:docMk/>
-            <pc:sldMk cId="1513494963" sldId="275"/>
-            <ac:spMk id="2" creationId="{BE46888D-AF6D-1D94-6855-0D2BDE1A167F}"/>
-          </ac:spMkLst>
-        </pc:spChg>
-        <pc:spChg chg="mod">
-          <ac:chgData name="Chuck Kiefriter" userId="c57348f7-b440-4861-a58f-c89f414ea74a" providerId="ADAL" clId="{CEAAE73E-A3C0-4EF3-8264-4F08772B5760}" dt="2023-03-20T02:06:54.913" v="624" actId="207"/>
-          <ac:spMkLst>
-            <pc:docMk/>
-            <pc:sldMk cId="1513494963" sldId="275"/>
-            <ac:spMk id="5" creationId="{9DB63145-E59C-9501-8AA5-4E6AC5C0D40F}"/>
-          </ac:spMkLst>
-        </pc:spChg>
-        <pc:spChg chg="mod">
-          <ac:chgData name="Chuck Kiefriter" userId="c57348f7-b440-4861-a58f-c89f414ea74a" providerId="ADAL" clId="{CEAAE73E-A3C0-4EF3-8264-4F08772B5760}" dt="2023-03-20T02:02:54.072" v="598" actId="20577"/>
-          <ac:spMkLst>
-            <pc:docMk/>
-            <pc:sldMk cId="1513494963" sldId="275"/>
-            <ac:spMk id="6" creationId="{59E906CD-110B-9D01-732C-2F21759B0265}"/>
-          </ac:spMkLst>
-        </pc:spChg>
-        <pc:picChg chg="del">
-          <ac:chgData name="Chuck Kiefriter" userId="c57348f7-b440-4861-a58f-c89f414ea74a" providerId="ADAL" clId="{CEAAE73E-A3C0-4EF3-8264-4F08772B5760}" dt="2023-03-20T02:02:29.241" v="573" actId="478"/>
-          <ac:picMkLst>
-            <pc:docMk/>
-            <pc:sldMk cId="1513494963" sldId="275"/>
-            <ac:picMk id="3" creationId="{0E14C303-4A08-9E3D-827C-D6CF995E9C7A}"/>
-          </ac:picMkLst>
-        </pc:picChg>
-      </pc:sldChg>
-      <pc:sldChg chg="addSp delSp modSp mod">
-        <pc:chgData name="Chuck Kiefriter" userId="c57348f7-b440-4861-a58f-c89f414ea74a" providerId="ADAL" clId="{CEAAE73E-A3C0-4EF3-8264-4F08772B5760}" dt="2023-03-20T01:40:14.037" v="572" actId="1035"/>
-        <pc:sldMkLst>
-          <pc:docMk/>
-          <pc:sldMk cId="976671966" sldId="278"/>
-        </pc:sldMkLst>
-        <pc:spChg chg="add mod">
-          <ac:chgData name="Chuck Kiefriter" userId="c57348f7-b440-4861-a58f-c89f414ea74a" providerId="ADAL" clId="{CEAAE73E-A3C0-4EF3-8264-4F08772B5760}" dt="2023-03-20T01:39:58.996" v="563" actId="1076"/>
-          <ac:spMkLst>
-            <pc:docMk/>
-            <pc:sldMk cId="976671966" sldId="278"/>
-            <ac:spMk id="3" creationId="{AECD1743-AE1E-E8A6-57D4-D340FC95D16D}"/>
-          </ac:spMkLst>
-        </pc:spChg>
-        <pc:spChg chg="mod">
-          <ac:chgData name="Chuck Kiefriter" userId="c57348f7-b440-4861-a58f-c89f414ea74a" providerId="ADAL" clId="{CEAAE73E-A3C0-4EF3-8264-4F08772B5760}" dt="2023-03-20T01:39:21.020" v="555" actId="1038"/>
-          <ac:spMkLst>
-            <pc:docMk/>
-            <pc:sldMk cId="976671966" sldId="278"/>
-            <ac:spMk id="4" creationId="{C0B26727-0F97-5A73-B4ED-6BE65E07E5DB}"/>
-          </ac:spMkLst>
-        </pc:spChg>
-        <pc:spChg chg="mod">
-          <ac:chgData name="Chuck Kiefriter" userId="c57348f7-b440-4861-a58f-c89f414ea74a" providerId="ADAL" clId="{CEAAE73E-A3C0-4EF3-8264-4F08772B5760}" dt="2023-03-20T01:06:07.991" v="518" actId="1076"/>
-          <ac:spMkLst>
-            <pc:docMk/>
-            <pc:sldMk cId="976671966" sldId="278"/>
-            <ac:spMk id="6" creationId="{59E906CD-110B-9D01-732C-2F21759B0265}"/>
-          </ac:spMkLst>
-        </pc:spChg>
-        <pc:spChg chg="add mod">
-          <ac:chgData name="Chuck Kiefriter" userId="c57348f7-b440-4861-a58f-c89f414ea74a" providerId="ADAL" clId="{CEAAE73E-A3C0-4EF3-8264-4F08772B5760}" dt="2023-03-20T01:40:14.037" v="572" actId="1035"/>
-          <ac:spMkLst>
-            <pc:docMk/>
-            <pc:sldMk cId="976671966" sldId="278"/>
-            <ac:spMk id="7" creationId="{5DAF20F1-2F34-F140-81DA-E78BF03C81E4}"/>
-          </ac:spMkLst>
-        </pc:spChg>
-        <pc:picChg chg="del">
-          <ac:chgData name="Chuck Kiefriter" userId="c57348f7-b440-4861-a58f-c89f414ea74a" providerId="ADAL" clId="{CEAAE73E-A3C0-4EF3-8264-4F08772B5760}" dt="2023-03-20T00:56:04.277" v="452" actId="478"/>
-          <ac:picMkLst>
-            <pc:docMk/>
-            <pc:sldMk cId="976671966" sldId="278"/>
-            <ac:picMk id="12" creationId="{EDDB08A4-A3C1-182F-A00B-0BE97F3C502C}"/>
-          </ac:picMkLst>
-        </pc:picChg>
-      </pc:sldChg>
-      <pc:sldChg chg="del">
-        <pc:chgData name="Chuck Kiefriter" userId="c57348f7-b440-4861-a58f-c89f414ea74a" providerId="ADAL" clId="{CEAAE73E-A3C0-4EF3-8264-4F08772B5760}" dt="2023-03-20T02:31:42.639" v="625" actId="47"/>
-        <pc:sldMkLst>
-          <pc:docMk/>
-          <pc:sldMk cId="3402929522" sldId="279"/>
-        </pc:sldMkLst>
-      </pc:sldChg>
-      <pc:sldChg chg="modSp mod">
-        <pc:chgData name="Chuck Kiefriter" userId="c57348f7-b440-4861-a58f-c89f414ea74a" providerId="ADAL" clId="{CEAAE73E-A3C0-4EF3-8264-4F08772B5760}" dt="2023-03-15T21:05:31.946" v="118" actId="20577"/>
-        <pc:sldMkLst>
-          <pc:docMk/>
-          <pc:sldMk cId="3395566764" sldId="280"/>
-        </pc:sldMkLst>
-        <pc:spChg chg="mod">
-          <ac:chgData name="Chuck Kiefriter" userId="c57348f7-b440-4861-a58f-c89f414ea74a" providerId="ADAL" clId="{CEAAE73E-A3C0-4EF3-8264-4F08772B5760}" dt="2023-03-15T21:05:31.946" v="118" actId="20577"/>
-          <ac:spMkLst>
-            <pc:docMk/>
-            <pc:sldMk cId="3395566764" sldId="280"/>
-            <ac:spMk id="3" creationId="{23DFC7E9-54DD-38D7-0B9B-D34948D68CF9}"/>
-          </ac:spMkLst>
-        </pc:spChg>
-      </pc:sldChg>
-      <pc:sldChg chg="addSp delSp modSp mod">
-        <pc:chgData name="Chuck Kiefriter" userId="c57348f7-b440-4861-a58f-c89f414ea74a" providerId="ADAL" clId="{CEAAE73E-A3C0-4EF3-8264-4F08772B5760}" dt="2023-03-21T22:58:27.146" v="986" actId="1076"/>
-        <pc:sldMkLst>
-          <pc:docMk/>
-          <pc:sldMk cId="3187156049" sldId="281"/>
-        </pc:sldMkLst>
-        <pc:spChg chg="add del mod">
-          <ac:chgData name="Chuck Kiefriter" userId="c57348f7-b440-4861-a58f-c89f414ea74a" providerId="ADAL" clId="{CEAAE73E-A3C0-4EF3-8264-4F08772B5760}" dt="2023-03-21T22:58:23.744" v="985" actId="478"/>
-          <ac:spMkLst>
-            <pc:docMk/>
-            <pc:sldMk cId="3187156049" sldId="281"/>
-            <ac:spMk id="3" creationId="{B1BCC113-17B8-CD92-4AF4-0B14B609C3EC}"/>
-          </ac:spMkLst>
-        </pc:spChg>
-        <pc:spChg chg="add mod">
-          <ac:chgData name="Chuck Kiefriter" userId="c57348f7-b440-4861-a58f-c89f414ea74a" providerId="ADAL" clId="{CEAAE73E-A3C0-4EF3-8264-4F08772B5760}" dt="2023-03-21T22:53:21.514" v="780" actId="1076"/>
-          <ac:spMkLst>
-            <pc:docMk/>
-            <pc:sldMk cId="3187156049" sldId="281"/>
-            <ac:spMk id="4" creationId="{5F4890C8-248C-DE3F-EFBE-A4EB3744954C}"/>
-          </ac:spMkLst>
-        </pc:spChg>
-        <pc:spChg chg="del mod">
-          <ac:chgData name="Chuck Kiefriter" userId="c57348f7-b440-4861-a58f-c89f414ea74a" providerId="ADAL" clId="{CEAAE73E-A3C0-4EF3-8264-4F08772B5760}" dt="2023-03-21T22:44:00.025" v="764" actId="478"/>
-          <ac:spMkLst>
-            <pc:docMk/>
-            <pc:sldMk cId="3187156049" sldId="281"/>
-            <ac:spMk id="5" creationId="{9DB63145-E59C-9501-8AA5-4E6AC5C0D40F}"/>
-          </ac:spMkLst>
-        </pc:spChg>
-        <pc:spChg chg="mod">
-          <ac:chgData name="Chuck Kiefriter" userId="c57348f7-b440-4861-a58f-c89f414ea74a" providerId="ADAL" clId="{CEAAE73E-A3C0-4EF3-8264-4F08772B5760}" dt="2023-03-20T04:34:19.666" v="743" actId="20577"/>
-          <ac:spMkLst>
-            <pc:docMk/>
-            <pc:sldMk cId="3187156049" sldId="281"/>
-            <ac:spMk id="6" creationId="{59E906CD-110B-9D01-732C-2F21759B0265}"/>
-          </ac:spMkLst>
-        </pc:spChg>
-        <pc:spChg chg="add mod">
-          <ac:chgData name="Chuck Kiefriter" userId="c57348f7-b440-4861-a58f-c89f414ea74a" providerId="ADAL" clId="{CEAAE73E-A3C0-4EF3-8264-4F08772B5760}" dt="2023-03-21T22:54:53.559" v="895" actId="1076"/>
-          <ac:spMkLst>
-            <pc:docMk/>
-            <pc:sldMk cId="3187156049" sldId="281"/>
-            <ac:spMk id="8" creationId="{C70D9D43-254A-0545-002D-C444DCDB15AD}"/>
-          </ac:spMkLst>
-        </pc:spChg>
-        <pc:spChg chg="add del">
-          <ac:chgData name="Chuck Kiefriter" userId="c57348f7-b440-4861-a58f-c89f414ea74a" providerId="ADAL" clId="{CEAAE73E-A3C0-4EF3-8264-4F08772B5760}" dt="2023-03-21T22:52:46.609" v="772"/>
-          <ac:spMkLst>
-            <pc:docMk/>
-            <pc:sldMk cId="3187156049" sldId="281"/>
-            <ac:spMk id="9" creationId="{D91EFD97-7B32-CAFA-DA27-56C69DD1B8B9}"/>
-          </ac:spMkLst>
-        </pc:spChg>
-        <pc:spChg chg="add mod">
-          <ac:chgData name="Chuck Kiefriter" userId="c57348f7-b440-4861-a58f-c89f414ea74a" providerId="ADAL" clId="{CEAAE73E-A3C0-4EF3-8264-4F08772B5760}" dt="2023-03-21T22:57:14.137" v="981" actId="1076"/>
-          <ac:spMkLst>
-            <pc:docMk/>
-            <pc:sldMk cId="3187156049" sldId="281"/>
-            <ac:spMk id="11" creationId="{FBFF1272-6FED-ACD0-CEF8-E11B1DD3B48B}"/>
-          </ac:spMkLst>
-        </pc:spChg>
-        <pc:spChg chg="add mod">
-          <ac:chgData name="Chuck Kiefriter" userId="c57348f7-b440-4861-a58f-c89f414ea74a" providerId="ADAL" clId="{CEAAE73E-A3C0-4EF3-8264-4F08772B5760}" dt="2023-03-21T22:58:27.146" v="986" actId="1076"/>
-          <ac:spMkLst>
-            <pc:docMk/>
-            <pc:sldMk cId="3187156049" sldId="281"/>
-            <ac:spMk id="13" creationId="{54490E19-5FDF-8610-D214-65ABB5B29ACD}"/>
-          </ac:spMkLst>
-        </pc:spChg>
-        <pc:picChg chg="del">
-          <ac:chgData name="Chuck Kiefriter" userId="c57348f7-b440-4861-a58f-c89f414ea74a" providerId="ADAL" clId="{CEAAE73E-A3C0-4EF3-8264-4F08772B5760}" dt="2023-03-20T04:34:21.482" v="744" actId="478"/>
-          <ac:picMkLst>
-            <pc:docMk/>
-            <pc:sldMk cId="3187156049" sldId="281"/>
-            <ac:picMk id="3" creationId="{83E4109A-5F0E-62C4-2DDC-A1744C5BE6B5}"/>
-          </ac:picMkLst>
-        </pc:picChg>
-      </pc:sldChg>
-      <pc:sldChg chg="modSp mod">
-        <pc:chgData name="Chuck Kiefriter" userId="c57348f7-b440-4861-a58f-c89f414ea74a" providerId="ADAL" clId="{CEAAE73E-A3C0-4EF3-8264-4F08772B5760}" dt="2023-03-15T21:06:00.300" v="163" actId="20577"/>
-        <pc:sldMkLst>
-          <pc:docMk/>
-          <pc:sldMk cId="2065140228" sldId="282"/>
-        </pc:sldMkLst>
-        <pc:spChg chg="mod">
-          <ac:chgData name="Chuck Kiefriter" userId="c57348f7-b440-4861-a58f-c89f414ea74a" providerId="ADAL" clId="{CEAAE73E-A3C0-4EF3-8264-4F08772B5760}" dt="2023-03-15T21:06:00.300" v="163" actId="20577"/>
-          <ac:spMkLst>
-            <pc:docMk/>
-            <pc:sldMk cId="2065140228" sldId="282"/>
-            <ac:spMk id="3" creationId="{23DFC7E9-54DD-38D7-0B9B-D34948D68CF9}"/>
-          </ac:spMkLst>
-        </pc:spChg>
-      </pc:sldChg>
-      <pc:sldChg chg="delSp modSp mod">
-        <pc:chgData name="Chuck Kiefriter" userId="c57348f7-b440-4861-a58f-c89f414ea74a" providerId="ADAL" clId="{CEAAE73E-A3C0-4EF3-8264-4F08772B5760}" dt="2023-03-21T23:02:03.008" v="988" actId="6549"/>
-        <pc:sldMkLst>
-          <pc:docMk/>
-          <pc:sldMk cId="1885158462" sldId="283"/>
-        </pc:sldMkLst>
-        <pc:spChg chg="mod">
-          <ac:chgData name="Chuck Kiefriter" userId="c57348f7-b440-4861-a58f-c89f414ea74a" providerId="ADAL" clId="{CEAAE73E-A3C0-4EF3-8264-4F08772B5760}" dt="2023-03-21T23:02:03.008" v="988" actId="6549"/>
-          <ac:spMkLst>
-            <pc:docMk/>
-            <pc:sldMk cId="1885158462" sldId="283"/>
-            <ac:spMk id="5" creationId="{9DB63145-E59C-9501-8AA5-4E6AC5C0D40F}"/>
-          </ac:spMkLst>
-        </pc:spChg>
-        <pc:spChg chg="mod">
-          <ac:chgData name="Chuck Kiefriter" userId="c57348f7-b440-4861-a58f-c89f414ea74a" providerId="ADAL" clId="{CEAAE73E-A3C0-4EF3-8264-4F08772B5760}" dt="2023-03-20T02:33:34.475" v="658" actId="20577"/>
-          <ac:spMkLst>
-            <pc:docMk/>
-            <pc:sldMk cId="1885158462" sldId="283"/>
-            <ac:spMk id="6" creationId="{59E906CD-110B-9D01-732C-2F21759B0265}"/>
-          </ac:spMkLst>
-        </pc:spChg>
-        <pc:spChg chg="del">
-          <ac:chgData name="Chuck Kiefriter" userId="c57348f7-b440-4861-a58f-c89f414ea74a" providerId="ADAL" clId="{CEAAE73E-A3C0-4EF3-8264-4F08772B5760}" dt="2023-03-20T02:33:47.335" v="661" actId="478"/>
-          <ac:spMkLst>
-            <pc:docMk/>
-            <pc:sldMk cId="1885158462" sldId="283"/>
-            <ac:spMk id="8" creationId="{ECD506A8-B7B8-3E79-FA2D-BD62C204B827}"/>
-          </ac:spMkLst>
-        </pc:spChg>
-        <pc:picChg chg="del">
-          <ac:chgData name="Chuck Kiefriter" userId="c57348f7-b440-4861-a58f-c89f414ea74a" providerId="ADAL" clId="{CEAAE73E-A3C0-4EF3-8264-4F08772B5760}" dt="2023-03-20T02:33:38.052" v="659" actId="478"/>
-          <ac:picMkLst>
-            <pc:docMk/>
-            <pc:sldMk cId="1885158462" sldId="283"/>
-            <ac:picMk id="4" creationId="{7C9F3104-C66F-0189-6D64-A0BDCF1B495F}"/>
-          </ac:picMkLst>
-        </pc:picChg>
-      </pc:sldChg>
-      <pc:sldChg chg="del">
-        <pc:chgData name="Chuck Kiefriter" userId="c57348f7-b440-4861-a58f-c89f414ea74a" providerId="ADAL" clId="{CEAAE73E-A3C0-4EF3-8264-4F08772B5760}" dt="2023-03-20T04:03:18.428" v="665" actId="47"/>
-        <pc:sldMkLst>
-          <pc:docMk/>
-          <pc:sldMk cId="356231122" sldId="284"/>
-        </pc:sldMkLst>
-      </pc:sldChg>
-      <pc:sldChg chg="addSp modSp add mod">
-        <pc:chgData name="Chuck Kiefriter" userId="c57348f7-b440-4861-a58f-c89f414ea74a" providerId="ADAL" clId="{CEAAE73E-A3C0-4EF3-8264-4F08772B5760}" dt="2023-03-20T00:39:44.108" v="365" actId="14100"/>
-        <pc:sldMkLst>
-          <pc:docMk/>
-          <pc:sldMk cId="460794980" sldId="285"/>
-        </pc:sldMkLst>
-        <pc:spChg chg="add mod">
-          <ac:chgData name="Chuck Kiefriter" userId="c57348f7-b440-4861-a58f-c89f414ea74a" providerId="ADAL" clId="{CEAAE73E-A3C0-4EF3-8264-4F08772B5760}" dt="2023-03-20T00:37:53.726" v="352" actId="1076"/>
-          <ac:spMkLst>
-            <pc:docMk/>
-            <pc:sldMk cId="460794980" sldId="285"/>
-            <ac:spMk id="4" creationId="{0A9C3E86-2548-ECB5-8430-3E2B6C004107}"/>
-          </ac:spMkLst>
-        </pc:spChg>
-        <pc:spChg chg="mod">
-          <ac:chgData name="Chuck Kiefriter" userId="c57348f7-b440-4861-a58f-c89f414ea74a" providerId="ADAL" clId="{CEAAE73E-A3C0-4EF3-8264-4F08772B5760}" dt="2023-03-20T00:28:09.677" v="229" actId="20577"/>
-          <ac:spMkLst>
-            <pc:docMk/>
-            <pc:sldMk cId="460794980" sldId="285"/>
-            <ac:spMk id="6" creationId="{DE3DBA5A-FA8E-46C6-1402-E5C7632F4CAD}"/>
-          </ac:spMkLst>
-        </pc:spChg>
-        <pc:spChg chg="add mod">
-          <ac:chgData name="Chuck Kiefriter" userId="c57348f7-b440-4861-a58f-c89f414ea74a" providerId="ADAL" clId="{CEAAE73E-A3C0-4EF3-8264-4F08772B5760}" dt="2023-03-20T00:37:53.726" v="352" actId="1076"/>
-          <ac:spMkLst>
-            <pc:docMk/>
-            <pc:sldMk cId="460794980" sldId="285"/>
-            <ac:spMk id="7" creationId="{6078F001-09B3-95A6-FBBF-049E24348AA3}"/>
-          </ac:spMkLst>
-        </pc:spChg>
-        <pc:spChg chg="mod">
-          <ac:chgData name="Chuck Kiefriter" userId="c57348f7-b440-4861-a58f-c89f414ea74a" providerId="ADAL" clId="{CEAAE73E-A3C0-4EF3-8264-4F08772B5760}" dt="2023-03-20T00:36:05.988" v="344" actId="207"/>
-          <ac:spMkLst>
-            <pc:docMk/>
-            <pc:sldMk cId="460794980" sldId="285"/>
-            <ac:spMk id="10" creationId="{EA3D5ED0-1762-C438-DD7C-B32C5582A339}"/>
-          </ac:spMkLst>
-        </pc:spChg>
-        <pc:picChg chg="add mod">
-          <ac:chgData name="Chuck Kiefriter" userId="c57348f7-b440-4861-a58f-c89f414ea74a" providerId="ADAL" clId="{CEAAE73E-A3C0-4EF3-8264-4F08772B5760}" dt="2023-03-20T00:39:44.108" v="365" actId="14100"/>
-          <ac:picMkLst>
-            <pc:docMk/>
-            <pc:sldMk cId="460794980" sldId="285"/>
-            <ac:picMk id="9" creationId="{951D6567-EE71-636D-5131-1733E9CA3EE1}"/>
-          </ac:picMkLst>
-        </pc:picChg>
-        <pc:picChg chg="add mod">
-          <ac:chgData name="Chuck Kiefriter" userId="c57348f7-b440-4861-a58f-c89f414ea74a" providerId="ADAL" clId="{CEAAE73E-A3C0-4EF3-8264-4F08772B5760}" dt="2023-03-20T00:39:41.309" v="364" actId="1076"/>
-          <ac:picMkLst>
-            <pc:docMk/>
-            <pc:sldMk cId="460794980" sldId="285"/>
-            <ac:picMk id="12" creationId="{75DBF1A8-6B47-A236-0E35-BCD7AC30E1AC}"/>
-          </ac:picMkLst>
-        </pc:picChg>
-      </pc:sldChg>
-      <pc:sldChg chg="modSp add mod">
-        <pc:chgData name="Chuck Kiefriter" userId="c57348f7-b440-4861-a58f-c89f414ea74a" providerId="ADAL" clId="{CEAAE73E-A3C0-4EF3-8264-4F08772B5760}" dt="2023-03-20T04:03:46.401" v="693" actId="1076"/>
-        <pc:sldMkLst>
-          <pc:docMk/>
-          <pc:sldMk cId="1155090792" sldId="286"/>
-        </pc:sldMkLst>
-        <pc:spChg chg="mod">
-          <ac:chgData name="Chuck Kiefriter" userId="c57348f7-b440-4861-a58f-c89f414ea74a" providerId="ADAL" clId="{CEAAE73E-A3C0-4EF3-8264-4F08772B5760}" dt="2023-03-20T04:03:46.401" v="693" actId="1076"/>
-          <ac:spMkLst>
-            <pc:docMk/>
-            <pc:sldMk cId="1155090792" sldId="286"/>
-            <ac:spMk id="3" creationId="{23DFC7E9-54DD-38D7-0B9B-D34948D68CF9}"/>
-          </ac:spMkLst>
-        </pc:spChg>
-      </pc:sldChg>
-      <pc:sldChg chg="addSp modSp add mod">
-        <pc:chgData name="Chuck Kiefriter" userId="c57348f7-b440-4861-a58f-c89f414ea74a" providerId="ADAL" clId="{CEAAE73E-A3C0-4EF3-8264-4F08772B5760}" dt="2023-03-20T04:06:13.253" v="729" actId="1076"/>
-        <pc:sldMkLst>
-          <pc:docMk/>
-          <pc:sldMk cId="424094208" sldId="287"/>
-        </pc:sldMkLst>
-        <pc:spChg chg="add mod">
-          <ac:chgData name="Chuck Kiefriter" userId="c57348f7-b440-4861-a58f-c89f414ea74a" providerId="ADAL" clId="{CEAAE73E-A3C0-4EF3-8264-4F08772B5760}" dt="2023-03-20T04:06:13.253" v="729" actId="1076"/>
-          <ac:spMkLst>
-            <pc:docMk/>
-            <pc:sldMk cId="424094208" sldId="287"/>
-            <ac:spMk id="3" creationId="{FF9F9172-C924-1C79-FA1B-3659223D7D26}"/>
-          </ac:spMkLst>
-        </pc:spChg>
-        <pc:spChg chg="mod">
-          <ac:chgData name="Chuck Kiefriter" userId="c57348f7-b440-4861-a58f-c89f414ea74a" providerId="ADAL" clId="{CEAAE73E-A3C0-4EF3-8264-4F08772B5760}" dt="2023-03-20T04:04:56.478" v="721" actId="6549"/>
-          <ac:spMkLst>
-            <pc:docMk/>
-            <pc:sldMk cId="424094208" sldId="287"/>
-            <ac:spMk id="5" creationId="{9DB63145-E59C-9501-8AA5-4E6AC5C0D40F}"/>
-          </ac:spMkLst>
-        </pc:spChg>
-        <pc:spChg chg="mod">
-          <ac:chgData name="Chuck Kiefriter" userId="c57348f7-b440-4861-a58f-c89f414ea74a" providerId="ADAL" clId="{CEAAE73E-A3C0-4EF3-8264-4F08772B5760}" dt="2023-03-20T04:03:56.659" v="717" actId="20577"/>
-          <ac:spMkLst>
-            <pc:docMk/>
-            <pc:sldMk cId="424094208" sldId="287"/>
-            <ac:spMk id="6" creationId="{59E906CD-110B-9D01-732C-2F21759B0265}"/>
-          </ac:spMkLst>
-        </pc:spChg>
-      </pc:sldChg>
-    </pc:docChg>
-  </pc:docChgLst>
-  <pc:docChgLst>
-    <pc:chgData name="Charles Kiefriter" userId="a996b49251c4dfd2" providerId="LiveId" clId="{8CB59AA7-7A73-42A3-88B3-E53E303BB376}"/>
-    <pc:docChg chg="custSel addSld modSld">
-      <pc:chgData name="Charles Kiefriter" userId="a996b49251c4dfd2" providerId="LiveId" clId="{8CB59AA7-7A73-42A3-88B3-E53E303BB376}" dt="2024-01-17T03:42:12.071" v="65" actId="1076"/>
-      <pc:docMkLst>
-        <pc:docMk/>
-      </pc:docMkLst>
-      <pc:sldChg chg="modSp mod">
-        <pc:chgData name="Charles Kiefriter" userId="a996b49251c4dfd2" providerId="LiveId" clId="{8CB59AA7-7A73-42A3-88B3-E53E303BB376}" dt="2024-01-10T01:07:06.853" v="43" actId="20577"/>
-        <pc:sldMkLst>
-          <pc:docMk/>
-          <pc:sldMk cId="3194223319" sldId="263"/>
-        </pc:sldMkLst>
-        <pc:spChg chg="mod">
-          <ac:chgData name="Charles Kiefriter" userId="a996b49251c4dfd2" providerId="LiveId" clId="{8CB59AA7-7A73-42A3-88B3-E53E303BB376}" dt="2024-01-10T01:07:06.853" v="43" actId="20577"/>
-          <ac:spMkLst>
-            <pc:docMk/>
-            <pc:sldMk cId="3194223319" sldId="263"/>
-            <ac:spMk id="3" creationId="{23DFC7E9-54DD-38D7-0B9B-D34948D68CF9}"/>
-          </ac:spMkLst>
-        </pc:spChg>
-      </pc:sldChg>
-      <pc:sldChg chg="addSp delSp modSp add mod">
-        <pc:chgData name="Charles Kiefriter" userId="a996b49251c4dfd2" providerId="LiveId" clId="{8CB59AA7-7A73-42A3-88B3-E53E303BB376}" dt="2024-01-17T03:42:12.071" v="65" actId="1076"/>
-        <pc:sldMkLst>
-          <pc:docMk/>
-          <pc:sldMk cId="2582931961" sldId="293"/>
-        </pc:sldMkLst>
-        <pc:spChg chg="add mod">
-          <ac:chgData name="Charles Kiefriter" userId="a996b49251c4dfd2" providerId="LiveId" clId="{8CB59AA7-7A73-42A3-88B3-E53E303BB376}" dt="2024-01-17T03:42:12.071" v="65" actId="1076"/>
-          <ac:spMkLst>
-            <pc:docMk/>
-            <pc:sldMk cId="2582931961" sldId="293"/>
-            <ac:spMk id="3" creationId="{24A5F382-564E-CC53-4829-1E1BD61A1C6D}"/>
-          </ac:spMkLst>
-        </pc:spChg>
-        <pc:spChg chg="mod">
-          <ac:chgData name="Charles Kiefriter" userId="a996b49251c4dfd2" providerId="LiveId" clId="{8CB59AA7-7A73-42A3-88B3-E53E303BB376}" dt="2024-01-17T03:41:40.418" v="58" actId="108"/>
-          <ac:spMkLst>
-            <pc:docMk/>
-            <pc:sldMk cId="2582931961" sldId="293"/>
-            <ac:spMk id="4" creationId="{C0B26727-0F97-5A73-B4ED-6BE65E07E5DB}"/>
-          </ac:spMkLst>
-        </pc:spChg>
-        <pc:spChg chg="mod">
-          <ac:chgData name="Charles Kiefriter" userId="a996b49251c4dfd2" providerId="LiveId" clId="{8CB59AA7-7A73-42A3-88B3-E53E303BB376}" dt="2024-01-17T03:40:33.627" v="52" actId="20577"/>
-          <ac:spMkLst>
-            <pc:docMk/>
-            <pc:sldMk cId="2582931961" sldId="293"/>
-            <ac:spMk id="6" creationId="{59E906CD-110B-9D01-732C-2F21759B0265}"/>
-          </ac:spMkLst>
-        </pc:spChg>
-        <pc:spChg chg="del mod">
-          <ac:chgData name="Charles Kiefriter" userId="a996b49251c4dfd2" providerId="LiveId" clId="{8CB59AA7-7A73-42A3-88B3-E53E303BB376}" dt="2024-01-17T03:41:50.962" v="60" actId="478"/>
-          <ac:spMkLst>
-            <pc:docMk/>
-            <pc:sldMk cId="2582931961" sldId="293"/>
-            <ac:spMk id="8" creationId="{7C40366F-ED76-9B97-8CF7-3BAFEF94FE77}"/>
-          </ac:spMkLst>
-        </pc:spChg>
       </pc:sldChg>
     </pc:docChg>
   </pc:docChgLst>
@@ -1968,7 +2023,7 @@
           <a:p>
             <a:fld id="{33D569A9-A222-4DCC-AF28-BB813B4F2ABB}" type="datetimeFigureOut">
               <a:rPr lang="en-US" smtClean="0"/>
-              <a:t>1/16/2024</a:t>
+              <a:t>2/28/2024</a:t>
             </a:fld>
             <a:endParaRPr lang="en-US"/>
           </a:p>
@@ -2256,7 +2311,7 @@
           <a:p>
             <a:fld id="{33D569A9-A222-4DCC-AF28-BB813B4F2ABB}" type="datetimeFigureOut">
               <a:rPr lang="en-US" smtClean="0"/>
-              <a:t>1/16/2024</a:t>
+              <a:t>2/28/2024</a:t>
             </a:fld>
             <a:endParaRPr lang="en-US"/>
           </a:p>
@@ -2454,7 +2509,7 @@
           <a:p>
             <a:fld id="{33D569A9-A222-4DCC-AF28-BB813B4F2ABB}" type="datetimeFigureOut">
               <a:rPr lang="en-US" smtClean="0"/>
-              <a:t>1/16/2024</a:t>
+              <a:t>2/28/2024</a:t>
             </a:fld>
             <a:endParaRPr lang="en-US"/>
           </a:p>
@@ -2662,7 +2717,7 @@
           <a:p>
             <a:fld id="{33D569A9-A222-4DCC-AF28-BB813B4F2ABB}" type="datetimeFigureOut">
               <a:rPr lang="en-US" smtClean="0"/>
-              <a:t>1/16/2024</a:t>
+              <a:t>2/28/2024</a:t>
             </a:fld>
             <a:endParaRPr lang="en-US"/>
           </a:p>
@@ -2860,7 +2915,7 @@
           <a:p>
             <a:fld id="{33D569A9-A222-4DCC-AF28-BB813B4F2ABB}" type="datetimeFigureOut">
               <a:rPr lang="en-US" smtClean="0"/>
-              <a:t>1/16/2024</a:t>
+              <a:t>2/28/2024</a:t>
             </a:fld>
             <a:endParaRPr lang="en-US"/>
           </a:p>
@@ -3135,7 +3190,7 @@
           <a:p>
             <a:fld id="{33D569A9-A222-4DCC-AF28-BB813B4F2ABB}" type="datetimeFigureOut">
               <a:rPr lang="en-US" smtClean="0"/>
-              <a:t>1/16/2024</a:t>
+              <a:t>2/28/2024</a:t>
             </a:fld>
             <a:endParaRPr lang="en-US"/>
           </a:p>
@@ -3400,7 +3455,7 @@
           <a:p>
             <a:fld id="{33D569A9-A222-4DCC-AF28-BB813B4F2ABB}" type="datetimeFigureOut">
               <a:rPr lang="en-US" smtClean="0"/>
-              <a:t>1/16/2024</a:t>
+              <a:t>2/28/2024</a:t>
             </a:fld>
             <a:endParaRPr lang="en-US"/>
           </a:p>
@@ -3812,7 +3867,7 @@
           <a:p>
             <a:fld id="{33D569A9-A222-4DCC-AF28-BB813B4F2ABB}" type="datetimeFigureOut">
               <a:rPr lang="en-US" smtClean="0"/>
-              <a:t>1/16/2024</a:t>
+              <a:t>2/28/2024</a:t>
             </a:fld>
             <a:endParaRPr lang="en-US"/>
           </a:p>
@@ -3953,7 +4008,7 @@
           <a:p>
             <a:fld id="{33D569A9-A222-4DCC-AF28-BB813B4F2ABB}" type="datetimeFigureOut">
               <a:rPr lang="en-US" smtClean="0"/>
-              <a:t>1/16/2024</a:t>
+              <a:t>2/28/2024</a:t>
             </a:fld>
             <a:endParaRPr lang="en-US"/>
           </a:p>
@@ -4066,7 +4121,7 @@
           <a:p>
             <a:fld id="{33D569A9-A222-4DCC-AF28-BB813B4F2ABB}" type="datetimeFigureOut">
               <a:rPr lang="en-US" smtClean="0"/>
-              <a:t>1/16/2024</a:t>
+              <a:t>2/28/2024</a:t>
             </a:fld>
             <a:endParaRPr lang="en-US"/>
           </a:p>
@@ -4412,7 +4467,7 @@
           <a:p>
             <a:fld id="{33D569A9-A222-4DCC-AF28-BB813B4F2ABB}" type="datetimeFigureOut">
               <a:rPr lang="en-US" smtClean="0"/>
-              <a:t>1/16/2024</a:t>
+              <a:t>2/28/2024</a:t>
             </a:fld>
             <a:endParaRPr lang="en-US"/>
           </a:p>
@@ -4653,7 +4708,7 @@
           <a:p>
             <a:fld id="{33D569A9-A222-4DCC-AF28-BB813B4F2ABB}" type="datetimeFigureOut">
               <a:rPr lang="en-US" smtClean="0"/>
-              <a:t>1/16/2024</a:t>
+              <a:t>2/28/2024</a:t>
             </a:fld>
             <a:endParaRPr lang="en-US"/>
           </a:p>
@@ -5086,7 +5141,7 @@
         <p:spPr>
           <a:xfrm>
             <a:off x="696537" y="87952"/>
-            <a:ext cx="9326104" cy="4508927"/>
+            <a:ext cx="9326104" cy="5247590"/>
           </a:xfrm>
           <a:prstGeom prst="rect">
             <a:avLst/>
@@ -5296,7 +5351,7 @@
               <a:defRPr/>
             </a:pPr>
             <a:r>
-              <a:rPr lang="en-US" sz="2400">
+              <a:rPr lang="en-US" sz="2400" dirty="0">
                 <a:solidFill>
                   <a:prstClr val="white">
                     <a:lumMod val="75000"/>
@@ -5306,14 +5361,6 @@
               </a:rPr>
               <a:t>Lists, Sets, &amp; Maps</a:t>
             </a:r>
-            <a:endParaRPr lang="en-US" sz="2400" dirty="0">
-              <a:solidFill>
-                <a:prstClr val="white">
-                  <a:lumMod val="75000"/>
-                </a:prstClr>
-              </a:solidFill>
-              <a:latin typeface="Open Sans" panose="020B0606030504020204" pitchFamily="34" charset="0"/>
-            </a:endParaRPr>
           </a:p>
           <a:p>
             <a:pPr marL="571500" marR="0" lvl="0" indent="-571500" algn="l" defTabSz="914400" rtl="0" eaLnBrk="1" fontAlgn="auto" latinLnBrk="0" hangingPunct="1">
@@ -5370,6 +5417,63 @@
                 <a:latin typeface="Open Sans" panose="020B0606030504020204" pitchFamily="34" charset="0"/>
               </a:rPr>
               <a:t>Collections</a:t>
+            </a:r>
+          </a:p>
+          <a:p>
+            <a:pPr marL="571500" marR="0" lvl="0" indent="-571500" algn="l" defTabSz="914400" rtl="0" eaLnBrk="1" fontAlgn="auto" latinLnBrk="0" hangingPunct="1">
+              <a:lnSpc>
+                <a:spcPct val="100000"/>
+              </a:lnSpc>
+              <a:spcBef>
+                <a:spcPts val="0"/>
+              </a:spcBef>
+              <a:spcAft>
+                <a:spcPts val="0"/>
+              </a:spcAft>
+              <a:buClrTx/>
+              <a:buSzTx/>
+              <a:buFont typeface="Arial" panose="020B0604020202020204" pitchFamily="34" charset="0"/>
+              <a:buChar char="•"/>
+              <a:tabLst/>
+              <a:defRPr/>
+            </a:pPr>
+            <a:endParaRPr lang="en-US" sz="2400" dirty="0">
+              <a:solidFill>
+                <a:prstClr val="white">
+                  <a:lumMod val="75000"/>
+                </a:prstClr>
+              </a:solidFill>
+              <a:latin typeface="Open Sans" panose="020B0606030504020204" pitchFamily="34" charset="0"/>
+            </a:endParaRPr>
+          </a:p>
+          <a:p>
+            <a:pPr marL="571500" marR="0" lvl="0" indent="-571500" algn="l" defTabSz="914400" rtl="0" eaLnBrk="1" fontAlgn="auto" latinLnBrk="0" hangingPunct="1">
+              <a:lnSpc>
+                <a:spcPct val="100000"/>
+              </a:lnSpc>
+              <a:spcBef>
+                <a:spcPts val="0"/>
+              </a:spcBef>
+              <a:spcAft>
+                <a:spcPts val="0"/>
+              </a:spcAft>
+              <a:buClrTx/>
+              <a:buSzTx/>
+              <a:buFont typeface="Arial" panose="020B0604020202020204" pitchFamily="34" charset="0"/>
+              <a:buChar char="•"/>
+              <a:tabLst/>
+              <a:defRPr/>
+            </a:pPr>
+            <a:r>
+              <a:rPr lang="en-US" sz="2400" dirty="0">
+                <a:solidFill>
+                  <a:prstClr val="white">
+                    <a:lumMod val="75000"/>
+                  </a:prstClr>
+                </a:solidFill>
+                <a:latin typeface="Open Sans" panose="020B0606030504020204" pitchFamily="34" charset="0"/>
+              </a:rPr>
+              <a:t>Java Wrapper Classes</a:t>
             </a:r>
           </a:p>
           <a:p>
@@ -5508,11 +5612,17 @@
                 <a:solidFill>
                   <a:srgbClr val="00B050"/>
                 </a:solidFill>
-                <a:effectLst/>
-                <a:latin typeface="Open Sans" panose="020B0606030504020204" pitchFamily="34" charset="0"/>
-              </a:rPr>
-              <a:t>Maps</a:t>
-            </a:r>
+                <a:latin typeface="Open Sans" panose="020B0606030504020204" pitchFamily="34" charset="0"/>
+              </a:rPr>
+              <a:t>Lists</a:t>
+            </a:r>
+            <a:endParaRPr lang="en-US" sz="2400" b="1" dirty="0">
+              <a:solidFill>
+                <a:srgbClr val="00B050"/>
+              </a:solidFill>
+              <a:effectLst/>
+              <a:latin typeface="Open Sans" panose="020B0606030504020204" pitchFamily="34" charset="0"/>
+            </a:endParaRPr>
           </a:p>
         </p:txBody>
       </p:sp>
@@ -5531,7 +5641,7 @@
         <p:spPr>
           <a:xfrm>
             <a:off x="193251" y="624665"/>
-            <a:ext cx="11931637" cy="2308324"/>
+            <a:ext cx="11931637" cy="5355312"/>
           </a:xfrm>
           <a:prstGeom prst="rect">
             <a:avLst/>
@@ -5558,187 +5668,26 @@
               <a:t>A </a:t>
             </a:r>
             <a:r>
-              <a:rPr lang="en-US" dirty="0">
+              <a:rPr lang="en-US" b="0" i="0" dirty="0">
                 <a:solidFill>
                   <a:srgbClr val="00B0F0"/>
                 </a:solidFill>
-                <a:latin typeface="Open Sans" panose="020B0606030504020204" pitchFamily="34" charset="0"/>
-              </a:rPr>
-              <a:t>Map</a:t>
-            </a:r>
-            <a:r>
-              <a:rPr lang="en-US" b="0" i="0" dirty="0">
-                <a:solidFill>
-                  <a:schemeClr val="tx1">
-                    <a:lumMod val="85000"/>
-                  </a:schemeClr>
-                </a:solidFill>
-                <a:effectLst/>
-                <a:latin typeface="Open Sans" panose="020B0606030504020204" pitchFamily="34" charset="0"/>
-              </a:rPr>
-              <a:t> is an </a:t>
-            </a:r>
-            <a:r>
-              <a:rPr lang="en-US" dirty="0">
-                <a:solidFill>
-                  <a:srgbClr val="00B0F0"/>
-                </a:solidFill>
-                <a:latin typeface="Open Sans" panose="020B0606030504020204" pitchFamily="34" charset="0"/>
-              </a:rPr>
-              <a:t>object that maps keys to values</a:t>
-            </a:r>
-            <a:r>
-              <a:rPr lang="en-US" b="0" i="0" dirty="0">
-                <a:solidFill>
-                  <a:schemeClr val="tx1">
-                    <a:lumMod val="85000"/>
-                  </a:schemeClr>
-                </a:solidFill>
-                <a:effectLst/>
-                <a:latin typeface="Open Sans" panose="020B0606030504020204" pitchFamily="34" charset="0"/>
-              </a:rPr>
-              <a:t>. A map </a:t>
-            </a:r>
-            <a:r>
-              <a:rPr lang="en-US" dirty="0">
-                <a:solidFill>
-                  <a:srgbClr val="00B0F0"/>
-                </a:solidFill>
-                <a:latin typeface="Open Sans" panose="020B0606030504020204" pitchFamily="34" charset="0"/>
-              </a:rPr>
-              <a:t>cannot contain duplicate keys</a:t>
-            </a:r>
-            <a:r>
-              <a:rPr lang="en-US" b="0" i="0" dirty="0">
-                <a:solidFill>
-                  <a:schemeClr val="tx1">
-                    <a:lumMod val="85000"/>
-                  </a:schemeClr>
-                </a:solidFill>
-                <a:effectLst/>
-                <a:latin typeface="Open Sans" panose="020B0606030504020204" pitchFamily="34" charset="0"/>
-              </a:rPr>
-              <a:t>: Each key can map to at most one value. It models the mathematical function abstraction. The Map interface includes methods for basic operations (such as put, get, remove, </a:t>
-            </a:r>
-            <a:r>
-              <a:rPr lang="en-US" b="0" i="0" dirty="0" err="1">
-                <a:solidFill>
-                  <a:schemeClr val="tx1">
-                    <a:lumMod val="85000"/>
-                  </a:schemeClr>
-                </a:solidFill>
-                <a:effectLst/>
-                <a:latin typeface="Open Sans" panose="020B0606030504020204" pitchFamily="34" charset="0"/>
-              </a:rPr>
-              <a:t>containsKey</a:t>
-            </a:r>
-            <a:r>
-              <a:rPr lang="en-US" b="0" i="0" dirty="0">
-                <a:solidFill>
-                  <a:schemeClr val="tx1">
-                    <a:lumMod val="85000"/>
-                  </a:schemeClr>
-                </a:solidFill>
-                <a:effectLst/>
-                <a:latin typeface="Open Sans" panose="020B0606030504020204" pitchFamily="34" charset="0"/>
-              </a:rPr>
-              <a:t>, </a:t>
-            </a:r>
-            <a:r>
-              <a:rPr lang="en-US" b="0" i="0" dirty="0" err="1">
-                <a:solidFill>
-                  <a:schemeClr val="tx1">
-                    <a:lumMod val="85000"/>
-                  </a:schemeClr>
-                </a:solidFill>
-                <a:effectLst/>
-                <a:latin typeface="Open Sans" panose="020B0606030504020204" pitchFamily="34" charset="0"/>
-              </a:rPr>
-              <a:t>containsValue</a:t>
-            </a:r>
-            <a:r>
-              <a:rPr lang="en-US" b="0" i="0" dirty="0">
-                <a:solidFill>
-                  <a:schemeClr val="tx1">
-                    <a:lumMod val="85000"/>
-                  </a:schemeClr>
-                </a:solidFill>
-                <a:effectLst/>
-                <a:latin typeface="Open Sans" panose="020B0606030504020204" pitchFamily="34" charset="0"/>
-              </a:rPr>
-              <a:t>, size, and empty), bulk operations (such as </a:t>
-            </a:r>
-            <a:r>
-              <a:rPr lang="en-US" b="0" i="0" dirty="0" err="1">
-                <a:solidFill>
-                  <a:schemeClr val="tx1">
-                    <a:lumMod val="85000"/>
-                  </a:schemeClr>
-                </a:solidFill>
-                <a:effectLst/>
-                <a:latin typeface="Open Sans" panose="020B0606030504020204" pitchFamily="34" charset="0"/>
-              </a:rPr>
-              <a:t>putAll</a:t>
-            </a:r>
-            <a:r>
-              <a:rPr lang="en-US" b="0" i="0" dirty="0">
-                <a:solidFill>
-                  <a:schemeClr val="tx1">
-                    <a:lumMod val="85000"/>
-                  </a:schemeClr>
-                </a:solidFill>
-                <a:effectLst/>
-                <a:latin typeface="Open Sans" panose="020B0606030504020204" pitchFamily="34" charset="0"/>
-              </a:rPr>
-              <a:t> and clear), and collection views (such as </a:t>
-            </a:r>
-            <a:r>
-              <a:rPr lang="en-US" b="0" i="0" dirty="0" err="1">
-                <a:solidFill>
-                  <a:schemeClr val="tx1">
-                    <a:lumMod val="85000"/>
-                  </a:schemeClr>
-                </a:solidFill>
-                <a:effectLst/>
-                <a:latin typeface="Open Sans" panose="020B0606030504020204" pitchFamily="34" charset="0"/>
-              </a:rPr>
-              <a:t>keySet</a:t>
-            </a:r>
-            <a:r>
-              <a:rPr lang="en-US" b="0" i="0" dirty="0">
-                <a:solidFill>
-                  <a:schemeClr val="tx1">
-                    <a:lumMod val="85000"/>
-                  </a:schemeClr>
-                </a:solidFill>
-                <a:effectLst/>
-                <a:latin typeface="Open Sans" panose="020B0606030504020204" pitchFamily="34" charset="0"/>
-              </a:rPr>
-              <a:t>, </a:t>
-            </a:r>
-            <a:r>
-              <a:rPr lang="en-US" b="0" i="0" dirty="0" err="1">
-                <a:solidFill>
-                  <a:schemeClr val="tx1">
-                    <a:lumMod val="85000"/>
-                  </a:schemeClr>
-                </a:solidFill>
-                <a:effectLst/>
-                <a:latin typeface="Open Sans" panose="020B0606030504020204" pitchFamily="34" charset="0"/>
-              </a:rPr>
-              <a:t>entrySet</a:t>
-            </a:r>
-            <a:r>
-              <a:rPr lang="en-US" b="0" i="0" dirty="0">
-                <a:solidFill>
-                  <a:schemeClr val="tx1">
-                    <a:lumMod val="85000"/>
-                  </a:schemeClr>
-                </a:solidFill>
-                <a:effectLst/>
-                <a:latin typeface="Open Sans" panose="020B0606030504020204" pitchFamily="34" charset="0"/>
-              </a:rPr>
-              <a:t>, and values).</a:t>
+                <a:effectLst/>
+                <a:latin typeface="Open Sans" panose="020B0606030504020204" pitchFamily="34" charset="0"/>
+              </a:rPr>
+              <a:t>List is an ordered Collection (sometimes called a sequence)</a:t>
+            </a:r>
+            <a:r>
+              <a:rPr lang="en-US" b="0" i="0" dirty="0">
+                <a:solidFill>
+                  <a:schemeClr val="tx1">
+                    <a:lumMod val="85000"/>
+                  </a:schemeClr>
+                </a:solidFill>
+                <a:effectLst/>
+                <a:latin typeface="Open Sans" panose="020B0606030504020204" pitchFamily="34" charset="0"/>
+              </a:rPr>
+              <a:t>. Lists may contain duplicate elements. In addition to the operations inherited from Collection, the List interface includes operations for the following:</a:t>
             </a:r>
           </a:p>
           <a:p>
@@ -5754,124 +5703,370 @@
             </a:endParaRPr>
           </a:p>
           <a:p>
+            <a:pPr marL="285750" indent="-285750" algn="l">
+              <a:buFont typeface="Arial" panose="020B0604020202020204" pitchFamily="34" charset="0"/>
+              <a:buChar char="•"/>
+            </a:pPr>
+            <a:r>
+              <a:rPr lang="en-US" b="0" i="0" dirty="0">
+                <a:solidFill>
+                  <a:srgbClr val="00B0F0"/>
+                </a:solidFill>
+                <a:effectLst/>
+                <a:latin typeface="Open Sans" panose="020B0606030504020204" pitchFamily="34" charset="0"/>
+              </a:rPr>
+              <a:t>Positional access </a:t>
+            </a:r>
+            <a:r>
+              <a:rPr lang="en-US" b="0" i="0" dirty="0">
+                <a:solidFill>
+                  <a:schemeClr val="tx1">
+                    <a:lumMod val="85000"/>
+                  </a:schemeClr>
+                </a:solidFill>
+                <a:effectLst/>
+                <a:latin typeface="Open Sans" panose="020B0606030504020204" pitchFamily="34" charset="0"/>
+              </a:rPr>
+              <a:t>— manipulates elements based on their numerical position in the list. This includes methods such as get, set, add, </a:t>
+            </a:r>
+            <a:r>
+              <a:rPr lang="en-US" b="0" i="0" dirty="0" err="1">
+                <a:solidFill>
+                  <a:schemeClr val="tx1">
+                    <a:lumMod val="85000"/>
+                  </a:schemeClr>
+                </a:solidFill>
+                <a:effectLst/>
+                <a:latin typeface="Open Sans" panose="020B0606030504020204" pitchFamily="34" charset="0"/>
+              </a:rPr>
+              <a:t>addAll</a:t>
+            </a:r>
+            <a:r>
+              <a:rPr lang="en-US" b="0" i="0" dirty="0">
+                <a:solidFill>
+                  <a:schemeClr val="tx1">
+                    <a:lumMod val="85000"/>
+                  </a:schemeClr>
+                </a:solidFill>
+                <a:effectLst/>
+                <a:latin typeface="Open Sans" panose="020B0606030504020204" pitchFamily="34" charset="0"/>
+              </a:rPr>
+              <a:t>, and remove.</a:t>
+            </a:r>
+          </a:p>
+          <a:p>
+            <a:pPr marL="285750" indent="-285750" algn="l">
+              <a:buFont typeface="Arial" panose="020B0604020202020204" pitchFamily="34" charset="0"/>
+              <a:buChar char="•"/>
+            </a:pPr>
+            <a:r>
+              <a:rPr lang="en-US" b="0" i="0" dirty="0">
+                <a:solidFill>
+                  <a:srgbClr val="00B0F0"/>
+                </a:solidFill>
+                <a:effectLst/>
+                <a:latin typeface="Open Sans" panose="020B0606030504020204" pitchFamily="34" charset="0"/>
+              </a:rPr>
+              <a:t>Search</a:t>
+            </a:r>
+            <a:r>
+              <a:rPr lang="en-US" b="0" i="0" dirty="0">
+                <a:solidFill>
+                  <a:schemeClr val="tx1">
+                    <a:lumMod val="85000"/>
+                  </a:schemeClr>
+                </a:solidFill>
+                <a:effectLst/>
+                <a:latin typeface="Open Sans" panose="020B0606030504020204" pitchFamily="34" charset="0"/>
+              </a:rPr>
+              <a:t> — searches for a specified object in the list and returns its numerical position. Search methods include </a:t>
+            </a:r>
+            <a:r>
+              <a:rPr lang="en-US" b="0" i="0" dirty="0" err="1">
+                <a:solidFill>
+                  <a:schemeClr val="tx1">
+                    <a:lumMod val="85000"/>
+                  </a:schemeClr>
+                </a:solidFill>
+                <a:effectLst/>
+                <a:latin typeface="Open Sans" panose="020B0606030504020204" pitchFamily="34" charset="0"/>
+              </a:rPr>
+              <a:t>indexOf</a:t>
+            </a:r>
+            <a:r>
+              <a:rPr lang="en-US" b="0" i="0" dirty="0">
+                <a:solidFill>
+                  <a:schemeClr val="tx1">
+                    <a:lumMod val="85000"/>
+                  </a:schemeClr>
+                </a:solidFill>
+                <a:effectLst/>
+                <a:latin typeface="Open Sans" panose="020B0606030504020204" pitchFamily="34" charset="0"/>
+              </a:rPr>
+              <a:t> and </a:t>
+            </a:r>
+            <a:r>
+              <a:rPr lang="en-US" b="0" i="0" dirty="0" err="1">
+                <a:solidFill>
+                  <a:schemeClr val="tx1">
+                    <a:lumMod val="85000"/>
+                  </a:schemeClr>
+                </a:solidFill>
+                <a:effectLst/>
+                <a:latin typeface="Open Sans" panose="020B0606030504020204" pitchFamily="34" charset="0"/>
+              </a:rPr>
+              <a:t>lastIndexOf</a:t>
+            </a:r>
+            <a:r>
+              <a:rPr lang="en-US" b="0" i="0" dirty="0">
+                <a:solidFill>
+                  <a:schemeClr val="tx1">
+                    <a:lumMod val="85000"/>
+                  </a:schemeClr>
+                </a:solidFill>
+                <a:effectLst/>
+                <a:latin typeface="Open Sans" panose="020B0606030504020204" pitchFamily="34" charset="0"/>
+              </a:rPr>
+              <a:t>.</a:t>
+            </a:r>
+          </a:p>
+          <a:p>
+            <a:pPr marL="285750" indent="-285750" algn="l">
+              <a:buFont typeface="Arial" panose="020B0604020202020204" pitchFamily="34" charset="0"/>
+              <a:buChar char="•"/>
+            </a:pPr>
+            <a:r>
+              <a:rPr lang="en-US" b="0" i="0" dirty="0">
+                <a:solidFill>
+                  <a:srgbClr val="00B0F0"/>
+                </a:solidFill>
+                <a:effectLst/>
+                <a:latin typeface="Open Sans" panose="020B0606030504020204" pitchFamily="34" charset="0"/>
+              </a:rPr>
+              <a:t>Iteration</a:t>
+            </a:r>
+            <a:r>
+              <a:rPr lang="en-US" b="0" i="0" dirty="0">
+                <a:solidFill>
+                  <a:schemeClr val="tx1">
+                    <a:lumMod val="85000"/>
+                  </a:schemeClr>
+                </a:solidFill>
+                <a:effectLst/>
+                <a:latin typeface="Open Sans" panose="020B0606030504020204" pitchFamily="34" charset="0"/>
+              </a:rPr>
+              <a:t> — extends Iterator semantics to take advantage of the list's sequential nature. The </a:t>
+            </a:r>
+            <a:r>
+              <a:rPr lang="en-US" b="0" i="0" dirty="0" err="1">
+                <a:solidFill>
+                  <a:schemeClr val="tx1">
+                    <a:lumMod val="85000"/>
+                  </a:schemeClr>
+                </a:solidFill>
+                <a:effectLst/>
+                <a:latin typeface="Open Sans" panose="020B0606030504020204" pitchFamily="34" charset="0"/>
+              </a:rPr>
+              <a:t>listIterator</a:t>
+            </a:r>
+            <a:r>
+              <a:rPr lang="en-US" b="0" i="0" dirty="0">
+                <a:solidFill>
+                  <a:schemeClr val="tx1">
+                    <a:lumMod val="85000"/>
+                  </a:schemeClr>
+                </a:solidFill>
+                <a:effectLst/>
+                <a:latin typeface="Open Sans" panose="020B0606030504020204" pitchFamily="34" charset="0"/>
+              </a:rPr>
+              <a:t> methods provide this behavior.</a:t>
+            </a:r>
+          </a:p>
+          <a:p>
+            <a:pPr marL="285750" indent="-285750" algn="l">
+              <a:buFont typeface="Arial" panose="020B0604020202020204" pitchFamily="34" charset="0"/>
+              <a:buChar char="•"/>
+            </a:pPr>
+            <a:r>
+              <a:rPr lang="en-US" b="0" i="0" dirty="0">
+                <a:solidFill>
+                  <a:srgbClr val="00B0F0"/>
+                </a:solidFill>
+                <a:effectLst/>
+                <a:latin typeface="Open Sans" panose="020B0606030504020204" pitchFamily="34" charset="0"/>
+              </a:rPr>
+              <a:t>Range-view</a:t>
+            </a:r>
+            <a:r>
+              <a:rPr lang="en-US" b="0" i="0" dirty="0">
+                <a:solidFill>
+                  <a:schemeClr val="tx1">
+                    <a:lumMod val="85000"/>
+                  </a:schemeClr>
+                </a:solidFill>
+                <a:effectLst/>
+                <a:latin typeface="Open Sans" panose="020B0606030504020204" pitchFamily="34" charset="0"/>
+              </a:rPr>
+              <a:t> — The </a:t>
+            </a:r>
+            <a:r>
+              <a:rPr lang="en-US" b="0" i="0" dirty="0" err="1">
+                <a:solidFill>
+                  <a:schemeClr val="tx1">
+                    <a:lumMod val="85000"/>
+                  </a:schemeClr>
+                </a:solidFill>
+                <a:effectLst/>
+                <a:latin typeface="Open Sans" panose="020B0606030504020204" pitchFamily="34" charset="0"/>
+              </a:rPr>
+              <a:t>sublist</a:t>
+            </a:r>
+            <a:r>
+              <a:rPr lang="en-US" b="0" i="0" dirty="0">
+                <a:solidFill>
+                  <a:schemeClr val="tx1">
+                    <a:lumMod val="85000"/>
+                  </a:schemeClr>
+                </a:solidFill>
+                <a:effectLst/>
+                <a:latin typeface="Open Sans" panose="020B0606030504020204" pitchFamily="34" charset="0"/>
+              </a:rPr>
+              <a:t> method performs arbitrary range operations on the list.</a:t>
+            </a:r>
+          </a:p>
+          <a:p>
             <a:pPr algn="l"/>
-            <a:r>
-              <a:rPr lang="en-US" b="0" i="0" dirty="0">
-                <a:solidFill>
-                  <a:schemeClr val="tx1">
-                    <a:lumMod val="85000"/>
-                  </a:schemeClr>
-                </a:solidFill>
-                <a:effectLst/>
-                <a:latin typeface="Open Sans" panose="020B0606030504020204" pitchFamily="34" charset="0"/>
-              </a:rPr>
-              <a:t>The Java platform contains three general-purpose Map implementations: </a:t>
-            </a:r>
-            <a:r>
-              <a:rPr lang="en-US" dirty="0">
-                <a:solidFill>
-                  <a:srgbClr val="00B0F0"/>
-                </a:solidFill>
-                <a:latin typeface="Open Sans" panose="020B0606030504020204" pitchFamily="34" charset="0"/>
-              </a:rPr>
-              <a:t>HashMap, </a:t>
-            </a:r>
-            <a:r>
-              <a:rPr lang="en-US" dirty="0" err="1">
-                <a:solidFill>
-                  <a:srgbClr val="00B0F0"/>
-                </a:solidFill>
-                <a:latin typeface="Open Sans" panose="020B0606030504020204" pitchFamily="34" charset="0"/>
-              </a:rPr>
-              <a:t>TreeMap</a:t>
-            </a:r>
-            <a:r>
-              <a:rPr lang="en-US" dirty="0">
-                <a:solidFill>
-                  <a:srgbClr val="00B0F0"/>
-                </a:solidFill>
-                <a:latin typeface="Open Sans" panose="020B0606030504020204" pitchFamily="34" charset="0"/>
-              </a:rPr>
-              <a:t>, and </a:t>
-            </a:r>
-            <a:r>
-              <a:rPr lang="en-US" dirty="0" err="1">
-                <a:solidFill>
-                  <a:srgbClr val="00B0F0"/>
-                </a:solidFill>
-                <a:latin typeface="Open Sans" panose="020B0606030504020204" pitchFamily="34" charset="0"/>
-              </a:rPr>
-              <a:t>LinkedHashMap</a:t>
-            </a:r>
-            <a:r>
-              <a:rPr lang="en-US" b="0" i="0" dirty="0">
-                <a:solidFill>
-                  <a:schemeClr val="tx1">
-                    <a:lumMod val="85000"/>
-                  </a:schemeClr>
-                </a:solidFill>
-                <a:effectLst/>
-                <a:latin typeface="Open Sans" panose="020B0606030504020204" pitchFamily="34" charset="0"/>
-              </a:rPr>
-              <a:t>. Their behavior and performance are precisely analogous to HashSet, </a:t>
-            </a:r>
-            <a:r>
-              <a:rPr lang="en-US" b="0" i="0" dirty="0" err="1">
-                <a:solidFill>
-                  <a:schemeClr val="tx1">
-                    <a:lumMod val="85000"/>
-                  </a:schemeClr>
-                </a:solidFill>
-                <a:effectLst/>
-                <a:latin typeface="Open Sans" panose="020B0606030504020204" pitchFamily="34" charset="0"/>
-              </a:rPr>
-              <a:t>TreeSet</a:t>
-            </a:r>
-            <a:r>
-              <a:rPr lang="en-US" b="0" i="0" dirty="0">
-                <a:solidFill>
-                  <a:schemeClr val="tx1">
-                    <a:lumMod val="85000"/>
-                  </a:schemeClr>
-                </a:solidFill>
-                <a:effectLst/>
-                <a:latin typeface="Open Sans" panose="020B0606030504020204" pitchFamily="34" charset="0"/>
-              </a:rPr>
-              <a:t>, and </a:t>
-            </a:r>
-            <a:r>
-              <a:rPr lang="en-US" b="0" i="0" dirty="0" err="1">
-                <a:solidFill>
-                  <a:schemeClr val="tx1">
-                    <a:lumMod val="85000"/>
-                  </a:schemeClr>
-                </a:solidFill>
-                <a:effectLst/>
-                <a:latin typeface="Open Sans" panose="020B0606030504020204" pitchFamily="34" charset="0"/>
-              </a:rPr>
-              <a:t>LinkedHashSet</a:t>
-            </a:r>
-            <a:r>
-              <a:rPr lang="en-US" b="0" i="0" dirty="0">
-                <a:solidFill>
-                  <a:schemeClr val="tx1">
-                    <a:lumMod val="85000"/>
-                  </a:schemeClr>
-                </a:solidFill>
-                <a:effectLst/>
-                <a:latin typeface="Open Sans" panose="020B0606030504020204" pitchFamily="34" charset="0"/>
-              </a:rPr>
-              <a:t>, as described in The Set Interface section.</a:t>
-            </a:r>
+            <a:endParaRPr lang="en-US" dirty="0">
+              <a:solidFill>
+                <a:schemeClr val="tx1">
+                  <a:lumMod val="85000"/>
+                </a:schemeClr>
+              </a:solidFill>
+              <a:latin typeface="Open Sans" panose="020B0606030504020204" pitchFamily="34" charset="0"/>
+            </a:endParaRPr>
+          </a:p>
+          <a:p>
+            <a:pPr algn="l"/>
+            <a:endParaRPr lang="en-US" b="0" i="0" dirty="0">
+              <a:solidFill>
+                <a:schemeClr val="tx1">
+                  <a:lumMod val="85000"/>
+                </a:schemeClr>
+              </a:solidFill>
+              <a:effectLst/>
+              <a:latin typeface="Open Sans" panose="020B0606030504020204" pitchFamily="34" charset="0"/>
+            </a:endParaRPr>
+          </a:p>
+          <a:p>
+            <a:pPr algn="l"/>
+            <a:r>
+              <a:rPr lang="en-US" b="0" i="0" dirty="0">
+                <a:solidFill>
+                  <a:schemeClr val="tx1">
+                    <a:lumMod val="85000"/>
+                  </a:schemeClr>
+                </a:solidFill>
+                <a:effectLst/>
+                <a:latin typeface="Open Sans" panose="020B0606030504020204" pitchFamily="34" charset="0"/>
+              </a:rPr>
+              <a:t>A List:</a:t>
+            </a:r>
+          </a:p>
+          <a:p>
+            <a:pPr algn="l"/>
+            <a:r>
+              <a:rPr lang="en-US" b="0" i="0" dirty="0">
+                <a:solidFill>
+                  <a:schemeClr val="tx1">
+                    <a:lumMod val="85000"/>
+                  </a:schemeClr>
+                </a:solidFill>
+                <a:effectLst/>
+                <a:latin typeface="Open Sans" panose="020B0606030504020204" pitchFamily="34" charset="0"/>
+              </a:rPr>
+              <a:t>- Is Ordered</a:t>
+            </a:r>
+          </a:p>
+          <a:p>
+            <a:pPr algn="l"/>
+            <a:r>
+              <a:rPr lang="en-US" b="0" i="0" dirty="0">
+                <a:solidFill>
+                  <a:schemeClr val="tx1">
+                    <a:lumMod val="85000"/>
+                  </a:schemeClr>
+                </a:solidFill>
+                <a:effectLst/>
+                <a:latin typeface="Open Sans" panose="020B0606030504020204" pitchFamily="34" charset="0"/>
+              </a:rPr>
+              <a:t>- Preserves Insertion Order</a:t>
+            </a:r>
+          </a:p>
+          <a:p>
+            <a:pPr algn="l"/>
+            <a:r>
+              <a:rPr lang="en-US" b="0" i="0" dirty="0">
+                <a:solidFill>
+                  <a:schemeClr val="tx1">
+                    <a:lumMod val="85000"/>
+                  </a:schemeClr>
+                </a:solidFill>
+                <a:effectLst/>
+                <a:latin typeface="Open Sans" panose="020B0606030504020204" pitchFamily="34" charset="0"/>
+              </a:rPr>
+              <a:t>- Allows Positional Access and Insertion of Items</a:t>
+            </a:r>
+          </a:p>
+          <a:p>
+            <a:pPr algn="l"/>
+            <a:r>
+              <a:rPr lang="en-US" b="0" i="0" dirty="0">
+                <a:solidFill>
+                  <a:schemeClr val="tx1">
+                    <a:lumMod val="85000"/>
+                  </a:schemeClr>
+                </a:solidFill>
+                <a:effectLst/>
+                <a:latin typeface="Open Sans" panose="020B0606030504020204" pitchFamily="34" charset="0"/>
+              </a:rPr>
+              <a:t>- Allows Duplicates</a:t>
+            </a:r>
+          </a:p>
+          <a:p>
+            <a:pPr algn="l"/>
+            <a:r>
+              <a:rPr lang="en-US" b="0" i="0" dirty="0">
+                <a:solidFill>
+                  <a:schemeClr val="tx1">
+                    <a:lumMod val="85000"/>
+                  </a:schemeClr>
+                </a:solidFill>
+                <a:effectLst/>
+                <a:latin typeface="Open Sans" panose="020B0606030504020204" pitchFamily="34" charset="0"/>
+              </a:rPr>
+              <a:t>- Is a Collection of Objects </a:t>
+            </a:r>
+          </a:p>
+          <a:p>
+            <a:pPr algn="l"/>
+            <a:endParaRPr lang="en-US" b="0" i="0" dirty="0">
+              <a:solidFill>
+                <a:schemeClr val="tx1">
+                  <a:lumMod val="85000"/>
+                </a:schemeClr>
+              </a:solidFill>
+              <a:effectLst/>
+              <a:latin typeface="Open Sans" panose="020B0606030504020204" pitchFamily="34" charset="0"/>
+            </a:endParaRPr>
           </a:p>
         </p:txBody>
       </p:sp>
       <p:sp>
         <p:nvSpPr>
-          <p:cNvPr id="3" name="TextBox 2">
+          <p:cNvPr id="5" name="TextBox 4">
             <a:extLst>
               <a:ext uri="{FF2B5EF4-FFF2-40B4-BE49-F238E27FC236}">
-                <a16:creationId xmlns:a16="http://schemas.microsoft.com/office/drawing/2014/main" id="{24A5F382-564E-CC53-4829-1E1BD61A1C6D}"/>
+                <a16:creationId xmlns:a16="http://schemas.microsoft.com/office/drawing/2014/main" id="{468397A7-672B-24AB-3F61-0F9A073389EE}"/>
               </a:ext>
             </a:extLst>
           </p:cNvPr>
@@ -5880,8 +6075,8 @@
         </p:nvSpPr>
         <p:spPr>
           <a:xfrm>
-            <a:off x="2883379" y="6332115"/>
-            <a:ext cx="9400636" cy="369332"/>
+            <a:off x="2961010" y="6379975"/>
+            <a:ext cx="9146796" cy="369332"/>
           </a:xfrm>
           <a:prstGeom prst="rect">
             <a:avLst/>
@@ -5898,7 +6093,7 @@
               <a:rPr lang="en-US" dirty="0">
                 <a:hlinkClick r:id="rId2"/>
               </a:rPr>
-              <a:t>https://github.com/ckiefriter1/Java-Code-Examples/blob/main/src/collections/MapExample.java</a:t>
+              <a:t>https://github.com/ckiefriter1/Java-Code-Examples/blob/main/src/collections/ListExample.java</a:t>
             </a:r>
             <a:endParaRPr lang="en-US" dirty="0"/>
           </a:p>
@@ -5907,7 +6102,7 @@
     </p:spTree>
     <p:extLst>
       <p:ext uri="{BB962C8B-B14F-4D97-AF65-F5344CB8AC3E}">
-        <p14:creationId xmlns:p14="http://schemas.microsoft.com/office/powerpoint/2010/main" val="2582931961"/>
+        <p14:creationId xmlns:p14="http://schemas.microsoft.com/office/powerpoint/2010/main" val="2491041013"/>
       </p:ext>
     </p:extLst>
   </p:cSld>
@@ -5968,6 +6163,819 @@
                 <a:solidFill>
                   <a:srgbClr val="00B050"/>
                 </a:solidFill>
+                <a:latin typeface="Open Sans" panose="020B0606030504020204" pitchFamily="34" charset="0"/>
+              </a:rPr>
+              <a:t>Sets</a:t>
+            </a:r>
+            <a:endParaRPr lang="en-US" sz="2400" b="1" dirty="0">
+              <a:solidFill>
+                <a:srgbClr val="00B050"/>
+              </a:solidFill>
+              <a:effectLst/>
+              <a:latin typeface="Open Sans" panose="020B0606030504020204" pitchFamily="34" charset="0"/>
+            </a:endParaRPr>
+          </a:p>
+        </p:txBody>
+      </p:sp>
+      <p:sp>
+        <p:nvSpPr>
+          <p:cNvPr id="4" name="TextBox 3">
+            <a:extLst>
+              <a:ext uri="{FF2B5EF4-FFF2-40B4-BE49-F238E27FC236}">
+                <a16:creationId xmlns:a16="http://schemas.microsoft.com/office/drawing/2014/main" id="{C0B26727-0F97-5A73-B4ED-6BE65E07E5DB}"/>
+              </a:ext>
+            </a:extLst>
+          </p:cNvPr>
+          <p:cNvSpPr txBox="1"/>
+          <p:nvPr/>
+        </p:nvSpPr>
+        <p:spPr>
+          <a:xfrm>
+            <a:off x="193251" y="624665"/>
+            <a:ext cx="11931637" cy="3416320"/>
+          </a:xfrm>
+          <a:prstGeom prst="rect">
+            <a:avLst/>
+          </a:prstGeom>
+          <a:noFill/>
+        </p:spPr>
+        <p:txBody>
+          <a:bodyPr wrap="square">
+            <a:spAutoFit/>
+          </a:bodyPr>
+          <a:lstStyle/>
+          <a:p>
+            <a:pPr algn="l"/>
+            <a:r>
+              <a:rPr lang="en-US" b="0" i="0" dirty="0">
+                <a:solidFill>
+                  <a:schemeClr val="tx1">
+                    <a:lumMod val="85000"/>
+                  </a:schemeClr>
+                </a:solidFill>
+                <a:effectLst/>
+                <a:latin typeface="Open Sans" panose="020B0606030504020204" pitchFamily="34" charset="0"/>
+              </a:rPr>
+              <a:t>A </a:t>
+            </a:r>
+            <a:r>
+              <a:rPr lang="en-US" b="0" i="0" dirty="0">
+                <a:solidFill>
+                  <a:srgbClr val="00B0F0"/>
+                </a:solidFill>
+                <a:effectLst/>
+                <a:latin typeface="Open Sans" panose="020B0606030504020204" pitchFamily="34" charset="0"/>
+              </a:rPr>
+              <a:t>Set is a Collection that cannot contain duplicate elements</a:t>
+            </a:r>
+            <a:r>
+              <a:rPr lang="en-US" b="0" i="0" dirty="0">
+                <a:solidFill>
+                  <a:schemeClr val="tx1">
+                    <a:lumMod val="85000"/>
+                  </a:schemeClr>
+                </a:solidFill>
+                <a:effectLst/>
+                <a:latin typeface="Open Sans" panose="020B0606030504020204" pitchFamily="34" charset="0"/>
+              </a:rPr>
+              <a:t>. It models the mathematical set abstraction. The Set interface contains only methods inherited from Collection and adds the restriction that duplicate elements are prohibited.</a:t>
+            </a:r>
+          </a:p>
+          <a:p>
+            <a:pPr algn="l"/>
+            <a:endParaRPr lang="en-US" dirty="0">
+              <a:solidFill>
+                <a:schemeClr val="tx1">
+                  <a:lumMod val="85000"/>
+                </a:schemeClr>
+              </a:solidFill>
+              <a:latin typeface="Open Sans" panose="020B0606030504020204" pitchFamily="34" charset="0"/>
+            </a:endParaRPr>
+          </a:p>
+          <a:p>
+            <a:pPr algn="l"/>
+            <a:r>
+              <a:rPr lang="en-US" b="0" i="0" dirty="0">
+                <a:solidFill>
+                  <a:schemeClr val="tx1">
+                    <a:lumMod val="85000"/>
+                  </a:schemeClr>
+                </a:solidFill>
+                <a:effectLst/>
+                <a:latin typeface="Open Sans" panose="020B0606030504020204" pitchFamily="34" charset="0"/>
+              </a:rPr>
+              <a:t>The Java platform </a:t>
+            </a:r>
+            <a:r>
+              <a:rPr lang="en-US" b="0" i="0" dirty="0">
+                <a:solidFill>
+                  <a:srgbClr val="00B0F0"/>
+                </a:solidFill>
+                <a:effectLst/>
+                <a:latin typeface="Open Sans" panose="020B0606030504020204" pitchFamily="34" charset="0"/>
+              </a:rPr>
+              <a:t>contains three general-purpose Set implementations: HashSet, </a:t>
+            </a:r>
+            <a:r>
+              <a:rPr lang="en-US" b="0" i="0" dirty="0" err="1">
+                <a:solidFill>
+                  <a:srgbClr val="00B0F0"/>
+                </a:solidFill>
+                <a:effectLst/>
+                <a:latin typeface="Open Sans" panose="020B0606030504020204" pitchFamily="34" charset="0"/>
+              </a:rPr>
+              <a:t>TreeSet</a:t>
+            </a:r>
+            <a:r>
+              <a:rPr lang="en-US" b="0" i="0" dirty="0">
+                <a:solidFill>
+                  <a:srgbClr val="00B0F0"/>
+                </a:solidFill>
+                <a:effectLst/>
+                <a:latin typeface="Open Sans" panose="020B0606030504020204" pitchFamily="34" charset="0"/>
+              </a:rPr>
+              <a:t>, and </a:t>
+            </a:r>
+            <a:r>
+              <a:rPr lang="en-US" b="0" i="0" dirty="0" err="1">
+                <a:solidFill>
+                  <a:srgbClr val="00B0F0"/>
+                </a:solidFill>
+                <a:effectLst/>
+                <a:latin typeface="Open Sans" panose="020B0606030504020204" pitchFamily="34" charset="0"/>
+              </a:rPr>
+              <a:t>LinkedHashSet</a:t>
+            </a:r>
+            <a:r>
+              <a:rPr lang="en-US" b="0" i="0" dirty="0">
+                <a:solidFill>
+                  <a:schemeClr val="tx1">
+                    <a:lumMod val="85000"/>
+                  </a:schemeClr>
+                </a:solidFill>
+                <a:effectLst/>
+                <a:latin typeface="Open Sans" panose="020B0606030504020204" pitchFamily="34" charset="0"/>
+              </a:rPr>
+              <a:t>. </a:t>
+            </a:r>
+            <a:r>
+              <a:rPr lang="en-US" b="0" i="0" dirty="0">
+                <a:solidFill>
+                  <a:srgbClr val="00B0F0"/>
+                </a:solidFill>
+                <a:effectLst/>
+                <a:latin typeface="Open Sans" panose="020B0606030504020204" pitchFamily="34" charset="0"/>
+              </a:rPr>
+              <a:t>HashSet</a:t>
+            </a:r>
+            <a:r>
+              <a:rPr lang="en-US" b="0" i="0" dirty="0">
+                <a:solidFill>
+                  <a:schemeClr val="tx1">
+                    <a:lumMod val="85000"/>
+                  </a:schemeClr>
+                </a:solidFill>
+                <a:effectLst/>
+                <a:latin typeface="Open Sans" panose="020B0606030504020204" pitchFamily="34" charset="0"/>
+              </a:rPr>
+              <a:t>, which stores its elements in a hash table, is the best-performing implementation; however it makes no guarantees concerning the order of iteration.</a:t>
+            </a:r>
+          </a:p>
+          <a:p>
+            <a:pPr algn="l"/>
+            <a:endParaRPr lang="en-US" dirty="0">
+              <a:solidFill>
+                <a:schemeClr val="tx1">
+                  <a:lumMod val="85000"/>
+                </a:schemeClr>
+              </a:solidFill>
+              <a:latin typeface="Open Sans" panose="020B0606030504020204" pitchFamily="34" charset="0"/>
+            </a:endParaRPr>
+          </a:p>
+          <a:p>
+            <a:pPr algn="l"/>
+            <a:r>
+              <a:rPr lang="en-US" b="0" i="0" dirty="0">
+                <a:solidFill>
+                  <a:schemeClr val="tx1">
+                    <a:lumMod val="85000"/>
+                  </a:schemeClr>
+                </a:solidFill>
+                <a:effectLst/>
+                <a:latin typeface="Open Sans" panose="020B0606030504020204" pitchFamily="34" charset="0"/>
+              </a:rPr>
+              <a:t>Set:</a:t>
+            </a:r>
+          </a:p>
+          <a:p>
+            <a:pPr algn="l"/>
+            <a:r>
+              <a:rPr lang="en-US" b="0" i="0" dirty="0">
+                <a:solidFill>
+                  <a:schemeClr val="tx1">
+                    <a:lumMod val="85000"/>
+                  </a:schemeClr>
+                </a:solidFill>
+                <a:effectLst/>
+                <a:latin typeface="Open Sans" panose="020B0606030504020204" pitchFamily="34" charset="0"/>
+              </a:rPr>
+              <a:t>No Duplicates</a:t>
+            </a:r>
+          </a:p>
+          <a:p>
+            <a:pPr algn="l"/>
+            <a:r>
+              <a:rPr lang="en-US" b="0" i="0" dirty="0">
+                <a:solidFill>
+                  <a:schemeClr val="tx1">
+                    <a:lumMod val="85000"/>
+                  </a:schemeClr>
+                </a:solidFill>
+                <a:effectLst/>
+                <a:latin typeface="Open Sans" panose="020B0606030504020204" pitchFamily="34" charset="0"/>
+              </a:rPr>
+              <a:t>At most one Null element</a:t>
+            </a:r>
+          </a:p>
+          <a:p>
+            <a:pPr algn="l"/>
+            <a:r>
+              <a:rPr lang="en-US" b="0" i="0" dirty="0">
+                <a:solidFill>
+                  <a:schemeClr val="tx1">
+                    <a:lumMod val="85000"/>
+                  </a:schemeClr>
+                </a:solidFill>
+                <a:effectLst/>
+                <a:latin typeface="Open Sans" panose="020B0606030504020204" pitchFamily="34" charset="0"/>
+              </a:rPr>
+              <a:t>Not guaranteed to be in any particular order</a:t>
+            </a:r>
+          </a:p>
+        </p:txBody>
+      </p:sp>
+      <p:sp>
+        <p:nvSpPr>
+          <p:cNvPr id="8" name="TextBox 7">
+            <a:extLst>
+              <a:ext uri="{FF2B5EF4-FFF2-40B4-BE49-F238E27FC236}">
+                <a16:creationId xmlns:a16="http://schemas.microsoft.com/office/drawing/2014/main" id="{7C40366F-ED76-9B97-8CF7-3BAFEF94FE77}"/>
+              </a:ext>
+            </a:extLst>
+          </p:cNvPr>
+          <p:cNvSpPr txBox="1"/>
+          <p:nvPr/>
+        </p:nvSpPr>
+        <p:spPr>
+          <a:xfrm>
+            <a:off x="2837576" y="6329618"/>
+            <a:ext cx="9217404" cy="369332"/>
+          </a:xfrm>
+          <a:prstGeom prst="rect">
+            <a:avLst/>
+          </a:prstGeom>
+          <a:noFill/>
+        </p:spPr>
+        <p:txBody>
+          <a:bodyPr wrap="square">
+            <a:spAutoFit/>
+          </a:bodyPr>
+          <a:lstStyle/>
+          <a:p>
+            <a:r>
+              <a:rPr lang="en-US" dirty="0">
+                <a:hlinkClick r:id="rId2"/>
+              </a:rPr>
+              <a:t>https://github.com/ckiefriter1/Java-Code-Examples/blob/main/src/collections/SetExample.java</a:t>
+            </a:r>
+            <a:endParaRPr lang="en-US" dirty="0"/>
+          </a:p>
+        </p:txBody>
+      </p:sp>
+    </p:spTree>
+    <p:extLst>
+      <p:ext uri="{BB962C8B-B14F-4D97-AF65-F5344CB8AC3E}">
+        <p14:creationId xmlns:p14="http://schemas.microsoft.com/office/powerpoint/2010/main" val="491903796"/>
+      </p:ext>
+    </p:extLst>
+  </p:cSld>
+  <p:clrMapOvr>
+    <a:masterClrMapping/>
+  </p:clrMapOvr>
+</p:sld>
+</file>
+
+<file path=ppt/slides/slide12.xml><?xml version="1.0" encoding="utf-8"?>
+<p:sld xmlns:a="http://schemas.openxmlformats.org/drawingml/2006/main" xmlns:r="http://schemas.openxmlformats.org/officeDocument/2006/relationships" xmlns:p="http://schemas.openxmlformats.org/presentationml/2006/main">
+  <p:cSld>
+    <p:spTree>
+      <p:nvGrpSpPr>
+        <p:cNvPr id="1" name=""/>
+        <p:cNvGrpSpPr/>
+        <p:nvPr/>
+      </p:nvGrpSpPr>
+      <p:grpSpPr>
+        <a:xfrm>
+          <a:off x="0" y="0"/>
+          <a:ext cx="0" cy="0"/>
+          <a:chOff x="0" y="0"/>
+          <a:chExt cx="0" cy="0"/>
+        </a:xfrm>
+      </p:grpSpPr>
+      <p:sp>
+        <p:nvSpPr>
+          <p:cNvPr id="6" name="TextBox 5">
+            <a:extLst>
+              <a:ext uri="{FF2B5EF4-FFF2-40B4-BE49-F238E27FC236}">
+                <a16:creationId xmlns:a16="http://schemas.microsoft.com/office/drawing/2014/main" id="{59E906CD-110B-9D01-732C-2F21759B0265}"/>
+              </a:ext>
+            </a:extLst>
+          </p:cNvPr>
+          <p:cNvSpPr txBox="1"/>
+          <p:nvPr/>
+        </p:nvSpPr>
+        <p:spPr>
+          <a:xfrm>
+            <a:off x="193251" y="91915"/>
+            <a:ext cx="6094854" cy="461665"/>
+          </a:xfrm>
+          <a:prstGeom prst="rect">
+            <a:avLst/>
+          </a:prstGeom>
+          <a:noFill/>
+        </p:spPr>
+        <p:txBody>
+          <a:bodyPr wrap="square">
+            <a:spAutoFit/>
+          </a:bodyPr>
+          <a:lstStyle/>
+          <a:p>
+            <a:pPr algn="l"/>
+            <a:r>
+              <a:rPr lang="en-US" sz="2400" b="1" dirty="0">
+                <a:solidFill>
+                  <a:srgbClr val="00B050"/>
+                </a:solidFill>
+                <a:effectLst/>
+                <a:latin typeface="Open Sans" panose="020B0606030504020204" pitchFamily="34" charset="0"/>
+              </a:rPr>
+              <a:t>Maps</a:t>
+            </a:r>
+          </a:p>
+        </p:txBody>
+      </p:sp>
+      <p:sp>
+        <p:nvSpPr>
+          <p:cNvPr id="4" name="TextBox 3">
+            <a:extLst>
+              <a:ext uri="{FF2B5EF4-FFF2-40B4-BE49-F238E27FC236}">
+                <a16:creationId xmlns:a16="http://schemas.microsoft.com/office/drawing/2014/main" id="{C0B26727-0F97-5A73-B4ED-6BE65E07E5DB}"/>
+              </a:ext>
+            </a:extLst>
+          </p:cNvPr>
+          <p:cNvSpPr txBox="1"/>
+          <p:nvPr/>
+        </p:nvSpPr>
+        <p:spPr>
+          <a:xfrm>
+            <a:off x="193251" y="624665"/>
+            <a:ext cx="11931637" cy="2308324"/>
+          </a:xfrm>
+          <a:prstGeom prst="rect">
+            <a:avLst/>
+          </a:prstGeom>
+          <a:noFill/>
+        </p:spPr>
+        <p:txBody>
+          <a:bodyPr wrap="square">
+            <a:spAutoFit/>
+          </a:bodyPr>
+          <a:lstStyle/>
+          <a:p>
+            <a:pPr algn="l"/>
+            <a:r>
+              <a:rPr lang="en-US" b="0" i="0" dirty="0">
+                <a:solidFill>
+                  <a:schemeClr val="tx1">
+                    <a:lumMod val="85000"/>
+                  </a:schemeClr>
+                </a:solidFill>
+                <a:effectLst/>
+                <a:latin typeface="Open Sans" panose="020B0606030504020204" pitchFamily="34" charset="0"/>
+              </a:rPr>
+              <a:t>A </a:t>
+            </a:r>
+            <a:r>
+              <a:rPr lang="en-US" dirty="0">
+                <a:solidFill>
+                  <a:srgbClr val="00B0F0"/>
+                </a:solidFill>
+                <a:latin typeface="Open Sans" panose="020B0606030504020204" pitchFamily="34" charset="0"/>
+              </a:rPr>
+              <a:t>Map</a:t>
+            </a:r>
+            <a:r>
+              <a:rPr lang="en-US" b="0" i="0" dirty="0">
+                <a:solidFill>
+                  <a:schemeClr val="tx1">
+                    <a:lumMod val="85000"/>
+                  </a:schemeClr>
+                </a:solidFill>
+                <a:effectLst/>
+                <a:latin typeface="Open Sans" panose="020B0606030504020204" pitchFamily="34" charset="0"/>
+              </a:rPr>
+              <a:t> is an </a:t>
+            </a:r>
+            <a:r>
+              <a:rPr lang="en-US" dirty="0">
+                <a:solidFill>
+                  <a:srgbClr val="00B0F0"/>
+                </a:solidFill>
+                <a:latin typeface="Open Sans" panose="020B0606030504020204" pitchFamily="34" charset="0"/>
+              </a:rPr>
+              <a:t>object that maps keys to values</a:t>
+            </a:r>
+            <a:r>
+              <a:rPr lang="en-US" b="0" i="0" dirty="0">
+                <a:solidFill>
+                  <a:schemeClr val="tx1">
+                    <a:lumMod val="85000"/>
+                  </a:schemeClr>
+                </a:solidFill>
+                <a:effectLst/>
+                <a:latin typeface="Open Sans" panose="020B0606030504020204" pitchFamily="34" charset="0"/>
+              </a:rPr>
+              <a:t>. A map </a:t>
+            </a:r>
+            <a:r>
+              <a:rPr lang="en-US" dirty="0">
+                <a:solidFill>
+                  <a:srgbClr val="00B0F0"/>
+                </a:solidFill>
+                <a:latin typeface="Open Sans" panose="020B0606030504020204" pitchFamily="34" charset="0"/>
+              </a:rPr>
+              <a:t>cannot contain duplicate keys</a:t>
+            </a:r>
+            <a:r>
+              <a:rPr lang="en-US" b="0" i="0" dirty="0">
+                <a:solidFill>
+                  <a:schemeClr val="tx1">
+                    <a:lumMod val="85000"/>
+                  </a:schemeClr>
+                </a:solidFill>
+                <a:effectLst/>
+                <a:latin typeface="Open Sans" panose="020B0606030504020204" pitchFamily="34" charset="0"/>
+              </a:rPr>
+              <a:t>: Each key can map to at most one value. It models the mathematical function abstraction. The Map interface includes methods for basic operations (such as put, get, remove, </a:t>
+            </a:r>
+            <a:r>
+              <a:rPr lang="en-US" b="0" i="0" dirty="0" err="1">
+                <a:solidFill>
+                  <a:schemeClr val="tx1">
+                    <a:lumMod val="85000"/>
+                  </a:schemeClr>
+                </a:solidFill>
+                <a:effectLst/>
+                <a:latin typeface="Open Sans" panose="020B0606030504020204" pitchFamily="34" charset="0"/>
+              </a:rPr>
+              <a:t>containsKey</a:t>
+            </a:r>
+            <a:r>
+              <a:rPr lang="en-US" b="0" i="0" dirty="0">
+                <a:solidFill>
+                  <a:schemeClr val="tx1">
+                    <a:lumMod val="85000"/>
+                  </a:schemeClr>
+                </a:solidFill>
+                <a:effectLst/>
+                <a:latin typeface="Open Sans" panose="020B0606030504020204" pitchFamily="34" charset="0"/>
+              </a:rPr>
+              <a:t>, </a:t>
+            </a:r>
+            <a:r>
+              <a:rPr lang="en-US" b="0" i="0" dirty="0" err="1">
+                <a:solidFill>
+                  <a:schemeClr val="tx1">
+                    <a:lumMod val="85000"/>
+                  </a:schemeClr>
+                </a:solidFill>
+                <a:effectLst/>
+                <a:latin typeface="Open Sans" panose="020B0606030504020204" pitchFamily="34" charset="0"/>
+              </a:rPr>
+              <a:t>containsValue</a:t>
+            </a:r>
+            <a:r>
+              <a:rPr lang="en-US" b="0" i="0" dirty="0">
+                <a:solidFill>
+                  <a:schemeClr val="tx1">
+                    <a:lumMod val="85000"/>
+                  </a:schemeClr>
+                </a:solidFill>
+                <a:effectLst/>
+                <a:latin typeface="Open Sans" panose="020B0606030504020204" pitchFamily="34" charset="0"/>
+              </a:rPr>
+              <a:t>, size, and empty), bulk operations (such as </a:t>
+            </a:r>
+            <a:r>
+              <a:rPr lang="en-US" b="0" i="0" dirty="0" err="1">
+                <a:solidFill>
+                  <a:schemeClr val="tx1">
+                    <a:lumMod val="85000"/>
+                  </a:schemeClr>
+                </a:solidFill>
+                <a:effectLst/>
+                <a:latin typeface="Open Sans" panose="020B0606030504020204" pitchFamily="34" charset="0"/>
+              </a:rPr>
+              <a:t>putAll</a:t>
+            </a:r>
+            <a:r>
+              <a:rPr lang="en-US" b="0" i="0" dirty="0">
+                <a:solidFill>
+                  <a:schemeClr val="tx1">
+                    <a:lumMod val="85000"/>
+                  </a:schemeClr>
+                </a:solidFill>
+                <a:effectLst/>
+                <a:latin typeface="Open Sans" panose="020B0606030504020204" pitchFamily="34" charset="0"/>
+              </a:rPr>
+              <a:t> and clear), and collection views (such as </a:t>
+            </a:r>
+            <a:r>
+              <a:rPr lang="en-US" b="0" i="0" dirty="0" err="1">
+                <a:solidFill>
+                  <a:schemeClr val="tx1">
+                    <a:lumMod val="85000"/>
+                  </a:schemeClr>
+                </a:solidFill>
+                <a:effectLst/>
+                <a:latin typeface="Open Sans" panose="020B0606030504020204" pitchFamily="34" charset="0"/>
+              </a:rPr>
+              <a:t>keySet</a:t>
+            </a:r>
+            <a:r>
+              <a:rPr lang="en-US" b="0" i="0" dirty="0">
+                <a:solidFill>
+                  <a:schemeClr val="tx1">
+                    <a:lumMod val="85000"/>
+                  </a:schemeClr>
+                </a:solidFill>
+                <a:effectLst/>
+                <a:latin typeface="Open Sans" panose="020B0606030504020204" pitchFamily="34" charset="0"/>
+              </a:rPr>
+              <a:t>, </a:t>
+            </a:r>
+            <a:r>
+              <a:rPr lang="en-US" b="0" i="0" dirty="0" err="1">
+                <a:solidFill>
+                  <a:schemeClr val="tx1">
+                    <a:lumMod val="85000"/>
+                  </a:schemeClr>
+                </a:solidFill>
+                <a:effectLst/>
+                <a:latin typeface="Open Sans" panose="020B0606030504020204" pitchFamily="34" charset="0"/>
+              </a:rPr>
+              <a:t>entrySet</a:t>
+            </a:r>
+            <a:r>
+              <a:rPr lang="en-US" b="0" i="0" dirty="0">
+                <a:solidFill>
+                  <a:schemeClr val="tx1">
+                    <a:lumMod val="85000"/>
+                  </a:schemeClr>
+                </a:solidFill>
+                <a:effectLst/>
+                <a:latin typeface="Open Sans" panose="020B0606030504020204" pitchFamily="34" charset="0"/>
+              </a:rPr>
+              <a:t>, and values).</a:t>
+            </a:r>
+          </a:p>
+          <a:p>
+            <a:pPr algn="l"/>
+            <a:endParaRPr lang="en-US" b="0" i="0" dirty="0">
+              <a:solidFill>
+                <a:schemeClr val="tx1">
+                  <a:lumMod val="85000"/>
+                </a:schemeClr>
+              </a:solidFill>
+              <a:effectLst/>
+              <a:latin typeface="Open Sans" panose="020B0606030504020204" pitchFamily="34" charset="0"/>
+            </a:endParaRPr>
+          </a:p>
+          <a:p>
+            <a:pPr algn="l"/>
+            <a:r>
+              <a:rPr lang="en-US" b="0" i="0" dirty="0">
+                <a:solidFill>
+                  <a:schemeClr val="tx1">
+                    <a:lumMod val="85000"/>
+                  </a:schemeClr>
+                </a:solidFill>
+                <a:effectLst/>
+                <a:latin typeface="Open Sans" panose="020B0606030504020204" pitchFamily="34" charset="0"/>
+              </a:rPr>
+              <a:t>The Java platform contains three general-purpose Map implementations: </a:t>
+            </a:r>
+            <a:r>
+              <a:rPr lang="en-US" dirty="0">
+                <a:solidFill>
+                  <a:srgbClr val="00B0F0"/>
+                </a:solidFill>
+                <a:latin typeface="Open Sans" panose="020B0606030504020204" pitchFamily="34" charset="0"/>
+              </a:rPr>
+              <a:t>HashMap, </a:t>
+            </a:r>
+            <a:r>
+              <a:rPr lang="en-US" dirty="0" err="1">
+                <a:solidFill>
+                  <a:srgbClr val="00B0F0"/>
+                </a:solidFill>
+                <a:latin typeface="Open Sans" panose="020B0606030504020204" pitchFamily="34" charset="0"/>
+              </a:rPr>
+              <a:t>TreeMap</a:t>
+            </a:r>
+            <a:r>
+              <a:rPr lang="en-US" dirty="0">
+                <a:solidFill>
+                  <a:srgbClr val="00B0F0"/>
+                </a:solidFill>
+                <a:latin typeface="Open Sans" panose="020B0606030504020204" pitchFamily="34" charset="0"/>
+              </a:rPr>
+              <a:t>, and </a:t>
+            </a:r>
+            <a:r>
+              <a:rPr lang="en-US" dirty="0" err="1">
+                <a:solidFill>
+                  <a:srgbClr val="00B0F0"/>
+                </a:solidFill>
+                <a:latin typeface="Open Sans" panose="020B0606030504020204" pitchFamily="34" charset="0"/>
+              </a:rPr>
+              <a:t>LinkedHashMap</a:t>
+            </a:r>
+            <a:r>
+              <a:rPr lang="en-US" b="0" i="0" dirty="0">
+                <a:solidFill>
+                  <a:schemeClr val="tx1">
+                    <a:lumMod val="85000"/>
+                  </a:schemeClr>
+                </a:solidFill>
+                <a:effectLst/>
+                <a:latin typeface="Open Sans" panose="020B0606030504020204" pitchFamily="34" charset="0"/>
+              </a:rPr>
+              <a:t>. Their behavior and performance are precisely analogous to HashSet, </a:t>
+            </a:r>
+            <a:r>
+              <a:rPr lang="en-US" b="0" i="0" dirty="0" err="1">
+                <a:solidFill>
+                  <a:schemeClr val="tx1">
+                    <a:lumMod val="85000"/>
+                  </a:schemeClr>
+                </a:solidFill>
+                <a:effectLst/>
+                <a:latin typeface="Open Sans" panose="020B0606030504020204" pitchFamily="34" charset="0"/>
+              </a:rPr>
+              <a:t>TreeSet</a:t>
+            </a:r>
+            <a:r>
+              <a:rPr lang="en-US" b="0" i="0" dirty="0">
+                <a:solidFill>
+                  <a:schemeClr val="tx1">
+                    <a:lumMod val="85000"/>
+                  </a:schemeClr>
+                </a:solidFill>
+                <a:effectLst/>
+                <a:latin typeface="Open Sans" panose="020B0606030504020204" pitchFamily="34" charset="0"/>
+              </a:rPr>
+              <a:t>, and </a:t>
+            </a:r>
+            <a:r>
+              <a:rPr lang="en-US" b="0" i="0" dirty="0" err="1">
+                <a:solidFill>
+                  <a:schemeClr val="tx1">
+                    <a:lumMod val="85000"/>
+                  </a:schemeClr>
+                </a:solidFill>
+                <a:effectLst/>
+                <a:latin typeface="Open Sans" panose="020B0606030504020204" pitchFamily="34" charset="0"/>
+              </a:rPr>
+              <a:t>LinkedHashSet</a:t>
+            </a:r>
+            <a:r>
+              <a:rPr lang="en-US" b="0" i="0" dirty="0">
+                <a:solidFill>
+                  <a:schemeClr val="tx1">
+                    <a:lumMod val="85000"/>
+                  </a:schemeClr>
+                </a:solidFill>
+                <a:effectLst/>
+                <a:latin typeface="Open Sans" panose="020B0606030504020204" pitchFamily="34" charset="0"/>
+              </a:rPr>
+              <a:t>, as described in The Set Interface section.</a:t>
+            </a:r>
+          </a:p>
+        </p:txBody>
+      </p:sp>
+      <p:sp>
+        <p:nvSpPr>
+          <p:cNvPr id="3" name="TextBox 2">
+            <a:extLst>
+              <a:ext uri="{FF2B5EF4-FFF2-40B4-BE49-F238E27FC236}">
+                <a16:creationId xmlns:a16="http://schemas.microsoft.com/office/drawing/2014/main" id="{24A5F382-564E-CC53-4829-1E1BD61A1C6D}"/>
+              </a:ext>
+            </a:extLst>
+          </p:cNvPr>
+          <p:cNvSpPr txBox="1"/>
+          <p:nvPr/>
+        </p:nvSpPr>
+        <p:spPr>
+          <a:xfrm>
+            <a:off x="2883379" y="6332115"/>
+            <a:ext cx="9400636" cy="369332"/>
+          </a:xfrm>
+          <a:prstGeom prst="rect">
+            <a:avLst/>
+          </a:prstGeom>
+          <a:noFill/>
+        </p:spPr>
+        <p:txBody>
+          <a:bodyPr wrap="square">
+            <a:spAutoFit/>
+          </a:bodyPr>
+          <a:lstStyle/>
+          <a:p>
+            <a:r>
+              <a:rPr lang="en-US" dirty="0">
+                <a:hlinkClick r:id="rId2"/>
+              </a:rPr>
+              <a:t>https://github.com/ckiefriter1/Java-Code-Examples/blob/main/src/collections/MapExample.java</a:t>
+            </a:r>
+            <a:endParaRPr lang="en-US" dirty="0"/>
+          </a:p>
+        </p:txBody>
+      </p:sp>
+    </p:spTree>
+    <p:extLst>
+      <p:ext uri="{BB962C8B-B14F-4D97-AF65-F5344CB8AC3E}">
+        <p14:creationId xmlns:p14="http://schemas.microsoft.com/office/powerpoint/2010/main" val="2582931961"/>
+      </p:ext>
+    </p:extLst>
+  </p:cSld>
+  <p:clrMapOvr>
+    <a:masterClrMapping/>
+  </p:clrMapOvr>
+</p:sld>
+</file>
+
+<file path=ppt/slides/slide13.xml><?xml version="1.0" encoding="utf-8"?>
+<p:sld xmlns:a="http://schemas.openxmlformats.org/drawingml/2006/main" xmlns:r="http://schemas.openxmlformats.org/officeDocument/2006/relationships" xmlns:p="http://schemas.openxmlformats.org/presentationml/2006/main">
+  <p:cSld>
+    <p:spTree>
+      <p:nvGrpSpPr>
+        <p:cNvPr id="1" name=""/>
+        <p:cNvGrpSpPr/>
+        <p:nvPr/>
+      </p:nvGrpSpPr>
+      <p:grpSpPr>
+        <a:xfrm>
+          <a:off x="0" y="0"/>
+          <a:ext cx="0" cy="0"/>
+          <a:chOff x="0" y="0"/>
+          <a:chExt cx="0" cy="0"/>
+        </a:xfrm>
+      </p:grpSpPr>
+      <p:sp>
+        <p:nvSpPr>
+          <p:cNvPr id="6" name="TextBox 5">
+            <a:extLst>
+              <a:ext uri="{FF2B5EF4-FFF2-40B4-BE49-F238E27FC236}">
+                <a16:creationId xmlns:a16="http://schemas.microsoft.com/office/drawing/2014/main" id="{59E906CD-110B-9D01-732C-2F21759B0265}"/>
+              </a:ext>
+            </a:extLst>
+          </p:cNvPr>
+          <p:cNvSpPr txBox="1"/>
+          <p:nvPr/>
+        </p:nvSpPr>
+        <p:spPr>
+          <a:xfrm>
+            <a:off x="193251" y="91915"/>
+            <a:ext cx="6094854" cy="461665"/>
+          </a:xfrm>
+          <a:prstGeom prst="rect">
+            <a:avLst/>
+          </a:prstGeom>
+          <a:noFill/>
+        </p:spPr>
+        <p:txBody>
+          <a:bodyPr wrap="square">
+            <a:spAutoFit/>
+          </a:bodyPr>
+          <a:lstStyle/>
+          <a:p>
+            <a:pPr algn="l"/>
+            <a:r>
+              <a:rPr lang="en-US" sz="2400" b="1" dirty="0">
+                <a:solidFill>
+                  <a:srgbClr val="00B050"/>
+                </a:solidFill>
                 <a:effectLst/>
                 <a:latin typeface="Open Sans" panose="020B0606030504020204" pitchFamily="34" charset="0"/>
               </a:rPr>
@@ -6320,7 +7328,7 @@
 </p:sld>
 </file>
 
-<file path=ppt/slides/slide12.xml><?xml version="1.0" encoding="utf-8"?>
+<file path=ppt/slides/slide14.xml><?xml version="1.0" encoding="utf-8"?>
 <p:sld xmlns:a="http://schemas.openxmlformats.org/drawingml/2006/main" xmlns:r="http://schemas.openxmlformats.org/officeDocument/2006/relationships" xmlns:p="http://schemas.openxmlformats.org/presentationml/2006/main">
   <p:cSld>
     <p:spTree>
@@ -6417,7 +7425,7 @@
 </p:sld>
 </file>
 
-<file path=ppt/slides/slide13.xml><?xml version="1.0" encoding="utf-8"?>
+<file path=ppt/slides/slide15.xml><?xml version="1.0" encoding="utf-8"?>
 <p:sld xmlns:a="http://schemas.openxmlformats.org/drawingml/2006/main" xmlns:r="http://schemas.openxmlformats.org/officeDocument/2006/relationships" xmlns:p="http://schemas.openxmlformats.org/presentationml/2006/main">
   <p:cSld>
     <p:spTree>
@@ -6845,7 +7853,7 @@
 </p:sld>
 </file>
 
-<file path=ppt/slides/slide14.xml><?xml version="1.0" encoding="utf-8"?>
+<file path=ppt/slides/slide16.xml><?xml version="1.0" encoding="utf-8"?>
 <p:sld xmlns:a="http://schemas.openxmlformats.org/drawingml/2006/main" xmlns:r="http://schemas.openxmlformats.org/officeDocument/2006/relationships" xmlns:p="http://schemas.openxmlformats.org/presentationml/2006/main">
   <p:cSld>
     <p:spTree>
@@ -7862,8 +8870,8 @@
         </p:nvSpPr>
         <p:spPr>
           <a:xfrm>
-            <a:off x="1894669" y="2745699"/>
-            <a:ext cx="9326104" cy="1015663"/>
+            <a:off x="698739" y="2478280"/>
+            <a:ext cx="11220773" cy="3416320"/>
           </a:xfrm>
           <a:prstGeom prst="rect">
             <a:avLst/>
@@ -7910,8 +8918,111 @@
                 <a:ea typeface="+mn-ea"/>
                 <a:cs typeface="+mn-cs"/>
               </a:rPr>
-              <a:t>Lists</a:t>
-            </a:r>
+              <a:t>Collections </a:t>
+            </a:r>
+            <a:r>
+              <a:rPr kumimoji="0" lang="en-US" sz="6000" b="0" i="0" u="none" strike="noStrike" kern="1200" cap="none" spc="0" normalizeH="0" baseline="0" noProof="0" dirty="0">
+                <a:ln>
+                  <a:noFill/>
+                </a:ln>
+                <a:solidFill>
+                  <a:prstClr val="white">
+                    <a:lumMod val="75000"/>
+                  </a:prstClr>
+                </a:solidFill>
+                <a:effectLst/>
+                <a:uLnTx/>
+                <a:uFillTx/>
+                <a:latin typeface="Open Sans" panose="020B0606030504020204" pitchFamily="34" charset="0"/>
+                <a:ea typeface="+mn-ea"/>
+                <a:cs typeface="+mn-cs"/>
+                <a:sym typeface="Wingdings" panose="05000000000000000000" pitchFamily="2" charset="2"/>
+              </a:rPr>
+              <a:t> List, Set, Map</a:t>
+            </a:r>
+          </a:p>
+          <a:p>
+            <a:pPr marL="0" marR="0" lvl="0" indent="0" algn="l" defTabSz="914400" rtl="0" eaLnBrk="1" fontAlgn="auto" latinLnBrk="0" hangingPunct="1">
+              <a:lnSpc>
+                <a:spcPct val="100000"/>
+              </a:lnSpc>
+              <a:spcBef>
+                <a:spcPts val="0"/>
+              </a:spcBef>
+              <a:spcAft>
+                <a:spcPts val="0"/>
+              </a:spcAft>
+              <a:buClrTx/>
+              <a:buSzTx/>
+              <a:buFontTx/>
+              <a:buNone/>
+              <a:tabLst/>
+              <a:defRPr/>
+            </a:pPr>
+            <a:endParaRPr lang="en-US" sz="6000" dirty="0">
+              <a:solidFill>
+                <a:prstClr val="white">
+                  <a:lumMod val="75000"/>
+                </a:prstClr>
+              </a:solidFill>
+              <a:latin typeface="Open Sans" panose="020B0606030504020204" pitchFamily="34" charset="0"/>
+              <a:sym typeface="Wingdings" panose="05000000000000000000" pitchFamily="2" charset="2"/>
+            </a:endParaRPr>
+          </a:p>
+          <a:p>
+            <a:pPr marL="0" marR="0" lvl="0" indent="0" algn="l" defTabSz="914400" rtl="0" eaLnBrk="1" fontAlgn="auto" latinLnBrk="0" hangingPunct="1">
+              <a:lnSpc>
+                <a:spcPct val="100000"/>
+              </a:lnSpc>
+              <a:spcBef>
+                <a:spcPts val="0"/>
+              </a:spcBef>
+              <a:spcAft>
+                <a:spcPts val="0"/>
+              </a:spcAft>
+              <a:buClrTx/>
+              <a:buSzTx/>
+              <a:buFontTx/>
+              <a:buNone/>
+              <a:tabLst/>
+              <a:defRPr/>
+            </a:pPr>
+            <a:r>
+              <a:rPr kumimoji="0" lang="en-US" sz="4400" b="0" i="0" u="none" strike="noStrike" kern="1200" cap="none" spc="0" normalizeH="0" baseline="0" noProof="0" dirty="0">
+                <a:ln>
+                  <a:noFill/>
+                </a:ln>
+                <a:solidFill>
+                  <a:prstClr val="white">
+                    <a:lumMod val="75000"/>
+                  </a:prstClr>
+                </a:solidFill>
+                <a:effectLst/>
+                <a:uLnTx/>
+                <a:uFillTx/>
+                <a:latin typeface="Open Sans" panose="020B0606030504020204" pitchFamily="34" charset="0"/>
+                <a:ea typeface="+mn-ea"/>
+                <a:cs typeface="+mn-cs"/>
+                <a:sym typeface="Wingdings" panose="05000000000000000000" pitchFamily="2" charset="2"/>
+              </a:rPr>
+              <a:t>…but first, a little about Classes, Objects, &amp; Interfaces </a:t>
+            </a:r>
+            <a:endParaRPr kumimoji="0" lang="en-US" sz="4400" b="0" i="0" u="none" strike="noStrike" kern="1200" cap="none" spc="0" normalizeH="0" baseline="0" noProof="0" dirty="0">
+              <a:ln>
+                <a:noFill/>
+              </a:ln>
+              <a:solidFill>
+                <a:prstClr val="white">
+                  <a:lumMod val="75000"/>
+                </a:prstClr>
+              </a:solidFill>
+              <a:effectLst/>
+              <a:uLnTx/>
+              <a:uFillTx/>
+              <a:latin typeface="Open Sans" panose="020B0606030504020204" pitchFamily="34" charset="0"/>
+              <a:ea typeface="+mn-ea"/>
+              <a:cs typeface="+mn-cs"/>
+            </a:endParaRPr>
           </a:p>
         </p:txBody>
       </p:sp>
@@ -7950,7 +9061,7 @@
           <p:cNvPr id="6" name="TextBox 5">
             <a:extLst>
               <a:ext uri="{FF2B5EF4-FFF2-40B4-BE49-F238E27FC236}">
-                <a16:creationId xmlns:a16="http://schemas.microsoft.com/office/drawing/2014/main" id="{59E906CD-110B-9D01-732C-2F21759B0265}"/>
+                <a16:creationId xmlns:a16="http://schemas.microsoft.com/office/drawing/2014/main" id="{DE3DBA5A-FA8E-46C6-1402-E5C7632F4CAD}"/>
               </a:ext>
             </a:extLst>
           </p:cNvPr>
@@ -7959,8 +9070,8 @@
         </p:nvSpPr>
         <p:spPr>
           <a:xfrm>
-            <a:off x="193251" y="91915"/>
-            <a:ext cx="6094854" cy="461665"/>
+            <a:off x="216335" y="148241"/>
+            <a:ext cx="7765757" cy="461665"/>
           </a:xfrm>
           <a:prstGeom prst="rect">
             <a:avLst/>
@@ -7973,7 +9084,6 @@
           </a:bodyPr>
           <a:lstStyle/>
           <a:p>
-            <a:pPr algn="l"/>
             <a:r>
               <a:rPr lang="en-US" sz="2400" b="1" dirty="0">
                 <a:solidFill>
@@ -7982,17 +9092,18 @@
                 <a:effectLst/>
                 <a:latin typeface="Open Sans" panose="020B0606030504020204" pitchFamily="34" charset="0"/>
               </a:rPr>
-              <a:t>Collections</a:t>
-            </a:r>
+              <a:t>Classes vs Objects</a:t>
+            </a:r>
+            <a:endParaRPr lang="en-US" sz="2400" dirty="0"/>
           </a:p>
         </p:txBody>
       </p:sp>
       <p:sp>
         <p:nvSpPr>
-          <p:cNvPr id="4" name="TextBox 3">
+          <p:cNvPr id="10" name="TextBox 9">
             <a:extLst>
               <a:ext uri="{FF2B5EF4-FFF2-40B4-BE49-F238E27FC236}">
-                <a16:creationId xmlns:a16="http://schemas.microsoft.com/office/drawing/2014/main" id="{C0B26727-0F97-5A73-B4ED-6BE65E07E5DB}"/>
+                <a16:creationId xmlns:a16="http://schemas.microsoft.com/office/drawing/2014/main" id="{EA3D5ED0-1762-C438-DD7C-B32C5582A339}"/>
               </a:ext>
             </a:extLst>
           </p:cNvPr>
@@ -8001,8 +9112,8 @@
         </p:nvSpPr>
         <p:spPr>
           <a:xfrm>
-            <a:off x="176169" y="516290"/>
-            <a:ext cx="11931637" cy="5078313"/>
+            <a:off x="216335" y="567237"/>
+            <a:ext cx="11671510" cy="5940088"/>
           </a:xfrm>
           <a:prstGeom prst="rect">
             <a:avLst/>
@@ -8015,652 +9126,782 @@
           </a:bodyPr>
           <a:lstStyle/>
           <a:p>
-            <a:pPr algn="l"/>
-            <a:r>
-              <a:rPr lang="en-US" b="0" i="0" dirty="0">
-                <a:solidFill>
-                  <a:schemeClr val="tx1">
-                    <a:lumMod val="85000"/>
-                  </a:schemeClr>
-                </a:solidFill>
-                <a:effectLst/>
-                <a:latin typeface="Open Sans" panose="020B0606030504020204" pitchFamily="34" charset="0"/>
-              </a:rPr>
-              <a:t>Think of a Collection as an Object, but that </a:t>
-            </a:r>
-            <a:r>
-              <a:rPr lang="en-US" b="0" i="0" dirty="0">
-                <a:solidFill>
-                  <a:srgbClr val="00B0F0"/>
-                </a:solidFill>
-                <a:effectLst/>
-                <a:latin typeface="Open Sans" panose="020B0606030504020204" pitchFamily="34" charset="0"/>
-              </a:rPr>
-              <a:t>Object can contain (or represent) a group of Objects</a:t>
-            </a:r>
-            <a:r>
-              <a:rPr lang="en-US" b="0" i="0" dirty="0">
-                <a:solidFill>
-                  <a:schemeClr val="tx1">
-                    <a:lumMod val="85000"/>
-                  </a:schemeClr>
-                </a:solidFill>
-                <a:effectLst/>
-                <a:latin typeface="Open Sans" panose="020B0606030504020204" pitchFamily="34" charset="0"/>
-              </a:rPr>
-              <a:t>.  Java provides a Collection Framework, which is an architecture that allows a unified access to a variety of different types of collections.</a:t>
-            </a:r>
-          </a:p>
-          <a:p>
-            <a:pPr algn="l"/>
-            <a:endParaRPr lang="en-US" b="0" i="0" dirty="0">
-              <a:solidFill>
-                <a:schemeClr val="tx1">
-                  <a:lumMod val="85000"/>
-                </a:schemeClr>
-              </a:solidFill>
-              <a:effectLst/>
-              <a:latin typeface="Open Sans" panose="020B0606030504020204" pitchFamily="34" charset="0"/>
-            </a:endParaRPr>
-          </a:p>
-          <a:p>
-            <a:pPr algn="l"/>
-            <a:r>
-              <a:rPr lang="en-US" b="0" i="0" dirty="0">
-                <a:solidFill>
-                  <a:schemeClr val="tx1">
-                    <a:lumMod val="85000"/>
-                  </a:schemeClr>
-                </a:solidFill>
-                <a:effectLst/>
-                <a:latin typeface="Open Sans" panose="020B0606030504020204" pitchFamily="34" charset="0"/>
-              </a:rPr>
-              <a:t>Collection is technically an Interface vs a Class </a:t>
-            </a:r>
-            <a:r>
-              <a:rPr lang="en-US" b="0" i="0" dirty="0">
-                <a:solidFill>
-                  <a:schemeClr val="tx1">
-                    <a:lumMod val="85000"/>
-                  </a:schemeClr>
-                </a:solidFill>
-                <a:effectLst/>
-                <a:latin typeface="Open Sans" panose="020B0606030504020204" pitchFamily="34" charset="0"/>
-                <a:sym typeface="Wingdings" panose="05000000000000000000" pitchFamily="2" charset="2"/>
-              </a:rPr>
-              <a:t> </a:t>
-            </a:r>
-            <a:r>
-              <a:rPr lang="en-US" b="0" i="0" dirty="0">
-                <a:solidFill>
-                  <a:schemeClr val="tx1">
-                    <a:lumMod val="85000"/>
-                  </a:schemeClr>
-                </a:solidFill>
-                <a:effectLst/>
-                <a:latin typeface="Open Sans" panose="020B0606030504020204" pitchFamily="34" charset="0"/>
-              </a:rPr>
-              <a:t>Collection Interfaces:  </a:t>
-            </a:r>
-            <a:r>
-              <a:rPr lang="en-US" b="0" i="0" dirty="0">
-                <a:solidFill>
-                  <a:schemeClr val="tx1">
-                    <a:lumMod val="85000"/>
-                  </a:schemeClr>
-                </a:solidFill>
-                <a:effectLst/>
-                <a:latin typeface="Open Sans" panose="020B0606030504020204" pitchFamily="34" charset="0"/>
-                <a:hlinkClick r:id="rId2"/>
-              </a:rPr>
-              <a:t>Set</a:t>
-            </a:r>
-            <a:r>
-              <a:rPr lang="en-US" b="0" i="0" dirty="0">
-                <a:solidFill>
-                  <a:schemeClr val="tx1">
-                    <a:lumMod val="85000"/>
-                  </a:schemeClr>
-                </a:solidFill>
-                <a:effectLst/>
-                <a:latin typeface="Open Sans" panose="020B0606030504020204" pitchFamily="34" charset="0"/>
-              </a:rPr>
-              <a:t>, </a:t>
-            </a:r>
-            <a:r>
-              <a:rPr lang="en-US" b="0" i="0" dirty="0">
-                <a:solidFill>
-                  <a:schemeClr val="tx1">
-                    <a:lumMod val="85000"/>
-                  </a:schemeClr>
-                </a:solidFill>
-                <a:effectLst/>
-                <a:latin typeface="Open Sans" panose="020B0606030504020204" pitchFamily="34" charset="0"/>
-                <a:hlinkClick r:id="rId3"/>
-              </a:rPr>
-              <a:t>List</a:t>
-            </a:r>
-            <a:r>
-              <a:rPr lang="en-US" b="0" i="0" dirty="0">
-                <a:solidFill>
-                  <a:schemeClr val="tx1">
-                    <a:lumMod val="85000"/>
-                  </a:schemeClr>
-                </a:solidFill>
-                <a:effectLst/>
-                <a:latin typeface="Open Sans" panose="020B0606030504020204" pitchFamily="34" charset="0"/>
-              </a:rPr>
-              <a:t>, </a:t>
-            </a:r>
-            <a:r>
-              <a:rPr lang="en-US" b="0" i="0" dirty="0">
-                <a:solidFill>
-                  <a:schemeClr val="tx1">
-                    <a:lumMod val="85000"/>
-                  </a:schemeClr>
-                </a:solidFill>
-                <a:effectLst/>
-                <a:latin typeface="Open Sans" panose="020B0606030504020204" pitchFamily="34" charset="0"/>
-                <a:hlinkClick r:id="rId4"/>
-              </a:rPr>
-              <a:t>Map</a:t>
-            </a:r>
-            <a:r>
-              <a:rPr lang="en-US" b="0" i="0" dirty="0">
-                <a:solidFill>
-                  <a:schemeClr val="tx1">
-                    <a:lumMod val="85000"/>
-                  </a:schemeClr>
-                </a:solidFill>
-                <a:effectLst/>
-                <a:latin typeface="Open Sans" panose="020B0606030504020204" pitchFamily="34" charset="0"/>
-              </a:rPr>
-              <a:t>, and others</a:t>
-            </a:r>
-          </a:p>
-          <a:p>
-            <a:pPr algn="l"/>
-            <a:endParaRPr lang="en-US" b="0" i="0" dirty="0">
-              <a:solidFill>
-                <a:schemeClr val="tx1">
-                  <a:lumMod val="85000"/>
-                </a:schemeClr>
-              </a:solidFill>
-              <a:effectLst/>
-              <a:latin typeface="Open Sans" panose="020B0606030504020204" pitchFamily="34" charset="0"/>
-            </a:endParaRPr>
-          </a:p>
-          <a:p>
-            <a:pPr algn="l"/>
-            <a:r>
-              <a:rPr lang="en-US" b="0" i="0" dirty="0">
-                <a:solidFill>
-                  <a:schemeClr val="tx1">
-                    <a:lumMod val="85000"/>
-                  </a:schemeClr>
-                </a:solidFill>
-                <a:effectLst/>
-                <a:latin typeface="Open Sans" panose="020B0606030504020204" pitchFamily="34" charset="0"/>
-              </a:rPr>
-              <a:t>Collection Implementations:  There are </a:t>
-            </a:r>
-            <a:r>
-              <a:rPr lang="en-US" b="0" i="0" dirty="0">
-                <a:solidFill>
-                  <a:srgbClr val="00B0F0"/>
-                </a:solidFill>
-                <a:effectLst/>
-                <a:latin typeface="Open Sans" panose="020B0606030504020204" pitchFamily="34" charset="0"/>
-              </a:rPr>
-              <a:t>a number of classes provided in Java </a:t>
-            </a:r>
-            <a:r>
-              <a:rPr lang="en-US" b="0" i="0" dirty="0">
-                <a:solidFill>
-                  <a:schemeClr val="tx1">
-                    <a:lumMod val="85000"/>
-                  </a:schemeClr>
-                </a:solidFill>
-                <a:effectLst/>
-                <a:latin typeface="Open Sans" panose="020B0606030504020204" pitchFamily="34" charset="0"/>
-              </a:rPr>
-              <a:t>that are used to </a:t>
-            </a:r>
-            <a:r>
-              <a:rPr lang="en-US" b="0" i="0" dirty="0">
-                <a:solidFill>
-                  <a:srgbClr val="00B0F0"/>
-                </a:solidFill>
-                <a:effectLst/>
-                <a:latin typeface="Open Sans" panose="020B0606030504020204" pitchFamily="34" charset="0"/>
-              </a:rPr>
-              <a:t>implement the Collection Interfaces</a:t>
-            </a:r>
-            <a:r>
-              <a:rPr lang="en-US" b="0" i="0" dirty="0">
-                <a:solidFill>
-                  <a:schemeClr val="tx1">
-                    <a:lumMod val="85000"/>
-                  </a:schemeClr>
-                </a:solidFill>
-                <a:effectLst/>
-                <a:latin typeface="Open Sans" panose="020B0606030504020204" pitchFamily="34" charset="0"/>
-              </a:rPr>
-              <a:t>.   See the </a:t>
-            </a:r>
-            <a:r>
-              <a:rPr lang="en-US" b="0" i="0" dirty="0">
-                <a:solidFill>
-                  <a:schemeClr val="tx1">
-                    <a:lumMod val="85000"/>
-                  </a:schemeClr>
-                </a:solidFill>
-                <a:effectLst/>
-                <a:latin typeface="Open Sans" panose="020B0606030504020204" pitchFamily="34" charset="0"/>
-                <a:hlinkClick r:id="rId5"/>
-              </a:rPr>
-              <a:t>Java Collections Framework Overview</a:t>
-            </a:r>
-            <a:r>
-              <a:rPr lang="en-US" b="0" i="0" dirty="0">
-                <a:solidFill>
-                  <a:schemeClr val="tx1">
-                    <a:lumMod val="85000"/>
-                  </a:schemeClr>
-                </a:solidFill>
-                <a:effectLst/>
-                <a:latin typeface="Open Sans" panose="020B0606030504020204" pitchFamily="34" charset="0"/>
-              </a:rPr>
-              <a:t> link below for additional information on Collection Implementations.</a:t>
-            </a:r>
-          </a:p>
-          <a:p>
-            <a:pPr algn="l"/>
-            <a:endParaRPr lang="en-US" b="0" i="0" dirty="0">
-              <a:solidFill>
-                <a:schemeClr val="tx1">
-                  <a:lumMod val="85000"/>
-                </a:schemeClr>
-              </a:solidFill>
-              <a:effectLst/>
-              <a:latin typeface="Open Sans" panose="020B0606030504020204" pitchFamily="34" charset="0"/>
-            </a:endParaRPr>
-          </a:p>
-          <a:p>
-            <a:pPr algn="l"/>
-            <a:r>
-              <a:rPr lang="en-US" b="0" i="0" u="sng" dirty="0">
-                <a:solidFill>
-                  <a:schemeClr val="tx1">
-                    <a:lumMod val="85000"/>
-                  </a:schemeClr>
-                </a:solidFill>
-                <a:effectLst/>
-                <a:latin typeface="Open Sans" panose="020B0606030504020204" pitchFamily="34" charset="0"/>
-              </a:rPr>
-              <a:t>Interface --&gt; Implementations</a:t>
-            </a:r>
-          </a:p>
-          <a:p>
-            <a:pPr algn="l"/>
-            <a:r>
-              <a:rPr lang="en-US" b="0" i="0" dirty="0">
-                <a:solidFill>
-                  <a:schemeClr val="tx1">
-                    <a:lumMod val="85000"/>
-                  </a:schemeClr>
-                </a:solidFill>
-                <a:effectLst/>
-                <a:latin typeface="Open Sans" panose="020B0606030504020204" pitchFamily="34" charset="0"/>
-              </a:rPr>
-              <a:t>Set --&gt; HashSet, </a:t>
-            </a:r>
-            <a:r>
-              <a:rPr lang="en-US" b="0" i="0" dirty="0" err="1">
-                <a:solidFill>
-                  <a:schemeClr val="tx1">
-                    <a:lumMod val="85000"/>
-                  </a:schemeClr>
-                </a:solidFill>
-                <a:effectLst/>
-                <a:latin typeface="Open Sans" panose="020B0606030504020204" pitchFamily="34" charset="0"/>
-              </a:rPr>
-              <a:t>TreeSet</a:t>
-            </a:r>
-            <a:r>
-              <a:rPr lang="en-US" b="0" i="0" dirty="0">
-                <a:solidFill>
-                  <a:schemeClr val="tx1">
-                    <a:lumMod val="85000"/>
-                  </a:schemeClr>
-                </a:solidFill>
-                <a:effectLst/>
-                <a:latin typeface="Open Sans" panose="020B0606030504020204" pitchFamily="34" charset="0"/>
-              </a:rPr>
-              <a:t>, </a:t>
-            </a:r>
-            <a:r>
-              <a:rPr lang="en-US" b="0" i="0" dirty="0" err="1">
-                <a:solidFill>
-                  <a:schemeClr val="tx1">
-                    <a:lumMod val="85000"/>
-                  </a:schemeClr>
-                </a:solidFill>
-                <a:effectLst/>
-                <a:latin typeface="Open Sans" panose="020B0606030504020204" pitchFamily="34" charset="0"/>
-              </a:rPr>
-              <a:t>LinkedHashSet</a:t>
-            </a:r>
-            <a:endParaRPr lang="en-US" b="0" i="0" dirty="0">
-              <a:solidFill>
-                <a:schemeClr val="tx1">
-                  <a:lumMod val="85000"/>
-                </a:schemeClr>
-              </a:solidFill>
-              <a:effectLst/>
-              <a:latin typeface="Open Sans" panose="020B0606030504020204" pitchFamily="34" charset="0"/>
-            </a:endParaRPr>
-          </a:p>
-          <a:p>
-            <a:pPr algn="l"/>
-            <a:r>
-              <a:rPr lang="en-US" b="0" i="0" dirty="0">
-                <a:solidFill>
-                  <a:schemeClr val="tx1">
-                    <a:lumMod val="85000"/>
-                  </a:schemeClr>
-                </a:solidFill>
-                <a:effectLst/>
-                <a:latin typeface="Open Sans" panose="020B0606030504020204" pitchFamily="34" charset="0"/>
-              </a:rPr>
-              <a:t>List --&gt; </a:t>
-            </a:r>
-            <a:r>
-              <a:rPr lang="en-US" b="0" i="0" dirty="0" err="1">
-                <a:solidFill>
-                  <a:schemeClr val="tx1">
-                    <a:lumMod val="85000"/>
-                  </a:schemeClr>
-                </a:solidFill>
-                <a:effectLst/>
-                <a:latin typeface="Open Sans" panose="020B0606030504020204" pitchFamily="34" charset="0"/>
-              </a:rPr>
-              <a:t>ArrayList</a:t>
-            </a:r>
-            <a:r>
-              <a:rPr lang="en-US" b="0" i="0" dirty="0">
-                <a:solidFill>
-                  <a:schemeClr val="tx1">
-                    <a:lumMod val="85000"/>
-                  </a:schemeClr>
-                </a:solidFill>
-                <a:effectLst/>
-                <a:latin typeface="Open Sans" panose="020B0606030504020204" pitchFamily="34" charset="0"/>
-              </a:rPr>
-              <a:t>, LinkedList</a:t>
-            </a:r>
-          </a:p>
-          <a:p>
-            <a:pPr algn="l"/>
-            <a:r>
-              <a:rPr lang="en-US" b="0" i="0" dirty="0">
-                <a:solidFill>
-                  <a:schemeClr val="tx1">
-                    <a:lumMod val="85000"/>
-                  </a:schemeClr>
-                </a:solidFill>
-                <a:effectLst/>
-                <a:latin typeface="Open Sans" panose="020B0606030504020204" pitchFamily="34" charset="0"/>
-              </a:rPr>
-              <a:t>Map --&gt; HashMap, </a:t>
-            </a:r>
-            <a:r>
-              <a:rPr lang="en-US" b="0" i="0" dirty="0" err="1">
-                <a:solidFill>
-                  <a:schemeClr val="tx1">
-                    <a:lumMod val="85000"/>
-                  </a:schemeClr>
-                </a:solidFill>
-                <a:effectLst/>
-                <a:latin typeface="Open Sans" panose="020B0606030504020204" pitchFamily="34" charset="0"/>
-              </a:rPr>
-              <a:t>TreeMap</a:t>
-            </a:r>
-            <a:r>
-              <a:rPr lang="en-US" b="0" i="0" dirty="0">
-                <a:solidFill>
-                  <a:schemeClr val="tx1">
-                    <a:lumMod val="85000"/>
-                  </a:schemeClr>
-                </a:solidFill>
-                <a:effectLst/>
-                <a:latin typeface="Open Sans" panose="020B0606030504020204" pitchFamily="34" charset="0"/>
-              </a:rPr>
-              <a:t>, </a:t>
-            </a:r>
-            <a:r>
-              <a:rPr lang="en-US" b="0" i="0" dirty="0" err="1">
-                <a:solidFill>
-                  <a:schemeClr val="tx1">
-                    <a:lumMod val="85000"/>
-                  </a:schemeClr>
-                </a:solidFill>
-                <a:effectLst/>
-                <a:latin typeface="Open Sans" panose="020B0606030504020204" pitchFamily="34" charset="0"/>
-              </a:rPr>
-              <a:t>LinkedHashMap</a:t>
-            </a:r>
-            <a:endParaRPr lang="en-US" b="0" i="0" dirty="0">
-              <a:solidFill>
-                <a:schemeClr val="tx1">
-                  <a:lumMod val="85000"/>
-                </a:schemeClr>
-              </a:solidFill>
-              <a:effectLst/>
-              <a:latin typeface="Open Sans" panose="020B0606030504020204" pitchFamily="34" charset="0"/>
-            </a:endParaRPr>
-          </a:p>
-          <a:p>
-            <a:pPr algn="l"/>
-            <a:endParaRPr lang="en-US" dirty="0">
+            <a:r>
+              <a:rPr lang="en-US" sz="2000" dirty="0">
+                <a:solidFill>
+                  <a:schemeClr val="tx1">
+                    <a:lumMod val="85000"/>
+                  </a:schemeClr>
+                </a:solidFill>
+                <a:latin typeface="Open Sans" panose="020B0606030504020204" pitchFamily="34" charset="0"/>
+                <a:ea typeface="Open Sans" panose="020B0606030504020204" pitchFamily="34" charset="0"/>
+                <a:cs typeface="Open Sans" panose="020B0606030504020204" pitchFamily="34" charset="0"/>
+              </a:rPr>
+              <a:t>Classes are the mechanism by which we structure our code in OOP.</a:t>
+            </a:r>
+          </a:p>
+          <a:p>
+            <a:endParaRPr lang="en-US" sz="2000" dirty="0">
               <a:solidFill>
                 <a:schemeClr val="tx1">
                   <a:lumMod val="85000"/>
                 </a:schemeClr>
               </a:solidFill>
               <a:latin typeface="Open Sans" panose="020B0606030504020204" pitchFamily="34" charset="0"/>
+              <a:ea typeface="Open Sans" panose="020B0606030504020204" pitchFamily="34" charset="0"/>
+              <a:cs typeface="Open Sans" panose="020B0606030504020204" pitchFamily="34" charset="0"/>
             </a:endParaRPr>
           </a:p>
           <a:p>
-            <a:pPr algn="l"/>
-            <a:r>
-              <a:rPr lang="en-US" b="0" i="0" dirty="0">
-                <a:solidFill>
-                  <a:schemeClr val="tx1">
-                    <a:lumMod val="85000"/>
-                  </a:schemeClr>
-                </a:solidFill>
-                <a:effectLst/>
-                <a:latin typeface="Open Sans" panose="020B0606030504020204" pitchFamily="34" charset="0"/>
-              </a:rPr>
-              <a:t>The </a:t>
-            </a:r>
-            <a:r>
-              <a:rPr lang="en-US" b="0" i="0" dirty="0">
-                <a:solidFill>
-                  <a:schemeClr val="tx1">
-                    <a:lumMod val="85000"/>
-                  </a:schemeClr>
-                </a:solidFill>
-                <a:effectLst/>
-                <a:latin typeface="Open Sans" panose="020B0606030504020204" pitchFamily="34" charset="0"/>
-                <a:hlinkClick r:id="rId6"/>
-              </a:rPr>
-              <a:t>Collections Class</a:t>
-            </a:r>
-            <a:r>
-              <a:rPr lang="en-US" b="0" i="0" dirty="0">
-                <a:solidFill>
-                  <a:schemeClr val="tx1">
-                    <a:lumMod val="85000"/>
-                  </a:schemeClr>
-                </a:solidFill>
-                <a:effectLst/>
-                <a:latin typeface="Open Sans" panose="020B0606030504020204" pitchFamily="34" charset="0"/>
-              </a:rPr>
-              <a:t> contains static methods that either </a:t>
-            </a:r>
-            <a:r>
-              <a:rPr lang="en-US" b="0" i="0" dirty="0">
+            <a:r>
+              <a:rPr lang="en-US" sz="2000" dirty="0">
+                <a:solidFill>
+                  <a:schemeClr val="tx1">
+                    <a:lumMod val="85000"/>
+                  </a:schemeClr>
+                </a:solidFill>
+                <a:latin typeface="Open Sans" panose="020B0606030504020204" pitchFamily="34" charset="0"/>
+                <a:ea typeface="Open Sans" panose="020B0606030504020204" pitchFamily="34" charset="0"/>
+                <a:cs typeface="Open Sans" panose="020B0606030504020204" pitchFamily="34" charset="0"/>
+              </a:rPr>
+              <a:t>A </a:t>
+            </a:r>
+            <a:r>
+              <a:rPr lang="en-US" sz="2000" dirty="0">
                 <a:solidFill>
                   <a:srgbClr val="00B0F0"/>
                 </a:solidFill>
-                <a:effectLst/>
-                <a:latin typeface="Open Sans" panose="020B0606030504020204" pitchFamily="34" charset="0"/>
-              </a:rPr>
-              <a:t>return collections </a:t>
-            </a:r>
-            <a:r>
-              <a:rPr lang="en-US" b="0" i="0" dirty="0">
-                <a:solidFill>
-                  <a:schemeClr val="tx1">
-                    <a:lumMod val="85000"/>
-                  </a:schemeClr>
-                </a:solidFill>
-                <a:effectLst/>
-                <a:latin typeface="Open Sans" panose="020B0606030504020204" pitchFamily="34" charset="0"/>
-              </a:rPr>
-              <a:t>or </a:t>
-            </a:r>
-            <a:r>
-              <a:rPr lang="en-US" b="0" i="0" dirty="0">
+                <a:latin typeface="Open Sans" panose="020B0606030504020204" pitchFamily="34" charset="0"/>
+                <a:ea typeface="Open Sans" panose="020B0606030504020204" pitchFamily="34" charset="0"/>
+                <a:cs typeface="Open Sans" panose="020B0606030504020204" pitchFamily="34" charset="0"/>
+              </a:rPr>
+              <a:t>Class is a blueprint</a:t>
+            </a:r>
+            <a:r>
+              <a:rPr lang="en-US" sz="2000" dirty="0">
+                <a:solidFill>
+                  <a:schemeClr val="tx1">
+                    <a:lumMod val="85000"/>
+                  </a:schemeClr>
+                </a:solidFill>
+                <a:latin typeface="Open Sans" panose="020B0606030504020204" pitchFamily="34" charset="0"/>
+                <a:ea typeface="Open Sans" panose="020B0606030504020204" pitchFamily="34" charset="0"/>
+                <a:cs typeface="Open Sans" panose="020B0606030504020204" pitchFamily="34" charset="0"/>
+              </a:rPr>
+              <a:t>, in which you create your properties and functionality.</a:t>
+            </a:r>
+          </a:p>
+          <a:p>
+            <a:r>
+              <a:rPr lang="en-US" sz="2000" dirty="0">
+                <a:solidFill>
+                  <a:schemeClr val="tx1">
+                    <a:lumMod val="85000"/>
+                  </a:schemeClr>
+                </a:solidFill>
+                <a:latin typeface="Open Sans" panose="020B0606030504020204" pitchFamily="34" charset="0"/>
+                <a:ea typeface="Open Sans" panose="020B0606030504020204" pitchFamily="34" charset="0"/>
+                <a:cs typeface="Open Sans" panose="020B0606030504020204" pitchFamily="34" charset="0"/>
+              </a:rPr>
+              <a:t>An </a:t>
+            </a:r>
+            <a:r>
+              <a:rPr lang="en-US" sz="2000" dirty="0">
                 <a:solidFill>
                   <a:srgbClr val="00B0F0"/>
                 </a:solidFill>
-                <a:effectLst/>
-                <a:latin typeface="Open Sans" panose="020B0606030504020204" pitchFamily="34" charset="0"/>
-              </a:rPr>
-              <a:t>perform some operation on collections</a:t>
-            </a:r>
-            <a:r>
-              <a:rPr lang="en-US" b="0" i="0" dirty="0">
-                <a:solidFill>
-                  <a:schemeClr val="tx1">
-                    <a:lumMod val="85000"/>
-                  </a:schemeClr>
-                </a:solidFill>
-                <a:effectLst/>
-                <a:latin typeface="Open Sans" panose="020B0606030504020204" pitchFamily="34" charset="0"/>
-              </a:rPr>
-              <a:t>.  A </a:t>
-            </a:r>
-            <a:r>
-              <a:rPr lang="en-US" b="0" i="0" dirty="0" err="1">
-                <a:solidFill>
-                  <a:schemeClr val="tx1">
-                    <a:lumMod val="85000"/>
-                  </a:schemeClr>
-                </a:solidFill>
-                <a:effectLst/>
-                <a:latin typeface="Open Sans" panose="020B0606030504020204" pitchFamily="34" charset="0"/>
-              </a:rPr>
-              <a:t>NullPointerException</a:t>
-            </a:r>
-            <a:r>
-              <a:rPr lang="en-US" b="0" i="0" dirty="0">
-                <a:solidFill>
-                  <a:schemeClr val="tx1">
-                    <a:lumMod val="85000"/>
-                  </a:schemeClr>
-                </a:solidFill>
-                <a:effectLst/>
-                <a:latin typeface="Open Sans" panose="020B0606030504020204" pitchFamily="34" charset="0"/>
-              </a:rPr>
-              <a:t> is thrown by all methods of this class if the collections or Class Objects provided are null.  </a:t>
-            </a:r>
+                <a:latin typeface="Open Sans" panose="020B0606030504020204" pitchFamily="34" charset="0"/>
+                <a:ea typeface="Open Sans" panose="020B0606030504020204" pitchFamily="34" charset="0"/>
+                <a:cs typeface="Open Sans" panose="020B0606030504020204" pitchFamily="34" charset="0"/>
+              </a:rPr>
+              <a:t>Object </a:t>
+            </a:r>
+            <a:r>
+              <a:rPr lang="en-US" sz="2000" dirty="0">
+                <a:solidFill>
+                  <a:schemeClr val="tx1">
+                    <a:lumMod val="85000"/>
+                  </a:schemeClr>
+                </a:solidFill>
+                <a:latin typeface="Open Sans" panose="020B0606030504020204" pitchFamily="34" charset="0"/>
+                <a:ea typeface="Open Sans" panose="020B0606030504020204" pitchFamily="34" charset="0"/>
+                <a:cs typeface="Open Sans" panose="020B0606030504020204" pitchFamily="34" charset="0"/>
+              </a:rPr>
+              <a:t>is the actual </a:t>
+            </a:r>
+            <a:r>
+              <a:rPr lang="en-US" sz="2000" dirty="0">
+                <a:solidFill>
+                  <a:srgbClr val="00B0F0"/>
+                </a:solidFill>
+                <a:latin typeface="Open Sans" panose="020B0606030504020204" pitchFamily="34" charset="0"/>
+                <a:ea typeface="Open Sans" panose="020B0606030504020204" pitchFamily="34" charset="0"/>
+                <a:cs typeface="Open Sans" panose="020B0606030504020204" pitchFamily="34" charset="0"/>
+              </a:rPr>
+              <a:t>product developed from the blueprint</a:t>
+            </a:r>
+            <a:r>
+              <a:rPr lang="en-US" sz="2000" dirty="0">
+                <a:solidFill>
+                  <a:schemeClr val="tx1">
+                    <a:lumMod val="85000"/>
+                  </a:schemeClr>
+                </a:solidFill>
+                <a:latin typeface="Open Sans" panose="020B0606030504020204" pitchFamily="34" charset="0"/>
+                <a:ea typeface="Open Sans" panose="020B0606030504020204" pitchFamily="34" charset="0"/>
+                <a:cs typeface="Open Sans" panose="020B0606030504020204" pitchFamily="34" charset="0"/>
+              </a:rPr>
+              <a:t>.</a:t>
+            </a:r>
+          </a:p>
+          <a:p>
+            <a:r>
+              <a:rPr lang="en-US" sz="2000" dirty="0">
+                <a:solidFill>
+                  <a:srgbClr val="00B0F0"/>
+                </a:solidFill>
+                <a:latin typeface="Open Sans" panose="020B0606030504020204" pitchFamily="34" charset="0"/>
+                <a:ea typeface="Open Sans" panose="020B0606030504020204" pitchFamily="34" charset="0"/>
+                <a:cs typeface="Open Sans" panose="020B0606030504020204" pitchFamily="34" charset="0"/>
+              </a:rPr>
+              <a:t>An Object is an instance of a Class!</a:t>
+            </a:r>
+          </a:p>
+          <a:p>
+            <a:endParaRPr lang="en-US" sz="2000" dirty="0">
+              <a:solidFill>
+                <a:schemeClr val="tx1">
+                  <a:lumMod val="85000"/>
+                </a:schemeClr>
+              </a:solidFill>
+              <a:latin typeface="Open Sans" panose="020B0606030504020204" pitchFamily="34" charset="0"/>
+              <a:ea typeface="Open Sans" panose="020B0606030504020204" pitchFamily="34" charset="0"/>
+              <a:cs typeface="Open Sans" panose="020B0606030504020204" pitchFamily="34" charset="0"/>
+            </a:endParaRPr>
+          </a:p>
+          <a:p>
+            <a:r>
+              <a:rPr lang="en-US" sz="2000" dirty="0">
+                <a:solidFill>
+                  <a:schemeClr val="tx1">
+                    <a:lumMod val="85000"/>
+                  </a:schemeClr>
+                </a:solidFill>
+                <a:latin typeface="Open Sans" panose="020B0606030504020204" pitchFamily="34" charset="0"/>
+                <a:ea typeface="Open Sans" panose="020B0606030504020204" pitchFamily="34" charset="0"/>
+                <a:cs typeface="Open Sans" panose="020B0606030504020204" pitchFamily="34" charset="0"/>
+              </a:rPr>
+              <a:t>So, a </a:t>
+            </a:r>
+            <a:r>
+              <a:rPr lang="en-US" sz="2000" dirty="0">
+                <a:solidFill>
+                  <a:srgbClr val="00B0F0"/>
+                </a:solidFill>
+                <a:latin typeface="Open Sans" panose="020B0606030504020204" pitchFamily="34" charset="0"/>
+                <a:ea typeface="Open Sans" panose="020B0606030504020204" pitchFamily="34" charset="0"/>
+                <a:cs typeface="Open Sans" panose="020B0606030504020204" pitchFamily="34" charset="0"/>
+              </a:rPr>
+              <a:t>class is a template for objects</a:t>
+            </a:r>
+            <a:r>
+              <a:rPr lang="en-US" sz="2000" dirty="0">
+                <a:solidFill>
+                  <a:schemeClr val="tx1">
+                    <a:lumMod val="85000"/>
+                  </a:schemeClr>
+                </a:solidFill>
+                <a:latin typeface="Open Sans" panose="020B0606030504020204" pitchFamily="34" charset="0"/>
+                <a:ea typeface="Open Sans" panose="020B0606030504020204" pitchFamily="34" charset="0"/>
+                <a:cs typeface="Open Sans" panose="020B0606030504020204" pitchFamily="34" charset="0"/>
+              </a:rPr>
+              <a:t>, and </a:t>
+            </a:r>
+            <a:r>
+              <a:rPr lang="en-US" sz="2000" dirty="0">
+                <a:solidFill>
+                  <a:srgbClr val="00B0F0"/>
+                </a:solidFill>
+                <a:latin typeface="Open Sans" panose="020B0606030504020204" pitchFamily="34" charset="0"/>
+                <a:ea typeface="Open Sans" panose="020B0606030504020204" pitchFamily="34" charset="0"/>
+                <a:cs typeface="Open Sans" panose="020B0606030504020204" pitchFamily="34" charset="0"/>
+              </a:rPr>
+              <a:t>an object is an instance of a class</a:t>
+            </a:r>
+            <a:r>
+              <a:rPr lang="en-US" sz="2000" dirty="0">
+                <a:solidFill>
+                  <a:schemeClr val="tx1">
+                    <a:lumMod val="85000"/>
+                  </a:schemeClr>
+                </a:solidFill>
+                <a:latin typeface="Open Sans" panose="020B0606030504020204" pitchFamily="34" charset="0"/>
+                <a:ea typeface="Open Sans" panose="020B0606030504020204" pitchFamily="34" charset="0"/>
+                <a:cs typeface="Open Sans" panose="020B0606030504020204" pitchFamily="34" charset="0"/>
+              </a:rPr>
+              <a:t>.  </a:t>
+            </a:r>
+          </a:p>
+          <a:p>
+            <a:endParaRPr lang="en-US" sz="2000" dirty="0">
+              <a:solidFill>
+                <a:schemeClr val="tx1">
+                  <a:lumMod val="85000"/>
+                </a:schemeClr>
+              </a:solidFill>
+              <a:latin typeface="Open Sans" panose="020B0606030504020204" pitchFamily="34" charset="0"/>
+              <a:ea typeface="Open Sans" panose="020B0606030504020204" pitchFamily="34" charset="0"/>
+              <a:cs typeface="Open Sans" panose="020B0606030504020204" pitchFamily="34" charset="0"/>
+            </a:endParaRPr>
+          </a:p>
+          <a:p>
+            <a:r>
+              <a:rPr lang="en-US" sz="2000" dirty="0">
+                <a:solidFill>
+                  <a:schemeClr val="tx1">
+                    <a:lumMod val="85000"/>
+                  </a:schemeClr>
+                </a:solidFill>
+                <a:latin typeface="Open Sans" panose="020B0606030504020204" pitchFamily="34" charset="0"/>
+                <a:ea typeface="Open Sans" panose="020B0606030504020204" pitchFamily="34" charset="0"/>
+                <a:cs typeface="Open Sans" panose="020B0606030504020204" pitchFamily="34" charset="0"/>
+              </a:rPr>
+              <a:t>Example:</a:t>
+            </a:r>
+          </a:p>
+          <a:p>
+            <a:endParaRPr lang="en-US" sz="2000" dirty="0">
+              <a:solidFill>
+                <a:schemeClr val="tx1">
+                  <a:lumMod val="85000"/>
+                </a:schemeClr>
+              </a:solidFill>
+              <a:latin typeface="Open Sans" panose="020B0606030504020204" pitchFamily="34" charset="0"/>
+              <a:ea typeface="Open Sans" panose="020B0606030504020204" pitchFamily="34" charset="0"/>
+              <a:cs typeface="Open Sans" panose="020B0606030504020204" pitchFamily="34" charset="0"/>
+            </a:endParaRPr>
+          </a:p>
+          <a:p>
+            <a:endParaRPr lang="en-US" sz="2000" dirty="0">
+              <a:solidFill>
+                <a:schemeClr val="tx1">
+                  <a:lumMod val="85000"/>
+                </a:schemeClr>
+              </a:solidFill>
+              <a:latin typeface="Open Sans" panose="020B0606030504020204" pitchFamily="34" charset="0"/>
+              <a:ea typeface="Open Sans" panose="020B0606030504020204" pitchFamily="34" charset="0"/>
+              <a:cs typeface="Open Sans" panose="020B0606030504020204" pitchFamily="34" charset="0"/>
+            </a:endParaRPr>
+          </a:p>
+          <a:p>
+            <a:endParaRPr lang="en-US" sz="2000" dirty="0">
+              <a:solidFill>
+                <a:schemeClr val="tx1">
+                  <a:lumMod val="85000"/>
+                </a:schemeClr>
+              </a:solidFill>
+              <a:latin typeface="Open Sans" panose="020B0606030504020204" pitchFamily="34" charset="0"/>
+              <a:ea typeface="Open Sans" panose="020B0606030504020204" pitchFamily="34" charset="0"/>
+              <a:cs typeface="Open Sans" panose="020B0606030504020204" pitchFamily="34" charset="0"/>
+            </a:endParaRPr>
+          </a:p>
+          <a:p>
+            <a:endParaRPr lang="en-US" sz="2000" dirty="0">
+              <a:solidFill>
+                <a:schemeClr val="tx1">
+                  <a:lumMod val="85000"/>
+                </a:schemeClr>
+              </a:solidFill>
+              <a:latin typeface="Open Sans" panose="020B0606030504020204" pitchFamily="34" charset="0"/>
+              <a:ea typeface="Open Sans" panose="020B0606030504020204" pitchFamily="34" charset="0"/>
+              <a:cs typeface="Open Sans" panose="020B0606030504020204" pitchFamily="34" charset="0"/>
+            </a:endParaRPr>
+          </a:p>
+          <a:p>
+            <a:endParaRPr lang="en-US" sz="2000" dirty="0">
+              <a:solidFill>
+                <a:schemeClr val="tx1">
+                  <a:lumMod val="85000"/>
+                </a:schemeClr>
+              </a:solidFill>
+              <a:latin typeface="Open Sans" panose="020B0606030504020204" pitchFamily="34" charset="0"/>
+              <a:ea typeface="Open Sans" panose="020B0606030504020204" pitchFamily="34" charset="0"/>
+              <a:cs typeface="Open Sans" panose="020B0606030504020204" pitchFamily="34" charset="0"/>
+            </a:endParaRPr>
+          </a:p>
+          <a:p>
+            <a:endParaRPr lang="en-US" sz="2000" dirty="0">
+              <a:solidFill>
+                <a:srgbClr val="00B0F0"/>
+              </a:solidFill>
+              <a:latin typeface="Open Sans" panose="020B0606030504020204" pitchFamily="34" charset="0"/>
+              <a:ea typeface="Open Sans" panose="020B0606030504020204" pitchFamily="34" charset="0"/>
+              <a:cs typeface="Open Sans" panose="020B0606030504020204" pitchFamily="34" charset="0"/>
+            </a:endParaRPr>
+          </a:p>
+          <a:p>
+            <a:endParaRPr lang="en-US" sz="2000" dirty="0">
+              <a:solidFill>
+                <a:srgbClr val="00B0F0"/>
+              </a:solidFill>
+              <a:latin typeface="Open Sans" panose="020B0606030504020204" pitchFamily="34" charset="0"/>
+              <a:ea typeface="Open Sans" panose="020B0606030504020204" pitchFamily="34" charset="0"/>
+              <a:cs typeface="Open Sans" panose="020B0606030504020204" pitchFamily="34" charset="0"/>
+            </a:endParaRPr>
+          </a:p>
+          <a:p>
+            <a:r>
+              <a:rPr lang="en-US" sz="2000" b="1" dirty="0">
+                <a:solidFill>
+                  <a:srgbClr val="00B0F0"/>
+                </a:solidFill>
+                <a:latin typeface="Open Sans" panose="020B0606030504020204" pitchFamily="34" charset="0"/>
+                <a:ea typeface="Open Sans" panose="020B0606030504020204" pitchFamily="34" charset="0"/>
+                <a:cs typeface="Open Sans" panose="020B0606030504020204" pitchFamily="34" charset="0"/>
+              </a:rPr>
+              <a:t>    Object:  dog </a:t>
+            </a:r>
+          </a:p>
+          <a:p>
+            <a:pPr marL="800100" lvl="1" indent="-342900">
+              <a:buFontTx/>
+              <a:buChar char="-"/>
+            </a:pPr>
+            <a:r>
+              <a:rPr lang="en-US" sz="2000" dirty="0">
+                <a:solidFill>
+                  <a:schemeClr val="tx1">
+                    <a:lumMod val="85000"/>
+                  </a:schemeClr>
+                </a:solidFill>
+                <a:latin typeface="Open Sans" panose="020B0606030504020204" pitchFamily="34" charset="0"/>
+                <a:ea typeface="Open Sans" panose="020B0606030504020204" pitchFamily="34" charset="0"/>
+                <a:cs typeface="Open Sans" panose="020B0606030504020204" pitchFamily="34" charset="0"/>
+              </a:rPr>
+              <a:t>A dog will be instantiated as an instance of the class, Animal.</a:t>
+            </a:r>
+          </a:p>
+          <a:p>
+            <a:endParaRPr lang="en-US" sz="2000" dirty="0">
+              <a:solidFill>
+                <a:schemeClr val="tx1">
+                  <a:lumMod val="85000"/>
+                </a:schemeClr>
+              </a:solidFill>
+              <a:latin typeface="Open Sans" panose="020B0606030504020204" pitchFamily="34" charset="0"/>
+              <a:ea typeface="Open Sans" panose="020B0606030504020204" pitchFamily="34" charset="0"/>
+              <a:cs typeface="Open Sans" panose="020B0606030504020204" pitchFamily="34" charset="0"/>
+            </a:endParaRPr>
           </a:p>
         </p:txBody>
       </p:sp>
-      <p:sp>
-        <p:nvSpPr>
-          <p:cNvPr id="5" name="TextBox 4">
+      <p:graphicFrame>
+        <p:nvGraphicFramePr>
+          <p:cNvPr id="2" name="Table 2">
             <a:extLst>
               <a:ext uri="{FF2B5EF4-FFF2-40B4-BE49-F238E27FC236}">
-                <a16:creationId xmlns:a16="http://schemas.microsoft.com/office/drawing/2014/main" id="{983625D7-1156-1D51-0A49-6B0357B75EF4}"/>
+                <a16:creationId xmlns:a16="http://schemas.microsoft.com/office/drawing/2014/main" id="{37BDF7BB-E95F-A1D6-91B0-C82B570617A0}"/>
               </a:ext>
             </a:extLst>
           </p:cNvPr>
-          <p:cNvSpPr txBox="1"/>
+          <p:cNvGraphicFramePr>
+            <a:graphicFrameLocks noGrp="1"/>
+          </p:cNvGraphicFramePr>
           <p:nvPr/>
-        </p:nvSpPr>
+        </p:nvGraphicFramePr>
+        <p:xfrm>
+          <a:off x="567584" y="3427281"/>
+          <a:ext cx="4565889" cy="1833880"/>
+        </p:xfrm>
+        <a:graphic>
+          <a:graphicData uri="http://schemas.openxmlformats.org/drawingml/2006/table">
+            <a:tbl>
+              <a:tblPr firstRow="1" bandRow="1">
+                <a:tableStyleId>{5C22544A-7EE6-4342-B048-85BDC9FD1C3A}</a:tableStyleId>
+              </a:tblPr>
+              <a:tblGrid>
+                <a:gridCol w="2010612">
+                  <a:extLst>
+                    <a:ext uri="{9D8B030D-6E8A-4147-A177-3AD203B41FA5}">
+                      <a16:colId xmlns:a16="http://schemas.microsoft.com/office/drawing/2014/main" val="1814620182"/>
+                    </a:ext>
+                  </a:extLst>
+                </a:gridCol>
+                <a:gridCol w="2555277">
+                  <a:extLst>
+                    <a:ext uri="{9D8B030D-6E8A-4147-A177-3AD203B41FA5}">
+                      <a16:colId xmlns:a16="http://schemas.microsoft.com/office/drawing/2014/main" val="1047950501"/>
+                    </a:ext>
+                  </a:extLst>
+                </a:gridCol>
+              </a:tblGrid>
+              <a:tr h="370840">
+                <a:tc gridSpan="2">
+                  <a:txBody>
+                    <a:bodyPr/>
+                    <a:lstStyle/>
+                    <a:p>
+                      <a:pPr marL="0" marR="0" lvl="0" indent="0" algn="l" defTabSz="914400" rtl="0" eaLnBrk="1" fontAlgn="auto" latinLnBrk="0" hangingPunct="1">
+                        <a:lnSpc>
+                          <a:spcPct val="100000"/>
+                        </a:lnSpc>
+                        <a:spcBef>
+                          <a:spcPts val="0"/>
+                        </a:spcBef>
+                        <a:spcAft>
+                          <a:spcPts val="0"/>
+                        </a:spcAft>
+                        <a:buClrTx/>
+                        <a:buSzTx/>
+                        <a:buFontTx/>
+                        <a:buNone/>
+                        <a:tabLst/>
+                        <a:defRPr/>
+                      </a:pPr>
+                      <a:r>
+                        <a:rPr lang="en-US" sz="1800" dirty="0">
+                          <a:solidFill>
+                            <a:srgbClr val="00B0F0"/>
+                          </a:solidFill>
+                          <a:latin typeface="Open Sans" panose="020B0606030504020204" pitchFamily="34" charset="0"/>
+                          <a:ea typeface="Open Sans" panose="020B0606030504020204" pitchFamily="34" charset="0"/>
+                          <a:cs typeface="Open Sans" panose="020B0606030504020204" pitchFamily="34" charset="0"/>
+                        </a:rPr>
+                        <a:t>Class:  Animal</a:t>
+                      </a:r>
+                    </a:p>
+                  </a:txBody>
+                  <a:tcPr>
+                    <a:lnL w="12700" cmpd="sng">
+                      <a:noFill/>
+                    </a:lnL>
+                    <a:lnR w="12700" cmpd="sng">
+                      <a:noFill/>
+                    </a:lnR>
+                    <a:lnT w="12700" cmpd="sng">
+                      <a:noFill/>
+                    </a:lnT>
+                    <a:lnB w="38100" cmpd="sng">
+                      <a:noFill/>
+                    </a:lnB>
+                    <a:lnTlToBr w="12700" cmpd="sng">
+                      <a:noFill/>
+                      <a:prstDash val="solid"/>
+                    </a:lnTlToBr>
+                    <a:lnBlToTr w="12700" cmpd="sng">
+                      <a:noFill/>
+                      <a:prstDash val="solid"/>
+                    </a:lnBlToTr>
+                    <a:noFill/>
+                  </a:tcPr>
+                </a:tc>
+                <a:tc hMerge="1">
+                  <a:txBody>
+                    <a:bodyPr/>
+                    <a:lstStyle/>
+                    <a:p>
+                      <a:endParaRPr lang="en-US" baseline="0" dirty="0">
+                        <a:solidFill>
+                          <a:schemeClr val="tx1"/>
+                        </a:solidFill>
+                      </a:endParaRPr>
+                    </a:p>
+                  </a:txBody>
+                  <a:tcPr>
+                    <a:noFill/>
+                  </a:tcPr>
+                </a:tc>
+                <a:extLst>
+                  <a:ext uri="{0D108BD9-81ED-4DB2-BD59-A6C34878D82A}">
+                    <a16:rowId xmlns:a16="http://schemas.microsoft.com/office/drawing/2014/main" val="2853098323"/>
+                  </a:ext>
+                </a:extLst>
+              </a:tr>
+              <a:tr h="381229">
+                <a:tc>
+                  <a:txBody>
+                    <a:bodyPr/>
+                    <a:lstStyle/>
+                    <a:p>
+                      <a:r>
+                        <a:rPr lang="en-US" sz="1800" dirty="0">
+                          <a:solidFill>
+                            <a:schemeClr val="tx1">
+                              <a:lumMod val="85000"/>
+                            </a:schemeClr>
+                          </a:solidFill>
+                          <a:latin typeface="Open Sans" panose="020B0606030504020204" pitchFamily="34" charset="0"/>
+                          <a:ea typeface="Open Sans" panose="020B0606030504020204" pitchFamily="34" charset="0"/>
+                          <a:cs typeface="Open Sans" panose="020B0606030504020204" pitchFamily="34" charset="0"/>
+                        </a:rPr>
+                        <a:t>Properties:</a:t>
+                      </a:r>
+                    </a:p>
+                    <a:p>
+                      <a:pPr marL="285750" indent="-285750">
+                        <a:buFont typeface="Arial" panose="020B0604020202020204" pitchFamily="34" charset="0"/>
+                        <a:buChar char="•"/>
+                      </a:pPr>
+                      <a:r>
+                        <a:rPr lang="en-US" sz="1800" dirty="0">
+                          <a:solidFill>
+                            <a:schemeClr val="tx1">
+                              <a:lumMod val="85000"/>
+                            </a:schemeClr>
+                          </a:solidFill>
+                          <a:latin typeface="Open Sans" panose="020B0606030504020204" pitchFamily="34" charset="0"/>
+                          <a:ea typeface="Open Sans" panose="020B0606030504020204" pitchFamily="34" charset="0"/>
+                          <a:cs typeface="Open Sans" panose="020B0606030504020204" pitchFamily="34" charset="0"/>
+                        </a:rPr>
+                        <a:t>name</a:t>
+                      </a:r>
+                    </a:p>
+                    <a:p>
+                      <a:pPr marL="285750" indent="-285750">
+                        <a:buFont typeface="Arial" panose="020B0604020202020204" pitchFamily="34" charset="0"/>
+                        <a:buChar char="•"/>
+                      </a:pPr>
+                      <a:r>
+                        <a:rPr lang="en-US" sz="1800" dirty="0">
+                          <a:solidFill>
+                            <a:schemeClr val="tx1">
+                              <a:lumMod val="85000"/>
+                            </a:schemeClr>
+                          </a:solidFill>
+                          <a:latin typeface="Open Sans" panose="020B0606030504020204" pitchFamily="34" charset="0"/>
+                          <a:ea typeface="Open Sans" panose="020B0606030504020204" pitchFamily="34" charset="0"/>
+                          <a:cs typeface="Open Sans" panose="020B0606030504020204" pitchFamily="34" charset="0"/>
+                        </a:rPr>
+                        <a:t>weight</a:t>
+                      </a:r>
+                    </a:p>
+                    <a:p>
+                      <a:pPr marL="285750" indent="-285750">
+                        <a:buFont typeface="Arial" panose="020B0604020202020204" pitchFamily="34" charset="0"/>
+                        <a:buChar char="•"/>
+                      </a:pPr>
+                      <a:r>
+                        <a:rPr lang="en-US" sz="1800" dirty="0">
+                          <a:solidFill>
+                            <a:schemeClr val="tx1">
+                              <a:lumMod val="85000"/>
+                            </a:schemeClr>
+                          </a:solidFill>
+                          <a:latin typeface="Open Sans" panose="020B0606030504020204" pitchFamily="34" charset="0"/>
+                          <a:ea typeface="Open Sans" panose="020B0606030504020204" pitchFamily="34" charset="0"/>
+                          <a:cs typeface="Open Sans" panose="020B0606030504020204" pitchFamily="34" charset="0"/>
+                        </a:rPr>
+                        <a:t>type</a:t>
+                      </a:r>
+                    </a:p>
+                    <a:p>
+                      <a:pPr marL="285750" indent="-285750">
+                        <a:buFont typeface="Arial" panose="020B0604020202020204" pitchFamily="34" charset="0"/>
+                        <a:buChar char="•"/>
+                      </a:pPr>
+                      <a:r>
+                        <a:rPr lang="en-US" sz="1800" dirty="0">
+                          <a:solidFill>
+                            <a:schemeClr val="tx1">
+                              <a:lumMod val="85000"/>
+                            </a:schemeClr>
+                          </a:solidFill>
+                          <a:latin typeface="Open Sans" panose="020B0606030504020204" pitchFamily="34" charset="0"/>
+                          <a:ea typeface="Open Sans" panose="020B0606030504020204" pitchFamily="34" charset="0"/>
+                          <a:cs typeface="Open Sans" panose="020B0606030504020204" pitchFamily="34" charset="0"/>
+                        </a:rPr>
+                        <a:t>location</a:t>
+                      </a:r>
+                    </a:p>
+                  </a:txBody>
+                  <a:tcPr>
+                    <a:lnL w="12700" cmpd="sng">
+                      <a:noFill/>
+                    </a:lnL>
+                    <a:lnR w="12700" cmpd="sng">
+                      <a:noFill/>
+                    </a:lnR>
+                    <a:lnT w="38100" cmpd="sng">
+                      <a:noFill/>
+                    </a:lnT>
+                    <a:lnB w="12700" cmpd="sng">
+                      <a:noFill/>
+                    </a:lnB>
+                    <a:lnTlToBr w="12700" cmpd="sng">
+                      <a:noFill/>
+                      <a:prstDash val="solid"/>
+                    </a:lnTlToBr>
+                    <a:lnBlToTr w="12700" cmpd="sng">
+                      <a:noFill/>
+                      <a:prstDash val="solid"/>
+                    </a:lnBlToTr>
+                    <a:noFill/>
+                  </a:tcPr>
+                </a:tc>
+                <a:tc>
+                  <a:txBody>
+                    <a:bodyPr/>
+                    <a:lstStyle/>
+                    <a:p>
+                      <a:r>
+                        <a:rPr lang="en-US" sz="1800" dirty="0">
+                          <a:solidFill>
+                            <a:schemeClr val="tx1">
+                              <a:lumMod val="85000"/>
+                            </a:schemeClr>
+                          </a:solidFill>
+                          <a:latin typeface="Open Sans" panose="020B0606030504020204" pitchFamily="34" charset="0"/>
+                          <a:ea typeface="Open Sans" panose="020B0606030504020204" pitchFamily="34" charset="0"/>
+                          <a:cs typeface="Open Sans" panose="020B0606030504020204" pitchFamily="34" charset="0"/>
+                        </a:rPr>
+                        <a:t>Functionality:</a:t>
+                      </a:r>
+                    </a:p>
+                    <a:p>
+                      <a:endParaRPr lang="en-US" sz="1800" dirty="0">
+                        <a:solidFill>
+                          <a:schemeClr val="tx1">
+                            <a:lumMod val="85000"/>
+                          </a:schemeClr>
+                        </a:solidFill>
+                        <a:latin typeface="Open Sans" panose="020B0606030504020204" pitchFamily="34" charset="0"/>
+                        <a:ea typeface="Open Sans" panose="020B0606030504020204" pitchFamily="34" charset="0"/>
+                        <a:cs typeface="Open Sans" panose="020B0606030504020204" pitchFamily="34" charset="0"/>
+                      </a:endParaRPr>
+                    </a:p>
+                    <a:p>
+                      <a:r>
+                        <a:rPr lang="en-US" sz="1800" dirty="0">
+                          <a:solidFill>
+                            <a:schemeClr val="tx1">
+                              <a:lumMod val="85000"/>
+                            </a:schemeClr>
+                          </a:solidFill>
+                          <a:latin typeface="Open Sans" panose="020B0606030504020204" pitchFamily="34" charset="0"/>
+                          <a:ea typeface="Open Sans" panose="020B0606030504020204" pitchFamily="34" charset="0"/>
+                          <a:cs typeface="Open Sans" panose="020B0606030504020204" pitchFamily="34" charset="0"/>
+                        </a:rPr>
+                        <a:t>describe()</a:t>
+                      </a:r>
+                    </a:p>
+                    <a:p>
+                      <a:endParaRPr lang="en-US" sz="1800" dirty="0">
+                        <a:solidFill>
+                          <a:schemeClr val="tx1">
+                            <a:lumMod val="85000"/>
+                          </a:schemeClr>
+                        </a:solidFill>
+                        <a:latin typeface="Open Sans" panose="020B0606030504020204" pitchFamily="34" charset="0"/>
+                        <a:ea typeface="Open Sans" panose="020B0606030504020204" pitchFamily="34" charset="0"/>
+                        <a:cs typeface="Open Sans" panose="020B0606030504020204" pitchFamily="34" charset="0"/>
+                      </a:endParaRPr>
+                    </a:p>
+                    <a:p>
+                      <a:endParaRPr lang="en-US" baseline="0" dirty="0">
+                        <a:solidFill>
+                          <a:schemeClr val="tx1"/>
+                        </a:solidFill>
+                      </a:endParaRPr>
+                    </a:p>
+                  </a:txBody>
+                  <a:tcPr>
+                    <a:lnL w="12700" cmpd="sng">
+                      <a:noFill/>
+                    </a:lnL>
+                    <a:lnR w="12700" cmpd="sng">
+                      <a:noFill/>
+                    </a:lnR>
+                    <a:lnT w="38100" cmpd="sng">
+                      <a:noFill/>
+                    </a:lnT>
+                    <a:lnB w="12700" cmpd="sng">
+                      <a:noFill/>
+                    </a:lnB>
+                    <a:lnTlToBr w="12700" cmpd="sng">
+                      <a:noFill/>
+                      <a:prstDash val="solid"/>
+                    </a:lnTlToBr>
+                    <a:lnBlToTr w="12700" cmpd="sng">
+                      <a:noFill/>
+                      <a:prstDash val="solid"/>
+                    </a:lnBlToTr>
+                    <a:noFill/>
+                  </a:tcPr>
+                </a:tc>
+                <a:extLst>
+                  <a:ext uri="{0D108BD9-81ED-4DB2-BD59-A6C34878D82A}">
+                    <a16:rowId xmlns:a16="http://schemas.microsoft.com/office/drawing/2014/main" val="451623233"/>
+                  </a:ext>
+                </a:extLst>
+              </a:tr>
+            </a:tbl>
+          </a:graphicData>
+        </a:graphic>
+      </p:graphicFrame>
+      <p:pic>
+        <p:nvPicPr>
+          <p:cNvPr id="4" name="Picture 3">
+            <a:extLst>
+              <a:ext uri="{FF2B5EF4-FFF2-40B4-BE49-F238E27FC236}">
+                <a16:creationId xmlns:a16="http://schemas.microsoft.com/office/drawing/2014/main" id="{7CB28188-CD37-F6A4-6D3C-70765550BD6C}"/>
+              </a:ext>
+            </a:extLst>
+          </p:cNvPr>
+          <p:cNvPicPr>
+            <a:picLocks noChangeAspect="1"/>
+          </p:cNvPicPr>
+          <p:nvPr/>
+        </p:nvPicPr>
+        <p:blipFill>
+          <a:blip r:embed="rId2"/>
+          <a:stretch>
+            <a:fillRect/>
+          </a:stretch>
+        </p:blipFill>
         <p:spPr>
           <a:xfrm>
-            <a:off x="5454942" y="6396753"/>
-            <a:ext cx="6652864" cy="369332"/>
+            <a:off x="683795" y="6156731"/>
+            <a:ext cx="3124200" cy="457200"/>
           </a:xfrm>
           <a:prstGeom prst="rect">
             <a:avLst/>
           </a:prstGeom>
-          <a:noFill/>
         </p:spPr>
-        <p:txBody>
-          <a:bodyPr wrap="square">
-            <a:spAutoFit/>
-          </a:bodyPr>
-          <a:lstStyle/>
-          <a:p>
-            <a:r>
-              <a:rPr lang="en-US" dirty="0">
-                <a:hlinkClick r:id="rId7"/>
-              </a:rPr>
-              <a:t>https://docs.oracle.com/javase/8/docs/api/java/util/Collection.html</a:t>
-            </a:r>
-            <a:endParaRPr lang="en-US" dirty="0"/>
-          </a:p>
-        </p:txBody>
-      </p:sp>
-      <p:sp>
-        <p:nvSpPr>
-          <p:cNvPr id="9" name="TextBox 8">
+      </p:pic>
+      <p:pic>
+        <p:nvPicPr>
+          <p:cNvPr id="5" name="Picture 4">
             <a:extLst>
               <a:ext uri="{FF2B5EF4-FFF2-40B4-BE49-F238E27FC236}">
-                <a16:creationId xmlns:a16="http://schemas.microsoft.com/office/drawing/2014/main" id="{E3EBAC68-1411-42B9-71E1-6CD3E49066B5}"/>
+                <a16:creationId xmlns:a16="http://schemas.microsoft.com/office/drawing/2014/main" id="{53DF2F7F-7B17-ADB3-6B4E-639563DF2A2A}"/>
               </a:ext>
             </a:extLst>
           </p:cNvPr>
-          <p:cNvSpPr txBox="1"/>
+          <p:cNvPicPr>
+            <a:picLocks noChangeAspect="1"/>
+          </p:cNvPicPr>
           <p:nvPr/>
-        </p:nvSpPr>
+        </p:nvPicPr>
+        <p:blipFill>
+          <a:blip r:embed="rId3"/>
+          <a:stretch>
+            <a:fillRect/>
+          </a:stretch>
+        </p:blipFill>
         <p:spPr>
           <a:xfrm>
-            <a:off x="2451683" y="6027421"/>
-            <a:ext cx="9938856" cy="369332"/>
+            <a:off x="8419938" y="2822369"/>
+            <a:ext cx="3475754" cy="3043703"/>
           </a:xfrm>
           <a:prstGeom prst="rect">
             <a:avLst/>
           </a:prstGeom>
-          <a:noFill/>
         </p:spPr>
-        <p:txBody>
-          <a:bodyPr wrap="square">
-            <a:spAutoFit/>
-          </a:bodyPr>
-          <a:lstStyle/>
-          <a:p>
-            <a:r>
-              <a:rPr lang="en-US" dirty="0">
-                <a:hlinkClick r:id="rId5"/>
-              </a:rPr>
-              <a:t>https://docs.oracle.com/en/java/javase/17/docs/api/java.base/java/util/doc-files/coll-overview.html</a:t>
-            </a:r>
-            <a:endParaRPr lang="en-US" dirty="0"/>
-          </a:p>
-        </p:txBody>
-      </p:sp>
+      </p:pic>
     </p:spTree>
     <p:extLst>
       <p:ext uri="{BB962C8B-B14F-4D97-AF65-F5344CB8AC3E}">
-        <p14:creationId xmlns:p14="http://schemas.microsoft.com/office/powerpoint/2010/main" val="976671966"/>
+        <p14:creationId xmlns:p14="http://schemas.microsoft.com/office/powerpoint/2010/main" val="250210305"/>
       </p:ext>
     </p:extLst>
   </p:cSld>
@@ -8701,8 +9942,8 @@
         </p:nvSpPr>
         <p:spPr>
           <a:xfrm>
-            <a:off x="193251" y="91915"/>
-            <a:ext cx="6094854" cy="461665"/>
+            <a:off x="193250" y="91915"/>
+            <a:ext cx="8256355" cy="461665"/>
           </a:xfrm>
           <a:prstGeom prst="rect">
             <a:avLst/>
@@ -8721,17 +9962,11 @@
                 <a:solidFill>
                   <a:srgbClr val="00B050"/>
                 </a:solidFill>
-                <a:latin typeface="Open Sans" panose="020B0606030504020204" pitchFamily="34" charset="0"/>
-              </a:rPr>
-              <a:t>Lists</a:t>
-            </a:r>
-            <a:endParaRPr lang="en-US" sz="2400" b="1" dirty="0">
-              <a:solidFill>
-                <a:srgbClr val="00B050"/>
-              </a:solidFill>
-              <a:effectLst/>
-              <a:latin typeface="Open Sans" panose="020B0606030504020204" pitchFamily="34" charset="0"/>
-            </a:endParaRPr>
+                <a:effectLst/>
+                <a:latin typeface="Open Sans" panose="020B0606030504020204" pitchFamily="34" charset="0"/>
+              </a:rPr>
+              <a:t>Interfaces</a:t>
+            </a:r>
           </a:p>
         </p:txBody>
       </p:sp>
@@ -8749,8 +9984,8 @@
         </p:nvSpPr>
         <p:spPr>
           <a:xfrm>
-            <a:off x="176169" y="465956"/>
-            <a:ext cx="11931637" cy="5724644"/>
+            <a:off x="176169" y="729420"/>
+            <a:ext cx="11931637" cy="3416320"/>
           </a:xfrm>
           <a:prstGeom prst="rect">
             <a:avLst/>
@@ -8763,40 +9998,127 @@
           </a:bodyPr>
           <a:lstStyle/>
           <a:p>
-            <a:pPr algn="l"/>
-            <a:r>
-              <a:rPr lang="en-US" b="0" i="0" dirty="0">
-                <a:solidFill>
-                  <a:schemeClr val="tx1">
-                    <a:lumMod val="85000"/>
-                  </a:schemeClr>
-                </a:solidFill>
-                <a:effectLst/>
-                <a:latin typeface="Open Sans" panose="020B0606030504020204" pitchFamily="34" charset="0"/>
-              </a:rPr>
-              <a:t>Lists are used to "collect"  elements.   By creating a List, you can </a:t>
-            </a:r>
-            <a:r>
-              <a:rPr lang="en-US" b="0" i="0" dirty="0">
+            <a:r>
+              <a:rPr lang="en-US" dirty="0">
+                <a:solidFill>
+                  <a:schemeClr val="tx1">
+                    <a:lumMod val="85000"/>
+                  </a:schemeClr>
+                </a:solidFill>
+                <a:latin typeface="Open Sans" panose="020B0606030504020204" pitchFamily="34" charset="0"/>
+                <a:ea typeface="Open Sans" panose="020B0606030504020204" pitchFamily="34" charset="0"/>
+                <a:cs typeface="Open Sans" panose="020B0606030504020204" pitchFamily="34" charset="0"/>
+              </a:rPr>
+              <a:t>What Is an Interface?</a:t>
+            </a:r>
+          </a:p>
+          <a:p>
+            <a:r>
+              <a:rPr lang="en-US" dirty="0">
                 <a:solidFill>
                   <a:srgbClr val="00B0F0"/>
                 </a:solidFill>
-                <a:effectLst/>
-                <a:latin typeface="Open Sans" panose="020B0606030504020204" pitchFamily="34" charset="0"/>
-              </a:rPr>
-              <a:t>store any number of elements</a:t>
-            </a:r>
-            <a:r>
-              <a:rPr lang="en-US" b="0" i="0" dirty="0">
-                <a:solidFill>
-                  <a:schemeClr val="tx1">
-                    <a:lumMod val="85000"/>
-                  </a:schemeClr>
-                </a:solidFill>
-                <a:effectLst/>
-                <a:latin typeface="Open Sans" panose="020B0606030504020204" pitchFamily="34" charset="0"/>
-              </a:rPr>
-              <a:t>,  </a:t>
+                <a:latin typeface="Open Sans" panose="020B0606030504020204" pitchFamily="34" charset="0"/>
+                <a:ea typeface="Open Sans" panose="020B0606030504020204" pitchFamily="34" charset="0"/>
+                <a:cs typeface="Open Sans" panose="020B0606030504020204" pitchFamily="34" charset="0"/>
+              </a:rPr>
+              <a:t>An interface is a contract between a class and the outside world. </a:t>
+            </a:r>
+            <a:r>
+              <a:rPr lang="en-US" dirty="0">
+                <a:solidFill>
+                  <a:schemeClr val="tx1">
+                    <a:lumMod val="85000"/>
+                  </a:schemeClr>
+                </a:solidFill>
+                <a:latin typeface="Open Sans" panose="020B0606030504020204" pitchFamily="34" charset="0"/>
+                <a:ea typeface="Open Sans" panose="020B0606030504020204" pitchFamily="34" charset="0"/>
+                <a:cs typeface="Open Sans" panose="020B0606030504020204" pitchFamily="34" charset="0"/>
+              </a:rPr>
+              <a:t>When a class implements an interface, it promises to provide the behavior published by that interface</a:t>
+            </a:r>
+          </a:p>
+          <a:p>
+            <a:endParaRPr lang="en-US" dirty="0">
+              <a:solidFill>
+                <a:schemeClr val="tx1">
+                  <a:lumMod val="85000"/>
+                </a:schemeClr>
+              </a:solidFill>
+              <a:latin typeface="Open Sans" panose="020B0606030504020204" pitchFamily="34" charset="0"/>
+              <a:ea typeface="Open Sans" panose="020B0606030504020204" pitchFamily="34" charset="0"/>
+              <a:cs typeface="Open Sans" panose="020B0606030504020204" pitchFamily="34" charset="0"/>
+            </a:endParaRPr>
+          </a:p>
+          <a:p>
+            <a:r>
+              <a:rPr lang="en-US" dirty="0">
+                <a:solidFill>
+                  <a:schemeClr val="tx1">
+                    <a:lumMod val="85000"/>
+                  </a:schemeClr>
+                </a:solidFill>
+                <a:latin typeface="Open Sans" panose="020B0606030504020204" pitchFamily="34" charset="0"/>
+                <a:ea typeface="Open Sans" panose="020B0606030504020204" pitchFamily="34" charset="0"/>
+                <a:cs typeface="Open Sans" panose="020B0606030504020204" pitchFamily="34" charset="0"/>
+              </a:rPr>
+              <a:t>An interface is a completely "abstract class" that is used to group related methods with empty bodies:</a:t>
+            </a:r>
+          </a:p>
+          <a:p>
+            <a:endParaRPr lang="en-US" dirty="0">
+              <a:solidFill>
+                <a:schemeClr val="tx1">
+                  <a:lumMod val="85000"/>
+                </a:schemeClr>
+              </a:solidFill>
+              <a:latin typeface="Open Sans" panose="020B0606030504020204" pitchFamily="34" charset="0"/>
+              <a:ea typeface="Open Sans" panose="020B0606030504020204" pitchFamily="34" charset="0"/>
+              <a:cs typeface="Open Sans" panose="020B0606030504020204" pitchFamily="34" charset="0"/>
+            </a:endParaRPr>
+          </a:p>
+          <a:p>
+            <a:r>
+              <a:rPr lang="en-US" b="0" i="0" dirty="0">
+                <a:solidFill>
+                  <a:schemeClr val="tx1">
+                    <a:lumMod val="85000"/>
+                  </a:schemeClr>
+                </a:solidFill>
+                <a:effectLst/>
+                <a:latin typeface="Open Sans" panose="020B0606030504020204" pitchFamily="34" charset="0"/>
+                <a:ea typeface="Open Sans" panose="020B0606030504020204" pitchFamily="34" charset="0"/>
+                <a:cs typeface="Open Sans" panose="020B0606030504020204" pitchFamily="34" charset="0"/>
+              </a:rPr>
+              <a:t>To access the interface methods, the interface must be "implemented" (</a:t>
+            </a:r>
+            <a:r>
+              <a:rPr lang="en-US" b="0" i="0" dirty="0" err="1">
+                <a:solidFill>
+                  <a:schemeClr val="tx1">
+                    <a:lumMod val="85000"/>
+                  </a:schemeClr>
+                </a:solidFill>
+                <a:effectLst/>
+                <a:latin typeface="Open Sans" panose="020B0606030504020204" pitchFamily="34" charset="0"/>
+                <a:ea typeface="Open Sans" panose="020B0606030504020204" pitchFamily="34" charset="0"/>
+                <a:cs typeface="Open Sans" panose="020B0606030504020204" pitchFamily="34" charset="0"/>
+              </a:rPr>
+              <a:t>kinda</a:t>
+            </a:r>
+            <a:r>
+              <a:rPr lang="en-US" b="0" i="0" dirty="0">
+                <a:solidFill>
+                  <a:schemeClr val="tx1">
+                    <a:lumMod val="85000"/>
+                  </a:schemeClr>
+                </a:solidFill>
+                <a:effectLst/>
+                <a:latin typeface="Open Sans" panose="020B0606030504020204" pitchFamily="34" charset="0"/>
+                <a:ea typeface="Open Sans" panose="020B0606030504020204" pitchFamily="34" charset="0"/>
+                <a:cs typeface="Open Sans" panose="020B0606030504020204" pitchFamily="34" charset="0"/>
+              </a:rPr>
+              <a:t> like inherited) by another class with the implements keyword (instead of extends). The </a:t>
             </a:r>
             <a:r>
               <a:rPr lang="en-US" b="0" i="0" dirty="0">
@@ -8805,21 +10127,23 @@
                 </a:solidFill>
                 <a:effectLst/>
                 <a:latin typeface="Open Sans" panose="020B0606030504020204" pitchFamily="34" charset="0"/>
-              </a:rPr>
-              <a:t>dynamically modifying the List</a:t>
-            </a:r>
-            <a:r>
-              <a:rPr lang="en-US" b="0" i="0" dirty="0">
-                <a:solidFill>
-                  <a:schemeClr val="tx1">
-                    <a:lumMod val="85000"/>
-                  </a:schemeClr>
-                </a:solidFill>
-                <a:effectLst/>
-                <a:latin typeface="Open Sans" panose="020B0606030504020204" pitchFamily="34" charset="0"/>
-              </a:rPr>
-              <a:t>, and the location of each item is managed by the List.  Each element is accessible through a </a:t>
-            </a:r>
+                <a:ea typeface="Open Sans" panose="020B0606030504020204" pitchFamily="34" charset="0"/>
+                <a:cs typeface="Open Sans" panose="020B0606030504020204" pitchFamily="34" charset="0"/>
+              </a:rPr>
+              <a:t>body of the interface method is provided by the "implemented" class</a:t>
+            </a:r>
+          </a:p>
+          <a:p>
+            <a:endParaRPr lang="en-US" dirty="0">
+              <a:solidFill>
+                <a:srgbClr val="00B0F0"/>
+              </a:solidFill>
+              <a:latin typeface="Open Sans" panose="020B0606030504020204" pitchFamily="34" charset="0"/>
+              <a:ea typeface="Open Sans" panose="020B0606030504020204" pitchFamily="34" charset="0"/>
+              <a:cs typeface="Open Sans" panose="020B0606030504020204" pitchFamily="34" charset="0"/>
+            </a:endParaRPr>
+          </a:p>
+          <a:p>
             <a:r>
               <a:rPr lang="en-US" b="0" i="0" dirty="0">
                 <a:solidFill>
@@ -8827,24 +10151,36 @@
                 </a:solidFill>
                 <a:effectLst/>
                 <a:latin typeface="Open Sans" panose="020B0606030504020204" pitchFamily="34" charset="0"/>
-              </a:rPr>
-              <a:t>variable that you declare as a List</a:t>
-            </a:r>
-            <a:r>
-              <a:rPr lang="en-US" b="0" i="0" dirty="0">
-                <a:solidFill>
-                  <a:schemeClr val="tx1">
-                    <a:lumMod val="85000"/>
-                  </a:schemeClr>
-                </a:solidFill>
-                <a:effectLst/>
-                <a:latin typeface="Open Sans" panose="020B0606030504020204" pitchFamily="34" charset="0"/>
-              </a:rPr>
-              <a:t>.</a:t>
-            </a:r>
-          </a:p>
-          <a:p>
-            <a:pPr algn="l"/>
+                <a:ea typeface="Open Sans" panose="020B0606030504020204" pitchFamily="34" charset="0"/>
+                <a:cs typeface="Open Sans" panose="020B0606030504020204" pitchFamily="34" charset="0"/>
+              </a:rPr>
+              <a:t>Classes can implement </a:t>
+            </a:r>
+            <a:r>
+              <a:rPr lang="en-US" b="0" i="0">
+                <a:solidFill>
+                  <a:srgbClr val="00B0F0"/>
+                </a:solidFill>
+                <a:effectLst/>
+                <a:latin typeface="Open Sans" panose="020B0606030504020204" pitchFamily="34" charset="0"/>
+                <a:ea typeface="Open Sans" panose="020B0606030504020204" pitchFamily="34" charset="0"/>
+                <a:cs typeface="Open Sans" panose="020B0606030504020204" pitchFamily="34" charset="0"/>
+              </a:rPr>
+              <a:t>multiple interfaces</a:t>
+            </a:r>
+            <a:endParaRPr lang="en-US" b="0" i="0" dirty="0">
+              <a:solidFill>
+                <a:schemeClr val="tx1">
+                  <a:lumMod val="85000"/>
+                </a:schemeClr>
+              </a:solidFill>
+              <a:effectLst/>
+              <a:latin typeface="Open Sans" panose="020B0606030504020204" pitchFamily="34" charset="0"/>
+              <a:ea typeface="Open Sans" panose="020B0606030504020204" pitchFamily="34" charset="0"/>
+              <a:cs typeface="Open Sans" panose="020B0606030504020204" pitchFamily="34" charset="0"/>
+            </a:endParaRPr>
+          </a:p>
+          <a:p>
             <a:endParaRPr lang="en-US" b="0" i="0" dirty="0">
               <a:solidFill>
                 <a:schemeClr val="tx1">
@@ -8855,599 +10191,6 @@
               <a:latin typeface="Open Sans" panose="020B0606030504020204" pitchFamily="34" charset="0"/>
             </a:endParaRPr>
           </a:p>
-          <a:p>
-            <a:pPr algn="l"/>
-            <a:r>
-              <a:rPr lang="en-US" b="0" i="0" dirty="0">
-                <a:solidFill>
-                  <a:schemeClr val="tx1">
-                    <a:lumMod val="85000"/>
-                  </a:schemeClr>
-                </a:solidFill>
-                <a:effectLst/>
-                <a:latin typeface="Open Sans" panose="020B0606030504020204" pitchFamily="34" charset="0"/>
-              </a:rPr>
-              <a:t>A List in Java is an </a:t>
-            </a:r>
-            <a:r>
-              <a:rPr lang="en-US" b="0" i="0" dirty="0">
-                <a:solidFill>
-                  <a:srgbClr val="00B0F0"/>
-                </a:solidFill>
-                <a:effectLst/>
-                <a:latin typeface="Open Sans" panose="020B0606030504020204" pitchFamily="34" charset="0"/>
-              </a:rPr>
-              <a:t>Interface</a:t>
-            </a:r>
-            <a:r>
-              <a:rPr lang="en-US" b="0" i="0" dirty="0">
-                <a:solidFill>
-                  <a:schemeClr val="tx1">
-                    <a:lumMod val="85000"/>
-                  </a:schemeClr>
-                </a:solidFill>
-                <a:effectLst/>
-                <a:latin typeface="Open Sans" panose="020B0606030504020204" pitchFamily="34" charset="0"/>
-              </a:rPr>
-              <a:t>.   To use a List in Java, you </a:t>
-            </a:r>
-            <a:r>
-              <a:rPr lang="en-US" b="0" i="0" dirty="0">
-                <a:solidFill>
-                  <a:srgbClr val="00B0F0"/>
-                </a:solidFill>
-                <a:effectLst/>
-                <a:latin typeface="Open Sans" panose="020B0606030504020204" pitchFamily="34" charset="0"/>
-              </a:rPr>
-              <a:t>will import the </a:t>
-            </a:r>
-            <a:r>
-              <a:rPr lang="en-US" b="0" i="0" dirty="0" err="1">
-                <a:solidFill>
-                  <a:srgbClr val="00B0F0"/>
-                </a:solidFill>
-                <a:effectLst/>
-                <a:latin typeface="Open Sans" panose="020B0606030504020204" pitchFamily="34" charset="0"/>
-              </a:rPr>
-              <a:t>java.util</a:t>
-            </a:r>
-            <a:r>
-              <a:rPr lang="en-US" b="0" i="0" dirty="0">
-                <a:solidFill>
-                  <a:srgbClr val="00B0F0"/>
-                </a:solidFill>
-                <a:effectLst/>
-                <a:latin typeface="Open Sans" panose="020B0606030504020204" pitchFamily="34" charset="0"/>
-              </a:rPr>
-              <a:t> </a:t>
-            </a:r>
-            <a:r>
-              <a:rPr lang="en-US" b="0" i="0" dirty="0">
-                <a:solidFill>
-                  <a:schemeClr val="tx1">
-                    <a:lumMod val="85000"/>
-                  </a:schemeClr>
-                </a:solidFill>
-                <a:effectLst/>
-                <a:latin typeface="Open Sans" panose="020B0606030504020204" pitchFamily="34" charset="0"/>
-              </a:rPr>
-              <a:t>library, and a List will need to be declared and initialized.  A List is often </a:t>
-            </a:r>
-            <a:r>
-              <a:rPr lang="en-US" b="0" i="0" dirty="0">
-                <a:solidFill>
-                  <a:srgbClr val="00B0F0"/>
-                </a:solidFill>
-                <a:effectLst/>
-                <a:latin typeface="Open Sans" panose="020B0606030504020204" pitchFamily="34" charset="0"/>
-              </a:rPr>
-              <a:t>implemented by the </a:t>
-            </a:r>
-            <a:r>
-              <a:rPr lang="en-US" b="0" i="0" dirty="0" err="1">
-                <a:solidFill>
-                  <a:srgbClr val="00B0F0"/>
-                </a:solidFill>
-                <a:effectLst/>
-                <a:latin typeface="Open Sans" panose="020B0606030504020204" pitchFamily="34" charset="0"/>
-              </a:rPr>
-              <a:t>ArrayList</a:t>
-            </a:r>
-            <a:r>
-              <a:rPr lang="en-US" b="0" i="0" dirty="0">
-                <a:solidFill>
-                  <a:srgbClr val="00B0F0"/>
-                </a:solidFill>
-                <a:effectLst/>
-                <a:latin typeface="Open Sans" panose="020B0606030504020204" pitchFamily="34" charset="0"/>
-              </a:rPr>
-              <a:t> class</a:t>
-            </a:r>
-            <a:r>
-              <a:rPr lang="en-US" b="0" i="0" dirty="0">
-                <a:solidFill>
-                  <a:schemeClr val="tx1">
-                    <a:lumMod val="85000"/>
-                  </a:schemeClr>
-                </a:solidFill>
-                <a:effectLst/>
-                <a:latin typeface="Open Sans" panose="020B0606030504020204" pitchFamily="34" charset="0"/>
-              </a:rPr>
-              <a:t>, but can also be implemented by one of these classes:  </a:t>
-            </a:r>
-            <a:r>
-              <a:rPr lang="en-US" b="0" i="0" dirty="0">
-                <a:solidFill>
-                  <a:srgbClr val="00B0F0"/>
-                </a:solidFill>
-                <a:effectLst/>
-                <a:latin typeface="Open Sans" panose="020B0606030504020204" pitchFamily="34" charset="0"/>
-              </a:rPr>
-              <a:t>LinkedList, Vector and Stack</a:t>
-            </a:r>
-            <a:r>
-              <a:rPr lang="en-US" b="0" i="0" dirty="0">
-                <a:solidFill>
-                  <a:schemeClr val="tx1">
-                    <a:lumMod val="85000"/>
-                  </a:schemeClr>
-                </a:solidFill>
-                <a:effectLst/>
-                <a:latin typeface="Open Sans" panose="020B0606030504020204" pitchFamily="34" charset="0"/>
-              </a:rPr>
-              <a:t>.  If you choose </a:t>
-            </a:r>
-            <a:r>
-              <a:rPr lang="en-US" b="0" i="0" dirty="0" err="1">
-                <a:solidFill>
-                  <a:schemeClr val="tx1">
-                    <a:lumMod val="85000"/>
-                  </a:schemeClr>
-                </a:solidFill>
-                <a:effectLst/>
-                <a:latin typeface="Open Sans" panose="020B0606030504020204" pitchFamily="34" charset="0"/>
-              </a:rPr>
-              <a:t>ArrayList</a:t>
-            </a:r>
-            <a:r>
-              <a:rPr lang="en-US" b="0" i="0" dirty="0">
-                <a:solidFill>
-                  <a:schemeClr val="tx1">
-                    <a:lumMod val="85000"/>
-                  </a:schemeClr>
-                </a:solidFill>
-                <a:effectLst/>
-                <a:latin typeface="Open Sans" panose="020B0606030504020204" pitchFamily="34" charset="0"/>
-              </a:rPr>
-              <a:t>,  you will also have to </a:t>
-            </a:r>
-            <a:r>
-              <a:rPr lang="en-US" b="0" i="0" dirty="0">
-                <a:solidFill>
-                  <a:srgbClr val="00B0F0"/>
-                </a:solidFill>
-                <a:effectLst/>
-                <a:latin typeface="Open Sans" panose="020B0606030504020204" pitchFamily="34" charset="0"/>
-              </a:rPr>
-              <a:t>import </a:t>
-            </a:r>
-            <a:r>
-              <a:rPr lang="en-US" b="0" i="0" dirty="0" err="1">
-                <a:solidFill>
-                  <a:srgbClr val="00B0F0"/>
-                </a:solidFill>
-                <a:effectLst/>
-                <a:latin typeface="Open Sans" panose="020B0606030504020204" pitchFamily="34" charset="0"/>
-              </a:rPr>
-              <a:t>ArrayList</a:t>
-            </a:r>
-            <a:r>
-              <a:rPr lang="en-US" b="0" i="0" dirty="0">
-                <a:solidFill>
-                  <a:srgbClr val="00B0F0"/>
-                </a:solidFill>
-                <a:effectLst/>
-                <a:latin typeface="Open Sans" panose="020B0606030504020204" pitchFamily="34" charset="0"/>
-              </a:rPr>
-              <a:t> from </a:t>
-            </a:r>
-            <a:r>
-              <a:rPr lang="en-US" b="0" i="0" dirty="0" err="1">
-                <a:solidFill>
-                  <a:srgbClr val="00B0F0"/>
-                </a:solidFill>
-                <a:effectLst/>
-                <a:latin typeface="Open Sans" panose="020B0606030504020204" pitchFamily="34" charset="0"/>
-              </a:rPr>
-              <a:t>java.util</a:t>
-            </a:r>
-            <a:r>
-              <a:rPr lang="en-US" b="0" i="0" dirty="0">
-                <a:solidFill>
-                  <a:schemeClr val="tx1">
-                    <a:lumMod val="85000"/>
-                  </a:schemeClr>
-                </a:solidFill>
-                <a:effectLst/>
-                <a:latin typeface="Open Sans" panose="020B0606030504020204" pitchFamily="34" charset="0"/>
-              </a:rPr>
-              <a:t>.</a:t>
-            </a:r>
-          </a:p>
-          <a:p>
-            <a:pPr algn="l"/>
-            <a:r>
-              <a:rPr lang="en-US" b="0" i="0" dirty="0">
-                <a:solidFill>
-                  <a:schemeClr val="tx1">
-                    <a:lumMod val="85000"/>
-                  </a:schemeClr>
-                </a:solidFill>
-                <a:effectLst/>
-                <a:latin typeface="Open Sans" panose="020B0606030504020204" pitchFamily="34" charset="0"/>
-              </a:rPr>
-              <a:t>Example declaring a List of String:</a:t>
-            </a:r>
-          </a:p>
-          <a:p>
-            <a:pPr algn="l"/>
-            <a:endParaRPr lang="en-US" b="0" i="0" dirty="0">
-              <a:solidFill>
-                <a:schemeClr val="tx1">
-                  <a:lumMod val="85000"/>
-                </a:schemeClr>
-              </a:solidFill>
-              <a:effectLst/>
-              <a:latin typeface="Open Sans" panose="020B0606030504020204" pitchFamily="34" charset="0"/>
-            </a:endParaRPr>
-          </a:p>
-          <a:p>
-            <a:pPr lvl="1"/>
-            <a:r>
-              <a:rPr lang="en-US" sz="1200" b="0" i="0" dirty="0">
-                <a:solidFill>
-                  <a:schemeClr val="tx1">
-                    <a:lumMod val="85000"/>
-                  </a:schemeClr>
-                </a:solidFill>
-                <a:effectLst/>
-                <a:latin typeface="Open Sans" panose="020B0606030504020204" pitchFamily="34" charset="0"/>
-              </a:rPr>
-              <a:t>List&lt;String&gt; </a:t>
-            </a:r>
-            <a:r>
-              <a:rPr lang="en-US" sz="1200" b="0" i="0" dirty="0" err="1">
-                <a:solidFill>
-                  <a:schemeClr val="tx1">
-                    <a:lumMod val="85000"/>
-                  </a:schemeClr>
-                </a:solidFill>
-                <a:effectLst/>
-                <a:latin typeface="Open Sans" panose="020B0606030504020204" pitchFamily="34" charset="0"/>
-              </a:rPr>
-              <a:t>myInstruments</a:t>
-            </a:r>
-            <a:r>
-              <a:rPr lang="en-US" sz="1200" b="0" i="0" dirty="0">
-                <a:solidFill>
-                  <a:schemeClr val="tx1">
-                    <a:lumMod val="85000"/>
-                  </a:schemeClr>
-                </a:solidFill>
-                <a:effectLst/>
-                <a:latin typeface="Open Sans" panose="020B0606030504020204" pitchFamily="34" charset="0"/>
-              </a:rPr>
-              <a:t> = new </a:t>
-            </a:r>
-            <a:r>
-              <a:rPr lang="en-US" sz="1200" b="0" i="0" dirty="0" err="1">
-                <a:solidFill>
-                  <a:schemeClr val="tx1">
-                    <a:lumMod val="85000"/>
-                  </a:schemeClr>
-                </a:solidFill>
-                <a:effectLst/>
-                <a:latin typeface="Open Sans" panose="020B0606030504020204" pitchFamily="34" charset="0"/>
-              </a:rPr>
-              <a:t>ArrayList</a:t>
-            </a:r>
-            <a:r>
-              <a:rPr lang="en-US" sz="1200" b="0" i="0" dirty="0">
-                <a:solidFill>
-                  <a:schemeClr val="tx1">
-                    <a:lumMod val="85000"/>
-                  </a:schemeClr>
-                </a:solidFill>
-                <a:effectLst/>
-                <a:latin typeface="Open Sans" panose="020B0606030504020204" pitchFamily="34" charset="0"/>
-              </a:rPr>
-              <a:t>&lt;String&gt;();</a:t>
-            </a:r>
-          </a:p>
-          <a:p>
-            <a:pPr lvl="1"/>
-            <a:r>
-              <a:rPr lang="en-US" sz="1200" b="0" i="0" dirty="0" err="1">
-                <a:solidFill>
-                  <a:schemeClr val="tx1">
-                    <a:lumMod val="85000"/>
-                  </a:schemeClr>
-                </a:solidFill>
-                <a:effectLst/>
-                <a:latin typeface="Open Sans" panose="020B0606030504020204" pitchFamily="34" charset="0"/>
-              </a:rPr>
-              <a:t>myInstruments.add</a:t>
-            </a:r>
-            <a:r>
-              <a:rPr lang="en-US" sz="1200" b="0" i="0" dirty="0">
-                <a:solidFill>
-                  <a:schemeClr val="tx1">
-                    <a:lumMod val="85000"/>
-                  </a:schemeClr>
-                </a:solidFill>
-                <a:effectLst/>
-                <a:latin typeface="Open Sans" panose="020B0606030504020204" pitchFamily="34" charset="0"/>
-              </a:rPr>
-              <a:t>("Tuba");</a:t>
-            </a:r>
-          </a:p>
-          <a:p>
-            <a:pPr lvl="1"/>
-            <a:r>
-              <a:rPr lang="en-US" sz="1200" b="0" i="0" dirty="0" err="1">
-                <a:solidFill>
-                  <a:schemeClr val="tx1">
-                    <a:lumMod val="85000"/>
-                  </a:schemeClr>
-                </a:solidFill>
-                <a:effectLst/>
-                <a:latin typeface="Open Sans" panose="020B0606030504020204" pitchFamily="34" charset="0"/>
-              </a:rPr>
-              <a:t>myInstruments.add</a:t>
-            </a:r>
-            <a:r>
-              <a:rPr lang="en-US" sz="1200" b="0" i="0" dirty="0">
-                <a:solidFill>
-                  <a:schemeClr val="tx1">
-                    <a:lumMod val="85000"/>
-                  </a:schemeClr>
-                </a:solidFill>
-                <a:effectLst/>
-                <a:latin typeface="Open Sans" panose="020B0606030504020204" pitchFamily="34" charset="0"/>
-              </a:rPr>
-              <a:t>("Trombone");</a:t>
-            </a:r>
-          </a:p>
-          <a:p>
-            <a:pPr lvl="1"/>
-            <a:r>
-              <a:rPr lang="en-US" sz="1200" b="0" i="0" dirty="0" err="1">
-                <a:solidFill>
-                  <a:schemeClr val="tx1">
-                    <a:lumMod val="85000"/>
-                  </a:schemeClr>
-                </a:solidFill>
-                <a:effectLst/>
-                <a:latin typeface="Open Sans" panose="020B0606030504020204" pitchFamily="34" charset="0"/>
-              </a:rPr>
-              <a:t>myInstruments.add</a:t>
-            </a:r>
-            <a:r>
-              <a:rPr lang="en-US" sz="1200" b="0" i="0" dirty="0">
-                <a:solidFill>
-                  <a:schemeClr val="tx1">
-                    <a:lumMod val="85000"/>
-                  </a:schemeClr>
-                </a:solidFill>
-                <a:effectLst/>
-                <a:latin typeface="Open Sans" panose="020B0606030504020204" pitchFamily="34" charset="0"/>
-              </a:rPr>
-              <a:t>("Trumpet");</a:t>
-            </a:r>
-          </a:p>
-          <a:p>
-            <a:pPr lvl="1"/>
-            <a:r>
-              <a:rPr lang="en-US" sz="1200" b="0" i="0" dirty="0" err="1">
-                <a:solidFill>
-                  <a:schemeClr val="tx1">
-                    <a:lumMod val="85000"/>
-                  </a:schemeClr>
-                </a:solidFill>
-                <a:effectLst/>
-                <a:latin typeface="Open Sans" panose="020B0606030504020204" pitchFamily="34" charset="0"/>
-              </a:rPr>
-              <a:t>myInstruments.add</a:t>
-            </a:r>
-            <a:r>
-              <a:rPr lang="en-US" sz="1200" b="0" i="0" dirty="0">
-                <a:solidFill>
-                  <a:schemeClr val="tx1">
-                    <a:lumMod val="85000"/>
-                  </a:schemeClr>
-                </a:solidFill>
-                <a:effectLst/>
-                <a:latin typeface="Open Sans" panose="020B0606030504020204" pitchFamily="34" charset="0"/>
-              </a:rPr>
-              <a:t>("Triangle");</a:t>
-            </a:r>
-          </a:p>
-          <a:p>
-            <a:pPr algn="l"/>
-            <a:endParaRPr lang="en-US" b="0" i="0" dirty="0">
-              <a:solidFill>
-                <a:schemeClr val="tx1">
-                  <a:lumMod val="85000"/>
-                </a:schemeClr>
-              </a:solidFill>
-              <a:effectLst/>
-              <a:latin typeface="Open Sans" panose="020B0606030504020204" pitchFamily="34" charset="0"/>
-            </a:endParaRPr>
-          </a:p>
-          <a:p>
-            <a:pPr algn="l"/>
-            <a:r>
-              <a:rPr lang="en-US" b="0" i="0" dirty="0">
-                <a:solidFill>
-                  <a:schemeClr val="tx1">
-                    <a:lumMod val="85000"/>
-                  </a:schemeClr>
-                </a:solidFill>
-                <a:effectLst/>
-                <a:latin typeface="Open Sans" panose="020B0606030504020204" pitchFamily="34" charset="0"/>
-              </a:rPr>
-              <a:t>Notice that </a:t>
-            </a:r>
-            <a:r>
-              <a:rPr lang="en-US" b="0" i="0" dirty="0">
-                <a:solidFill>
-                  <a:srgbClr val="00B0F0"/>
-                </a:solidFill>
-                <a:effectLst/>
-                <a:latin typeface="Open Sans" panose="020B0606030504020204" pitchFamily="34" charset="0"/>
-              </a:rPr>
-              <a:t>unlike an Array</a:t>
-            </a:r>
-            <a:r>
-              <a:rPr lang="en-US" b="0" i="0" dirty="0">
-                <a:solidFill>
-                  <a:schemeClr val="tx1">
-                    <a:lumMod val="85000"/>
-                  </a:schemeClr>
-                </a:solidFill>
-                <a:effectLst/>
-                <a:latin typeface="Open Sans" panose="020B0606030504020204" pitchFamily="34" charset="0"/>
-              </a:rPr>
-              <a:t>, you can </a:t>
-            </a:r>
-            <a:r>
-              <a:rPr lang="en-US" b="0" i="0" dirty="0">
-                <a:solidFill>
-                  <a:srgbClr val="00B0F0"/>
-                </a:solidFill>
-                <a:effectLst/>
-                <a:latin typeface="Open Sans" panose="020B0606030504020204" pitchFamily="34" charset="0"/>
-              </a:rPr>
-              <a:t>dynamically add additional elements to your List</a:t>
-            </a:r>
-            <a:r>
-              <a:rPr lang="en-US" b="0" i="0" dirty="0">
-                <a:solidFill>
-                  <a:schemeClr val="tx1">
-                    <a:lumMod val="85000"/>
-                  </a:schemeClr>
-                </a:solidFill>
-                <a:effectLst/>
-                <a:latin typeface="Open Sans" panose="020B0606030504020204" pitchFamily="34" charset="0"/>
-              </a:rPr>
-              <a:t>, inserting as many elements as you wish to this same List, without throwing an exception:</a:t>
-            </a:r>
-          </a:p>
-          <a:p>
-            <a:pPr algn="l"/>
-            <a:endParaRPr lang="en-US" b="0" i="0" dirty="0">
-              <a:solidFill>
-                <a:schemeClr val="tx1">
-                  <a:lumMod val="85000"/>
-                </a:schemeClr>
-              </a:solidFill>
-              <a:effectLst/>
-              <a:latin typeface="Open Sans" panose="020B0606030504020204" pitchFamily="34" charset="0"/>
-            </a:endParaRPr>
-          </a:p>
-          <a:p>
-            <a:pPr lvl="1"/>
-            <a:r>
-              <a:rPr lang="en-US" sz="1200" b="0" i="0" dirty="0" err="1">
-                <a:solidFill>
-                  <a:schemeClr val="tx1">
-                    <a:lumMod val="85000"/>
-                  </a:schemeClr>
-                </a:solidFill>
-                <a:effectLst/>
-                <a:latin typeface="Open Sans" panose="020B0606030504020204" pitchFamily="34" charset="0"/>
-              </a:rPr>
-              <a:t>myInstruments.add</a:t>
-            </a:r>
-            <a:r>
-              <a:rPr lang="en-US" sz="1200" b="0" i="0" dirty="0">
-                <a:solidFill>
-                  <a:schemeClr val="tx1">
-                    <a:lumMod val="85000"/>
-                  </a:schemeClr>
-                </a:solidFill>
-                <a:effectLst/>
-                <a:latin typeface="Open Sans" panose="020B0606030504020204" pitchFamily="34" charset="0"/>
-              </a:rPr>
-              <a:t>("Flute");</a:t>
-            </a:r>
-          </a:p>
-          <a:p>
-            <a:pPr lvl="1"/>
-            <a:r>
-              <a:rPr lang="en-US" sz="1200" b="0" i="0" dirty="0" err="1">
-                <a:solidFill>
-                  <a:schemeClr val="tx1">
-                    <a:lumMod val="85000"/>
-                  </a:schemeClr>
-                </a:solidFill>
-                <a:effectLst/>
-                <a:latin typeface="Open Sans" panose="020B0606030504020204" pitchFamily="34" charset="0"/>
-              </a:rPr>
-              <a:t>myInstruments.add</a:t>
-            </a:r>
-            <a:r>
-              <a:rPr lang="en-US" sz="1200" b="0" i="0" dirty="0">
-                <a:solidFill>
-                  <a:schemeClr val="tx1">
-                    <a:lumMod val="85000"/>
-                  </a:schemeClr>
-                </a:solidFill>
-                <a:effectLst/>
-                <a:latin typeface="Open Sans" panose="020B0606030504020204" pitchFamily="34" charset="0"/>
-              </a:rPr>
-              <a:t>("Clarinet");</a:t>
-            </a:r>
-          </a:p>
-          <a:p>
-            <a:pPr lvl="1"/>
-            <a:r>
-              <a:rPr lang="en-US" sz="1200" b="0" i="0" dirty="0" err="1">
-                <a:solidFill>
-                  <a:schemeClr val="tx1">
-                    <a:lumMod val="85000"/>
-                  </a:schemeClr>
-                </a:solidFill>
-                <a:effectLst/>
-                <a:latin typeface="Open Sans" panose="020B0606030504020204" pitchFamily="34" charset="0"/>
-              </a:rPr>
-              <a:t>myInstruments.add</a:t>
-            </a:r>
-            <a:r>
-              <a:rPr lang="en-US" sz="1200" b="0" i="0" dirty="0">
-                <a:solidFill>
-                  <a:schemeClr val="tx1">
-                    <a:lumMod val="85000"/>
-                  </a:schemeClr>
-                </a:solidFill>
-                <a:effectLst/>
-                <a:latin typeface="Open Sans" panose="020B0606030504020204" pitchFamily="34" charset="0"/>
-              </a:rPr>
-              <a:t>("Oboe");</a:t>
-            </a:r>
-          </a:p>
-          <a:p>
-            <a:pPr algn="l"/>
-            <a:endParaRPr lang="en-US" b="0" i="0" dirty="0">
-              <a:solidFill>
-                <a:schemeClr val="tx1">
-                  <a:lumMod val="85000"/>
-                </a:schemeClr>
-              </a:solidFill>
-              <a:effectLst/>
-              <a:latin typeface="Open Sans" panose="020B0606030504020204" pitchFamily="34" charset="0"/>
-            </a:endParaRPr>
-          </a:p>
         </p:txBody>
       </p:sp>
       <p:sp>
@@ -9455,7 +10198,7 @@
           <p:cNvPr id="5" name="TextBox 4">
             <a:extLst>
               <a:ext uri="{FF2B5EF4-FFF2-40B4-BE49-F238E27FC236}">
-                <a16:creationId xmlns:a16="http://schemas.microsoft.com/office/drawing/2014/main" id="{B437B980-7F96-675E-3EC5-34BF0DF65123}"/>
+                <a16:creationId xmlns:a16="http://schemas.microsoft.com/office/drawing/2014/main" id="{20F6CBEF-9110-814A-F1E8-8EDD591B1904}"/>
               </a:ext>
             </a:extLst>
           </p:cNvPr>
@@ -9464,8 +10207,8 @@
         </p:nvSpPr>
         <p:spPr>
           <a:xfrm>
-            <a:off x="2961010" y="6379975"/>
-            <a:ext cx="9146796" cy="369332"/>
+            <a:off x="4698072" y="6345767"/>
+            <a:ext cx="7333507" cy="369332"/>
           </a:xfrm>
           <a:prstGeom prst="rect">
             <a:avLst/>
@@ -9482,7 +10225,7 @@
               <a:rPr lang="en-US" dirty="0">
                 <a:hlinkClick r:id="rId2"/>
               </a:rPr>
-              <a:t>https://github.com/ckiefriter1/Java-Code-Examples/blob/main/src/collections/ListExample.java</a:t>
+              <a:t>https://github.com/ckiefriter1/Java-Code-Examples/tree/main/src/interfaces</a:t>
             </a:r>
             <a:endParaRPr lang="en-US" dirty="0"/>
           </a:p>
@@ -9491,7 +10234,7 @@
     </p:spTree>
     <p:extLst>
       <p:ext uri="{BB962C8B-B14F-4D97-AF65-F5344CB8AC3E}">
-        <p14:creationId xmlns:p14="http://schemas.microsoft.com/office/powerpoint/2010/main" val="3007476099"/>
+        <p14:creationId xmlns:p14="http://schemas.microsoft.com/office/powerpoint/2010/main" val="3827704663"/>
       </p:ext>
     </p:extLst>
   </p:cSld>
@@ -9552,17 +10295,11 @@
                 <a:solidFill>
                   <a:srgbClr val="00B050"/>
                 </a:solidFill>
-                <a:latin typeface="Open Sans" panose="020B0606030504020204" pitchFamily="34" charset="0"/>
-              </a:rPr>
-              <a:t>Lists</a:t>
-            </a:r>
-            <a:endParaRPr lang="en-US" sz="2400" b="1" dirty="0">
-              <a:solidFill>
-                <a:srgbClr val="00B050"/>
-              </a:solidFill>
-              <a:effectLst/>
-              <a:latin typeface="Open Sans" panose="020B0606030504020204" pitchFamily="34" charset="0"/>
-            </a:endParaRPr>
+                <a:effectLst/>
+                <a:latin typeface="Open Sans" panose="020B0606030504020204" pitchFamily="34" charset="0"/>
+              </a:rPr>
+              <a:t>Collections</a:t>
+            </a:r>
           </a:p>
         </p:txBody>
       </p:sp>
@@ -9580,8 +10317,8 @@
         </p:nvSpPr>
         <p:spPr>
           <a:xfrm>
-            <a:off x="193251" y="624665"/>
-            <a:ext cx="11931637" cy="5355312"/>
+            <a:off x="176169" y="516290"/>
+            <a:ext cx="11931637" cy="5078313"/>
           </a:xfrm>
           <a:prstGeom prst="rect">
             <a:avLst/>
@@ -9605,7 +10342,7 @@
                 <a:effectLst/>
                 <a:latin typeface="Open Sans" panose="020B0606030504020204" pitchFamily="34" charset="0"/>
               </a:rPr>
-              <a:t>A </a:t>
+              <a:t>Think of a Collection as an Object, but that </a:t>
             </a:r>
             <a:r>
               <a:rPr lang="en-US" b="0" i="0" dirty="0">
@@ -9615,19 +10352,19 @@
                 <a:effectLst/>
                 <a:latin typeface="Open Sans" panose="020B0606030504020204" pitchFamily="34" charset="0"/>
               </a:rPr>
-              <a:t>List is an ordered Collection (sometimes called a sequence)</a:t>
-            </a:r>
-            <a:r>
-              <a:rPr lang="en-US" b="0" i="0" dirty="0">
-                <a:solidFill>
-                  <a:schemeClr val="tx1">
-                    <a:lumMod val="85000"/>
-                  </a:schemeClr>
-                </a:solidFill>
-                <a:effectLst/>
-                <a:latin typeface="Open Sans" panose="020B0606030504020204" pitchFamily="34" charset="0"/>
-              </a:rPr>
-              <a:t>. Lists may contain duplicate elements. In addition to the operations inherited from Collection, the List interface includes operations for the following:</a:t>
+              <a:t>Object can contain (or represent) a group of Objects</a:t>
+            </a:r>
+            <a:r>
+              <a:rPr lang="en-US" b="0" i="0" dirty="0">
+                <a:solidFill>
+                  <a:schemeClr val="tx1">
+                    <a:lumMod val="85000"/>
+                  </a:schemeClr>
+                </a:solidFill>
+                <a:effectLst/>
+                <a:latin typeface="Open Sans" panose="020B0606030504020204" pitchFamily="34" charset="0"/>
+              </a:rPr>
+              <a:t>.  Java provides a Collection Framework, which is an architecture that allows a unified access to a variety of different types of collections.</a:t>
             </a:r>
           </a:p>
           <a:p>
@@ -9643,247 +10380,119 @@
             </a:endParaRPr>
           </a:p>
           <a:p>
-            <a:pPr marL="285750" indent="-285750" algn="l">
-              <a:buFont typeface="Arial" panose="020B0604020202020204" pitchFamily="34" charset="0"/>
-              <a:buChar char="•"/>
-            </a:pPr>
-            <a:r>
-              <a:rPr lang="en-US" b="0" i="0" dirty="0">
-                <a:solidFill>
-                  <a:srgbClr val="00B0F0"/>
-                </a:solidFill>
-                <a:effectLst/>
-                <a:latin typeface="Open Sans" panose="020B0606030504020204" pitchFamily="34" charset="0"/>
-              </a:rPr>
-              <a:t>Positional access </a:t>
-            </a:r>
-            <a:r>
-              <a:rPr lang="en-US" b="0" i="0" dirty="0">
-                <a:solidFill>
-                  <a:schemeClr val="tx1">
-                    <a:lumMod val="85000"/>
-                  </a:schemeClr>
-                </a:solidFill>
-                <a:effectLst/>
-                <a:latin typeface="Open Sans" panose="020B0606030504020204" pitchFamily="34" charset="0"/>
-              </a:rPr>
-              <a:t>— manipulates elements based on their numerical position in the list. This includes methods such as get, set, add, </a:t>
-            </a:r>
-            <a:r>
-              <a:rPr lang="en-US" b="0" i="0" dirty="0" err="1">
-                <a:solidFill>
-                  <a:schemeClr val="tx1">
-                    <a:lumMod val="85000"/>
-                  </a:schemeClr>
-                </a:solidFill>
-                <a:effectLst/>
-                <a:latin typeface="Open Sans" panose="020B0606030504020204" pitchFamily="34" charset="0"/>
-              </a:rPr>
-              <a:t>addAll</a:t>
-            </a:r>
-            <a:r>
-              <a:rPr lang="en-US" b="0" i="0" dirty="0">
-                <a:solidFill>
-                  <a:schemeClr val="tx1">
-                    <a:lumMod val="85000"/>
-                  </a:schemeClr>
-                </a:solidFill>
-                <a:effectLst/>
-                <a:latin typeface="Open Sans" panose="020B0606030504020204" pitchFamily="34" charset="0"/>
-              </a:rPr>
-              <a:t>, and remove.</a:t>
-            </a:r>
-          </a:p>
-          <a:p>
-            <a:pPr marL="285750" indent="-285750" algn="l">
-              <a:buFont typeface="Arial" panose="020B0604020202020204" pitchFamily="34" charset="0"/>
-              <a:buChar char="•"/>
-            </a:pPr>
-            <a:r>
-              <a:rPr lang="en-US" b="0" i="0" dirty="0">
-                <a:solidFill>
-                  <a:srgbClr val="00B0F0"/>
-                </a:solidFill>
-                <a:effectLst/>
-                <a:latin typeface="Open Sans" panose="020B0606030504020204" pitchFamily="34" charset="0"/>
-              </a:rPr>
-              <a:t>Search</a:t>
-            </a:r>
-            <a:r>
-              <a:rPr lang="en-US" b="0" i="0" dirty="0">
-                <a:solidFill>
-                  <a:schemeClr val="tx1">
-                    <a:lumMod val="85000"/>
-                  </a:schemeClr>
-                </a:solidFill>
-                <a:effectLst/>
-                <a:latin typeface="Open Sans" panose="020B0606030504020204" pitchFamily="34" charset="0"/>
-              </a:rPr>
-              <a:t> — searches for a specified object in the list and returns its numerical position. Search methods include </a:t>
-            </a:r>
-            <a:r>
-              <a:rPr lang="en-US" b="0" i="0" dirty="0" err="1">
-                <a:solidFill>
-                  <a:schemeClr val="tx1">
-                    <a:lumMod val="85000"/>
-                  </a:schemeClr>
-                </a:solidFill>
-                <a:effectLst/>
-                <a:latin typeface="Open Sans" panose="020B0606030504020204" pitchFamily="34" charset="0"/>
-              </a:rPr>
-              <a:t>indexOf</a:t>
-            </a:r>
-            <a:r>
-              <a:rPr lang="en-US" b="0" i="0" dirty="0">
-                <a:solidFill>
-                  <a:schemeClr val="tx1">
-                    <a:lumMod val="85000"/>
-                  </a:schemeClr>
-                </a:solidFill>
-                <a:effectLst/>
-                <a:latin typeface="Open Sans" panose="020B0606030504020204" pitchFamily="34" charset="0"/>
-              </a:rPr>
-              <a:t> and </a:t>
-            </a:r>
-            <a:r>
-              <a:rPr lang="en-US" b="0" i="0" dirty="0" err="1">
-                <a:solidFill>
-                  <a:schemeClr val="tx1">
-                    <a:lumMod val="85000"/>
-                  </a:schemeClr>
-                </a:solidFill>
-                <a:effectLst/>
-                <a:latin typeface="Open Sans" panose="020B0606030504020204" pitchFamily="34" charset="0"/>
-              </a:rPr>
-              <a:t>lastIndexOf</a:t>
-            </a:r>
-            <a:r>
-              <a:rPr lang="en-US" b="0" i="0" dirty="0">
-                <a:solidFill>
-                  <a:schemeClr val="tx1">
-                    <a:lumMod val="85000"/>
-                  </a:schemeClr>
-                </a:solidFill>
-                <a:effectLst/>
-                <a:latin typeface="Open Sans" panose="020B0606030504020204" pitchFamily="34" charset="0"/>
-              </a:rPr>
-              <a:t>.</a:t>
-            </a:r>
-          </a:p>
-          <a:p>
-            <a:pPr marL="285750" indent="-285750" algn="l">
-              <a:buFont typeface="Arial" panose="020B0604020202020204" pitchFamily="34" charset="0"/>
-              <a:buChar char="•"/>
-            </a:pPr>
-            <a:r>
-              <a:rPr lang="en-US" b="0" i="0" dirty="0">
-                <a:solidFill>
-                  <a:srgbClr val="00B0F0"/>
-                </a:solidFill>
-                <a:effectLst/>
-                <a:latin typeface="Open Sans" panose="020B0606030504020204" pitchFamily="34" charset="0"/>
-              </a:rPr>
-              <a:t>Iteration</a:t>
-            </a:r>
-            <a:r>
-              <a:rPr lang="en-US" b="0" i="0" dirty="0">
-                <a:solidFill>
-                  <a:schemeClr val="tx1">
-                    <a:lumMod val="85000"/>
-                  </a:schemeClr>
-                </a:solidFill>
-                <a:effectLst/>
-                <a:latin typeface="Open Sans" panose="020B0606030504020204" pitchFamily="34" charset="0"/>
-              </a:rPr>
-              <a:t> — extends Iterator semantics to take advantage of the list's sequential nature. The </a:t>
-            </a:r>
-            <a:r>
-              <a:rPr lang="en-US" b="0" i="0" dirty="0" err="1">
-                <a:solidFill>
-                  <a:schemeClr val="tx1">
-                    <a:lumMod val="85000"/>
-                  </a:schemeClr>
-                </a:solidFill>
-                <a:effectLst/>
-                <a:latin typeface="Open Sans" panose="020B0606030504020204" pitchFamily="34" charset="0"/>
-              </a:rPr>
-              <a:t>listIterator</a:t>
-            </a:r>
-            <a:r>
-              <a:rPr lang="en-US" b="0" i="0" dirty="0">
-                <a:solidFill>
-                  <a:schemeClr val="tx1">
-                    <a:lumMod val="85000"/>
-                  </a:schemeClr>
-                </a:solidFill>
-                <a:effectLst/>
-                <a:latin typeface="Open Sans" panose="020B0606030504020204" pitchFamily="34" charset="0"/>
-              </a:rPr>
-              <a:t> methods provide this behavior.</a:t>
-            </a:r>
-          </a:p>
-          <a:p>
-            <a:pPr marL="285750" indent="-285750" algn="l">
-              <a:buFont typeface="Arial" panose="020B0604020202020204" pitchFamily="34" charset="0"/>
-              <a:buChar char="•"/>
-            </a:pPr>
-            <a:r>
-              <a:rPr lang="en-US" b="0" i="0" dirty="0">
-                <a:solidFill>
-                  <a:srgbClr val="00B0F0"/>
-                </a:solidFill>
-                <a:effectLst/>
-                <a:latin typeface="Open Sans" panose="020B0606030504020204" pitchFamily="34" charset="0"/>
-              </a:rPr>
-              <a:t>Range-view</a:t>
-            </a:r>
-            <a:r>
-              <a:rPr lang="en-US" b="0" i="0" dirty="0">
-                <a:solidFill>
-                  <a:schemeClr val="tx1">
-                    <a:lumMod val="85000"/>
-                  </a:schemeClr>
-                </a:solidFill>
-                <a:effectLst/>
-                <a:latin typeface="Open Sans" panose="020B0606030504020204" pitchFamily="34" charset="0"/>
-              </a:rPr>
-              <a:t> — The </a:t>
-            </a:r>
-            <a:r>
-              <a:rPr lang="en-US" b="0" i="0" dirty="0" err="1">
-                <a:solidFill>
-                  <a:schemeClr val="tx1">
-                    <a:lumMod val="85000"/>
-                  </a:schemeClr>
-                </a:solidFill>
-                <a:effectLst/>
-                <a:latin typeface="Open Sans" panose="020B0606030504020204" pitchFamily="34" charset="0"/>
-              </a:rPr>
-              <a:t>sublist</a:t>
-            </a:r>
-            <a:r>
-              <a:rPr lang="en-US" b="0" i="0" dirty="0">
-                <a:solidFill>
-                  <a:schemeClr val="tx1">
-                    <a:lumMod val="85000"/>
-                  </a:schemeClr>
-                </a:solidFill>
-                <a:effectLst/>
-                <a:latin typeface="Open Sans" panose="020B0606030504020204" pitchFamily="34" charset="0"/>
-              </a:rPr>
-              <a:t> method performs arbitrary range operations on the list.</a:t>
-            </a:r>
-          </a:p>
-          <a:p>
             <a:pPr algn="l"/>
-            <a:endParaRPr lang="en-US" dirty="0">
-              <a:solidFill>
-                <a:schemeClr val="tx1">
-                  <a:lumMod val="85000"/>
-                </a:schemeClr>
-              </a:solidFill>
-              <a:latin typeface="Open Sans" panose="020B0606030504020204" pitchFamily="34" charset="0"/>
-            </a:endParaRPr>
+            <a:r>
+              <a:rPr lang="en-US" b="0" i="0" dirty="0">
+                <a:solidFill>
+                  <a:schemeClr val="tx1">
+                    <a:lumMod val="85000"/>
+                  </a:schemeClr>
+                </a:solidFill>
+                <a:effectLst/>
+                <a:latin typeface="Open Sans" panose="020B0606030504020204" pitchFamily="34" charset="0"/>
+              </a:rPr>
+              <a:t>Collection is technically an Interface vs a Class </a:t>
+            </a:r>
+            <a:r>
+              <a:rPr lang="en-US" b="0" i="0" dirty="0">
+                <a:solidFill>
+                  <a:schemeClr val="tx1">
+                    <a:lumMod val="85000"/>
+                  </a:schemeClr>
+                </a:solidFill>
+                <a:effectLst/>
+                <a:latin typeface="Open Sans" panose="020B0606030504020204" pitchFamily="34" charset="0"/>
+                <a:sym typeface="Wingdings" panose="05000000000000000000" pitchFamily="2" charset="2"/>
+              </a:rPr>
+              <a:t> </a:t>
+            </a:r>
+            <a:r>
+              <a:rPr lang="en-US" b="0" i="0" dirty="0">
+                <a:solidFill>
+                  <a:schemeClr val="tx1">
+                    <a:lumMod val="85000"/>
+                  </a:schemeClr>
+                </a:solidFill>
+                <a:effectLst/>
+                <a:latin typeface="Open Sans" panose="020B0606030504020204" pitchFamily="34" charset="0"/>
+              </a:rPr>
+              <a:t>Collection Interfaces:  </a:t>
+            </a:r>
+            <a:r>
+              <a:rPr lang="en-US" b="0" i="0" dirty="0">
+                <a:solidFill>
+                  <a:schemeClr val="tx1">
+                    <a:lumMod val="85000"/>
+                  </a:schemeClr>
+                </a:solidFill>
+                <a:effectLst/>
+                <a:latin typeface="Open Sans" panose="020B0606030504020204" pitchFamily="34" charset="0"/>
+                <a:hlinkClick r:id="rId2"/>
+              </a:rPr>
+              <a:t>Set</a:t>
+            </a:r>
+            <a:r>
+              <a:rPr lang="en-US" b="0" i="0" dirty="0">
+                <a:solidFill>
+                  <a:schemeClr val="tx1">
+                    <a:lumMod val="85000"/>
+                  </a:schemeClr>
+                </a:solidFill>
+                <a:effectLst/>
+                <a:latin typeface="Open Sans" panose="020B0606030504020204" pitchFamily="34" charset="0"/>
+              </a:rPr>
+              <a:t>, </a:t>
+            </a:r>
+            <a:r>
+              <a:rPr lang="en-US" b="0" i="0" dirty="0">
+                <a:solidFill>
+                  <a:schemeClr val="tx1">
+                    <a:lumMod val="85000"/>
+                  </a:schemeClr>
+                </a:solidFill>
+                <a:effectLst/>
+                <a:latin typeface="Open Sans" panose="020B0606030504020204" pitchFamily="34" charset="0"/>
+                <a:hlinkClick r:id="rId3"/>
+              </a:rPr>
+              <a:t>List</a:t>
+            </a:r>
+            <a:r>
+              <a:rPr lang="en-US" b="0" i="0" dirty="0">
+                <a:solidFill>
+                  <a:schemeClr val="tx1">
+                    <a:lumMod val="85000"/>
+                  </a:schemeClr>
+                </a:solidFill>
+                <a:effectLst/>
+                <a:latin typeface="Open Sans" panose="020B0606030504020204" pitchFamily="34" charset="0"/>
+              </a:rPr>
+              <a:t>, </a:t>
+            </a:r>
+            <a:r>
+              <a:rPr lang="en-US" b="0" i="0" dirty="0">
+                <a:solidFill>
+                  <a:schemeClr val="tx1">
+                    <a:lumMod val="85000"/>
+                  </a:schemeClr>
+                </a:solidFill>
+                <a:effectLst/>
+                <a:latin typeface="Open Sans" panose="020B0606030504020204" pitchFamily="34" charset="0"/>
+                <a:hlinkClick r:id="rId4"/>
+              </a:rPr>
+              <a:t>Map</a:t>
+            </a:r>
+            <a:r>
+              <a:rPr lang="en-US" b="0" i="0" dirty="0">
+                <a:solidFill>
+                  <a:schemeClr val="tx1">
+                    <a:lumMod val="85000"/>
+                  </a:schemeClr>
+                </a:solidFill>
+                <a:effectLst/>
+                <a:latin typeface="Open Sans" panose="020B0606030504020204" pitchFamily="34" charset="0"/>
+              </a:rPr>
+              <a:t>, and others</a:t>
+            </a:r>
           </a:p>
           <a:p>
             <a:pPr algn="l"/>
@@ -9909,82 +10518,76 @@
                 <a:effectLst/>
                 <a:latin typeface="Open Sans" panose="020B0606030504020204" pitchFamily="34" charset="0"/>
               </a:rPr>
-              <a:t>A List:</a:t>
-            </a:r>
-          </a:p>
-          <a:p>
-            <a:pPr algn="l"/>
-            <a:r>
-              <a:rPr lang="en-US" b="0" i="0" dirty="0">
-                <a:solidFill>
-                  <a:schemeClr val="tx1">
-                    <a:lumMod val="85000"/>
-                  </a:schemeClr>
-                </a:solidFill>
-                <a:effectLst/>
-                <a:latin typeface="Open Sans" panose="020B0606030504020204" pitchFamily="34" charset="0"/>
-              </a:rPr>
-              <a:t>- Is Ordered</a:t>
-            </a:r>
-          </a:p>
-          <a:p>
-            <a:pPr algn="l"/>
-            <a:r>
-              <a:rPr lang="en-US" b="0" i="0" dirty="0">
-                <a:solidFill>
-                  <a:schemeClr val="tx1">
-                    <a:lumMod val="85000"/>
-                  </a:schemeClr>
-                </a:solidFill>
-                <a:effectLst/>
-                <a:latin typeface="Open Sans" panose="020B0606030504020204" pitchFamily="34" charset="0"/>
-              </a:rPr>
-              <a:t>- Preserves Insertion Order</a:t>
-            </a:r>
-          </a:p>
-          <a:p>
-            <a:pPr algn="l"/>
-            <a:r>
-              <a:rPr lang="en-US" b="0" i="0" dirty="0">
-                <a:solidFill>
-                  <a:schemeClr val="tx1">
-                    <a:lumMod val="85000"/>
-                  </a:schemeClr>
-                </a:solidFill>
-                <a:effectLst/>
-                <a:latin typeface="Open Sans" panose="020B0606030504020204" pitchFamily="34" charset="0"/>
-              </a:rPr>
-              <a:t>- Allows Positional Access and Insertion of Items</a:t>
-            </a:r>
-          </a:p>
-          <a:p>
-            <a:pPr algn="l"/>
-            <a:r>
-              <a:rPr lang="en-US" b="0" i="0" dirty="0">
-                <a:solidFill>
-                  <a:schemeClr val="tx1">
-                    <a:lumMod val="85000"/>
-                  </a:schemeClr>
-                </a:solidFill>
-                <a:effectLst/>
-                <a:latin typeface="Open Sans" panose="020B0606030504020204" pitchFamily="34" charset="0"/>
-              </a:rPr>
-              <a:t>- Allows Duplicates</a:t>
-            </a:r>
-          </a:p>
-          <a:p>
-            <a:pPr algn="l"/>
-            <a:r>
-              <a:rPr lang="en-US" b="0" i="0" dirty="0">
-                <a:solidFill>
-                  <a:schemeClr val="tx1">
-                    <a:lumMod val="85000"/>
-                  </a:schemeClr>
-                </a:solidFill>
-                <a:effectLst/>
-                <a:latin typeface="Open Sans" panose="020B0606030504020204" pitchFamily="34" charset="0"/>
-              </a:rPr>
-              <a:t>- Is a Collection of Objects </a:t>
+              <a:t>Collection Implementations:  There are </a:t>
+            </a:r>
+            <a:r>
+              <a:rPr lang="en-US" b="0" i="0" dirty="0">
+                <a:solidFill>
+                  <a:srgbClr val="00B0F0"/>
+                </a:solidFill>
+                <a:effectLst/>
+                <a:latin typeface="Open Sans" panose="020B0606030504020204" pitchFamily="34" charset="0"/>
+              </a:rPr>
+              <a:t>a number of classes provided in Java </a:t>
+            </a:r>
+            <a:r>
+              <a:rPr lang="en-US" b="0" i="0" dirty="0">
+                <a:solidFill>
+                  <a:schemeClr val="tx1">
+                    <a:lumMod val="85000"/>
+                  </a:schemeClr>
+                </a:solidFill>
+                <a:effectLst/>
+                <a:latin typeface="Open Sans" panose="020B0606030504020204" pitchFamily="34" charset="0"/>
+              </a:rPr>
+              <a:t>that are used to </a:t>
+            </a:r>
+            <a:r>
+              <a:rPr lang="en-US" b="0" i="0" dirty="0">
+                <a:solidFill>
+                  <a:srgbClr val="00B0F0"/>
+                </a:solidFill>
+                <a:effectLst/>
+                <a:latin typeface="Open Sans" panose="020B0606030504020204" pitchFamily="34" charset="0"/>
+              </a:rPr>
+              <a:t>implement the Collection Interfaces</a:t>
+            </a:r>
+            <a:r>
+              <a:rPr lang="en-US" b="0" i="0" dirty="0">
+                <a:solidFill>
+                  <a:schemeClr val="tx1">
+                    <a:lumMod val="85000"/>
+                  </a:schemeClr>
+                </a:solidFill>
+                <a:effectLst/>
+                <a:latin typeface="Open Sans" panose="020B0606030504020204" pitchFamily="34" charset="0"/>
+              </a:rPr>
+              <a:t>.   See the </a:t>
+            </a:r>
+            <a:r>
+              <a:rPr lang="en-US" b="0" i="0" dirty="0">
+                <a:solidFill>
+                  <a:schemeClr val="tx1">
+                    <a:lumMod val="85000"/>
+                  </a:schemeClr>
+                </a:solidFill>
+                <a:effectLst/>
+                <a:latin typeface="Open Sans" panose="020B0606030504020204" pitchFamily="34" charset="0"/>
+                <a:hlinkClick r:id="rId5"/>
+              </a:rPr>
+              <a:t>Java Collections Framework Overview</a:t>
+            </a:r>
+            <a:r>
+              <a:rPr lang="en-US" b="0" i="0" dirty="0">
+                <a:solidFill>
+                  <a:schemeClr val="tx1">
+                    <a:lumMod val="85000"/>
+                  </a:schemeClr>
+                </a:solidFill>
+                <a:effectLst/>
+                <a:latin typeface="Open Sans" panose="020B0606030504020204" pitchFamily="34" charset="0"/>
+              </a:rPr>
+              <a:t> link below for additional information on Collection Implementations.</a:t>
             </a:r>
           </a:p>
           <a:p>
@@ -9999,6 +10602,299 @@
               <a:latin typeface="Open Sans" panose="020B0606030504020204" pitchFamily="34" charset="0"/>
             </a:endParaRPr>
           </a:p>
+          <a:p>
+            <a:pPr algn="l"/>
+            <a:r>
+              <a:rPr lang="en-US" b="0" i="0" u="sng" dirty="0">
+                <a:solidFill>
+                  <a:schemeClr val="tx1">
+                    <a:lumMod val="85000"/>
+                  </a:schemeClr>
+                </a:solidFill>
+                <a:effectLst/>
+                <a:latin typeface="Open Sans" panose="020B0606030504020204" pitchFamily="34" charset="0"/>
+              </a:rPr>
+              <a:t>Interface --&gt; Implementations</a:t>
+            </a:r>
+          </a:p>
+          <a:p>
+            <a:pPr algn="l"/>
+            <a:r>
+              <a:rPr lang="en-US" b="0" i="0" dirty="0">
+                <a:solidFill>
+                  <a:schemeClr val="tx1">
+                    <a:lumMod val="85000"/>
+                  </a:schemeClr>
+                </a:solidFill>
+                <a:effectLst/>
+                <a:latin typeface="Open Sans" panose="020B0606030504020204" pitchFamily="34" charset="0"/>
+              </a:rPr>
+              <a:t>Set --&gt; HashSet, </a:t>
+            </a:r>
+            <a:r>
+              <a:rPr lang="en-US" b="0" i="0" dirty="0" err="1">
+                <a:solidFill>
+                  <a:schemeClr val="tx1">
+                    <a:lumMod val="85000"/>
+                  </a:schemeClr>
+                </a:solidFill>
+                <a:effectLst/>
+                <a:latin typeface="Open Sans" panose="020B0606030504020204" pitchFamily="34" charset="0"/>
+              </a:rPr>
+              <a:t>TreeSet</a:t>
+            </a:r>
+            <a:r>
+              <a:rPr lang="en-US" b="0" i="0" dirty="0">
+                <a:solidFill>
+                  <a:schemeClr val="tx1">
+                    <a:lumMod val="85000"/>
+                  </a:schemeClr>
+                </a:solidFill>
+                <a:effectLst/>
+                <a:latin typeface="Open Sans" panose="020B0606030504020204" pitchFamily="34" charset="0"/>
+              </a:rPr>
+              <a:t>, </a:t>
+            </a:r>
+            <a:r>
+              <a:rPr lang="en-US" b="0" i="0" dirty="0" err="1">
+                <a:solidFill>
+                  <a:schemeClr val="tx1">
+                    <a:lumMod val="85000"/>
+                  </a:schemeClr>
+                </a:solidFill>
+                <a:effectLst/>
+                <a:latin typeface="Open Sans" panose="020B0606030504020204" pitchFamily="34" charset="0"/>
+              </a:rPr>
+              <a:t>LinkedHashSet</a:t>
+            </a:r>
+            <a:endParaRPr lang="en-US" b="0" i="0" dirty="0">
+              <a:solidFill>
+                <a:schemeClr val="tx1">
+                  <a:lumMod val="85000"/>
+                </a:schemeClr>
+              </a:solidFill>
+              <a:effectLst/>
+              <a:latin typeface="Open Sans" panose="020B0606030504020204" pitchFamily="34" charset="0"/>
+            </a:endParaRPr>
+          </a:p>
+          <a:p>
+            <a:pPr algn="l"/>
+            <a:r>
+              <a:rPr lang="en-US" b="0" i="0" dirty="0">
+                <a:solidFill>
+                  <a:schemeClr val="tx1">
+                    <a:lumMod val="85000"/>
+                  </a:schemeClr>
+                </a:solidFill>
+                <a:effectLst/>
+                <a:latin typeface="Open Sans" panose="020B0606030504020204" pitchFamily="34" charset="0"/>
+              </a:rPr>
+              <a:t>List --&gt; </a:t>
+            </a:r>
+            <a:r>
+              <a:rPr lang="en-US" b="0" i="0" dirty="0" err="1">
+                <a:solidFill>
+                  <a:schemeClr val="tx1">
+                    <a:lumMod val="85000"/>
+                  </a:schemeClr>
+                </a:solidFill>
+                <a:effectLst/>
+                <a:latin typeface="Open Sans" panose="020B0606030504020204" pitchFamily="34" charset="0"/>
+              </a:rPr>
+              <a:t>ArrayList</a:t>
+            </a:r>
+            <a:r>
+              <a:rPr lang="en-US" b="0" i="0" dirty="0">
+                <a:solidFill>
+                  <a:schemeClr val="tx1">
+                    <a:lumMod val="85000"/>
+                  </a:schemeClr>
+                </a:solidFill>
+                <a:effectLst/>
+                <a:latin typeface="Open Sans" panose="020B0606030504020204" pitchFamily="34" charset="0"/>
+              </a:rPr>
+              <a:t>, LinkedList</a:t>
+            </a:r>
+          </a:p>
+          <a:p>
+            <a:pPr algn="l"/>
+            <a:r>
+              <a:rPr lang="en-US" b="0" i="0" dirty="0">
+                <a:solidFill>
+                  <a:schemeClr val="tx1">
+                    <a:lumMod val="85000"/>
+                  </a:schemeClr>
+                </a:solidFill>
+                <a:effectLst/>
+                <a:latin typeface="Open Sans" panose="020B0606030504020204" pitchFamily="34" charset="0"/>
+              </a:rPr>
+              <a:t>Map --&gt; HashMap, </a:t>
+            </a:r>
+            <a:r>
+              <a:rPr lang="en-US" b="0" i="0" dirty="0" err="1">
+                <a:solidFill>
+                  <a:schemeClr val="tx1">
+                    <a:lumMod val="85000"/>
+                  </a:schemeClr>
+                </a:solidFill>
+                <a:effectLst/>
+                <a:latin typeface="Open Sans" panose="020B0606030504020204" pitchFamily="34" charset="0"/>
+              </a:rPr>
+              <a:t>TreeMap</a:t>
+            </a:r>
+            <a:r>
+              <a:rPr lang="en-US" b="0" i="0" dirty="0">
+                <a:solidFill>
+                  <a:schemeClr val="tx1">
+                    <a:lumMod val="85000"/>
+                  </a:schemeClr>
+                </a:solidFill>
+                <a:effectLst/>
+                <a:latin typeface="Open Sans" panose="020B0606030504020204" pitchFamily="34" charset="0"/>
+              </a:rPr>
+              <a:t>, </a:t>
+            </a:r>
+            <a:r>
+              <a:rPr lang="en-US" b="0" i="0" dirty="0" err="1">
+                <a:solidFill>
+                  <a:schemeClr val="tx1">
+                    <a:lumMod val="85000"/>
+                  </a:schemeClr>
+                </a:solidFill>
+                <a:effectLst/>
+                <a:latin typeface="Open Sans" panose="020B0606030504020204" pitchFamily="34" charset="0"/>
+              </a:rPr>
+              <a:t>LinkedHashMap</a:t>
+            </a:r>
+            <a:endParaRPr lang="en-US" b="0" i="0" dirty="0">
+              <a:solidFill>
+                <a:schemeClr val="tx1">
+                  <a:lumMod val="85000"/>
+                </a:schemeClr>
+              </a:solidFill>
+              <a:effectLst/>
+              <a:latin typeface="Open Sans" panose="020B0606030504020204" pitchFamily="34" charset="0"/>
+            </a:endParaRPr>
+          </a:p>
+          <a:p>
+            <a:pPr algn="l"/>
+            <a:endParaRPr lang="en-US" dirty="0">
+              <a:solidFill>
+                <a:schemeClr val="tx1">
+                  <a:lumMod val="85000"/>
+                </a:schemeClr>
+              </a:solidFill>
+              <a:latin typeface="Open Sans" panose="020B0606030504020204" pitchFamily="34" charset="0"/>
+            </a:endParaRPr>
+          </a:p>
+          <a:p>
+            <a:pPr algn="l"/>
+            <a:r>
+              <a:rPr lang="en-US" b="0" i="0" dirty="0">
+                <a:solidFill>
+                  <a:schemeClr val="tx1">
+                    <a:lumMod val="85000"/>
+                  </a:schemeClr>
+                </a:solidFill>
+                <a:effectLst/>
+                <a:latin typeface="Open Sans" panose="020B0606030504020204" pitchFamily="34" charset="0"/>
+              </a:rPr>
+              <a:t>The </a:t>
+            </a:r>
+            <a:r>
+              <a:rPr lang="en-US" b="0" i="0" dirty="0">
+                <a:solidFill>
+                  <a:schemeClr val="tx1">
+                    <a:lumMod val="85000"/>
+                  </a:schemeClr>
+                </a:solidFill>
+                <a:effectLst/>
+                <a:latin typeface="Open Sans" panose="020B0606030504020204" pitchFamily="34" charset="0"/>
+                <a:hlinkClick r:id="rId6"/>
+              </a:rPr>
+              <a:t>Collections Class</a:t>
+            </a:r>
+            <a:r>
+              <a:rPr lang="en-US" b="0" i="0" dirty="0">
+                <a:solidFill>
+                  <a:schemeClr val="tx1">
+                    <a:lumMod val="85000"/>
+                  </a:schemeClr>
+                </a:solidFill>
+                <a:effectLst/>
+                <a:latin typeface="Open Sans" panose="020B0606030504020204" pitchFamily="34" charset="0"/>
+              </a:rPr>
+              <a:t> contains static methods that either </a:t>
+            </a:r>
+            <a:r>
+              <a:rPr lang="en-US" b="0" i="0" dirty="0">
+                <a:solidFill>
+                  <a:srgbClr val="00B0F0"/>
+                </a:solidFill>
+                <a:effectLst/>
+                <a:latin typeface="Open Sans" panose="020B0606030504020204" pitchFamily="34" charset="0"/>
+              </a:rPr>
+              <a:t>return collections </a:t>
+            </a:r>
+            <a:r>
+              <a:rPr lang="en-US" b="0" i="0" dirty="0">
+                <a:solidFill>
+                  <a:schemeClr val="tx1">
+                    <a:lumMod val="85000"/>
+                  </a:schemeClr>
+                </a:solidFill>
+                <a:effectLst/>
+                <a:latin typeface="Open Sans" panose="020B0606030504020204" pitchFamily="34" charset="0"/>
+              </a:rPr>
+              <a:t>or </a:t>
+            </a:r>
+            <a:r>
+              <a:rPr lang="en-US" b="0" i="0" dirty="0">
+                <a:solidFill>
+                  <a:srgbClr val="00B0F0"/>
+                </a:solidFill>
+                <a:effectLst/>
+                <a:latin typeface="Open Sans" panose="020B0606030504020204" pitchFamily="34" charset="0"/>
+              </a:rPr>
+              <a:t>perform some operation on collections</a:t>
+            </a:r>
+            <a:r>
+              <a:rPr lang="en-US" b="0" i="0" dirty="0">
+                <a:solidFill>
+                  <a:schemeClr val="tx1">
+                    <a:lumMod val="85000"/>
+                  </a:schemeClr>
+                </a:solidFill>
+                <a:effectLst/>
+                <a:latin typeface="Open Sans" panose="020B0606030504020204" pitchFamily="34" charset="0"/>
+              </a:rPr>
+              <a:t>.  A </a:t>
+            </a:r>
+            <a:r>
+              <a:rPr lang="en-US" b="0" i="0" dirty="0" err="1">
+                <a:solidFill>
+                  <a:schemeClr val="tx1">
+                    <a:lumMod val="85000"/>
+                  </a:schemeClr>
+                </a:solidFill>
+                <a:effectLst/>
+                <a:latin typeface="Open Sans" panose="020B0606030504020204" pitchFamily="34" charset="0"/>
+              </a:rPr>
+              <a:t>NullPointerException</a:t>
+            </a:r>
+            <a:r>
+              <a:rPr lang="en-US" b="0" i="0" dirty="0">
+                <a:solidFill>
+                  <a:schemeClr val="tx1">
+                    <a:lumMod val="85000"/>
+                  </a:schemeClr>
+                </a:solidFill>
+                <a:effectLst/>
+                <a:latin typeface="Open Sans" panose="020B0606030504020204" pitchFamily="34" charset="0"/>
+              </a:rPr>
+              <a:t> is thrown by all methods of this class if the collections or Class Objects provided are null.  </a:t>
+            </a:r>
+          </a:p>
         </p:txBody>
       </p:sp>
       <p:sp>
@@ -10006,7 +10902,7 @@
           <p:cNvPr id="5" name="TextBox 4">
             <a:extLst>
               <a:ext uri="{FF2B5EF4-FFF2-40B4-BE49-F238E27FC236}">
-                <a16:creationId xmlns:a16="http://schemas.microsoft.com/office/drawing/2014/main" id="{468397A7-672B-24AB-3F61-0F9A073389EE}"/>
+                <a16:creationId xmlns:a16="http://schemas.microsoft.com/office/drawing/2014/main" id="{983625D7-1156-1D51-0A49-6B0357B75EF4}"/>
               </a:ext>
             </a:extLst>
           </p:cNvPr>
@@ -10015,8 +10911,8 @@
         </p:nvSpPr>
         <p:spPr>
           <a:xfrm>
-            <a:off x="2961010" y="6379975"/>
-            <a:ext cx="9146796" cy="369332"/>
+            <a:off x="5454942" y="6396753"/>
+            <a:ext cx="6652864" cy="369332"/>
           </a:xfrm>
           <a:prstGeom prst="rect">
             <a:avLst/>
@@ -10031,9 +10927,47 @@
           <a:p>
             <a:r>
               <a:rPr lang="en-US" dirty="0">
-                <a:hlinkClick r:id="rId2"/>
-              </a:rPr>
-              <a:t>https://github.com/ckiefriter1/Java-Code-Examples/blob/main/src/collections/ListExample.java</a:t>
+                <a:hlinkClick r:id="rId7"/>
+              </a:rPr>
+              <a:t>https://docs.oracle.com/javase/8/docs/api/java/util/Collection.html</a:t>
+            </a:r>
+            <a:endParaRPr lang="en-US" dirty="0"/>
+          </a:p>
+        </p:txBody>
+      </p:sp>
+      <p:sp>
+        <p:nvSpPr>
+          <p:cNvPr id="9" name="TextBox 8">
+            <a:extLst>
+              <a:ext uri="{FF2B5EF4-FFF2-40B4-BE49-F238E27FC236}">
+                <a16:creationId xmlns:a16="http://schemas.microsoft.com/office/drawing/2014/main" id="{E3EBAC68-1411-42B9-71E1-6CD3E49066B5}"/>
+              </a:ext>
+            </a:extLst>
+          </p:cNvPr>
+          <p:cNvSpPr txBox="1"/>
+          <p:nvPr/>
+        </p:nvSpPr>
+        <p:spPr>
+          <a:xfrm>
+            <a:off x="2451683" y="6027421"/>
+            <a:ext cx="9938856" cy="369332"/>
+          </a:xfrm>
+          <a:prstGeom prst="rect">
+            <a:avLst/>
+          </a:prstGeom>
+          <a:noFill/>
+        </p:spPr>
+        <p:txBody>
+          <a:bodyPr wrap="square">
+            <a:spAutoFit/>
+          </a:bodyPr>
+          <a:lstStyle/>
+          <a:p>
+            <a:r>
+              <a:rPr lang="en-US" dirty="0">
+                <a:hlinkClick r:id="rId5"/>
+              </a:rPr>
+              <a:t>https://docs.oracle.com/en/java/javase/17/docs/api/java.base/java/util/doc-files/coll-overview.html</a:t>
             </a:r>
             <a:endParaRPr lang="en-US" dirty="0"/>
           </a:p>
@@ -10042,7 +10976,7 @@
     </p:spTree>
     <p:extLst>
       <p:ext uri="{BB962C8B-B14F-4D97-AF65-F5344CB8AC3E}">
-        <p14:creationId xmlns:p14="http://schemas.microsoft.com/office/powerpoint/2010/main" val="2491041013"/>
+        <p14:creationId xmlns:p14="http://schemas.microsoft.com/office/powerpoint/2010/main" val="976671966"/>
       </p:ext>
     </p:extLst>
   </p:cSld>
@@ -10105,7 +11039,7 @@
                 </a:solidFill>
                 <a:latin typeface="Open Sans" panose="020B0606030504020204" pitchFamily="34" charset="0"/>
               </a:rPr>
-              <a:t>Sets</a:t>
+              <a:t>Lists</a:t>
             </a:r>
             <a:endParaRPr lang="en-US" sz="2400" b="1" dirty="0">
               <a:solidFill>
@@ -10131,8 +11065,8 @@
         </p:nvSpPr>
         <p:spPr>
           <a:xfrm>
-            <a:off x="193251" y="624665"/>
-            <a:ext cx="11931637" cy="3416320"/>
+            <a:off x="176169" y="465956"/>
+            <a:ext cx="11931637" cy="5724644"/>
           </a:xfrm>
           <a:prstGeom prst="rect">
             <a:avLst/>
@@ -10156,7 +11090,7 @@
                 <a:effectLst/>
                 <a:latin typeface="Open Sans" panose="020B0606030504020204" pitchFamily="34" charset="0"/>
               </a:rPr>
-              <a:t>A </a:t>
+              <a:t>Lists are used to "collect"  elements.   By creating a List, you can </a:t>
             </a:r>
             <a:r>
               <a:rPr lang="en-US" b="0" i="0" dirty="0">
@@ -10166,29 +11100,74 @@
                 <a:effectLst/>
                 <a:latin typeface="Open Sans" panose="020B0606030504020204" pitchFamily="34" charset="0"/>
               </a:rPr>
-              <a:t>Set is a Collection that cannot contain duplicate elements</a:t>
-            </a:r>
-            <a:r>
-              <a:rPr lang="en-US" b="0" i="0" dirty="0">
-                <a:solidFill>
-                  <a:schemeClr val="tx1">
-                    <a:lumMod val="85000"/>
-                  </a:schemeClr>
-                </a:solidFill>
-                <a:effectLst/>
-                <a:latin typeface="Open Sans" panose="020B0606030504020204" pitchFamily="34" charset="0"/>
-              </a:rPr>
-              <a:t>. It models the mathematical set abstraction. The Set interface contains only methods inherited from Collection and adds the restriction that duplicate elements are prohibited.</a:t>
+              <a:t>store any number of elements</a:t>
+            </a:r>
+            <a:r>
+              <a:rPr lang="en-US" b="0" i="0" dirty="0">
+                <a:solidFill>
+                  <a:schemeClr val="tx1">
+                    <a:lumMod val="85000"/>
+                  </a:schemeClr>
+                </a:solidFill>
+                <a:effectLst/>
+                <a:latin typeface="Open Sans" panose="020B0606030504020204" pitchFamily="34" charset="0"/>
+              </a:rPr>
+              <a:t>,  </a:t>
+            </a:r>
+            <a:r>
+              <a:rPr lang="en-US" b="0" i="0" dirty="0">
+                <a:solidFill>
+                  <a:srgbClr val="00B0F0"/>
+                </a:solidFill>
+                <a:effectLst/>
+                <a:latin typeface="Open Sans" panose="020B0606030504020204" pitchFamily="34" charset="0"/>
+              </a:rPr>
+              <a:t>dynamically modifying the List</a:t>
+            </a:r>
+            <a:r>
+              <a:rPr lang="en-US" b="0" i="0" dirty="0">
+                <a:solidFill>
+                  <a:schemeClr val="tx1">
+                    <a:lumMod val="85000"/>
+                  </a:schemeClr>
+                </a:solidFill>
+                <a:effectLst/>
+                <a:latin typeface="Open Sans" panose="020B0606030504020204" pitchFamily="34" charset="0"/>
+              </a:rPr>
+              <a:t>, and the location of each item is managed by the List.  Each element is accessible through a </a:t>
+            </a:r>
+            <a:r>
+              <a:rPr lang="en-US" b="0" i="0" dirty="0">
+                <a:solidFill>
+                  <a:srgbClr val="00B0F0"/>
+                </a:solidFill>
+                <a:effectLst/>
+                <a:latin typeface="Open Sans" panose="020B0606030504020204" pitchFamily="34" charset="0"/>
+              </a:rPr>
+              <a:t>variable that you declare as a List</a:t>
+            </a:r>
+            <a:r>
+              <a:rPr lang="en-US" b="0" i="0" dirty="0">
+                <a:solidFill>
+                  <a:schemeClr val="tx1">
+                    <a:lumMod val="85000"/>
+                  </a:schemeClr>
+                </a:solidFill>
+                <a:effectLst/>
+                <a:latin typeface="Open Sans" panose="020B0606030504020204" pitchFamily="34" charset="0"/>
+              </a:rPr>
+              <a:t>.</a:t>
             </a:r>
           </a:p>
           <a:p>
             <a:pPr algn="l"/>
-            <a:endParaRPr lang="en-US" dirty="0">
+            <a:endParaRPr lang="en-US" b="0" i="0" dirty="0">
               <a:solidFill>
                 <a:schemeClr val="tx1">
                   <a:lumMod val="85000"/>
                 </a:schemeClr>
               </a:solidFill>
+              <a:effectLst/>
               <a:latin typeface="Open Sans" panose="020B0606030504020204" pitchFamily="34" charset="0"/>
             </a:endParaRPr>
           </a:p>
@@ -10204,7 +11183,7 @@
                 <a:effectLst/>
                 <a:latin typeface="Open Sans" panose="020B0606030504020204" pitchFamily="34" charset="0"/>
               </a:rPr>
-              <a:t>The Java platform </a:t>
+              <a:t>A List in Java is an </a:t>
             </a:r>
             <a:r>
               <a:rPr lang="en-US" b="0" i="0" dirty="0">
@@ -10214,7 +11193,29 @@
                 <a:effectLst/>
                 <a:latin typeface="Open Sans" panose="020B0606030504020204" pitchFamily="34" charset="0"/>
               </a:rPr>
-              <a:t>contains three general-purpose Set implementations: HashSet, </a:t>
+              <a:t>Interface</a:t>
+            </a:r>
+            <a:r>
+              <a:rPr lang="en-US" b="0" i="0" dirty="0">
+                <a:solidFill>
+                  <a:schemeClr val="tx1">
+                    <a:lumMod val="85000"/>
+                  </a:schemeClr>
+                </a:solidFill>
+                <a:effectLst/>
+                <a:latin typeface="Open Sans" panose="020B0606030504020204" pitchFamily="34" charset="0"/>
+              </a:rPr>
+              <a:t>.   To use a List in Java, you </a:t>
+            </a:r>
+            <a:r>
+              <a:rPr lang="en-US" b="0" i="0" dirty="0">
+                <a:solidFill>
+                  <a:srgbClr val="00B0F0"/>
+                </a:solidFill>
+                <a:effectLst/>
+                <a:latin typeface="Open Sans" panose="020B0606030504020204" pitchFamily="34" charset="0"/>
+              </a:rPr>
+              <a:t>will import the </a:t>
             </a:r>
             <a:r>
               <a:rPr lang="en-US" b="0" i="0" dirty="0" err="1">
@@ -10224,7 +11225,7 @@
                 <a:effectLst/>
                 <a:latin typeface="Open Sans" panose="020B0606030504020204" pitchFamily="34" charset="0"/>
               </a:rPr>
-              <a:t>TreeSet</a:t>
+              <a:t>java.util</a:t>
             </a:r>
             <a:r>
               <a:rPr lang="en-US" b="0" i="0" dirty="0">
@@ -10234,7 +11235,29 @@
                 <a:effectLst/>
                 <a:latin typeface="Open Sans" panose="020B0606030504020204" pitchFamily="34" charset="0"/>
               </a:rPr>
-              <a:t>, and </a:t>
+              <a:t> </a:t>
+            </a:r>
+            <a:r>
+              <a:rPr lang="en-US" b="0" i="0" dirty="0">
+                <a:solidFill>
+                  <a:schemeClr val="tx1">
+                    <a:lumMod val="85000"/>
+                  </a:schemeClr>
+                </a:solidFill>
+                <a:effectLst/>
+                <a:latin typeface="Open Sans" panose="020B0606030504020204" pitchFamily="34" charset="0"/>
+              </a:rPr>
+              <a:t>library, and a List will need to be declared and initialized.  A List is often </a:t>
+            </a:r>
+            <a:r>
+              <a:rPr lang="en-US" b="0" i="0" dirty="0">
+                <a:solidFill>
+                  <a:srgbClr val="00B0F0"/>
+                </a:solidFill>
+                <a:effectLst/>
+                <a:latin typeface="Open Sans" panose="020B0606030504020204" pitchFamily="34" charset="0"/>
+              </a:rPr>
+              <a:t>implemented by the </a:t>
             </a:r>
             <a:r>
               <a:rPr lang="en-US" b="0" i="0" dirty="0" err="1">
@@ -10244,19 +11267,7 @@
                 <a:effectLst/>
                 <a:latin typeface="Open Sans" panose="020B0606030504020204" pitchFamily="34" charset="0"/>
               </a:rPr>
-              <a:t>LinkedHashSet</a:t>
-            </a:r>
-            <a:r>
-              <a:rPr lang="en-US" b="0" i="0" dirty="0">
-                <a:solidFill>
-                  <a:schemeClr val="tx1">
-                    <a:lumMod val="85000"/>
-                  </a:schemeClr>
-                </a:solidFill>
-                <a:effectLst/>
-                <a:latin typeface="Open Sans" panose="020B0606030504020204" pitchFamily="34" charset="0"/>
-              </a:rPr>
-              <a:t>. </a:t>
+              <a:t>ArrayList</a:t>
             </a:r>
             <a:r>
               <a:rPr lang="en-US" b="0" i="0" dirty="0">
@@ -10266,46 +11277,328 @@
                 <a:effectLst/>
                 <a:latin typeface="Open Sans" panose="020B0606030504020204" pitchFamily="34" charset="0"/>
               </a:rPr>
-              <a:t>HashSet</a:t>
-            </a:r>
-            <a:r>
-              <a:rPr lang="en-US" b="0" i="0" dirty="0">
-                <a:solidFill>
-                  <a:schemeClr val="tx1">
-                    <a:lumMod val="85000"/>
-                  </a:schemeClr>
-                </a:solidFill>
-                <a:effectLst/>
-                <a:latin typeface="Open Sans" panose="020B0606030504020204" pitchFamily="34" charset="0"/>
-              </a:rPr>
-              <a:t>, which stores its elements in a hash table, is the best-performing implementation; however it makes no guarantees concerning the order of iteration.</a:t>
+              <a:t> class</a:t>
+            </a:r>
+            <a:r>
+              <a:rPr lang="en-US" b="0" i="0" dirty="0">
+                <a:solidFill>
+                  <a:schemeClr val="tx1">
+                    <a:lumMod val="85000"/>
+                  </a:schemeClr>
+                </a:solidFill>
+                <a:effectLst/>
+                <a:latin typeface="Open Sans" panose="020B0606030504020204" pitchFamily="34" charset="0"/>
+              </a:rPr>
+              <a:t>, but can also be implemented by one of these classes:  </a:t>
+            </a:r>
+            <a:r>
+              <a:rPr lang="en-US" b="0" i="0" dirty="0">
+                <a:solidFill>
+                  <a:srgbClr val="00B0F0"/>
+                </a:solidFill>
+                <a:effectLst/>
+                <a:latin typeface="Open Sans" panose="020B0606030504020204" pitchFamily="34" charset="0"/>
+              </a:rPr>
+              <a:t>LinkedList, Vector and Stack</a:t>
+            </a:r>
+            <a:r>
+              <a:rPr lang="en-US" b="0" i="0" dirty="0">
+                <a:solidFill>
+                  <a:schemeClr val="tx1">
+                    <a:lumMod val="85000"/>
+                  </a:schemeClr>
+                </a:solidFill>
+                <a:effectLst/>
+                <a:latin typeface="Open Sans" panose="020B0606030504020204" pitchFamily="34" charset="0"/>
+              </a:rPr>
+              <a:t>.  If you choose </a:t>
+            </a:r>
+            <a:r>
+              <a:rPr lang="en-US" b="0" i="0" dirty="0" err="1">
+                <a:solidFill>
+                  <a:schemeClr val="tx1">
+                    <a:lumMod val="85000"/>
+                  </a:schemeClr>
+                </a:solidFill>
+                <a:effectLst/>
+                <a:latin typeface="Open Sans" panose="020B0606030504020204" pitchFamily="34" charset="0"/>
+              </a:rPr>
+              <a:t>ArrayList</a:t>
+            </a:r>
+            <a:r>
+              <a:rPr lang="en-US" b="0" i="0" dirty="0">
+                <a:solidFill>
+                  <a:schemeClr val="tx1">
+                    <a:lumMod val="85000"/>
+                  </a:schemeClr>
+                </a:solidFill>
+                <a:effectLst/>
+                <a:latin typeface="Open Sans" panose="020B0606030504020204" pitchFamily="34" charset="0"/>
+              </a:rPr>
+              <a:t>,  you will also have to </a:t>
+            </a:r>
+            <a:r>
+              <a:rPr lang="en-US" b="0" i="0" dirty="0">
+                <a:solidFill>
+                  <a:srgbClr val="00B0F0"/>
+                </a:solidFill>
+                <a:effectLst/>
+                <a:latin typeface="Open Sans" panose="020B0606030504020204" pitchFamily="34" charset="0"/>
+              </a:rPr>
+              <a:t>import </a:t>
+            </a:r>
+            <a:r>
+              <a:rPr lang="en-US" b="0" i="0" dirty="0" err="1">
+                <a:solidFill>
+                  <a:srgbClr val="00B0F0"/>
+                </a:solidFill>
+                <a:effectLst/>
+                <a:latin typeface="Open Sans" panose="020B0606030504020204" pitchFamily="34" charset="0"/>
+              </a:rPr>
+              <a:t>ArrayList</a:t>
+            </a:r>
+            <a:r>
+              <a:rPr lang="en-US" b="0" i="0" dirty="0">
+                <a:solidFill>
+                  <a:srgbClr val="00B0F0"/>
+                </a:solidFill>
+                <a:effectLst/>
+                <a:latin typeface="Open Sans" panose="020B0606030504020204" pitchFamily="34" charset="0"/>
+              </a:rPr>
+              <a:t> from </a:t>
+            </a:r>
+            <a:r>
+              <a:rPr lang="en-US" b="0" i="0" dirty="0" err="1">
+                <a:solidFill>
+                  <a:srgbClr val="00B0F0"/>
+                </a:solidFill>
+                <a:effectLst/>
+                <a:latin typeface="Open Sans" panose="020B0606030504020204" pitchFamily="34" charset="0"/>
+              </a:rPr>
+              <a:t>java.util</a:t>
+            </a:r>
+            <a:r>
+              <a:rPr lang="en-US" b="0" i="0" dirty="0">
+                <a:solidFill>
+                  <a:schemeClr val="tx1">
+                    <a:lumMod val="85000"/>
+                  </a:schemeClr>
+                </a:solidFill>
+                <a:effectLst/>
+                <a:latin typeface="Open Sans" panose="020B0606030504020204" pitchFamily="34" charset="0"/>
+              </a:rPr>
+              <a:t>.</a:t>
             </a:r>
           </a:p>
           <a:p>
             <a:pPr algn="l"/>
-            <a:endParaRPr lang="en-US" dirty="0">
+            <a:r>
+              <a:rPr lang="en-US" b="0" i="0" dirty="0">
+                <a:solidFill>
+                  <a:schemeClr val="tx1">
+                    <a:lumMod val="85000"/>
+                  </a:schemeClr>
+                </a:solidFill>
+                <a:effectLst/>
+                <a:latin typeface="Open Sans" panose="020B0606030504020204" pitchFamily="34" charset="0"/>
+              </a:rPr>
+              <a:t>Example declaring a List of String:</a:t>
+            </a:r>
+          </a:p>
+          <a:p>
+            <a:pPr algn="l"/>
+            <a:endParaRPr lang="en-US" b="0" i="0" dirty="0">
               <a:solidFill>
                 <a:schemeClr val="tx1">
                   <a:lumMod val="85000"/>
                 </a:schemeClr>
               </a:solidFill>
+              <a:effectLst/>
               <a:latin typeface="Open Sans" panose="020B0606030504020204" pitchFamily="34" charset="0"/>
             </a:endParaRPr>
           </a:p>
           <a:p>
+            <a:pPr lvl="1"/>
+            <a:r>
+              <a:rPr lang="en-US" sz="1200" b="0" i="0" dirty="0">
+                <a:solidFill>
+                  <a:schemeClr val="tx1">
+                    <a:lumMod val="85000"/>
+                  </a:schemeClr>
+                </a:solidFill>
+                <a:effectLst/>
+                <a:latin typeface="Open Sans" panose="020B0606030504020204" pitchFamily="34" charset="0"/>
+              </a:rPr>
+              <a:t>List&lt;String&gt; </a:t>
+            </a:r>
+            <a:r>
+              <a:rPr lang="en-US" sz="1200" b="0" i="0" dirty="0" err="1">
+                <a:solidFill>
+                  <a:schemeClr val="tx1">
+                    <a:lumMod val="85000"/>
+                  </a:schemeClr>
+                </a:solidFill>
+                <a:effectLst/>
+                <a:latin typeface="Open Sans" panose="020B0606030504020204" pitchFamily="34" charset="0"/>
+              </a:rPr>
+              <a:t>myInstruments</a:t>
+            </a:r>
+            <a:r>
+              <a:rPr lang="en-US" sz="1200" b="0" i="0" dirty="0">
+                <a:solidFill>
+                  <a:schemeClr val="tx1">
+                    <a:lumMod val="85000"/>
+                  </a:schemeClr>
+                </a:solidFill>
+                <a:effectLst/>
+                <a:latin typeface="Open Sans" panose="020B0606030504020204" pitchFamily="34" charset="0"/>
+              </a:rPr>
+              <a:t> = new </a:t>
+            </a:r>
+            <a:r>
+              <a:rPr lang="en-US" sz="1200" b="0" i="0" dirty="0" err="1">
+                <a:solidFill>
+                  <a:schemeClr val="tx1">
+                    <a:lumMod val="85000"/>
+                  </a:schemeClr>
+                </a:solidFill>
+                <a:effectLst/>
+                <a:latin typeface="Open Sans" panose="020B0606030504020204" pitchFamily="34" charset="0"/>
+              </a:rPr>
+              <a:t>ArrayList</a:t>
+            </a:r>
+            <a:r>
+              <a:rPr lang="en-US" sz="1200" b="0" i="0" dirty="0">
+                <a:solidFill>
+                  <a:schemeClr val="tx1">
+                    <a:lumMod val="85000"/>
+                  </a:schemeClr>
+                </a:solidFill>
+                <a:effectLst/>
+                <a:latin typeface="Open Sans" panose="020B0606030504020204" pitchFamily="34" charset="0"/>
+              </a:rPr>
+              <a:t>&lt;String&gt;();</a:t>
+            </a:r>
+          </a:p>
+          <a:p>
+            <a:pPr lvl="1"/>
+            <a:r>
+              <a:rPr lang="en-US" sz="1200" b="0" i="0" dirty="0" err="1">
+                <a:solidFill>
+                  <a:schemeClr val="tx1">
+                    <a:lumMod val="85000"/>
+                  </a:schemeClr>
+                </a:solidFill>
+                <a:effectLst/>
+                <a:latin typeface="Open Sans" panose="020B0606030504020204" pitchFamily="34" charset="0"/>
+              </a:rPr>
+              <a:t>myInstruments.add</a:t>
+            </a:r>
+            <a:r>
+              <a:rPr lang="en-US" sz="1200" b="0" i="0" dirty="0">
+                <a:solidFill>
+                  <a:schemeClr val="tx1">
+                    <a:lumMod val="85000"/>
+                  </a:schemeClr>
+                </a:solidFill>
+                <a:effectLst/>
+                <a:latin typeface="Open Sans" panose="020B0606030504020204" pitchFamily="34" charset="0"/>
+              </a:rPr>
+              <a:t>("Tuba");</a:t>
+            </a:r>
+          </a:p>
+          <a:p>
+            <a:pPr lvl="1"/>
+            <a:r>
+              <a:rPr lang="en-US" sz="1200" b="0" i="0" dirty="0" err="1">
+                <a:solidFill>
+                  <a:schemeClr val="tx1">
+                    <a:lumMod val="85000"/>
+                  </a:schemeClr>
+                </a:solidFill>
+                <a:effectLst/>
+                <a:latin typeface="Open Sans" panose="020B0606030504020204" pitchFamily="34" charset="0"/>
+              </a:rPr>
+              <a:t>myInstruments.add</a:t>
+            </a:r>
+            <a:r>
+              <a:rPr lang="en-US" sz="1200" b="0" i="0" dirty="0">
+                <a:solidFill>
+                  <a:schemeClr val="tx1">
+                    <a:lumMod val="85000"/>
+                  </a:schemeClr>
+                </a:solidFill>
+                <a:effectLst/>
+                <a:latin typeface="Open Sans" panose="020B0606030504020204" pitchFamily="34" charset="0"/>
+              </a:rPr>
+              <a:t>("Trombone");</a:t>
+            </a:r>
+          </a:p>
+          <a:p>
+            <a:pPr lvl="1"/>
+            <a:r>
+              <a:rPr lang="en-US" sz="1200" b="0" i="0" dirty="0" err="1">
+                <a:solidFill>
+                  <a:schemeClr val="tx1">
+                    <a:lumMod val="85000"/>
+                  </a:schemeClr>
+                </a:solidFill>
+                <a:effectLst/>
+                <a:latin typeface="Open Sans" panose="020B0606030504020204" pitchFamily="34" charset="0"/>
+              </a:rPr>
+              <a:t>myInstruments.add</a:t>
+            </a:r>
+            <a:r>
+              <a:rPr lang="en-US" sz="1200" b="0" i="0" dirty="0">
+                <a:solidFill>
+                  <a:schemeClr val="tx1">
+                    <a:lumMod val="85000"/>
+                  </a:schemeClr>
+                </a:solidFill>
+                <a:effectLst/>
+                <a:latin typeface="Open Sans" panose="020B0606030504020204" pitchFamily="34" charset="0"/>
+              </a:rPr>
+              <a:t>("Trumpet");</a:t>
+            </a:r>
+          </a:p>
+          <a:p>
+            <a:pPr lvl="1"/>
+            <a:r>
+              <a:rPr lang="en-US" sz="1200" b="0" i="0" dirty="0" err="1">
+                <a:solidFill>
+                  <a:schemeClr val="tx1">
+                    <a:lumMod val="85000"/>
+                  </a:schemeClr>
+                </a:solidFill>
+                <a:effectLst/>
+                <a:latin typeface="Open Sans" panose="020B0606030504020204" pitchFamily="34" charset="0"/>
+              </a:rPr>
+              <a:t>myInstruments.add</a:t>
+            </a:r>
+            <a:r>
+              <a:rPr lang="en-US" sz="1200" b="0" i="0" dirty="0">
+                <a:solidFill>
+                  <a:schemeClr val="tx1">
+                    <a:lumMod val="85000"/>
+                  </a:schemeClr>
+                </a:solidFill>
+                <a:effectLst/>
+                <a:latin typeface="Open Sans" panose="020B0606030504020204" pitchFamily="34" charset="0"/>
+              </a:rPr>
+              <a:t>("Triangle");</a:t>
+            </a:r>
+          </a:p>
+          <a:p>
             <a:pPr algn="l"/>
-            <a:r>
-              <a:rPr lang="en-US" b="0" i="0" dirty="0">
-                <a:solidFill>
-                  <a:schemeClr val="tx1">
-                    <a:lumMod val="85000"/>
-                  </a:schemeClr>
-                </a:solidFill>
-                <a:effectLst/>
-                <a:latin typeface="Open Sans" panose="020B0606030504020204" pitchFamily="34" charset="0"/>
-              </a:rPr>
-              <a:t>Set:</a:t>
-            </a:r>
+            <a:endParaRPr lang="en-US" b="0" i="0" dirty="0">
+              <a:solidFill>
+                <a:schemeClr val="tx1">
+                  <a:lumMod val="85000"/>
+                </a:schemeClr>
+              </a:solidFill>
+              <a:effectLst/>
+              <a:latin typeface="Open Sans" panose="020B0606030504020204" pitchFamily="34" charset="0"/>
+            </a:endParaRPr>
           </a:p>
           <a:p>
             <a:pPr algn="l"/>
@@ -10319,47 +11612,166 @@
                 <a:effectLst/>
                 <a:latin typeface="Open Sans" panose="020B0606030504020204" pitchFamily="34" charset="0"/>
               </a:rPr>
-              <a:t>No Duplicates</a:t>
+              <a:t>Notice that </a:t>
+            </a:r>
+            <a:r>
+              <a:rPr lang="en-US" b="0" i="0" dirty="0">
+                <a:solidFill>
+                  <a:srgbClr val="00B0F0"/>
+                </a:solidFill>
+                <a:effectLst/>
+                <a:latin typeface="Open Sans" panose="020B0606030504020204" pitchFamily="34" charset="0"/>
+              </a:rPr>
+              <a:t>unlike an Array</a:t>
+            </a:r>
+            <a:r>
+              <a:rPr lang="en-US" b="0" i="0" dirty="0">
+                <a:solidFill>
+                  <a:schemeClr val="tx1">
+                    <a:lumMod val="85000"/>
+                  </a:schemeClr>
+                </a:solidFill>
+                <a:effectLst/>
+                <a:latin typeface="Open Sans" panose="020B0606030504020204" pitchFamily="34" charset="0"/>
+              </a:rPr>
+              <a:t>, you can </a:t>
+            </a:r>
+            <a:r>
+              <a:rPr lang="en-US" b="0" i="0" dirty="0">
+                <a:solidFill>
+                  <a:srgbClr val="00B0F0"/>
+                </a:solidFill>
+                <a:effectLst/>
+                <a:latin typeface="Open Sans" panose="020B0606030504020204" pitchFamily="34" charset="0"/>
+              </a:rPr>
+              <a:t>dynamically add additional elements to your List</a:t>
+            </a:r>
+            <a:r>
+              <a:rPr lang="en-US" b="0" i="0" dirty="0">
+                <a:solidFill>
+                  <a:schemeClr val="tx1">
+                    <a:lumMod val="85000"/>
+                  </a:schemeClr>
+                </a:solidFill>
+                <a:effectLst/>
+                <a:latin typeface="Open Sans" panose="020B0606030504020204" pitchFamily="34" charset="0"/>
+              </a:rPr>
+              <a:t>, inserting as many elements as you wish to this same List, without throwing an exception:</a:t>
             </a:r>
           </a:p>
           <a:p>
             <a:pPr algn="l"/>
-            <a:r>
-              <a:rPr lang="en-US" b="0" i="0" dirty="0">
-                <a:solidFill>
-                  <a:schemeClr val="tx1">
-                    <a:lumMod val="85000"/>
-                  </a:schemeClr>
-                </a:solidFill>
-                <a:effectLst/>
-                <a:latin typeface="Open Sans" panose="020B0606030504020204" pitchFamily="34" charset="0"/>
-              </a:rPr>
-              <a:t>At most one Null element</a:t>
+            <a:endParaRPr lang="en-US" b="0" i="0" dirty="0">
+              <a:solidFill>
+                <a:schemeClr val="tx1">
+                  <a:lumMod val="85000"/>
+                </a:schemeClr>
+              </a:solidFill>
+              <a:effectLst/>
+              <a:latin typeface="Open Sans" panose="020B0606030504020204" pitchFamily="34" charset="0"/>
+            </a:endParaRPr>
+          </a:p>
+          <a:p>
+            <a:pPr lvl="1"/>
+            <a:r>
+              <a:rPr lang="en-US" sz="1200" b="0" i="0" dirty="0" err="1">
+                <a:solidFill>
+                  <a:schemeClr val="tx1">
+                    <a:lumMod val="85000"/>
+                  </a:schemeClr>
+                </a:solidFill>
+                <a:effectLst/>
+                <a:latin typeface="Open Sans" panose="020B0606030504020204" pitchFamily="34" charset="0"/>
+              </a:rPr>
+              <a:t>myInstruments.add</a:t>
+            </a:r>
+            <a:r>
+              <a:rPr lang="en-US" sz="1200" b="0" i="0" dirty="0">
+                <a:solidFill>
+                  <a:schemeClr val="tx1">
+                    <a:lumMod val="85000"/>
+                  </a:schemeClr>
+                </a:solidFill>
+                <a:effectLst/>
+                <a:latin typeface="Open Sans" panose="020B0606030504020204" pitchFamily="34" charset="0"/>
+              </a:rPr>
+              <a:t>("Flute");</a:t>
+            </a:r>
+          </a:p>
+          <a:p>
+            <a:pPr lvl="1"/>
+            <a:r>
+              <a:rPr lang="en-US" sz="1200" b="0" i="0" dirty="0" err="1">
+                <a:solidFill>
+                  <a:schemeClr val="tx1">
+                    <a:lumMod val="85000"/>
+                  </a:schemeClr>
+                </a:solidFill>
+                <a:effectLst/>
+                <a:latin typeface="Open Sans" panose="020B0606030504020204" pitchFamily="34" charset="0"/>
+              </a:rPr>
+              <a:t>myInstruments.add</a:t>
+            </a:r>
+            <a:r>
+              <a:rPr lang="en-US" sz="1200" b="0" i="0" dirty="0">
+                <a:solidFill>
+                  <a:schemeClr val="tx1">
+                    <a:lumMod val="85000"/>
+                  </a:schemeClr>
+                </a:solidFill>
+                <a:effectLst/>
+                <a:latin typeface="Open Sans" panose="020B0606030504020204" pitchFamily="34" charset="0"/>
+              </a:rPr>
+              <a:t>("Clarinet");</a:t>
+            </a:r>
+          </a:p>
+          <a:p>
+            <a:pPr lvl="1"/>
+            <a:r>
+              <a:rPr lang="en-US" sz="1200" b="0" i="0" dirty="0" err="1">
+                <a:solidFill>
+                  <a:schemeClr val="tx1">
+                    <a:lumMod val="85000"/>
+                  </a:schemeClr>
+                </a:solidFill>
+                <a:effectLst/>
+                <a:latin typeface="Open Sans" panose="020B0606030504020204" pitchFamily="34" charset="0"/>
+              </a:rPr>
+              <a:t>myInstruments.add</a:t>
+            </a:r>
+            <a:r>
+              <a:rPr lang="en-US" sz="1200" b="0" i="0" dirty="0">
+                <a:solidFill>
+                  <a:schemeClr val="tx1">
+                    <a:lumMod val="85000"/>
+                  </a:schemeClr>
+                </a:solidFill>
+                <a:effectLst/>
+                <a:latin typeface="Open Sans" panose="020B0606030504020204" pitchFamily="34" charset="0"/>
+              </a:rPr>
+              <a:t>("Oboe");</a:t>
             </a:r>
           </a:p>
           <a:p>
             <a:pPr algn="l"/>
-            <a:r>
-              <a:rPr lang="en-US" b="0" i="0" dirty="0">
-                <a:solidFill>
-                  <a:schemeClr val="tx1">
-                    <a:lumMod val="85000"/>
-                  </a:schemeClr>
-                </a:solidFill>
-                <a:effectLst/>
-                <a:latin typeface="Open Sans" panose="020B0606030504020204" pitchFamily="34" charset="0"/>
-              </a:rPr>
-              <a:t>Not guaranteed to be in any particular order</a:t>
-            </a:r>
+            <a:endParaRPr lang="en-US" b="0" i="0" dirty="0">
+              <a:solidFill>
+                <a:schemeClr val="tx1">
+                  <a:lumMod val="85000"/>
+                </a:schemeClr>
+              </a:solidFill>
+              <a:effectLst/>
+              <a:latin typeface="Open Sans" panose="020B0606030504020204" pitchFamily="34" charset="0"/>
+            </a:endParaRPr>
           </a:p>
         </p:txBody>
       </p:sp>
       <p:sp>
         <p:nvSpPr>
-          <p:cNvPr id="8" name="TextBox 7">
+          <p:cNvPr id="5" name="TextBox 4">
             <a:extLst>
               <a:ext uri="{FF2B5EF4-FFF2-40B4-BE49-F238E27FC236}">
-                <a16:creationId xmlns:a16="http://schemas.microsoft.com/office/drawing/2014/main" id="{7C40366F-ED76-9B97-8CF7-3BAFEF94FE77}"/>
+                <a16:creationId xmlns:a16="http://schemas.microsoft.com/office/drawing/2014/main" id="{B437B980-7F96-675E-3EC5-34BF0DF65123}"/>
               </a:ext>
             </a:extLst>
           </p:cNvPr>
@@ -10368,8 +11780,8 @@
         </p:nvSpPr>
         <p:spPr>
           <a:xfrm>
-            <a:off x="2837576" y="6329618"/>
-            <a:ext cx="9217404" cy="369332"/>
+            <a:off x="2961010" y="6379975"/>
+            <a:ext cx="9146796" cy="369332"/>
           </a:xfrm>
           <a:prstGeom prst="rect">
             <a:avLst/>
@@ -10386,7 +11798,7 @@
               <a:rPr lang="en-US" dirty="0">
                 <a:hlinkClick r:id="rId2"/>
               </a:rPr>
-              <a:t>https://github.com/ckiefriter1/Java-Code-Examples/blob/main/src/collections/SetExample.java</a:t>
+              <a:t>https://github.com/ckiefriter1/Java-Code-Examples/blob/main/src/collections/ListExample.java</a:t>
             </a:r>
             <a:endParaRPr lang="en-US" dirty="0"/>
           </a:p>
@@ -10395,7 +11807,7 @@
     </p:spTree>
     <p:extLst>
       <p:ext uri="{BB962C8B-B14F-4D97-AF65-F5344CB8AC3E}">
-        <p14:creationId xmlns:p14="http://schemas.microsoft.com/office/powerpoint/2010/main" val="491903796"/>
+        <p14:creationId xmlns:p14="http://schemas.microsoft.com/office/powerpoint/2010/main" val="3007476099"/>
       </p:ext>
     </p:extLst>
   </p:cSld>

--- a/Week4/BESD Week 4.pptx
+++ b/Week4/BESD Week 4.pptx
@@ -9,18 +9,17 @@
     <p:sldId id="264" r:id="rId3"/>
     <p:sldId id="256" r:id="rId4"/>
     <p:sldId id="288" r:id="rId5"/>
-    <p:sldId id="265" r:id="rId6"/>
+    <p:sldId id="306" r:id="rId6"/>
     <p:sldId id="294" r:id="rId7"/>
     <p:sldId id="305" r:id="rId8"/>
-    <p:sldId id="278" r:id="rId9"/>
-    <p:sldId id="289" r:id="rId10"/>
-    <p:sldId id="290" r:id="rId11"/>
-    <p:sldId id="291" r:id="rId12"/>
-    <p:sldId id="293" r:id="rId13"/>
-    <p:sldId id="292" r:id="rId14"/>
-    <p:sldId id="286" r:id="rId15"/>
-    <p:sldId id="287" r:id="rId16"/>
-    <p:sldId id="260" r:id="rId17"/>
+    <p:sldId id="265" r:id="rId9"/>
+    <p:sldId id="278" r:id="rId10"/>
+    <p:sldId id="289" r:id="rId11"/>
+    <p:sldId id="290" r:id="rId12"/>
+    <p:sldId id="291" r:id="rId13"/>
+    <p:sldId id="293" r:id="rId14"/>
+    <p:sldId id="292" r:id="rId15"/>
+    <p:sldId id="260" r:id="rId16"/>
   </p:sldIdLst>
   <p:sldSz cx="12192000" cy="6858000"/>
   <p:notesSz cx="6858000" cy="9144000"/>
@@ -130,7 +129,7 @@
 <file path=ppt/revisionInfo.xml><?xml version="1.0" encoding="utf-8"?>
 <p1510:revInfo xmlns:a="http://schemas.openxmlformats.org/drawingml/2006/main" xmlns:r="http://schemas.openxmlformats.org/officeDocument/2006/relationships" xmlns:p1510="http://schemas.microsoft.com/office/powerpoint/2015/10/main">
   <p1510:revLst>
-    <p1510:client id="{2697E729-9D9A-438C-B341-43C1F5F37DD7}" v="2" dt="2024-02-28T22:39:36.450"/>
+    <p1510:client id="{B81877C8-51B4-4FA2-ABA8-75B68C3FE7B8}" v="1" dt="2024-08-28T21:37:20.746"/>
   </p1510:revLst>
 </p1510:revInfo>
 </file>
@@ -699,6 +698,81 @@
             <pc:docMk/>
             <pc:sldMk cId="424094208" sldId="287"/>
             <ac:spMk id="6" creationId="{59E906CD-110B-9D01-732C-2F21759B0265}"/>
+          </ac:spMkLst>
+        </pc:spChg>
+      </pc:sldChg>
+    </pc:docChg>
+  </pc:docChgLst>
+  <pc:docChgLst>
+    <pc:chgData name="Chuck Kiefriter" userId="a996b49251c4dfd2" providerId="LiveId" clId="{B81877C8-51B4-4FA2-ABA8-75B68C3FE7B8}"/>
+    <pc:docChg chg="custSel addSld delSld modSld sldOrd">
+      <pc:chgData name="Chuck Kiefriter" userId="a996b49251c4dfd2" providerId="LiveId" clId="{B81877C8-51B4-4FA2-ABA8-75B68C3FE7B8}" dt="2024-08-28T23:58:27.661" v="35" actId="20577"/>
+      <pc:docMkLst>
+        <pc:docMk/>
+      </pc:docMkLst>
+      <pc:sldChg chg="modSp mod">
+        <pc:chgData name="Chuck Kiefriter" userId="a996b49251c4dfd2" providerId="LiveId" clId="{B81877C8-51B4-4FA2-ABA8-75B68C3FE7B8}" dt="2024-08-28T23:58:27.661" v="35" actId="20577"/>
+        <pc:sldMkLst>
+          <pc:docMk/>
+          <pc:sldMk cId="3194223319" sldId="263"/>
+        </pc:sldMkLst>
+        <pc:spChg chg="mod">
+          <ac:chgData name="Chuck Kiefriter" userId="a996b49251c4dfd2" providerId="LiveId" clId="{B81877C8-51B4-4FA2-ABA8-75B68C3FE7B8}" dt="2024-08-28T23:58:27.661" v="35" actId="20577"/>
+          <ac:spMkLst>
+            <pc:docMk/>
+            <pc:sldMk cId="3194223319" sldId="263"/>
+            <ac:spMk id="3" creationId="{23DFC7E9-54DD-38D7-0B9B-D34948D68CF9}"/>
+          </ac:spMkLst>
+        </pc:spChg>
+      </pc:sldChg>
+      <pc:sldChg chg="ord">
+        <pc:chgData name="Chuck Kiefriter" userId="a996b49251c4dfd2" providerId="LiveId" clId="{B81877C8-51B4-4FA2-ABA8-75B68C3FE7B8}" dt="2024-08-28T21:37:24.557" v="11"/>
+        <pc:sldMkLst>
+          <pc:docMk/>
+          <pc:sldMk cId="367428708" sldId="265"/>
+        </pc:sldMkLst>
+      </pc:sldChg>
+      <pc:sldChg chg="del">
+        <pc:chgData name="Chuck Kiefriter" userId="a996b49251c4dfd2" providerId="LiveId" clId="{B81877C8-51B4-4FA2-ABA8-75B68C3FE7B8}" dt="2024-08-28T23:39:59.339" v="31" actId="47"/>
+        <pc:sldMkLst>
+          <pc:docMk/>
+          <pc:sldMk cId="1155090792" sldId="286"/>
+        </pc:sldMkLst>
+      </pc:sldChg>
+      <pc:sldChg chg="del">
+        <pc:chgData name="Chuck Kiefriter" userId="a996b49251c4dfd2" providerId="LiveId" clId="{B81877C8-51B4-4FA2-ABA8-75B68C3FE7B8}" dt="2024-08-28T23:39:59.339" v="31" actId="47"/>
+        <pc:sldMkLst>
+          <pc:docMk/>
+          <pc:sldMk cId="424094208" sldId="287"/>
+        </pc:sldMkLst>
+      </pc:sldChg>
+      <pc:sldChg chg="modSp mod">
+        <pc:chgData name="Chuck Kiefriter" userId="a996b49251c4dfd2" providerId="LiveId" clId="{B81877C8-51B4-4FA2-ABA8-75B68C3FE7B8}" dt="2024-08-28T23:11:45.776" v="30" actId="20577"/>
+        <pc:sldMkLst>
+          <pc:docMk/>
+          <pc:sldMk cId="3007476099" sldId="289"/>
+        </pc:sldMkLst>
+        <pc:spChg chg="mod">
+          <ac:chgData name="Chuck Kiefriter" userId="a996b49251c4dfd2" providerId="LiveId" clId="{B81877C8-51B4-4FA2-ABA8-75B68C3FE7B8}" dt="2024-08-28T23:11:45.776" v="30" actId="20577"/>
+          <ac:spMkLst>
+            <pc:docMk/>
+            <pc:sldMk cId="3007476099" sldId="289"/>
+            <ac:spMk id="4" creationId="{C0B26727-0F97-5A73-B4ED-6BE65E07E5DB}"/>
+          </ac:spMkLst>
+        </pc:spChg>
+      </pc:sldChg>
+      <pc:sldChg chg="modSp add mod">
+        <pc:chgData name="Chuck Kiefriter" userId="a996b49251c4dfd2" providerId="LiveId" clId="{B81877C8-51B4-4FA2-ABA8-75B68C3FE7B8}" dt="2024-08-28T21:37:46.741" v="17" actId="403"/>
+        <pc:sldMkLst>
+          <pc:docMk/>
+          <pc:sldMk cId="261171836" sldId="306"/>
+        </pc:sldMkLst>
+        <pc:spChg chg="mod">
+          <ac:chgData name="Chuck Kiefriter" userId="a996b49251c4dfd2" providerId="LiveId" clId="{B81877C8-51B4-4FA2-ABA8-75B68C3FE7B8}" dt="2024-08-28T21:37:46.741" v="17" actId="403"/>
+          <ac:spMkLst>
+            <pc:docMk/>
+            <pc:sldMk cId="261171836" sldId="306"/>
+            <ac:spMk id="3" creationId="{23DFC7E9-54DD-38D7-0B9B-D34948D68CF9}"/>
           </ac:spMkLst>
         </pc:spChg>
       </pc:sldChg>
@@ -2023,7 +2097,7 @@
           <a:p>
             <a:fld id="{33D569A9-A222-4DCC-AF28-BB813B4F2ABB}" type="datetimeFigureOut">
               <a:rPr lang="en-US" smtClean="0"/>
-              <a:t>2/28/2024</a:t>
+              <a:t>8/28/2024</a:t>
             </a:fld>
             <a:endParaRPr lang="en-US"/>
           </a:p>
@@ -2311,7 +2385,7 @@
           <a:p>
             <a:fld id="{33D569A9-A222-4DCC-AF28-BB813B4F2ABB}" type="datetimeFigureOut">
               <a:rPr lang="en-US" smtClean="0"/>
-              <a:t>2/28/2024</a:t>
+              <a:t>8/28/2024</a:t>
             </a:fld>
             <a:endParaRPr lang="en-US"/>
           </a:p>
@@ -2509,7 +2583,7 @@
           <a:p>
             <a:fld id="{33D569A9-A222-4DCC-AF28-BB813B4F2ABB}" type="datetimeFigureOut">
               <a:rPr lang="en-US" smtClean="0"/>
-              <a:t>2/28/2024</a:t>
+              <a:t>8/28/2024</a:t>
             </a:fld>
             <a:endParaRPr lang="en-US"/>
           </a:p>
@@ -2717,7 +2791,7 @@
           <a:p>
             <a:fld id="{33D569A9-A222-4DCC-AF28-BB813B4F2ABB}" type="datetimeFigureOut">
               <a:rPr lang="en-US" smtClean="0"/>
-              <a:t>2/28/2024</a:t>
+              <a:t>8/28/2024</a:t>
             </a:fld>
             <a:endParaRPr lang="en-US"/>
           </a:p>
@@ -2915,7 +2989,7 @@
           <a:p>
             <a:fld id="{33D569A9-A222-4DCC-AF28-BB813B4F2ABB}" type="datetimeFigureOut">
               <a:rPr lang="en-US" smtClean="0"/>
-              <a:t>2/28/2024</a:t>
+              <a:t>8/28/2024</a:t>
             </a:fld>
             <a:endParaRPr lang="en-US"/>
           </a:p>
@@ -3190,7 +3264,7 @@
           <a:p>
             <a:fld id="{33D569A9-A222-4DCC-AF28-BB813B4F2ABB}" type="datetimeFigureOut">
               <a:rPr lang="en-US" smtClean="0"/>
-              <a:t>2/28/2024</a:t>
+              <a:t>8/28/2024</a:t>
             </a:fld>
             <a:endParaRPr lang="en-US"/>
           </a:p>
@@ -3455,7 +3529,7 @@
           <a:p>
             <a:fld id="{33D569A9-A222-4DCC-AF28-BB813B4F2ABB}" type="datetimeFigureOut">
               <a:rPr lang="en-US" smtClean="0"/>
-              <a:t>2/28/2024</a:t>
+              <a:t>8/28/2024</a:t>
             </a:fld>
             <a:endParaRPr lang="en-US"/>
           </a:p>
@@ -3867,7 +3941,7 @@
           <a:p>
             <a:fld id="{33D569A9-A222-4DCC-AF28-BB813B4F2ABB}" type="datetimeFigureOut">
               <a:rPr lang="en-US" smtClean="0"/>
-              <a:t>2/28/2024</a:t>
+              <a:t>8/28/2024</a:t>
             </a:fld>
             <a:endParaRPr lang="en-US"/>
           </a:p>
@@ -4008,7 +4082,7 @@
           <a:p>
             <a:fld id="{33D569A9-A222-4DCC-AF28-BB813B4F2ABB}" type="datetimeFigureOut">
               <a:rPr lang="en-US" smtClean="0"/>
-              <a:t>2/28/2024</a:t>
+              <a:t>8/28/2024</a:t>
             </a:fld>
             <a:endParaRPr lang="en-US"/>
           </a:p>
@@ -4121,7 +4195,7 @@
           <a:p>
             <a:fld id="{33D569A9-A222-4DCC-AF28-BB813B4F2ABB}" type="datetimeFigureOut">
               <a:rPr lang="en-US" smtClean="0"/>
-              <a:t>2/28/2024</a:t>
+              <a:t>8/28/2024</a:t>
             </a:fld>
             <a:endParaRPr lang="en-US"/>
           </a:p>
@@ -4467,7 +4541,7 @@
           <a:p>
             <a:fld id="{33D569A9-A222-4DCC-AF28-BB813B4F2ABB}" type="datetimeFigureOut">
               <a:rPr lang="en-US" smtClean="0"/>
-              <a:t>2/28/2024</a:t>
+              <a:t>8/28/2024</a:t>
             </a:fld>
             <a:endParaRPr lang="en-US"/>
           </a:p>
@@ -4708,7 +4782,7 @@
           <a:p>
             <a:fld id="{33D569A9-A222-4DCC-AF28-BB813B4F2ABB}" type="datetimeFigureOut">
               <a:rPr lang="en-US" smtClean="0"/>
-              <a:t>2/28/2024</a:t>
+              <a:t>8/28/2024</a:t>
             </a:fld>
             <a:endParaRPr lang="en-US"/>
           </a:p>
@@ -5141,7 +5215,7 @@
         <p:spPr>
           <a:xfrm>
             <a:off x="696537" y="87952"/>
-            <a:ext cx="9326104" cy="5247590"/>
+            <a:ext cx="9326104" cy="3708708"/>
           </a:xfrm>
           <a:prstGeom prst="rect">
             <a:avLst/>
@@ -5302,7 +5376,7 @@
                 </a:solidFill>
                 <a:latin typeface="Open Sans" panose="020B0606030504020204" pitchFamily="34" charset="0"/>
               </a:rPr>
-              <a:t>Classes, Objects, Interfaces</a:t>
+              <a:t>Classes, Objects, &amp; Interfaces</a:t>
             </a:r>
           </a:p>
           <a:p>
@@ -5333,21 +5407,9 @@
             </a:endParaRPr>
           </a:p>
           <a:p>
-            <a:pPr marL="571500" marR="0" lvl="0" indent="-571500" algn="l" defTabSz="914400" rtl="0" eaLnBrk="1" fontAlgn="auto" latinLnBrk="0" hangingPunct="1">
-              <a:lnSpc>
-                <a:spcPct val="100000"/>
-              </a:lnSpc>
-              <a:spcBef>
-                <a:spcPts val="0"/>
-              </a:spcBef>
-              <a:spcAft>
-                <a:spcPts val="0"/>
-              </a:spcAft>
-              <a:buClrTx/>
-              <a:buSzTx/>
+            <a:pPr marL="571500" indent="-571500">
               <a:buFont typeface="Arial" panose="020B0604020202020204" pitchFamily="34" charset="0"/>
               <a:buChar char="•"/>
-              <a:tabLst/>
               <a:defRPr/>
             </a:pPr>
             <a:r>
@@ -5359,27 +5421,26 @@
                 </a:solidFill>
                 <a:latin typeface="Open Sans" panose="020B0606030504020204" pitchFamily="34" charset="0"/>
               </a:rPr>
-              <a:t>Lists, Sets, &amp; Maps</a:t>
-            </a:r>
-          </a:p>
-          <a:p>
-            <a:pPr marL="571500" marR="0" lvl="0" indent="-571500" algn="l" defTabSz="914400" rtl="0" eaLnBrk="1" fontAlgn="auto" latinLnBrk="0" hangingPunct="1">
-              <a:lnSpc>
-                <a:spcPct val="100000"/>
-              </a:lnSpc>
-              <a:spcBef>
-                <a:spcPts val="0"/>
-              </a:spcBef>
-              <a:spcAft>
-                <a:spcPts val="0"/>
-              </a:spcAft>
-              <a:buClrTx/>
-              <a:buSzTx/>
+              <a:t>Collections</a:t>
+            </a:r>
+          </a:p>
+          <a:p>
+            <a:pPr marL="1028700" lvl="1" indent="-571500">
               <a:buFont typeface="Arial" panose="020B0604020202020204" pitchFamily="34" charset="0"/>
               <a:buChar char="•"/>
-              <a:tabLst/>
               <a:defRPr/>
             </a:pPr>
+            <a:r>
+              <a:rPr lang="en-US" sz="2000" dirty="0">
+                <a:solidFill>
+                  <a:prstClr val="white">
+                    <a:lumMod val="75000"/>
+                  </a:prstClr>
+                </a:solidFill>
+                <a:latin typeface="Open Sans" panose="020B0606030504020204" pitchFamily="34" charset="0"/>
+              </a:rPr>
+              <a:t>Lists, Sets, &amp; Maps</a:t>
+            </a:r>
             <a:endParaRPr lang="en-US" sz="2400" dirty="0">
               <a:solidFill>
                 <a:prstClr val="white">
@@ -5388,93 +5449,6 @@
               </a:solidFill>
               <a:latin typeface="Open Sans" panose="020B0606030504020204" pitchFamily="34" charset="0"/>
             </a:endParaRPr>
-          </a:p>
-          <a:p>
-            <a:pPr marL="571500" marR="0" lvl="0" indent="-571500" algn="l" defTabSz="914400" rtl="0" eaLnBrk="1" fontAlgn="auto" latinLnBrk="0" hangingPunct="1">
-              <a:lnSpc>
-                <a:spcPct val="100000"/>
-              </a:lnSpc>
-              <a:spcBef>
-                <a:spcPts val="0"/>
-              </a:spcBef>
-              <a:spcAft>
-                <a:spcPts val="0"/>
-              </a:spcAft>
-              <a:buClrTx/>
-              <a:buSzTx/>
-              <a:buFont typeface="Arial" panose="020B0604020202020204" pitchFamily="34" charset="0"/>
-              <a:buChar char="•"/>
-              <a:tabLst/>
-              <a:defRPr/>
-            </a:pPr>
-            <a:r>
-              <a:rPr lang="en-US" sz="2400" dirty="0">
-                <a:solidFill>
-                  <a:prstClr val="white">
-                    <a:lumMod val="75000"/>
-                  </a:prstClr>
-                </a:solidFill>
-                <a:latin typeface="Open Sans" panose="020B0606030504020204" pitchFamily="34" charset="0"/>
-              </a:rPr>
-              <a:t>Collections</a:t>
-            </a:r>
-          </a:p>
-          <a:p>
-            <a:pPr marL="571500" marR="0" lvl="0" indent="-571500" algn="l" defTabSz="914400" rtl="0" eaLnBrk="1" fontAlgn="auto" latinLnBrk="0" hangingPunct="1">
-              <a:lnSpc>
-                <a:spcPct val="100000"/>
-              </a:lnSpc>
-              <a:spcBef>
-                <a:spcPts val="0"/>
-              </a:spcBef>
-              <a:spcAft>
-                <a:spcPts val="0"/>
-              </a:spcAft>
-              <a:buClrTx/>
-              <a:buSzTx/>
-              <a:buFont typeface="Arial" panose="020B0604020202020204" pitchFamily="34" charset="0"/>
-              <a:buChar char="•"/>
-              <a:tabLst/>
-              <a:defRPr/>
-            </a:pPr>
-            <a:endParaRPr lang="en-US" sz="2400" dirty="0">
-              <a:solidFill>
-                <a:prstClr val="white">
-                  <a:lumMod val="75000"/>
-                </a:prstClr>
-              </a:solidFill>
-              <a:latin typeface="Open Sans" panose="020B0606030504020204" pitchFamily="34" charset="0"/>
-            </a:endParaRPr>
-          </a:p>
-          <a:p>
-            <a:pPr marL="571500" marR="0" lvl="0" indent="-571500" algn="l" defTabSz="914400" rtl="0" eaLnBrk="1" fontAlgn="auto" latinLnBrk="0" hangingPunct="1">
-              <a:lnSpc>
-                <a:spcPct val="100000"/>
-              </a:lnSpc>
-              <a:spcBef>
-                <a:spcPts val="0"/>
-              </a:spcBef>
-              <a:spcAft>
-                <a:spcPts val="0"/>
-              </a:spcAft>
-              <a:buClrTx/>
-              <a:buSzTx/>
-              <a:buFont typeface="Arial" panose="020B0604020202020204" pitchFamily="34" charset="0"/>
-              <a:buChar char="•"/>
-              <a:tabLst/>
-              <a:defRPr/>
-            </a:pPr>
-            <a:r>
-              <a:rPr lang="en-US" sz="2400" dirty="0">
-                <a:solidFill>
-                  <a:prstClr val="white">
-                    <a:lumMod val="75000"/>
-                  </a:prstClr>
-                </a:solidFill>
-                <a:latin typeface="Open Sans" panose="020B0606030504020204" pitchFamily="34" charset="0"/>
-              </a:rPr>
-              <a:t>Java Wrapper Classes</a:t>
-            </a:r>
           </a:p>
           <a:p>
             <a:pPr marR="0" lvl="0" algn="l" defTabSz="914400" rtl="0" eaLnBrk="1" fontAlgn="auto" latinLnBrk="0" hangingPunct="1">
@@ -5528,15 +5502,19 @@
                 </a:solidFill>
                 <a:latin typeface="Open Sans" panose="020B0606030504020204" pitchFamily="34" charset="0"/>
               </a:rPr>
-              <a:t>Menu App Example</a:t>
-            </a:r>
-          </a:p>
-          <a:p>
-            <a:pPr marL="1028700" lvl="1" indent="-571500">
-              <a:buFont typeface="Arial" panose="020B0604020202020204" pitchFamily="34" charset="0"/>
-              <a:buChar char="•"/>
-              <a:defRPr/>
-            </a:pPr>
+              <a:t>Java </a:t>
+            </a:r>
+            <a:r>
+              <a:rPr lang="en-US" sz="2400">
+                <a:solidFill>
+                  <a:prstClr val="white">
+                    <a:lumMod val="75000"/>
+                  </a:prstClr>
+                </a:solidFill>
+                <a:latin typeface="Open Sans" panose="020B0606030504020204" pitchFamily="34" charset="0"/>
+              </a:rPr>
+              <a:t>Wrapper Classes</a:t>
+            </a:r>
             <a:endParaRPr lang="en-US" sz="2400" dirty="0">
               <a:solidFill>
                 <a:prstClr val="white">
@@ -5640,8 +5618,8 @@
         </p:nvSpPr>
         <p:spPr>
           <a:xfrm>
-            <a:off x="193251" y="624665"/>
-            <a:ext cx="11931637" cy="5355312"/>
+            <a:off x="176169" y="465956"/>
+            <a:ext cx="11931637" cy="5724644"/>
           </a:xfrm>
           <a:prstGeom prst="rect">
             <a:avLst/>
@@ -5665,7 +5643,7 @@
                 <a:effectLst/>
                 <a:latin typeface="Open Sans" panose="020B0606030504020204" pitchFamily="34" charset="0"/>
               </a:rPr>
-              <a:t>A </a:t>
+              <a:t>Lists are used to "collect"  elements.   By creating a List, you can </a:t>
             </a:r>
             <a:r>
               <a:rPr lang="en-US" b="0" i="0" dirty="0">
@@ -5675,19 +5653,63 @@
                 <a:effectLst/>
                 <a:latin typeface="Open Sans" panose="020B0606030504020204" pitchFamily="34" charset="0"/>
               </a:rPr>
-              <a:t>List is an ordered Collection (sometimes called a sequence)</a:t>
-            </a:r>
-            <a:r>
-              <a:rPr lang="en-US" b="0" i="0" dirty="0">
-                <a:solidFill>
-                  <a:schemeClr val="tx1">
-                    <a:lumMod val="85000"/>
-                  </a:schemeClr>
-                </a:solidFill>
-                <a:effectLst/>
-                <a:latin typeface="Open Sans" panose="020B0606030504020204" pitchFamily="34" charset="0"/>
-              </a:rPr>
-              <a:t>. Lists may contain duplicate elements. In addition to the operations inherited from Collection, the List interface includes operations for the following:</a:t>
+              <a:t>store any number of elements</a:t>
+            </a:r>
+            <a:r>
+              <a:rPr lang="en-US" b="0" i="0" dirty="0">
+                <a:solidFill>
+                  <a:schemeClr val="tx1">
+                    <a:lumMod val="85000"/>
+                  </a:schemeClr>
+                </a:solidFill>
+                <a:effectLst/>
+                <a:latin typeface="Open Sans" panose="020B0606030504020204" pitchFamily="34" charset="0"/>
+              </a:rPr>
+              <a:t>,  </a:t>
+            </a:r>
+            <a:r>
+              <a:rPr lang="en-US" b="0" i="0" dirty="0">
+                <a:solidFill>
+                  <a:srgbClr val="00B0F0"/>
+                </a:solidFill>
+                <a:effectLst/>
+                <a:latin typeface="Open Sans" panose="020B0606030504020204" pitchFamily="34" charset="0"/>
+              </a:rPr>
+              <a:t>dynamically modifying the List</a:t>
+            </a:r>
+            <a:r>
+              <a:rPr lang="en-US" b="0" i="0" dirty="0">
+                <a:solidFill>
+                  <a:schemeClr val="tx1">
+                    <a:lumMod val="85000"/>
+                  </a:schemeClr>
+                </a:solidFill>
+                <a:effectLst/>
+                <a:latin typeface="Open Sans" panose="020B0606030504020204" pitchFamily="34" charset="0"/>
+              </a:rPr>
+              <a:t>, and the location of each item is managed by the List.  Each element is accessible through a </a:t>
+            </a:r>
+            <a:r>
+              <a:rPr lang="en-US" b="0" i="0" dirty="0">
+                <a:solidFill>
+                  <a:srgbClr val="00B0F0"/>
+                </a:solidFill>
+                <a:effectLst/>
+                <a:latin typeface="Open Sans" panose="020B0606030504020204" pitchFamily="34" charset="0"/>
+              </a:rPr>
+              <a:t>variable that you declare as a List</a:t>
+            </a:r>
+            <a:r>
+              <a:rPr lang="en-US" b="0" i="0" dirty="0">
+                <a:solidFill>
+                  <a:schemeClr val="tx1">
+                    <a:lumMod val="85000"/>
+                  </a:schemeClr>
+                </a:solidFill>
+                <a:effectLst/>
+                <a:latin typeface="Open Sans" panose="020B0606030504020204" pitchFamily="34" charset="0"/>
+              </a:rPr>
+              <a:t>.</a:t>
             </a:r>
           </a:p>
           <a:p>
@@ -5703,10 +5725,19 @@
             </a:endParaRPr>
           </a:p>
           <a:p>
-            <a:pPr marL="285750" indent="-285750" algn="l">
-              <a:buFont typeface="Arial" panose="020B0604020202020204" pitchFamily="34" charset="0"/>
-              <a:buChar char="•"/>
-            </a:pPr>
+            <a:pPr algn="l"/>
+            <a:r>
+              <a:rPr lang="en-US" b="0" i="0" dirty="0">
+                <a:solidFill>
+                  <a:schemeClr val="tx1">
+                    <a:lumMod val="85000"/>
+                  </a:schemeClr>
+                </a:solidFill>
+                <a:effectLst/>
+                <a:latin typeface="Open Sans" panose="020B0606030504020204" pitchFamily="34" charset="0"/>
+              </a:rPr>
+              <a:t>A List in Java is an </a:t>
+            </a:r>
             <a:r>
               <a:rPr lang="en-US" b="0" i="0" dirty="0">
                 <a:solidFill>
@@ -5715,95 +5746,125 @@
                 <a:effectLst/>
                 <a:latin typeface="Open Sans" panose="020B0606030504020204" pitchFamily="34" charset="0"/>
               </a:rPr>
-              <a:t>Positional access </a:t>
-            </a:r>
-            <a:r>
-              <a:rPr lang="en-US" b="0" i="0" dirty="0">
-                <a:solidFill>
-                  <a:schemeClr val="tx1">
-                    <a:lumMod val="85000"/>
-                  </a:schemeClr>
-                </a:solidFill>
-                <a:effectLst/>
-                <a:latin typeface="Open Sans" panose="020B0606030504020204" pitchFamily="34" charset="0"/>
-              </a:rPr>
-              <a:t>— manipulates elements based on their numerical position in the list. This includes methods such as get, set, add, </a:t>
+              <a:t>Interface</a:t>
+            </a:r>
+            <a:r>
+              <a:rPr lang="en-US" b="0" i="0" dirty="0">
+                <a:solidFill>
+                  <a:schemeClr val="tx1">
+                    <a:lumMod val="85000"/>
+                  </a:schemeClr>
+                </a:solidFill>
+                <a:effectLst/>
+                <a:latin typeface="Open Sans" panose="020B0606030504020204" pitchFamily="34" charset="0"/>
+              </a:rPr>
+              <a:t>.   To use a List in Java, you </a:t>
+            </a:r>
+            <a:r>
+              <a:rPr lang="en-US" b="0" i="0" dirty="0">
+                <a:solidFill>
+                  <a:srgbClr val="00B0F0"/>
+                </a:solidFill>
+                <a:effectLst/>
+                <a:latin typeface="Open Sans" panose="020B0606030504020204" pitchFamily="34" charset="0"/>
+              </a:rPr>
+              <a:t>will import the </a:t>
             </a:r>
             <a:r>
               <a:rPr lang="en-US" b="0" i="0" dirty="0" err="1">
                 <a:solidFill>
-                  <a:schemeClr val="tx1">
-                    <a:lumMod val="85000"/>
-                  </a:schemeClr>
-                </a:solidFill>
-                <a:effectLst/>
-                <a:latin typeface="Open Sans" panose="020B0606030504020204" pitchFamily="34" charset="0"/>
-              </a:rPr>
-              <a:t>addAll</a:t>
-            </a:r>
-            <a:r>
-              <a:rPr lang="en-US" b="0" i="0" dirty="0">
-                <a:solidFill>
-                  <a:schemeClr val="tx1">
-                    <a:lumMod val="85000"/>
-                  </a:schemeClr>
-                </a:solidFill>
-                <a:effectLst/>
-                <a:latin typeface="Open Sans" panose="020B0606030504020204" pitchFamily="34" charset="0"/>
-              </a:rPr>
-              <a:t>, and remove.</a:t>
-            </a:r>
-          </a:p>
-          <a:p>
-            <a:pPr marL="285750" indent="-285750" algn="l">
-              <a:buFont typeface="Arial" panose="020B0604020202020204" pitchFamily="34" charset="0"/>
-              <a:buChar char="•"/>
-            </a:pPr>
-            <a:r>
-              <a:rPr lang="en-US" b="0" i="0" dirty="0">
-                <a:solidFill>
                   <a:srgbClr val="00B0F0"/>
                 </a:solidFill>
                 <a:effectLst/>
                 <a:latin typeface="Open Sans" panose="020B0606030504020204" pitchFamily="34" charset="0"/>
               </a:rPr>
-              <a:t>Search</a:t>
-            </a:r>
-            <a:r>
-              <a:rPr lang="en-US" b="0" i="0" dirty="0">
-                <a:solidFill>
-                  <a:schemeClr val="tx1">
-                    <a:lumMod val="85000"/>
-                  </a:schemeClr>
-                </a:solidFill>
-                <a:effectLst/>
-                <a:latin typeface="Open Sans" panose="020B0606030504020204" pitchFamily="34" charset="0"/>
-              </a:rPr>
-              <a:t> — searches for a specified object in the list and returns its numerical position. Search methods include </a:t>
+              <a:t>java.util</a:t>
+            </a:r>
+            <a:r>
+              <a:rPr lang="en-US" b="0" i="0" dirty="0">
+                <a:solidFill>
+                  <a:srgbClr val="00B0F0"/>
+                </a:solidFill>
+                <a:effectLst/>
+                <a:latin typeface="Open Sans" panose="020B0606030504020204" pitchFamily="34" charset="0"/>
+              </a:rPr>
+              <a:t> package(</a:t>
+            </a:r>
+            <a:r>
+              <a:rPr lang="en-US" b="0" i="0" dirty="0">
+                <a:solidFill>
+                  <a:schemeClr val="tx1">
+                    <a:lumMod val="85000"/>
+                  </a:schemeClr>
+                </a:solidFill>
+                <a:effectLst/>
+                <a:latin typeface="Open Sans" panose="020B0606030504020204" pitchFamily="34" charset="0"/>
+              </a:rPr>
+              <a:t>library), and a List will need to be declared and initialized.  A List is often </a:t>
+            </a:r>
+            <a:r>
+              <a:rPr lang="en-US" b="0" i="0" dirty="0">
+                <a:solidFill>
+                  <a:srgbClr val="00B0F0"/>
+                </a:solidFill>
+                <a:effectLst/>
+                <a:latin typeface="Open Sans" panose="020B0606030504020204" pitchFamily="34" charset="0"/>
+              </a:rPr>
+              <a:t>implemented by the </a:t>
             </a:r>
             <a:r>
               <a:rPr lang="en-US" b="0" i="0" dirty="0" err="1">
                 <a:solidFill>
-                  <a:schemeClr val="tx1">
-                    <a:lumMod val="85000"/>
-                  </a:schemeClr>
-                </a:solidFill>
-                <a:effectLst/>
-                <a:latin typeface="Open Sans" panose="020B0606030504020204" pitchFamily="34" charset="0"/>
-              </a:rPr>
-              <a:t>indexOf</a:t>
-            </a:r>
-            <a:r>
-              <a:rPr lang="en-US" b="0" i="0" dirty="0">
-                <a:solidFill>
-                  <a:schemeClr val="tx1">
-                    <a:lumMod val="85000"/>
-                  </a:schemeClr>
-                </a:solidFill>
-                <a:effectLst/>
-                <a:latin typeface="Open Sans" panose="020B0606030504020204" pitchFamily="34" charset="0"/>
-              </a:rPr>
-              <a:t> and </a:t>
+                  <a:srgbClr val="00B0F0"/>
+                </a:solidFill>
+                <a:effectLst/>
+                <a:latin typeface="Open Sans" panose="020B0606030504020204" pitchFamily="34" charset="0"/>
+              </a:rPr>
+              <a:t>ArrayList</a:t>
+            </a:r>
+            <a:r>
+              <a:rPr lang="en-US" b="0" i="0" dirty="0">
+                <a:solidFill>
+                  <a:srgbClr val="00B0F0"/>
+                </a:solidFill>
+                <a:effectLst/>
+                <a:latin typeface="Open Sans" panose="020B0606030504020204" pitchFamily="34" charset="0"/>
+              </a:rPr>
+              <a:t> class</a:t>
+            </a:r>
+            <a:r>
+              <a:rPr lang="en-US" b="0" i="0" dirty="0">
+                <a:solidFill>
+                  <a:schemeClr val="tx1">
+                    <a:lumMod val="85000"/>
+                  </a:schemeClr>
+                </a:solidFill>
+                <a:effectLst/>
+                <a:latin typeface="Open Sans" panose="020B0606030504020204" pitchFamily="34" charset="0"/>
+              </a:rPr>
+              <a:t>, but can also be implemented by one of these classes:  </a:t>
+            </a:r>
+            <a:r>
+              <a:rPr lang="en-US" b="0" i="0" dirty="0">
+                <a:solidFill>
+                  <a:srgbClr val="00B0F0"/>
+                </a:solidFill>
+                <a:effectLst/>
+                <a:latin typeface="Open Sans" panose="020B0606030504020204" pitchFamily="34" charset="0"/>
+              </a:rPr>
+              <a:t>LinkedList, Vector and Stack</a:t>
+            </a:r>
+            <a:r>
+              <a:rPr lang="en-US" b="0" i="0" dirty="0">
+                <a:solidFill>
+                  <a:schemeClr val="tx1">
+                    <a:lumMod val="85000"/>
+                  </a:schemeClr>
+                </a:solidFill>
+                <a:effectLst/>
+                <a:latin typeface="Open Sans" panose="020B0606030504020204" pitchFamily="34" charset="0"/>
+              </a:rPr>
+              <a:t>.  If you choose </a:t>
             </a:r>
             <a:r>
               <a:rPr lang="en-US" b="0" i="0" dirty="0" err="1">
@@ -5815,7 +5876,59 @@
                 <a:effectLst/>
                 <a:latin typeface="Open Sans" panose="020B0606030504020204" pitchFamily="34" charset="0"/>
               </a:rPr>
-              <a:t>lastIndexOf</a:t>
+              <a:t>ArrayList</a:t>
+            </a:r>
+            <a:r>
+              <a:rPr lang="en-US" b="0" i="0" dirty="0">
+                <a:solidFill>
+                  <a:schemeClr val="tx1">
+                    <a:lumMod val="85000"/>
+                  </a:schemeClr>
+                </a:solidFill>
+                <a:effectLst/>
+                <a:latin typeface="Open Sans" panose="020B0606030504020204" pitchFamily="34" charset="0"/>
+              </a:rPr>
+              <a:t>,  you will also have to </a:t>
+            </a:r>
+            <a:r>
+              <a:rPr lang="en-US" b="0" i="0" dirty="0">
+                <a:solidFill>
+                  <a:srgbClr val="00B0F0"/>
+                </a:solidFill>
+                <a:effectLst/>
+                <a:latin typeface="Open Sans" panose="020B0606030504020204" pitchFamily="34" charset="0"/>
+              </a:rPr>
+              <a:t>import </a:t>
+            </a:r>
+            <a:r>
+              <a:rPr lang="en-US" b="0" i="0" dirty="0" err="1">
+                <a:solidFill>
+                  <a:srgbClr val="00B0F0"/>
+                </a:solidFill>
+                <a:effectLst/>
+                <a:latin typeface="Open Sans" panose="020B0606030504020204" pitchFamily="34" charset="0"/>
+              </a:rPr>
+              <a:t>ArrayList</a:t>
+            </a:r>
+            <a:r>
+              <a:rPr lang="en-US" b="0" i="0" dirty="0">
+                <a:solidFill>
+                  <a:srgbClr val="00B0F0"/>
+                </a:solidFill>
+                <a:effectLst/>
+                <a:latin typeface="Open Sans" panose="020B0606030504020204" pitchFamily="34" charset="0"/>
+              </a:rPr>
+              <a:t> from </a:t>
+            </a:r>
+            <a:r>
+              <a:rPr lang="en-US" b="0" i="0" dirty="0" err="1">
+                <a:solidFill>
+                  <a:srgbClr val="00B0F0"/>
+                </a:solidFill>
+                <a:effectLst/>
+                <a:latin typeface="Open Sans" panose="020B0606030504020204" pitchFamily="34" charset="0"/>
+              </a:rPr>
+              <a:t>java.util</a:t>
             </a:r>
             <a:r>
               <a:rPr lang="en-US" b="0" i="0" dirty="0">
@@ -5831,119 +5944,19 @@
             </a:r>
           </a:p>
           <a:p>
-            <a:pPr marL="285750" indent="-285750" algn="l">
-              <a:buFont typeface="Arial" panose="020B0604020202020204" pitchFamily="34" charset="0"/>
-              <a:buChar char="•"/>
-            </a:pPr>
-            <a:r>
-              <a:rPr lang="en-US" b="0" i="0" dirty="0">
-                <a:solidFill>
-                  <a:srgbClr val="00B0F0"/>
-                </a:solidFill>
-                <a:effectLst/>
-                <a:latin typeface="Open Sans" panose="020B0606030504020204" pitchFamily="34" charset="0"/>
-              </a:rPr>
-              <a:t>Iteration</a:t>
-            </a:r>
-            <a:r>
-              <a:rPr lang="en-US" b="0" i="0" dirty="0">
-                <a:solidFill>
-                  <a:schemeClr val="tx1">
-                    <a:lumMod val="85000"/>
-                  </a:schemeClr>
-                </a:solidFill>
-                <a:effectLst/>
-                <a:latin typeface="Open Sans" panose="020B0606030504020204" pitchFamily="34" charset="0"/>
-              </a:rPr>
-              <a:t> — extends Iterator semantics to take advantage of the list's sequential nature. The </a:t>
-            </a:r>
-            <a:r>
-              <a:rPr lang="en-US" b="0" i="0" dirty="0" err="1">
-                <a:solidFill>
-                  <a:schemeClr val="tx1">
-                    <a:lumMod val="85000"/>
-                  </a:schemeClr>
-                </a:solidFill>
-                <a:effectLst/>
-                <a:latin typeface="Open Sans" panose="020B0606030504020204" pitchFamily="34" charset="0"/>
-              </a:rPr>
-              <a:t>listIterator</a:t>
-            </a:r>
-            <a:r>
-              <a:rPr lang="en-US" b="0" i="0" dirty="0">
-                <a:solidFill>
-                  <a:schemeClr val="tx1">
-                    <a:lumMod val="85000"/>
-                  </a:schemeClr>
-                </a:solidFill>
-                <a:effectLst/>
-                <a:latin typeface="Open Sans" panose="020B0606030504020204" pitchFamily="34" charset="0"/>
-              </a:rPr>
-              <a:t> methods provide this behavior.</a:t>
-            </a:r>
-          </a:p>
-          <a:p>
-            <a:pPr marL="285750" indent="-285750" algn="l">
-              <a:buFont typeface="Arial" panose="020B0604020202020204" pitchFamily="34" charset="0"/>
-              <a:buChar char="•"/>
-            </a:pPr>
-            <a:r>
-              <a:rPr lang="en-US" b="0" i="0" dirty="0">
-                <a:solidFill>
-                  <a:srgbClr val="00B0F0"/>
-                </a:solidFill>
-                <a:effectLst/>
-                <a:latin typeface="Open Sans" panose="020B0606030504020204" pitchFamily="34" charset="0"/>
-              </a:rPr>
-              <a:t>Range-view</a:t>
-            </a:r>
-            <a:r>
-              <a:rPr lang="en-US" b="0" i="0" dirty="0">
-                <a:solidFill>
-                  <a:schemeClr val="tx1">
-                    <a:lumMod val="85000"/>
-                  </a:schemeClr>
-                </a:solidFill>
-                <a:effectLst/>
-                <a:latin typeface="Open Sans" panose="020B0606030504020204" pitchFamily="34" charset="0"/>
-              </a:rPr>
-              <a:t> — The </a:t>
-            </a:r>
-            <a:r>
-              <a:rPr lang="en-US" b="0" i="0" dirty="0" err="1">
-                <a:solidFill>
-                  <a:schemeClr val="tx1">
-                    <a:lumMod val="85000"/>
-                  </a:schemeClr>
-                </a:solidFill>
-                <a:effectLst/>
-                <a:latin typeface="Open Sans" panose="020B0606030504020204" pitchFamily="34" charset="0"/>
-              </a:rPr>
-              <a:t>sublist</a:t>
-            </a:r>
-            <a:r>
-              <a:rPr lang="en-US" b="0" i="0" dirty="0">
-                <a:solidFill>
-                  <a:schemeClr val="tx1">
-                    <a:lumMod val="85000"/>
-                  </a:schemeClr>
-                </a:solidFill>
-                <a:effectLst/>
-                <a:latin typeface="Open Sans" panose="020B0606030504020204" pitchFamily="34" charset="0"/>
-              </a:rPr>
-              <a:t> method performs arbitrary range operations on the list.</a:t>
-            </a:r>
-          </a:p>
-          <a:p>
             <a:pPr algn="l"/>
-            <a:endParaRPr lang="en-US" dirty="0">
-              <a:solidFill>
-                <a:schemeClr val="tx1">
-                  <a:lumMod val="85000"/>
-                </a:schemeClr>
-              </a:solidFill>
-              <a:latin typeface="Open Sans" panose="020B0606030504020204" pitchFamily="34" charset="0"/>
-            </a:endParaRPr>
+            <a:r>
+              <a:rPr lang="en-US" b="0" i="0" dirty="0">
+                <a:solidFill>
+                  <a:schemeClr val="tx1">
+                    <a:lumMod val="85000"/>
+                  </a:schemeClr>
+                </a:solidFill>
+                <a:effectLst/>
+                <a:latin typeface="Open Sans" panose="020B0606030504020204" pitchFamily="34" charset="0"/>
+              </a:rPr>
+              <a:t>Example declaring a List of String:</a:t>
+            </a:r>
           </a:p>
           <a:p>
             <a:pPr algn="l"/>
@@ -5958,93 +5971,174 @@
             </a:endParaRPr>
           </a:p>
           <a:p>
-            <a:pPr algn="l"/>
-            <a:r>
-              <a:rPr lang="en-US" b="0" i="0" dirty="0">
-                <a:solidFill>
-                  <a:schemeClr val="tx1">
-                    <a:lumMod val="85000"/>
-                  </a:schemeClr>
-                </a:solidFill>
-                <a:effectLst/>
-                <a:latin typeface="Open Sans" panose="020B0606030504020204" pitchFamily="34" charset="0"/>
-              </a:rPr>
-              <a:t>A List:</a:t>
-            </a:r>
-          </a:p>
-          <a:p>
-            <a:pPr algn="l"/>
-            <a:r>
-              <a:rPr lang="en-US" b="0" i="0" dirty="0">
-                <a:solidFill>
-                  <a:schemeClr val="tx1">
-                    <a:lumMod val="85000"/>
-                  </a:schemeClr>
-                </a:solidFill>
-                <a:effectLst/>
-                <a:latin typeface="Open Sans" panose="020B0606030504020204" pitchFamily="34" charset="0"/>
-              </a:rPr>
-              <a:t>- Is Ordered</a:t>
-            </a:r>
-          </a:p>
-          <a:p>
-            <a:pPr algn="l"/>
-            <a:r>
-              <a:rPr lang="en-US" b="0" i="0" dirty="0">
-                <a:solidFill>
-                  <a:schemeClr val="tx1">
-                    <a:lumMod val="85000"/>
-                  </a:schemeClr>
-                </a:solidFill>
-                <a:effectLst/>
-                <a:latin typeface="Open Sans" panose="020B0606030504020204" pitchFamily="34" charset="0"/>
-              </a:rPr>
-              <a:t>- Preserves Insertion Order</a:t>
-            </a:r>
-          </a:p>
-          <a:p>
-            <a:pPr algn="l"/>
-            <a:r>
-              <a:rPr lang="en-US" b="0" i="0" dirty="0">
-                <a:solidFill>
-                  <a:schemeClr val="tx1">
-                    <a:lumMod val="85000"/>
-                  </a:schemeClr>
-                </a:solidFill>
-                <a:effectLst/>
-                <a:latin typeface="Open Sans" panose="020B0606030504020204" pitchFamily="34" charset="0"/>
-              </a:rPr>
-              <a:t>- Allows Positional Access and Insertion of Items</a:t>
-            </a:r>
-          </a:p>
-          <a:p>
-            <a:pPr algn="l"/>
-            <a:r>
-              <a:rPr lang="en-US" b="0" i="0" dirty="0">
-                <a:solidFill>
-                  <a:schemeClr val="tx1">
-                    <a:lumMod val="85000"/>
-                  </a:schemeClr>
-                </a:solidFill>
-                <a:effectLst/>
-                <a:latin typeface="Open Sans" panose="020B0606030504020204" pitchFamily="34" charset="0"/>
-              </a:rPr>
-              <a:t>- Allows Duplicates</a:t>
-            </a:r>
-          </a:p>
-          <a:p>
-            <a:pPr algn="l"/>
-            <a:r>
-              <a:rPr lang="en-US" b="0" i="0" dirty="0">
-                <a:solidFill>
-                  <a:schemeClr val="tx1">
-                    <a:lumMod val="85000"/>
-                  </a:schemeClr>
-                </a:solidFill>
-                <a:effectLst/>
-                <a:latin typeface="Open Sans" panose="020B0606030504020204" pitchFamily="34" charset="0"/>
-              </a:rPr>
-              <a:t>- Is a Collection of Objects </a:t>
+            <a:pPr lvl="1"/>
+            <a:r>
+              <a:rPr lang="en-US" sz="1200" b="0" i="0" dirty="0">
+                <a:solidFill>
+                  <a:schemeClr val="tx1">
+                    <a:lumMod val="85000"/>
+                  </a:schemeClr>
+                </a:solidFill>
+                <a:effectLst/>
+                <a:latin typeface="Open Sans" panose="020B0606030504020204" pitchFamily="34" charset="0"/>
+              </a:rPr>
+              <a:t>List&lt;String&gt; </a:t>
+            </a:r>
+            <a:r>
+              <a:rPr lang="en-US" sz="1200" b="0" i="0" dirty="0" err="1">
+                <a:solidFill>
+                  <a:schemeClr val="tx1">
+                    <a:lumMod val="85000"/>
+                  </a:schemeClr>
+                </a:solidFill>
+                <a:effectLst/>
+                <a:latin typeface="Open Sans" panose="020B0606030504020204" pitchFamily="34" charset="0"/>
+              </a:rPr>
+              <a:t>myInstruments</a:t>
+            </a:r>
+            <a:r>
+              <a:rPr lang="en-US" sz="1200" b="0" i="0" dirty="0">
+                <a:solidFill>
+                  <a:schemeClr val="tx1">
+                    <a:lumMod val="85000"/>
+                  </a:schemeClr>
+                </a:solidFill>
+                <a:effectLst/>
+                <a:latin typeface="Open Sans" panose="020B0606030504020204" pitchFamily="34" charset="0"/>
+              </a:rPr>
+              <a:t> = new </a:t>
+            </a:r>
+            <a:r>
+              <a:rPr lang="en-US" sz="1200" b="0" i="0" dirty="0" err="1">
+                <a:solidFill>
+                  <a:schemeClr val="tx1">
+                    <a:lumMod val="85000"/>
+                  </a:schemeClr>
+                </a:solidFill>
+                <a:effectLst/>
+                <a:latin typeface="Open Sans" panose="020B0606030504020204" pitchFamily="34" charset="0"/>
+              </a:rPr>
+              <a:t>ArrayList</a:t>
+            </a:r>
+            <a:r>
+              <a:rPr lang="en-US" sz="1200" b="0" i="0" dirty="0">
+                <a:solidFill>
+                  <a:schemeClr val="tx1">
+                    <a:lumMod val="85000"/>
+                  </a:schemeClr>
+                </a:solidFill>
+                <a:effectLst/>
+                <a:latin typeface="Open Sans" panose="020B0606030504020204" pitchFamily="34" charset="0"/>
+              </a:rPr>
+              <a:t>&lt;String&gt;();</a:t>
+            </a:r>
+          </a:p>
+          <a:p>
+            <a:pPr lvl="1"/>
+            <a:r>
+              <a:rPr lang="en-US" sz="1200" b="0" i="0" dirty="0" err="1">
+                <a:solidFill>
+                  <a:schemeClr val="tx1">
+                    <a:lumMod val="85000"/>
+                  </a:schemeClr>
+                </a:solidFill>
+                <a:effectLst/>
+                <a:latin typeface="Open Sans" panose="020B0606030504020204" pitchFamily="34" charset="0"/>
+              </a:rPr>
+              <a:t>myInstruments.add</a:t>
+            </a:r>
+            <a:r>
+              <a:rPr lang="en-US" sz="1200" b="0" i="0" dirty="0">
+                <a:solidFill>
+                  <a:schemeClr val="tx1">
+                    <a:lumMod val="85000"/>
+                  </a:schemeClr>
+                </a:solidFill>
+                <a:effectLst/>
+                <a:latin typeface="Open Sans" panose="020B0606030504020204" pitchFamily="34" charset="0"/>
+              </a:rPr>
+              <a:t>("Tuba");</a:t>
+            </a:r>
+          </a:p>
+          <a:p>
+            <a:pPr lvl="1"/>
+            <a:r>
+              <a:rPr lang="en-US" sz="1200" b="0" i="0" dirty="0" err="1">
+                <a:solidFill>
+                  <a:schemeClr val="tx1">
+                    <a:lumMod val="85000"/>
+                  </a:schemeClr>
+                </a:solidFill>
+                <a:effectLst/>
+                <a:latin typeface="Open Sans" panose="020B0606030504020204" pitchFamily="34" charset="0"/>
+              </a:rPr>
+              <a:t>myInstruments.add</a:t>
+            </a:r>
+            <a:r>
+              <a:rPr lang="en-US" sz="1200" b="0" i="0" dirty="0">
+                <a:solidFill>
+                  <a:schemeClr val="tx1">
+                    <a:lumMod val="85000"/>
+                  </a:schemeClr>
+                </a:solidFill>
+                <a:effectLst/>
+                <a:latin typeface="Open Sans" panose="020B0606030504020204" pitchFamily="34" charset="0"/>
+              </a:rPr>
+              <a:t>("Trombone");</a:t>
+            </a:r>
+          </a:p>
+          <a:p>
+            <a:pPr lvl="1"/>
+            <a:r>
+              <a:rPr lang="en-US" sz="1200" b="0" i="0" dirty="0" err="1">
+                <a:solidFill>
+                  <a:schemeClr val="tx1">
+                    <a:lumMod val="85000"/>
+                  </a:schemeClr>
+                </a:solidFill>
+                <a:effectLst/>
+                <a:latin typeface="Open Sans" panose="020B0606030504020204" pitchFamily="34" charset="0"/>
+              </a:rPr>
+              <a:t>myInstruments.add</a:t>
+            </a:r>
+            <a:r>
+              <a:rPr lang="en-US" sz="1200" b="0" i="0" dirty="0">
+                <a:solidFill>
+                  <a:schemeClr val="tx1">
+                    <a:lumMod val="85000"/>
+                  </a:schemeClr>
+                </a:solidFill>
+                <a:effectLst/>
+                <a:latin typeface="Open Sans" panose="020B0606030504020204" pitchFamily="34" charset="0"/>
+              </a:rPr>
+              <a:t>("Trumpet");</a:t>
+            </a:r>
+          </a:p>
+          <a:p>
+            <a:pPr lvl="1"/>
+            <a:r>
+              <a:rPr lang="en-US" sz="1200" b="0" i="0" dirty="0" err="1">
+                <a:solidFill>
+                  <a:schemeClr val="tx1">
+                    <a:lumMod val="85000"/>
+                  </a:schemeClr>
+                </a:solidFill>
+                <a:effectLst/>
+                <a:latin typeface="Open Sans" panose="020B0606030504020204" pitchFamily="34" charset="0"/>
+              </a:rPr>
+              <a:t>myInstruments.add</a:t>
+            </a:r>
+            <a:r>
+              <a:rPr lang="en-US" sz="1200" b="0" i="0" dirty="0">
+                <a:solidFill>
+                  <a:schemeClr val="tx1">
+                    <a:lumMod val="85000"/>
+                  </a:schemeClr>
+                </a:solidFill>
+                <a:effectLst/>
+                <a:latin typeface="Open Sans" panose="020B0606030504020204" pitchFamily="34" charset="0"/>
+              </a:rPr>
+              <a:t>("Triangle");</a:t>
             </a:r>
           </a:p>
           <a:p>
@@ -6059,6 +6153,170 @@
               <a:latin typeface="Open Sans" panose="020B0606030504020204" pitchFamily="34" charset="0"/>
             </a:endParaRPr>
           </a:p>
+          <a:p>
+            <a:pPr algn="l"/>
+            <a:r>
+              <a:rPr lang="en-US" b="0" i="0" dirty="0">
+                <a:solidFill>
+                  <a:schemeClr val="tx1">
+                    <a:lumMod val="85000"/>
+                  </a:schemeClr>
+                </a:solidFill>
+                <a:effectLst/>
+                <a:latin typeface="Open Sans" panose="020B0606030504020204" pitchFamily="34" charset="0"/>
+              </a:rPr>
+              <a:t>Notice that </a:t>
+            </a:r>
+            <a:r>
+              <a:rPr lang="en-US" b="0" i="0" dirty="0">
+                <a:solidFill>
+                  <a:srgbClr val="00B0F0"/>
+                </a:solidFill>
+                <a:effectLst/>
+                <a:latin typeface="Open Sans" panose="020B0606030504020204" pitchFamily="34" charset="0"/>
+              </a:rPr>
+              <a:t>unlike an Array</a:t>
+            </a:r>
+            <a:r>
+              <a:rPr lang="en-US" b="0" i="0" dirty="0">
+                <a:solidFill>
+                  <a:schemeClr val="tx1">
+                    <a:lumMod val="85000"/>
+                  </a:schemeClr>
+                </a:solidFill>
+                <a:effectLst/>
+                <a:latin typeface="Open Sans" panose="020B0606030504020204" pitchFamily="34" charset="0"/>
+              </a:rPr>
+              <a:t>, you can </a:t>
+            </a:r>
+            <a:r>
+              <a:rPr lang="en-US" b="0" i="0" dirty="0">
+                <a:solidFill>
+                  <a:srgbClr val="00B0F0"/>
+                </a:solidFill>
+                <a:effectLst/>
+                <a:latin typeface="Open Sans" panose="020B0606030504020204" pitchFamily="34" charset="0"/>
+              </a:rPr>
+              <a:t>dynamically add additional elements to your List</a:t>
+            </a:r>
+            <a:r>
+              <a:rPr lang="en-US" b="0" i="0" dirty="0">
+                <a:solidFill>
+                  <a:schemeClr val="tx1">
+                    <a:lumMod val="85000"/>
+                  </a:schemeClr>
+                </a:solidFill>
+                <a:effectLst/>
+                <a:latin typeface="Open Sans" panose="020B0606030504020204" pitchFamily="34" charset="0"/>
+              </a:rPr>
+              <a:t>, inserting as many elements as you wish to this same List, without throwing an exception:</a:t>
+            </a:r>
+          </a:p>
+          <a:p>
+            <a:pPr algn="l"/>
+            <a:endParaRPr lang="en-US" b="0" i="0" dirty="0">
+              <a:solidFill>
+                <a:schemeClr val="tx1">
+                  <a:lumMod val="85000"/>
+                </a:schemeClr>
+              </a:solidFill>
+              <a:effectLst/>
+              <a:latin typeface="Open Sans" panose="020B0606030504020204" pitchFamily="34" charset="0"/>
+            </a:endParaRPr>
+          </a:p>
+          <a:p>
+            <a:pPr lvl="1"/>
+            <a:r>
+              <a:rPr lang="en-US" sz="1200" b="0" i="0" dirty="0" err="1">
+                <a:solidFill>
+                  <a:schemeClr val="tx1">
+                    <a:lumMod val="85000"/>
+                  </a:schemeClr>
+                </a:solidFill>
+                <a:effectLst/>
+                <a:latin typeface="Open Sans" panose="020B0606030504020204" pitchFamily="34" charset="0"/>
+              </a:rPr>
+              <a:t>myInstruments.add</a:t>
+            </a:r>
+            <a:r>
+              <a:rPr lang="en-US" sz="1200" b="0" i="0" dirty="0">
+                <a:solidFill>
+                  <a:schemeClr val="tx1">
+                    <a:lumMod val="85000"/>
+                  </a:schemeClr>
+                </a:solidFill>
+                <a:effectLst/>
+                <a:latin typeface="Open Sans" panose="020B0606030504020204" pitchFamily="34" charset="0"/>
+              </a:rPr>
+              <a:t>("Flute");</a:t>
+            </a:r>
+          </a:p>
+          <a:p>
+            <a:pPr lvl="1"/>
+            <a:r>
+              <a:rPr lang="en-US" sz="1200" b="0" i="0" dirty="0" err="1">
+                <a:solidFill>
+                  <a:schemeClr val="tx1">
+                    <a:lumMod val="85000"/>
+                  </a:schemeClr>
+                </a:solidFill>
+                <a:effectLst/>
+                <a:latin typeface="Open Sans" panose="020B0606030504020204" pitchFamily="34" charset="0"/>
+              </a:rPr>
+              <a:t>myInstruments.add</a:t>
+            </a:r>
+            <a:r>
+              <a:rPr lang="en-US" sz="1200" b="0" i="0" dirty="0">
+                <a:solidFill>
+                  <a:schemeClr val="tx1">
+                    <a:lumMod val="85000"/>
+                  </a:schemeClr>
+                </a:solidFill>
+                <a:effectLst/>
+                <a:latin typeface="Open Sans" panose="020B0606030504020204" pitchFamily="34" charset="0"/>
+              </a:rPr>
+              <a:t>("Clarinet");</a:t>
+            </a:r>
+          </a:p>
+          <a:p>
+            <a:pPr lvl="1"/>
+            <a:r>
+              <a:rPr lang="en-US" sz="1200" b="0" i="0" dirty="0" err="1">
+                <a:solidFill>
+                  <a:schemeClr val="tx1">
+                    <a:lumMod val="85000"/>
+                  </a:schemeClr>
+                </a:solidFill>
+                <a:effectLst/>
+                <a:latin typeface="Open Sans" panose="020B0606030504020204" pitchFamily="34" charset="0"/>
+              </a:rPr>
+              <a:t>myInstruments.add</a:t>
+            </a:r>
+            <a:r>
+              <a:rPr lang="en-US" sz="1200" b="0" i="0" dirty="0">
+                <a:solidFill>
+                  <a:schemeClr val="tx1">
+                    <a:lumMod val="85000"/>
+                  </a:schemeClr>
+                </a:solidFill>
+                <a:effectLst/>
+                <a:latin typeface="Open Sans" panose="020B0606030504020204" pitchFamily="34" charset="0"/>
+              </a:rPr>
+              <a:t>("Oboe");</a:t>
+            </a:r>
+          </a:p>
+          <a:p>
+            <a:pPr algn="l"/>
+            <a:endParaRPr lang="en-US" b="0" i="0" dirty="0">
+              <a:solidFill>
+                <a:schemeClr val="tx1">
+                  <a:lumMod val="85000"/>
+                </a:schemeClr>
+              </a:solidFill>
+              <a:effectLst/>
+              <a:latin typeface="Open Sans" panose="020B0606030504020204" pitchFamily="34" charset="0"/>
+            </a:endParaRPr>
+          </a:p>
         </p:txBody>
       </p:sp>
       <p:sp>
@@ -6066,7 +6324,7 @@
           <p:cNvPr id="5" name="TextBox 4">
             <a:extLst>
               <a:ext uri="{FF2B5EF4-FFF2-40B4-BE49-F238E27FC236}">
-                <a16:creationId xmlns:a16="http://schemas.microsoft.com/office/drawing/2014/main" id="{468397A7-672B-24AB-3F61-0F9A073389EE}"/>
+                <a16:creationId xmlns:a16="http://schemas.microsoft.com/office/drawing/2014/main" id="{B437B980-7F96-675E-3EC5-34BF0DF65123}"/>
               </a:ext>
             </a:extLst>
           </p:cNvPr>
@@ -6102,7 +6360,7 @@
     </p:spTree>
     <p:extLst>
       <p:ext uri="{BB962C8B-B14F-4D97-AF65-F5344CB8AC3E}">
-        <p14:creationId xmlns:p14="http://schemas.microsoft.com/office/powerpoint/2010/main" val="2491041013"/>
+        <p14:creationId xmlns:p14="http://schemas.microsoft.com/office/powerpoint/2010/main" val="3007476099"/>
       </p:ext>
     </p:extLst>
   </p:cSld>
@@ -6165,7 +6423,7 @@
                 </a:solidFill>
                 <a:latin typeface="Open Sans" panose="020B0606030504020204" pitchFamily="34" charset="0"/>
               </a:rPr>
-              <a:t>Sets</a:t>
+              <a:t>Lists</a:t>
             </a:r>
             <a:endParaRPr lang="en-US" sz="2400" b="1" dirty="0">
               <a:solidFill>
@@ -6192,7 +6450,7 @@
         <p:spPr>
           <a:xfrm>
             <a:off x="193251" y="624665"/>
-            <a:ext cx="11931637" cy="3416320"/>
+            <a:ext cx="11931637" cy="5355312"/>
           </a:xfrm>
           <a:prstGeom prst="rect">
             <a:avLst/>
@@ -6226,19 +6484,263 @@
                 <a:effectLst/>
                 <a:latin typeface="Open Sans" panose="020B0606030504020204" pitchFamily="34" charset="0"/>
               </a:rPr>
-              <a:t>Set is a Collection that cannot contain duplicate elements</a:t>
-            </a:r>
-            <a:r>
-              <a:rPr lang="en-US" b="0" i="0" dirty="0">
-                <a:solidFill>
-                  <a:schemeClr val="tx1">
-                    <a:lumMod val="85000"/>
-                  </a:schemeClr>
-                </a:solidFill>
-                <a:effectLst/>
-                <a:latin typeface="Open Sans" panose="020B0606030504020204" pitchFamily="34" charset="0"/>
-              </a:rPr>
-              <a:t>. It models the mathematical set abstraction. The Set interface contains only methods inherited from Collection and adds the restriction that duplicate elements are prohibited.</a:t>
+              <a:t>List is an ordered Collection (sometimes called a sequence)</a:t>
+            </a:r>
+            <a:r>
+              <a:rPr lang="en-US" b="0" i="0" dirty="0">
+                <a:solidFill>
+                  <a:schemeClr val="tx1">
+                    <a:lumMod val="85000"/>
+                  </a:schemeClr>
+                </a:solidFill>
+                <a:effectLst/>
+                <a:latin typeface="Open Sans" panose="020B0606030504020204" pitchFamily="34" charset="0"/>
+              </a:rPr>
+              <a:t>. Lists may contain duplicate elements. In addition to the operations inherited from Collection, the List interface includes operations for the following:</a:t>
+            </a:r>
+          </a:p>
+          <a:p>
+            <a:pPr algn="l"/>
+            <a:endParaRPr lang="en-US" b="0" i="0" dirty="0">
+              <a:solidFill>
+                <a:schemeClr val="tx1">
+                  <a:lumMod val="85000"/>
+                </a:schemeClr>
+              </a:solidFill>
+              <a:effectLst/>
+              <a:latin typeface="Open Sans" panose="020B0606030504020204" pitchFamily="34" charset="0"/>
+            </a:endParaRPr>
+          </a:p>
+          <a:p>
+            <a:pPr marL="285750" indent="-285750" algn="l">
+              <a:buFont typeface="Arial" panose="020B0604020202020204" pitchFamily="34" charset="0"/>
+              <a:buChar char="•"/>
+            </a:pPr>
+            <a:r>
+              <a:rPr lang="en-US" b="0" i="0" dirty="0">
+                <a:solidFill>
+                  <a:srgbClr val="00B0F0"/>
+                </a:solidFill>
+                <a:effectLst/>
+                <a:latin typeface="Open Sans" panose="020B0606030504020204" pitchFamily="34" charset="0"/>
+              </a:rPr>
+              <a:t>Positional access </a:t>
+            </a:r>
+            <a:r>
+              <a:rPr lang="en-US" b="0" i="0" dirty="0">
+                <a:solidFill>
+                  <a:schemeClr val="tx1">
+                    <a:lumMod val="85000"/>
+                  </a:schemeClr>
+                </a:solidFill>
+                <a:effectLst/>
+                <a:latin typeface="Open Sans" panose="020B0606030504020204" pitchFamily="34" charset="0"/>
+              </a:rPr>
+              <a:t>— manipulates elements based on their numerical position in the list. This includes methods such as get, set, add, </a:t>
+            </a:r>
+            <a:r>
+              <a:rPr lang="en-US" b="0" i="0" dirty="0" err="1">
+                <a:solidFill>
+                  <a:schemeClr val="tx1">
+                    <a:lumMod val="85000"/>
+                  </a:schemeClr>
+                </a:solidFill>
+                <a:effectLst/>
+                <a:latin typeface="Open Sans" panose="020B0606030504020204" pitchFamily="34" charset="0"/>
+              </a:rPr>
+              <a:t>addAll</a:t>
+            </a:r>
+            <a:r>
+              <a:rPr lang="en-US" b="0" i="0" dirty="0">
+                <a:solidFill>
+                  <a:schemeClr val="tx1">
+                    <a:lumMod val="85000"/>
+                  </a:schemeClr>
+                </a:solidFill>
+                <a:effectLst/>
+                <a:latin typeface="Open Sans" panose="020B0606030504020204" pitchFamily="34" charset="0"/>
+              </a:rPr>
+              <a:t>, and remove.</a:t>
+            </a:r>
+          </a:p>
+          <a:p>
+            <a:pPr marL="285750" indent="-285750" algn="l">
+              <a:buFont typeface="Arial" panose="020B0604020202020204" pitchFamily="34" charset="0"/>
+              <a:buChar char="•"/>
+            </a:pPr>
+            <a:r>
+              <a:rPr lang="en-US" b="0" i="0" dirty="0">
+                <a:solidFill>
+                  <a:srgbClr val="00B0F0"/>
+                </a:solidFill>
+                <a:effectLst/>
+                <a:latin typeface="Open Sans" panose="020B0606030504020204" pitchFamily="34" charset="0"/>
+              </a:rPr>
+              <a:t>Search</a:t>
+            </a:r>
+            <a:r>
+              <a:rPr lang="en-US" b="0" i="0" dirty="0">
+                <a:solidFill>
+                  <a:schemeClr val="tx1">
+                    <a:lumMod val="85000"/>
+                  </a:schemeClr>
+                </a:solidFill>
+                <a:effectLst/>
+                <a:latin typeface="Open Sans" panose="020B0606030504020204" pitchFamily="34" charset="0"/>
+              </a:rPr>
+              <a:t> — searches for a specified object in the list and returns its numerical position. Search methods include </a:t>
+            </a:r>
+            <a:r>
+              <a:rPr lang="en-US" b="0" i="0" dirty="0" err="1">
+                <a:solidFill>
+                  <a:schemeClr val="tx1">
+                    <a:lumMod val="85000"/>
+                  </a:schemeClr>
+                </a:solidFill>
+                <a:effectLst/>
+                <a:latin typeface="Open Sans" panose="020B0606030504020204" pitchFamily="34" charset="0"/>
+              </a:rPr>
+              <a:t>indexOf</a:t>
+            </a:r>
+            <a:r>
+              <a:rPr lang="en-US" b="0" i="0" dirty="0">
+                <a:solidFill>
+                  <a:schemeClr val="tx1">
+                    <a:lumMod val="85000"/>
+                  </a:schemeClr>
+                </a:solidFill>
+                <a:effectLst/>
+                <a:latin typeface="Open Sans" panose="020B0606030504020204" pitchFamily="34" charset="0"/>
+              </a:rPr>
+              <a:t> and </a:t>
+            </a:r>
+            <a:r>
+              <a:rPr lang="en-US" b="0" i="0" dirty="0" err="1">
+                <a:solidFill>
+                  <a:schemeClr val="tx1">
+                    <a:lumMod val="85000"/>
+                  </a:schemeClr>
+                </a:solidFill>
+                <a:effectLst/>
+                <a:latin typeface="Open Sans" panose="020B0606030504020204" pitchFamily="34" charset="0"/>
+              </a:rPr>
+              <a:t>lastIndexOf</a:t>
+            </a:r>
+            <a:r>
+              <a:rPr lang="en-US" b="0" i="0" dirty="0">
+                <a:solidFill>
+                  <a:schemeClr val="tx1">
+                    <a:lumMod val="85000"/>
+                  </a:schemeClr>
+                </a:solidFill>
+                <a:effectLst/>
+                <a:latin typeface="Open Sans" panose="020B0606030504020204" pitchFamily="34" charset="0"/>
+              </a:rPr>
+              <a:t>.</a:t>
+            </a:r>
+          </a:p>
+          <a:p>
+            <a:pPr marL="285750" indent="-285750" algn="l">
+              <a:buFont typeface="Arial" panose="020B0604020202020204" pitchFamily="34" charset="0"/>
+              <a:buChar char="•"/>
+            </a:pPr>
+            <a:r>
+              <a:rPr lang="en-US" b="0" i="0" dirty="0">
+                <a:solidFill>
+                  <a:srgbClr val="00B0F0"/>
+                </a:solidFill>
+                <a:effectLst/>
+                <a:latin typeface="Open Sans" panose="020B0606030504020204" pitchFamily="34" charset="0"/>
+              </a:rPr>
+              <a:t>Iteration</a:t>
+            </a:r>
+            <a:r>
+              <a:rPr lang="en-US" b="0" i="0" dirty="0">
+                <a:solidFill>
+                  <a:schemeClr val="tx1">
+                    <a:lumMod val="85000"/>
+                  </a:schemeClr>
+                </a:solidFill>
+                <a:effectLst/>
+                <a:latin typeface="Open Sans" panose="020B0606030504020204" pitchFamily="34" charset="0"/>
+              </a:rPr>
+              <a:t> — extends Iterator semantics to take advantage of the list's sequential nature. The </a:t>
+            </a:r>
+            <a:r>
+              <a:rPr lang="en-US" b="0" i="0" dirty="0" err="1">
+                <a:solidFill>
+                  <a:schemeClr val="tx1">
+                    <a:lumMod val="85000"/>
+                  </a:schemeClr>
+                </a:solidFill>
+                <a:effectLst/>
+                <a:latin typeface="Open Sans" panose="020B0606030504020204" pitchFamily="34" charset="0"/>
+              </a:rPr>
+              <a:t>listIterator</a:t>
+            </a:r>
+            <a:r>
+              <a:rPr lang="en-US" b="0" i="0" dirty="0">
+                <a:solidFill>
+                  <a:schemeClr val="tx1">
+                    <a:lumMod val="85000"/>
+                  </a:schemeClr>
+                </a:solidFill>
+                <a:effectLst/>
+                <a:latin typeface="Open Sans" panose="020B0606030504020204" pitchFamily="34" charset="0"/>
+              </a:rPr>
+              <a:t> methods provide this behavior.</a:t>
+            </a:r>
+          </a:p>
+          <a:p>
+            <a:pPr marL="285750" indent="-285750" algn="l">
+              <a:buFont typeface="Arial" panose="020B0604020202020204" pitchFamily="34" charset="0"/>
+              <a:buChar char="•"/>
+            </a:pPr>
+            <a:r>
+              <a:rPr lang="en-US" b="0" i="0" dirty="0">
+                <a:solidFill>
+                  <a:srgbClr val="00B0F0"/>
+                </a:solidFill>
+                <a:effectLst/>
+                <a:latin typeface="Open Sans" panose="020B0606030504020204" pitchFamily="34" charset="0"/>
+              </a:rPr>
+              <a:t>Range-view</a:t>
+            </a:r>
+            <a:r>
+              <a:rPr lang="en-US" b="0" i="0" dirty="0">
+                <a:solidFill>
+                  <a:schemeClr val="tx1">
+                    <a:lumMod val="85000"/>
+                  </a:schemeClr>
+                </a:solidFill>
+                <a:effectLst/>
+                <a:latin typeface="Open Sans" panose="020B0606030504020204" pitchFamily="34" charset="0"/>
+              </a:rPr>
+              <a:t> — The </a:t>
+            </a:r>
+            <a:r>
+              <a:rPr lang="en-US" b="0" i="0" dirty="0" err="1">
+                <a:solidFill>
+                  <a:schemeClr val="tx1">
+                    <a:lumMod val="85000"/>
+                  </a:schemeClr>
+                </a:solidFill>
+                <a:effectLst/>
+                <a:latin typeface="Open Sans" panose="020B0606030504020204" pitchFamily="34" charset="0"/>
+              </a:rPr>
+              <a:t>sublist</a:t>
+            </a:r>
+            <a:r>
+              <a:rPr lang="en-US" b="0" i="0" dirty="0">
+                <a:solidFill>
+                  <a:schemeClr val="tx1">
+                    <a:lumMod val="85000"/>
+                  </a:schemeClr>
+                </a:solidFill>
+                <a:effectLst/>
+                <a:latin typeface="Open Sans" panose="020B0606030504020204" pitchFamily="34" charset="0"/>
+              </a:rPr>
+              <a:t> method performs arbitrary range operations on the list.</a:t>
             </a:r>
           </a:p>
           <a:p>
@@ -6254,101 +6756,13 @@
           </a:p>
           <a:p>
             <a:pPr algn="l"/>
-            <a:r>
-              <a:rPr lang="en-US" b="0" i="0" dirty="0">
-                <a:solidFill>
-                  <a:schemeClr val="tx1">
-                    <a:lumMod val="85000"/>
-                  </a:schemeClr>
-                </a:solidFill>
-                <a:effectLst/>
-                <a:latin typeface="Open Sans" panose="020B0606030504020204" pitchFamily="34" charset="0"/>
-              </a:rPr>
-              <a:t>The Java platform </a:t>
-            </a:r>
-            <a:r>
-              <a:rPr lang="en-US" b="0" i="0" dirty="0">
-                <a:solidFill>
-                  <a:srgbClr val="00B0F0"/>
-                </a:solidFill>
-                <a:effectLst/>
-                <a:latin typeface="Open Sans" panose="020B0606030504020204" pitchFamily="34" charset="0"/>
-              </a:rPr>
-              <a:t>contains three general-purpose Set implementations: HashSet, </a:t>
-            </a:r>
-            <a:r>
-              <a:rPr lang="en-US" b="0" i="0" dirty="0" err="1">
-                <a:solidFill>
-                  <a:srgbClr val="00B0F0"/>
-                </a:solidFill>
-                <a:effectLst/>
-                <a:latin typeface="Open Sans" panose="020B0606030504020204" pitchFamily="34" charset="0"/>
-              </a:rPr>
-              <a:t>TreeSet</a:t>
-            </a:r>
-            <a:r>
-              <a:rPr lang="en-US" b="0" i="0" dirty="0">
-                <a:solidFill>
-                  <a:srgbClr val="00B0F0"/>
-                </a:solidFill>
-                <a:effectLst/>
-                <a:latin typeface="Open Sans" panose="020B0606030504020204" pitchFamily="34" charset="0"/>
-              </a:rPr>
-              <a:t>, and </a:t>
-            </a:r>
-            <a:r>
-              <a:rPr lang="en-US" b="0" i="0" dirty="0" err="1">
-                <a:solidFill>
-                  <a:srgbClr val="00B0F0"/>
-                </a:solidFill>
-                <a:effectLst/>
-                <a:latin typeface="Open Sans" panose="020B0606030504020204" pitchFamily="34" charset="0"/>
-              </a:rPr>
-              <a:t>LinkedHashSet</a:t>
-            </a:r>
-            <a:r>
-              <a:rPr lang="en-US" b="0" i="0" dirty="0">
-                <a:solidFill>
-                  <a:schemeClr val="tx1">
-                    <a:lumMod val="85000"/>
-                  </a:schemeClr>
-                </a:solidFill>
-                <a:effectLst/>
-                <a:latin typeface="Open Sans" panose="020B0606030504020204" pitchFamily="34" charset="0"/>
-              </a:rPr>
-              <a:t>. </a:t>
-            </a:r>
-            <a:r>
-              <a:rPr lang="en-US" b="0" i="0" dirty="0">
-                <a:solidFill>
-                  <a:srgbClr val="00B0F0"/>
-                </a:solidFill>
-                <a:effectLst/>
-                <a:latin typeface="Open Sans" panose="020B0606030504020204" pitchFamily="34" charset="0"/>
-              </a:rPr>
-              <a:t>HashSet</a:t>
-            </a:r>
-            <a:r>
-              <a:rPr lang="en-US" b="0" i="0" dirty="0">
-                <a:solidFill>
-                  <a:schemeClr val="tx1">
-                    <a:lumMod val="85000"/>
-                  </a:schemeClr>
-                </a:solidFill>
-                <a:effectLst/>
-                <a:latin typeface="Open Sans" panose="020B0606030504020204" pitchFamily="34" charset="0"/>
-              </a:rPr>
-              <a:t>, which stores its elements in a hash table, is the best-performing implementation; however it makes no guarantees concerning the order of iteration.</a:t>
-            </a:r>
-          </a:p>
-          <a:p>
-            <a:pPr algn="l"/>
-            <a:endParaRPr lang="en-US" dirty="0">
+            <a:endParaRPr lang="en-US" b="0" i="0" dirty="0">
               <a:solidFill>
                 <a:schemeClr val="tx1">
                   <a:lumMod val="85000"/>
                 </a:schemeClr>
               </a:solidFill>
+              <a:effectLst/>
               <a:latin typeface="Open Sans" panose="020B0606030504020204" pitchFamily="34" charset="0"/>
             </a:endParaRPr>
           </a:p>
@@ -6364,7 +6778,7 @@
                 <a:effectLst/>
                 <a:latin typeface="Open Sans" panose="020B0606030504020204" pitchFamily="34" charset="0"/>
               </a:rPr>
-              <a:t>Set:</a:t>
+              <a:t>A List:</a:t>
             </a:r>
           </a:p>
           <a:p>
@@ -6379,7 +6793,7 @@
                 <a:effectLst/>
                 <a:latin typeface="Open Sans" panose="020B0606030504020204" pitchFamily="34" charset="0"/>
               </a:rPr>
-              <a:t>No Duplicates</a:t>
+              <a:t>- Is Ordered</a:t>
             </a:r>
           </a:p>
           <a:p>
@@ -6394,7 +6808,7 @@
                 <a:effectLst/>
                 <a:latin typeface="Open Sans" panose="020B0606030504020204" pitchFamily="34" charset="0"/>
               </a:rPr>
-              <a:t>At most one Null element</a:t>
+              <a:t>- Preserves Insertion Order</a:t>
             </a:r>
           </a:p>
           <a:p>
@@ -6409,17 +6823,59 @@
                 <a:effectLst/>
                 <a:latin typeface="Open Sans" panose="020B0606030504020204" pitchFamily="34" charset="0"/>
               </a:rPr>
-              <a:t>Not guaranteed to be in any particular order</a:t>
-            </a:r>
+              <a:t>- Allows Positional Access and Insertion of Items</a:t>
+            </a:r>
+          </a:p>
+          <a:p>
+            <a:pPr algn="l"/>
+            <a:r>
+              <a:rPr lang="en-US" b="0" i="0" dirty="0">
+                <a:solidFill>
+                  <a:schemeClr val="tx1">
+                    <a:lumMod val="85000"/>
+                  </a:schemeClr>
+                </a:solidFill>
+                <a:effectLst/>
+                <a:latin typeface="Open Sans" panose="020B0606030504020204" pitchFamily="34" charset="0"/>
+              </a:rPr>
+              <a:t>- Allows Duplicates</a:t>
+            </a:r>
+          </a:p>
+          <a:p>
+            <a:pPr algn="l"/>
+            <a:r>
+              <a:rPr lang="en-US" b="0" i="0" dirty="0">
+                <a:solidFill>
+                  <a:schemeClr val="tx1">
+                    <a:lumMod val="85000"/>
+                  </a:schemeClr>
+                </a:solidFill>
+                <a:effectLst/>
+                <a:latin typeface="Open Sans" panose="020B0606030504020204" pitchFamily="34" charset="0"/>
+              </a:rPr>
+              <a:t>- Is a Collection of Objects </a:t>
+            </a:r>
+          </a:p>
+          <a:p>
+            <a:pPr algn="l"/>
+            <a:endParaRPr lang="en-US" b="0" i="0" dirty="0">
+              <a:solidFill>
+                <a:schemeClr val="tx1">
+                  <a:lumMod val="85000"/>
+                </a:schemeClr>
+              </a:solidFill>
+              <a:effectLst/>
+              <a:latin typeface="Open Sans" panose="020B0606030504020204" pitchFamily="34" charset="0"/>
+            </a:endParaRPr>
           </a:p>
         </p:txBody>
       </p:sp>
       <p:sp>
         <p:nvSpPr>
-          <p:cNvPr id="8" name="TextBox 7">
+          <p:cNvPr id="5" name="TextBox 4">
             <a:extLst>
               <a:ext uri="{FF2B5EF4-FFF2-40B4-BE49-F238E27FC236}">
-                <a16:creationId xmlns:a16="http://schemas.microsoft.com/office/drawing/2014/main" id="{7C40366F-ED76-9B97-8CF7-3BAFEF94FE77}"/>
+                <a16:creationId xmlns:a16="http://schemas.microsoft.com/office/drawing/2014/main" id="{468397A7-672B-24AB-3F61-0F9A073389EE}"/>
               </a:ext>
             </a:extLst>
           </p:cNvPr>
@@ -6428,8 +6884,8 @@
         </p:nvSpPr>
         <p:spPr>
           <a:xfrm>
-            <a:off x="2837576" y="6329618"/>
-            <a:ext cx="9217404" cy="369332"/>
+            <a:off x="2961010" y="6379975"/>
+            <a:ext cx="9146796" cy="369332"/>
           </a:xfrm>
           <a:prstGeom prst="rect">
             <a:avLst/>
@@ -6446,7 +6902,7 @@
               <a:rPr lang="en-US" dirty="0">
                 <a:hlinkClick r:id="rId2"/>
               </a:rPr>
-              <a:t>https://github.com/ckiefriter1/Java-Code-Examples/blob/main/src/collections/SetExample.java</a:t>
+              <a:t>https://github.com/ckiefriter1/Java-Code-Examples/blob/main/src/collections/ListExample.java</a:t>
             </a:r>
             <a:endParaRPr lang="en-US" dirty="0"/>
           </a:p>
@@ -6455,7 +6911,7 @@
     </p:spTree>
     <p:extLst>
       <p:ext uri="{BB962C8B-B14F-4D97-AF65-F5344CB8AC3E}">
-        <p14:creationId xmlns:p14="http://schemas.microsoft.com/office/powerpoint/2010/main" val="491903796"/>
+        <p14:creationId xmlns:p14="http://schemas.microsoft.com/office/powerpoint/2010/main" val="2491041013"/>
       </p:ext>
     </p:extLst>
   </p:cSld>
@@ -6516,11 +6972,17 @@
                 <a:solidFill>
                   <a:srgbClr val="00B050"/>
                 </a:solidFill>
-                <a:effectLst/>
-                <a:latin typeface="Open Sans" panose="020B0606030504020204" pitchFamily="34" charset="0"/>
-              </a:rPr>
-              <a:t>Maps</a:t>
-            </a:r>
+                <a:latin typeface="Open Sans" panose="020B0606030504020204" pitchFamily="34" charset="0"/>
+              </a:rPr>
+              <a:t>Sets</a:t>
+            </a:r>
+            <a:endParaRPr lang="en-US" sz="2400" b="1" dirty="0">
+              <a:solidFill>
+                <a:srgbClr val="00B050"/>
+              </a:solidFill>
+              <a:effectLst/>
+              <a:latin typeface="Open Sans" panose="020B0606030504020204" pitchFamily="34" charset="0"/>
+            </a:endParaRPr>
           </a:p>
         </p:txBody>
       </p:sp>
@@ -6539,7 +7001,7 @@
         <p:spPr>
           <a:xfrm>
             <a:off x="193251" y="624665"/>
-            <a:ext cx="11931637" cy="2308324"/>
+            <a:ext cx="11931637" cy="3416320"/>
           </a:xfrm>
           <a:prstGeom prst="rect">
             <a:avLst/>
@@ -6566,198 +7028,36 @@
               <a:t>A </a:t>
             </a:r>
             <a:r>
-              <a:rPr lang="en-US" dirty="0">
+              <a:rPr lang="en-US" b="0" i="0" dirty="0">
                 <a:solidFill>
                   <a:srgbClr val="00B0F0"/>
                 </a:solidFill>
-                <a:latin typeface="Open Sans" panose="020B0606030504020204" pitchFamily="34" charset="0"/>
-              </a:rPr>
-              <a:t>Map</a:t>
-            </a:r>
-            <a:r>
-              <a:rPr lang="en-US" b="0" i="0" dirty="0">
-                <a:solidFill>
-                  <a:schemeClr val="tx1">
-                    <a:lumMod val="85000"/>
-                  </a:schemeClr>
-                </a:solidFill>
-                <a:effectLst/>
-                <a:latin typeface="Open Sans" panose="020B0606030504020204" pitchFamily="34" charset="0"/>
-              </a:rPr>
-              <a:t> is an </a:t>
-            </a:r>
-            <a:r>
-              <a:rPr lang="en-US" dirty="0">
-                <a:solidFill>
-                  <a:srgbClr val="00B0F0"/>
-                </a:solidFill>
-                <a:latin typeface="Open Sans" panose="020B0606030504020204" pitchFamily="34" charset="0"/>
-              </a:rPr>
-              <a:t>object that maps keys to values</a:t>
-            </a:r>
-            <a:r>
-              <a:rPr lang="en-US" b="0" i="0" dirty="0">
-                <a:solidFill>
-                  <a:schemeClr val="tx1">
-                    <a:lumMod val="85000"/>
-                  </a:schemeClr>
-                </a:solidFill>
-                <a:effectLst/>
-                <a:latin typeface="Open Sans" panose="020B0606030504020204" pitchFamily="34" charset="0"/>
-              </a:rPr>
-              <a:t>. A map </a:t>
-            </a:r>
-            <a:r>
-              <a:rPr lang="en-US" dirty="0">
-                <a:solidFill>
-                  <a:srgbClr val="00B0F0"/>
-                </a:solidFill>
-                <a:latin typeface="Open Sans" panose="020B0606030504020204" pitchFamily="34" charset="0"/>
-              </a:rPr>
-              <a:t>cannot contain duplicate keys</a:t>
-            </a:r>
-            <a:r>
-              <a:rPr lang="en-US" b="0" i="0" dirty="0">
-                <a:solidFill>
-                  <a:schemeClr val="tx1">
-                    <a:lumMod val="85000"/>
-                  </a:schemeClr>
-                </a:solidFill>
-                <a:effectLst/>
-                <a:latin typeface="Open Sans" panose="020B0606030504020204" pitchFamily="34" charset="0"/>
-              </a:rPr>
-              <a:t>: Each key can map to at most one value. It models the mathematical function abstraction. The Map interface includes methods for basic operations (such as put, get, remove, </a:t>
-            </a:r>
-            <a:r>
-              <a:rPr lang="en-US" b="0" i="0" dirty="0" err="1">
-                <a:solidFill>
-                  <a:schemeClr val="tx1">
-                    <a:lumMod val="85000"/>
-                  </a:schemeClr>
-                </a:solidFill>
-                <a:effectLst/>
-                <a:latin typeface="Open Sans" panose="020B0606030504020204" pitchFamily="34" charset="0"/>
-              </a:rPr>
-              <a:t>containsKey</a:t>
-            </a:r>
-            <a:r>
-              <a:rPr lang="en-US" b="0" i="0" dirty="0">
-                <a:solidFill>
-                  <a:schemeClr val="tx1">
-                    <a:lumMod val="85000"/>
-                  </a:schemeClr>
-                </a:solidFill>
-                <a:effectLst/>
-                <a:latin typeface="Open Sans" panose="020B0606030504020204" pitchFamily="34" charset="0"/>
-              </a:rPr>
-              <a:t>, </a:t>
-            </a:r>
-            <a:r>
-              <a:rPr lang="en-US" b="0" i="0" dirty="0" err="1">
-                <a:solidFill>
-                  <a:schemeClr val="tx1">
-                    <a:lumMod val="85000"/>
-                  </a:schemeClr>
-                </a:solidFill>
-                <a:effectLst/>
-                <a:latin typeface="Open Sans" panose="020B0606030504020204" pitchFamily="34" charset="0"/>
-              </a:rPr>
-              <a:t>containsValue</a:t>
-            </a:r>
-            <a:r>
-              <a:rPr lang="en-US" b="0" i="0" dirty="0">
-                <a:solidFill>
-                  <a:schemeClr val="tx1">
-                    <a:lumMod val="85000"/>
-                  </a:schemeClr>
-                </a:solidFill>
-                <a:effectLst/>
-                <a:latin typeface="Open Sans" panose="020B0606030504020204" pitchFamily="34" charset="0"/>
-              </a:rPr>
-              <a:t>, size, and empty), bulk operations (such as </a:t>
-            </a:r>
-            <a:r>
-              <a:rPr lang="en-US" b="0" i="0" dirty="0" err="1">
-                <a:solidFill>
-                  <a:schemeClr val="tx1">
-                    <a:lumMod val="85000"/>
-                  </a:schemeClr>
-                </a:solidFill>
-                <a:effectLst/>
-                <a:latin typeface="Open Sans" panose="020B0606030504020204" pitchFamily="34" charset="0"/>
-              </a:rPr>
-              <a:t>putAll</a:t>
-            </a:r>
-            <a:r>
-              <a:rPr lang="en-US" b="0" i="0" dirty="0">
-                <a:solidFill>
-                  <a:schemeClr val="tx1">
-                    <a:lumMod val="85000"/>
-                  </a:schemeClr>
-                </a:solidFill>
-                <a:effectLst/>
-                <a:latin typeface="Open Sans" panose="020B0606030504020204" pitchFamily="34" charset="0"/>
-              </a:rPr>
-              <a:t> and clear), and collection views (such as </a:t>
-            </a:r>
-            <a:r>
-              <a:rPr lang="en-US" b="0" i="0" dirty="0" err="1">
-                <a:solidFill>
-                  <a:schemeClr val="tx1">
-                    <a:lumMod val="85000"/>
-                  </a:schemeClr>
-                </a:solidFill>
-                <a:effectLst/>
-                <a:latin typeface="Open Sans" panose="020B0606030504020204" pitchFamily="34" charset="0"/>
-              </a:rPr>
-              <a:t>keySet</a:t>
-            </a:r>
-            <a:r>
-              <a:rPr lang="en-US" b="0" i="0" dirty="0">
-                <a:solidFill>
-                  <a:schemeClr val="tx1">
-                    <a:lumMod val="85000"/>
-                  </a:schemeClr>
-                </a:solidFill>
-                <a:effectLst/>
-                <a:latin typeface="Open Sans" panose="020B0606030504020204" pitchFamily="34" charset="0"/>
-              </a:rPr>
-              <a:t>, </a:t>
-            </a:r>
-            <a:r>
-              <a:rPr lang="en-US" b="0" i="0" dirty="0" err="1">
-                <a:solidFill>
-                  <a:schemeClr val="tx1">
-                    <a:lumMod val="85000"/>
-                  </a:schemeClr>
-                </a:solidFill>
-                <a:effectLst/>
-                <a:latin typeface="Open Sans" panose="020B0606030504020204" pitchFamily="34" charset="0"/>
-              </a:rPr>
-              <a:t>entrySet</a:t>
-            </a:r>
-            <a:r>
-              <a:rPr lang="en-US" b="0" i="0" dirty="0">
-                <a:solidFill>
-                  <a:schemeClr val="tx1">
-                    <a:lumMod val="85000"/>
-                  </a:schemeClr>
-                </a:solidFill>
-                <a:effectLst/>
-                <a:latin typeface="Open Sans" panose="020B0606030504020204" pitchFamily="34" charset="0"/>
-              </a:rPr>
-              <a:t>, and values).</a:t>
+                <a:effectLst/>
+                <a:latin typeface="Open Sans" panose="020B0606030504020204" pitchFamily="34" charset="0"/>
+              </a:rPr>
+              <a:t>Set is a Collection that cannot contain duplicate elements</a:t>
+            </a:r>
+            <a:r>
+              <a:rPr lang="en-US" b="0" i="0" dirty="0">
+                <a:solidFill>
+                  <a:schemeClr val="tx1">
+                    <a:lumMod val="85000"/>
+                  </a:schemeClr>
+                </a:solidFill>
+                <a:effectLst/>
+                <a:latin typeface="Open Sans" panose="020B0606030504020204" pitchFamily="34" charset="0"/>
+              </a:rPr>
+              <a:t>. It models the mathematical set abstraction. The Set interface contains only methods inherited from Collection and adds the restriction that duplicate elements are prohibited.</a:t>
             </a:r>
           </a:p>
           <a:p>
             <a:pPr algn="l"/>
-            <a:endParaRPr lang="en-US" b="0" i="0" dirty="0">
+            <a:endParaRPr lang="en-US" dirty="0">
               <a:solidFill>
                 <a:schemeClr val="tx1">
                   <a:lumMod val="85000"/>
                 </a:schemeClr>
               </a:solidFill>
-              <a:effectLst/>
               <a:latin typeface="Open Sans" panose="020B0606030504020204" pitchFamily="34" charset="0"/>
             </a:endParaRPr>
           </a:p>
@@ -6773,87 +7073,43 @@
                 <a:effectLst/>
                 <a:latin typeface="Open Sans" panose="020B0606030504020204" pitchFamily="34" charset="0"/>
               </a:rPr>
-              <a:t>The Java platform contains three general-purpose Map implementations: </a:t>
-            </a:r>
-            <a:r>
-              <a:rPr lang="en-US" dirty="0">
+              <a:t>The Java platform </a:t>
+            </a:r>
+            <a:r>
+              <a:rPr lang="en-US" b="0" i="0" dirty="0">
                 <a:solidFill>
                   <a:srgbClr val="00B0F0"/>
                 </a:solidFill>
-                <a:latin typeface="Open Sans" panose="020B0606030504020204" pitchFamily="34" charset="0"/>
-              </a:rPr>
-              <a:t>HashMap, </a:t>
-            </a:r>
-            <a:r>
-              <a:rPr lang="en-US" dirty="0" err="1">
+                <a:effectLst/>
+                <a:latin typeface="Open Sans" panose="020B0606030504020204" pitchFamily="34" charset="0"/>
+              </a:rPr>
+              <a:t>contains three general-purpose Set implementations: HashSet, </a:t>
+            </a:r>
+            <a:r>
+              <a:rPr lang="en-US" b="0" i="0" dirty="0" err="1">
                 <a:solidFill>
                   <a:srgbClr val="00B0F0"/>
                 </a:solidFill>
-                <a:latin typeface="Open Sans" panose="020B0606030504020204" pitchFamily="34" charset="0"/>
-              </a:rPr>
-              <a:t>TreeMap</a:t>
-            </a:r>
-            <a:r>
-              <a:rPr lang="en-US" dirty="0">
+                <a:effectLst/>
+                <a:latin typeface="Open Sans" panose="020B0606030504020204" pitchFamily="34" charset="0"/>
+              </a:rPr>
+              <a:t>TreeSet</a:t>
+            </a:r>
+            <a:r>
+              <a:rPr lang="en-US" b="0" i="0" dirty="0">
                 <a:solidFill>
                   <a:srgbClr val="00B0F0"/>
                 </a:solidFill>
+                <a:effectLst/>
                 <a:latin typeface="Open Sans" panose="020B0606030504020204" pitchFamily="34" charset="0"/>
               </a:rPr>
               <a:t>, and </a:t>
             </a:r>
             <a:r>
-              <a:rPr lang="en-US" dirty="0" err="1">
+              <a:rPr lang="en-US" b="0" i="0" dirty="0" err="1">
                 <a:solidFill>
                   <a:srgbClr val="00B0F0"/>
                 </a:solidFill>
-                <a:latin typeface="Open Sans" panose="020B0606030504020204" pitchFamily="34" charset="0"/>
-              </a:rPr>
-              <a:t>LinkedHashMap</a:t>
-            </a:r>
-            <a:r>
-              <a:rPr lang="en-US" b="0" i="0" dirty="0">
-                <a:solidFill>
-                  <a:schemeClr val="tx1">
-                    <a:lumMod val="85000"/>
-                  </a:schemeClr>
-                </a:solidFill>
-                <a:effectLst/>
-                <a:latin typeface="Open Sans" panose="020B0606030504020204" pitchFamily="34" charset="0"/>
-              </a:rPr>
-              <a:t>. Their behavior and performance are precisely analogous to HashSet, </a:t>
-            </a:r>
-            <a:r>
-              <a:rPr lang="en-US" b="0" i="0" dirty="0" err="1">
-                <a:solidFill>
-                  <a:schemeClr val="tx1">
-                    <a:lumMod val="85000"/>
-                  </a:schemeClr>
-                </a:solidFill>
-                <a:effectLst/>
-                <a:latin typeface="Open Sans" panose="020B0606030504020204" pitchFamily="34" charset="0"/>
-              </a:rPr>
-              <a:t>TreeSet</a:t>
-            </a:r>
-            <a:r>
-              <a:rPr lang="en-US" b="0" i="0" dirty="0">
-                <a:solidFill>
-                  <a:schemeClr val="tx1">
-                    <a:lumMod val="85000"/>
-                  </a:schemeClr>
-                </a:solidFill>
-                <a:effectLst/>
-                <a:latin typeface="Open Sans" panose="020B0606030504020204" pitchFamily="34" charset="0"/>
-              </a:rPr>
-              <a:t>, and </a:t>
-            </a:r>
-            <a:r>
-              <a:rPr lang="en-US" b="0" i="0" dirty="0" err="1">
-                <a:solidFill>
-                  <a:schemeClr val="tx1">
-                    <a:lumMod val="85000"/>
-                  </a:schemeClr>
-                </a:solidFill>
                 <a:effectLst/>
                 <a:latin typeface="Open Sans" panose="020B0606030504020204" pitchFamily="34" charset="0"/>
               </a:rPr>
@@ -6869,17 +7125,110 @@
                 <a:effectLst/>
                 <a:latin typeface="Open Sans" panose="020B0606030504020204" pitchFamily="34" charset="0"/>
               </a:rPr>
-              <a:t>, as described in The Set Interface section.</a:t>
+              <a:t>. </a:t>
+            </a:r>
+            <a:r>
+              <a:rPr lang="en-US" b="0" i="0" dirty="0">
+                <a:solidFill>
+                  <a:srgbClr val="00B0F0"/>
+                </a:solidFill>
+                <a:effectLst/>
+                <a:latin typeface="Open Sans" panose="020B0606030504020204" pitchFamily="34" charset="0"/>
+              </a:rPr>
+              <a:t>HashSet</a:t>
+            </a:r>
+            <a:r>
+              <a:rPr lang="en-US" b="0" i="0" dirty="0">
+                <a:solidFill>
+                  <a:schemeClr val="tx1">
+                    <a:lumMod val="85000"/>
+                  </a:schemeClr>
+                </a:solidFill>
+                <a:effectLst/>
+                <a:latin typeface="Open Sans" panose="020B0606030504020204" pitchFamily="34" charset="0"/>
+              </a:rPr>
+              <a:t>, which stores its elements in a hash table, is the best-performing implementation; however it makes no guarantees concerning the order of iteration.</a:t>
+            </a:r>
+          </a:p>
+          <a:p>
+            <a:pPr algn="l"/>
+            <a:endParaRPr lang="en-US" dirty="0">
+              <a:solidFill>
+                <a:schemeClr val="tx1">
+                  <a:lumMod val="85000"/>
+                </a:schemeClr>
+              </a:solidFill>
+              <a:latin typeface="Open Sans" panose="020B0606030504020204" pitchFamily="34" charset="0"/>
+            </a:endParaRPr>
+          </a:p>
+          <a:p>
+            <a:pPr algn="l"/>
+            <a:r>
+              <a:rPr lang="en-US" b="0" i="0" dirty="0">
+                <a:solidFill>
+                  <a:schemeClr val="tx1">
+                    <a:lumMod val="85000"/>
+                  </a:schemeClr>
+                </a:solidFill>
+                <a:effectLst/>
+                <a:latin typeface="Open Sans" panose="020B0606030504020204" pitchFamily="34" charset="0"/>
+              </a:rPr>
+              <a:t>Set:</a:t>
+            </a:r>
+          </a:p>
+          <a:p>
+            <a:pPr algn="l"/>
+            <a:r>
+              <a:rPr lang="en-US" b="0" i="0" dirty="0">
+                <a:solidFill>
+                  <a:schemeClr val="tx1">
+                    <a:lumMod val="85000"/>
+                  </a:schemeClr>
+                </a:solidFill>
+                <a:effectLst/>
+                <a:latin typeface="Open Sans" panose="020B0606030504020204" pitchFamily="34" charset="0"/>
+              </a:rPr>
+              <a:t>No Duplicates</a:t>
+            </a:r>
+          </a:p>
+          <a:p>
+            <a:pPr algn="l"/>
+            <a:r>
+              <a:rPr lang="en-US" b="0" i="0" dirty="0">
+                <a:solidFill>
+                  <a:schemeClr val="tx1">
+                    <a:lumMod val="85000"/>
+                  </a:schemeClr>
+                </a:solidFill>
+                <a:effectLst/>
+                <a:latin typeface="Open Sans" panose="020B0606030504020204" pitchFamily="34" charset="0"/>
+              </a:rPr>
+              <a:t>At most one Null element</a:t>
+            </a:r>
+          </a:p>
+          <a:p>
+            <a:pPr algn="l"/>
+            <a:r>
+              <a:rPr lang="en-US" b="0" i="0" dirty="0">
+                <a:solidFill>
+                  <a:schemeClr val="tx1">
+                    <a:lumMod val="85000"/>
+                  </a:schemeClr>
+                </a:solidFill>
+                <a:effectLst/>
+                <a:latin typeface="Open Sans" panose="020B0606030504020204" pitchFamily="34" charset="0"/>
+              </a:rPr>
+              <a:t>Not guaranteed to be in any particular order</a:t>
             </a:r>
           </a:p>
         </p:txBody>
       </p:sp>
       <p:sp>
         <p:nvSpPr>
-          <p:cNvPr id="3" name="TextBox 2">
+          <p:cNvPr id="8" name="TextBox 7">
             <a:extLst>
               <a:ext uri="{FF2B5EF4-FFF2-40B4-BE49-F238E27FC236}">
-                <a16:creationId xmlns:a16="http://schemas.microsoft.com/office/drawing/2014/main" id="{24A5F382-564E-CC53-4829-1E1BD61A1C6D}"/>
+                <a16:creationId xmlns:a16="http://schemas.microsoft.com/office/drawing/2014/main" id="{7C40366F-ED76-9B97-8CF7-3BAFEF94FE77}"/>
               </a:ext>
             </a:extLst>
           </p:cNvPr>
@@ -6888,8 +7237,8 @@
         </p:nvSpPr>
         <p:spPr>
           <a:xfrm>
-            <a:off x="2883379" y="6332115"/>
-            <a:ext cx="9400636" cy="369332"/>
+            <a:off x="2837576" y="6329618"/>
+            <a:ext cx="9217404" cy="369332"/>
           </a:xfrm>
           <a:prstGeom prst="rect">
             <a:avLst/>
@@ -6906,7 +7255,7 @@
               <a:rPr lang="en-US" dirty="0">
                 <a:hlinkClick r:id="rId2"/>
               </a:rPr>
-              <a:t>https://github.com/ckiefriter1/Java-Code-Examples/blob/main/src/collections/MapExample.java</a:t>
+              <a:t>https://github.com/ckiefriter1/Java-Code-Examples/blob/main/src/collections/SetExample.java</a:t>
             </a:r>
             <a:endParaRPr lang="en-US" dirty="0"/>
           </a:p>
@@ -6915,7 +7264,7 @@
     </p:spTree>
     <p:extLst>
       <p:ext uri="{BB962C8B-B14F-4D97-AF65-F5344CB8AC3E}">
-        <p14:creationId xmlns:p14="http://schemas.microsoft.com/office/powerpoint/2010/main" val="2582931961"/>
+        <p14:creationId xmlns:p14="http://schemas.microsoft.com/office/powerpoint/2010/main" val="491903796"/>
       </p:ext>
     </p:extLst>
   </p:cSld>
@@ -6979,7 +7328,7 @@
                 <a:effectLst/>
                 <a:latin typeface="Open Sans" panose="020B0606030504020204" pitchFamily="34" charset="0"/>
               </a:rPr>
-              <a:t>Java Wrapper Classes</a:t>
+              <a:t>Maps</a:t>
             </a:r>
           </a:p>
         </p:txBody>
@@ -6999,7 +7348,7 @@
         <p:spPr>
           <a:xfrm>
             <a:off x="193251" y="624665"/>
-            <a:ext cx="11931637" cy="4524315"/>
+            <a:ext cx="11931637" cy="2308324"/>
           </a:xfrm>
           <a:prstGeom prst="rect">
             <a:avLst/>
@@ -7016,66 +7365,197 @@
             <a:r>
               <a:rPr lang="en-US" b="0" i="0" dirty="0">
                 <a:solidFill>
+                  <a:schemeClr val="tx1">
+                    <a:lumMod val="85000"/>
+                  </a:schemeClr>
+                </a:solidFill>
+                <a:effectLst/>
+                <a:latin typeface="Open Sans" panose="020B0606030504020204" pitchFamily="34" charset="0"/>
+              </a:rPr>
+              <a:t>A </a:t>
+            </a:r>
+            <a:r>
+              <a:rPr lang="en-US" dirty="0">
+                <a:solidFill>
                   <a:srgbClr val="00B0F0"/>
                 </a:solidFill>
-                <a:effectLst/>
-                <a:latin typeface="Open Sans" panose="020B0606030504020204" pitchFamily="34" charset="0"/>
-              </a:rPr>
-              <a:t>Wrapper classes </a:t>
-            </a:r>
-            <a:r>
-              <a:rPr lang="en-US" b="0" i="0" dirty="0">
-                <a:solidFill>
-                  <a:schemeClr val="tx1">
-                    <a:lumMod val="85000"/>
-                  </a:schemeClr>
-                </a:solidFill>
-                <a:effectLst/>
-                <a:latin typeface="Open Sans" panose="020B0606030504020204" pitchFamily="34" charset="0"/>
-              </a:rPr>
-              <a:t>provide a way to </a:t>
-            </a:r>
-            <a:r>
-              <a:rPr lang="en-US" b="0" i="0" dirty="0">
+                <a:latin typeface="Open Sans" panose="020B0606030504020204" pitchFamily="34" charset="0"/>
+              </a:rPr>
+              <a:t>Map</a:t>
+            </a:r>
+            <a:r>
+              <a:rPr lang="en-US" b="0" i="0" dirty="0">
+                <a:solidFill>
+                  <a:schemeClr val="tx1">
+                    <a:lumMod val="85000"/>
+                  </a:schemeClr>
+                </a:solidFill>
+                <a:effectLst/>
+                <a:latin typeface="Open Sans" panose="020B0606030504020204" pitchFamily="34" charset="0"/>
+              </a:rPr>
+              <a:t> is an </a:t>
+            </a:r>
+            <a:r>
+              <a:rPr lang="en-US" dirty="0">
                 <a:solidFill>
                   <a:srgbClr val="00B0F0"/>
                 </a:solidFill>
-                <a:effectLst/>
-                <a:latin typeface="Open Sans" panose="020B0606030504020204" pitchFamily="34" charset="0"/>
-              </a:rPr>
-              <a:t>use primitive data types (int, </a:t>
+                <a:latin typeface="Open Sans" panose="020B0606030504020204" pitchFamily="34" charset="0"/>
+              </a:rPr>
+              <a:t>object that maps keys to values</a:t>
+            </a:r>
+            <a:r>
+              <a:rPr lang="en-US" b="0" i="0" dirty="0">
+                <a:solidFill>
+                  <a:schemeClr val="tx1">
+                    <a:lumMod val="85000"/>
+                  </a:schemeClr>
+                </a:solidFill>
+                <a:effectLst/>
+                <a:latin typeface="Open Sans" panose="020B0606030504020204" pitchFamily="34" charset="0"/>
+              </a:rPr>
+              <a:t>. A map </a:t>
+            </a:r>
+            <a:r>
+              <a:rPr lang="en-US" dirty="0">
+                <a:solidFill>
+                  <a:srgbClr val="00B0F0"/>
+                </a:solidFill>
+                <a:latin typeface="Open Sans" panose="020B0606030504020204" pitchFamily="34" charset="0"/>
+              </a:rPr>
+              <a:t>cannot contain duplicate keys</a:t>
+            </a:r>
+            <a:r>
+              <a:rPr lang="en-US" b="0" i="0" dirty="0">
+                <a:solidFill>
+                  <a:schemeClr val="tx1">
+                    <a:lumMod val="85000"/>
+                  </a:schemeClr>
+                </a:solidFill>
+                <a:effectLst/>
+                <a:latin typeface="Open Sans" panose="020B0606030504020204" pitchFamily="34" charset="0"/>
+              </a:rPr>
+              <a:t>: Each key can map to at most one value. It models the mathematical function abstraction. The Map interface includes methods for basic operations (such as put, get, remove, </a:t>
             </a:r>
             <a:r>
               <a:rPr lang="en-US" b="0" i="0" dirty="0" err="1">
                 <a:solidFill>
-                  <a:srgbClr val="00B0F0"/>
-                </a:solidFill>
-                <a:effectLst/>
-                <a:latin typeface="Open Sans" panose="020B0606030504020204" pitchFamily="34" charset="0"/>
-              </a:rPr>
-              <a:t>boolean</a:t>
-            </a:r>
-            <a:r>
-              <a:rPr lang="en-US" b="0" i="0" dirty="0">
-                <a:solidFill>
-                  <a:srgbClr val="00B0F0"/>
-                </a:solidFill>
-                <a:effectLst/>
-                <a:latin typeface="Open Sans" panose="020B0606030504020204" pitchFamily="34" charset="0"/>
-              </a:rPr>
-              <a:t>, etc..) as objects</a:t>
-            </a:r>
-            <a:r>
-              <a:rPr lang="en-US" b="0" i="0" dirty="0">
-                <a:solidFill>
-                  <a:schemeClr val="tx1">
-                    <a:lumMod val="85000"/>
-                  </a:schemeClr>
-                </a:solidFill>
-                <a:effectLst/>
-                <a:latin typeface="Open Sans" panose="020B0606030504020204" pitchFamily="34" charset="0"/>
-              </a:rPr>
-              <a:t>.</a:t>
+                  <a:schemeClr val="tx1">
+                    <a:lumMod val="85000"/>
+                  </a:schemeClr>
+                </a:solidFill>
+                <a:effectLst/>
+                <a:latin typeface="Open Sans" panose="020B0606030504020204" pitchFamily="34" charset="0"/>
+              </a:rPr>
+              <a:t>containsKey</a:t>
+            </a:r>
+            <a:r>
+              <a:rPr lang="en-US" b="0" i="0" dirty="0">
+                <a:solidFill>
+                  <a:schemeClr val="tx1">
+                    <a:lumMod val="85000"/>
+                  </a:schemeClr>
+                </a:solidFill>
+                <a:effectLst/>
+                <a:latin typeface="Open Sans" panose="020B0606030504020204" pitchFamily="34" charset="0"/>
+              </a:rPr>
+              <a:t>, </a:t>
+            </a:r>
+            <a:r>
+              <a:rPr lang="en-US" b="0" i="0" dirty="0" err="1">
+                <a:solidFill>
+                  <a:schemeClr val="tx1">
+                    <a:lumMod val="85000"/>
+                  </a:schemeClr>
+                </a:solidFill>
+                <a:effectLst/>
+                <a:latin typeface="Open Sans" panose="020B0606030504020204" pitchFamily="34" charset="0"/>
+              </a:rPr>
+              <a:t>containsValue</a:t>
+            </a:r>
+            <a:r>
+              <a:rPr lang="en-US" b="0" i="0" dirty="0">
+                <a:solidFill>
+                  <a:schemeClr val="tx1">
+                    <a:lumMod val="85000"/>
+                  </a:schemeClr>
+                </a:solidFill>
+                <a:effectLst/>
+                <a:latin typeface="Open Sans" panose="020B0606030504020204" pitchFamily="34" charset="0"/>
+              </a:rPr>
+              <a:t>, size, and empty), bulk operations (such as </a:t>
+            </a:r>
+            <a:r>
+              <a:rPr lang="en-US" b="0" i="0" dirty="0" err="1">
+                <a:solidFill>
+                  <a:schemeClr val="tx1">
+                    <a:lumMod val="85000"/>
+                  </a:schemeClr>
+                </a:solidFill>
+                <a:effectLst/>
+                <a:latin typeface="Open Sans" panose="020B0606030504020204" pitchFamily="34" charset="0"/>
+              </a:rPr>
+              <a:t>putAll</a:t>
+            </a:r>
+            <a:r>
+              <a:rPr lang="en-US" b="0" i="0" dirty="0">
+                <a:solidFill>
+                  <a:schemeClr val="tx1">
+                    <a:lumMod val="85000"/>
+                  </a:schemeClr>
+                </a:solidFill>
+                <a:effectLst/>
+                <a:latin typeface="Open Sans" panose="020B0606030504020204" pitchFamily="34" charset="0"/>
+              </a:rPr>
+              <a:t> and clear), and collection views (such as </a:t>
+            </a:r>
+            <a:r>
+              <a:rPr lang="en-US" b="0" i="0" dirty="0" err="1">
+                <a:solidFill>
+                  <a:schemeClr val="tx1">
+                    <a:lumMod val="85000"/>
+                  </a:schemeClr>
+                </a:solidFill>
+                <a:effectLst/>
+                <a:latin typeface="Open Sans" panose="020B0606030504020204" pitchFamily="34" charset="0"/>
+              </a:rPr>
+              <a:t>keySet</a:t>
+            </a:r>
+            <a:r>
+              <a:rPr lang="en-US" b="0" i="0" dirty="0">
+                <a:solidFill>
+                  <a:schemeClr val="tx1">
+                    <a:lumMod val="85000"/>
+                  </a:schemeClr>
+                </a:solidFill>
+                <a:effectLst/>
+                <a:latin typeface="Open Sans" panose="020B0606030504020204" pitchFamily="34" charset="0"/>
+              </a:rPr>
+              <a:t>, </a:t>
+            </a:r>
+            <a:r>
+              <a:rPr lang="en-US" b="0" i="0" dirty="0" err="1">
+                <a:solidFill>
+                  <a:schemeClr val="tx1">
+                    <a:lumMod val="85000"/>
+                  </a:schemeClr>
+                </a:solidFill>
+                <a:effectLst/>
+                <a:latin typeface="Open Sans" panose="020B0606030504020204" pitchFamily="34" charset="0"/>
+              </a:rPr>
+              <a:t>entrySet</a:t>
+            </a:r>
+            <a:r>
+              <a:rPr lang="en-US" b="0" i="0" dirty="0">
+                <a:solidFill>
+                  <a:schemeClr val="tx1">
+                    <a:lumMod val="85000"/>
+                  </a:schemeClr>
+                </a:solidFill>
+                <a:effectLst/>
+                <a:latin typeface="Open Sans" panose="020B0606030504020204" pitchFamily="34" charset="0"/>
+              </a:rPr>
+              <a:t>, and values).</a:t>
             </a:r>
           </a:p>
           <a:p>
@@ -7102,126 +7582,56 @@
                 <a:effectLst/>
                 <a:latin typeface="Open Sans" panose="020B0606030504020204" pitchFamily="34" charset="0"/>
               </a:rPr>
-              <a:t>The table below shows the primitive type and the equivalent wrapper class:</a:t>
-            </a:r>
-          </a:p>
-          <a:p>
-            <a:pPr algn="l"/>
-            <a:endParaRPr lang="en-US" b="0" i="0" dirty="0">
-              <a:solidFill>
-                <a:schemeClr val="tx1">
-                  <a:lumMod val="85000"/>
-                </a:schemeClr>
-              </a:solidFill>
-              <a:effectLst/>
-              <a:latin typeface="Open Sans" panose="020B0606030504020204" pitchFamily="34" charset="0"/>
-            </a:endParaRPr>
-          </a:p>
-          <a:p>
-            <a:pPr algn="l"/>
-            <a:r>
-              <a:rPr lang="en-US" b="0" i="0" dirty="0">
+              <a:t>The Java platform contains three general-purpose Map implementations: </a:t>
+            </a:r>
+            <a:r>
+              <a:rPr lang="en-US" dirty="0">
                 <a:solidFill>
                   <a:srgbClr val="00B0F0"/>
                 </a:solidFill>
-                <a:effectLst/>
-                <a:latin typeface="Open Sans" panose="020B0606030504020204" pitchFamily="34" charset="0"/>
-              </a:rPr>
-              <a:t>Primitive Data Type	Wrapper Class</a:t>
-            </a:r>
-          </a:p>
-          <a:p>
-            <a:pPr algn="l"/>
-            <a:r>
-              <a:rPr lang="en-US" b="0" i="0" dirty="0">
-                <a:solidFill>
-                  <a:schemeClr val="tx1">
-                    <a:lumMod val="85000"/>
-                  </a:schemeClr>
-                </a:solidFill>
-                <a:effectLst/>
-                <a:latin typeface="Open Sans" panose="020B0606030504020204" pitchFamily="34" charset="0"/>
-              </a:rPr>
-              <a:t>byte			Byte</a:t>
-            </a:r>
-          </a:p>
-          <a:p>
-            <a:pPr algn="l"/>
-            <a:r>
-              <a:rPr lang="en-US" b="0" i="0" dirty="0">
-                <a:solidFill>
-                  <a:schemeClr val="tx1">
-                    <a:lumMod val="85000"/>
-                  </a:schemeClr>
-                </a:solidFill>
-                <a:effectLst/>
-                <a:latin typeface="Open Sans" panose="020B0606030504020204" pitchFamily="34" charset="0"/>
-              </a:rPr>
-              <a:t>short			Short</a:t>
-            </a:r>
-          </a:p>
-          <a:p>
-            <a:pPr algn="l"/>
-            <a:r>
-              <a:rPr lang="en-US" b="0" i="0" dirty="0">
-                <a:solidFill>
-                  <a:schemeClr val="tx1">
-                    <a:lumMod val="85000"/>
-                  </a:schemeClr>
-                </a:solidFill>
-                <a:effectLst/>
-                <a:latin typeface="Open Sans" panose="020B0606030504020204" pitchFamily="34" charset="0"/>
-              </a:rPr>
-              <a:t>int			Integer</a:t>
-            </a:r>
-          </a:p>
-          <a:p>
-            <a:pPr algn="l"/>
-            <a:r>
-              <a:rPr lang="en-US" b="0" i="0" dirty="0">
-                <a:solidFill>
-                  <a:schemeClr val="tx1">
-                    <a:lumMod val="85000"/>
-                  </a:schemeClr>
-                </a:solidFill>
-                <a:effectLst/>
-                <a:latin typeface="Open Sans" panose="020B0606030504020204" pitchFamily="34" charset="0"/>
-              </a:rPr>
-              <a:t>long			Long</a:t>
-            </a:r>
-          </a:p>
-          <a:p>
-            <a:pPr algn="l"/>
-            <a:r>
-              <a:rPr lang="en-US" b="0" i="0" dirty="0">
-                <a:solidFill>
-                  <a:schemeClr val="tx1">
-                    <a:lumMod val="85000"/>
-                  </a:schemeClr>
-                </a:solidFill>
-                <a:effectLst/>
-                <a:latin typeface="Open Sans" panose="020B0606030504020204" pitchFamily="34" charset="0"/>
-              </a:rPr>
-              <a:t>float			Float</a:t>
-            </a:r>
-          </a:p>
-          <a:p>
-            <a:pPr algn="l"/>
-            <a:r>
-              <a:rPr lang="en-US" b="0" i="0" dirty="0">
-                <a:solidFill>
-                  <a:schemeClr val="tx1">
-                    <a:lumMod val="85000"/>
-                  </a:schemeClr>
-                </a:solidFill>
-                <a:effectLst/>
-                <a:latin typeface="Open Sans" panose="020B0606030504020204" pitchFamily="34" charset="0"/>
-              </a:rPr>
-              <a:t>double			Double</a:t>
-            </a:r>
-          </a:p>
-          <a:p>
-            <a:pPr algn="l"/>
+                <a:latin typeface="Open Sans" panose="020B0606030504020204" pitchFamily="34" charset="0"/>
+              </a:rPr>
+              <a:t>HashMap, </a:t>
+            </a:r>
+            <a:r>
+              <a:rPr lang="en-US" dirty="0" err="1">
+                <a:solidFill>
+                  <a:srgbClr val="00B0F0"/>
+                </a:solidFill>
+                <a:latin typeface="Open Sans" panose="020B0606030504020204" pitchFamily="34" charset="0"/>
+              </a:rPr>
+              <a:t>TreeMap</a:t>
+            </a:r>
+            <a:r>
+              <a:rPr lang="en-US" dirty="0">
+                <a:solidFill>
+                  <a:srgbClr val="00B0F0"/>
+                </a:solidFill>
+                <a:latin typeface="Open Sans" panose="020B0606030504020204" pitchFamily="34" charset="0"/>
+              </a:rPr>
+              <a:t>, and </a:t>
+            </a:r>
+            <a:r>
+              <a:rPr lang="en-US" dirty="0" err="1">
+                <a:solidFill>
+                  <a:srgbClr val="00B0F0"/>
+                </a:solidFill>
+                <a:latin typeface="Open Sans" panose="020B0606030504020204" pitchFamily="34" charset="0"/>
+              </a:rPr>
+              <a:t>LinkedHashMap</a:t>
+            </a:r>
+            <a:r>
+              <a:rPr lang="en-US" b="0" i="0" dirty="0">
+                <a:solidFill>
+                  <a:schemeClr val="tx1">
+                    <a:lumMod val="85000"/>
+                  </a:schemeClr>
+                </a:solidFill>
+                <a:effectLst/>
+                <a:latin typeface="Open Sans" panose="020B0606030504020204" pitchFamily="34" charset="0"/>
+              </a:rPr>
+              <a:t>. Their behavior and performance are precisely analogous to HashSet, </a:t>
+            </a:r>
             <a:r>
               <a:rPr lang="en-US" b="0" i="0" dirty="0" err="1">
                 <a:solidFill>
@@ -7232,61 +7642,19 @@
                 <a:effectLst/>
                 <a:latin typeface="Open Sans" panose="020B0606030504020204" pitchFamily="34" charset="0"/>
               </a:rPr>
-              <a:t>boolean</a:t>
-            </a:r>
-            <a:r>
-              <a:rPr lang="en-US" b="0" i="0" dirty="0">
-                <a:solidFill>
-                  <a:schemeClr val="tx1">
-                    <a:lumMod val="85000"/>
-                  </a:schemeClr>
-                </a:solidFill>
-                <a:effectLst/>
-                <a:latin typeface="Open Sans" panose="020B0606030504020204" pitchFamily="34" charset="0"/>
-              </a:rPr>
-              <a:t>			Boolean</a:t>
-            </a:r>
-          </a:p>
-          <a:p>
-            <a:pPr algn="l"/>
-            <a:r>
-              <a:rPr lang="en-US" b="0" i="0" dirty="0">
-                <a:solidFill>
-                  <a:schemeClr val="tx1">
-                    <a:lumMod val="85000"/>
-                  </a:schemeClr>
-                </a:solidFill>
-                <a:effectLst/>
-                <a:latin typeface="Open Sans" panose="020B0606030504020204" pitchFamily="34" charset="0"/>
-              </a:rPr>
-              <a:t>char			Character</a:t>
-            </a:r>
-          </a:p>
-          <a:p>
-            <a:pPr algn="l"/>
-            <a:endParaRPr lang="en-US" b="0" i="0" dirty="0">
-              <a:solidFill>
-                <a:schemeClr val="tx1">
-                  <a:lumMod val="85000"/>
-                </a:schemeClr>
-              </a:solidFill>
-              <a:effectLst/>
-              <a:latin typeface="Open Sans" panose="020B0606030504020204" pitchFamily="34" charset="0"/>
-            </a:endParaRPr>
-          </a:p>
-          <a:p>
-            <a:pPr algn="l"/>
-            <a:r>
-              <a:rPr lang="en-US" b="0" i="0" dirty="0">
-                <a:solidFill>
-                  <a:schemeClr val="tx1">
-                    <a:lumMod val="85000"/>
-                  </a:schemeClr>
-                </a:solidFill>
-                <a:effectLst/>
-                <a:latin typeface="Open Sans" panose="020B0606030504020204" pitchFamily="34" charset="0"/>
-              </a:rPr>
-              <a:t>Sometimes you must use wrapper classes, for example when working with Collection objects, such as </a:t>
+              <a:t>TreeSet</a:t>
+            </a:r>
+            <a:r>
+              <a:rPr lang="en-US" b="0" i="0" dirty="0">
+                <a:solidFill>
+                  <a:schemeClr val="tx1">
+                    <a:lumMod val="85000"/>
+                  </a:schemeClr>
+                </a:solidFill>
+                <a:effectLst/>
+                <a:latin typeface="Open Sans" panose="020B0606030504020204" pitchFamily="34" charset="0"/>
+              </a:rPr>
+              <a:t>, and </a:t>
             </a:r>
             <a:r>
               <a:rPr lang="en-US" b="0" i="0" dirty="0" err="1">
@@ -7298,59 +7666,29 @@
                 <a:effectLst/>
                 <a:latin typeface="Open Sans" panose="020B0606030504020204" pitchFamily="34" charset="0"/>
               </a:rPr>
-              <a:t>ArrayList</a:t>
-            </a:r>
-            <a:r>
-              <a:rPr lang="en-US" b="0" i="0" dirty="0">
-                <a:solidFill>
-                  <a:schemeClr val="tx1">
-                    <a:lumMod val="85000"/>
-                  </a:schemeClr>
-                </a:solidFill>
-                <a:effectLst/>
-                <a:latin typeface="Open Sans" panose="020B0606030504020204" pitchFamily="34" charset="0"/>
-              </a:rPr>
-              <a:t>, where primitive types cannot be used (the list can only store objects):</a:t>
+              <a:t>LinkedHashSet</a:t>
+            </a:r>
+            <a:r>
+              <a:rPr lang="en-US" b="0" i="0" dirty="0">
+                <a:solidFill>
+                  <a:schemeClr val="tx1">
+                    <a:lumMod val="85000"/>
+                  </a:schemeClr>
+                </a:solidFill>
+                <a:effectLst/>
+                <a:latin typeface="Open Sans" panose="020B0606030504020204" pitchFamily="34" charset="0"/>
+              </a:rPr>
+              <a:t>, as described in The Set Interface section.</a:t>
             </a:r>
           </a:p>
         </p:txBody>
       </p:sp>
-    </p:spTree>
-    <p:extLst>
-      <p:ext uri="{BB962C8B-B14F-4D97-AF65-F5344CB8AC3E}">
-        <p14:creationId xmlns:p14="http://schemas.microsoft.com/office/powerpoint/2010/main" val="1538833485"/>
-      </p:ext>
-    </p:extLst>
-  </p:cSld>
-  <p:clrMapOvr>
-    <a:masterClrMapping/>
-  </p:clrMapOvr>
-</p:sld>
-</file>
-
-<file path=ppt/slides/slide14.xml><?xml version="1.0" encoding="utf-8"?>
-<p:sld xmlns:a="http://schemas.openxmlformats.org/drawingml/2006/main" xmlns:r="http://schemas.openxmlformats.org/officeDocument/2006/relationships" xmlns:p="http://schemas.openxmlformats.org/presentationml/2006/main">
-  <p:cSld>
-    <p:spTree>
-      <p:nvGrpSpPr>
-        <p:cNvPr id="1" name=""/>
-        <p:cNvGrpSpPr/>
-        <p:nvPr/>
-      </p:nvGrpSpPr>
-      <p:grpSpPr>
-        <a:xfrm>
-          <a:off x="0" y="0"/>
-          <a:ext cx="0" cy="0"/>
-          <a:chOff x="0" y="0"/>
-          <a:chExt cx="0" cy="0"/>
-        </a:xfrm>
-      </p:grpSpPr>
       <p:sp>
         <p:nvSpPr>
           <p:cNvPr id="3" name="TextBox 2">
             <a:extLst>
               <a:ext uri="{FF2B5EF4-FFF2-40B4-BE49-F238E27FC236}">
-                <a16:creationId xmlns:a16="http://schemas.microsoft.com/office/drawing/2014/main" id="{23DFC7E9-54DD-38D7-0B9B-D34948D68CF9}"/>
+                <a16:creationId xmlns:a16="http://schemas.microsoft.com/office/drawing/2014/main" id="{24A5F382-564E-CC53-4829-1E1BD61A1C6D}"/>
               </a:ext>
             </a:extLst>
           </p:cNvPr>
@@ -7359,8 +7697,8 @@
         </p:nvSpPr>
         <p:spPr>
           <a:xfrm>
-            <a:off x="1065401" y="2618895"/>
-            <a:ext cx="9538284" cy="1015663"/>
+            <a:off x="2883379" y="6332115"/>
+            <a:ext cx="9400636" cy="369332"/>
           </a:xfrm>
           <a:prstGeom prst="rect">
             <a:avLst/>
@@ -7373,49 +7711,20 @@
           </a:bodyPr>
           <a:lstStyle/>
           <a:p>
-            <a:pPr marL="0" marR="0" lvl="0" indent="0" algn="l" defTabSz="914400" rtl="0" eaLnBrk="1" fontAlgn="auto" latinLnBrk="0" hangingPunct="1">
-              <a:lnSpc>
-                <a:spcPct val="100000"/>
-              </a:lnSpc>
-              <a:spcBef>
-                <a:spcPts val="0"/>
-              </a:spcBef>
-              <a:spcAft>
-                <a:spcPts val="0"/>
-              </a:spcAft>
-              <a:buClrTx/>
-              <a:buSzTx/>
-              <a:buFontTx/>
-              <a:buNone/>
-              <a:tabLst/>
-              <a:defRPr/>
-            </a:pPr>
-            <a:r>
-              <a:rPr kumimoji="0" lang="en-US" sz="6000" b="0" i="0" u="none" strike="noStrike" kern="1200" cap="none" spc="0" normalizeH="0" baseline="0" noProof="0" dirty="0">
-                <a:ln>
-                  <a:noFill/>
-                </a:ln>
-                <a:solidFill>
-                  <a:prstClr val="white">
-                    <a:lumMod val="75000"/>
-                  </a:prstClr>
-                </a:solidFill>
-                <a:effectLst/>
-                <a:uLnTx/>
-                <a:uFillTx/>
-                <a:latin typeface="Open Sans" panose="020B0606030504020204" pitchFamily="34" charset="0"/>
-                <a:ea typeface="+mn-ea"/>
-                <a:cs typeface="+mn-cs"/>
-              </a:rPr>
-              <a:t>Menu-Driven Applications</a:t>
-            </a:r>
+            <a:r>
+              <a:rPr lang="en-US" dirty="0">
+                <a:hlinkClick r:id="rId2"/>
+              </a:rPr>
+              <a:t>https://github.com/ckiefriter1/Java-Code-Examples/blob/main/src/collections/MapExample.java</a:t>
+            </a:r>
+            <a:endParaRPr lang="en-US" dirty="0"/>
           </a:p>
         </p:txBody>
       </p:sp>
     </p:spTree>
     <p:extLst>
       <p:ext uri="{BB962C8B-B14F-4D97-AF65-F5344CB8AC3E}">
-        <p14:creationId xmlns:p14="http://schemas.microsoft.com/office/powerpoint/2010/main" val="1155090792"/>
+        <p14:creationId xmlns:p14="http://schemas.microsoft.com/office/powerpoint/2010/main" val="2582931961"/>
       </p:ext>
     </p:extLst>
   </p:cSld>
@@ -7425,7 +7734,7 @@
 </p:sld>
 </file>
 
-<file path=ppt/slides/slide15.xml><?xml version="1.0" encoding="utf-8"?>
+<file path=ppt/slides/slide14.xml><?xml version="1.0" encoding="utf-8"?>
 <p:sld xmlns:a="http://schemas.openxmlformats.org/drawingml/2006/main" xmlns:r="http://schemas.openxmlformats.org/officeDocument/2006/relationships" xmlns:p="http://schemas.openxmlformats.org/presentationml/2006/main">
   <p:cSld>
     <p:spTree>
@@ -7456,8 +7765,8 @@
         </p:nvSpPr>
         <p:spPr>
           <a:xfrm>
-            <a:off x="341603" y="50541"/>
-            <a:ext cx="11449344" cy="461665"/>
+            <a:off x="193251" y="91915"/>
+            <a:ext cx="6094854" cy="461665"/>
           </a:xfrm>
           <a:prstGeom prst="rect">
             <a:avLst/>
@@ -7476,26 +7785,20 @@
                 <a:solidFill>
                   <a:srgbClr val="00B050"/>
                 </a:solidFill>
-                <a:latin typeface="Open Sans" panose="020B0606030504020204" pitchFamily="34" charset="0"/>
-              </a:rPr>
-              <a:t>Menu-Driven Applications</a:t>
-            </a:r>
-            <a:endParaRPr lang="en-US" sz="2400" b="1" dirty="0">
-              <a:solidFill>
-                <a:srgbClr val="00B050"/>
-              </a:solidFill>
-              <a:effectLst/>
-              <a:latin typeface="Open Sans" panose="020B0606030504020204" pitchFamily="34" charset="0"/>
-            </a:endParaRPr>
+                <a:effectLst/>
+                <a:latin typeface="Open Sans" panose="020B0606030504020204" pitchFamily="34" charset="0"/>
+              </a:rPr>
+              <a:t>Java Wrapper Classes</a:t>
+            </a:r>
           </a:p>
         </p:txBody>
       </p:sp>
       <p:sp>
         <p:nvSpPr>
-          <p:cNvPr id="5" name="TextBox 4">
+          <p:cNvPr id="4" name="TextBox 3">
             <a:extLst>
               <a:ext uri="{FF2B5EF4-FFF2-40B4-BE49-F238E27FC236}">
-                <a16:creationId xmlns:a16="http://schemas.microsoft.com/office/drawing/2014/main" id="{9DB63145-E59C-9501-8AA5-4E6AC5C0D40F}"/>
+                <a16:creationId xmlns:a16="http://schemas.microsoft.com/office/drawing/2014/main" id="{C0B26727-0F97-5A73-B4ED-6BE65E07E5DB}"/>
               </a:ext>
             </a:extLst>
           </p:cNvPr>
@@ -7504,8 +7807,8 @@
         </p:nvSpPr>
         <p:spPr>
           <a:xfrm>
-            <a:off x="240935" y="539403"/>
-            <a:ext cx="11612709" cy="6186309"/>
+            <a:off x="193251" y="624665"/>
+            <a:ext cx="11931637" cy="4524315"/>
           </a:xfrm>
           <a:prstGeom prst="rect">
             <a:avLst/>
@@ -7520,30 +7823,6 @@
           <a:p>
             <a:pPr algn="l"/>
             <a:r>
-              <a:rPr lang="en-US" b="1" i="0" dirty="0">
-                <a:solidFill>
-                  <a:schemeClr val="tx1">
-                    <a:lumMod val="85000"/>
-                  </a:schemeClr>
-                </a:solidFill>
-                <a:effectLst/>
-                <a:latin typeface="Open Sans" panose="020B0606030504020204" pitchFamily="34" charset="0"/>
-              </a:rPr>
-              <a:t>Menu-driven Applications</a:t>
-            </a:r>
-            <a:r>
-              <a:rPr lang="en-US" b="0" i="0" dirty="0">
-                <a:solidFill>
-                  <a:schemeClr val="tx1">
-                    <a:lumMod val="85000"/>
-                  </a:schemeClr>
-                </a:solidFill>
-                <a:effectLst/>
-                <a:latin typeface="Open Sans" panose="020B0606030504020204" pitchFamily="34" charset="0"/>
-              </a:rPr>
-              <a:t> are very useful in the coding world.  </a:t>
-            </a:r>
-            <a:r>
               <a:rPr lang="en-US" b="0" i="0" dirty="0">
                 <a:solidFill>
                   <a:srgbClr val="00B0F0"/>
@@ -7551,84 +7830,65 @@
                 <a:effectLst/>
                 <a:latin typeface="Open Sans" panose="020B0606030504020204" pitchFamily="34" charset="0"/>
               </a:rPr>
-              <a:t>They allow a program to receive data directly from a user.  </a:t>
-            </a:r>
-            <a:r>
-              <a:rPr lang="en-US" b="0" i="0" dirty="0">
-                <a:solidFill>
-                  <a:schemeClr val="tx1">
-                    <a:lumMod val="85000"/>
-                  </a:schemeClr>
-                </a:solidFill>
-                <a:effectLst/>
-                <a:latin typeface="Open Sans" panose="020B0606030504020204" pitchFamily="34" charset="0"/>
-              </a:rPr>
-              <a:t>The user is provided a menu, and then is instructed to select an option from that menu.  The chosen option will be used by the program to execute a code path (or branch) specific to that option.</a:t>
+              <a:t>Wrapper classes </a:t>
+            </a:r>
+            <a:r>
+              <a:rPr lang="en-US" b="0" i="0" dirty="0">
+                <a:solidFill>
+                  <a:schemeClr val="tx1">
+                    <a:lumMod val="85000"/>
+                  </a:schemeClr>
+                </a:solidFill>
+                <a:effectLst/>
+                <a:latin typeface="Open Sans" panose="020B0606030504020204" pitchFamily="34" charset="0"/>
+              </a:rPr>
+              <a:t>provide a way to </a:t>
+            </a:r>
+            <a:r>
+              <a:rPr lang="en-US" b="0" i="0" dirty="0">
+                <a:solidFill>
+                  <a:srgbClr val="00B0F0"/>
+                </a:solidFill>
+                <a:effectLst/>
+                <a:latin typeface="Open Sans" panose="020B0606030504020204" pitchFamily="34" charset="0"/>
+              </a:rPr>
+              <a:t>use primitive data types (int, </a:t>
+            </a:r>
+            <a:r>
+              <a:rPr lang="en-US" b="0" i="0" dirty="0" err="1">
+                <a:solidFill>
+                  <a:srgbClr val="00B0F0"/>
+                </a:solidFill>
+                <a:effectLst/>
+                <a:latin typeface="Open Sans" panose="020B0606030504020204" pitchFamily="34" charset="0"/>
+              </a:rPr>
+              <a:t>boolean</a:t>
+            </a:r>
+            <a:r>
+              <a:rPr lang="en-US" b="0" i="0" dirty="0">
+                <a:solidFill>
+                  <a:srgbClr val="00B0F0"/>
+                </a:solidFill>
+                <a:effectLst/>
+                <a:latin typeface="Open Sans" panose="020B0606030504020204" pitchFamily="34" charset="0"/>
+              </a:rPr>
+              <a:t>, etc..) as objects</a:t>
+            </a:r>
+            <a:r>
+              <a:rPr lang="en-US" b="0" i="0" dirty="0">
+                <a:solidFill>
+                  <a:schemeClr val="tx1">
+                    <a:lumMod val="85000"/>
+                  </a:schemeClr>
+                </a:solidFill>
+                <a:effectLst/>
+                <a:latin typeface="Open Sans" panose="020B0606030504020204" pitchFamily="34" charset="0"/>
+              </a:rPr>
+              <a:t>.</a:t>
             </a:r>
           </a:p>
           <a:p>
             <a:pPr algn="l"/>
-            <a:r>
-              <a:rPr lang="en-US" b="0" i="0" dirty="0">
-                <a:solidFill>
-                  <a:schemeClr val="tx1">
-                    <a:lumMod val="85000"/>
-                  </a:schemeClr>
-                </a:solidFill>
-                <a:effectLst/>
-                <a:latin typeface="Open Sans" panose="020B0606030504020204" pitchFamily="34" charset="0"/>
-              </a:rPr>
-              <a:t>In the Back End, the menus we create are text based.  Adding a Client, or Front End program, which reads in user data, and then communicates to a Back End Server could provide a graphical user interface for the Menu.</a:t>
-            </a:r>
-          </a:p>
-          <a:p>
-            <a:pPr algn="l"/>
-            <a:r>
-              <a:rPr lang="en-US" b="1" i="0" dirty="0">
-                <a:solidFill>
-                  <a:schemeClr val="tx1">
-                    <a:lumMod val="85000"/>
-                  </a:schemeClr>
-                </a:solidFill>
-                <a:effectLst/>
-                <a:latin typeface="Open Sans" panose="020B0606030504020204" pitchFamily="34" charset="0"/>
-              </a:rPr>
-              <a:t>Menu-driven applications</a:t>
-            </a:r>
-            <a:r>
-              <a:rPr lang="en-US" b="0" i="0" dirty="0">
-                <a:solidFill>
-                  <a:schemeClr val="tx1">
-                    <a:lumMod val="85000"/>
-                  </a:schemeClr>
-                </a:solidFill>
-                <a:effectLst/>
-                <a:latin typeface="Open Sans" panose="020B0606030504020204" pitchFamily="34" charset="0"/>
-              </a:rPr>
-              <a:t> are used in a variety of industries, including but not limited to computing, application development, banking (ATMs), websites, tablets, self-guided machines, word-processors, gaming, and more</a:t>
-            </a:r>
-            <a:br>
-              <a:rPr lang="en-US" b="0" i="0" dirty="0">
-                <a:solidFill>
-                  <a:schemeClr val="tx1">
-                    <a:lumMod val="85000"/>
-                  </a:schemeClr>
-                </a:solidFill>
-                <a:effectLst/>
-                <a:latin typeface="Open Sans" panose="020B0606030504020204" pitchFamily="34" charset="0"/>
-              </a:rPr>
-            </a:br>
-            <a:br>
-              <a:rPr lang="en-US" b="1" i="0" dirty="0">
-                <a:solidFill>
-                  <a:schemeClr val="tx1">
-                    <a:lumMod val="85000"/>
-                  </a:schemeClr>
-                </a:solidFill>
-                <a:effectLst/>
-                <a:latin typeface="Open Sans" panose="020B0606030504020204" pitchFamily="34" charset="0"/>
-              </a:rPr>
-            </a:br>
             <a:endParaRPr lang="en-US" b="0" i="0" dirty="0">
               <a:solidFill>
                 <a:schemeClr val="tx1">
@@ -7642,133 +7902,20 @@
           <a:p>
             <a:pPr algn="l"/>
             <a:r>
-              <a:rPr lang="en-US" b="1" i="0" u="sng" dirty="0">
-                <a:solidFill>
-                  <a:schemeClr val="tx1">
-                    <a:lumMod val="85000"/>
-                  </a:schemeClr>
-                </a:solidFill>
-                <a:effectLst/>
-                <a:latin typeface="Open Sans" panose="020B0606030504020204" pitchFamily="34" charset="0"/>
-              </a:rPr>
-              <a:t>Menu-Driven Application</a:t>
-            </a:r>
-            <a:r>
-              <a:rPr lang="en-US" b="0" i="0" dirty="0">
-                <a:solidFill>
-                  <a:schemeClr val="tx1">
-                    <a:lumMod val="85000"/>
-                  </a:schemeClr>
-                </a:solidFill>
-                <a:effectLst/>
-                <a:latin typeface="Open Sans" panose="020B0606030504020204" pitchFamily="34" charset="0"/>
-              </a:rPr>
-              <a:t>:</a:t>
+              <a:rPr lang="en-US" b="0" i="0" dirty="0">
+                <a:solidFill>
+                  <a:schemeClr val="tx1">
+                    <a:lumMod val="85000"/>
+                  </a:schemeClr>
+                </a:solidFill>
+                <a:effectLst/>
+                <a:latin typeface="Open Sans" panose="020B0606030504020204" pitchFamily="34" charset="0"/>
+              </a:rPr>
+              <a:t>The table below shows the primitive type and the equivalent wrapper class:</a:t>
             </a:r>
           </a:p>
           <a:p>
             <a:pPr algn="l"/>
-            <a:r>
-              <a:rPr lang="en-US" b="0" i="0" u="sng" dirty="0">
-                <a:solidFill>
-                  <a:schemeClr val="tx1">
-                    <a:lumMod val="85000"/>
-                  </a:schemeClr>
-                </a:solidFill>
-                <a:effectLst/>
-                <a:latin typeface="Open Sans" panose="020B0606030504020204" pitchFamily="34" charset="0"/>
-              </a:rPr>
-              <a:t>Advantages</a:t>
-            </a:r>
-            <a:r>
-              <a:rPr lang="en-US" b="0" i="0" dirty="0">
-                <a:solidFill>
-                  <a:schemeClr val="tx1">
-                    <a:lumMod val="85000"/>
-                  </a:schemeClr>
-                </a:solidFill>
-                <a:effectLst/>
-                <a:latin typeface="Open Sans" panose="020B0606030504020204" pitchFamily="34" charset="0"/>
-              </a:rPr>
-              <a:t>:</a:t>
-            </a:r>
-          </a:p>
-          <a:p>
-            <a:pPr algn="l">
-              <a:buFont typeface="Arial" panose="020B0604020202020204" pitchFamily="34" charset="0"/>
-              <a:buChar char="•"/>
-            </a:pPr>
-            <a:r>
-              <a:rPr lang="en-US" b="0" i="0" dirty="0">
-                <a:solidFill>
-                  <a:schemeClr val="tx1">
-                    <a:lumMod val="85000"/>
-                  </a:schemeClr>
-                </a:solidFill>
-                <a:effectLst/>
-                <a:latin typeface="Open Sans" panose="020B0606030504020204" pitchFamily="34" charset="0"/>
-              </a:rPr>
-              <a:t>User-friendly</a:t>
-            </a:r>
-          </a:p>
-          <a:p>
-            <a:pPr algn="l"/>
-            <a:r>
-              <a:rPr lang="en-US" b="0" i="0" dirty="0">
-                <a:solidFill>
-                  <a:schemeClr val="tx1">
-                    <a:lumMod val="85000"/>
-                  </a:schemeClr>
-                </a:solidFill>
-                <a:effectLst/>
-                <a:latin typeface="Open Sans" panose="020B0606030504020204" pitchFamily="34" charset="0"/>
-              </a:rPr>
-              <a:t>- Provide guidance to the user</a:t>
-            </a:r>
-          </a:p>
-          <a:p>
-            <a:pPr algn="l"/>
-            <a:r>
-              <a:rPr lang="en-US" b="0" i="0" dirty="0">
-                <a:solidFill>
-                  <a:schemeClr val="tx1">
-                    <a:lumMod val="85000"/>
-                  </a:schemeClr>
-                </a:solidFill>
-                <a:effectLst/>
-                <a:latin typeface="Open Sans" panose="020B0606030504020204" pitchFamily="34" charset="0"/>
-              </a:rPr>
-              <a:t>- No need for a user to remember commands</a:t>
-            </a:r>
-          </a:p>
-          <a:p>
-            <a:pPr algn="l">
-              <a:buFont typeface="Arial" panose="020B0604020202020204" pitchFamily="34" charset="0"/>
-              <a:buChar char="•"/>
-            </a:pPr>
-            <a:r>
-              <a:rPr lang="en-US" b="0" i="0" dirty="0">
-                <a:solidFill>
-                  <a:schemeClr val="tx1">
-                    <a:lumMod val="85000"/>
-                  </a:schemeClr>
-                </a:solidFill>
-                <a:effectLst/>
-                <a:latin typeface="Open Sans" panose="020B0606030504020204" pitchFamily="34" charset="0"/>
-              </a:rPr>
-              <a:t>Allow a user to control how and in what order a program executes</a:t>
-            </a:r>
-            <a:br>
-              <a:rPr lang="en-US" b="0" i="0" dirty="0">
-                <a:solidFill>
-                  <a:schemeClr val="tx1">
-                    <a:lumMod val="85000"/>
-                  </a:schemeClr>
-                </a:solidFill>
-                <a:effectLst/>
-                <a:latin typeface="Open Sans" panose="020B0606030504020204" pitchFamily="34" charset="0"/>
-              </a:rPr>
-            </a:br>
             <a:endParaRPr lang="en-US" b="0" i="0" dirty="0">
               <a:solidFill>
                 <a:schemeClr val="tx1">
@@ -7782,68 +7929,205 @@
           <a:p>
             <a:pPr algn="l"/>
             <a:r>
-              <a:rPr lang="en-US" b="0" i="0" u="sng" dirty="0">
-                <a:solidFill>
-                  <a:schemeClr val="tx1">
-                    <a:lumMod val="85000"/>
-                  </a:schemeClr>
-                </a:solidFill>
-                <a:effectLst/>
-                <a:latin typeface="Open Sans" panose="020B0606030504020204" pitchFamily="34" charset="0"/>
-              </a:rPr>
-              <a:t>Disadvantages</a:t>
-            </a:r>
-            <a:r>
-              <a:rPr lang="en-US" b="0" i="0" dirty="0">
-                <a:solidFill>
-                  <a:schemeClr val="tx1">
-                    <a:lumMod val="85000"/>
-                  </a:schemeClr>
-                </a:solidFill>
-                <a:effectLst/>
-                <a:latin typeface="Open Sans" panose="020B0606030504020204" pitchFamily="34" charset="0"/>
-              </a:rPr>
-              <a:t>:</a:t>
-            </a:r>
-          </a:p>
-          <a:p>
-            <a:pPr algn="l">
-              <a:buFont typeface="Arial" panose="020B0604020202020204" pitchFamily="34" charset="0"/>
-              <a:buChar char="•"/>
-            </a:pPr>
-            <a:r>
-              <a:rPr lang="en-US" b="0" i="0" dirty="0">
-                <a:solidFill>
-                  <a:schemeClr val="tx1">
-                    <a:lumMod val="85000"/>
-                  </a:schemeClr>
-                </a:solidFill>
-                <a:effectLst/>
-                <a:latin typeface="Open Sans" panose="020B0606030504020204" pitchFamily="34" charset="0"/>
-              </a:rPr>
-              <a:t>Difficulty finding content, especially with nested sub-menus</a:t>
-            </a:r>
-          </a:p>
-          <a:p>
-            <a:pPr marL="342900" indent="-342900">
-              <a:buFont typeface="Arial" panose="020B0604020202020204" pitchFamily="34" charset="0"/>
-              <a:buChar char="•"/>
-            </a:pPr>
-            <a:endParaRPr lang="en-US" dirty="0">
+              <a:rPr lang="en-US" b="0" i="0" dirty="0">
+                <a:solidFill>
+                  <a:srgbClr val="00B0F0"/>
+                </a:solidFill>
+                <a:effectLst/>
+                <a:latin typeface="Open Sans" panose="020B0606030504020204" pitchFamily="34" charset="0"/>
+              </a:rPr>
+              <a:t>Primitive Data Type	Wrapper Class</a:t>
+            </a:r>
+          </a:p>
+          <a:p>
+            <a:pPr algn="l"/>
+            <a:r>
+              <a:rPr lang="en-US" b="0" i="0" dirty="0">
+                <a:solidFill>
+                  <a:schemeClr val="tx1">
+                    <a:lumMod val="85000"/>
+                  </a:schemeClr>
+                </a:solidFill>
+                <a:effectLst/>
+                <a:latin typeface="Open Sans" panose="020B0606030504020204" pitchFamily="34" charset="0"/>
+              </a:rPr>
+              <a:t>byte			Byte</a:t>
+            </a:r>
+          </a:p>
+          <a:p>
+            <a:pPr algn="l"/>
+            <a:r>
+              <a:rPr lang="en-US" b="0" i="0" dirty="0">
+                <a:solidFill>
+                  <a:schemeClr val="tx1">
+                    <a:lumMod val="85000"/>
+                  </a:schemeClr>
+                </a:solidFill>
+                <a:effectLst/>
+                <a:latin typeface="Open Sans" panose="020B0606030504020204" pitchFamily="34" charset="0"/>
+              </a:rPr>
+              <a:t>short			Short</a:t>
+            </a:r>
+          </a:p>
+          <a:p>
+            <a:pPr algn="l"/>
+            <a:r>
+              <a:rPr lang="en-US" b="0" i="0" dirty="0">
+                <a:solidFill>
+                  <a:schemeClr val="tx1">
+                    <a:lumMod val="85000"/>
+                  </a:schemeClr>
+                </a:solidFill>
+                <a:effectLst/>
+                <a:latin typeface="Open Sans" panose="020B0606030504020204" pitchFamily="34" charset="0"/>
+              </a:rPr>
+              <a:t>int			Integer</a:t>
+            </a:r>
+          </a:p>
+          <a:p>
+            <a:pPr algn="l"/>
+            <a:r>
+              <a:rPr lang="en-US" b="0" i="0" dirty="0">
+                <a:solidFill>
+                  <a:schemeClr val="tx1">
+                    <a:lumMod val="85000"/>
+                  </a:schemeClr>
+                </a:solidFill>
+                <a:effectLst/>
+                <a:latin typeface="Open Sans" panose="020B0606030504020204" pitchFamily="34" charset="0"/>
+              </a:rPr>
+              <a:t>long			Long</a:t>
+            </a:r>
+          </a:p>
+          <a:p>
+            <a:pPr algn="l"/>
+            <a:r>
+              <a:rPr lang="en-US" b="0" i="0" dirty="0">
+                <a:solidFill>
+                  <a:schemeClr val="tx1">
+                    <a:lumMod val="85000"/>
+                  </a:schemeClr>
+                </a:solidFill>
+                <a:effectLst/>
+                <a:latin typeface="Open Sans" panose="020B0606030504020204" pitchFamily="34" charset="0"/>
+              </a:rPr>
+              <a:t>float			Float</a:t>
+            </a:r>
+          </a:p>
+          <a:p>
+            <a:pPr algn="l"/>
+            <a:r>
+              <a:rPr lang="en-US" b="0" i="0" dirty="0">
+                <a:solidFill>
+                  <a:schemeClr val="tx1">
+                    <a:lumMod val="85000"/>
+                  </a:schemeClr>
+                </a:solidFill>
+                <a:effectLst/>
+                <a:latin typeface="Open Sans" panose="020B0606030504020204" pitchFamily="34" charset="0"/>
+              </a:rPr>
+              <a:t>double			Double</a:t>
+            </a:r>
+          </a:p>
+          <a:p>
+            <a:pPr algn="l"/>
+            <a:r>
+              <a:rPr lang="en-US" b="0" i="0" dirty="0" err="1">
+                <a:solidFill>
+                  <a:schemeClr val="tx1">
+                    <a:lumMod val="85000"/>
+                  </a:schemeClr>
+                </a:solidFill>
+                <a:effectLst/>
+                <a:latin typeface="Open Sans" panose="020B0606030504020204" pitchFamily="34" charset="0"/>
+              </a:rPr>
+              <a:t>boolean</a:t>
+            </a:r>
+            <a:r>
+              <a:rPr lang="en-US" b="0" i="0" dirty="0">
+                <a:solidFill>
+                  <a:schemeClr val="tx1">
+                    <a:lumMod val="85000"/>
+                  </a:schemeClr>
+                </a:solidFill>
+                <a:effectLst/>
+                <a:latin typeface="Open Sans" panose="020B0606030504020204" pitchFamily="34" charset="0"/>
+              </a:rPr>
+              <a:t>			Boolean</a:t>
+            </a:r>
+          </a:p>
+          <a:p>
+            <a:pPr algn="l"/>
+            <a:r>
+              <a:rPr lang="en-US" b="0" i="0" dirty="0">
+                <a:solidFill>
+                  <a:schemeClr val="tx1">
+                    <a:lumMod val="85000"/>
+                  </a:schemeClr>
+                </a:solidFill>
+                <a:effectLst/>
+                <a:latin typeface="Open Sans" panose="020B0606030504020204" pitchFamily="34" charset="0"/>
+              </a:rPr>
+              <a:t>char			Character</a:t>
+            </a:r>
+          </a:p>
+          <a:p>
+            <a:pPr algn="l"/>
+            <a:endParaRPr lang="en-US" b="0" i="0" dirty="0">
               <a:solidFill>
                 <a:schemeClr val="tx1">
                   <a:lumMod val="85000"/>
                 </a:schemeClr>
               </a:solidFill>
+              <a:effectLst/>
               <a:latin typeface="Open Sans" panose="020B0606030504020204" pitchFamily="34" charset="0"/>
             </a:endParaRPr>
+          </a:p>
+          <a:p>
+            <a:pPr algn="l"/>
+            <a:r>
+              <a:rPr lang="en-US" b="0" i="0" dirty="0">
+                <a:solidFill>
+                  <a:schemeClr val="tx1">
+                    <a:lumMod val="85000"/>
+                  </a:schemeClr>
+                </a:solidFill>
+                <a:effectLst/>
+                <a:latin typeface="Open Sans" panose="020B0606030504020204" pitchFamily="34" charset="0"/>
+              </a:rPr>
+              <a:t>Sometimes you must use wrapper classes, for example when working with Collection objects, such as </a:t>
+            </a:r>
+            <a:r>
+              <a:rPr lang="en-US" b="0" i="0" dirty="0" err="1">
+                <a:solidFill>
+                  <a:schemeClr val="tx1">
+                    <a:lumMod val="85000"/>
+                  </a:schemeClr>
+                </a:solidFill>
+                <a:effectLst/>
+                <a:latin typeface="Open Sans" panose="020B0606030504020204" pitchFamily="34" charset="0"/>
+              </a:rPr>
+              <a:t>ArrayList</a:t>
+            </a:r>
+            <a:r>
+              <a:rPr lang="en-US" b="0" i="0" dirty="0">
+                <a:solidFill>
+                  <a:schemeClr val="tx1">
+                    <a:lumMod val="85000"/>
+                  </a:schemeClr>
+                </a:solidFill>
+                <a:effectLst/>
+                <a:latin typeface="Open Sans" panose="020B0606030504020204" pitchFamily="34" charset="0"/>
+              </a:rPr>
+              <a:t>, where primitive types cannot be used (the list can only store objects):</a:t>
+            </a:r>
           </a:p>
         </p:txBody>
       </p:sp>
     </p:spTree>
     <p:extLst>
       <p:ext uri="{BB962C8B-B14F-4D97-AF65-F5344CB8AC3E}">
-        <p14:creationId xmlns:p14="http://schemas.microsoft.com/office/powerpoint/2010/main" val="424094208"/>
+        <p14:creationId xmlns:p14="http://schemas.microsoft.com/office/powerpoint/2010/main" val="1538833485"/>
       </p:ext>
     </p:extLst>
   </p:cSld>
@@ -7853,7 +8137,7 @@
 </p:sld>
 </file>
 
-<file path=ppt/slides/slide16.xml><?xml version="1.0" encoding="utf-8"?>
+<file path=ppt/slides/slide15.xml><?xml version="1.0" encoding="utf-8"?>
 <p:sld xmlns:a="http://schemas.openxmlformats.org/drawingml/2006/main" xmlns:r="http://schemas.openxmlformats.org/officeDocument/2006/relationships" xmlns:p="http://schemas.openxmlformats.org/presentationml/2006/main">
   <p:cSld>
     <p:spTree>
@@ -8871,7 +9155,7 @@
         <p:spPr>
           <a:xfrm>
             <a:off x="698739" y="2478280"/>
-            <a:ext cx="11220773" cy="3416320"/>
+            <a:ext cx="11220773" cy="1015663"/>
           </a:xfrm>
           <a:prstGeom prst="rect">
             <a:avLst/>
@@ -8917,97 +9201,11 @@
                 <a:latin typeface="Open Sans" panose="020B0606030504020204" pitchFamily="34" charset="0"/>
                 <a:ea typeface="+mn-ea"/>
                 <a:cs typeface="+mn-cs"/>
-              </a:rPr>
-              <a:t>Collections </a:t>
-            </a:r>
-            <a:r>
-              <a:rPr kumimoji="0" lang="en-US" sz="6000" b="0" i="0" u="none" strike="noStrike" kern="1200" cap="none" spc="0" normalizeH="0" baseline="0" noProof="0" dirty="0">
-                <a:ln>
-                  <a:noFill/>
-                </a:ln>
-                <a:solidFill>
-                  <a:prstClr val="white">
-                    <a:lumMod val="75000"/>
-                  </a:prstClr>
-                </a:solidFill>
-                <a:effectLst/>
-                <a:uLnTx/>
-                <a:uFillTx/>
-                <a:latin typeface="Open Sans" panose="020B0606030504020204" pitchFamily="34" charset="0"/>
-                <a:ea typeface="+mn-ea"/>
-                <a:cs typeface="+mn-cs"/>
                 <a:sym typeface="Wingdings" panose="05000000000000000000" pitchFamily="2" charset="2"/>
               </a:rPr>
-              <a:t> List, Set, Map</a:t>
-            </a:r>
-          </a:p>
-          <a:p>
-            <a:pPr marL="0" marR="0" lvl="0" indent="0" algn="l" defTabSz="914400" rtl="0" eaLnBrk="1" fontAlgn="auto" latinLnBrk="0" hangingPunct="1">
-              <a:lnSpc>
-                <a:spcPct val="100000"/>
-              </a:lnSpc>
-              <a:spcBef>
-                <a:spcPts val="0"/>
-              </a:spcBef>
-              <a:spcAft>
-                <a:spcPts val="0"/>
-              </a:spcAft>
-              <a:buClrTx/>
-              <a:buSzTx/>
-              <a:buFontTx/>
-              <a:buNone/>
-              <a:tabLst/>
-              <a:defRPr/>
-            </a:pPr>
-            <a:endParaRPr lang="en-US" sz="6000" dirty="0">
-              <a:solidFill>
-                <a:prstClr val="white">
-                  <a:lumMod val="75000"/>
-                </a:prstClr>
-              </a:solidFill>
-              <a:latin typeface="Open Sans" panose="020B0606030504020204" pitchFamily="34" charset="0"/>
-              <a:sym typeface="Wingdings" panose="05000000000000000000" pitchFamily="2" charset="2"/>
-            </a:endParaRPr>
-          </a:p>
-          <a:p>
-            <a:pPr marL="0" marR="0" lvl="0" indent="0" algn="l" defTabSz="914400" rtl="0" eaLnBrk="1" fontAlgn="auto" latinLnBrk="0" hangingPunct="1">
-              <a:lnSpc>
-                <a:spcPct val="100000"/>
-              </a:lnSpc>
-              <a:spcBef>
-                <a:spcPts val="0"/>
-              </a:spcBef>
-              <a:spcAft>
-                <a:spcPts val="0"/>
-              </a:spcAft>
-              <a:buClrTx/>
-              <a:buSzTx/>
-              <a:buFontTx/>
-              <a:buNone/>
-              <a:tabLst/>
-              <a:defRPr/>
-            </a:pPr>
-            <a:r>
-              <a:rPr kumimoji="0" lang="en-US" sz="4400" b="0" i="0" u="none" strike="noStrike" kern="1200" cap="none" spc="0" normalizeH="0" baseline="0" noProof="0" dirty="0">
-                <a:ln>
-                  <a:noFill/>
-                </a:ln>
-                <a:solidFill>
-                  <a:prstClr val="white">
-                    <a:lumMod val="75000"/>
-                  </a:prstClr>
-                </a:solidFill>
-                <a:effectLst/>
-                <a:uLnTx/>
-                <a:uFillTx/>
-                <a:latin typeface="Open Sans" panose="020B0606030504020204" pitchFamily="34" charset="0"/>
-                <a:ea typeface="+mn-ea"/>
-                <a:cs typeface="+mn-cs"/>
-                <a:sym typeface="Wingdings" panose="05000000000000000000" pitchFamily="2" charset="2"/>
-              </a:rPr>
-              <a:t>…but first, a little about Classes, Objects, &amp; Interfaces </a:t>
-            </a:r>
-            <a:endParaRPr kumimoji="0" lang="en-US" sz="4400" b="0" i="0" u="none" strike="noStrike" kern="1200" cap="none" spc="0" normalizeH="0" baseline="0" noProof="0" dirty="0">
+              <a:t>Classes, Objects, &amp; Interfaces </a:t>
+            </a:r>
+            <a:endParaRPr kumimoji="0" lang="en-US" sz="6000" b="0" i="0" u="none" strike="noStrike" kern="1200" cap="none" spc="0" normalizeH="0" baseline="0" noProof="0" dirty="0">
               <a:ln>
                 <a:noFill/>
               </a:ln>
@@ -9029,7 +9227,7 @@
     </p:spTree>
     <p:extLst>
       <p:ext uri="{BB962C8B-B14F-4D97-AF65-F5344CB8AC3E}">
-        <p14:creationId xmlns:p14="http://schemas.microsoft.com/office/powerpoint/2010/main" val="367428708"/>
+        <p14:creationId xmlns:p14="http://schemas.microsoft.com/office/powerpoint/2010/main" val="261171836"/>
       </p:ext>
     </p:extLst>
   </p:cSld>
@@ -10263,10 +10461,10 @@
       </p:grpSpPr>
       <p:sp>
         <p:nvSpPr>
-          <p:cNvPr id="6" name="TextBox 5">
+          <p:cNvPr id="3" name="TextBox 2">
             <a:extLst>
               <a:ext uri="{FF2B5EF4-FFF2-40B4-BE49-F238E27FC236}">
-                <a16:creationId xmlns:a16="http://schemas.microsoft.com/office/drawing/2014/main" id="{59E906CD-110B-9D01-732C-2F21759B0265}"/>
+                <a16:creationId xmlns:a16="http://schemas.microsoft.com/office/drawing/2014/main" id="{23DFC7E9-54DD-38D7-0B9B-D34948D68CF9}"/>
               </a:ext>
             </a:extLst>
           </p:cNvPr>
@@ -10275,8 +10473,8 @@
         </p:nvSpPr>
         <p:spPr>
           <a:xfrm>
-            <a:off x="193251" y="91915"/>
-            <a:ext cx="6094854" cy="461665"/>
+            <a:off x="698739" y="2478280"/>
+            <a:ext cx="11220773" cy="3416320"/>
           </a:xfrm>
           <a:prstGeom prst="rect">
             <a:avLst/>
@@ -10289,694 +10487,152 @@
           </a:bodyPr>
           <a:lstStyle/>
           <a:p>
-            <a:pPr algn="l"/>
-            <a:r>
-              <a:rPr lang="en-US" sz="2400" b="1" dirty="0">
-                <a:solidFill>
-                  <a:srgbClr val="00B050"/>
-                </a:solidFill>
-                <a:effectLst/>
-                <a:latin typeface="Open Sans" panose="020B0606030504020204" pitchFamily="34" charset="0"/>
-              </a:rPr>
-              <a:t>Collections</a:t>
-            </a:r>
-          </a:p>
-        </p:txBody>
-      </p:sp>
-      <p:sp>
-        <p:nvSpPr>
-          <p:cNvPr id="4" name="TextBox 3">
-            <a:extLst>
-              <a:ext uri="{FF2B5EF4-FFF2-40B4-BE49-F238E27FC236}">
-                <a16:creationId xmlns:a16="http://schemas.microsoft.com/office/drawing/2014/main" id="{C0B26727-0F97-5A73-B4ED-6BE65E07E5DB}"/>
-              </a:ext>
-            </a:extLst>
-          </p:cNvPr>
-          <p:cNvSpPr txBox="1"/>
-          <p:nvPr/>
-        </p:nvSpPr>
-        <p:spPr>
-          <a:xfrm>
-            <a:off x="176169" y="516290"/>
-            <a:ext cx="11931637" cy="5078313"/>
-          </a:xfrm>
-          <a:prstGeom prst="rect">
-            <a:avLst/>
-          </a:prstGeom>
-          <a:noFill/>
-        </p:spPr>
-        <p:txBody>
-          <a:bodyPr wrap="square">
-            <a:spAutoFit/>
-          </a:bodyPr>
-          <a:lstStyle/>
-          <a:p>
-            <a:pPr algn="l"/>
-            <a:r>
-              <a:rPr lang="en-US" b="0" i="0" dirty="0">
-                <a:solidFill>
-                  <a:schemeClr val="tx1">
-                    <a:lumMod val="85000"/>
-                  </a:schemeClr>
-                </a:solidFill>
-                <a:effectLst/>
-                <a:latin typeface="Open Sans" panose="020B0606030504020204" pitchFamily="34" charset="0"/>
-              </a:rPr>
-              <a:t>Think of a Collection as an Object, but that </a:t>
-            </a:r>
-            <a:r>
-              <a:rPr lang="en-US" b="0" i="0" dirty="0">
-                <a:solidFill>
-                  <a:srgbClr val="00B0F0"/>
-                </a:solidFill>
-                <a:effectLst/>
-                <a:latin typeface="Open Sans" panose="020B0606030504020204" pitchFamily="34" charset="0"/>
-              </a:rPr>
-              <a:t>Object can contain (or represent) a group of Objects</a:t>
-            </a:r>
-            <a:r>
-              <a:rPr lang="en-US" b="0" i="0" dirty="0">
-                <a:solidFill>
-                  <a:schemeClr val="tx1">
-                    <a:lumMod val="85000"/>
-                  </a:schemeClr>
-                </a:solidFill>
-                <a:effectLst/>
-                <a:latin typeface="Open Sans" panose="020B0606030504020204" pitchFamily="34" charset="0"/>
-              </a:rPr>
-              <a:t>.  Java provides a Collection Framework, which is an architecture that allows a unified access to a variety of different types of collections.</a:t>
-            </a:r>
-          </a:p>
-          <a:p>
-            <a:pPr algn="l"/>
-            <a:endParaRPr lang="en-US" b="0" i="0" dirty="0">
+            <a:pPr marL="0" marR="0" lvl="0" indent="0" algn="l" defTabSz="914400" rtl="0" eaLnBrk="1" fontAlgn="auto" latinLnBrk="0" hangingPunct="1">
+              <a:lnSpc>
+                <a:spcPct val="100000"/>
+              </a:lnSpc>
+              <a:spcBef>
+                <a:spcPts val="0"/>
+              </a:spcBef>
+              <a:spcAft>
+                <a:spcPts val="0"/>
+              </a:spcAft>
+              <a:buClrTx/>
+              <a:buSzTx/>
+              <a:buFontTx/>
+              <a:buNone/>
+              <a:tabLst/>
+              <a:defRPr/>
+            </a:pPr>
+            <a:r>
+              <a:rPr kumimoji="0" lang="en-US" sz="6000" b="0" i="0" u="none" strike="noStrike" kern="1200" cap="none" spc="0" normalizeH="0" baseline="0" noProof="0" dirty="0">
+                <a:ln>
+                  <a:noFill/>
+                </a:ln>
+                <a:solidFill>
+                  <a:prstClr val="white">
+                    <a:lumMod val="75000"/>
+                  </a:prstClr>
+                </a:solidFill>
+                <a:effectLst/>
+                <a:uLnTx/>
+                <a:uFillTx/>
+                <a:latin typeface="Open Sans" panose="020B0606030504020204" pitchFamily="34" charset="0"/>
+                <a:ea typeface="+mn-ea"/>
+                <a:cs typeface="+mn-cs"/>
+              </a:rPr>
+              <a:t>Collections </a:t>
+            </a:r>
+            <a:r>
+              <a:rPr kumimoji="0" lang="en-US" sz="6000" b="0" i="0" u="none" strike="noStrike" kern="1200" cap="none" spc="0" normalizeH="0" baseline="0" noProof="0" dirty="0">
+                <a:ln>
+                  <a:noFill/>
+                </a:ln>
+                <a:solidFill>
+                  <a:prstClr val="white">
+                    <a:lumMod val="75000"/>
+                  </a:prstClr>
+                </a:solidFill>
+                <a:effectLst/>
+                <a:uLnTx/>
+                <a:uFillTx/>
+                <a:latin typeface="Open Sans" panose="020B0606030504020204" pitchFamily="34" charset="0"/>
+                <a:ea typeface="+mn-ea"/>
+                <a:cs typeface="+mn-cs"/>
+                <a:sym typeface="Wingdings" panose="05000000000000000000" pitchFamily="2" charset="2"/>
+              </a:rPr>
+              <a:t> List, Set, Map</a:t>
+            </a:r>
+          </a:p>
+          <a:p>
+            <a:pPr marL="0" marR="0" lvl="0" indent="0" algn="l" defTabSz="914400" rtl="0" eaLnBrk="1" fontAlgn="auto" latinLnBrk="0" hangingPunct="1">
+              <a:lnSpc>
+                <a:spcPct val="100000"/>
+              </a:lnSpc>
+              <a:spcBef>
+                <a:spcPts val="0"/>
+              </a:spcBef>
+              <a:spcAft>
+                <a:spcPts val="0"/>
+              </a:spcAft>
+              <a:buClrTx/>
+              <a:buSzTx/>
+              <a:buFontTx/>
+              <a:buNone/>
+              <a:tabLst/>
+              <a:defRPr/>
+            </a:pPr>
+            <a:endParaRPr lang="en-US" sz="6000" dirty="0">
               <a:solidFill>
-                <a:schemeClr val="tx1">
-                  <a:lumMod val="85000"/>
-                </a:schemeClr>
+                <a:prstClr val="white">
+                  <a:lumMod val="75000"/>
+                </a:prstClr>
+              </a:solidFill>
+              <a:latin typeface="Open Sans" panose="020B0606030504020204" pitchFamily="34" charset="0"/>
+              <a:sym typeface="Wingdings" panose="05000000000000000000" pitchFamily="2" charset="2"/>
+            </a:endParaRPr>
+          </a:p>
+          <a:p>
+            <a:pPr marL="0" marR="0" lvl="0" indent="0" algn="l" defTabSz="914400" rtl="0" eaLnBrk="1" fontAlgn="auto" latinLnBrk="0" hangingPunct="1">
+              <a:lnSpc>
+                <a:spcPct val="100000"/>
+              </a:lnSpc>
+              <a:spcBef>
+                <a:spcPts val="0"/>
+              </a:spcBef>
+              <a:spcAft>
+                <a:spcPts val="0"/>
+              </a:spcAft>
+              <a:buClrTx/>
+              <a:buSzTx/>
+              <a:buFontTx/>
+              <a:buNone/>
+              <a:tabLst/>
+              <a:defRPr/>
+            </a:pPr>
+            <a:r>
+              <a:rPr kumimoji="0" lang="en-US" sz="4400" b="0" i="0" u="none" strike="noStrike" kern="1200" cap="none" spc="0" normalizeH="0" baseline="0" noProof="0" dirty="0">
+                <a:ln>
+                  <a:noFill/>
+                </a:ln>
+                <a:solidFill>
+                  <a:prstClr val="white">
+                    <a:lumMod val="75000"/>
+                  </a:prstClr>
+                </a:solidFill>
+                <a:effectLst/>
+                <a:uLnTx/>
+                <a:uFillTx/>
+                <a:latin typeface="Open Sans" panose="020B0606030504020204" pitchFamily="34" charset="0"/>
+                <a:ea typeface="+mn-ea"/>
+                <a:cs typeface="+mn-cs"/>
+                <a:sym typeface="Wingdings" panose="05000000000000000000" pitchFamily="2" charset="2"/>
+              </a:rPr>
+              <a:t>…but first, a little about Classes, Objects, &amp; Interfaces </a:t>
+            </a:r>
+            <a:endParaRPr kumimoji="0" lang="en-US" sz="4400" b="0" i="0" u="none" strike="noStrike" kern="1200" cap="none" spc="0" normalizeH="0" baseline="0" noProof="0" dirty="0">
+              <a:ln>
+                <a:noFill/>
+              </a:ln>
+              <a:solidFill>
+                <a:prstClr val="white">
+                  <a:lumMod val="75000"/>
+                </a:prstClr>
               </a:solidFill>
               <a:effectLst/>
+              <a:uLnTx/>
+              <a:uFillTx/>
               <a:latin typeface="Open Sans" panose="020B0606030504020204" pitchFamily="34" charset="0"/>
+              <a:ea typeface="+mn-ea"/>
+              <a:cs typeface="+mn-cs"/>
             </a:endParaRPr>
-          </a:p>
-          <a:p>
-            <a:pPr algn="l"/>
-            <a:r>
-              <a:rPr lang="en-US" b="0" i="0" dirty="0">
-                <a:solidFill>
-                  <a:schemeClr val="tx1">
-                    <a:lumMod val="85000"/>
-                  </a:schemeClr>
-                </a:solidFill>
-                <a:effectLst/>
-                <a:latin typeface="Open Sans" panose="020B0606030504020204" pitchFamily="34" charset="0"/>
-              </a:rPr>
-              <a:t>Collection is technically an Interface vs a Class </a:t>
-            </a:r>
-            <a:r>
-              <a:rPr lang="en-US" b="0" i="0" dirty="0">
-                <a:solidFill>
-                  <a:schemeClr val="tx1">
-                    <a:lumMod val="85000"/>
-                  </a:schemeClr>
-                </a:solidFill>
-                <a:effectLst/>
-                <a:latin typeface="Open Sans" panose="020B0606030504020204" pitchFamily="34" charset="0"/>
-                <a:sym typeface="Wingdings" panose="05000000000000000000" pitchFamily="2" charset="2"/>
-              </a:rPr>
-              <a:t> </a:t>
-            </a:r>
-            <a:r>
-              <a:rPr lang="en-US" b="0" i="0" dirty="0">
-                <a:solidFill>
-                  <a:schemeClr val="tx1">
-                    <a:lumMod val="85000"/>
-                  </a:schemeClr>
-                </a:solidFill>
-                <a:effectLst/>
-                <a:latin typeface="Open Sans" panose="020B0606030504020204" pitchFamily="34" charset="0"/>
-              </a:rPr>
-              <a:t>Collection Interfaces:  </a:t>
-            </a:r>
-            <a:r>
-              <a:rPr lang="en-US" b="0" i="0" dirty="0">
-                <a:solidFill>
-                  <a:schemeClr val="tx1">
-                    <a:lumMod val="85000"/>
-                  </a:schemeClr>
-                </a:solidFill>
-                <a:effectLst/>
-                <a:latin typeface="Open Sans" panose="020B0606030504020204" pitchFamily="34" charset="0"/>
-                <a:hlinkClick r:id="rId2"/>
-              </a:rPr>
-              <a:t>Set</a:t>
-            </a:r>
-            <a:r>
-              <a:rPr lang="en-US" b="0" i="0" dirty="0">
-                <a:solidFill>
-                  <a:schemeClr val="tx1">
-                    <a:lumMod val="85000"/>
-                  </a:schemeClr>
-                </a:solidFill>
-                <a:effectLst/>
-                <a:latin typeface="Open Sans" panose="020B0606030504020204" pitchFamily="34" charset="0"/>
-              </a:rPr>
-              <a:t>, </a:t>
-            </a:r>
-            <a:r>
-              <a:rPr lang="en-US" b="0" i="0" dirty="0">
-                <a:solidFill>
-                  <a:schemeClr val="tx1">
-                    <a:lumMod val="85000"/>
-                  </a:schemeClr>
-                </a:solidFill>
-                <a:effectLst/>
-                <a:latin typeface="Open Sans" panose="020B0606030504020204" pitchFamily="34" charset="0"/>
-                <a:hlinkClick r:id="rId3"/>
-              </a:rPr>
-              <a:t>List</a:t>
-            </a:r>
-            <a:r>
-              <a:rPr lang="en-US" b="0" i="0" dirty="0">
-                <a:solidFill>
-                  <a:schemeClr val="tx1">
-                    <a:lumMod val="85000"/>
-                  </a:schemeClr>
-                </a:solidFill>
-                <a:effectLst/>
-                <a:latin typeface="Open Sans" panose="020B0606030504020204" pitchFamily="34" charset="0"/>
-              </a:rPr>
-              <a:t>, </a:t>
-            </a:r>
-            <a:r>
-              <a:rPr lang="en-US" b="0" i="0" dirty="0">
-                <a:solidFill>
-                  <a:schemeClr val="tx1">
-                    <a:lumMod val="85000"/>
-                  </a:schemeClr>
-                </a:solidFill>
-                <a:effectLst/>
-                <a:latin typeface="Open Sans" panose="020B0606030504020204" pitchFamily="34" charset="0"/>
-                <a:hlinkClick r:id="rId4"/>
-              </a:rPr>
-              <a:t>Map</a:t>
-            </a:r>
-            <a:r>
-              <a:rPr lang="en-US" b="0" i="0" dirty="0">
-                <a:solidFill>
-                  <a:schemeClr val="tx1">
-                    <a:lumMod val="85000"/>
-                  </a:schemeClr>
-                </a:solidFill>
-                <a:effectLst/>
-                <a:latin typeface="Open Sans" panose="020B0606030504020204" pitchFamily="34" charset="0"/>
-              </a:rPr>
-              <a:t>, and others</a:t>
-            </a:r>
-          </a:p>
-          <a:p>
-            <a:pPr algn="l"/>
-            <a:endParaRPr lang="en-US" b="0" i="0" dirty="0">
-              <a:solidFill>
-                <a:schemeClr val="tx1">
-                  <a:lumMod val="85000"/>
-                </a:schemeClr>
-              </a:solidFill>
-              <a:effectLst/>
-              <a:latin typeface="Open Sans" panose="020B0606030504020204" pitchFamily="34" charset="0"/>
-            </a:endParaRPr>
-          </a:p>
-          <a:p>
-            <a:pPr algn="l"/>
-            <a:r>
-              <a:rPr lang="en-US" b="0" i="0" dirty="0">
-                <a:solidFill>
-                  <a:schemeClr val="tx1">
-                    <a:lumMod val="85000"/>
-                  </a:schemeClr>
-                </a:solidFill>
-                <a:effectLst/>
-                <a:latin typeface="Open Sans" panose="020B0606030504020204" pitchFamily="34" charset="0"/>
-              </a:rPr>
-              <a:t>Collection Implementations:  There are </a:t>
-            </a:r>
-            <a:r>
-              <a:rPr lang="en-US" b="0" i="0" dirty="0">
-                <a:solidFill>
-                  <a:srgbClr val="00B0F0"/>
-                </a:solidFill>
-                <a:effectLst/>
-                <a:latin typeface="Open Sans" panose="020B0606030504020204" pitchFamily="34" charset="0"/>
-              </a:rPr>
-              <a:t>a number of classes provided in Java </a:t>
-            </a:r>
-            <a:r>
-              <a:rPr lang="en-US" b="0" i="0" dirty="0">
-                <a:solidFill>
-                  <a:schemeClr val="tx1">
-                    <a:lumMod val="85000"/>
-                  </a:schemeClr>
-                </a:solidFill>
-                <a:effectLst/>
-                <a:latin typeface="Open Sans" panose="020B0606030504020204" pitchFamily="34" charset="0"/>
-              </a:rPr>
-              <a:t>that are used to </a:t>
-            </a:r>
-            <a:r>
-              <a:rPr lang="en-US" b="0" i="0" dirty="0">
-                <a:solidFill>
-                  <a:srgbClr val="00B0F0"/>
-                </a:solidFill>
-                <a:effectLst/>
-                <a:latin typeface="Open Sans" panose="020B0606030504020204" pitchFamily="34" charset="0"/>
-              </a:rPr>
-              <a:t>implement the Collection Interfaces</a:t>
-            </a:r>
-            <a:r>
-              <a:rPr lang="en-US" b="0" i="0" dirty="0">
-                <a:solidFill>
-                  <a:schemeClr val="tx1">
-                    <a:lumMod val="85000"/>
-                  </a:schemeClr>
-                </a:solidFill>
-                <a:effectLst/>
-                <a:latin typeface="Open Sans" panose="020B0606030504020204" pitchFamily="34" charset="0"/>
-              </a:rPr>
-              <a:t>.   See the </a:t>
-            </a:r>
-            <a:r>
-              <a:rPr lang="en-US" b="0" i="0" dirty="0">
-                <a:solidFill>
-                  <a:schemeClr val="tx1">
-                    <a:lumMod val="85000"/>
-                  </a:schemeClr>
-                </a:solidFill>
-                <a:effectLst/>
-                <a:latin typeface="Open Sans" panose="020B0606030504020204" pitchFamily="34" charset="0"/>
-                <a:hlinkClick r:id="rId5"/>
-              </a:rPr>
-              <a:t>Java Collections Framework Overview</a:t>
-            </a:r>
-            <a:r>
-              <a:rPr lang="en-US" b="0" i="0" dirty="0">
-                <a:solidFill>
-                  <a:schemeClr val="tx1">
-                    <a:lumMod val="85000"/>
-                  </a:schemeClr>
-                </a:solidFill>
-                <a:effectLst/>
-                <a:latin typeface="Open Sans" panose="020B0606030504020204" pitchFamily="34" charset="0"/>
-              </a:rPr>
-              <a:t> link below for additional information on Collection Implementations.</a:t>
-            </a:r>
-          </a:p>
-          <a:p>
-            <a:pPr algn="l"/>
-            <a:endParaRPr lang="en-US" b="0" i="0" dirty="0">
-              <a:solidFill>
-                <a:schemeClr val="tx1">
-                  <a:lumMod val="85000"/>
-                </a:schemeClr>
-              </a:solidFill>
-              <a:effectLst/>
-              <a:latin typeface="Open Sans" panose="020B0606030504020204" pitchFamily="34" charset="0"/>
-            </a:endParaRPr>
-          </a:p>
-          <a:p>
-            <a:pPr algn="l"/>
-            <a:r>
-              <a:rPr lang="en-US" b="0" i="0" u="sng" dirty="0">
-                <a:solidFill>
-                  <a:schemeClr val="tx1">
-                    <a:lumMod val="85000"/>
-                  </a:schemeClr>
-                </a:solidFill>
-                <a:effectLst/>
-                <a:latin typeface="Open Sans" panose="020B0606030504020204" pitchFamily="34" charset="0"/>
-              </a:rPr>
-              <a:t>Interface --&gt; Implementations</a:t>
-            </a:r>
-          </a:p>
-          <a:p>
-            <a:pPr algn="l"/>
-            <a:r>
-              <a:rPr lang="en-US" b="0" i="0" dirty="0">
-                <a:solidFill>
-                  <a:schemeClr val="tx1">
-                    <a:lumMod val="85000"/>
-                  </a:schemeClr>
-                </a:solidFill>
-                <a:effectLst/>
-                <a:latin typeface="Open Sans" panose="020B0606030504020204" pitchFamily="34" charset="0"/>
-              </a:rPr>
-              <a:t>Set --&gt; HashSet, </a:t>
-            </a:r>
-            <a:r>
-              <a:rPr lang="en-US" b="0" i="0" dirty="0" err="1">
-                <a:solidFill>
-                  <a:schemeClr val="tx1">
-                    <a:lumMod val="85000"/>
-                  </a:schemeClr>
-                </a:solidFill>
-                <a:effectLst/>
-                <a:latin typeface="Open Sans" panose="020B0606030504020204" pitchFamily="34" charset="0"/>
-              </a:rPr>
-              <a:t>TreeSet</a:t>
-            </a:r>
-            <a:r>
-              <a:rPr lang="en-US" b="0" i="0" dirty="0">
-                <a:solidFill>
-                  <a:schemeClr val="tx1">
-                    <a:lumMod val="85000"/>
-                  </a:schemeClr>
-                </a:solidFill>
-                <a:effectLst/>
-                <a:latin typeface="Open Sans" panose="020B0606030504020204" pitchFamily="34" charset="0"/>
-              </a:rPr>
-              <a:t>, </a:t>
-            </a:r>
-            <a:r>
-              <a:rPr lang="en-US" b="0" i="0" dirty="0" err="1">
-                <a:solidFill>
-                  <a:schemeClr val="tx1">
-                    <a:lumMod val="85000"/>
-                  </a:schemeClr>
-                </a:solidFill>
-                <a:effectLst/>
-                <a:latin typeface="Open Sans" panose="020B0606030504020204" pitchFamily="34" charset="0"/>
-              </a:rPr>
-              <a:t>LinkedHashSet</a:t>
-            </a:r>
-            <a:endParaRPr lang="en-US" b="0" i="0" dirty="0">
-              <a:solidFill>
-                <a:schemeClr val="tx1">
-                  <a:lumMod val="85000"/>
-                </a:schemeClr>
-              </a:solidFill>
-              <a:effectLst/>
-              <a:latin typeface="Open Sans" panose="020B0606030504020204" pitchFamily="34" charset="0"/>
-            </a:endParaRPr>
-          </a:p>
-          <a:p>
-            <a:pPr algn="l"/>
-            <a:r>
-              <a:rPr lang="en-US" b="0" i="0" dirty="0">
-                <a:solidFill>
-                  <a:schemeClr val="tx1">
-                    <a:lumMod val="85000"/>
-                  </a:schemeClr>
-                </a:solidFill>
-                <a:effectLst/>
-                <a:latin typeface="Open Sans" panose="020B0606030504020204" pitchFamily="34" charset="0"/>
-              </a:rPr>
-              <a:t>List --&gt; </a:t>
-            </a:r>
-            <a:r>
-              <a:rPr lang="en-US" b="0" i="0" dirty="0" err="1">
-                <a:solidFill>
-                  <a:schemeClr val="tx1">
-                    <a:lumMod val="85000"/>
-                  </a:schemeClr>
-                </a:solidFill>
-                <a:effectLst/>
-                <a:latin typeface="Open Sans" panose="020B0606030504020204" pitchFamily="34" charset="0"/>
-              </a:rPr>
-              <a:t>ArrayList</a:t>
-            </a:r>
-            <a:r>
-              <a:rPr lang="en-US" b="0" i="0" dirty="0">
-                <a:solidFill>
-                  <a:schemeClr val="tx1">
-                    <a:lumMod val="85000"/>
-                  </a:schemeClr>
-                </a:solidFill>
-                <a:effectLst/>
-                <a:latin typeface="Open Sans" panose="020B0606030504020204" pitchFamily="34" charset="0"/>
-              </a:rPr>
-              <a:t>, LinkedList</a:t>
-            </a:r>
-          </a:p>
-          <a:p>
-            <a:pPr algn="l"/>
-            <a:r>
-              <a:rPr lang="en-US" b="0" i="0" dirty="0">
-                <a:solidFill>
-                  <a:schemeClr val="tx1">
-                    <a:lumMod val="85000"/>
-                  </a:schemeClr>
-                </a:solidFill>
-                <a:effectLst/>
-                <a:latin typeface="Open Sans" panose="020B0606030504020204" pitchFamily="34" charset="0"/>
-              </a:rPr>
-              <a:t>Map --&gt; HashMap, </a:t>
-            </a:r>
-            <a:r>
-              <a:rPr lang="en-US" b="0" i="0" dirty="0" err="1">
-                <a:solidFill>
-                  <a:schemeClr val="tx1">
-                    <a:lumMod val="85000"/>
-                  </a:schemeClr>
-                </a:solidFill>
-                <a:effectLst/>
-                <a:latin typeface="Open Sans" panose="020B0606030504020204" pitchFamily="34" charset="0"/>
-              </a:rPr>
-              <a:t>TreeMap</a:t>
-            </a:r>
-            <a:r>
-              <a:rPr lang="en-US" b="0" i="0" dirty="0">
-                <a:solidFill>
-                  <a:schemeClr val="tx1">
-                    <a:lumMod val="85000"/>
-                  </a:schemeClr>
-                </a:solidFill>
-                <a:effectLst/>
-                <a:latin typeface="Open Sans" panose="020B0606030504020204" pitchFamily="34" charset="0"/>
-              </a:rPr>
-              <a:t>, </a:t>
-            </a:r>
-            <a:r>
-              <a:rPr lang="en-US" b="0" i="0" dirty="0" err="1">
-                <a:solidFill>
-                  <a:schemeClr val="tx1">
-                    <a:lumMod val="85000"/>
-                  </a:schemeClr>
-                </a:solidFill>
-                <a:effectLst/>
-                <a:latin typeface="Open Sans" panose="020B0606030504020204" pitchFamily="34" charset="0"/>
-              </a:rPr>
-              <a:t>LinkedHashMap</a:t>
-            </a:r>
-            <a:endParaRPr lang="en-US" b="0" i="0" dirty="0">
-              <a:solidFill>
-                <a:schemeClr val="tx1">
-                  <a:lumMod val="85000"/>
-                </a:schemeClr>
-              </a:solidFill>
-              <a:effectLst/>
-              <a:latin typeface="Open Sans" panose="020B0606030504020204" pitchFamily="34" charset="0"/>
-            </a:endParaRPr>
-          </a:p>
-          <a:p>
-            <a:pPr algn="l"/>
-            <a:endParaRPr lang="en-US" dirty="0">
-              <a:solidFill>
-                <a:schemeClr val="tx1">
-                  <a:lumMod val="85000"/>
-                </a:schemeClr>
-              </a:solidFill>
-              <a:latin typeface="Open Sans" panose="020B0606030504020204" pitchFamily="34" charset="0"/>
-            </a:endParaRPr>
-          </a:p>
-          <a:p>
-            <a:pPr algn="l"/>
-            <a:r>
-              <a:rPr lang="en-US" b="0" i="0" dirty="0">
-                <a:solidFill>
-                  <a:schemeClr val="tx1">
-                    <a:lumMod val="85000"/>
-                  </a:schemeClr>
-                </a:solidFill>
-                <a:effectLst/>
-                <a:latin typeface="Open Sans" panose="020B0606030504020204" pitchFamily="34" charset="0"/>
-              </a:rPr>
-              <a:t>The </a:t>
-            </a:r>
-            <a:r>
-              <a:rPr lang="en-US" b="0" i="0" dirty="0">
-                <a:solidFill>
-                  <a:schemeClr val="tx1">
-                    <a:lumMod val="85000"/>
-                  </a:schemeClr>
-                </a:solidFill>
-                <a:effectLst/>
-                <a:latin typeface="Open Sans" panose="020B0606030504020204" pitchFamily="34" charset="0"/>
-                <a:hlinkClick r:id="rId6"/>
-              </a:rPr>
-              <a:t>Collections Class</a:t>
-            </a:r>
-            <a:r>
-              <a:rPr lang="en-US" b="0" i="0" dirty="0">
-                <a:solidFill>
-                  <a:schemeClr val="tx1">
-                    <a:lumMod val="85000"/>
-                  </a:schemeClr>
-                </a:solidFill>
-                <a:effectLst/>
-                <a:latin typeface="Open Sans" panose="020B0606030504020204" pitchFamily="34" charset="0"/>
-              </a:rPr>
-              <a:t> contains static methods that either </a:t>
-            </a:r>
-            <a:r>
-              <a:rPr lang="en-US" b="0" i="0" dirty="0">
-                <a:solidFill>
-                  <a:srgbClr val="00B0F0"/>
-                </a:solidFill>
-                <a:effectLst/>
-                <a:latin typeface="Open Sans" panose="020B0606030504020204" pitchFamily="34" charset="0"/>
-              </a:rPr>
-              <a:t>return collections </a:t>
-            </a:r>
-            <a:r>
-              <a:rPr lang="en-US" b="0" i="0" dirty="0">
-                <a:solidFill>
-                  <a:schemeClr val="tx1">
-                    <a:lumMod val="85000"/>
-                  </a:schemeClr>
-                </a:solidFill>
-                <a:effectLst/>
-                <a:latin typeface="Open Sans" panose="020B0606030504020204" pitchFamily="34" charset="0"/>
-              </a:rPr>
-              <a:t>or </a:t>
-            </a:r>
-            <a:r>
-              <a:rPr lang="en-US" b="0" i="0" dirty="0">
-                <a:solidFill>
-                  <a:srgbClr val="00B0F0"/>
-                </a:solidFill>
-                <a:effectLst/>
-                <a:latin typeface="Open Sans" panose="020B0606030504020204" pitchFamily="34" charset="0"/>
-              </a:rPr>
-              <a:t>perform some operation on collections</a:t>
-            </a:r>
-            <a:r>
-              <a:rPr lang="en-US" b="0" i="0" dirty="0">
-                <a:solidFill>
-                  <a:schemeClr val="tx1">
-                    <a:lumMod val="85000"/>
-                  </a:schemeClr>
-                </a:solidFill>
-                <a:effectLst/>
-                <a:latin typeface="Open Sans" panose="020B0606030504020204" pitchFamily="34" charset="0"/>
-              </a:rPr>
-              <a:t>.  A </a:t>
-            </a:r>
-            <a:r>
-              <a:rPr lang="en-US" b="0" i="0" dirty="0" err="1">
-                <a:solidFill>
-                  <a:schemeClr val="tx1">
-                    <a:lumMod val="85000"/>
-                  </a:schemeClr>
-                </a:solidFill>
-                <a:effectLst/>
-                <a:latin typeface="Open Sans" panose="020B0606030504020204" pitchFamily="34" charset="0"/>
-              </a:rPr>
-              <a:t>NullPointerException</a:t>
-            </a:r>
-            <a:r>
-              <a:rPr lang="en-US" b="0" i="0" dirty="0">
-                <a:solidFill>
-                  <a:schemeClr val="tx1">
-                    <a:lumMod val="85000"/>
-                  </a:schemeClr>
-                </a:solidFill>
-                <a:effectLst/>
-                <a:latin typeface="Open Sans" panose="020B0606030504020204" pitchFamily="34" charset="0"/>
-              </a:rPr>
-              <a:t> is thrown by all methods of this class if the collections or Class Objects provided are null.  </a:t>
-            </a:r>
-          </a:p>
-        </p:txBody>
-      </p:sp>
-      <p:sp>
-        <p:nvSpPr>
-          <p:cNvPr id="5" name="TextBox 4">
-            <a:extLst>
-              <a:ext uri="{FF2B5EF4-FFF2-40B4-BE49-F238E27FC236}">
-                <a16:creationId xmlns:a16="http://schemas.microsoft.com/office/drawing/2014/main" id="{983625D7-1156-1D51-0A49-6B0357B75EF4}"/>
-              </a:ext>
-            </a:extLst>
-          </p:cNvPr>
-          <p:cNvSpPr txBox="1"/>
-          <p:nvPr/>
-        </p:nvSpPr>
-        <p:spPr>
-          <a:xfrm>
-            <a:off x="5454942" y="6396753"/>
-            <a:ext cx="6652864" cy="369332"/>
-          </a:xfrm>
-          <a:prstGeom prst="rect">
-            <a:avLst/>
-          </a:prstGeom>
-          <a:noFill/>
-        </p:spPr>
-        <p:txBody>
-          <a:bodyPr wrap="square">
-            <a:spAutoFit/>
-          </a:bodyPr>
-          <a:lstStyle/>
-          <a:p>
-            <a:r>
-              <a:rPr lang="en-US" dirty="0">
-                <a:hlinkClick r:id="rId7"/>
-              </a:rPr>
-              <a:t>https://docs.oracle.com/javase/8/docs/api/java/util/Collection.html</a:t>
-            </a:r>
-            <a:endParaRPr lang="en-US" dirty="0"/>
-          </a:p>
-        </p:txBody>
-      </p:sp>
-      <p:sp>
-        <p:nvSpPr>
-          <p:cNvPr id="9" name="TextBox 8">
-            <a:extLst>
-              <a:ext uri="{FF2B5EF4-FFF2-40B4-BE49-F238E27FC236}">
-                <a16:creationId xmlns:a16="http://schemas.microsoft.com/office/drawing/2014/main" id="{E3EBAC68-1411-42B9-71E1-6CD3E49066B5}"/>
-              </a:ext>
-            </a:extLst>
-          </p:cNvPr>
-          <p:cNvSpPr txBox="1"/>
-          <p:nvPr/>
-        </p:nvSpPr>
-        <p:spPr>
-          <a:xfrm>
-            <a:off x="2451683" y="6027421"/>
-            <a:ext cx="9938856" cy="369332"/>
-          </a:xfrm>
-          <a:prstGeom prst="rect">
-            <a:avLst/>
-          </a:prstGeom>
-          <a:noFill/>
-        </p:spPr>
-        <p:txBody>
-          <a:bodyPr wrap="square">
-            <a:spAutoFit/>
-          </a:bodyPr>
-          <a:lstStyle/>
-          <a:p>
-            <a:r>
-              <a:rPr lang="en-US" dirty="0">
-                <a:hlinkClick r:id="rId5"/>
-              </a:rPr>
-              <a:t>https://docs.oracle.com/en/java/javase/17/docs/api/java.base/java/util/doc-files/coll-overview.html</a:t>
-            </a:r>
-            <a:endParaRPr lang="en-US" dirty="0"/>
           </a:p>
         </p:txBody>
       </p:sp>
     </p:spTree>
     <p:extLst>
       <p:ext uri="{BB962C8B-B14F-4D97-AF65-F5344CB8AC3E}">
-        <p14:creationId xmlns:p14="http://schemas.microsoft.com/office/powerpoint/2010/main" val="976671966"/>
+        <p14:creationId xmlns:p14="http://schemas.microsoft.com/office/powerpoint/2010/main" val="367428708"/>
       </p:ext>
     </p:extLst>
   </p:cSld>
@@ -11037,17 +10693,11 @@
                 <a:solidFill>
                   <a:srgbClr val="00B050"/>
                 </a:solidFill>
-                <a:latin typeface="Open Sans" panose="020B0606030504020204" pitchFamily="34" charset="0"/>
-              </a:rPr>
-              <a:t>Lists</a:t>
-            </a:r>
-            <a:endParaRPr lang="en-US" sz="2400" b="1" dirty="0">
-              <a:solidFill>
-                <a:srgbClr val="00B050"/>
-              </a:solidFill>
-              <a:effectLst/>
-              <a:latin typeface="Open Sans" panose="020B0606030504020204" pitchFamily="34" charset="0"/>
-            </a:endParaRPr>
+                <a:effectLst/>
+                <a:latin typeface="Open Sans" panose="020B0606030504020204" pitchFamily="34" charset="0"/>
+              </a:rPr>
+              <a:t>Collections</a:t>
+            </a:r>
           </a:p>
         </p:txBody>
       </p:sp>
@@ -11065,8 +10715,8 @@
         </p:nvSpPr>
         <p:spPr>
           <a:xfrm>
-            <a:off x="176169" y="465956"/>
-            <a:ext cx="11931637" cy="5724644"/>
+            <a:off x="176169" y="516290"/>
+            <a:ext cx="11931637" cy="5078313"/>
           </a:xfrm>
           <a:prstGeom prst="rect">
             <a:avLst/>
@@ -11090,7 +10740,7 @@
                 <a:effectLst/>
                 <a:latin typeface="Open Sans" panose="020B0606030504020204" pitchFamily="34" charset="0"/>
               </a:rPr>
-              <a:t>Lists are used to "collect"  elements.   By creating a List, you can </a:t>
+              <a:t>Think of a Collection as an Object, but that </a:t>
             </a:r>
             <a:r>
               <a:rPr lang="en-US" b="0" i="0" dirty="0">
@@ -11100,63 +10750,19 @@
                 <a:effectLst/>
                 <a:latin typeface="Open Sans" panose="020B0606030504020204" pitchFamily="34" charset="0"/>
               </a:rPr>
-              <a:t>store any number of elements</a:t>
-            </a:r>
-            <a:r>
-              <a:rPr lang="en-US" b="0" i="0" dirty="0">
-                <a:solidFill>
-                  <a:schemeClr val="tx1">
-                    <a:lumMod val="85000"/>
-                  </a:schemeClr>
-                </a:solidFill>
-                <a:effectLst/>
-                <a:latin typeface="Open Sans" panose="020B0606030504020204" pitchFamily="34" charset="0"/>
-              </a:rPr>
-              <a:t>,  </a:t>
-            </a:r>
-            <a:r>
-              <a:rPr lang="en-US" b="0" i="0" dirty="0">
-                <a:solidFill>
-                  <a:srgbClr val="00B0F0"/>
-                </a:solidFill>
-                <a:effectLst/>
-                <a:latin typeface="Open Sans" panose="020B0606030504020204" pitchFamily="34" charset="0"/>
-              </a:rPr>
-              <a:t>dynamically modifying the List</a:t>
-            </a:r>
-            <a:r>
-              <a:rPr lang="en-US" b="0" i="0" dirty="0">
-                <a:solidFill>
-                  <a:schemeClr val="tx1">
-                    <a:lumMod val="85000"/>
-                  </a:schemeClr>
-                </a:solidFill>
-                <a:effectLst/>
-                <a:latin typeface="Open Sans" panose="020B0606030504020204" pitchFamily="34" charset="0"/>
-              </a:rPr>
-              <a:t>, and the location of each item is managed by the List.  Each element is accessible through a </a:t>
-            </a:r>
-            <a:r>
-              <a:rPr lang="en-US" b="0" i="0" dirty="0">
-                <a:solidFill>
-                  <a:srgbClr val="00B0F0"/>
-                </a:solidFill>
-                <a:effectLst/>
-                <a:latin typeface="Open Sans" panose="020B0606030504020204" pitchFamily="34" charset="0"/>
-              </a:rPr>
-              <a:t>variable that you declare as a List</a:t>
-            </a:r>
-            <a:r>
-              <a:rPr lang="en-US" b="0" i="0" dirty="0">
-                <a:solidFill>
-                  <a:schemeClr val="tx1">
-                    <a:lumMod val="85000"/>
-                  </a:schemeClr>
-                </a:solidFill>
-                <a:effectLst/>
-                <a:latin typeface="Open Sans" panose="020B0606030504020204" pitchFamily="34" charset="0"/>
-              </a:rPr>
-              <a:t>.</a:t>
+              <a:t>Object can contain (or represent) a group of Objects</a:t>
+            </a:r>
+            <a:r>
+              <a:rPr lang="en-US" b="0" i="0" dirty="0">
+                <a:solidFill>
+                  <a:schemeClr val="tx1">
+                    <a:lumMod val="85000"/>
+                  </a:schemeClr>
+                </a:solidFill>
+                <a:effectLst/>
+                <a:latin typeface="Open Sans" panose="020B0606030504020204" pitchFamily="34" charset="0"/>
+              </a:rPr>
+              <a:t>.  Java provides a Collection Framework, which is an architecture that allows a unified access to a variety of different types of collections.</a:t>
             </a:r>
           </a:p>
           <a:p>
@@ -11183,226 +10789,107 @@
                 <a:effectLst/>
                 <a:latin typeface="Open Sans" panose="020B0606030504020204" pitchFamily="34" charset="0"/>
               </a:rPr>
-              <a:t>A List in Java is an </a:t>
-            </a:r>
-            <a:r>
-              <a:rPr lang="en-US" b="0" i="0" dirty="0">
-                <a:solidFill>
-                  <a:srgbClr val="00B0F0"/>
-                </a:solidFill>
-                <a:effectLst/>
-                <a:latin typeface="Open Sans" panose="020B0606030504020204" pitchFamily="34" charset="0"/>
-              </a:rPr>
-              <a:t>Interface</a:t>
-            </a:r>
-            <a:r>
-              <a:rPr lang="en-US" b="0" i="0" dirty="0">
-                <a:solidFill>
-                  <a:schemeClr val="tx1">
-                    <a:lumMod val="85000"/>
-                  </a:schemeClr>
-                </a:solidFill>
-                <a:effectLst/>
-                <a:latin typeface="Open Sans" panose="020B0606030504020204" pitchFamily="34" charset="0"/>
-              </a:rPr>
-              <a:t>.   To use a List in Java, you </a:t>
-            </a:r>
-            <a:r>
-              <a:rPr lang="en-US" b="0" i="0" dirty="0">
-                <a:solidFill>
-                  <a:srgbClr val="00B0F0"/>
-                </a:solidFill>
-                <a:effectLst/>
-                <a:latin typeface="Open Sans" panose="020B0606030504020204" pitchFamily="34" charset="0"/>
-              </a:rPr>
-              <a:t>will import the </a:t>
-            </a:r>
-            <a:r>
-              <a:rPr lang="en-US" b="0" i="0" dirty="0" err="1">
-                <a:solidFill>
-                  <a:srgbClr val="00B0F0"/>
-                </a:solidFill>
-                <a:effectLst/>
-                <a:latin typeface="Open Sans" panose="020B0606030504020204" pitchFamily="34" charset="0"/>
-              </a:rPr>
-              <a:t>java.util</a:t>
-            </a:r>
-            <a:r>
-              <a:rPr lang="en-US" b="0" i="0" dirty="0">
-                <a:solidFill>
-                  <a:srgbClr val="00B0F0"/>
-                </a:solidFill>
-                <a:effectLst/>
-                <a:latin typeface="Open Sans" panose="020B0606030504020204" pitchFamily="34" charset="0"/>
-              </a:rPr>
-              <a:t> </a:t>
-            </a:r>
-            <a:r>
-              <a:rPr lang="en-US" b="0" i="0" dirty="0">
-                <a:solidFill>
-                  <a:schemeClr val="tx1">
-                    <a:lumMod val="85000"/>
-                  </a:schemeClr>
-                </a:solidFill>
-                <a:effectLst/>
-                <a:latin typeface="Open Sans" panose="020B0606030504020204" pitchFamily="34" charset="0"/>
-              </a:rPr>
-              <a:t>library, and a List will need to be declared and initialized.  A List is often </a:t>
-            </a:r>
-            <a:r>
-              <a:rPr lang="en-US" b="0" i="0" dirty="0">
-                <a:solidFill>
-                  <a:srgbClr val="00B0F0"/>
-                </a:solidFill>
-                <a:effectLst/>
-                <a:latin typeface="Open Sans" panose="020B0606030504020204" pitchFamily="34" charset="0"/>
-              </a:rPr>
-              <a:t>implemented by the </a:t>
-            </a:r>
-            <a:r>
-              <a:rPr lang="en-US" b="0" i="0" dirty="0" err="1">
-                <a:solidFill>
-                  <a:srgbClr val="00B0F0"/>
-                </a:solidFill>
-                <a:effectLst/>
-                <a:latin typeface="Open Sans" panose="020B0606030504020204" pitchFamily="34" charset="0"/>
-              </a:rPr>
-              <a:t>ArrayList</a:t>
-            </a:r>
-            <a:r>
-              <a:rPr lang="en-US" b="0" i="0" dirty="0">
-                <a:solidFill>
-                  <a:srgbClr val="00B0F0"/>
-                </a:solidFill>
-                <a:effectLst/>
-                <a:latin typeface="Open Sans" panose="020B0606030504020204" pitchFamily="34" charset="0"/>
-              </a:rPr>
-              <a:t> class</a:t>
-            </a:r>
-            <a:r>
-              <a:rPr lang="en-US" b="0" i="0" dirty="0">
-                <a:solidFill>
-                  <a:schemeClr val="tx1">
-                    <a:lumMod val="85000"/>
-                  </a:schemeClr>
-                </a:solidFill>
-                <a:effectLst/>
-                <a:latin typeface="Open Sans" panose="020B0606030504020204" pitchFamily="34" charset="0"/>
-              </a:rPr>
-              <a:t>, but can also be implemented by one of these classes:  </a:t>
-            </a:r>
-            <a:r>
-              <a:rPr lang="en-US" b="0" i="0" dirty="0">
-                <a:solidFill>
-                  <a:srgbClr val="00B0F0"/>
-                </a:solidFill>
-                <a:effectLst/>
-                <a:latin typeface="Open Sans" panose="020B0606030504020204" pitchFamily="34" charset="0"/>
-              </a:rPr>
-              <a:t>LinkedList, Vector and Stack</a:t>
-            </a:r>
-            <a:r>
-              <a:rPr lang="en-US" b="0" i="0" dirty="0">
-                <a:solidFill>
-                  <a:schemeClr val="tx1">
-                    <a:lumMod val="85000"/>
-                  </a:schemeClr>
-                </a:solidFill>
-                <a:effectLst/>
-                <a:latin typeface="Open Sans" panose="020B0606030504020204" pitchFamily="34" charset="0"/>
-              </a:rPr>
-              <a:t>.  If you choose </a:t>
-            </a:r>
-            <a:r>
-              <a:rPr lang="en-US" b="0" i="0" dirty="0" err="1">
-                <a:solidFill>
-                  <a:schemeClr val="tx1">
-                    <a:lumMod val="85000"/>
-                  </a:schemeClr>
-                </a:solidFill>
-                <a:effectLst/>
-                <a:latin typeface="Open Sans" panose="020B0606030504020204" pitchFamily="34" charset="0"/>
-              </a:rPr>
-              <a:t>ArrayList</a:t>
-            </a:r>
-            <a:r>
-              <a:rPr lang="en-US" b="0" i="0" dirty="0">
-                <a:solidFill>
-                  <a:schemeClr val="tx1">
-                    <a:lumMod val="85000"/>
-                  </a:schemeClr>
-                </a:solidFill>
-                <a:effectLst/>
-                <a:latin typeface="Open Sans" panose="020B0606030504020204" pitchFamily="34" charset="0"/>
-              </a:rPr>
-              <a:t>,  you will also have to </a:t>
-            </a:r>
-            <a:r>
-              <a:rPr lang="en-US" b="0" i="0" dirty="0">
-                <a:solidFill>
-                  <a:srgbClr val="00B0F0"/>
-                </a:solidFill>
-                <a:effectLst/>
-                <a:latin typeface="Open Sans" panose="020B0606030504020204" pitchFamily="34" charset="0"/>
-              </a:rPr>
-              <a:t>import </a:t>
-            </a:r>
-            <a:r>
-              <a:rPr lang="en-US" b="0" i="0" dirty="0" err="1">
-                <a:solidFill>
-                  <a:srgbClr val="00B0F0"/>
-                </a:solidFill>
-                <a:effectLst/>
-                <a:latin typeface="Open Sans" panose="020B0606030504020204" pitchFamily="34" charset="0"/>
-              </a:rPr>
-              <a:t>ArrayList</a:t>
-            </a:r>
-            <a:r>
-              <a:rPr lang="en-US" b="0" i="0" dirty="0">
-                <a:solidFill>
-                  <a:srgbClr val="00B0F0"/>
-                </a:solidFill>
-                <a:effectLst/>
-                <a:latin typeface="Open Sans" panose="020B0606030504020204" pitchFamily="34" charset="0"/>
-              </a:rPr>
-              <a:t> from </a:t>
-            </a:r>
-            <a:r>
-              <a:rPr lang="en-US" b="0" i="0" dirty="0" err="1">
-                <a:solidFill>
-                  <a:srgbClr val="00B0F0"/>
-                </a:solidFill>
-                <a:effectLst/>
-                <a:latin typeface="Open Sans" panose="020B0606030504020204" pitchFamily="34" charset="0"/>
-              </a:rPr>
-              <a:t>java.util</a:t>
-            </a:r>
-            <a:r>
-              <a:rPr lang="en-US" b="0" i="0" dirty="0">
-                <a:solidFill>
-                  <a:schemeClr val="tx1">
-                    <a:lumMod val="85000"/>
-                  </a:schemeClr>
-                </a:solidFill>
-                <a:effectLst/>
-                <a:latin typeface="Open Sans" panose="020B0606030504020204" pitchFamily="34" charset="0"/>
-              </a:rPr>
-              <a:t>.</a:t>
-            </a:r>
-          </a:p>
-          <a:p>
-            <a:pPr algn="l"/>
-            <a:r>
-              <a:rPr lang="en-US" b="0" i="0" dirty="0">
-                <a:solidFill>
-                  <a:schemeClr val="tx1">
-                    <a:lumMod val="85000"/>
-                  </a:schemeClr>
-                </a:solidFill>
-                <a:effectLst/>
-                <a:latin typeface="Open Sans" panose="020B0606030504020204" pitchFamily="34" charset="0"/>
-              </a:rPr>
-              <a:t>Example declaring a List of String:</a:t>
+              <a:t>Collection is technically an Interface vs a Class </a:t>
+            </a:r>
+            <a:r>
+              <a:rPr lang="en-US" b="0" i="0" dirty="0">
+                <a:solidFill>
+                  <a:schemeClr val="tx1">
+                    <a:lumMod val="85000"/>
+                  </a:schemeClr>
+                </a:solidFill>
+                <a:effectLst/>
+                <a:latin typeface="Open Sans" panose="020B0606030504020204" pitchFamily="34" charset="0"/>
+                <a:sym typeface="Wingdings" panose="05000000000000000000" pitchFamily="2" charset="2"/>
+              </a:rPr>
+              <a:t> </a:t>
+            </a:r>
+            <a:r>
+              <a:rPr lang="en-US" b="0" i="0" dirty="0">
+                <a:solidFill>
+                  <a:schemeClr val="tx1">
+                    <a:lumMod val="85000"/>
+                  </a:schemeClr>
+                </a:solidFill>
+                <a:effectLst/>
+                <a:latin typeface="Open Sans" panose="020B0606030504020204" pitchFamily="34" charset="0"/>
+              </a:rPr>
+              <a:t>Collection Interfaces:  </a:t>
+            </a:r>
+            <a:r>
+              <a:rPr lang="en-US" b="0" i="0" dirty="0">
+                <a:solidFill>
+                  <a:schemeClr val="tx1">
+                    <a:lumMod val="85000"/>
+                  </a:schemeClr>
+                </a:solidFill>
+                <a:effectLst/>
+                <a:latin typeface="Open Sans" panose="020B0606030504020204" pitchFamily="34" charset="0"/>
+                <a:hlinkClick r:id="rId2"/>
+              </a:rPr>
+              <a:t>Set</a:t>
+            </a:r>
+            <a:r>
+              <a:rPr lang="en-US" b="0" i="0" dirty="0">
+                <a:solidFill>
+                  <a:schemeClr val="tx1">
+                    <a:lumMod val="85000"/>
+                  </a:schemeClr>
+                </a:solidFill>
+                <a:effectLst/>
+                <a:latin typeface="Open Sans" panose="020B0606030504020204" pitchFamily="34" charset="0"/>
+              </a:rPr>
+              <a:t>, </a:t>
+            </a:r>
+            <a:r>
+              <a:rPr lang="en-US" b="0" i="0" dirty="0">
+                <a:solidFill>
+                  <a:schemeClr val="tx1">
+                    <a:lumMod val="85000"/>
+                  </a:schemeClr>
+                </a:solidFill>
+                <a:effectLst/>
+                <a:latin typeface="Open Sans" panose="020B0606030504020204" pitchFamily="34" charset="0"/>
+                <a:hlinkClick r:id="rId3"/>
+              </a:rPr>
+              <a:t>List</a:t>
+            </a:r>
+            <a:r>
+              <a:rPr lang="en-US" b="0" i="0" dirty="0">
+                <a:solidFill>
+                  <a:schemeClr val="tx1">
+                    <a:lumMod val="85000"/>
+                  </a:schemeClr>
+                </a:solidFill>
+                <a:effectLst/>
+                <a:latin typeface="Open Sans" panose="020B0606030504020204" pitchFamily="34" charset="0"/>
+              </a:rPr>
+              <a:t>, </a:t>
+            </a:r>
+            <a:r>
+              <a:rPr lang="en-US" b="0" i="0" dirty="0">
+                <a:solidFill>
+                  <a:schemeClr val="tx1">
+                    <a:lumMod val="85000"/>
+                  </a:schemeClr>
+                </a:solidFill>
+                <a:effectLst/>
+                <a:latin typeface="Open Sans" panose="020B0606030504020204" pitchFamily="34" charset="0"/>
+                <a:hlinkClick r:id="rId4"/>
+              </a:rPr>
+              <a:t>Map</a:t>
+            </a:r>
+            <a:r>
+              <a:rPr lang="en-US" b="0" i="0" dirty="0">
+                <a:solidFill>
+                  <a:schemeClr val="tx1">
+                    <a:lumMod val="85000"/>
+                  </a:schemeClr>
+                </a:solidFill>
+                <a:effectLst/>
+                <a:latin typeface="Open Sans" panose="020B0606030504020204" pitchFamily="34" charset="0"/>
+              </a:rPr>
+              <a:t>, and others</a:t>
             </a:r>
           </a:p>
           <a:p>
@@ -11418,174 +10905,87 @@
             </a:endParaRPr>
           </a:p>
           <a:p>
-            <a:pPr lvl="1"/>
-            <a:r>
-              <a:rPr lang="en-US" sz="1200" b="0" i="0" dirty="0">
-                <a:solidFill>
-                  <a:schemeClr val="tx1">
-                    <a:lumMod val="85000"/>
-                  </a:schemeClr>
-                </a:solidFill>
-                <a:effectLst/>
-                <a:latin typeface="Open Sans" panose="020B0606030504020204" pitchFamily="34" charset="0"/>
-              </a:rPr>
-              <a:t>List&lt;String&gt; </a:t>
-            </a:r>
-            <a:r>
-              <a:rPr lang="en-US" sz="1200" b="0" i="0" dirty="0" err="1">
-                <a:solidFill>
-                  <a:schemeClr val="tx1">
-                    <a:lumMod val="85000"/>
-                  </a:schemeClr>
-                </a:solidFill>
-                <a:effectLst/>
-                <a:latin typeface="Open Sans" panose="020B0606030504020204" pitchFamily="34" charset="0"/>
-              </a:rPr>
-              <a:t>myInstruments</a:t>
-            </a:r>
-            <a:r>
-              <a:rPr lang="en-US" sz="1200" b="0" i="0" dirty="0">
-                <a:solidFill>
-                  <a:schemeClr val="tx1">
-                    <a:lumMod val="85000"/>
-                  </a:schemeClr>
-                </a:solidFill>
-                <a:effectLst/>
-                <a:latin typeface="Open Sans" panose="020B0606030504020204" pitchFamily="34" charset="0"/>
-              </a:rPr>
-              <a:t> = new </a:t>
-            </a:r>
-            <a:r>
-              <a:rPr lang="en-US" sz="1200" b="0" i="0" dirty="0" err="1">
-                <a:solidFill>
-                  <a:schemeClr val="tx1">
-                    <a:lumMod val="85000"/>
-                  </a:schemeClr>
-                </a:solidFill>
-                <a:effectLst/>
-                <a:latin typeface="Open Sans" panose="020B0606030504020204" pitchFamily="34" charset="0"/>
-              </a:rPr>
-              <a:t>ArrayList</a:t>
-            </a:r>
-            <a:r>
-              <a:rPr lang="en-US" sz="1200" b="0" i="0" dirty="0">
-                <a:solidFill>
-                  <a:schemeClr val="tx1">
-                    <a:lumMod val="85000"/>
-                  </a:schemeClr>
-                </a:solidFill>
-                <a:effectLst/>
-                <a:latin typeface="Open Sans" panose="020B0606030504020204" pitchFamily="34" charset="0"/>
-              </a:rPr>
-              <a:t>&lt;String&gt;();</a:t>
-            </a:r>
-          </a:p>
-          <a:p>
-            <a:pPr lvl="1"/>
-            <a:r>
-              <a:rPr lang="en-US" sz="1200" b="0" i="0" dirty="0" err="1">
-                <a:solidFill>
-                  <a:schemeClr val="tx1">
-                    <a:lumMod val="85000"/>
-                  </a:schemeClr>
-                </a:solidFill>
-                <a:effectLst/>
-                <a:latin typeface="Open Sans" panose="020B0606030504020204" pitchFamily="34" charset="0"/>
-              </a:rPr>
-              <a:t>myInstruments.add</a:t>
-            </a:r>
-            <a:r>
-              <a:rPr lang="en-US" sz="1200" b="0" i="0" dirty="0">
-                <a:solidFill>
-                  <a:schemeClr val="tx1">
-                    <a:lumMod val="85000"/>
-                  </a:schemeClr>
-                </a:solidFill>
-                <a:effectLst/>
-                <a:latin typeface="Open Sans" panose="020B0606030504020204" pitchFamily="34" charset="0"/>
-              </a:rPr>
-              <a:t>("Tuba");</a:t>
-            </a:r>
-          </a:p>
-          <a:p>
-            <a:pPr lvl="1"/>
-            <a:r>
-              <a:rPr lang="en-US" sz="1200" b="0" i="0" dirty="0" err="1">
-                <a:solidFill>
-                  <a:schemeClr val="tx1">
-                    <a:lumMod val="85000"/>
-                  </a:schemeClr>
-                </a:solidFill>
-                <a:effectLst/>
-                <a:latin typeface="Open Sans" panose="020B0606030504020204" pitchFamily="34" charset="0"/>
-              </a:rPr>
-              <a:t>myInstruments.add</a:t>
-            </a:r>
-            <a:r>
-              <a:rPr lang="en-US" sz="1200" b="0" i="0" dirty="0">
-                <a:solidFill>
-                  <a:schemeClr val="tx1">
-                    <a:lumMod val="85000"/>
-                  </a:schemeClr>
-                </a:solidFill>
-                <a:effectLst/>
-                <a:latin typeface="Open Sans" panose="020B0606030504020204" pitchFamily="34" charset="0"/>
-              </a:rPr>
-              <a:t>("Trombone");</a:t>
-            </a:r>
-          </a:p>
-          <a:p>
-            <a:pPr lvl="1"/>
-            <a:r>
-              <a:rPr lang="en-US" sz="1200" b="0" i="0" dirty="0" err="1">
-                <a:solidFill>
-                  <a:schemeClr val="tx1">
-                    <a:lumMod val="85000"/>
-                  </a:schemeClr>
-                </a:solidFill>
-                <a:effectLst/>
-                <a:latin typeface="Open Sans" panose="020B0606030504020204" pitchFamily="34" charset="0"/>
-              </a:rPr>
-              <a:t>myInstruments.add</a:t>
-            </a:r>
-            <a:r>
-              <a:rPr lang="en-US" sz="1200" b="0" i="0" dirty="0">
-                <a:solidFill>
-                  <a:schemeClr val="tx1">
-                    <a:lumMod val="85000"/>
-                  </a:schemeClr>
-                </a:solidFill>
-                <a:effectLst/>
-                <a:latin typeface="Open Sans" panose="020B0606030504020204" pitchFamily="34" charset="0"/>
-              </a:rPr>
-              <a:t>("Trumpet");</a:t>
-            </a:r>
-          </a:p>
-          <a:p>
-            <a:pPr lvl="1"/>
-            <a:r>
-              <a:rPr lang="en-US" sz="1200" b="0" i="0" dirty="0" err="1">
-                <a:solidFill>
-                  <a:schemeClr val="tx1">
-                    <a:lumMod val="85000"/>
-                  </a:schemeClr>
-                </a:solidFill>
-                <a:effectLst/>
-                <a:latin typeface="Open Sans" panose="020B0606030504020204" pitchFamily="34" charset="0"/>
-              </a:rPr>
-              <a:t>myInstruments.add</a:t>
-            </a:r>
-            <a:r>
-              <a:rPr lang="en-US" sz="1200" b="0" i="0" dirty="0">
-                <a:solidFill>
-                  <a:schemeClr val="tx1">
-                    <a:lumMod val="85000"/>
-                  </a:schemeClr>
-                </a:solidFill>
-                <a:effectLst/>
-                <a:latin typeface="Open Sans" panose="020B0606030504020204" pitchFamily="34" charset="0"/>
-              </a:rPr>
-              <a:t>("Triangle");</a:t>
+            <a:pPr algn="l"/>
+            <a:r>
+              <a:rPr lang="en-US" b="0" i="0" dirty="0">
+                <a:solidFill>
+                  <a:schemeClr val="tx1">
+                    <a:lumMod val="85000"/>
+                  </a:schemeClr>
+                </a:solidFill>
+                <a:effectLst/>
+                <a:latin typeface="Open Sans" panose="020B0606030504020204" pitchFamily="34" charset="0"/>
+              </a:rPr>
+              <a:t>Collection Implementations:  There are </a:t>
+            </a:r>
+            <a:r>
+              <a:rPr lang="en-US" b="0" i="0" dirty="0">
+                <a:solidFill>
+                  <a:srgbClr val="00B0F0"/>
+                </a:solidFill>
+                <a:effectLst/>
+                <a:latin typeface="Open Sans" panose="020B0606030504020204" pitchFamily="34" charset="0"/>
+              </a:rPr>
+              <a:t>a number of classes provided in Java </a:t>
+            </a:r>
+            <a:r>
+              <a:rPr lang="en-US" b="0" i="0" dirty="0">
+                <a:solidFill>
+                  <a:schemeClr val="tx1">
+                    <a:lumMod val="85000"/>
+                  </a:schemeClr>
+                </a:solidFill>
+                <a:effectLst/>
+                <a:latin typeface="Open Sans" panose="020B0606030504020204" pitchFamily="34" charset="0"/>
+              </a:rPr>
+              <a:t>that are used to </a:t>
+            </a:r>
+            <a:r>
+              <a:rPr lang="en-US" b="0" i="0" dirty="0">
+                <a:solidFill>
+                  <a:srgbClr val="00B0F0"/>
+                </a:solidFill>
+                <a:effectLst/>
+                <a:latin typeface="Open Sans" panose="020B0606030504020204" pitchFamily="34" charset="0"/>
+              </a:rPr>
+              <a:t>implement the Collection Interfaces</a:t>
+            </a:r>
+            <a:r>
+              <a:rPr lang="en-US" b="0" i="0" dirty="0">
+                <a:solidFill>
+                  <a:schemeClr val="tx1">
+                    <a:lumMod val="85000"/>
+                  </a:schemeClr>
+                </a:solidFill>
+                <a:effectLst/>
+                <a:latin typeface="Open Sans" panose="020B0606030504020204" pitchFamily="34" charset="0"/>
+              </a:rPr>
+              <a:t>.   See the </a:t>
+            </a:r>
+            <a:r>
+              <a:rPr lang="en-US" b="0" i="0" dirty="0">
+                <a:solidFill>
+                  <a:schemeClr val="tx1">
+                    <a:lumMod val="85000"/>
+                  </a:schemeClr>
+                </a:solidFill>
+                <a:effectLst/>
+                <a:latin typeface="Open Sans" panose="020B0606030504020204" pitchFamily="34" charset="0"/>
+                <a:hlinkClick r:id="rId5"/>
+              </a:rPr>
+              <a:t>Java Collections Framework Overview</a:t>
+            </a:r>
+            <a:r>
+              <a:rPr lang="en-US" b="0" i="0" dirty="0">
+                <a:solidFill>
+                  <a:schemeClr val="tx1">
+                    <a:lumMod val="85000"/>
+                  </a:schemeClr>
+                </a:solidFill>
+                <a:effectLst/>
+                <a:latin typeface="Open Sans" panose="020B0606030504020204" pitchFamily="34" charset="0"/>
+              </a:rPr>
+              <a:t> link below for additional information on Collection Implementations.</a:t>
             </a:r>
           </a:p>
           <a:p>
@@ -11603,64 +11003,68 @@
           <a:p>
             <a:pPr algn="l"/>
             <a:r>
-              <a:rPr lang="en-US" b="0" i="0" dirty="0">
-                <a:solidFill>
-                  <a:schemeClr val="tx1">
-                    <a:lumMod val="85000"/>
-                  </a:schemeClr>
-                </a:solidFill>
-                <a:effectLst/>
-                <a:latin typeface="Open Sans" panose="020B0606030504020204" pitchFamily="34" charset="0"/>
-              </a:rPr>
-              <a:t>Notice that </a:t>
-            </a:r>
-            <a:r>
-              <a:rPr lang="en-US" b="0" i="0" dirty="0">
-                <a:solidFill>
-                  <a:srgbClr val="00B0F0"/>
-                </a:solidFill>
-                <a:effectLst/>
-                <a:latin typeface="Open Sans" panose="020B0606030504020204" pitchFamily="34" charset="0"/>
-              </a:rPr>
-              <a:t>unlike an Array</a:t>
-            </a:r>
-            <a:r>
-              <a:rPr lang="en-US" b="0" i="0" dirty="0">
-                <a:solidFill>
-                  <a:schemeClr val="tx1">
-                    <a:lumMod val="85000"/>
-                  </a:schemeClr>
-                </a:solidFill>
-                <a:effectLst/>
-                <a:latin typeface="Open Sans" panose="020B0606030504020204" pitchFamily="34" charset="0"/>
-              </a:rPr>
-              <a:t>, you can </a:t>
-            </a:r>
-            <a:r>
-              <a:rPr lang="en-US" b="0" i="0" dirty="0">
-                <a:solidFill>
-                  <a:srgbClr val="00B0F0"/>
-                </a:solidFill>
-                <a:effectLst/>
-                <a:latin typeface="Open Sans" panose="020B0606030504020204" pitchFamily="34" charset="0"/>
-              </a:rPr>
-              <a:t>dynamically add additional elements to your List</a:t>
-            </a:r>
-            <a:r>
-              <a:rPr lang="en-US" b="0" i="0" dirty="0">
-                <a:solidFill>
-                  <a:schemeClr val="tx1">
-                    <a:lumMod val="85000"/>
-                  </a:schemeClr>
-                </a:solidFill>
-                <a:effectLst/>
-                <a:latin typeface="Open Sans" panose="020B0606030504020204" pitchFamily="34" charset="0"/>
-              </a:rPr>
-              <a:t>, inserting as many elements as you wish to this same List, without throwing an exception:</a:t>
+              <a:rPr lang="en-US" b="0" i="0" u="sng" dirty="0">
+                <a:solidFill>
+                  <a:schemeClr val="tx1">
+                    <a:lumMod val="85000"/>
+                  </a:schemeClr>
+                </a:solidFill>
+                <a:effectLst/>
+                <a:latin typeface="Open Sans" panose="020B0606030504020204" pitchFamily="34" charset="0"/>
+              </a:rPr>
+              <a:t>Interface --&gt; Implementations</a:t>
             </a:r>
           </a:p>
           <a:p>
             <a:pPr algn="l"/>
+            <a:r>
+              <a:rPr lang="en-US" b="0" i="0" dirty="0">
+                <a:solidFill>
+                  <a:schemeClr val="tx1">
+                    <a:lumMod val="85000"/>
+                  </a:schemeClr>
+                </a:solidFill>
+                <a:effectLst/>
+                <a:latin typeface="Open Sans" panose="020B0606030504020204" pitchFamily="34" charset="0"/>
+              </a:rPr>
+              <a:t>Set --&gt; HashSet, </a:t>
+            </a:r>
+            <a:r>
+              <a:rPr lang="en-US" b="0" i="0" dirty="0" err="1">
+                <a:solidFill>
+                  <a:schemeClr val="tx1">
+                    <a:lumMod val="85000"/>
+                  </a:schemeClr>
+                </a:solidFill>
+                <a:effectLst/>
+                <a:latin typeface="Open Sans" panose="020B0606030504020204" pitchFamily="34" charset="0"/>
+              </a:rPr>
+              <a:t>TreeSet</a:t>
+            </a:r>
+            <a:r>
+              <a:rPr lang="en-US" b="0" i="0" dirty="0">
+                <a:solidFill>
+                  <a:schemeClr val="tx1">
+                    <a:lumMod val="85000"/>
+                  </a:schemeClr>
+                </a:solidFill>
+                <a:effectLst/>
+                <a:latin typeface="Open Sans" panose="020B0606030504020204" pitchFamily="34" charset="0"/>
+              </a:rPr>
+              <a:t>, </a:t>
+            </a:r>
+            <a:r>
+              <a:rPr lang="en-US" b="0" i="0" dirty="0" err="1">
+                <a:solidFill>
+                  <a:schemeClr val="tx1">
+                    <a:lumMod val="85000"/>
+                  </a:schemeClr>
+                </a:solidFill>
+                <a:effectLst/>
+                <a:latin typeface="Open Sans" panose="020B0606030504020204" pitchFamily="34" charset="0"/>
+              </a:rPr>
+              <a:t>LinkedHashSet</a:t>
+            </a:r>
             <a:endParaRPr lang="en-US" b="0" i="0" dirty="0">
               <a:solidFill>
                 <a:schemeClr val="tx1">
@@ -11672,88 +11076,94 @@
             </a:endParaRPr>
           </a:p>
           <a:p>
-            <a:pPr lvl="1"/>
-            <a:r>
-              <a:rPr lang="en-US" sz="1200" b="0" i="0" dirty="0" err="1">
-                <a:solidFill>
-                  <a:schemeClr val="tx1">
-                    <a:lumMod val="85000"/>
-                  </a:schemeClr>
-                </a:solidFill>
-                <a:effectLst/>
-                <a:latin typeface="Open Sans" panose="020B0606030504020204" pitchFamily="34" charset="0"/>
-              </a:rPr>
-              <a:t>myInstruments.add</a:t>
-            </a:r>
-            <a:r>
-              <a:rPr lang="en-US" sz="1200" b="0" i="0" dirty="0">
-                <a:solidFill>
-                  <a:schemeClr val="tx1">
-                    <a:lumMod val="85000"/>
-                  </a:schemeClr>
-                </a:solidFill>
-                <a:effectLst/>
-                <a:latin typeface="Open Sans" panose="020B0606030504020204" pitchFamily="34" charset="0"/>
-              </a:rPr>
-              <a:t>("Flute");</a:t>
-            </a:r>
-          </a:p>
-          <a:p>
-            <a:pPr lvl="1"/>
-            <a:r>
-              <a:rPr lang="en-US" sz="1200" b="0" i="0" dirty="0" err="1">
-                <a:solidFill>
-                  <a:schemeClr val="tx1">
-                    <a:lumMod val="85000"/>
-                  </a:schemeClr>
-                </a:solidFill>
-                <a:effectLst/>
-                <a:latin typeface="Open Sans" panose="020B0606030504020204" pitchFamily="34" charset="0"/>
-              </a:rPr>
-              <a:t>myInstruments.add</a:t>
-            </a:r>
-            <a:r>
-              <a:rPr lang="en-US" sz="1200" b="0" i="0" dirty="0">
-                <a:solidFill>
-                  <a:schemeClr val="tx1">
-                    <a:lumMod val="85000"/>
-                  </a:schemeClr>
-                </a:solidFill>
-                <a:effectLst/>
-                <a:latin typeface="Open Sans" panose="020B0606030504020204" pitchFamily="34" charset="0"/>
-              </a:rPr>
-              <a:t>("Clarinet");</a:t>
-            </a:r>
-          </a:p>
-          <a:p>
-            <a:pPr lvl="1"/>
-            <a:r>
-              <a:rPr lang="en-US" sz="1200" b="0" i="0" dirty="0" err="1">
-                <a:solidFill>
-                  <a:schemeClr val="tx1">
-                    <a:lumMod val="85000"/>
-                  </a:schemeClr>
-                </a:solidFill>
-                <a:effectLst/>
-                <a:latin typeface="Open Sans" panose="020B0606030504020204" pitchFamily="34" charset="0"/>
-              </a:rPr>
-              <a:t>myInstruments.add</a:t>
-            </a:r>
-            <a:r>
-              <a:rPr lang="en-US" sz="1200" b="0" i="0" dirty="0">
-                <a:solidFill>
-                  <a:schemeClr val="tx1">
-                    <a:lumMod val="85000"/>
-                  </a:schemeClr>
-                </a:solidFill>
-                <a:effectLst/>
-                <a:latin typeface="Open Sans" panose="020B0606030504020204" pitchFamily="34" charset="0"/>
-              </a:rPr>
-              <a:t>("Oboe");</a:t>
-            </a:r>
-          </a:p>
-          <a:p>
             <a:pPr algn="l"/>
+            <a:r>
+              <a:rPr lang="en-US" b="0" i="0" dirty="0">
+                <a:solidFill>
+                  <a:schemeClr val="tx1">
+                    <a:lumMod val="85000"/>
+                  </a:schemeClr>
+                </a:solidFill>
+                <a:effectLst/>
+                <a:latin typeface="Open Sans" panose="020B0606030504020204" pitchFamily="34" charset="0"/>
+              </a:rPr>
+              <a:t>List --&gt; </a:t>
+            </a:r>
+            <a:r>
+              <a:rPr lang="en-US" b="0" i="0" dirty="0" err="1">
+                <a:solidFill>
+                  <a:schemeClr val="tx1">
+                    <a:lumMod val="85000"/>
+                  </a:schemeClr>
+                </a:solidFill>
+                <a:effectLst/>
+                <a:latin typeface="Open Sans" panose="020B0606030504020204" pitchFamily="34" charset="0"/>
+              </a:rPr>
+              <a:t>ArrayList</a:t>
+            </a:r>
+            <a:r>
+              <a:rPr lang="en-US" b="0" i="0" dirty="0">
+                <a:solidFill>
+                  <a:schemeClr val="tx1">
+                    <a:lumMod val="85000"/>
+                  </a:schemeClr>
+                </a:solidFill>
+                <a:effectLst/>
+                <a:latin typeface="Open Sans" panose="020B0606030504020204" pitchFamily="34" charset="0"/>
+              </a:rPr>
+              <a:t>, LinkedList</a:t>
+            </a:r>
+          </a:p>
+          <a:p>
+            <a:pPr algn="l"/>
+            <a:r>
+              <a:rPr lang="en-US" b="0" i="0" dirty="0">
+                <a:solidFill>
+                  <a:schemeClr val="tx1">
+                    <a:lumMod val="85000"/>
+                  </a:schemeClr>
+                </a:solidFill>
+                <a:effectLst/>
+                <a:latin typeface="Open Sans" panose="020B0606030504020204" pitchFamily="34" charset="0"/>
+              </a:rPr>
+              <a:t>Map --&gt; HashMap, </a:t>
+            </a:r>
+            <a:r>
+              <a:rPr lang="en-US" b="0" i="0" dirty="0" err="1">
+                <a:solidFill>
+                  <a:schemeClr val="tx1">
+                    <a:lumMod val="85000"/>
+                  </a:schemeClr>
+                </a:solidFill>
+                <a:effectLst/>
+                <a:latin typeface="Open Sans" panose="020B0606030504020204" pitchFamily="34" charset="0"/>
+              </a:rPr>
+              <a:t>TreeMap</a:t>
+            </a:r>
+            <a:r>
+              <a:rPr lang="en-US" b="0" i="0" dirty="0">
+                <a:solidFill>
+                  <a:schemeClr val="tx1">
+                    <a:lumMod val="85000"/>
+                  </a:schemeClr>
+                </a:solidFill>
+                <a:effectLst/>
+                <a:latin typeface="Open Sans" panose="020B0606030504020204" pitchFamily="34" charset="0"/>
+              </a:rPr>
+              <a:t>, </a:t>
+            </a:r>
+            <a:r>
+              <a:rPr lang="en-US" b="0" i="0" dirty="0" err="1">
+                <a:solidFill>
+                  <a:schemeClr val="tx1">
+                    <a:lumMod val="85000"/>
+                  </a:schemeClr>
+                </a:solidFill>
+                <a:effectLst/>
+                <a:latin typeface="Open Sans" panose="020B0606030504020204" pitchFamily="34" charset="0"/>
+              </a:rPr>
+              <a:t>LinkedHashMap</a:t>
+            </a:r>
             <a:endParaRPr lang="en-US" b="0" i="0" dirty="0">
               <a:solidFill>
                 <a:schemeClr val="tx1">
@@ -11764,6 +11174,125 @@
               <a:latin typeface="Open Sans" panose="020B0606030504020204" pitchFamily="34" charset="0"/>
             </a:endParaRPr>
           </a:p>
+          <a:p>
+            <a:pPr algn="l"/>
+            <a:endParaRPr lang="en-US" dirty="0">
+              <a:solidFill>
+                <a:schemeClr val="tx1">
+                  <a:lumMod val="85000"/>
+                </a:schemeClr>
+              </a:solidFill>
+              <a:latin typeface="Open Sans" panose="020B0606030504020204" pitchFamily="34" charset="0"/>
+            </a:endParaRPr>
+          </a:p>
+          <a:p>
+            <a:pPr algn="l"/>
+            <a:r>
+              <a:rPr lang="en-US" b="0" i="0" dirty="0">
+                <a:solidFill>
+                  <a:schemeClr val="tx1">
+                    <a:lumMod val="85000"/>
+                  </a:schemeClr>
+                </a:solidFill>
+                <a:effectLst/>
+                <a:latin typeface="Open Sans" panose="020B0606030504020204" pitchFamily="34" charset="0"/>
+              </a:rPr>
+              <a:t>The </a:t>
+            </a:r>
+            <a:r>
+              <a:rPr lang="en-US" b="0" i="0" dirty="0">
+                <a:solidFill>
+                  <a:schemeClr val="tx1">
+                    <a:lumMod val="85000"/>
+                  </a:schemeClr>
+                </a:solidFill>
+                <a:effectLst/>
+                <a:latin typeface="Open Sans" panose="020B0606030504020204" pitchFamily="34" charset="0"/>
+                <a:hlinkClick r:id="rId6"/>
+              </a:rPr>
+              <a:t>Collections Class</a:t>
+            </a:r>
+            <a:r>
+              <a:rPr lang="en-US" b="0" i="0" dirty="0">
+                <a:solidFill>
+                  <a:schemeClr val="tx1">
+                    <a:lumMod val="85000"/>
+                  </a:schemeClr>
+                </a:solidFill>
+                <a:effectLst/>
+                <a:latin typeface="Open Sans" panose="020B0606030504020204" pitchFamily="34" charset="0"/>
+              </a:rPr>
+              <a:t> contains static methods that either </a:t>
+            </a:r>
+            <a:r>
+              <a:rPr lang="en-US" b="0" i="0" dirty="0">
+                <a:solidFill>
+                  <a:srgbClr val="00B0F0"/>
+                </a:solidFill>
+                <a:effectLst/>
+                <a:latin typeface="Open Sans" panose="020B0606030504020204" pitchFamily="34" charset="0"/>
+              </a:rPr>
+              <a:t>return collections </a:t>
+            </a:r>
+            <a:r>
+              <a:rPr lang="en-US" b="0" i="0" dirty="0">
+                <a:solidFill>
+                  <a:schemeClr val="tx1">
+                    <a:lumMod val="85000"/>
+                  </a:schemeClr>
+                </a:solidFill>
+                <a:effectLst/>
+                <a:latin typeface="Open Sans" panose="020B0606030504020204" pitchFamily="34" charset="0"/>
+              </a:rPr>
+              <a:t>or </a:t>
+            </a:r>
+            <a:r>
+              <a:rPr lang="en-US" b="0" i="0" dirty="0">
+                <a:solidFill>
+                  <a:srgbClr val="00B0F0"/>
+                </a:solidFill>
+                <a:effectLst/>
+                <a:latin typeface="Open Sans" panose="020B0606030504020204" pitchFamily="34" charset="0"/>
+              </a:rPr>
+              <a:t>perform some operation on collections</a:t>
+            </a:r>
+            <a:r>
+              <a:rPr lang="en-US" b="0" i="0" dirty="0">
+                <a:solidFill>
+                  <a:schemeClr val="tx1">
+                    <a:lumMod val="85000"/>
+                  </a:schemeClr>
+                </a:solidFill>
+                <a:effectLst/>
+                <a:latin typeface="Open Sans" panose="020B0606030504020204" pitchFamily="34" charset="0"/>
+              </a:rPr>
+              <a:t>.  A </a:t>
+            </a:r>
+            <a:r>
+              <a:rPr lang="en-US" b="0" i="0" dirty="0" err="1">
+                <a:solidFill>
+                  <a:schemeClr val="tx1">
+                    <a:lumMod val="85000"/>
+                  </a:schemeClr>
+                </a:solidFill>
+                <a:effectLst/>
+                <a:latin typeface="Open Sans" panose="020B0606030504020204" pitchFamily="34" charset="0"/>
+              </a:rPr>
+              <a:t>NullPointerException</a:t>
+            </a:r>
+            <a:r>
+              <a:rPr lang="en-US" b="0" i="0" dirty="0">
+                <a:solidFill>
+                  <a:schemeClr val="tx1">
+                    <a:lumMod val="85000"/>
+                  </a:schemeClr>
+                </a:solidFill>
+                <a:effectLst/>
+                <a:latin typeface="Open Sans" panose="020B0606030504020204" pitchFamily="34" charset="0"/>
+              </a:rPr>
+              <a:t> is thrown by all methods of this class if the collections or Class Objects provided are null.  </a:t>
+            </a:r>
+          </a:p>
         </p:txBody>
       </p:sp>
       <p:sp>
@@ -11771,7 +11300,7 @@
           <p:cNvPr id="5" name="TextBox 4">
             <a:extLst>
               <a:ext uri="{FF2B5EF4-FFF2-40B4-BE49-F238E27FC236}">
-                <a16:creationId xmlns:a16="http://schemas.microsoft.com/office/drawing/2014/main" id="{B437B980-7F96-675E-3EC5-34BF0DF65123}"/>
+                <a16:creationId xmlns:a16="http://schemas.microsoft.com/office/drawing/2014/main" id="{983625D7-1156-1D51-0A49-6B0357B75EF4}"/>
               </a:ext>
             </a:extLst>
           </p:cNvPr>
@@ -11780,8 +11309,8 @@
         </p:nvSpPr>
         <p:spPr>
           <a:xfrm>
-            <a:off x="2961010" y="6379975"/>
-            <a:ext cx="9146796" cy="369332"/>
+            <a:off x="5454942" y="6396753"/>
+            <a:ext cx="6652864" cy="369332"/>
           </a:xfrm>
           <a:prstGeom prst="rect">
             <a:avLst/>
@@ -11796,9 +11325,47 @@
           <a:p>
             <a:r>
               <a:rPr lang="en-US" dirty="0">
-                <a:hlinkClick r:id="rId2"/>
-              </a:rPr>
-              <a:t>https://github.com/ckiefriter1/Java-Code-Examples/blob/main/src/collections/ListExample.java</a:t>
+                <a:hlinkClick r:id="rId7"/>
+              </a:rPr>
+              <a:t>https://docs.oracle.com/javase/8/docs/api/java/util/Collection.html</a:t>
+            </a:r>
+            <a:endParaRPr lang="en-US" dirty="0"/>
+          </a:p>
+        </p:txBody>
+      </p:sp>
+      <p:sp>
+        <p:nvSpPr>
+          <p:cNvPr id="9" name="TextBox 8">
+            <a:extLst>
+              <a:ext uri="{FF2B5EF4-FFF2-40B4-BE49-F238E27FC236}">
+                <a16:creationId xmlns:a16="http://schemas.microsoft.com/office/drawing/2014/main" id="{E3EBAC68-1411-42B9-71E1-6CD3E49066B5}"/>
+              </a:ext>
+            </a:extLst>
+          </p:cNvPr>
+          <p:cNvSpPr txBox="1"/>
+          <p:nvPr/>
+        </p:nvSpPr>
+        <p:spPr>
+          <a:xfrm>
+            <a:off x="2451683" y="6027421"/>
+            <a:ext cx="9938856" cy="369332"/>
+          </a:xfrm>
+          <a:prstGeom prst="rect">
+            <a:avLst/>
+          </a:prstGeom>
+          <a:noFill/>
+        </p:spPr>
+        <p:txBody>
+          <a:bodyPr wrap="square">
+            <a:spAutoFit/>
+          </a:bodyPr>
+          <a:lstStyle/>
+          <a:p>
+            <a:r>
+              <a:rPr lang="en-US" dirty="0">
+                <a:hlinkClick r:id="rId5"/>
+              </a:rPr>
+              <a:t>https://docs.oracle.com/en/java/javase/17/docs/api/java.base/java/util/doc-files/coll-overview.html</a:t>
             </a:r>
             <a:endParaRPr lang="en-US" dirty="0"/>
           </a:p>
@@ -11807,7 +11374,7 @@
     </p:spTree>
     <p:extLst>
       <p:ext uri="{BB962C8B-B14F-4D97-AF65-F5344CB8AC3E}">
-        <p14:creationId xmlns:p14="http://schemas.microsoft.com/office/powerpoint/2010/main" val="3007476099"/>
+        <p14:creationId xmlns:p14="http://schemas.microsoft.com/office/powerpoint/2010/main" val="976671966"/>
       </p:ext>
     </p:extLst>
   </p:cSld>

--- a/Week4/BESD Week 4.pptx
+++ b/Week4/BESD Week 4.pptx
@@ -14,8 +14,8 @@
     <p:sldId id="305" r:id="rId8"/>
     <p:sldId id="265" r:id="rId9"/>
     <p:sldId id="278" r:id="rId10"/>
-    <p:sldId id="289" r:id="rId11"/>
-    <p:sldId id="290" r:id="rId12"/>
+    <p:sldId id="290" r:id="rId11"/>
+    <p:sldId id="289" r:id="rId12"/>
     <p:sldId id="291" r:id="rId13"/>
     <p:sldId id="293" r:id="rId14"/>
     <p:sldId id="292" r:id="rId15"/>
@@ -126,16 +126,55 @@
 </p:presentation>
 </file>
 
-<file path=ppt/revisionInfo.xml><?xml version="1.0" encoding="utf-8"?>
-<p1510:revInfo xmlns:a="http://schemas.openxmlformats.org/drawingml/2006/main" xmlns:r="http://schemas.openxmlformats.org/officeDocument/2006/relationships" xmlns:p1510="http://schemas.microsoft.com/office/powerpoint/2015/10/main">
-  <p1510:revLst>
-    <p1510:client id="{B81877C8-51B4-4FA2-ABA8-75B68C3FE7B8}" v="1" dt="2024-08-28T21:37:20.746"/>
-  </p1510:revLst>
-</p1510:revInfo>
-</file>
-
 <file path=ppt/changesInfos/changesInfo1.xml><?xml version="1.0" encoding="utf-8"?>
 <pc:chgInfo xmlns:a="http://schemas.openxmlformats.org/drawingml/2006/main" xmlns:r="http://schemas.openxmlformats.org/officeDocument/2006/relationships" xmlns:ac="http://schemas.microsoft.com/office/drawing/2013/main/command" xmlns:pc="http://schemas.microsoft.com/office/powerpoint/2013/main/command">
+  <pc:docChgLst>
+    <pc:chgData name="Chuck Kiefriter" userId="a996b49251c4dfd2" providerId="LiveId" clId="{98BC2E00-B4D5-499C-96A0-1508D97769A4}"/>
+    <pc:docChg chg="modSld sldOrd">
+      <pc:chgData name="Chuck Kiefriter" userId="a996b49251c4dfd2" providerId="LiveId" clId="{98BC2E00-B4D5-499C-96A0-1508D97769A4}" dt="2024-10-24T23:53:45.232" v="3"/>
+      <pc:docMkLst>
+        <pc:docMk/>
+      </pc:docMkLst>
+      <pc:sldChg chg="modSp mod">
+        <pc:chgData name="Chuck Kiefriter" userId="a996b49251c4dfd2" providerId="LiveId" clId="{98BC2E00-B4D5-499C-96A0-1508D97769A4}" dt="2024-10-18T02:39:52.126" v="1" actId="20577"/>
+        <pc:sldMkLst>
+          <pc:docMk/>
+          <pc:sldMk cId="367428708" sldId="265"/>
+        </pc:sldMkLst>
+      </pc:sldChg>
+      <pc:sldChg chg="ord">
+        <pc:chgData name="Chuck Kiefriter" userId="a996b49251c4dfd2" providerId="LiveId" clId="{98BC2E00-B4D5-499C-96A0-1508D97769A4}" dt="2024-10-24T23:53:45.232" v="3"/>
+        <pc:sldMkLst>
+          <pc:docMk/>
+          <pc:sldMk cId="2491041013" sldId="290"/>
+        </pc:sldMkLst>
+      </pc:sldChg>
+    </pc:docChg>
+  </pc:docChgLst>
+  <pc:docChgLst>
+    <pc:chgData name="Chuck Kiefriter" userId="a996b49251c4dfd2" providerId="LiveId" clId="{8CBF8D09-A0EF-4483-BD42-FFF6C7A9949F}"/>
+    <pc:docChg chg="modSld">
+      <pc:chgData name="Chuck Kiefriter" userId="a996b49251c4dfd2" providerId="LiveId" clId="{8CBF8D09-A0EF-4483-BD42-FFF6C7A9949F}" dt="2025-04-24T23:51:22.627" v="11" actId="20577"/>
+      <pc:docMkLst>
+        <pc:docMk/>
+      </pc:docMkLst>
+      <pc:sldChg chg="modSp mod">
+        <pc:chgData name="Chuck Kiefriter" userId="a996b49251c4dfd2" providerId="LiveId" clId="{8CBF8D09-A0EF-4483-BD42-FFF6C7A9949F}" dt="2025-04-24T23:51:22.627" v="11" actId="20577"/>
+        <pc:sldMkLst>
+          <pc:docMk/>
+          <pc:sldMk cId="250210305" sldId="294"/>
+        </pc:sldMkLst>
+        <pc:spChg chg="mod">
+          <ac:chgData name="Chuck Kiefriter" userId="a996b49251c4dfd2" providerId="LiveId" clId="{8CBF8D09-A0EF-4483-BD42-FFF6C7A9949F}" dt="2025-04-24T23:51:22.627" v="11" actId="20577"/>
+          <ac:spMkLst>
+            <pc:docMk/>
+            <pc:sldMk cId="250210305" sldId="294"/>
+            <ac:spMk id="10" creationId="{EA3D5ED0-1762-C438-DD7C-B32C5582A339}"/>
+          </ac:spMkLst>
+        </pc:spChg>
+      </pc:sldChg>
+    </pc:docChg>
+  </pc:docChgLst>
   <pc:docChgLst>
     <pc:chgData name="Charles Kiefriter" userId="a996b49251c4dfd2" providerId="LiveId" clId="{8CB59AA7-7A73-42A3-88B3-E53E303BB376}"/>
     <pc:docChg chg="custSel addSld modSld">
@@ -149,14 +188,6 @@
           <pc:docMk/>
           <pc:sldMk cId="3194223319" sldId="263"/>
         </pc:sldMkLst>
-        <pc:spChg chg="mod">
-          <ac:chgData name="Charles Kiefriter" userId="a996b49251c4dfd2" providerId="LiveId" clId="{8CB59AA7-7A73-42A3-88B3-E53E303BB376}" dt="2024-01-10T01:07:06.853" v="43" actId="20577"/>
-          <ac:spMkLst>
-            <pc:docMk/>
-            <pc:sldMk cId="3194223319" sldId="263"/>
-            <ac:spMk id="3" creationId="{23DFC7E9-54DD-38D7-0B9B-D34948D68CF9}"/>
-          </ac:spMkLst>
-        </pc:spChg>
       </pc:sldChg>
       <pc:sldChg chg="addSp delSp modSp add mod">
         <pc:chgData name="Charles Kiefriter" userId="a996b49251c4dfd2" providerId="LiveId" clId="{8CB59AA7-7A73-42A3-88B3-E53E303BB376}" dt="2024-01-17T03:42:12.071" v="65" actId="1076"/>
@@ -164,38 +195,6 @@
           <pc:docMk/>
           <pc:sldMk cId="2582931961" sldId="293"/>
         </pc:sldMkLst>
-        <pc:spChg chg="add mod">
-          <ac:chgData name="Charles Kiefriter" userId="a996b49251c4dfd2" providerId="LiveId" clId="{8CB59AA7-7A73-42A3-88B3-E53E303BB376}" dt="2024-01-17T03:42:12.071" v="65" actId="1076"/>
-          <ac:spMkLst>
-            <pc:docMk/>
-            <pc:sldMk cId="2582931961" sldId="293"/>
-            <ac:spMk id="3" creationId="{24A5F382-564E-CC53-4829-1E1BD61A1C6D}"/>
-          </ac:spMkLst>
-        </pc:spChg>
-        <pc:spChg chg="mod">
-          <ac:chgData name="Charles Kiefriter" userId="a996b49251c4dfd2" providerId="LiveId" clId="{8CB59AA7-7A73-42A3-88B3-E53E303BB376}" dt="2024-01-17T03:41:40.418" v="58" actId="108"/>
-          <ac:spMkLst>
-            <pc:docMk/>
-            <pc:sldMk cId="2582931961" sldId="293"/>
-            <ac:spMk id="4" creationId="{C0B26727-0F97-5A73-B4ED-6BE65E07E5DB}"/>
-          </ac:spMkLst>
-        </pc:spChg>
-        <pc:spChg chg="mod">
-          <ac:chgData name="Charles Kiefriter" userId="a996b49251c4dfd2" providerId="LiveId" clId="{8CB59AA7-7A73-42A3-88B3-E53E303BB376}" dt="2024-01-17T03:40:33.627" v="52" actId="20577"/>
-          <ac:spMkLst>
-            <pc:docMk/>
-            <pc:sldMk cId="2582931961" sldId="293"/>
-            <ac:spMk id="6" creationId="{59E906CD-110B-9D01-732C-2F21759B0265}"/>
-          </ac:spMkLst>
-        </pc:spChg>
-        <pc:spChg chg="del mod">
-          <ac:chgData name="Charles Kiefriter" userId="a996b49251c4dfd2" providerId="LiveId" clId="{8CB59AA7-7A73-42A3-88B3-E53E303BB376}" dt="2024-01-17T03:41:50.962" v="60" actId="478"/>
-          <ac:spMkLst>
-            <pc:docMk/>
-            <pc:sldMk cId="2582931961" sldId="293"/>
-            <ac:spMk id="8" creationId="{7C40366F-ED76-9B97-8CF7-3BAFEF94FE77}"/>
-          </ac:spMkLst>
-        </pc:spChg>
       </pc:sldChg>
     </pc:docChg>
   </pc:docChgLst>
@@ -212,70 +211,6 @@
           <pc:docMk/>
           <pc:sldMk cId="3995279466" sldId="256"/>
         </pc:sldMkLst>
-        <pc:spChg chg="mod">
-          <ac:chgData name="Chuck Kiefriter" userId="c57348f7-b440-4861-a58f-c89f414ea74a" providerId="ADAL" clId="{CEAAE73E-A3C0-4EF3-8264-4F08772B5760}" dt="2023-03-20T00:32:06.566" v="230" actId="14100"/>
-          <ac:spMkLst>
-            <pc:docMk/>
-            <pc:sldMk cId="3995279466" sldId="256"/>
-            <ac:spMk id="3" creationId="{A6B2E4B2-9556-220D-A265-44C9FD951EE6}"/>
-          </ac:spMkLst>
-        </pc:spChg>
-        <pc:spChg chg="add mod">
-          <ac:chgData name="Chuck Kiefriter" userId="c57348f7-b440-4861-a58f-c89f414ea74a" providerId="ADAL" clId="{CEAAE73E-A3C0-4EF3-8264-4F08772B5760}" dt="2023-03-20T00:52:59.383" v="449" actId="1038"/>
-          <ac:spMkLst>
-            <pc:docMk/>
-            <pc:sldMk cId="3995279466" sldId="256"/>
-            <ac:spMk id="4" creationId="{2BADD1C9-CF72-0C69-861B-7E5D509DA5B2}"/>
-          </ac:spMkLst>
-        </pc:spChg>
-        <pc:spChg chg="mod">
-          <ac:chgData name="Chuck Kiefriter" userId="c57348f7-b440-4861-a58f-c89f414ea74a" providerId="ADAL" clId="{CEAAE73E-A3C0-4EF3-8264-4F08772B5760}" dt="2023-03-19T22:41:44.062" v="187" actId="20577"/>
-          <ac:spMkLst>
-            <pc:docMk/>
-            <pc:sldMk cId="3995279466" sldId="256"/>
-            <ac:spMk id="6" creationId="{DE3DBA5A-FA8E-46C6-1402-E5C7632F4CAD}"/>
-          </ac:spMkLst>
-        </pc:spChg>
-        <pc:spChg chg="add mod">
-          <ac:chgData name="Chuck Kiefriter" userId="c57348f7-b440-4861-a58f-c89f414ea74a" providerId="ADAL" clId="{CEAAE73E-A3C0-4EF3-8264-4F08772B5760}" dt="2023-03-20T00:52:59.383" v="449" actId="1038"/>
-          <ac:spMkLst>
-            <pc:docMk/>
-            <pc:sldMk cId="3995279466" sldId="256"/>
-            <ac:spMk id="7" creationId="{4F528AA2-6361-22B4-C232-EF99675F9D72}"/>
-          </ac:spMkLst>
-        </pc:spChg>
-        <pc:spChg chg="add mod">
-          <ac:chgData name="Chuck Kiefriter" userId="c57348f7-b440-4861-a58f-c89f414ea74a" providerId="ADAL" clId="{CEAAE73E-A3C0-4EF3-8264-4F08772B5760}" dt="2023-03-20T00:52:59.383" v="449" actId="1038"/>
-          <ac:spMkLst>
-            <pc:docMk/>
-            <pc:sldMk cId="3995279466" sldId="256"/>
-            <ac:spMk id="9" creationId="{06F995E6-DACC-B060-CDB5-BB562B195537}"/>
-          </ac:spMkLst>
-        </pc:spChg>
-        <pc:spChg chg="mod">
-          <ac:chgData name="Chuck Kiefriter" userId="c57348f7-b440-4861-a58f-c89f414ea74a" providerId="ADAL" clId="{CEAAE73E-A3C0-4EF3-8264-4F08772B5760}" dt="2023-03-20T00:52:45.699" v="401" actId="1035"/>
-          <ac:spMkLst>
-            <pc:docMk/>
-            <pc:sldMk cId="3995279466" sldId="256"/>
-            <ac:spMk id="10" creationId="{EA3D5ED0-1762-C438-DD7C-B32C5582A339}"/>
-          </ac:spMkLst>
-        </pc:spChg>
-        <pc:spChg chg="del">
-          <ac:chgData name="Chuck Kiefriter" userId="c57348f7-b440-4861-a58f-c89f414ea74a" providerId="ADAL" clId="{CEAAE73E-A3C0-4EF3-8264-4F08772B5760}" dt="2023-03-19T22:42:40.760" v="188" actId="478"/>
-          <ac:spMkLst>
-            <pc:docMk/>
-            <pc:sldMk cId="3995279466" sldId="256"/>
-            <ac:spMk id="12" creationId="{18FCF58A-E768-0BFC-8A0B-3881F7F528D8}"/>
-          </ac:spMkLst>
-        </pc:spChg>
-        <pc:graphicFrameChg chg="del">
-          <ac:chgData name="Chuck Kiefriter" userId="c57348f7-b440-4861-a58f-c89f414ea74a" providerId="ADAL" clId="{CEAAE73E-A3C0-4EF3-8264-4F08772B5760}" dt="2023-03-19T22:42:40.760" v="188" actId="478"/>
-          <ac:graphicFrameMkLst>
-            <pc:docMk/>
-            <pc:sldMk cId="3995279466" sldId="256"/>
-            <ac:graphicFrameMk id="13" creationId="{BB1305A0-0446-F701-7436-EA612090B033}"/>
-          </ac:graphicFrameMkLst>
-        </pc:graphicFrameChg>
       </pc:sldChg>
       <pc:sldChg chg="modSp mod">
         <pc:chgData name="Chuck Kiefriter" userId="c57348f7-b440-4861-a58f-c89f414ea74a" providerId="ADAL" clId="{CEAAE73E-A3C0-4EF3-8264-4F08772B5760}" dt="2023-03-19T22:40:49.123" v="181" actId="20577"/>
@@ -283,14 +218,6 @@
           <pc:docMk/>
           <pc:sldMk cId="3194223319" sldId="263"/>
         </pc:sldMkLst>
-        <pc:spChg chg="mod">
-          <ac:chgData name="Chuck Kiefriter" userId="c57348f7-b440-4861-a58f-c89f414ea74a" providerId="ADAL" clId="{CEAAE73E-A3C0-4EF3-8264-4F08772B5760}" dt="2023-03-19T22:40:49.123" v="181" actId="20577"/>
-          <ac:spMkLst>
-            <pc:docMk/>
-            <pc:sldMk cId="3194223319" sldId="263"/>
-            <ac:spMk id="3" creationId="{23DFC7E9-54DD-38D7-0B9B-D34948D68CF9}"/>
-          </ac:spMkLst>
-        </pc:spChg>
       </pc:sldChg>
       <pc:sldChg chg="modSp mod">
         <pc:chgData name="Chuck Kiefriter" userId="c57348f7-b440-4861-a58f-c89f414ea74a" providerId="ADAL" clId="{CEAAE73E-A3C0-4EF3-8264-4F08772B5760}" dt="2023-03-15T21:04:54.713" v="90" actId="20577"/>
@@ -298,14 +225,6 @@
           <pc:docMk/>
           <pc:sldMk cId="763182894" sldId="264"/>
         </pc:sldMkLst>
-        <pc:spChg chg="mod">
-          <ac:chgData name="Chuck Kiefriter" userId="c57348f7-b440-4861-a58f-c89f414ea74a" providerId="ADAL" clId="{CEAAE73E-A3C0-4EF3-8264-4F08772B5760}" dt="2023-03-15T21:04:54.713" v="90" actId="20577"/>
-          <ac:spMkLst>
-            <pc:docMk/>
-            <pc:sldMk cId="763182894" sldId="264"/>
-            <ac:spMk id="3" creationId="{23DFC7E9-54DD-38D7-0B9B-D34948D68CF9}"/>
-          </ac:spMkLst>
-        </pc:spChg>
       </pc:sldChg>
       <pc:sldChg chg="modSp mod">
         <pc:chgData name="Chuck Kiefriter" userId="c57348f7-b440-4861-a58f-c89f414ea74a" providerId="ADAL" clId="{CEAAE73E-A3C0-4EF3-8264-4F08772B5760}" dt="2023-03-15T21:05:03.858" v="97" actId="20577"/>
@@ -313,14 +232,6 @@
           <pc:docMk/>
           <pc:sldMk cId="367428708" sldId="265"/>
         </pc:sldMkLst>
-        <pc:spChg chg="mod">
-          <ac:chgData name="Chuck Kiefriter" userId="c57348f7-b440-4861-a58f-c89f414ea74a" providerId="ADAL" clId="{CEAAE73E-A3C0-4EF3-8264-4F08772B5760}" dt="2023-03-15T21:05:03.858" v="97" actId="20577"/>
-          <ac:spMkLst>
-            <pc:docMk/>
-            <pc:sldMk cId="367428708" sldId="265"/>
-            <ac:spMk id="3" creationId="{23DFC7E9-54DD-38D7-0B9B-D34948D68CF9}"/>
-          </ac:spMkLst>
-        </pc:spChg>
       </pc:sldChg>
       <pc:sldChg chg="delSp del mod">
         <pc:chgData name="Chuck Kiefriter" userId="c57348f7-b440-4861-a58f-c89f414ea74a" providerId="ADAL" clId="{CEAAE73E-A3C0-4EF3-8264-4F08772B5760}" dt="2023-03-20T00:56:01.589" v="451" actId="2696"/>
@@ -328,14 +239,6 @@
           <pc:docMk/>
           <pc:sldMk cId="3472760250" sldId="266"/>
         </pc:sldMkLst>
-        <pc:picChg chg="del">
-          <ac:chgData name="Chuck Kiefriter" userId="c57348f7-b440-4861-a58f-c89f414ea74a" providerId="ADAL" clId="{CEAAE73E-A3C0-4EF3-8264-4F08772B5760}" dt="2023-03-20T00:55:53.266" v="450" actId="478"/>
-          <ac:picMkLst>
-            <pc:docMk/>
-            <pc:sldMk cId="3472760250" sldId="266"/>
-            <ac:picMk id="12" creationId="{BC86969A-DE0A-FA6D-2E0B-7566AF411A68}"/>
-          </ac:picMkLst>
-        </pc:picChg>
       </pc:sldChg>
       <pc:sldChg chg="modSp mod">
         <pc:chgData name="Chuck Kiefriter" userId="c57348f7-b440-4861-a58f-c89f414ea74a" providerId="ADAL" clId="{CEAAE73E-A3C0-4EF3-8264-4F08772B5760}" dt="2023-03-15T21:05:15.266" v="104" actId="20577"/>
@@ -343,14 +246,6 @@
           <pc:docMk/>
           <pc:sldMk cId="4170465764" sldId="274"/>
         </pc:sldMkLst>
-        <pc:spChg chg="mod">
-          <ac:chgData name="Chuck Kiefriter" userId="c57348f7-b440-4861-a58f-c89f414ea74a" providerId="ADAL" clId="{CEAAE73E-A3C0-4EF3-8264-4F08772B5760}" dt="2023-03-15T21:05:15.266" v="104" actId="20577"/>
-          <ac:spMkLst>
-            <pc:docMk/>
-            <pc:sldMk cId="4170465764" sldId="274"/>
-            <ac:spMk id="3" creationId="{23DFC7E9-54DD-38D7-0B9B-D34948D68CF9}"/>
-          </ac:spMkLst>
-        </pc:spChg>
       </pc:sldChg>
       <pc:sldChg chg="addSp delSp modSp mod">
         <pc:chgData name="Chuck Kiefriter" userId="c57348f7-b440-4861-a58f-c89f414ea74a" providerId="ADAL" clId="{CEAAE73E-A3C0-4EF3-8264-4F08772B5760}" dt="2023-03-20T02:06:54.913" v="624" actId="207"/>
@@ -358,38 +253,6 @@
           <pc:docMk/>
           <pc:sldMk cId="1513494963" sldId="275"/>
         </pc:sldMkLst>
-        <pc:spChg chg="add del">
-          <ac:chgData name="Chuck Kiefriter" userId="c57348f7-b440-4861-a58f-c89f414ea74a" providerId="ADAL" clId="{CEAAE73E-A3C0-4EF3-8264-4F08772B5760}" dt="2023-03-20T02:02:35.193" v="575"/>
-          <ac:spMkLst>
-            <pc:docMk/>
-            <pc:sldMk cId="1513494963" sldId="275"/>
-            <ac:spMk id="2" creationId="{BE46888D-AF6D-1D94-6855-0D2BDE1A167F}"/>
-          </ac:spMkLst>
-        </pc:spChg>
-        <pc:spChg chg="mod">
-          <ac:chgData name="Chuck Kiefriter" userId="c57348f7-b440-4861-a58f-c89f414ea74a" providerId="ADAL" clId="{CEAAE73E-A3C0-4EF3-8264-4F08772B5760}" dt="2023-03-20T02:06:54.913" v="624" actId="207"/>
-          <ac:spMkLst>
-            <pc:docMk/>
-            <pc:sldMk cId="1513494963" sldId="275"/>
-            <ac:spMk id="5" creationId="{9DB63145-E59C-9501-8AA5-4E6AC5C0D40F}"/>
-          </ac:spMkLst>
-        </pc:spChg>
-        <pc:spChg chg="mod">
-          <ac:chgData name="Chuck Kiefriter" userId="c57348f7-b440-4861-a58f-c89f414ea74a" providerId="ADAL" clId="{CEAAE73E-A3C0-4EF3-8264-4F08772B5760}" dt="2023-03-20T02:02:54.072" v="598" actId="20577"/>
-          <ac:spMkLst>
-            <pc:docMk/>
-            <pc:sldMk cId="1513494963" sldId="275"/>
-            <ac:spMk id="6" creationId="{59E906CD-110B-9D01-732C-2F21759B0265}"/>
-          </ac:spMkLst>
-        </pc:spChg>
-        <pc:picChg chg="del">
-          <ac:chgData name="Chuck Kiefriter" userId="c57348f7-b440-4861-a58f-c89f414ea74a" providerId="ADAL" clId="{CEAAE73E-A3C0-4EF3-8264-4F08772B5760}" dt="2023-03-20T02:02:29.241" v="573" actId="478"/>
-          <ac:picMkLst>
-            <pc:docMk/>
-            <pc:sldMk cId="1513494963" sldId="275"/>
-            <ac:picMk id="3" creationId="{0E14C303-4A08-9E3D-827C-D6CF995E9C7A}"/>
-          </ac:picMkLst>
-        </pc:picChg>
       </pc:sldChg>
       <pc:sldChg chg="addSp delSp modSp mod">
         <pc:chgData name="Chuck Kiefriter" userId="c57348f7-b440-4861-a58f-c89f414ea74a" providerId="ADAL" clId="{CEAAE73E-A3C0-4EF3-8264-4F08772B5760}" dt="2023-03-20T01:40:14.037" v="572" actId="1035"/>
@@ -397,46 +260,6 @@
           <pc:docMk/>
           <pc:sldMk cId="976671966" sldId="278"/>
         </pc:sldMkLst>
-        <pc:spChg chg="add mod">
-          <ac:chgData name="Chuck Kiefriter" userId="c57348f7-b440-4861-a58f-c89f414ea74a" providerId="ADAL" clId="{CEAAE73E-A3C0-4EF3-8264-4F08772B5760}" dt="2023-03-20T01:39:58.996" v="563" actId="1076"/>
-          <ac:spMkLst>
-            <pc:docMk/>
-            <pc:sldMk cId="976671966" sldId="278"/>
-            <ac:spMk id="3" creationId="{AECD1743-AE1E-E8A6-57D4-D340FC95D16D}"/>
-          </ac:spMkLst>
-        </pc:spChg>
-        <pc:spChg chg="mod">
-          <ac:chgData name="Chuck Kiefriter" userId="c57348f7-b440-4861-a58f-c89f414ea74a" providerId="ADAL" clId="{CEAAE73E-A3C0-4EF3-8264-4F08772B5760}" dt="2023-03-20T01:39:21.020" v="555" actId="1038"/>
-          <ac:spMkLst>
-            <pc:docMk/>
-            <pc:sldMk cId="976671966" sldId="278"/>
-            <ac:spMk id="4" creationId="{C0B26727-0F97-5A73-B4ED-6BE65E07E5DB}"/>
-          </ac:spMkLst>
-        </pc:spChg>
-        <pc:spChg chg="mod">
-          <ac:chgData name="Chuck Kiefriter" userId="c57348f7-b440-4861-a58f-c89f414ea74a" providerId="ADAL" clId="{CEAAE73E-A3C0-4EF3-8264-4F08772B5760}" dt="2023-03-20T01:06:07.991" v="518" actId="1076"/>
-          <ac:spMkLst>
-            <pc:docMk/>
-            <pc:sldMk cId="976671966" sldId="278"/>
-            <ac:spMk id="6" creationId="{59E906CD-110B-9D01-732C-2F21759B0265}"/>
-          </ac:spMkLst>
-        </pc:spChg>
-        <pc:spChg chg="add mod">
-          <ac:chgData name="Chuck Kiefriter" userId="c57348f7-b440-4861-a58f-c89f414ea74a" providerId="ADAL" clId="{CEAAE73E-A3C0-4EF3-8264-4F08772B5760}" dt="2023-03-20T01:40:14.037" v="572" actId="1035"/>
-          <ac:spMkLst>
-            <pc:docMk/>
-            <pc:sldMk cId="976671966" sldId="278"/>
-            <ac:spMk id="7" creationId="{5DAF20F1-2F34-F140-81DA-E78BF03C81E4}"/>
-          </ac:spMkLst>
-        </pc:spChg>
-        <pc:picChg chg="del">
-          <ac:chgData name="Chuck Kiefriter" userId="c57348f7-b440-4861-a58f-c89f414ea74a" providerId="ADAL" clId="{CEAAE73E-A3C0-4EF3-8264-4F08772B5760}" dt="2023-03-20T00:56:04.277" v="452" actId="478"/>
-          <ac:picMkLst>
-            <pc:docMk/>
-            <pc:sldMk cId="976671966" sldId="278"/>
-            <ac:picMk id="12" creationId="{EDDB08A4-A3C1-182F-A00B-0BE97F3C502C}"/>
-          </ac:picMkLst>
-        </pc:picChg>
       </pc:sldChg>
       <pc:sldChg chg="del">
         <pc:chgData name="Chuck Kiefriter" userId="c57348f7-b440-4861-a58f-c89f414ea74a" providerId="ADAL" clId="{CEAAE73E-A3C0-4EF3-8264-4F08772B5760}" dt="2023-03-20T02:31:42.639" v="625" actId="47"/>
@@ -451,14 +274,6 @@
           <pc:docMk/>
           <pc:sldMk cId="3395566764" sldId="280"/>
         </pc:sldMkLst>
-        <pc:spChg chg="mod">
-          <ac:chgData name="Chuck Kiefriter" userId="c57348f7-b440-4861-a58f-c89f414ea74a" providerId="ADAL" clId="{CEAAE73E-A3C0-4EF3-8264-4F08772B5760}" dt="2023-03-15T21:05:31.946" v="118" actId="20577"/>
-          <ac:spMkLst>
-            <pc:docMk/>
-            <pc:sldMk cId="3395566764" sldId="280"/>
-            <ac:spMk id="3" creationId="{23DFC7E9-54DD-38D7-0B9B-D34948D68CF9}"/>
-          </ac:spMkLst>
-        </pc:spChg>
       </pc:sldChg>
       <pc:sldChg chg="addSp delSp modSp mod">
         <pc:chgData name="Chuck Kiefriter" userId="c57348f7-b440-4861-a58f-c89f414ea74a" providerId="ADAL" clId="{CEAAE73E-A3C0-4EF3-8264-4F08772B5760}" dt="2023-03-21T22:58:27.146" v="986" actId="1076"/>
@@ -466,78 +281,6 @@
           <pc:docMk/>
           <pc:sldMk cId="3187156049" sldId="281"/>
         </pc:sldMkLst>
-        <pc:spChg chg="add del mod">
-          <ac:chgData name="Chuck Kiefriter" userId="c57348f7-b440-4861-a58f-c89f414ea74a" providerId="ADAL" clId="{CEAAE73E-A3C0-4EF3-8264-4F08772B5760}" dt="2023-03-21T22:58:23.744" v="985" actId="478"/>
-          <ac:spMkLst>
-            <pc:docMk/>
-            <pc:sldMk cId="3187156049" sldId="281"/>
-            <ac:spMk id="3" creationId="{B1BCC113-17B8-CD92-4AF4-0B14B609C3EC}"/>
-          </ac:spMkLst>
-        </pc:spChg>
-        <pc:spChg chg="add mod">
-          <ac:chgData name="Chuck Kiefriter" userId="c57348f7-b440-4861-a58f-c89f414ea74a" providerId="ADAL" clId="{CEAAE73E-A3C0-4EF3-8264-4F08772B5760}" dt="2023-03-21T22:53:21.514" v="780" actId="1076"/>
-          <ac:spMkLst>
-            <pc:docMk/>
-            <pc:sldMk cId="3187156049" sldId="281"/>
-            <ac:spMk id="4" creationId="{5F4890C8-248C-DE3F-EFBE-A4EB3744954C}"/>
-          </ac:spMkLst>
-        </pc:spChg>
-        <pc:spChg chg="del mod">
-          <ac:chgData name="Chuck Kiefriter" userId="c57348f7-b440-4861-a58f-c89f414ea74a" providerId="ADAL" clId="{CEAAE73E-A3C0-4EF3-8264-4F08772B5760}" dt="2023-03-21T22:44:00.025" v="764" actId="478"/>
-          <ac:spMkLst>
-            <pc:docMk/>
-            <pc:sldMk cId="3187156049" sldId="281"/>
-            <ac:spMk id="5" creationId="{9DB63145-E59C-9501-8AA5-4E6AC5C0D40F}"/>
-          </ac:spMkLst>
-        </pc:spChg>
-        <pc:spChg chg="mod">
-          <ac:chgData name="Chuck Kiefriter" userId="c57348f7-b440-4861-a58f-c89f414ea74a" providerId="ADAL" clId="{CEAAE73E-A3C0-4EF3-8264-4F08772B5760}" dt="2023-03-20T04:34:19.666" v="743" actId="20577"/>
-          <ac:spMkLst>
-            <pc:docMk/>
-            <pc:sldMk cId="3187156049" sldId="281"/>
-            <ac:spMk id="6" creationId="{59E906CD-110B-9D01-732C-2F21759B0265}"/>
-          </ac:spMkLst>
-        </pc:spChg>
-        <pc:spChg chg="add mod">
-          <ac:chgData name="Chuck Kiefriter" userId="c57348f7-b440-4861-a58f-c89f414ea74a" providerId="ADAL" clId="{CEAAE73E-A3C0-4EF3-8264-4F08772B5760}" dt="2023-03-21T22:54:53.559" v="895" actId="1076"/>
-          <ac:spMkLst>
-            <pc:docMk/>
-            <pc:sldMk cId="3187156049" sldId="281"/>
-            <ac:spMk id="8" creationId="{C70D9D43-254A-0545-002D-C444DCDB15AD}"/>
-          </ac:spMkLst>
-        </pc:spChg>
-        <pc:spChg chg="add del">
-          <ac:chgData name="Chuck Kiefriter" userId="c57348f7-b440-4861-a58f-c89f414ea74a" providerId="ADAL" clId="{CEAAE73E-A3C0-4EF3-8264-4F08772B5760}" dt="2023-03-21T22:52:46.609" v="772"/>
-          <ac:spMkLst>
-            <pc:docMk/>
-            <pc:sldMk cId="3187156049" sldId="281"/>
-            <ac:spMk id="9" creationId="{D91EFD97-7B32-CAFA-DA27-56C69DD1B8B9}"/>
-          </ac:spMkLst>
-        </pc:spChg>
-        <pc:spChg chg="add mod">
-          <ac:chgData name="Chuck Kiefriter" userId="c57348f7-b440-4861-a58f-c89f414ea74a" providerId="ADAL" clId="{CEAAE73E-A3C0-4EF3-8264-4F08772B5760}" dt="2023-03-21T22:57:14.137" v="981" actId="1076"/>
-          <ac:spMkLst>
-            <pc:docMk/>
-            <pc:sldMk cId="3187156049" sldId="281"/>
-            <ac:spMk id="11" creationId="{FBFF1272-6FED-ACD0-CEF8-E11B1DD3B48B}"/>
-          </ac:spMkLst>
-        </pc:spChg>
-        <pc:spChg chg="add mod">
-          <ac:chgData name="Chuck Kiefriter" userId="c57348f7-b440-4861-a58f-c89f414ea74a" providerId="ADAL" clId="{CEAAE73E-A3C0-4EF3-8264-4F08772B5760}" dt="2023-03-21T22:58:27.146" v="986" actId="1076"/>
-          <ac:spMkLst>
-            <pc:docMk/>
-            <pc:sldMk cId="3187156049" sldId="281"/>
-            <ac:spMk id="13" creationId="{54490E19-5FDF-8610-D214-65ABB5B29ACD}"/>
-          </ac:spMkLst>
-        </pc:spChg>
-        <pc:picChg chg="del">
-          <ac:chgData name="Chuck Kiefriter" userId="c57348f7-b440-4861-a58f-c89f414ea74a" providerId="ADAL" clId="{CEAAE73E-A3C0-4EF3-8264-4F08772B5760}" dt="2023-03-20T04:34:21.482" v="744" actId="478"/>
-          <ac:picMkLst>
-            <pc:docMk/>
-            <pc:sldMk cId="3187156049" sldId="281"/>
-            <ac:picMk id="3" creationId="{83E4109A-5F0E-62C4-2DDC-A1744C5BE6B5}"/>
-          </ac:picMkLst>
-        </pc:picChg>
       </pc:sldChg>
       <pc:sldChg chg="modSp mod">
         <pc:chgData name="Chuck Kiefriter" userId="c57348f7-b440-4861-a58f-c89f414ea74a" providerId="ADAL" clId="{CEAAE73E-A3C0-4EF3-8264-4F08772B5760}" dt="2023-03-15T21:06:00.300" v="163" actId="20577"/>
@@ -545,14 +288,6 @@
           <pc:docMk/>
           <pc:sldMk cId="2065140228" sldId="282"/>
         </pc:sldMkLst>
-        <pc:spChg chg="mod">
-          <ac:chgData name="Chuck Kiefriter" userId="c57348f7-b440-4861-a58f-c89f414ea74a" providerId="ADAL" clId="{CEAAE73E-A3C0-4EF3-8264-4F08772B5760}" dt="2023-03-15T21:06:00.300" v="163" actId="20577"/>
-          <ac:spMkLst>
-            <pc:docMk/>
-            <pc:sldMk cId="2065140228" sldId="282"/>
-            <ac:spMk id="3" creationId="{23DFC7E9-54DD-38D7-0B9B-D34948D68CF9}"/>
-          </ac:spMkLst>
-        </pc:spChg>
       </pc:sldChg>
       <pc:sldChg chg="delSp modSp mod">
         <pc:chgData name="Chuck Kiefriter" userId="c57348f7-b440-4861-a58f-c89f414ea74a" providerId="ADAL" clId="{CEAAE73E-A3C0-4EF3-8264-4F08772B5760}" dt="2023-03-21T23:02:03.008" v="988" actId="6549"/>
@@ -560,38 +295,6 @@
           <pc:docMk/>
           <pc:sldMk cId="1885158462" sldId="283"/>
         </pc:sldMkLst>
-        <pc:spChg chg="mod">
-          <ac:chgData name="Chuck Kiefriter" userId="c57348f7-b440-4861-a58f-c89f414ea74a" providerId="ADAL" clId="{CEAAE73E-A3C0-4EF3-8264-4F08772B5760}" dt="2023-03-21T23:02:03.008" v="988" actId="6549"/>
-          <ac:spMkLst>
-            <pc:docMk/>
-            <pc:sldMk cId="1885158462" sldId="283"/>
-            <ac:spMk id="5" creationId="{9DB63145-E59C-9501-8AA5-4E6AC5C0D40F}"/>
-          </ac:spMkLst>
-        </pc:spChg>
-        <pc:spChg chg="mod">
-          <ac:chgData name="Chuck Kiefriter" userId="c57348f7-b440-4861-a58f-c89f414ea74a" providerId="ADAL" clId="{CEAAE73E-A3C0-4EF3-8264-4F08772B5760}" dt="2023-03-20T02:33:34.475" v="658" actId="20577"/>
-          <ac:spMkLst>
-            <pc:docMk/>
-            <pc:sldMk cId="1885158462" sldId="283"/>
-            <ac:spMk id="6" creationId="{59E906CD-110B-9D01-732C-2F21759B0265}"/>
-          </ac:spMkLst>
-        </pc:spChg>
-        <pc:spChg chg="del">
-          <ac:chgData name="Chuck Kiefriter" userId="c57348f7-b440-4861-a58f-c89f414ea74a" providerId="ADAL" clId="{CEAAE73E-A3C0-4EF3-8264-4F08772B5760}" dt="2023-03-20T02:33:47.335" v="661" actId="478"/>
-          <ac:spMkLst>
-            <pc:docMk/>
-            <pc:sldMk cId="1885158462" sldId="283"/>
-            <ac:spMk id="8" creationId="{ECD506A8-B7B8-3E79-FA2D-BD62C204B827}"/>
-          </ac:spMkLst>
-        </pc:spChg>
-        <pc:picChg chg="del">
-          <ac:chgData name="Chuck Kiefriter" userId="c57348f7-b440-4861-a58f-c89f414ea74a" providerId="ADAL" clId="{CEAAE73E-A3C0-4EF3-8264-4F08772B5760}" dt="2023-03-20T02:33:38.052" v="659" actId="478"/>
-          <ac:picMkLst>
-            <pc:docMk/>
-            <pc:sldMk cId="1885158462" sldId="283"/>
-            <ac:picMk id="4" creationId="{7C9F3104-C66F-0189-6D64-A0BDCF1B495F}"/>
-          </ac:picMkLst>
-        </pc:picChg>
       </pc:sldChg>
       <pc:sldChg chg="del">
         <pc:chgData name="Chuck Kiefriter" userId="c57348f7-b440-4861-a58f-c89f414ea74a" providerId="ADAL" clId="{CEAAE73E-A3C0-4EF3-8264-4F08772B5760}" dt="2023-03-20T04:03:18.428" v="665" actId="47"/>
@@ -606,54 +309,6 @@
           <pc:docMk/>
           <pc:sldMk cId="460794980" sldId="285"/>
         </pc:sldMkLst>
-        <pc:spChg chg="add mod">
-          <ac:chgData name="Chuck Kiefriter" userId="c57348f7-b440-4861-a58f-c89f414ea74a" providerId="ADAL" clId="{CEAAE73E-A3C0-4EF3-8264-4F08772B5760}" dt="2023-03-20T00:37:53.726" v="352" actId="1076"/>
-          <ac:spMkLst>
-            <pc:docMk/>
-            <pc:sldMk cId="460794980" sldId="285"/>
-            <ac:spMk id="4" creationId="{0A9C3E86-2548-ECB5-8430-3E2B6C004107}"/>
-          </ac:spMkLst>
-        </pc:spChg>
-        <pc:spChg chg="mod">
-          <ac:chgData name="Chuck Kiefriter" userId="c57348f7-b440-4861-a58f-c89f414ea74a" providerId="ADAL" clId="{CEAAE73E-A3C0-4EF3-8264-4F08772B5760}" dt="2023-03-20T00:28:09.677" v="229" actId="20577"/>
-          <ac:spMkLst>
-            <pc:docMk/>
-            <pc:sldMk cId="460794980" sldId="285"/>
-            <ac:spMk id="6" creationId="{DE3DBA5A-FA8E-46C6-1402-E5C7632F4CAD}"/>
-          </ac:spMkLst>
-        </pc:spChg>
-        <pc:spChg chg="add mod">
-          <ac:chgData name="Chuck Kiefriter" userId="c57348f7-b440-4861-a58f-c89f414ea74a" providerId="ADAL" clId="{CEAAE73E-A3C0-4EF3-8264-4F08772B5760}" dt="2023-03-20T00:37:53.726" v="352" actId="1076"/>
-          <ac:spMkLst>
-            <pc:docMk/>
-            <pc:sldMk cId="460794980" sldId="285"/>
-            <ac:spMk id="7" creationId="{6078F001-09B3-95A6-FBBF-049E24348AA3}"/>
-          </ac:spMkLst>
-        </pc:spChg>
-        <pc:spChg chg="mod">
-          <ac:chgData name="Chuck Kiefriter" userId="c57348f7-b440-4861-a58f-c89f414ea74a" providerId="ADAL" clId="{CEAAE73E-A3C0-4EF3-8264-4F08772B5760}" dt="2023-03-20T00:36:05.988" v="344" actId="207"/>
-          <ac:spMkLst>
-            <pc:docMk/>
-            <pc:sldMk cId="460794980" sldId="285"/>
-            <ac:spMk id="10" creationId="{EA3D5ED0-1762-C438-DD7C-B32C5582A339}"/>
-          </ac:spMkLst>
-        </pc:spChg>
-        <pc:picChg chg="add mod">
-          <ac:chgData name="Chuck Kiefriter" userId="c57348f7-b440-4861-a58f-c89f414ea74a" providerId="ADAL" clId="{CEAAE73E-A3C0-4EF3-8264-4F08772B5760}" dt="2023-03-20T00:39:44.108" v="365" actId="14100"/>
-          <ac:picMkLst>
-            <pc:docMk/>
-            <pc:sldMk cId="460794980" sldId="285"/>
-            <ac:picMk id="9" creationId="{951D6567-EE71-636D-5131-1733E9CA3EE1}"/>
-          </ac:picMkLst>
-        </pc:picChg>
-        <pc:picChg chg="add mod">
-          <ac:chgData name="Chuck Kiefriter" userId="c57348f7-b440-4861-a58f-c89f414ea74a" providerId="ADAL" clId="{CEAAE73E-A3C0-4EF3-8264-4F08772B5760}" dt="2023-03-20T00:39:41.309" v="364" actId="1076"/>
-          <ac:picMkLst>
-            <pc:docMk/>
-            <pc:sldMk cId="460794980" sldId="285"/>
-            <ac:picMk id="12" creationId="{75DBF1A8-6B47-A236-0E35-BCD7AC30E1AC}"/>
-          </ac:picMkLst>
-        </pc:picChg>
       </pc:sldChg>
       <pc:sldChg chg="modSp add mod">
         <pc:chgData name="Chuck Kiefriter" userId="c57348f7-b440-4861-a58f-c89f414ea74a" providerId="ADAL" clId="{CEAAE73E-A3C0-4EF3-8264-4F08772B5760}" dt="2023-03-20T04:03:46.401" v="693" actId="1076"/>
@@ -661,14 +316,6 @@
           <pc:docMk/>
           <pc:sldMk cId="1155090792" sldId="286"/>
         </pc:sldMkLst>
-        <pc:spChg chg="mod">
-          <ac:chgData name="Chuck Kiefriter" userId="c57348f7-b440-4861-a58f-c89f414ea74a" providerId="ADAL" clId="{CEAAE73E-A3C0-4EF3-8264-4F08772B5760}" dt="2023-03-20T04:03:46.401" v="693" actId="1076"/>
-          <ac:spMkLst>
-            <pc:docMk/>
-            <pc:sldMk cId="1155090792" sldId="286"/>
-            <ac:spMk id="3" creationId="{23DFC7E9-54DD-38D7-0B9B-D34948D68CF9}"/>
-          </ac:spMkLst>
-        </pc:spChg>
       </pc:sldChg>
       <pc:sldChg chg="addSp modSp add mod">
         <pc:chgData name="Chuck Kiefriter" userId="c57348f7-b440-4861-a58f-c89f414ea74a" providerId="ADAL" clId="{CEAAE73E-A3C0-4EF3-8264-4F08772B5760}" dt="2023-03-20T04:06:13.253" v="729" actId="1076"/>
@@ -676,30 +323,6 @@
           <pc:docMk/>
           <pc:sldMk cId="424094208" sldId="287"/>
         </pc:sldMkLst>
-        <pc:spChg chg="add mod">
-          <ac:chgData name="Chuck Kiefriter" userId="c57348f7-b440-4861-a58f-c89f414ea74a" providerId="ADAL" clId="{CEAAE73E-A3C0-4EF3-8264-4F08772B5760}" dt="2023-03-20T04:06:13.253" v="729" actId="1076"/>
-          <ac:spMkLst>
-            <pc:docMk/>
-            <pc:sldMk cId="424094208" sldId="287"/>
-            <ac:spMk id="3" creationId="{FF9F9172-C924-1C79-FA1B-3659223D7D26}"/>
-          </ac:spMkLst>
-        </pc:spChg>
-        <pc:spChg chg="mod">
-          <ac:chgData name="Chuck Kiefriter" userId="c57348f7-b440-4861-a58f-c89f414ea74a" providerId="ADAL" clId="{CEAAE73E-A3C0-4EF3-8264-4F08772B5760}" dt="2023-03-20T04:04:56.478" v="721" actId="6549"/>
-          <ac:spMkLst>
-            <pc:docMk/>
-            <pc:sldMk cId="424094208" sldId="287"/>
-            <ac:spMk id="5" creationId="{9DB63145-E59C-9501-8AA5-4E6AC5C0D40F}"/>
-          </ac:spMkLst>
-        </pc:spChg>
-        <pc:spChg chg="mod">
-          <ac:chgData name="Chuck Kiefriter" userId="c57348f7-b440-4861-a58f-c89f414ea74a" providerId="ADAL" clId="{CEAAE73E-A3C0-4EF3-8264-4F08772B5760}" dt="2023-03-20T04:03:56.659" v="717" actId="20577"/>
-          <ac:spMkLst>
-            <pc:docMk/>
-            <pc:sldMk cId="424094208" sldId="287"/>
-            <ac:spMk id="6" creationId="{59E906CD-110B-9D01-732C-2F21759B0265}"/>
-          </ac:spMkLst>
-        </pc:spChg>
       </pc:sldChg>
     </pc:docChg>
   </pc:docChgLst>
@@ -716,14 +339,6 @@
           <pc:docMk/>
           <pc:sldMk cId="3194223319" sldId="263"/>
         </pc:sldMkLst>
-        <pc:spChg chg="mod">
-          <ac:chgData name="Chuck Kiefriter" userId="a996b49251c4dfd2" providerId="LiveId" clId="{B81877C8-51B4-4FA2-ABA8-75B68C3FE7B8}" dt="2024-08-28T23:58:27.661" v="35" actId="20577"/>
-          <ac:spMkLst>
-            <pc:docMk/>
-            <pc:sldMk cId="3194223319" sldId="263"/>
-            <ac:spMk id="3" creationId="{23DFC7E9-54DD-38D7-0B9B-D34948D68CF9}"/>
-          </ac:spMkLst>
-        </pc:spChg>
       </pc:sldChg>
       <pc:sldChg chg="ord">
         <pc:chgData name="Chuck Kiefriter" userId="a996b49251c4dfd2" providerId="LiveId" clId="{B81877C8-51B4-4FA2-ABA8-75B68C3FE7B8}" dt="2024-08-28T21:37:24.557" v="11"/>
@@ -752,14 +367,6 @@
           <pc:docMk/>
           <pc:sldMk cId="3007476099" sldId="289"/>
         </pc:sldMkLst>
-        <pc:spChg chg="mod">
-          <ac:chgData name="Chuck Kiefriter" userId="a996b49251c4dfd2" providerId="LiveId" clId="{B81877C8-51B4-4FA2-ABA8-75B68C3FE7B8}" dt="2024-08-28T23:11:45.776" v="30" actId="20577"/>
-          <ac:spMkLst>
-            <pc:docMk/>
-            <pc:sldMk cId="3007476099" sldId="289"/>
-            <ac:spMk id="4" creationId="{C0B26727-0F97-5A73-B4ED-6BE65E07E5DB}"/>
-          </ac:spMkLst>
-        </pc:spChg>
       </pc:sldChg>
       <pc:sldChg chg="modSp add mod">
         <pc:chgData name="Chuck Kiefriter" userId="a996b49251c4dfd2" providerId="LiveId" clId="{B81877C8-51B4-4FA2-ABA8-75B68C3FE7B8}" dt="2024-08-28T21:37:46.741" v="17" actId="403"/>
@@ -767,14 +374,6 @@
           <pc:docMk/>
           <pc:sldMk cId="261171836" sldId="306"/>
         </pc:sldMkLst>
-        <pc:spChg chg="mod">
-          <ac:chgData name="Chuck Kiefriter" userId="a996b49251c4dfd2" providerId="LiveId" clId="{B81877C8-51B4-4FA2-ABA8-75B68C3FE7B8}" dt="2024-08-28T21:37:46.741" v="17" actId="403"/>
-          <ac:spMkLst>
-            <pc:docMk/>
-            <pc:sldMk cId="261171836" sldId="306"/>
-            <ac:spMk id="3" creationId="{23DFC7E9-54DD-38D7-0B9B-D34948D68CF9}"/>
-          </ac:spMkLst>
-        </pc:spChg>
       </pc:sldChg>
     </pc:docChg>
   </pc:docChgLst>
@@ -791,78 +390,6 @@
           <pc:docMk/>
           <pc:sldMk cId="3995279466" sldId="256"/>
         </pc:sldMkLst>
-        <pc:spChg chg="add del mod">
-          <ac:chgData name="Chuck Kiefriter" userId="c57348f7-b440-4861-a58f-c89f414ea74a" providerId="ADAL" clId="{C2FDF4A5-FE03-4269-B12C-3FB90C87A25C}" dt="2023-03-13T02:47:56.038" v="191" actId="478"/>
-          <ac:spMkLst>
-            <pc:docMk/>
-            <pc:sldMk cId="3995279466" sldId="256"/>
-            <ac:spMk id="2" creationId="{2C4F45DE-E822-5A85-C085-D6793E7757C6}"/>
-          </ac:spMkLst>
-        </pc:spChg>
-        <pc:spChg chg="add del mod">
-          <ac:chgData name="Chuck Kiefriter" userId="c57348f7-b440-4861-a58f-c89f414ea74a" providerId="ADAL" clId="{C2FDF4A5-FE03-4269-B12C-3FB90C87A25C}" dt="2023-03-13T02:48:25.804" v="193" actId="478"/>
-          <ac:spMkLst>
-            <pc:docMk/>
-            <pc:sldMk cId="3995279466" sldId="256"/>
-            <ac:spMk id="4" creationId="{56AD9E25-842B-8146-0917-9F5EFE416A2E}"/>
-          </ac:spMkLst>
-        </pc:spChg>
-        <pc:spChg chg="del">
-          <ac:chgData name="Chuck Kiefriter" userId="c57348f7-b440-4861-a58f-c89f414ea74a" providerId="ADAL" clId="{C2FDF4A5-FE03-4269-B12C-3FB90C87A25C}" dt="2023-03-13T02:47:34.368" v="186" actId="478"/>
-          <ac:spMkLst>
-            <pc:docMk/>
-            <pc:sldMk cId="3995279466" sldId="256"/>
-            <ac:spMk id="5" creationId="{5F9FFA0F-ABF5-A659-70E6-D8C77574B512}"/>
-          </ac:spMkLst>
-        </pc:spChg>
-        <pc:spChg chg="mod">
-          <ac:chgData name="Chuck Kiefriter" userId="c57348f7-b440-4861-a58f-c89f414ea74a" providerId="ADAL" clId="{C2FDF4A5-FE03-4269-B12C-3FB90C87A25C}" dt="2023-03-13T13:55:13.470" v="1571" actId="1036"/>
-          <ac:spMkLst>
-            <pc:docMk/>
-            <pc:sldMk cId="3995279466" sldId="256"/>
-            <ac:spMk id="6" creationId="{DE3DBA5A-FA8E-46C6-1402-E5C7632F4CAD}"/>
-          </ac:spMkLst>
-        </pc:spChg>
-        <pc:spChg chg="del">
-          <ac:chgData name="Chuck Kiefriter" userId="c57348f7-b440-4861-a58f-c89f414ea74a" providerId="ADAL" clId="{C2FDF4A5-FE03-4269-B12C-3FB90C87A25C}" dt="2023-03-13T02:48:46.914" v="198" actId="478"/>
-          <ac:spMkLst>
-            <pc:docMk/>
-            <pc:sldMk cId="3995279466" sldId="256"/>
-            <ac:spMk id="7" creationId="{E4743137-C6B2-414D-BFAA-03342A75F078}"/>
-          </ac:spMkLst>
-        </pc:spChg>
-        <pc:spChg chg="del">
-          <ac:chgData name="Chuck Kiefriter" userId="c57348f7-b440-4861-a58f-c89f414ea74a" providerId="ADAL" clId="{C2FDF4A5-FE03-4269-B12C-3FB90C87A25C}" dt="2023-03-13T02:49:24.329" v="202" actId="478"/>
-          <ac:spMkLst>
-            <pc:docMk/>
-            <pc:sldMk cId="3995279466" sldId="256"/>
-            <ac:spMk id="9" creationId="{173C8FB3-3AEA-AC6B-0DDF-E23D4893528F}"/>
-          </ac:spMkLst>
-        </pc:spChg>
-        <pc:spChg chg="add mod">
-          <ac:chgData name="Chuck Kiefriter" userId="c57348f7-b440-4861-a58f-c89f414ea74a" providerId="ADAL" clId="{C2FDF4A5-FE03-4269-B12C-3FB90C87A25C}" dt="2023-03-13T13:55:28.054" v="1574" actId="20577"/>
-          <ac:spMkLst>
-            <pc:docMk/>
-            <pc:sldMk cId="3995279466" sldId="256"/>
-            <ac:spMk id="10" creationId="{EA3D5ED0-1762-C438-DD7C-B32C5582A339}"/>
-          </ac:spMkLst>
-        </pc:spChg>
-        <pc:spChg chg="add mod">
-          <ac:chgData name="Chuck Kiefriter" userId="c57348f7-b440-4861-a58f-c89f414ea74a" providerId="ADAL" clId="{C2FDF4A5-FE03-4269-B12C-3FB90C87A25C}" dt="2023-03-13T13:54:42.242" v="1560" actId="1076"/>
-          <ac:spMkLst>
-            <pc:docMk/>
-            <pc:sldMk cId="3995279466" sldId="256"/>
-            <ac:spMk id="12" creationId="{18FCF58A-E768-0BFC-8A0B-3881F7F528D8}"/>
-          </ac:spMkLst>
-        </pc:spChg>
-        <pc:graphicFrameChg chg="add mod modGraphic">
-          <ac:chgData name="Chuck Kiefriter" userId="c57348f7-b440-4861-a58f-c89f414ea74a" providerId="ADAL" clId="{C2FDF4A5-FE03-4269-B12C-3FB90C87A25C}" dt="2023-03-13T13:54:42.242" v="1560" actId="1076"/>
-          <ac:graphicFrameMkLst>
-            <pc:docMk/>
-            <pc:sldMk cId="3995279466" sldId="256"/>
-            <ac:graphicFrameMk id="13" creationId="{BB1305A0-0446-F701-7436-EA612090B033}"/>
-          </ac:graphicFrameMkLst>
-        </pc:graphicFrameChg>
       </pc:sldChg>
       <pc:sldChg chg="del">
         <pc:chgData name="Chuck Kiefriter" userId="c57348f7-b440-4861-a58f-c89f414ea74a" providerId="ADAL" clId="{C2FDF4A5-FE03-4269-B12C-3FB90C87A25C}" dt="2023-03-13T02:59:12.416" v="314" actId="47"/>
@@ -905,14 +432,6 @@
           <pc:docMk/>
           <pc:sldMk cId="3194223319" sldId="263"/>
         </pc:sldMkLst>
-        <pc:spChg chg="mod">
-          <ac:chgData name="Chuck Kiefriter" userId="c57348f7-b440-4861-a58f-c89f414ea74a" providerId="ADAL" clId="{C2FDF4A5-FE03-4269-B12C-3FB90C87A25C}" dt="2023-03-13T02:43:52.914" v="168" actId="20577"/>
-          <ac:spMkLst>
-            <pc:docMk/>
-            <pc:sldMk cId="3194223319" sldId="263"/>
-            <ac:spMk id="3" creationId="{23DFC7E9-54DD-38D7-0B9B-D34948D68CF9}"/>
-          </ac:spMkLst>
-        </pc:spChg>
       </pc:sldChg>
       <pc:sldChg chg="modSp mod">
         <pc:chgData name="Chuck Kiefriter" userId="c57348f7-b440-4861-a58f-c89f414ea74a" providerId="ADAL" clId="{C2FDF4A5-FE03-4269-B12C-3FB90C87A25C}" dt="2023-03-13T02:59:36.661" v="331" actId="20577"/>
@@ -920,14 +439,6 @@
           <pc:docMk/>
           <pc:sldMk cId="763182894" sldId="264"/>
         </pc:sldMkLst>
-        <pc:spChg chg="mod">
-          <ac:chgData name="Chuck Kiefriter" userId="c57348f7-b440-4861-a58f-c89f414ea74a" providerId="ADAL" clId="{C2FDF4A5-FE03-4269-B12C-3FB90C87A25C}" dt="2023-03-13T02:59:36.661" v="331" actId="20577"/>
-          <ac:spMkLst>
-            <pc:docMk/>
-            <pc:sldMk cId="763182894" sldId="264"/>
-            <ac:spMk id="3" creationId="{23DFC7E9-54DD-38D7-0B9B-D34948D68CF9}"/>
-          </ac:spMkLst>
-        </pc:spChg>
       </pc:sldChg>
       <pc:sldChg chg="modSp mod">
         <pc:chgData name="Chuck Kiefriter" userId="c57348f7-b440-4861-a58f-c89f414ea74a" providerId="ADAL" clId="{C2FDF4A5-FE03-4269-B12C-3FB90C87A25C}" dt="2023-03-13T02:59:45.139" v="348" actId="20577"/>
@@ -935,14 +446,6 @@
           <pc:docMk/>
           <pc:sldMk cId="367428708" sldId="265"/>
         </pc:sldMkLst>
-        <pc:spChg chg="mod">
-          <ac:chgData name="Chuck Kiefriter" userId="c57348f7-b440-4861-a58f-c89f414ea74a" providerId="ADAL" clId="{C2FDF4A5-FE03-4269-B12C-3FB90C87A25C}" dt="2023-03-13T02:59:45.139" v="348" actId="20577"/>
-          <ac:spMkLst>
-            <pc:docMk/>
-            <pc:sldMk cId="367428708" sldId="265"/>
-            <ac:spMk id="3" creationId="{23DFC7E9-54DD-38D7-0B9B-D34948D68CF9}"/>
-          </ac:spMkLst>
-        </pc:spChg>
       </pc:sldChg>
       <pc:sldChg chg="addSp delSp modSp mod">
         <pc:chgData name="Chuck Kiefriter" userId="c57348f7-b440-4861-a58f-c89f414ea74a" providerId="ADAL" clId="{C2FDF4A5-FE03-4269-B12C-3FB90C87A25C}" dt="2023-03-13T03:27:59.526" v="828" actId="1076"/>
@@ -950,78 +453,6 @@
           <pc:docMk/>
           <pc:sldMk cId="3472760250" sldId="266"/>
         </pc:sldMkLst>
-        <pc:spChg chg="add del">
-          <ac:chgData name="Chuck Kiefriter" userId="c57348f7-b440-4861-a58f-c89f414ea74a" providerId="ADAL" clId="{C2FDF4A5-FE03-4269-B12C-3FB90C87A25C}" dt="2023-03-13T03:02:45.417" v="401"/>
-          <ac:spMkLst>
-            <pc:docMk/>
-            <pc:sldMk cId="3472760250" sldId="266"/>
-            <ac:spMk id="2" creationId="{32E1CDDC-1253-20E1-5CBA-2D4F1A21493C}"/>
-          </ac:spMkLst>
-        </pc:spChg>
-        <pc:spChg chg="mod">
-          <ac:chgData name="Chuck Kiefriter" userId="c57348f7-b440-4861-a58f-c89f414ea74a" providerId="ADAL" clId="{C2FDF4A5-FE03-4269-B12C-3FB90C87A25C}" dt="2023-03-13T03:27:51.135" v="825" actId="1076"/>
-          <ac:spMkLst>
-            <pc:docMk/>
-            <pc:sldMk cId="3472760250" sldId="266"/>
-            <ac:spMk id="3" creationId="{8A190F0E-2F97-FB1D-4C12-99BD52A45698}"/>
-          </ac:spMkLst>
-        </pc:spChg>
-        <pc:spChg chg="add mod">
-          <ac:chgData name="Chuck Kiefriter" userId="c57348f7-b440-4861-a58f-c89f414ea74a" providerId="ADAL" clId="{C2FDF4A5-FE03-4269-B12C-3FB90C87A25C}" dt="2023-03-13T03:27:51.135" v="825" actId="1076"/>
-          <ac:spMkLst>
-            <pc:docMk/>
-            <pc:sldMk cId="3472760250" sldId="266"/>
-            <ac:spMk id="5" creationId="{4722EB52-7FBD-AEF3-6771-A0B77E13744B}"/>
-          </ac:spMkLst>
-        </pc:spChg>
-        <pc:spChg chg="mod">
-          <ac:chgData name="Chuck Kiefriter" userId="c57348f7-b440-4861-a58f-c89f414ea74a" providerId="ADAL" clId="{C2FDF4A5-FE03-4269-B12C-3FB90C87A25C}" dt="2023-03-13T03:16:12.878" v="747" actId="20577"/>
-          <ac:spMkLst>
-            <pc:docMk/>
-            <pc:sldMk cId="3472760250" sldId="266"/>
-            <ac:spMk id="6" creationId="{59E906CD-110B-9D01-732C-2F21759B0265}"/>
-          </ac:spMkLst>
-        </pc:spChg>
-        <pc:spChg chg="add mod">
-          <ac:chgData name="Chuck Kiefriter" userId="c57348f7-b440-4861-a58f-c89f414ea74a" providerId="ADAL" clId="{C2FDF4A5-FE03-4269-B12C-3FB90C87A25C}" dt="2023-03-13T03:27:51.135" v="825" actId="1076"/>
-          <ac:spMkLst>
-            <pc:docMk/>
-            <pc:sldMk cId="3472760250" sldId="266"/>
-            <ac:spMk id="7" creationId="{2F8EFB88-7117-DB08-F164-0D4DDE8F4760}"/>
-          </ac:spMkLst>
-        </pc:spChg>
-        <pc:spChg chg="add mod">
-          <ac:chgData name="Chuck Kiefriter" userId="c57348f7-b440-4861-a58f-c89f414ea74a" providerId="ADAL" clId="{C2FDF4A5-FE03-4269-B12C-3FB90C87A25C}" dt="2023-03-13T03:27:51.135" v="825" actId="1076"/>
-          <ac:spMkLst>
-            <pc:docMk/>
-            <pc:sldMk cId="3472760250" sldId="266"/>
-            <ac:spMk id="8" creationId="{FA061E8C-5A3E-8D93-0FF8-7C9A1D14FB3F}"/>
-          </ac:spMkLst>
-        </pc:spChg>
-        <pc:spChg chg="add mod">
-          <ac:chgData name="Chuck Kiefriter" userId="c57348f7-b440-4861-a58f-c89f414ea74a" providerId="ADAL" clId="{C2FDF4A5-FE03-4269-B12C-3FB90C87A25C}" dt="2023-03-13T03:27:51.135" v="825" actId="1076"/>
-          <ac:spMkLst>
-            <pc:docMk/>
-            <pc:sldMk cId="3472760250" sldId="266"/>
-            <ac:spMk id="9" creationId="{EA1B1EA7-B605-1137-AF6A-C16DE5D15BCD}"/>
-          </ac:spMkLst>
-        </pc:spChg>
-        <pc:spChg chg="add mod">
-          <ac:chgData name="Chuck Kiefriter" userId="c57348f7-b440-4861-a58f-c89f414ea74a" providerId="ADAL" clId="{C2FDF4A5-FE03-4269-B12C-3FB90C87A25C}" dt="2023-03-13T03:27:54.104" v="826" actId="1076"/>
-          <ac:spMkLst>
-            <pc:docMk/>
-            <pc:sldMk cId="3472760250" sldId="266"/>
-            <ac:spMk id="10" creationId="{5FE0F0B4-AC6B-987F-CA51-A4E6DE70DBB8}"/>
-          </ac:spMkLst>
-        </pc:spChg>
-        <pc:picChg chg="add mod">
-          <ac:chgData name="Chuck Kiefriter" userId="c57348f7-b440-4861-a58f-c89f414ea74a" providerId="ADAL" clId="{C2FDF4A5-FE03-4269-B12C-3FB90C87A25C}" dt="2023-03-13T03:27:59.526" v="828" actId="1076"/>
-          <ac:picMkLst>
-            <pc:docMk/>
-            <pc:sldMk cId="3472760250" sldId="266"/>
-            <ac:picMk id="12" creationId="{BC86969A-DE0A-FA6D-2E0B-7566AF411A68}"/>
-          </ac:picMkLst>
-        </pc:picChg>
       </pc:sldChg>
       <pc:sldChg chg="del">
         <pc:chgData name="Chuck Kiefriter" userId="c57348f7-b440-4861-a58f-c89f414ea74a" providerId="ADAL" clId="{C2FDF4A5-FE03-4269-B12C-3FB90C87A25C}" dt="2023-03-13T03:21:18.538" v="776" actId="47"/>
@@ -1078,14 +509,6 @@
           <pc:docMk/>
           <pc:sldMk cId="4170465764" sldId="274"/>
         </pc:sldMkLst>
-        <pc:spChg chg="mod">
-          <ac:chgData name="Chuck Kiefriter" userId="c57348f7-b440-4861-a58f-c89f414ea74a" providerId="ADAL" clId="{C2FDF4A5-FE03-4269-B12C-3FB90C87A25C}" dt="2023-03-13T03:26:18.486" v="821" actId="14100"/>
-          <ac:spMkLst>
-            <pc:docMk/>
-            <pc:sldMk cId="4170465764" sldId="274"/>
-            <ac:spMk id="3" creationId="{23DFC7E9-54DD-38D7-0B9B-D34948D68CF9}"/>
-          </ac:spMkLst>
-        </pc:spChg>
       </pc:sldChg>
       <pc:sldChg chg="addSp modSp mod">
         <pc:chgData name="Chuck Kiefriter" userId="c57348f7-b440-4861-a58f-c89f414ea74a" providerId="ADAL" clId="{C2FDF4A5-FE03-4269-B12C-3FB90C87A25C}" dt="2023-03-13T03:41:12.959" v="1017" actId="1076"/>
@@ -1093,30 +516,6 @@
           <pc:docMk/>
           <pc:sldMk cId="1513494963" sldId="275"/>
         </pc:sldMkLst>
-        <pc:spChg chg="mod">
-          <ac:chgData name="Chuck Kiefriter" userId="c57348f7-b440-4861-a58f-c89f414ea74a" providerId="ADAL" clId="{C2FDF4A5-FE03-4269-B12C-3FB90C87A25C}" dt="2023-03-13T03:40:46.542" v="1011" actId="20577"/>
-          <ac:spMkLst>
-            <pc:docMk/>
-            <pc:sldMk cId="1513494963" sldId="275"/>
-            <ac:spMk id="5" creationId="{9DB63145-E59C-9501-8AA5-4E6AC5C0D40F}"/>
-          </ac:spMkLst>
-        </pc:spChg>
-        <pc:spChg chg="mod">
-          <ac:chgData name="Chuck Kiefriter" userId="c57348f7-b440-4861-a58f-c89f414ea74a" providerId="ADAL" clId="{C2FDF4A5-FE03-4269-B12C-3FB90C87A25C}" dt="2023-03-13T03:30:30.367" v="856" actId="20577"/>
-          <ac:spMkLst>
-            <pc:docMk/>
-            <pc:sldMk cId="1513494963" sldId="275"/>
-            <ac:spMk id="6" creationId="{59E906CD-110B-9D01-732C-2F21759B0265}"/>
-          </ac:spMkLst>
-        </pc:spChg>
-        <pc:picChg chg="add mod">
-          <ac:chgData name="Chuck Kiefriter" userId="c57348f7-b440-4861-a58f-c89f414ea74a" providerId="ADAL" clId="{C2FDF4A5-FE03-4269-B12C-3FB90C87A25C}" dt="2023-03-13T03:41:12.959" v="1017" actId="1076"/>
-          <ac:picMkLst>
-            <pc:docMk/>
-            <pc:sldMk cId="1513494963" sldId="275"/>
-            <ac:picMk id="3" creationId="{0E14C303-4A08-9E3D-827C-D6CF995E9C7A}"/>
-          </ac:picMkLst>
-        </pc:picChg>
       </pc:sldChg>
       <pc:sldChg chg="del">
         <pc:chgData name="Chuck Kiefriter" userId="c57348f7-b440-4861-a58f-c89f414ea74a" providerId="ADAL" clId="{C2FDF4A5-FE03-4269-B12C-3FB90C87A25C}" dt="2023-03-13T03:31:10.297" v="872" actId="47"/>
@@ -1138,78 +537,6 @@
           <pc:docMk/>
           <pc:sldMk cId="976671966" sldId="278"/>
         </pc:sldMkLst>
-        <pc:spChg chg="del">
-          <ac:chgData name="Chuck Kiefriter" userId="c57348f7-b440-4861-a58f-c89f414ea74a" providerId="ADAL" clId="{C2FDF4A5-FE03-4269-B12C-3FB90C87A25C}" dt="2023-03-13T03:22:35.617" v="799" actId="478"/>
-          <ac:spMkLst>
-            <pc:docMk/>
-            <pc:sldMk cId="976671966" sldId="278"/>
-            <ac:spMk id="3" creationId="{8A190F0E-2F97-FB1D-4C12-99BD52A45698}"/>
-          </ac:spMkLst>
-        </pc:spChg>
-        <pc:spChg chg="add mod">
-          <ac:chgData name="Chuck Kiefriter" userId="c57348f7-b440-4861-a58f-c89f414ea74a" providerId="ADAL" clId="{C2FDF4A5-FE03-4269-B12C-3FB90C87A25C}" dt="2023-03-13T03:25:08.174" v="814" actId="14100"/>
-          <ac:spMkLst>
-            <pc:docMk/>
-            <pc:sldMk cId="976671966" sldId="278"/>
-            <ac:spMk id="4" creationId="{C0B26727-0F97-5A73-B4ED-6BE65E07E5DB}"/>
-          </ac:spMkLst>
-        </pc:spChg>
-        <pc:spChg chg="del">
-          <ac:chgData name="Chuck Kiefriter" userId="c57348f7-b440-4861-a58f-c89f414ea74a" providerId="ADAL" clId="{C2FDF4A5-FE03-4269-B12C-3FB90C87A25C}" dt="2023-03-13T03:22:35.617" v="799" actId="478"/>
-          <ac:spMkLst>
-            <pc:docMk/>
-            <pc:sldMk cId="976671966" sldId="278"/>
-            <ac:spMk id="5" creationId="{4722EB52-7FBD-AEF3-6771-A0B77E13744B}"/>
-          </ac:spMkLst>
-        </pc:spChg>
-        <pc:spChg chg="mod">
-          <ac:chgData name="Chuck Kiefriter" userId="c57348f7-b440-4861-a58f-c89f414ea74a" providerId="ADAL" clId="{C2FDF4A5-FE03-4269-B12C-3FB90C87A25C}" dt="2023-03-13T03:22:25.945" v="798" actId="20577"/>
-          <ac:spMkLst>
-            <pc:docMk/>
-            <pc:sldMk cId="976671966" sldId="278"/>
-            <ac:spMk id="6" creationId="{59E906CD-110B-9D01-732C-2F21759B0265}"/>
-          </ac:spMkLst>
-        </pc:spChg>
-        <pc:spChg chg="del">
-          <ac:chgData name="Chuck Kiefriter" userId="c57348f7-b440-4861-a58f-c89f414ea74a" providerId="ADAL" clId="{C2FDF4A5-FE03-4269-B12C-3FB90C87A25C}" dt="2023-03-13T03:22:35.617" v="799" actId="478"/>
-          <ac:spMkLst>
-            <pc:docMk/>
-            <pc:sldMk cId="976671966" sldId="278"/>
-            <ac:spMk id="7" creationId="{2F8EFB88-7117-DB08-F164-0D4DDE8F4760}"/>
-          </ac:spMkLst>
-        </pc:spChg>
-        <pc:spChg chg="del">
-          <ac:chgData name="Chuck Kiefriter" userId="c57348f7-b440-4861-a58f-c89f414ea74a" providerId="ADAL" clId="{C2FDF4A5-FE03-4269-B12C-3FB90C87A25C}" dt="2023-03-13T03:22:35.617" v="799" actId="478"/>
-          <ac:spMkLst>
-            <pc:docMk/>
-            <pc:sldMk cId="976671966" sldId="278"/>
-            <ac:spMk id="8" creationId="{FA061E8C-5A3E-8D93-0FF8-7C9A1D14FB3F}"/>
-          </ac:spMkLst>
-        </pc:spChg>
-        <pc:spChg chg="del">
-          <ac:chgData name="Chuck Kiefriter" userId="c57348f7-b440-4861-a58f-c89f414ea74a" providerId="ADAL" clId="{C2FDF4A5-FE03-4269-B12C-3FB90C87A25C}" dt="2023-03-13T03:22:35.617" v="799" actId="478"/>
-          <ac:spMkLst>
-            <pc:docMk/>
-            <pc:sldMk cId="976671966" sldId="278"/>
-            <ac:spMk id="9" creationId="{EA1B1EA7-B605-1137-AF6A-C16DE5D15BCD}"/>
-          </ac:spMkLst>
-        </pc:spChg>
-        <pc:spChg chg="del">
-          <ac:chgData name="Chuck Kiefriter" userId="c57348f7-b440-4861-a58f-c89f414ea74a" providerId="ADAL" clId="{C2FDF4A5-FE03-4269-B12C-3FB90C87A25C}" dt="2023-03-13T03:22:35.617" v="799" actId="478"/>
-          <ac:spMkLst>
-            <pc:docMk/>
-            <pc:sldMk cId="976671966" sldId="278"/>
-            <ac:spMk id="10" creationId="{5FE0F0B4-AC6B-987F-CA51-A4E6DE70DBB8}"/>
-          </ac:spMkLst>
-        </pc:spChg>
-        <pc:picChg chg="add mod">
-          <ac:chgData name="Chuck Kiefriter" userId="c57348f7-b440-4861-a58f-c89f414ea74a" providerId="ADAL" clId="{C2FDF4A5-FE03-4269-B12C-3FB90C87A25C}" dt="2023-03-13T03:25:09.804" v="815" actId="1076"/>
-          <ac:picMkLst>
-            <pc:docMk/>
-            <pc:sldMk cId="976671966" sldId="278"/>
-            <ac:picMk id="12" creationId="{EDDB08A4-A3C1-182F-A00B-0BE97F3C502C}"/>
-          </ac:picMkLst>
-        </pc:picChg>
       </pc:sldChg>
       <pc:sldChg chg="addSp modSp add mod">
         <pc:chgData name="Chuck Kiefriter" userId="c57348f7-b440-4861-a58f-c89f414ea74a" providerId="ADAL" clId="{C2FDF4A5-FE03-4269-B12C-3FB90C87A25C}" dt="2023-03-13T03:33:44.106" v="937" actId="20577"/>
@@ -1217,30 +544,6 @@
           <pc:docMk/>
           <pc:sldMk cId="3402929522" sldId="279"/>
         </pc:sldMkLst>
-        <pc:spChg chg="mod">
-          <ac:chgData name="Chuck Kiefriter" userId="c57348f7-b440-4861-a58f-c89f414ea74a" providerId="ADAL" clId="{C2FDF4A5-FE03-4269-B12C-3FB90C87A25C}" dt="2023-03-13T03:33:44.106" v="937" actId="20577"/>
-          <ac:spMkLst>
-            <pc:docMk/>
-            <pc:sldMk cId="3402929522" sldId="279"/>
-            <ac:spMk id="5" creationId="{9DB63145-E59C-9501-8AA5-4E6AC5C0D40F}"/>
-          </ac:spMkLst>
-        </pc:spChg>
-        <pc:spChg chg="mod">
-          <ac:chgData name="Chuck Kiefriter" userId="c57348f7-b440-4861-a58f-c89f414ea74a" providerId="ADAL" clId="{C2FDF4A5-FE03-4269-B12C-3FB90C87A25C}" dt="2023-03-13T03:33:27.221" v="921" actId="20577"/>
-          <ac:spMkLst>
-            <pc:docMk/>
-            <pc:sldMk cId="3402929522" sldId="279"/>
-            <ac:spMk id="6" creationId="{59E906CD-110B-9D01-732C-2F21759B0265}"/>
-          </ac:spMkLst>
-        </pc:spChg>
-        <pc:picChg chg="add mod">
-          <ac:chgData name="Chuck Kiefriter" userId="c57348f7-b440-4861-a58f-c89f414ea74a" providerId="ADAL" clId="{C2FDF4A5-FE03-4269-B12C-3FB90C87A25C}" dt="2023-03-13T03:32:59.392" v="892" actId="1076"/>
-          <ac:picMkLst>
-            <pc:docMk/>
-            <pc:sldMk cId="3402929522" sldId="279"/>
-            <ac:picMk id="3" creationId="{AD0FD225-5D5A-02AF-7A9C-13410C644753}"/>
-          </ac:picMkLst>
-        </pc:picChg>
       </pc:sldChg>
       <pc:sldChg chg="modSp add mod">
         <pc:chgData name="Chuck Kiefriter" userId="c57348f7-b440-4861-a58f-c89f414ea74a" providerId="ADAL" clId="{C2FDF4A5-FE03-4269-B12C-3FB90C87A25C}" dt="2023-03-13T03:34:49.341" v="952" actId="20577"/>
@@ -1248,14 +551,6 @@
           <pc:docMk/>
           <pc:sldMk cId="3395566764" sldId="280"/>
         </pc:sldMkLst>
-        <pc:spChg chg="mod">
-          <ac:chgData name="Chuck Kiefriter" userId="c57348f7-b440-4861-a58f-c89f414ea74a" providerId="ADAL" clId="{C2FDF4A5-FE03-4269-B12C-3FB90C87A25C}" dt="2023-03-13T03:34:49.341" v="952" actId="20577"/>
-          <ac:spMkLst>
-            <pc:docMk/>
-            <pc:sldMk cId="3395566764" sldId="280"/>
-            <ac:spMk id="3" creationId="{23DFC7E9-54DD-38D7-0B9B-D34948D68CF9}"/>
-          </ac:spMkLst>
-        </pc:spChg>
       </pc:sldChg>
       <pc:sldChg chg="addSp modSp add mod">
         <pc:chgData name="Chuck Kiefriter" userId="c57348f7-b440-4861-a58f-c89f414ea74a" providerId="ADAL" clId="{C2FDF4A5-FE03-4269-B12C-3FB90C87A25C}" dt="2023-03-13T04:01:29.730" v="1300" actId="20577"/>
@@ -1263,30 +558,6 @@
           <pc:docMk/>
           <pc:sldMk cId="3187156049" sldId="281"/>
         </pc:sldMkLst>
-        <pc:spChg chg="mod">
-          <ac:chgData name="Chuck Kiefriter" userId="c57348f7-b440-4861-a58f-c89f414ea74a" providerId="ADAL" clId="{C2FDF4A5-FE03-4269-B12C-3FB90C87A25C}" dt="2023-03-13T04:01:29.730" v="1300" actId="20577"/>
-          <ac:spMkLst>
-            <pc:docMk/>
-            <pc:sldMk cId="3187156049" sldId="281"/>
-            <ac:spMk id="5" creationId="{9DB63145-E59C-9501-8AA5-4E6AC5C0D40F}"/>
-          </ac:spMkLst>
-        </pc:spChg>
-        <pc:spChg chg="mod">
-          <ac:chgData name="Chuck Kiefriter" userId="c57348f7-b440-4861-a58f-c89f414ea74a" providerId="ADAL" clId="{C2FDF4A5-FE03-4269-B12C-3FB90C87A25C}" dt="2023-03-13T04:00:07.740" v="1271" actId="20577"/>
-          <ac:spMkLst>
-            <pc:docMk/>
-            <pc:sldMk cId="3187156049" sldId="281"/>
-            <ac:spMk id="6" creationId="{59E906CD-110B-9D01-732C-2F21759B0265}"/>
-          </ac:spMkLst>
-        </pc:spChg>
-        <pc:picChg chg="add mod">
-          <ac:chgData name="Chuck Kiefriter" userId="c57348f7-b440-4861-a58f-c89f414ea74a" providerId="ADAL" clId="{C2FDF4A5-FE03-4269-B12C-3FB90C87A25C}" dt="2023-03-13T03:55:24.774" v="1128" actId="1076"/>
-          <ac:picMkLst>
-            <pc:docMk/>
-            <pc:sldMk cId="3187156049" sldId="281"/>
-            <ac:picMk id="3" creationId="{83E4109A-5F0E-62C4-2DDC-A1744C5BE6B5}"/>
-          </ac:picMkLst>
-        </pc:picChg>
       </pc:sldChg>
       <pc:sldChg chg="modSp add mod">
         <pc:chgData name="Chuck Kiefriter" userId="c57348f7-b440-4861-a58f-c89f414ea74a" providerId="ADAL" clId="{C2FDF4A5-FE03-4269-B12C-3FB90C87A25C}" dt="2023-03-13T03:41:55.418" v="1028" actId="20577"/>
@@ -1294,14 +565,6 @@
           <pc:docMk/>
           <pc:sldMk cId="2065140228" sldId="282"/>
         </pc:sldMkLst>
-        <pc:spChg chg="mod">
-          <ac:chgData name="Chuck Kiefriter" userId="c57348f7-b440-4861-a58f-c89f414ea74a" providerId="ADAL" clId="{C2FDF4A5-FE03-4269-B12C-3FB90C87A25C}" dt="2023-03-13T03:41:55.418" v="1028" actId="20577"/>
-          <ac:spMkLst>
-            <pc:docMk/>
-            <pc:sldMk cId="2065140228" sldId="282"/>
-            <ac:spMk id="3" creationId="{23DFC7E9-54DD-38D7-0B9B-D34948D68CF9}"/>
-          </ac:spMkLst>
-        </pc:spChg>
       </pc:sldChg>
       <pc:sldChg chg="addSp delSp modSp add mod">
         <pc:chgData name="Chuck Kiefriter" userId="c57348f7-b440-4861-a58f-c89f414ea74a" providerId="ADAL" clId="{C2FDF4A5-FE03-4269-B12C-3FB90C87A25C}" dt="2023-03-13T03:51:42.665" v="1120" actId="207"/>
@@ -1309,46 +572,6 @@
           <pc:docMk/>
           <pc:sldMk cId="1885158462" sldId="283"/>
         </pc:sldMkLst>
-        <pc:spChg chg="mod">
-          <ac:chgData name="Chuck Kiefriter" userId="c57348f7-b440-4861-a58f-c89f414ea74a" providerId="ADAL" clId="{C2FDF4A5-FE03-4269-B12C-3FB90C87A25C}" dt="2023-03-13T03:51:42.665" v="1120" actId="207"/>
-          <ac:spMkLst>
-            <pc:docMk/>
-            <pc:sldMk cId="1885158462" sldId="283"/>
-            <ac:spMk id="5" creationId="{9DB63145-E59C-9501-8AA5-4E6AC5C0D40F}"/>
-          </ac:spMkLst>
-        </pc:spChg>
-        <pc:spChg chg="mod">
-          <ac:chgData name="Chuck Kiefriter" userId="c57348f7-b440-4861-a58f-c89f414ea74a" providerId="ADAL" clId="{C2FDF4A5-FE03-4269-B12C-3FB90C87A25C}" dt="2023-03-13T03:42:03.806" v="1039" actId="20577"/>
-          <ac:spMkLst>
-            <pc:docMk/>
-            <pc:sldMk cId="1885158462" sldId="283"/>
-            <ac:spMk id="6" creationId="{59E906CD-110B-9D01-732C-2F21759B0265}"/>
-          </ac:spMkLst>
-        </pc:spChg>
-        <pc:spChg chg="add mod">
-          <ac:chgData name="Chuck Kiefriter" userId="c57348f7-b440-4861-a58f-c89f414ea74a" providerId="ADAL" clId="{C2FDF4A5-FE03-4269-B12C-3FB90C87A25C}" dt="2023-03-13T03:50:24.029" v="1119" actId="20577"/>
-          <ac:spMkLst>
-            <pc:docMk/>
-            <pc:sldMk cId="1885158462" sldId="283"/>
-            <ac:spMk id="8" creationId="{ECD506A8-B7B8-3E79-FA2D-BD62C204B827}"/>
-          </ac:spMkLst>
-        </pc:spChg>
-        <pc:picChg chg="del">
-          <ac:chgData name="Chuck Kiefriter" userId="c57348f7-b440-4861-a58f-c89f414ea74a" providerId="ADAL" clId="{C2FDF4A5-FE03-4269-B12C-3FB90C87A25C}" dt="2023-03-13T03:41:58.623" v="1029" actId="478"/>
-          <ac:picMkLst>
-            <pc:docMk/>
-            <pc:sldMk cId="1885158462" sldId="283"/>
-            <ac:picMk id="3" creationId="{83E4109A-5F0E-62C4-2DDC-A1744C5BE6B5}"/>
-          </ac:picMkLst>
-        </pc:picChg>
-        <pc:picChg chg="add mod">
-          <ac:chgData name="Chuck Kiefriter" userId="c57348f7-b440-4861-a58f-c89f414ea74a" providerId="ADAL" clId="{C2FDF4A5-FE03-4269-B12C-3FB90C87A25C}" dt="2023-03-13T03:48:48.279" v="1104" actId="14100"/>
-          <ac:picMkLst>
-            <pc:docMk/>
-            <pc:sldMk cId="1885158462" sldId="283"/>
-            <ac:picMk id="4" creationId="{7C9F3104-C66F-0189-6D64-A0BDCF1B495F}"/>
-          </ac:picMkLst>
-        </pc:picChg>
       </pc:sldChg>
       <pc:sldChg chg="addSp delSp modSp add mod">
         <pc:chgData name="Chuck Kiefriter" userId="c57348f7-b440-4861-a58f-c89f414ea74a" providerId="ADAL" clId="{C2FDF4A5-FE03-4269-B12C-3FB90C87A25C}" dt="2023-03-13T05:14:58.184" v="1547" actId="1076"/>
@@ -1356,62 +579,6 @@
           <pc:docMk/>
           <pc:sldMk cId="356231122" sldId="284"/>
         </pc:sldMkLst>
-        <pc:spChg chg="mod">
-          <ac:chgData name="Chuck Kiefriter" userId="c57348f7-b440-4861-a58f-c89f414ea74a" providerId="ADAL" clId="{C2FDF4A5-FE03-4269-B12C-3FB90C87A25C}" dt="2023-03-13T04:04:30.257" v="1330" actId="6549"/>
-          <ac:spMkLst>
-            <pc:docMk/>
-            <pc:sldMk cId="356231122" sldId="284"/>
-            <ac:spMk id="5" creationId="{9DB63145-E59C-9501-8AA5-4E6AC5C0D40F}"/>
-          </ac:spMkLst>
-        </pc:spChg>
-        <pc:spChg chg="mod">
-          <ac:chgData name="Chuck Kiefriter" userId="c57348f7-b440-4861-a58f-c89f414ea74a" providerId="ADAL" clId="{C2FDF4A5-FE03-4269-B12C-3FB90C87A25C}" dt="2023-03-13T04:16:49.454" v="1346" actId="20577"/>
-          <ac:spMkLst>
-            <pc:docMk/>
-            <pc:sldMk cId="356231122" sldId="284"/>
-            <ac:spMk id="6" creationId="{59E906CD-110B-9D01-732C-2F21759B0265}"/>
-          </ac:spMkLst>
-        </pc:spChg>
-        <pc:spChg chg="add mod">
-          <ac:chgData name="Chuck Kiefriter" userId="c57348f7-b440-4861-a58f-c89f414ea74a" providerId="ADAL" clId="{C2FDF4A5-FE03-4269-B12C-3FB90C87A25C}" dt="2023-03-13T05:14:28.383" v="1543" actId="20577"/>
-          <ac:spMkLst>
-            <pc:docMk/>
-            <pc:sldMk cId="356231122" sldId="284"/>
-            <ac:spMk id="7" creationId="{0D7B1AC9-AF0D-D1E4-1224-879BDBE1A34A}"/>
-          </ac:spMkLst>
-        </pc:spChg>
-        <pc:spChg chg="del">
-          <ac:chgData name="Chuck Kiefriter" userId="c57348f7-b440-4861-a58f-c89f414ea74a" providerId="ADAL" clId="{C2FDF4A5-FE03-4269-B12C-3FB90C87A25C}" dt="2023-03-13T04:17:19.331" v="1350" actId="478"/>
-          <ac:spMkLst>
-            <pc:docMk/>
-            <pc:sldMk cId="356231122" sldId="284"/>
-            <ac:spMk id="8" creationId="{ECD506A8-B7B8-3E79-FA2D-BD62C204B827}"/>
-          </ac:spMkLst>
-        </pc:spChg>
-        <pc:spChg chg="add mod">
-          <ac:chgData name="Chuck Kiefriter" userId="c57348f7-b440-4861-a58f-c89f414ea74a" providerId="ADAL" clId="{C2FDF4A5-FE03-4269-B12C-3FB90C87A25C}" dt="2023-03-13T05:14:58.184" v="1547" actId="1076"/>
-          <ac:spMkLst>
-            <pc:docMk/>
-            <pc:sldMk cId="356231122" sldId="284"/>
-            <ac:spMk id="10" creationId="{C8C4555B-8EFA-1C02-2221-72E41215E9AF}"/>
-          </ac:spMkLst>
-        </pc:spChg>
-        <pc:picChg chg="add mod">
-          <ac:chgData name="Chuck Kiefriter" userId="c57348f7-b440-4861-a58f-c89f414ea74a" providerId="ADAL" clId="{C2FDF4A5-FE03-4269-B12C-3FB90C87A25C}" dt="2023-03-13T04:16:58.511" v="1349" actId="1076"/>
-          <ac:picMkLst>
-            <pc:docMk/>
-            <pc:sldMk cId="356231122" sldId="284"/>
-            <ac:picMk id="3" creationId="{49B9E586-0F7D-D4D2-6C77-8141EF05DCB2}"/>
-          </ac:picMkLst>
-        </pc:picChg>
-        <pc:picChg chg="del">
-          <ac:chgData name="Chuck Kiefriter" userId="c57348f7-b440-4861-a58f-c89f414ea74a" providerId="ADAL" clId="{C2FDF4A5-FE03-4269-B12C-3FB90C87A25C}" dt="2023-03-13T04:04:21.795" v="1328" actId="478"/>
-          <ac:picMkLst>
-            <pc:docMk/>
-            <pc:sldMk cId="356231122" sldId="284"/>
-            <ac:picMk id="4" creationId="{7C9F3104-C66F-0189-6D64-A0BDCF1B495F}"/>
-          </ac:picMkLst>
-        </pc:picChg>
       </pc:sldChg>
     </pc:docChg>
   </pc:docChgLst>
@@ -1428,70 +595,6 @@
           <pc:docMk/>
           <pc:sldMk cId="3995279466" sldId="256"/>
         </pc:sldMkLst>
-        <pc:spChg chg="del">
-          <ac:chgData name="Chuck Kiefriter" userId="c57348f7-b440-4861-a58f-c89f414ea74a" providerId="ADAL" clId="{CF84103F-70B6-4350-9F54-3D403F3ADED5}" dt="2023-03-27T13:16:23.084" v="151" actId="478"/>
-          <ac:spMkLst>
-            <pc:docMk/>
-            <pc:sldMk cId="3995279466" sldId="256"/>
-            <ac:spMk id="3" creationId="{A6B2E4B2-9556-220D-A265-44C9FD951EE6}"/>
-          </ac:spMkLst>
-        </pc:spChg>
-        <pc:spChg chg="del">
-          <ac:chgData name="Chuck Kiefriter" userId="c57348f7-b440-4861-a58f-c89f414ea74a" providerId="ADAL" clId="{CF84103F-70B6-4350-9F54-3D403F3ADED5}" dt="2023-03-27T13:23:55.407" v="152" actId="478"/>
-          <ac:spMkLst>
-            <pc:docMk/>
-            <pc:sldMk cId="3995279466" sldId="256"/>
-            <ac:spMk id="4" creationId="{2BADD1C9-CF72-0C69-861B-7E5D509DA5B2}"/>
-          </ac:spMkLst>
-        </pc:spChg>
-        <pc:spChg chg="mod">
-          <ac:chgData name="Chuck Kiefriter" userId="c57348f7-b440-4861-a58f-c89f414ea74a" providerId="ADAL" clId="{CF84103F-70B6-4350-9F54-3D403F3ADED5}" dt="2023-03-27T13:08:26.599" v="123" actId="6549"/>
-          <ac:spMkLst>
-            <pc:docMk/>
-            <pc:sldMk cId="3995279466" sldId="256"/>
-            <ac:spMk id="6" creationId="{DE3DBA5A-FA8E-46C6-1402-E5C7632F4CAD}"/>
-          </ac:spMkLst>
-        </pc:spChg>
-        <pc:spChg chg="del">
-          <ac:chgData name="Chuck Kiefriter" userId="c57348f7-b440-4861-a58f-c89f414ea74a" providerId="ADAL" clId="{CF84103F-70B6-4350-9F54-3D403F3ADED5}" dt="2023-03-27T13:23:55.407" v="152" actId="478"/>
-          <ac:spMkLst>
-            <pc:docMk/>
-            <pc:sldMk cId="3995279466" sldId="256"/>
-            <ac:spMk id="7" creationId="{4F528AA2-6361-22B4-C232-EF99675F9D72}"/>
-          </ac:spMkLst>
-        </pc:spChg>
-        <pc:spChg chg="del">
-          <ac:chgData name="Chuck Kiefriter" userId="c57348f7-b440-4861-a58f-c89f414ea74a" providerId="ADAL" clId="{CF84103F-70B6-4350-9F54-3D403F3ADED5}" dt="2023-03-27T13:23:55.407" v="152" actId="478"/>
-          <ac:spMkLst>
-            <pc:docMk/>
-            <pc:sldMk cId="3995279466" sldId="256"/>
-            <ac:spMk id="9" creationId="{06F995E6-DACC-B060-CDB5-BB562B195537}"/>
-          </ac:spMkLst>
-        </pc:spChg>
-        <pc:spChg chg="mod">
-          <ac:chgData name="Chuck Kiefriter" userId="c57348f7-b440-4861-a58f-c89f414ea74a" providerId="ADAL" clId="{CF84103F-70B6-4350-9F54-3D403F3ADED5}" dt="2023-03-28T22:40:46.669" v="447" actId="20577"/>
-          <ac:spMkLst>
-            <pc:docMk/>
-            <pc:sldMk cId="3995279466" sldId="256"/>
-            <ac:spMk id="10" creationId="{EA3D5ED0-1762-C438-DD7C-B32C5582A339}"/>
-          </ac:spMkLst>
-        </pc:spChg>
-        <pc:spChg chg="add mod">
-          <ac:chgData name="Chuck Kiefriter" userId="c57348f7-b440-4861-a58f-c89f414ea74a" providerId="ADAL" clId="{CF84103F-70B6-4350-9F54-3D403F3ADED5}" dt="2023-03-27T13:24:04.739" v="156" actId="1076"/>
-          <ac:spMkLst>
-            <pc:docMk/>
-            <pc:sldMk cId="3995279466" sldId="256"/>
-            <ac:spMk id="11" creationId="{8C44B216-C75C-0589-1A08-E1736DCD43C5}"/>
-          </ac:spMkLst>
-        </pc:spChg>
-        <pc:picChg chg="add mod">
-          <ac:chgData name="Chuck Kiefriter" userId="c57348f7-b440-4861-a58f-c89f414ea74a" providerId="ADAL" clId="{CF84103F-70B6-4350-9F54-3D403F3ADED5}" dt="2023-03-28T22:40:54.585" v="448" actId="1076"/>
-          <ac:picMkLst>
-            <pc:docMk/>
-            <pc:sldMk cId="3995279466" sldId="256"/>
-            <ac:picMk id="5" creationId="{C730C03D-0D57-7578-992D-93F2E9FFBCB8}"/>
-          </ac:picMkLst>
-        </pc:picChg>
       </pc:sldChg>
       <pc:sldChg chg="modSp mod">
         <pc:chgData name="Chuck Kiefriter" userId="c57348f7-b440-4861-a58f-c89f414ea74a" providerId="ADAL" clId="{CF84103F-70B6-4350-9F54-3D403F3ADED5}" dt="2023-03-27T13:03:24.138" v="67" actId="20577"/>
@@ -1499,14 +602,6 @@
           <pc:docMk/>
           <pc:sldMk cId="3194223319" sldId="263"/>
         </pc:sldMkLst>
-        <pc:spChg chg="mod">
-          <ac:chgData name="Chuck Kiefriter" userId="c57348f7-b440-4861-a58f-c89f414ea74a" providerId="ADAL" clId="{CF84103F-70B6-4350-9F54-3D403F3ADED5}" dt="2023-03-27T13:03:24.138" v="67" actId="20577"/>
-          <ac:spMkLst>
-            <pc:docMk/>
-            <pc:sldMk cId="3194223319" sldId="263"/>
-            <ac:spMk id="3" creationId="{23DFC7E9-54DD-38D7-0B9B-D34948D68CF9}"/>
-          </ac:spMkLst>
-        </pc:spChg>
       </pc:sldChg>
       <pc:sldChg chg="modSp mod">
         <pc:chgData name="Chuck Kiefriter" userId="c57348f7-b440-4861-a58f-c89f414ea74a" providerId="ADAL" clId="{CF84103F-70B6-4350-9F54-3D403F3ADED5}" dt="2023-03-27T13:05:54.496" v="94" actId="20577"/>
@@ -1514,14 +609,6 @@
           <pc:docMk/>
           <pc:sldMk cId="763182894" sldId="264"/>
         </pc:sldMkLst>
-        <pc:spChg chg="mod">
-          <ac:chgData name="Chuck Kiefriter" userId="c57348f7-b440-4861-a58f-c89f414ea74a" providerId="ADAL" clId="{CF84103F-70B6-4350-9F54-3D403F3ADED5}" dt="2023-03-27T13:05:54.496" v="94" actId="20577"/>
-          <ac:spMkLst>
-            <pc:docMk/>
-            <pc:sldMk cId="763182894" sldId="264"/>
-            <ac:spMk id="3" creationId="{23DFC7E9-54DD-38D7-0B9B-D34948D68CF9}"/>
-          </ac:spMkLst>
-        </pc:spChg>
       </pc:sldChg>
       <pc:sldChg chg="modSp mod">
         <pc:chgData name="Chuck Kiefriter" userId="c57348f7-b440-4861-a58f-c89f414ea74a" providerId="ADAL" clId="{CF84103F-70B6-4350-9F54-3D403F3ADED5}" dt="2023-03-27T13:41:57.924" v="224" actId="20577"/>
@@ -1529,14 +616,6 @@
           <pc:docMk/>
           <pc:sldMk cId="367428708" sldId="265"/>
         </pc:sldMkLst>
-        <pc:spChg chg="mod">
-          <ac:chgData name="Chuck Kiefriter" userId="c57348f7-b440-4861-a58f-c89f414ea74a" providerId="ADAL" clId="{CF84103F-70B6-4350-9F54-3D403F3ADED5}" dt="2023-03-27T13:41:57.924" v="224" actId="20577"/>
-          <ac:spMkLst>
-            <pc:docMk/>
-            <pc:sldMk cId="367428708" sldId="265"/>
-            <ac:spMk id="3" creationId="{23DFC7E9-54DD-38D7-0B9B-D34948D68CF9}"/>
-          </ac:spMkLst>
-        </pc:spChg>
       </pc:sldChg>
       <pc:sldChg chg="del">
         <pc:chgData name="Chuck Kiefriter" userId="c57348f7-b440-4861-a58f-c89f414ea74a" providerId="ADAL" clId="{CF84103F-70B6-4350-9F54-3D403F3ADED5}" dt="2023-03-27T16:28:55.318" v="444" actId="47"/>
@@ -1558,54 +637,6 @@
           <pc:docMk/>
           <pc:sldMk cId="976671966" sldId="278"/>
         </pc:sldMkLst>
-        <pc:spChg chg="del">
-          <ac:chgData name="Chuck Kiefriter" userId="c57348f7-b440-4861-a58f-c89f414ea74a" providerId="ADAL" clId="{CF84103F-70B6-4350-9F54-3D403F3ADED5}" dt="2023-03-27T13:59:14.581" v="272" actId="478"/>
-          <ac:spMkLst>
-            <pc:docMk/>
-            <pc:sldMk cId="976671966" sldId="278"/>
-            <ac:spMk id="3" creationId="{AECD1743-AE1E-E8A6-57D4-D340FC95D16D}"/>
-          </ac:spMkLst>
-        </pc:spChg>
-        <pc:spChg chg="mod">
-          <ac:chgData name="Chuck Kiefriter" userId="c57348f7-b440-4861-a58f-c89f414ea74a" providerId="ADAL" clId="{CF84103F-70B6-4350-9F54-3D403F3ADED5}" dt="2023-03-27T16:08:13.455" v="409" actId="20577"/>
-          <ac:spMkLst>
-            <pc:docMk/>
-            <pc:sldMk cId="976671966" sldId="278"/>
-            <ac:spMk id="4" creationId="{C0B26727-0F97-5A73-B4ED-6BE65E07E5DB}"/>
-          </ac:spMkLst>
-        </pc:spChg>
-        <pc:spChg chg="add mod">
-          <ac:chgData name="Chuck Kiefriter" userId="c57348f7-b440-4861-a58f-c89f414ea74a" providerId="ADAL" clId="{CF84103F-70B6-4350-9F54-3D403F3ADED5}" dt="2023-03-27T13:59:25.995" v="277" actId="1076"/>
-          <ac:spMkLst>
-            <pc:docMk/>
-            <pc:sldMk cId="976671966" sldId="278"/>
-            <ac:spMk id="5" creationId="{983625D7-1156-1D51-0A49-6B0357B75EF4}"/>
-          </ac:spMkLst>
-        </pc:spChg>
-        <pc:spChg chg="mod">
-          <ac:chgData name="Chuck Kiefriter" userId="c57348f7-b440-4861-a58f-c89f414ea74a" providerId="ADAL" clId="{CF84103F-70B6-4350-9F54-3D403F3ADED5}" dt="2023-03-27T13:57:50.732" v="271" actId="20577"/>
-          <ac:spMkLst>
-            <pc:docMk/>
-            <pc:sldMk cId="976671966" sldId="278"/>
-            <ac:spMk id="6" creationId="{59E906CD-110B-9D01-732C-2F21759B0265}"/>
-          </ac:spMkLst>
-        </pc:spChg>
-        <pc:spChg chg="del">
-          <ac:chgData name="Chuck Kiefriter" userId="c57348f7-b440-4861-a58f-c89f414ea74a" providerId="ADAL" clId="{CF84103F-70B6-4350-9F54-3D403F3ADED5}" dt="2023-03-27T13:59:17.799" v="273" actId="478"/>
-          <ac:spMkLst>
-            <pc:docMk/>
-            <pc:sldMk cId="976671966" sldId="278"/>
-            <ac:spMk id="7" creationId="{5DAF20F1-2F34-F140-81DA-E78BF03C81E4}"/>
-          </ac:spMkLst>
-        </pc:spChg>
-        <pc:spChg chg="add mod">
-          <ac:chgData name="Chuck Kiefriter" userId="c57348f7-b440-4861-a58f-c89f414ea74a" providerId="ADAL" clId="{CF84103F-70B6-4350-9F54-3D403F3ADED5}" dt="2023-03-27T14:11:22.218" v="303" actId="1076"/>
-          <ac:spMkLst>
-            <pc:docMk/>
-            <pc:sldMk cId="976671966" sldId="278"/>
-            <ac:spMk id="9" creationId="{E3EBAC68-1411-42B9-71E1-6CD3E49066B5}"/>
-          </ac:spMkLst>
-        </pc:spChg>
       </pc:sldChg>
       <pc:sldChg chg="del">
         <pc:chgData name="Chuck Kiefriter" userId="c57348f7-b440-4861-a58f-c89f414ea74a" providerId="ADAL" clId="{CF84103F-70B6-4350-9F54-3D403F3ADED5}" dt="2023-03-27T16:28:55.318" v="444" actId="47"/>
@@ -1648,14 +679,6 @@
           <pc:docMk/>
           <pc:sldMk cId="424094208" sldId="287"/>
         </pc:sldMkLst>
-        <pc:spChg chg="del">
-          <ac:chgData name="Chuck Kiefriter" userId="c57348f7-b440-4861-a58f-c89f414ea74a" providerId="ADAL" clId="{CF84103F-70B6-4350-9F54-3D403F3ADED5}" dt="2023-03-27T16:42:44.630" v="445" actId="478"/>
-          <ac:spMkLst>
-            <pc:docMk/>
-            <pc:sldMk cId="424094208" sldId="287"/>
-            <ac:spMk id="3" creationId="{FF9F9172-C924-1C79-FA1B-3659223D7D26}"/>
-          </ac:spMkLst>
-        </pc:spChg>
       </pc:sldChg>
       <pc:sldChg chg="addSp delSp modSp add mod">
         <pc:chgData name="Chuck Kiefriter" userId="c57348f7-b440-4861-a58f-c89f414ea74a" providerId="ADAL" clId="{CF84103F-70B6-4350-9F54-3D403F3ADED5}" dt="2023-03-27T13:43:45.773" v="234" actId="207"/>
@@ -1663,62 +686,6 @@
           <pc:docMk/>
           <pc:sldMk cId="834285187" sldId="288"/>
         </pc:sldMkLst>
-        <pc:spChg chg="add mod">
-          <ac:chgData name="Chuck Kiefriter" userId="c57348f7-b440-4861-a58f-c89f414ea74a" providerId="ADAL" clId="{CF84103F-70B6-4350-9F54-3D403F3ADED5}" dt="2023-03-27T13:40:36.139" v="219" actId="1036"/>
-          <ac:spMkLst>
-            <pc:docMk/>
-            <pc:sldMk cId="834285187" sldId="288"/>
-            <ac:spMk id="3" creationId="{8D157F1D-E680-A6D6-BB28-7A7946F883FB}"/>
-          </ac:spMkLst>
-        </pc:spChg>
-        <pc:spChg chg="mod">
-          <ac:chgData name="Chuck Kiefriter" userId="c57348f7-b440-4861-a58f-c89f414ea74a" providerId="ADAL" clId="{CF84103F-70B6-4350-9F54-3D403F3ADED5}" dt="2023-03-27T13:25:39.267" v="169" actId="20577"/>
-          <ac:spMkLst>
-            <pc:docMk/>
-            <pc:sldMk cId="834285187" sldId="288"/>
-            <ac:spMk id="6" creationId="{DE3DBA5A-FA8E-46C6-1402-E5C7632F4CAD}"/>
-          </ac:spMkLst>
-        </pc:spChg>
-        <pc:spChg chg="add mod">
-          <ac:chgData name="Chuck Kiefriter" userId="c57348f7-b440-4861-a58f-c89f414ea74a" providerId="ADAL" clId="{CF84103F-70B6-4350-9F54-3D403F3ADED5}" dt="2023-03-27T13:40:36.139" v="219" actId="1036"/>
-          <ac:spMkLst>
-            <pc:docMk/>
-            <pc:sldMk cId="834285187" sldId="288"/>
-            <ac:spMk id="7" creationId="{B27C446A-3693-8342-118A-4E40973305E5}"/>
-          </ac:spMkLst>
-        </pc:spChg>
-        <pc:spChg chg="mod">
-          <ac:chgData name="Chuck Kiefriter" userId="c57348f7-b440-4861-a58f-c89f414ea74a" providerId="ADAL" clId="{CF84103F-70B6-4350-9F54-3D403F3ADED5}" dt="2023-03-27T13:43:45.773" v="234" actId="207"/>
-          <ac:spMkLst>
-            <pc:docMk/>
-            <pc:sldMk cId="834285187" sldId="288"/>
-            <ac:spMk id="10" creationId="{EA3D5ED0-1762-C438-DD7C-B32C5582A339}"/>
-          </ac:spMkLst>
-        </pc:spChg>
-        <pc:spChg chg="mod">
-          <ac:chgData name="Chuck Kiefriter" userId="c57348f7-b440-4861-a58f-c89f414ea74a" providerId="ADAL" clId="{CF84103F-70B6-4350-9F54-3D403F3ADED5}" dt="2023-03-27T13:40:36.139" v="219" actId="1036"/>
-          <ac:spMkLst>
-            <pc:docMk/>
-            <pc:sldMk cId="834285187" sldId="288"/>
-            <ac:spMk id="11" creationId="{8C44B216-C75C-0589-1A08-E1736DCD43C5}"/>
-          </ac:spMkLst>
-        </pc:spChg>
-        <pc:picChg chg="del">
-          <ac:chgData name="Chuck Kiefriter" userId="c57348f7-b440-4861-a58f-c89f414ea74a" providerId="ADAL" clId="{CF84103F-70B6-4350-9F54-3D403F3ADED5}" dt="2023-03-27T13:28:16.425" v="175" actId="478"/>
-          <ac:picMkLst>
-            <pc:docMk/>
-            <pc:sldMk cId="834285187" sldId="288"/>
-            <ac:picMk id="5" creationId="{C730C03D-0D57-7578-992D-93F2E9FFBCB8}"/>
-          </ac:picMkLst>
-        </pc:picChg>
-        <pc:picChg chg="add mod">
-          <ac:chgData name="Chuck Kiefriter" userId="c57348f7-b440-4861-a58f-c89f414ea74a" providerId="ADAL" clId="{CF84103F-70B6-4350-9F54-3D403F3ADED5}" dt="2023-03-27T13:43:21.449" v="232" actId="1076"/>
-          <ac:picMkLst>
-            <pc:docMk/>
-            <pc:sldMk cId="834285187" sldId="288"/>
-            <ac:picMk id="9" creationId="{1181B07C-8BAD-D8FC-AA78-3986B3C73DD9}"/>
-          </ac:picMkLst>
-        </pc:picChg>
       </pc:sldChg>
       <pc:sldChg chg="addSp delSp modSp add mod">
         <pc:chgData name="Chuck Kiefriter" userId="c57348f7-b440-4861-a58f-c89f414ea74a" providerId="ADAL" clId="{CF84103F-70B6-4350-9F54-3D403F3ADED5}" dt="2023-03-27T16:11:48.434" v="427" actId="1076"/>
@@ -1726,38 +693,6 @@
           <pc:docMk/>
           <pc:sldMk cId="3007476099" sldId="289"/>
         </pc:sldMkLst>
-        <pc:spChg chg="del">
-          <ac:chgData name="Chuck Kiefriter" userId="c57348f7-b440-4861-a58f-c89f414ea74a" providerId="ADAL" clId="{CF84103F-70B6-4350-9F54-3D403F3ADED5}" dt="2023-03-27T16:10:17.299" v="422" actId="478"/>
-          <ac:spMkLst>
-            <pc:docMk/>
-            <pc:sldMk cId="3007476099" sldId="289"/>
-            <ac:spMk id="3" creationId="{AECD1743-AE1E-E8A6-57D4-D340FC95D16D}"/>
-          </ac:spMkLst>
-        </pc:spChg>
-        <pc:spChg chg="mod">
-          <ac:chgData name="Chuck Kiefriter" userId="c57348f7-b440-4861-a58f-c89f414ea74a" providerId="ADAL" clId="{CF84103F-70B6-4350-9F54-3D403F3ADED5}" dt="2023-03-27T14:39:45.301" v="397" actId="21"/>
-          <ac:spMkLst>
-            <pc:docMk/>
-            <pc:sldMk cId="3007476099" sldId="289"/>
-            <ac:spMk id="4" creationId="{C0B26727-0F97-5A73-B4ED-6BE65E07E5DB}"/>
-          </ac:spMkLst>
-        </pc:spChg>
-        <pc:spChg chg="add mod">
-          <ac:chgData name="Chuck Kiefriter" userId="c57348f7-b440-4861-a58f-c89f414ea74a" providerId="ADAL" clId="{CF84103F-70B6-4350-9F54-3D403F3ADED5}" dt="2023-03-27T16:11:48.434" v="427" actId="1076"/>
-          <ac:spMkLst>
-            <pc:docMk/>
-            <pc:sldMk cId="3007476099" sldId="289"/>
-            <ac:spMk id="5" creationId="{B437B980-7F96-675E-3EC5-34BF0DF65123}"/>
-          </ac:spMkLst>
-        </pc:spChg>
-        <pc:spChg chg="del">
-          <ac:chgData name="Chuck Kiefriter" userId="c57348f7-b440-4861-a58f-c89f414ea74a" providerId="ADAL" clId="{CF84103F-70B6-4350-9F54-3D403F3ADED5}" dt="2023-03-27T16:10:17.299" v="422" actId="478"/>
-          <ac:spMkLst>
-            <pc:docMk/>
-            <pc:sldMk cId="3007476099" sldId="289"/>
-            <ac:spMk id="7" creationId="{5DAF20F1-2F34-F140-81DA-E78BF03C81E4}"/>
-          </ac:spMkLst>
-        </pc:spChg>
       </pc:sldChg>
       <pc:sldChg chg="addSp delSp modSp add mod">
         <pc:chgData name="Chuck Kiefriter" userId="c57348f7-b440-4861-a58f-c89f414ea74a" providerId="ADAL" clId="{CF84103F-70B6-4350-9F54-3D403F3ADED5}" dt="2023-03-27T16:12:04.772" v="428"/>
@@ -1765,46 +700,6 @@
           <pc:docMk/>
           <pc:sldMk cId="2491041013" sldId="290"/>
         </pc:sldMkLst>
-        <pc:spChg chg="add del">
-          <ac:chgData name="Chuck Kiefriter" userId="c57348f7-b440-4861-a58f-c89f414ea74a" providerId="ADAL" clId="{CF84103F-70B6-4350-9F54-3D403F3ADED5}" dt="2023-03-27T14:37:24.008" v="384"/>
-          <ac:spMkLst>
-            <pc:docMk/>
-            <pc:sldMk cId="2491041013" sldId="290"/>
-            <ac:spMk id="2" creationId="{89DCA837-07AF-67B2-CEEA-D36A59744D44}"/>
-          </ac:spMkLst>
-        </pc:spChg>
-        <pc:spChg chg="del mod">
-          <ac:chgData name="Chuck Kiefriter" userId="c57348f7-b440-4861-a58f-c89f414ea74a" providerId="ADAL" clId="{CF84103F-70B6-4350-9F54-3D403F3ADED5}" dt="2023-03-27T16:10:13.084" v="421" actId="478"/>
-          <ac:spMkLst>
-            <pc:docMk/>
-            <pc:sldMk cId="2491041013" sldId="290"/>
-            <ac:spMk id="3" creationId="{AECD1743-AE1E-E8A6-57D4-D340FC95D16D}"/>
-          </ac:spMkLst>
-        </pc:spChg>
-        <pc:spChg chg="mod">
-          <ac:chgData name="Chuck Kiefriter" userId="c57348f7-b440-4861-a58f-c89f414ea74a" providerId="ADAL" clId="{CF84103F-70B6-4350-9F54-3D403F3ADED5}" dt="2023-03-27T14:39:58.389" v="401"/>
-          <ac:spMkLst>
-            <pc:docMk/>
-            <pc:sldMk cId="2491041013" sldId="290"/>
-            <ac:spMk id="4" creationId="{C0B26727-0F97-5A73-B4ED-6BE65E07E5DB}"/>
-          </ac:spMkLst>
-        </pc:spChg>
-        <pc:spChg chg="add mod">
-          <ac:chgData name="Chuck Kiefriter" userId="c57348f7-b440-4861-a58f-c89f414ea74a" providerId="ADAL" clId="{CF84103F-70B6-4350-9F54-3D403F3ADED5}" dt="2023-03-27T16:12:04.772" v="428"/>
-          <ac:spMkLst>
-            <pc:docMk/>
-            <pc:sldMk cId="2491041013" sldId="290"/>
-            <ac:spMk id="5" creationId="{468397A7-672B-24AB-3F61-0F9A073389EE}"/>
-          </ac:spMkLst>
-        </pc:spChg>
-        <pc:spChg chg="del">
-          <ac:chgData name="Chuck Kiefriter" userId="c57348f7-b440-4861-a58f-c89f414ea74a" providerId="ADAL" clId="{CF84103F-70B6-4350-9F54-3D403F3ADED5}" dt="2023-03-27T16:10:13.084" v="421" actId="478"/>
-          <ac:spMkLst>
-            <pc:docMk/>
-            <pc:sldMk cId="2491041013" sldId="290"/>
-            <ac:spMk id="7" creationId="{5DAF20F1-2F34-F140-81DA-E78BF03C81E4}"/>
-          </ac:spMkLst>
-        </pc:spChg>
       </pc:sldChg>
       <pc:sldChg chg="addSp delSp modSp add mod">
         <pc:chgData name="Chuck Kiefriter" userId="c57348f7-b440-4861-a58f-c89f414ea74a" providerId="ADAL" clId="{CF84103F-70B6-4350-9F54-3D403F3ADED5}" dt="2023-03-27T16:28:36.066" v="443" actId="1076"/>
@@ -1812,54 +707,6 @@
           <pc:docMk/>
           <pc:sldMk cId="491903796" sldId="291"/>
         </pc:sldMkLst>
-        <pc:spChg chg="add del">
-          <ac:chgData name="Chuck Kiefriter" userId="c57348f7-b440-4861-a58f-c89f414ea74a" providerId="ADAL" clId="{CF84103F-70B6-4350-9F54-3D403F3ADED5}" dt="2023-03-27T16:15:10.351" v="434"/>
-          <ac:spMkLst>
-            <pc:docMk/>
-            <pc:sldMk cId="491903796" sldId="291"/>
-            <ac:spMk id="2" creationId="{AA994569-A65E-161B-E6B1-415375FF06B6}"/>
-          </ac:spMkLst>
-        </pc:spChg>
-        <pc:spChg chg="del">
-          <ac:chgData name="Chuck Kiefriter" userId="c57348f7-b440-4861-a58f-c89f414ea74a" providerId="ADAL" clId="{CF84103F-70B6-4350-9F54-3D403F3ADED5}" dt="2023-03-27T16:10:06.421" v="419" actId="478"/>
-          <ac:spMkLst>
-            <pc:docMk/>
-            <pc:sldMk cId="491903796" sldId="291"/>
-            <ac:spMk id="3" creationId="{AECD1743-AE1E-E8A6-57D4-D340FC95D16D}"/>
-          </ac:spMkLst>
-        </pc:spChg>
-        <pc:spChg chg="mod">
-          <ac:chgData name="Chuck Kiefriter" userId="c57348f7-b440-4861-a58f-c89f414ea74a" providerId="ADAL" clId="{CF84103F-70B6-4350-9F54-3D403F3ADED5}" dt="2023-03-27T16:15:39.587" v="439" actId="207"/>
-          <ac:spMkLst>
-            <pc:docMk/>
-            <pc:sldMk cId="491903796" sldId="291"/>
-            <ac:spMk id="4" creationId="{C0B26727-0F97-5A73-B4ED-6BE65E07E5DB}"/>
-          </ac:spMkLst>
-        </pc:spChg>
-        <pc:spChg chg="mod">
-          <ac:chgData name="Chuck Kiefriter" userId="c57348f7-b440-4861-a58f-c89f414ea74a" providerId="ADAL" clId="{CF84103F-70B6-4350-9F54-3D403F3ADED5}" dt="2023-03-27T16:09:40.239" v="414" actId="20577"/>
-          <ac:spMkLst>
-            <pc:docMk/>
-            <pc:sldMk cId="491903796" sldId="291"/>
-            <ac:spMk id="6" creationId="{59E906CD-110B-9D01-732C-2F21759B0265}"/>
-          </ac:spMkLst>
-        </pc:spChg>
-        <pc:spChg chg="del">
-          <ac:chgData name="Chuck Kiefriter" userId="c57348f7-b440-4861-a58f-c89f414ea74a" providerId="ADAL" clId="{CF84103F-70B6-4350-9F54-3D403F3ADED5}" dt="2023-03-27T16:10:06.421" v="419" actId="478"/>
-          <ac:spMkLst>
-            <pc:docMk/>
-            <pc:sldMk cId="491903796" sldId="291"/>
-            <ac:spMk id="7" creationId="{5DAF20F1-2F34-F140-81DA-E78BF03C81E4}"/>
-          </ac:spMkLst>
-        </pc:spChg>
-        <pc:spChg chg="add mod">
-          <ac:chgData name="Chuck Kiefriter" userId="c57348f7-b440-4861-a58f-c89f414ea74a" providerId="ADAL" clId="{CF84103F-70B6-4350-9F54-3D403F3ADED5}" dt="2023-03-27T16:28:36.066" v="443" actId="1076"/>
-          <ac:spMkLst>
-            <pc:docMk/>
-            <pc:sldMk cId="491903796" sldId="291"/>
-            <ac:spMk id="8" creationId="{7C40366F-ED76-9B97-8CF7-3BAFEF94FE77}"/>
-          </ac:spMkLst>
-        </pc:spChg>
       </pc:sldChg>
       <pc:sldChg chg="delSp modSp add mod ord">
         <pc:chgData name="Chuck Kiefriter" userId="c57348f7-b440-4861-a58f-c89f414ea74a" providerId="ADAL" clId="{CF84103F-70B6-4350-9F54-3D403F3ADED5}" dt="2023-03-29T00:40:29.287" v="501" actId="207"/>
@@ -1867,30 +714,6 @@
           <pc:docMk/>
           <pc:sldMk cId="1538833485" sldId="292"/>
         </pc:sldMkLst>
-        <pc:spChg chg="mod">
-          <ac:chgData name="Chuck Kiefriter" userId="c57348f7-b440-4861-a58f-c89f414ea74a" providerId="ADAL" clId="{CF84103F-70B6-4350-9F54-3D403F3ADED5}" dt="2023-03-29T00:40:29.287" v="501" actId="207"/>
-          <ac:spMkLst>
-            <pc:docMk/>
-            <pc:sldMk cId="1538833485" sldId="292"/>
-            <ac:spMk id="4" creationId="{C0B26727-0F97-5A73-B4ED-6BE65E07E5DB}"/>
-          </ac:spMkLst>
-        </pc:spChg>
-        <pc:spChg chg="del">
-          <ac:chgData name="Chuck Kiefriter" userId="c57348f7-b440-4861-a58f-c89f414ea74a" providerId="ADAL" clId="{CF84103F-70B6-4350-9F54-3D403F3ADED5}" dt="2023-03-29T00:40:19.373" v="500" actId="478"/>
-          <ac:spMkLst>
-            <pc:docMk/>
-            <pc:sldMk cId="1538833485" sldId="292"/>
-            <ac:spMk id="5" creationId="{468397A7-672B-24AB-3F61-0F9A073389EE}"/>
-          </ac:spMkLst>
-        </pc:spChg>
-        <pc:spChg chg="mod">
-          <ac:chgData name="Chuck Kiefriter" userId="c57348f7-b440-4861-a58f-c89f414ea74a" providerId="ADAL" clId="{CF84103F-70B6-4350-9F54-3D403F3ADED5}" dt="2023-03-29T00:39:14.001" v="476" actId="20577"/>
-          <ac:spMkLst>
-            <pc:docMk/>
-            <pc:sldMk cId="1538833485" sldId="292"/>
-            <ac:spMk id="6" creationId="{59E906CD-110B-9D01-732C-2F21759B0265}"/>
-          </ac:spMkLst>
-        </pc:spChg>
       </pc:sldChg>
     </pc:docChg>
   </pc:docChgLst>
@@ -1907,14 +730,6 @@
           <pc:docMk/>
           <pc:sldMk cId="3194223319" sldId="263"/>
         </pc:sldMkLst>
-        <pc:spChg chg="mod">
-          <ac:chgData name="Chuck Kiefriter" userId="a996b49251c4dfd2" providerId="LiveId" clId="{2697E729-9D9A-438C-B341-43C1F5F37DD7}" dt="2024-02-28T21:57:15.131" v="28" actId="20577"/>
-          <ac:spMkLst>
-            <pc:docMk/>
-            <pc:sldMk cId="3194223319" sldId="263"/>
-            <ac:spMk id="3" creationId="{23DFC7E9-54DD-38D7-0B9B-D34948D68CF9}"/>
-          </ac:spMkLst>
-        </pc:spChg>
       </pc:sldChg>
       <pc:sldChg chg="modSp mod">
         <pc:chgData name="Chuck Kiefriter" userId="a996b49251c4dfd2" providerId="LiveId" clId="{2697E729-9D9A-438C-B341-43C1F5F37DD7}" dt="2024-02-28T22:42:27.548" v="156" actId="20577"/>
@@ -1922,14 +737,6 @@
           <pc:docMk/>
           <pc:sldMk cId="367428708" sldId="265"/>
         </pc:sldMkLst>
-        <pc:spChg chg="mod">
-          <ac:chgData name="Chuck Kiefriter" userId="a996b49251c4dfd2" providerId="LiveId" clId="{2697E729-9D9A-438C-B341-43C1F5F37DD7}" dt="2024-02-28T22:42:27.548" v="156" actId="20577"/>
-          <ac:spMkLst>
-            <pc:docMk/>
-            <pc:sldMk cId="367428708" sldId="265"/>
-            <ac:spMk id="3" creationId="{23DFC7E9-54DD-38D7-0B9B-D34948D68CF9}"/>
-          </ac:spMkLst>
-        </pc:spChg>
       </pc:sldChg>
       <pc:sldChg chg="add">
         <pc:chgData name="Chuck Kiefriter" userId="a996b49251c4dfd2" providerId="LiveId" clId="{2697E729-9D9A-438C-B341-43C1F5F37DD7}" dt="2024-02-28T22:39:12.377" v="29"/>
@@ -2097,7 +904,7 @@
           <a:p>
             <a:fld id="{33D569A9-A222-4DCC-AF28-BB813B4F2ABB}" type="datetimeFigureOut">
               <a:rPr lang="en-US" smtClean="0"/>
-              <a:t>8/28/2024</a:t>
+              <a:t>4/24/2025</a:t>
             </a:fld>
             <a:endParaRPr lang="en-US"/>
           </a:p>
@@ -2385,7 +1192,7 @@
           <a:p>
             <a:fld id="{33D569A9-A222-4DCC-AF28-BB813B4F2ABB}" type="datetimeFigureOut">
               <a:rPr lang="en-US" smtClean="0"/>
-              <a:t>8/28/2024</a:t>
+              <a:t>4/24/2025</a:t>
             </a:fld>
             <a:endParaRPr lang="en-US"/>
           </a:p>
@@ -2583,7 +1390,7 @@
           <a:p>
             <a:fld id="{33D569A9-A222-4DCC-AF28-BB813B4F2ABB}" type="datetimeFigureOut">
               <a:rPr lang="en-US" smtClean="0"/>
-              <a:t>8/28/2024</a:t>
+              <a:t>4/24/2025</a:t>
             </a:fld>
             <a:endParaRPr lang="en-US"/>
           </a:p>
@@ -2791,7 +1598,7 @@
           <a:p>
             <a:fld id="{33D569A9-A222-4DCC-AF28-BB813B4F2ABB}" type="datetimeFigureOut">
               <a:rPr lang="en-US" smtClean="0"/>
-              <a:t>8/28/2024</a:t>
+              <a:t>4/24/2025</a:t>
             </a:fld>
             <a:endParaRPr lang="en-US"/>
           </a:p>
@@ -2989,7 +1796,7 @@
           <a:p>
             <a:fld id="{33D569A9-A222-4DCC-AF28-BB813B4F2ABB}" type="datetimeFigureOut">
               <a:rPr lang="en-US" smtClean="0"/>
-              <a:t>8/28/2024</a:t>
+              <a:t>4/24/2025</a:t>
             </a:fld>
             <a:endParaRPr lang="en-US"/>
           </a:p>
@@ -3264,7 +2071,7 @@
           <a:p>
             <a:fld id="{33D569A9-A222-4DCC-AF28-BB813B4F2ABB}" type="datetimeFigureOut">
               <a:rPr lang="en-US" smtClean="0"/>
-              <a:t>8/28/2024</a:t>
+              <a:t>4/24/2025</a:t>
             </a:fld>
             <a:endParaRPr lang="en-US"/>
           </a:p>
@@ -3529,7 +2336,7 @@
           <a:p>
             <a:fld id="{33D569A9-A222-4DCC-AF28-BB813B4F2ABB}" type="datetimeFigureOut">
               <a:rPr lang="en-US" smtClean="0"/>
-              <a:t>8/28/2024</a:t>
+              <a:t>4/24/2025</a:t>
             </a:fld>
             <a:endParaRPr lang="en-US"/>
           </a:p>
@@ -3941,7 +2748,7 @@
           <a:p>
             <a:fld id="{33D569A9-A222-4DCC-AF28-BB813B4F2ABB}" type="datetimeFigureOut">
               <a:rPr lang="en-US" smtClean="0"/>
-              <a:t>8/28/2024</a:t>
+              <a:t>4/24/2025</a:t>
             </a:fld>
             <a:endParaRPr lang="en-US"/>
           </a:p>
@@ -4082,7 +2889,7 @@
           <a:p>
             <a:fld id="{33D569A9-A222-4DCC-AF28-BB813B4F2ABB}" type="datetimeFigureOut">
               <a:rPr lang="en-US" smtClean="0"/>
-              <a:t>8/28/2024</a:t>
+              <a:t>4/24/2025</a:t>
             </a:fld>
             <a:endParaRPr lang="en-US"/>
           </a:p>
@@ -4195,7 +3002,7 @@
           <a:p>
             <a:fld id="{33D569A9-A222-4DCC-AF28-BB813B4F2ABB}" type="datetimeFigureOut">
               <a:rPr lang="en-US" smtClean="0"/>
-              <a:t>8/28/2024</a:t>
+              <a:t>4/24/2025</a:t>
             </a:fld>
             <a:endParaRPr lang="en-US"/>
           </a:p>
@@ -4541,7 +3348,7 @@
           <a:p>
             <a:fld id="{33D569A9-A222-4DCC-AF28-BB813B4F2ABB}" type="datetimeFigureOut">
               <a:rPr lang="en-US" smtClean="0"/>
-              <a:t>8/28/2024</a:t>
+              <a:t>4/24/2025</a:t>
             </a:fld>
             <a:endParaRPr lang="en-US"/>
           </a:p>
@@ -4782,7 +3589,7 @@
           <a:p>
             <a:fld id="{33D569A9-A222-4DCC-AF28-BB813B4F2ABB}" type="datetimeFigureOut">
               <a:rPr lang="en-US" smtClean="0"/>
-              <a:t>8/28/2024</a:t>
+              <a:t>4/24/2025</a:t>
             </a:fld>
             <a:endParaRPr lang="en-US"/>
           </a:p>
@@ -5618,8 +4425,8 @@
         </p:nvSpPr>
         <p:spPr>
           <a:xfrm>
-            <a:off x="176169" y="465956"/>
-            <a:ext cx="11931637" cy="5724644"/>
+            <a:off x="193251" y="624665"/>
+            <a:ext cx="11931637" cy="5355312"/>
           </a:xfrm>
           <a:prstGeom prst="rect">
             <a:avLst/>
@@ -5643,7 +4450,7 @@
                 <a:effectLst/>
                 <a:latin typeface="Open Sans" panose="020B0606030504020204" pitchFamily="34" charset="0"/>
               </a:rPr>
-              <a:t>Lists are used to "collect"  elements.   By creating a List, you can </a:t>
+              <a:t>A </a:t>
             </a:r>
             <a:r>
               <a:rPr lang="en-US" b="0" i="0" dirty="0">
@@ -5653,63 +4460,19 @@
                 <a:effectLst/>
                 <a:latin typeface="Open Sans" panose="020B0606030504020204" pitchFamily="34" charset="0"/>
               </a:rPr>
-              <a:t>store any number of elements</a:t>
-            </a:r>
-            <a:r>
-              <a:rPr lang="en-US" b="0" i="0" dirty="0">
-                <a:solidFill>
-                  <a:schemeClr val="tx1">
-                    <a:lumMod val="85000"/>
-                  </a:schemeClr>
-                </a:solidFill>
-                <a:effectLst/>
-                <a:latin typeface="Open Sans" panose="020B0606030504020204" pitchFamily="34" charset="0"/>
-              </a:rPr>
-              <a:t>,  </a:t>
-            </a:r>
-            <a:r>
-              <a:rPr lang="en-US" b="0" i="0" dirty="0">
-                <a:solidFill>
-                  <a:srgbClr val="00B0F0"/>
-                </a:solidFill>
-                <a:effectLst/>
-                <a:latin typeface="Open Sans" panose="020B0606030504020204" pitchFamily="34" charset="0"/>
-              </a:rPr>
-              <a:t>dynamically modifying the List</a:t>
-            </a:r>
-            <a:r>
-              <a:rPr lang="en-US" b="0" i="0" dirty="0">
-                <a:solidFill>
-                  <a:schemeClr val="tx1">
-                    <a:lumMod val="85000"/>
-                  </a:schemeClr>
-                </a:solidFill>
-                <a:effectLst/>
-                <a:latin typeface="Open Sans" panose="020B0606030504020204" pitchFamily="34" charset="0"/>
-              </a:rPr>
-              <a:t>, and the location of each item is managed by the List.  Each element is accessible through a </a:t>
-            </a:r>
-            <a:r>
-              <a:rPr lang="en-US" b="0" i="0" dirty="0">
-                <a:solidFill>
-                  <a:srgbClr val="00B0F0"/>
-                </a:solidFill>
-                <a:effectLst/>
-                <a:latin typeface="Open Sans" panose="020B0606030504020204" pitchFamily="34" charset="0"/>
-              </a:rPr>
-              <a:t>variable that you declare as a List</a:t>
-            </a:r>
-            <a:r>
-              <a:rPr lang="en-US" b="0" i="0" dirty="0">
-                <a:solidFill>
-                  <a:schemeClr val="tx1">
-                    <a:lumMod val="85000"/>
-                  </a:schemeClr>
-                </a:solidFill>
-                <a:effectLst/>
-                <a:latin typeface="Open Sans" panose="020B0606030504020204" pitchFamily="34" charset="0"/>
-              </a:rPr>
-              <a:t>.</a:t>
+              <a:t>List is an ordered Collection (sometimes called a sequence)</a:t>
+            </a:r>
+            <a:r>
+              <a:rPr lang="en-US" b="0" i="0" dirty="0">
+                <a:solidFill>
+                  <a:schemeClr val="tx1">
+                    <a:lumMod val="85000"/>
+                  </a:schemeClr>
+                </a:solidFill>
+                <a:effectLst/>
+                <a:latin typeface="Open Sans" panose="020B0606030504020204" pitchFamily="34" charset="0"/>
+              </a:rPr>
+              <a:t>. Lists may contain duplicate elements. In addition to the operations inherited from Collection, the List interface includes operations for the following:</a:t>
             </a:r>
           </a:p>
           <a:p>
@@ -5725,238 +4488,247 @@
             </a:endParaRPr>
           </a:p>
           <a:p>
+            <a:pPr marL="285750" indent="-285750" algn="l">
+              <a:buFont typeface="Arial" panose="020B0604020202020204" pitchFamily="34" charset="0"/>
+              <a:buChar char="•"/>
+            </a:pPr>
+            <a:r>
+              <a:rPr lang="en-US" b="0" i="0" dirty="0">
+                <a:solidFill>
+                  <a:srgbClr val="00B0F0"/>
+                </a:solidFill>
+                <a:effectLst/>
+                <a:latin typeface="Open Sans" panose="020B0606030504020204" pitchFamily="34" charset="0"/>
+              </a:rPr>
+              <a:t>Positional access </a:t>
+            </a:r>
+            <a:r>
+              <a:rPr lang="en-US" b="0" i="0" dirty="0">
+                <a:solidFill>
+                  <a:schemeClr val="tx1">
+                    <a:lumMod val="85000"/>
+                  </a:schemeClr>
+                </a:solidFill>
+                <a:effectLst/>
+                <a:latin typeface="Open Sans" panose="020B0606030504020204" pitchFamily="34" charset="0"/>
+              </a:rPr>
+              <a:t>— manipulates elements based on their numerical position in the list. This includes methods such as get, set, add, </a:t>
+            </a:r>
+            <a:r>
+              <a:rPr lang="en-US" b="0" i="0" dirty="0" err="1">
+                <a:solidFill>
+                  <a:schemeClr val="tx1">
+                    <a:lumMod val="85000"/>
+                  </a:schemeClr>
+                </a:solidFill>
+                <a:effectLst/>
+                <a:latin typeface="Open Sans" panose="020B0606030504020204" pitchFamily="34" charset="0"/>
+              </a:rPr>
+              <a:t>addAll</a:t>
+            </a:r>
+            <a:r>
+              <a:rPr lang="en-US" b="0" i="0" dirty="0">
+                <a:solidFill>
+                  <a:schemeClr val="tx1">
+                    <a:lumMod val="85000"/>
+                  </a:schemeClr>
+                </a:solidFill>
+                <a:effectLst/>
+                <a:latin typeface="Open Sans" panose="020B0606030504020204" pitchFamily="34" charset="0"/>
+              </a:rPr>
+              <a:t>, and remove.</a:t>
+            </a:r>
+          </a:p>
+          <a:p>
+            <a:pPr marL="285750" indent="-285750" algn="l">
+              <a:buFont typeface="Arial" panose="020B0604020202020204" pitchFamily="34" charset="0"/>
+              <a:buChar char="•"/>
+            </a:pPr>
+            <a:r>
+              <a:rPr lang="en-US" b="0" i="0" dirty="0">
+                <a:solidFill>
+                  <a:srgbClr val="00B0F0"/>
+                </a:solidFill>
+                <a:effectLst/>
+                <a:latin typeface="Open Sans" panose="020B0606030504020204" pitchFamily="34" charset="0"/>
+              </a:rPr>
+              <a:t>Search</a:t>
+            </a:r>
+            <a:r>
+              <a:rPr lang="en-US" b="0" i="0" dirty="0">
+                <a:solidFill>
+                  <a:schemeClr val="tx1">
+                    <a:lumMod val="85000"/>
+                  </a:schemeClr>
+                </a:solidFill>
+                <a:effectLst/>
+                <a:latin typeface="Open Sans" panose="020B0606030504020204" pitchFamily="34" charset="0"/>
+              </a:rPr>
+              <a:t> — searches for a specified object in the list and returns its numerical position. Search methods include </a:t>
+            </a:r>
+            <a:r>
+              <a:rPr lang="en-US" b="0" i="0" dirty="0" err="1">
+                <a:solidFill>
+                  <a:schemeClr val="tx1">
+                    <a:lumMod val="85000"/>
+                  </a:schemeClr>
+                </a:solidFill>
+                <a:effectLst/>
+                <a:latin typeface="Open Sans" panose="020B0606030504020204" pitchFamily="34" charset="0"/>
+              </a:rPr>
+              <a:t>indexOf</a:t>
+            </a:r>
+            <a:r>
+              <a:rPr lang="en-US" b="0" i="0" dirty="0">
+                <a:solidFill>
+                  <a:schemeClr val="tx1">
+                    <a:lumMod val="85000"/>
+                  </a:schemeClr>
+                </a:solidFill>
+                <a:effectLst/>
+                <a:latin typeface="Open Sans" panose="020B0606030504020204" pitchFamily="34" charset="0"/>
+              </a:rPr>
+              <a:t> and </a:t>
+            </a:r>
+            <a:r>
+              <a:rPr lang="en-US" b="0" i="0" dirty="0" err="1">
+                <a:solidFill>
+                  <a:schemeClr val="tx1">
+                    <a:lumMod val="85000"/>
+                  </a:schemeClr>
+                </a:solidFill>
+                <a:effectLst/>
+                <a:latin typeface="Open Sans" panose="020B0606030504020204" pitchFamily="34" charset="0"/>
+              </a:rPr>
+              <a:t>lastIndexOf</a:t>
+            </a:r>
+            <a:r>
+              <a:rPr lang="en-US" b="0" i="0" dirty="0">
+                <a:solidFill>
+                  <a:schemeClr val="tx1">
+                    <a:lumMod val="85000"/>
+                  </a:schemeClr>
+                </a:solidFill>
+                <a:effectLst/>
+                <a:latin typeface="Open Sans" panose="020B0606030504020204" pitchFamily="34" charset="0"/>
+              </a:rPr>
+              <a:t>.</a:t>
+            </a:r>
+          </a:p>
+          <a:p>
+            <a:pPr marL="285750" indent="-285750" algn="l">
+              <a:buFont typeface="Arial" panose="020B0604020202020204" pitchFamily="34" charset="0"/>
+              <a:buChar char="•"/>
+            </a:pPr>
+            <a:r>
+              <a:rPr lang="en-US" b="0" i="0" dirty="0">
+                <a:solidFill>
+                  <a:srgbClr val="00B0F0"/>
+                </a:solidFill>
+                <a:effectLst/>
+                <a:latin typeface="Open Sans" panose="020B0606030504020204" pitchFamily="34" charset="0"/>
+              </a:rPr>
+              <a:t>Iteration</a:t>
+            </a:r>
+            <a:r>
+              <a:rPr lang="en-US" b="0" i="0" dirty="0">
+                <a:solidFill>
+                  <a:schemeClr val="tx1">
+                    <a:lumMod val="85000"/>
+                  </a:schemeClr>
+                </a:solidFill>
+                <a:effectLst/>
+                <a:latin typeface="Open Sans" panose="020B0606030504020204" pitchFamily="34" charset="0"/>
+              </a:rPr>
+              <a:t> — extends Iterator semantics to take advantage of the list's sequential nature. The </a:t>
+            </a:r>
+            <a:r>
+              <a:rPr lang="en-US" b="0" i="0" dirty="0" err="1">
+                <a:solidFill>
+                  <a:schemeClr val="tx1">
+                    <a:lumMod val="85000"/>
+                  </a:schemeClr>
+                </a:solidFill>
+                <a:effectLst/>
+                <a:latin typeface="Open Sans" panose="020B0606030504020204" pitchFamily="34" charset="0"/>
+              </a:rPr>
+              <a:t>listIterator</a:t>
+            </a:r>
+            <a:r>
+              <a:rPr lang="en-US" b="0" i="0" dirty="0">
+                <a:solidFill>
+                  <a:schemeClr val="tx1">
+                    <a:lumMod val="85000"/>
+                  </a:schemeClr>
+                </a:solidFill>
+                <a:effectLst/>
+                <a:latin typeface="Open Sans" panose="020B0606030504020204" pitchFamily="34" charset="0"/>
+              </a:rPr>
+              <a:t> methods provide this behavior.</a:t>
+            </a:r>
+          </a:p>
+          <a:p>
+            <a:pPr marL="285750" indent="-285750" algn="l">
+              <a:buFont typeface="Arial" panose="020B0604020202020204" pitchFamily="34" charset="0"/>
+              <a:buChar char="•"/>
+            </a:pPr>
+            <a:r>
+              <a:rPr lang="en-US" b="0" i="0" dirty="0">
+                <a:solidFill>
+                  <a:srgbClr val="00B0F0"/>
+                </a:solidFill>
+                <a:effectLst/>
+                <a:latin typeface="Open Sans" panose="020B0606030504020204" pitchFamily="34" charset="0"/>
+              </a:rPr>
+              <a:t>Range-view</a:t>
+            </a:r>
+            <a:r>
+              <a:rPr lang="en-US" b="0" i="0" dirty="0">
+                <a:solidFill>
+                  <a:schemeClr val="tx1">
+                    <a:lumMod val="85000"/>
+                  </a:schemeClr>
+                </a:solidFill>
+                <a:effectLst/>
+                <a:latin typeface="Open Sans" panose="020B0606030504020204" pitchFamily="34" charset="0"/>
+              </a:rPr>
+              <a:t> — The </a:t>
+            </a:r>
+            <a:r>
+              <a:rPr lang="en-US" b="0" i="0" dirty="0" err="1">
+                <a:solidFill>
+                  <a:schemeClr val="tx1">
+                    <a:lumMod val="85000"/>
+                  </a:schemeClr>
+                </a:solidFill>
+                <a:effectLst/>
+                <a:latin typeface="Open Sans" panose="020B0606030504020204" pitchFamily="34" charset="0"/>
+              </a:rPr>
+              <a:t>sublist</a:t>
+            </a:r>
+            <a:r>
+              <a:rPr lang="en-US" b="0" i="0" dirty="0">
+                <a:solidFill>
+                  <a:schemeClr val="tx1">
+                    <a:lumMod val="85000"/>
+                  </a:schemeClr>
+                </a:solidFill>
+                <a:effectLst/>
+                <a:latin typeface="Open Sans" panose="020B0606030504020204" pitchFamily="34" charset="0"/>
+              </a:rPr>
+              <a:t> method performs arbitrary range operations on the list.</a:t>
+            </a:r>
+          </a:p>
+          <a:p>
             <a:pPr algn="l"/>
-            <a:r>
-              <a:rPr lang="en-US" b="0" i="0" dirty="0">
-                <a:solidFill>
-                  <a:schemeClr val="tx1">
-                    <a:lumMod val="85000"/>
-                  </a:schemeClr>
-                </a:solidFill>
-                <a:effectLst/>
-                <a:latin typeface="Open Sans" panose="020B0606030504020204" pitchFamily="34" charset="0"/>
-              </a:rPr>
-              <a:t>A List in Java is an </a:t>
-            </a:r>
-            <a:r>
-              <a:rPr lang="en-US" b="0" i="0" dirty="0">
-                <a:solidFill>
-                  <a:srgbClr val="00B0F0"/>
-                </a:solidFill>
-                <a:effectLst/>
-                <a:latin typeface="Open Sans" panose="020B0606030504020204" pitchFamily="34" charset="0"/>
-              </a:rPr>
-              <a:t>Interface</a:t>
-            </a:r>
-            <a:r>
-              <a:rPr lang="en-US" b="0" i="0" dirty="0">
-                <a:solidFill>
-                  <a:schemeClr val="tx1">
-                    <a:lumMod val="85000"/>
-                  </a:schemeClr>
-                </a:solidFill>
-                <a:effectLst/>
-                <a:latin typeface="Open Sans" panose="020B0606030504020204" pitchFamily="34" charset="0"/>
-              </a:rPr>
-              <a:t>.   To use a List in Java, you </a:t>
-            </a:r>
-            <a:r>
-              <a:rPr lang="en-US" b="0" i="0" dirty="0">
-                <a:solidFill>
-                  <a:srgbClr val="00B0F0"/>
-                </a:solidFill>
-                <a:effectLst/>
-                <a:latin typeface="Open Sans" panose="020B0606030504020204" pitchFamily="34" charset="0"/>
-              </a:rPr>
-              <a:t>will import the </a:t>
-            </a:r>
-            <a:r>
-              <a:rPr lang="en-US" b="0" i="0" dirty="0" err="1">
-                <a:solidFill>
-                  <a:srgbClr val="00B0F0"/>
-                </a:solidFill>
-                <a:effectLst/>
-                <a:latin typeface="Open Sans" panose="020B0606030504020204" pitchFamily="34" charset="0"/>
-              </a:rPr>
-              <a:t>java.util</a:t>
-            </a:r>
-            <a:r>
-              <a:rPr lang="en-US" b="0" i="0" dirty="0">
-                <a:solidFill>
-                  <a:srgbClr val="00B0F0"/>
-                </a:solidFill>
-                <a:effectLst/>
-                <a:latin typeface="Open Sans" panose="020B0606030504020204" pitchFamily="34" charset="0"/>
-              </a:rPr>
-              <a:t> package(</a:t>
-            </a:r>
-            <a:r>
-              <a:rPr lang="en-US" b="0" i="0" dirty="0">
-                <a:solidFill>
-                  <a:schemeClr val="tx1">
-                    <a:lumMod val="85000"/>
-                  </a:schemeClr>
-                </a:solidFill>
-                <a:effectLst/>
-                <a:latin typeface="Open Sans" panose="020B0606030504020204" pitchFamily="34" charset="0"/>
-              </a:rPr>
-              <a:t>library), and a List will need to be declared and initialized.  A List is often </a:t>
-            </a:r>
-            <a:r>
-              <a:rPr lang="en-US" b="0" i="0" dirty="0">
-                <a:solidFill>
-                  <a:srgbClr val="00B0F0"/>
-                </a:solidFill>
-                <a:effectLst/>
-                <a:latin typeface="Open Sans" panose="020B0606030504020204" pitchFamily="34" charset="0"/>
-              </a:rPr>
-              <a:t>implemented by the </a:t>
-            </a:r>
-            <a:r>
-              <a:rPr lang="en-US" b="0" i="0" dirty="0" err="1">
-                <a:solidFill>
-                  <a:srgbClr val="00B0F0"/>
-                </a:solidFill>
-                <a:effectLst/>
-                <a:latin typeface="Open Sans" panose="020B0606030504020204" pitchFamily="34" charset="0"/>
-              </a:rPr>
-              <a:t>ArrayList</a:t>
-            </a:r>
-            <a:r>
-              <a:rPr lang="en-US" b="0" i="0" dirty="0">
-                <a:solidFill>
-                  <a:srgbClr val="00B0F0"/>
-                </a:solidFill>
-                <a:effectLst/>
-                <a:latin typeface="Open Sans" panose="020B0606030504020204" pitchFamily="34" charset="0"/>
-              </a:rPr>
-              <a:t> class</a:t>
-            </a:r>
-            <a:r>
-              <a:rPr lang="en-US" b="0" i="0" dirty="0">
-                <a:solidFill>
-                  <a:schemeClr val="tx1">
-                    <a:lumMod val="85000"/>
-                  </a:schemeClr>
-                </a:solidFill>
-                <a:effectLst/>
-                <a:latin typeface="Open Sans" panose="020B0606030504020204" pitchFamily="34" charset="0"/>
-              </a:rPr>
-              <a:t>, but can also be implemented by one of these classes:  </a:t>
-            </a:r>
-            <a:r>
-              <a:rPr lang="en-US" b="0" i="0" dirty="0">
-                <a:solidFill>
-                  <a:srgbClr val="00B0F0"/>
-                </a:solidFill>
-                <a:effectLst/>
-                <a:latin typeface="Open Sans" panose="020B0606030504020204" pitchFamily="34" charset="0"/>
-              </a:rPr>
-              <a:t>LinkedList, Vector and Stack</a:t>
-            </a:r>
-            <a:r>
-              <a:rPr lang="en-US" b="0" i="0" dirty="0">
-                <a:solidFill>
-                  <a:schemeClr val="tx1">
-                    <a:lumMod val="85000"/>
-                  </a:schemeClr>
-                </a:solidFill>
-                <a:effectLst/>
-                <a:latin typeface="Open Sans" panose="020B0606030504020204" pitchFamily="34" charset="0"/>
-              </a:rPr>
-              <a:t>.  If you choose </a:t>
-            </a:r>
-            <a:r>
-              <a:rPr lang="en-US" b="0" i="0" dirty="0" err="1">
-                <a:solidFill>
-                  <a:schemeClr val="tx1">
-                    <a:lumMod val="85000"/>
-                  </a:schemeClr>
-                </a:solidFill>
-                <a:effectLst/>
-                <a:latin typeface="Open Sans" panose="020B0606030504020204" pitchFamily="34" charset="0"/>
-              </a:rPr>
-              <a:t>ArrayList</a:t>
-            </a:r>
-            <a:r>
-              <a:rPr lang="en-US" b="0" i="0" dirty="0">
-                <a:solidFill>
-                  <a:schemeClr val="tx1">
-                    <a:lumMod val="85000"/>
-                  </a:schemeClr>
-                </a:solidFill>
-                <a:effectLst/>
-                <a:latin typeface="Open Sans" panose="020B0606030504020204" pitchFamily="34" charset="0"/>
-              </a:rPr>
-              <a:t>,  you will also have to </a:t>
-            </a:r>
-            <a:r>
-              <a:rPr lang="en-US" b="0" i="0" dirty="0">
-                <a:solidFill>
-                  <a:srgbClr val="00B0F0"/>
-                </a:solidFill>
-                <a:effectLst/>
-                <a:latin typeface="Open Sans" panose="020B0606030504020204" pitchFamily="34" charset="0"/>
-              </a:rPr>
-              <a:t>import </a:t>
-            </a:r>
-            <a:r>
-              <a:rPr lang="en-US" b="0" i="0" dirty="0" err="1">
-                <a:solidFill>
-                  <a:srgbClr val="00B0F0"/>
-                </a:solidFill>
-                <a:effectLst/>
-                <a:latin typeface="Open Sans" panose="020B0606030504020204" pitchFamily="34" charset="0"/>
-              </a:rPr>
-              <a:t>ArrayList</a:t>
-            </a:r>
-            <a:r>
-              <a:rPr lang="en-US" b="0" i="0" dirty="0">
-                <a:solidFill>
-                  <a:srgbClr val="00B0F0"/>
-                </a:solidFill>
-                <a:effectLst/>
-                <a:latin typeface="Open Sans" panose="020B0606030504020204" pitchFamily="34" charset="0"/>
-              </a:rPr>
-              <a:t> from </a:t>
-            </a:r>
-            <a:r>
-              <a:rPr lang="en-US" b="0" i="0" dirty="0" err="1">
-                <a:solidFill>
-                  <a:srgbClr val="00B0F0"/>
-                </a:solidFill>
-                <a:effectLst/>
-                <a:latin typeface="Open Sans" panose="020B0606030504020204" pitchFamily="34" charset="0"/>
-              </a:rPr>
-              <a:t>java.util</a:t>
-            </a:r>
-            <a:r>
-              <a:rPr lang="en-US" b="0" i="0" dirty="0">
-                <a:solidFill>
-                  <a:schemeClr val="tx1">
-                    <a:lumMod val="85000"/>
-                  </a:schemeClr>
-                </a:solidFill>
-                <a:effectLst/>
-                <a:latin typeface="Open Sans" panose="020B0606030504020204" pitchFamily="34" charset="0"/>
-              </a:rPr>
-              <a:t>.</a:t>
-            </a:r>
-          </a:p>
-          <a:p>
-            <a:pPr algn="l"/>
-            <a:r>
-              <a:rPr lang="en-US" b="0" i="0" dirty="0">
-                <a:solidFill>
-                  <a:schemeClr val="tx1">
-                    <a:lumMod val="85000"/>
-                  </a:schemeClr>
-                </a:solidFill>
-                <a:effectLst/>
-                <a:latin typeface="Open Sans" panose="020B0606030504020204" pitchFamily="34" charset="0"/>
-              </a:rPr>
-              <a:t>Example declaring a List of String:</a:t>
-            </a:r>
+            <a:endParaRPr lang="en-US" dirty="0">
+              <a:solidFill>
+                <a:schemeClr val="tx1">
+                  <a:lumMod val="85000"/>
+                </a:schemeClr>
+              </a:solidFill>
+              <a:latin typeface="Open Sans" panose="020B0606030504020204" pitchFamily="34" charset="0"/>
+            </a:endParaRPr>
           </a:p>
           <a:p>
             <a:pPr algn="l"/>
@@ -5971,174 +4743,93 @@
             </a:endParaRPr>
           </a:p>
           <a:p>
-            <a:pPr lvl="1"/>
-            <a:r>
-              <a:rPr lang="en-US" sz="1200" b="0" i="0" dirty="0">
-                <a:solidFill>
-                  <a:schemeClr val="tx1">
-                    <a:lumMod val="85000"/>
-                  </a:schemeClr>
-                </a:solidFill>
-                <a:effectLst/>
-                <a:latin typeface="Open Sans" panose="020B0606030504020204" pitchFamily="34" charset="0"/>
-              </a:rPr>
-              <a:t>List&lt;String&gt; </a:t>
-            </a:r>
-            <a:r>
-              <a:rPr lang="en-US" sz="1200" b="0" i="0" dirty="0" err="1">
-                <a:solidFill>
-                  <a:schemeClr val="tx1">
-                    <a:lumMod val="85000"/>
-                  </a:schemeClr>
-                </a:solidFill>
-                <a:effectLst/>
-                <a:latin typeface="Open Sans" panose="020B0606030504020204" pitchFamily="34" charset="0"/>
-              </a:rPr>
-              <a:t>myInstruments</a:t>
-            </a:r>
-            <a:r>
-              <a:rPr lang="en-US" sz="1200" b="0" i="0" dirty="0">
-                <a:solidFill>
-                  <a:schemeClr val="tx1">
-                    <a:lumMod val="85000"/>
-                  </a:schemeClr>
-                </a:solidFill>
-                <a:effectLst/>
-                <a:latin typeface="Open Sans" panose="020B0606030504020204" pitchFamily="34" charset="0"/>
-              </a:rPr>
-              <a:t> = new </a:t>
-            </a:r>
-            <a:r>
-              <a:rPr lang="en-US" sz="1200" b="0" i="0" dirty="0" err="1">
-                <a:solidFill>
-                  <a:schemeClr val="tx1">
-                    <a:lumMod val="85000"/>
-                  </a:schemeClr>
-                </a:solidFill>
-                <a:effectLst/>
-                <a:latin typeface="Open Sans" panose="020B0606030504020204" pitchFamily="34" charset="0"/>
-              </a:rPr>
-              <a:t>ArrayList</a:t>
-            </a:r>
-            <a:r>
-              <a:rPr lang="en-US" sz="1200" b="0" i="0" dirty="0">
-                <a:solidFill>
-                  <a:schemeClr val="tx1">
-                    <a:lumMod val="85000"/>
-                  </a:schemeClr>
-                </a:solidFill>
-                <a:effectLst/>
-                <a:latin typeface="Open Sans" panose="020B0606030504020204" pitchFamily="34" charset="0"/>
-              </a:rPr>
-              <a:t>&lt;String&gt;();</a:t>
-            </a:r>
-          </a:p>
-          <a:p>
-            <a:pPr lvl="1"/>
-            <a:r>
-              <a:rPr lang="en-US" sz="1200" b="0" i="0" dirty="0" err="1">
-                <a:solidFill>
-                  <a:schemeClr val="tx1">
-                    <a:lumMod val="85000"/>
-                  </a:schemeClr>
-                </a:solidFill>
-                <a:effectLst/>
-                <a:latin typeface="Open Sans" panose="020B0606030504020204" pitchFamily="34" charset="0"/>
-              </a:rPr>
-              <a:t>myInstruments.add</a:t>
-            </a:r>
-            <a:r>
-              <a:rPr lang="en-US" sz="1200" b="0" i="0" dirty="0">
-                <a:solidFill>
-                  <a:schemeClr val="tx1">
-                    <a:lumMod val="85000"/>
-                  </a:schemeClr>
-                </a:solidFill>
-                <a:effectLst/>
-                <a:latin typeface="Open Sans" panose="020B0606030504020204" pitchFamily="34" charset="0"/>
-              </a:rPr>
-              <a:t>("Tuba");</a:t>
-            </a:r>
-          </a:p>
-          <a:p>
-            <a:pPr lvl="1"/>
-            <a:r>
-              <a:rPr lang="en-US" sz="1200" b="0" i="0" dirty="0" err="1">
-                <a:solidFill>
-                  <a:schemeClr val="tx1">
-                    <a:lumMod val="85000"/>
-                  </a:schemeClr>
-                </a:solidFill>
-                <a:effectLst/>
-                <a:latin typeface="Open Sans" panose="020B0606030504020204" pitchFamily="34" charset="0"/>
-              </a:rPr>
-              <a:t>myInstruments.add</a:t>
-            </a:r>
-            <a:r>
-              <a:rPr lang="en-US" sz="1200" b="0" i="0" dirty="0">
-                <a:solidFill>
-                  <a:schemeClr val="tx1">
-                    <a:lumMod val="85000"/>
-                  </a:schemeClr>
-                </a:solidFill>
-                <a:effectLst/>
-                <a:latin typeface="Open Sans" panose="020B0606030504020204" pitchFamily="34" charset="0"/>
-              </a:rPr>
-              <a:t>("Trombone");</a:t>
-            </a:r>
-          </a:p>
-          <a:p>
-            <a:pPr lvl="1"/>
-            <a:r>
-              <a:rPr lang="en-US" sz="1200" b="0" i="0" dirty="0" err="1">
-                <a:solidFill>
-                  <a:schemeClr val="tx1">
-                    <a:lumMod val="85000"/>
-                  </a:schemeClr>
-                </a:solidFill>
-                <a:effectLst/>
-                <a:latin typeface="Open Sans" panose="020B0606030504020204" pitchFamily="34" charset="0"/>
-              </a:rPr>
-              <a:t>myInstruments.add</a:t>
-            </a:r>
-            <a:r>
-              <a:rPr lang="en-US" sz="1200" b="0" i="0" dirty="0">
-                <a:solidFill>
-                  <a:schemeClr val="tx1">
-                    <a:lumMod val="85000"/>
-                  </a:schemeClr>
-                </a:solidFill>
-                <a:effectLst/>
-                <a:latin typeface="Open Sans" panose="020B0606030504020204" pitchFamily="34" charset="0"/>
-              </a:rPr>
-              <a:t>("Trumpet");</a:t>
-            </a:r>
-          </a:p>
-          <a:p>
-            <a:pPr lvl="1"/>
-            <a:r>
-              <a:rPr lang="en-US" sz="1200" b="0" i="0" dirty="0" err="1">
-                <a:solidFill>
-                  <a:schemeClr val="tx1">
-                    <a:lumMod val="85000"/>
-                  </a:schemeClr>
-                </a:solidFill>
-                <a:effectLst/>
-                <a:latin typeface="Open Sans" panose="020B0606030504020204" pitchFamily="34" charset="0"/>
-              </a:rPr>
-              <a:t>myInstruments.add</a:t>
-            </a:r>
-            <a:r>
-              <a:rPr lang="en-US" sz="1200" b="0" i="0" dirty="0">
-                <a:solidFill>
-                  <a:schemeClr val="tx1">
-                    <a:lumMod val="85000"/>
-                  </a:schemeClr>
-                </a:solidFill>
-                <a:effectLst/>
-                <a:latin typeface="Open Sans" panose="020B0606030504020204" pitchFamily="34" charset="0"/>
-              </a:rPr>
-              <a:t>("Triangle");</a:t>
+            <a:pPr algn="l"/>
+            <a:r>
+              <a:rPr lang="en-US" b="0" i="0" dirty="0">
+                <a:solidFill>
+                  <a:schemeClr val="tx1">
+                    <a:lumMod val="85000"/>
+                  </a:schemeClr>
+                </a:solidFill>
+                <a:effectLst/>
+                <a:latin typeface="Open Sans" panose="020B0606030504020204" pitchFamily="34" charset="0"/>
+              </a:rPr>
+              <a:t>A List:</a:t>
+            </a:r>
+          </a:p>
+          <a:p>
+            <a:pPr algn="l"/>
+            <a:r>
+              <a:rPr lang="en-US" b="0" i="0" dirty="0">
+                <a:solidFill>
+                  <a:schemeClr val="tx1">
+                    <a:lumMod val="85000"/>
+                  </a:schemeClr>
+                </a:solidFill>
+                <a:effectLst/>
+                <a:latin typeface="Open Sans" panose="020B0606030504020204" pitchFamily="34" charset="0"/>
+              </a:rPr>
+              <a:t>- Is Ordered</a:t>
+            </a:r>
+          </a:p>
+          <a:p>
+            <a:pPr algn="l"/>
+            <a:r>
+              <a:rPr lang="en-US" b="0" i="0" dirty="0">
+                <a:solidFill>
+                  <a:schemeClr val="tx1">
+                    <a:lumMod val="85000"/>
+                  </a:schemeClr>
+                </a:solidFill>
+                <a:effectLst/>
+                <a:latin typeface="Open Sans" panose="020B0606030504020204" pitchFamily="34" charset="0"/>
+              </a:rPr>
+              <a:t>- Preserves Insertion Order</a:t>
+            </a:r>
+          </a:p>
+          <a:p>
+            <a:pPr algn="l"/>
+            <a:r>
+              <a:rPr lang="en-US" b="0" i="0" dirty="0">
+                <a:solidFill>
+                  <a:schemeClr val="tx1">
+                    <a:lumMod val="85000"/>
+                  </a:schemeClr>
+                </a:solidFill>
+                <a:effectLst/>
+                <a:latin typeface="Open Sans" panose="020B0606030504020204" pitchFamily="34" charset="0"/>
+              </a:rPr>
+              <a:t>- Allows Positional Access and Insertion of Items</a:t>
+            </a:r>
+          </a:p>
+          <a:p>
+            <a:pPr algn="l"/>
+            <a:r>
+              <a:rPr lang="en-US" b="0" i="0" dirty="0">
+                <a:solidFill>
+                  <a:schemeClr val="tx1">
+                    <a:lumMod val="85000"/>
+                  </a:schemeClr>
+                </a:solidFill>
+                <a:effectLst/>
+                <a:latin typeface="Open Sans" panose="020B0606030504020204" pitchFamily="34" charset="0"/>
+              </a:rPr>
+              <a:t>- Allows Duplicates</a:t>
+            </a:r>
+          </a:p>
+          <a:p>
+            <a:pPr algn="l"/>
+            <a:r>
+              <a:rPr lang="en-US" b="0" i="0" dirty="0">
+                <a:solidFill>
+                  <a:schemeClr val="tx1">
+                    <a:lumMod val="85000"/>
+                  </a:schemeClr>
+                </a:solidFill>
+                <a:effectLst/>
+                <a:latin typeface="Open Sans" panose="020B0606030504020204" pitchFamily="34" charset="0"/>
+              </a:rPr>
+              <a:t>- Is a Collection of Objects </a:t>
             </a:r>
           </a:p>
           <a:p>
@@ -6153,170 +4844,6 @@
               <a:latin typeface="Open Sans" panose="020B0606030504020204" pitchFamily="34" charset="0"/>
             </a:endParaRPr>
           </a:p>
-          <a:p>
-            <a:pPr algn="l"/>
-            <a:r>
-              <a:rPr lang="en-US" b="0" i="0" dirty="0">
-                <a:solidFill>
-                  <a:schemeClr val="tx1">
-                    <a:lumMod val="85000"/>
-                  </a:schemeClr>
-                </a:solidFill>
-                <a:effectLst/>
-                <a:latin typeface="Open Sans" panose="020B0606030504020204" pitchFamily="34" charset="0"/>
-              </a:rPr>
-              <a:t>Notice that </a:t>
-            </a:r>
-            <a:r>
-              <a:rPr lang="en-US" b="0" i="0" dirty="0">
-                <a:solidFill>
-                  <a:srgbClr val="00B0F0"/>
-                </a:solidFill>
-                <a:effectLst/>
-                <a:latin typeface="Open Sans" panose="020B0606030504020204" pitchFamily="34" charset="0"/>
-              </a:rPr>
-              <a:t>unlike an Array</a:t>
-            </a:r>
-            <a:r>
-              <a:rPr lang="en-US" b="0" i="0" dirty="0">
-                <a:solidFill>
-                  <a:schemeClr val="tx1">
-                    <a:lumMod val="85000"/>
-                  </a:schemeClr>
-                </a:solidFill>
-                <a:effectLst/>
-                <a:latin typeface="Open Sans" panose="020B0606030504020204" pitchFamily="34" charset="0"/>
-              </a:rPr>
-              <a:t>, you can </a:t>
-            </a:r>
-            <a:r>
-              <a:rPr lang="en-US" b="0" i="0" dirty="0">
-                <a:solidFill>
-                  <a:srgbClr val="00B0F0"/>
-                </a:solidFill>
-                <a:effectLst/>
-                <a:latin typeface="Open Sans" panose="020B0606030504020204" pitchFamily="34" charset="0"/>
-              </a:rPr>
-              <a:t>dynamically add additional elements to your List</a:t>
-            </a:r>
-            <a:r>
-              <a:rPr lang="en-US" b="0" i="0" dirty="0">
-                <a:solidFill>
-                  <a:schemeClr val="tx1">
-                    <a:lumMod val="85000"/>
-                  </a:schemeClr>
-                </a:solidFill>
-                <a:effectLst/>
-                <a:latin typeface="Open Sans" panose="020B0606030504020204" pitchFamily="34" charset="0"/>
-              </a:rPr>
-              <a:t>, inserting as many elements as you wish to this same List, without throwing an exception:</a:t>
-            </a:r>
-          </a:p>
-          <a:p>
-            <a:pPr algn="l"/>
-            <a:endParaRPr lang="en-US" b="0" i="0" dirty="0">
-              <a:solidFill>
-                <a:schemeClr val="tx1">
-                  <a:lumMod val="85000"/>
-                </a:schemeClr>
-              </a:solidFill>
-              <a:effectLst/>
-              <a:latin typeface="Open Sans" panose="020B0606030504020204" pitchFamily="34" charset="0"/>
-            </a:endParaRPr>
-          </a:p>
-          <a:p>
-            <a:pPr lvl="1"/>
-            <a:r>
-              <a:rPr lang="en-US" sz="1200" b="0" i="0" dirty="0" err="1">
-                <a:solidFill>
-                  <a:schemeClr val="tx1">
-                    <a:lumMod val="85000"/>
-                  </a:schemeClr>
-                </a:solidFill>
-                <a:effectLst/>
-                <a:latin typeface="Open Sans" panose="020B0606030504020204" pitchFamily="34" charset="0"/>
-              </a:rPr>
-              <a:t>myInstruments.add</a:t>
-            </a:r>
-            <a:r>
-              <a:rPr lang="en-US" sz="1200" b="0" i="0" dirty="0">
-                <a:solidFill>
-                  <a:schemeClr val="tx1">
-                    <a:lumMod val="85000"/>
-                  </a:schemeClr>
-                </a:solidFill>
-                <a:effectLst/>
-                <a:latin typeface="Open Sans" panose="020B0606030504020204" pitchFamily="34" charset="0"/>
-              </a:rPr>
-              <a:t>("Flute");</a:t>
-            </a:r>
-          </a:p>
-          <a:p>
-            <a:pPr lvl="1"/>
-            <a:r>
-              <a:rPr lang="en-US" sz="1200" b="0" i="0" dirty="0" err="1">
-                <a:solidFill>
-                  <a:schemeClr val="tx1">
-                    <a:lumMod val="85000"/>
-                  </a:schemeClr>
-                </a:solidFill>
-                <a:effectLst/>
-                <a:latin typeface="Open Sans" panose="020B0606030504020204" pitchFamily="34" charset="0"/>
-              </a:rPr>
-              <a:t>myInstruments.add</a:t>
-            </a:r>
-            <a:r>
-              <a:rPr lang="en-US" sz="1200" b="0" i="0" dirty="0">
-                <a:solidFill>
-                  <a:schemeClr val="tx1">
-                    <a:lumMod val="85000"/>
-                  </a:schemeClr>
-                </a:solidFill>
-                <a:effectLst/>
-                <a:latin typeface="Open Sans" panose="020B0606030504020204" pitchFamily="34" charset="0"/>
-              </a:rPr>
-              <a:t>("Clarinet");</a:t>
-            </a:r>
-          </a:p>
-          <a:p>
-            <a:pPr lvl="1"/>
-            <a:r>
-              <a:rPr lang="en-US" sz="1200" b="0" i="0" dirty="0" err="1">
-                <a:solidFill>
-                  <a:schemeClr val="tx1">
-                    <a:lumMod val="85000"/>
-                  </a:schemeClr>
-                </a:solidFill>
-                <a:effectLst/>
-                <a:latin typeface="Open Sans" panose="020B0606030504020204" pitchFamily="34" charset="0"/>
-              </a:rPr>
-              <a:t>myInstruments.add</a:t>
-            </a:r>
-            <a:r>
-              <a:rPr lang="en-US" sz="1200" b="0" i="0" dirty="0">
-                <a:solidFill>
-                  <a:schemeClr val="tx1">
-                    <a:lumMod val="85000"/>
-                  </a:schemeClr>
-                </a:solidFill>
-                <a:effectLst/>
-                <a:latin typeface="Open Sans" panose="020B0606030504020204" pitchFamily="34" charset="0"/>
-              </a:rPr>
-              <a:t>("Oboe");</a:t>
-            </a:r>
-          </a:p>
-          <a:p>
-            <a:pPr algn="l"/>
-            <a:endParaRPr lang="en-US" b="0" i="0" dirty="0">
-              <a:solidFill>
-                <a:schemeClr val="tx1">
-                  <a:lumMod val="85000"/>
-                </a:schemeClr>
-              </a:solidFill>
-              <a:effectLst/>
-              <a:latin typeface="Open Sans" panose="020B0606030504020204" pitchFamily="34" charset="0"/>
-            </a:endParaRPr>
-          </a:p>
         </p:txBody>
       </p:sp>
       <p:sp>
@@ -6324,7 +4851,7 @@
           <p:cNvPr id="5" name="TextBox 4">
             <a:extLst>
               <a:ext uri="{FF2B5EF4-FFF2-40B4-BE49-F238E27FC236}">
-                <a16:creationId xmlns:a16="http://schemas.microsoft.com/office/drawing/2014/main" id="{B437B980-7F96-675E-3EC5-34BF0DF65123}"/>
+                <a16:creationId xmlns:a16="http://schemas.microsoft.com/office/drawing/2014/main" id="{468397A7-672B-24AB-3F61-0F9A073389EE}"/>
               </a:ext>
             </a:extLst>
           </p:cNvPr>
@@ -6360,7 +4887,7 @@
     </p:spTree>
     <p:extLst>
       <p:ext uri="{BB962C8B-B14F-4D97-AF65-F5344CB8AC3E}">
-        <p14:creationId xmlns:p14="http://schemas.microsoft.com/office/powerpoint/2010/main" val="3007476099"/>
+        <p14:creationId xmlns:p14="http://schemas.microsoft.com/office/powerpoint/2010/main" val="2491041013"/>
       </p:ext>
     </p:extLst>
   </p:cSld>
@@ -6449,8 +4976,8 @@
         </p:nvSpPr>
         <p:spPr>
           <a:xfrm>
-            <a:off x="193251" y="624665"/>
-            <a:ext cx="11931637" cy="5355312"/>
+            <a:off x="176169" y="465956"/>
+            <a:ext cx="11931637" cy="5724644"/>
           </a:xfrm>
           <a:prstGeom prst="rect">
             <a:avLst/>
@@ -6474,7 +5001,7 @@
                 <a:effectLst/>
                 <a:latin typeface="Open Sans" panose="020B0606030504020204" pitchFamily="34" charset="0"/>
               </a:rPr>
-              <a:t>A </a:t>
+              <a:t>Lists are used to "collect"  elements.   By creating a List, you can </a:t>
             </a:r>
             <a:r>
               <a:rPr lang="en-US" b="0" i="0" dirty="0">
@@ -6484,19 +5011,63 @@
                 <a:effectLst/>
                 <a:latin typeface="Open Sans" panose="020B0606030504020204" pitchFamily="34" charset="0"/>
               </a:rPr>
-              <a:t>List is an ordered Collection (sometimes called a sequence)</a:t>
-            </a:r>
-            <a:r>
-              <a:rPr lang="en-US" b="0" i="0" dirty="0">
-                <a:solidFill>
-                  <a:schemeClr val="tx1">
-                    <a:lumMod val="85000"/>
-                  </a:schemeClr>
-                </a:solidFill>
-                <a:effectLst/>
-                <a:latin typeface="Open Sans" panose="020B0606030504020204" pitchFamily="34" charset="0"/>
-              </a:rPr>
-              <a:t>. Lists may contain duplicate elements. In addition to the operations inherited from Collection, the List interface includes operations for the following:</a:t>
+              <a:t>store any number of elements</a:t>
+            </a:r>
+            <a:r>
+              <a:rPr lang="en-US" b="0" i="0" dirty="0">
+                <a:solidFill>
+                  <a:schemeClr val="tx1">
+                    <a:lumMod val="85000"/>
+                  </a:schemeClr>
+                </a:solidFill>
+                <a:effectLst/>
+                <a:latin typeface="Open Sans" panose="020B0606030504020204" pitchFamily="34" charset="0"/>
+              </a:rPr>
+              <a:t>,  </a:t>
+            </a:r>
+            <a:r>
+              <a:rPr lang="en-US" b="0" i="0" dirty="0">
+                <a:solidFill>
+                  <a:srgbClr val="00B0F0"/>
+                </a:solidFill>
+                <a:effectLst/>
+                <a:latin typeface="Open Sans" panose="020B0606030504020204" pitchFamily="34" charset="0"/>
+              </a:rPr>
+              <a:t>dynamically modifying the List</a:t>
+            </a:r>
+            <a:r>
+              <a:rPr lang="en-US" b="0" i="0" dirty="0">
+                <a:solidFill>
+                  <a:schemeClr val="tx1">
+                    <a:lumMod val="85000"/>
+                  </a:schemeClr>
+                </a:solidFill>
+                <a:effectLst/>
+                <a:latin typeface="Open Sans" panose="020B0606030504020204" pitchFamily="34" charset="0"/>
+              </a:rPr>
+              <a:t>, and the location of each item is managed by the List.  Each element is accessible through a </a:t>
+            </a:r>
+            <a:r>
+              <a:rPr lang="en-US" b="0" i="0" dirty="0">
+                <a:solidFill>
+                  <a:srgbClr val="00B0F0"/>
+                </a:solidFill>
+                <a:effectLst/>
+                <a:latin typeface="Open Sans" panose="020B0606030504020204" pitchFamily="34" charset="0"/>
+              </a:rPr>
+              <a:t>variable that you declare as a List</a:t>
+            </a:r>
+            <a:r>
+              <a:rPr lang="en-US" b="0" i="0" dirty="0">
+                <a:solidFill>
+                  <a:schemeClr val="tx1">
+                    <a:lumMod val="85000"/>
+                  </a:schemeClr>
+                </a:solidFill>
+                <a:effectLst/>
+                <a:latin typeface="Open Sans" panose="020B0606030504020204" pitchFamily="34" charset="0"/>
+              </a:rPr>
+              <a:t>.</a:t>
             </a:r>
           </a:p>
           <a:p>
@@ -6512,10 +5083,19 @@
             </a:endParaRPr>
           </a:p>
           <a:p>
-            <a:pPr marL="285750" indent="-285750" algn="l">
-              <a:buFont typeface="Arial" panose="020B0604020202020204" pitchFamily="34" charset="0"/>
-              <a:buChar char="•"/>
-            </a:pPr>
+            <a:pPr algn="l"/>
+            <a:r>
+              <a:rPr lang="en-US" b="0" i="0" dirty="0">
+                <a:solidFill>
+                  <a:schemeClr val="tx1">
+                    <a:lumMod val="85000"/>
+                  </a:schemeClr>
+                </a:solidFill>
+                <a:effectLst/>
+                <a:latin typeface="Open Sans" panose="020B0606030504020204" pitchFamily="34" charset="0"/>
+              </a:rPr>
+              <a:t>A List in Java is an </a:t>
+            </a:r>
             <a:r>
               <a:rPr lang="en-US" b="0" i="0" dirty="0">
                 <a:solidFill>
@@ -6524,95 +5104,125 @@
                 <a:effectLst/>
                 <a:latin typeface="Open Sans" panose="020B0606030504020204" pitchFamily="34" charset="0"/>
               </a:rPr>
-              <a:t>Positional access </a:t>
-            </a:r>
-            <a:r>
-              <a:rPr lang="en-US" b="0" i="0" dirty="0">
-                <a:solidFill>
-                  <a:schemeClr val="tx1">
-                    <a:lumMod val="85000"/>
-                  </a:schemeClr>
-                </a:solidFill>
-                <a:effectLst/>
-                <a:latin typeface="Open Sans" panose="020B0606030504020204" pitchFamily="34" charset="0"/>
-              </a:rPr>
-              <a:t>— manipulates elements based on their numerical position in the list. This includes methods such as get, set, add, </a:t>
+              <a:t>Interface</a:t>
+            </a:r>
+            <a:r>
+              <a:rPr lang="en-US" b="0" i="0" dirty="0">
+                <a:solidFill>
+                  <a:schemeClr val="tx1">
+                    <a:lumMod val="85000"/>
+                  </a:schemeClr>
+                </a:solidFill>
+                <a:effectLst/>
+                <a:latin typeface="Open Sans" panose="020B0606030504020204" pitchFamily="34" charset="0"/>
+              </a:rPr>
+              <a:t>.   To use a List in Java, you </a:t>
+            </a:r>
+            <a:r>
+              <a:rPr lang="en-US" b="0" i="0" dirty="0">
+                <a:solidFill>
+                  <a:srgbClr val="00B0F0"/>
+                </a:solidFill>
+                <a:effectLst/>
+                <a:latin typeface="Open Sans" panose="020B0606030504020204" pitchFamily="34" charset="0"/>
+              </a:rPr>
+              <a:t>will import the </a:t>
             </a:r>
             <a:r>
               <a:rPr lang="en-US" b="0" i="0" dirty="0" err="1">
                 <a:solidFill>
-                  <a:schemeClr val="tx1">
-                    <a:lumMod val="85000"/>
-                  </a:schemeClr>
-                </a:solidFill>
-                <a:effectLst/>
-                <a:latin typeface="Open Sans" panose="020B0606030504020204" pitchFamily="34" charset="0"/>
-              </a:rPr>
-              <a:t>addAll</a:t>
-            </a:r>
-            <a:r>
-              <a:rPr lang="en-US" b="0" i="0" dirty="0">
-                <a:solidFill>
-                  <a:schemeClr val="tx1">
-                    <a:lumMod val="85000"/>
-                  </a:schemeClr>
-                </a:solidFill>
-                <a:effectLst/>
-                <a:latin typeface="Open Sans" panose="020B0606030504020204" pitchFamily="34" charset="0"/>
-              </a:rPr>
-              <a:t>, and remove.</a:t>
-            </a:r>
-          </a:p>
-          <a:p>
-            <a:pPr marL="285750" indent="-285750" algn="l">
-              <a:buFont typeface="Arial" panose="020B0604020202020204" pitchFamily="34" charset="0"/>
-              <a:buChar char="•"/>
-            </a:pPr>
-            <a:r>
-              <a:rPr lang="en-US" b="0" i="0" dirty="0">
-                <a:solidFill>
                   <a:srgbClr val="00B0F0"/>
                 </a:solidFill>
                 <a:effectLst/>
                 <a:latin typeface="Open Sans" panose="020B0606030504020204" pitchFamily="34" charset="0"/>
               </a:rPr>
-              <a:t>Search</a:t>
-            </a:r>
-            <a:r>
-              <a:rPr lang="en-US" b="0" i="0" dirty="0">
-                <a:solidFill>
-                  <a:schemeClr val="tx1">
-                    <a:lumMod val="85000"/>
-                  </a:schemeClr>
-                </a:solidFill>
-                <a:effectLst/>
-                <a:latin typeface="Open Sans" panose="020B0606030504020204" pitchFamily="34" charset="0"/>
-              </a:rPr>
-              <a:t> — searches for a specified object in the list and returns its numerical position. Search methods include </a:t>
+              <a:t>java.util</a:t>
+            </a:r>
+            <a:r>
+              <a:rPr lang="en-US" b="0" i="0" dirty="0">
+                <a:solidFill>
+                  <a:srgbClr val="00B0F0"/>
+                </a:solidFill>
+                <a:effectLst/>
+                <a:latin typeface="Open Sans" panose="020B0606030504020204" pitchFamily="34" charset="0"/>
+              </a:rPr>
+              <a:t> package(</a:t>
+            </a:r>
+            <a:r>
+              <a:rPr lang="en-US" b="0" i="0" dirty="0">
+                <a:solidFill>
+                  <a:schemeClr val="tx1">
+                    <a:lumMod val="85000"/>
+                  </a:schemeClr>
+                </a:solidFill>
+                <a:effectLst/>
+                <a:latin typeface="Open Sans" panose="020B0606030504020204" pitchFamily="34" charset="0"/>
+              </a:rPr>
+              <a:t>library), and a List will need to be declared and initialized.  A List is often </a:t>
+            </a:r>
+            <a:r>
+              <a:rPr lang="en-US" b="0" i="0" dirty="0">
+                <a:solidFill>
+                  <a:srgbClr val="00B0F0"/>
+                </a:solidFill>
+                <a:effectLst/>
+                <a:latin typeface="Open Sans" panose="020B0606030504020204" pitchFamily="34" charset="0"/>
+              </a:rPr>
+              <a:t>implemented by the </a:t>
             </a:r>
             <a:r>
               <a:rPr lang="en-US" b="0" i="0" dirty="0" err="1">
                 <a:solidFill>
-                  <a:schemeClr val="tx1">
-                    <a:lumMod val="85000"/>
-                  </a:schemeClr>
-                </a:solidFill>
-                <a:effectLst/>
-                <a:latin typeface="Open Sans" panose="020B0606030504020204" pitchFamily="34" charset="0"/>
-              </a:rPr>
-              <a:t>indexOf</a:t>
-            </a:r>
-            <a:r>
-              <a:rPr lang="en-US" b="0" i="0" dirty="0">
-                <a:solidFill>
-                  <a:schemeClr val="tx1">
-                    <a:lumMod val="85000"/>
-                  </a:schemeClr>
-                </a:solidFill>
-                <a:effectLst/>
-                <a:latin typeface="Open Sans" panose="020B0606030504020204" pitchFamily="34" charset="0"/>
-              </a:rPr>
-              <a:t> and </a:t>
+                  <a:srgbClr val="00B0F0"/>
+                </a:solidFill>
+                <a:effectLst/>
+                <a:latin typeface="Open Sans" panose="020B0606030504020204" pitchFamily="34" charset="0"/>
+              </a:rPr>
+              <a:t>ArrayList</a:t>
+            </a:r>
+            <a:r>
+              <a:rPr lang="en-US" b="0" i="0" dirty="0">
+                <a:solidFill>
+                  <a:srgbClr val="00B0F0"/>
+                </a:solidFill>
+                <a:effectLst/>
+                <a:latin typeface="Open Sans" panose="020B0606030504020204" pitchFamily="34" charset="0"/>
+              </a:rPr>
+              <a:t> class</a:t>
+            </a:r>
+            <a:r>
+              <a:rPr lang="en-US" b="0" i="0" dirty="0">
+                <a:solidFill>
+                  <a:schemeClr val="tx1">
+                    <a:lumMod val="85000"/>
+                  </a:schemeClr>
+                </a:solidFill>
+                <a:effectLst/>
+                <a:latin typeface="Open Sans" panose="020B0606030504020204" pitchFamily="34" charset="0"/>
+              </a:rPr>
+              <a:t>, but can also be implemented by one of these classes:  </a:t>
+            </a:r>
+            <a:r>
+              <a:rPr lang="en-US" b="0" i="0" dirty="0">
+                <a:solidFill>
+                  <a:srgbClr val="00B0F0"/>
+                </a:solidFill>
+                <a:effectLst/>
+                <a:latin typeface="Open Sans" panose="020B0606030504020204" pitchFamily="34" charset="0"/>
+              </a:rPr>
+              <a:t>LinkedList, Vector and Stack</a:t>
+            </a:r>
+            <a:r>
+              <a:rPr lang="en-US" b="0" i="0" dirty="0">
+                <a:solidFill>
+                  <a:schemeClr val="tx1">
+                    <a:lumMod val="85000"/>
+                  </a:schemeClr>
+                </a:solidFill>
+                <a:effectLst/>
+                <a:latin typeface="Open Sans" panose="020B0606030504020204" pitchFamily="34" charset="0"/>
+              </a:rPr>
+              <a:t>.  If you choose </a:t>
             </a:r>
             <a:r>
               <a:rPr lang="en-US" b="0" i="0" dirty="0" err="1">
@@ -6624,7 +5234,59 @@
                 <a:effectLst/>
                 <a:latin typeface="Open Sans" panose="020B0606030504020204" pitchFamily="34" charset="0"/>
               </a:rPr>
-              <a:t>lastIndexOf</a:t>
+              <a:t>ArrayList</a:t>
+            </a:r>
+            <a:r>
+              <a:rPr lang="en-US" b="0" i="0" dirty="0">
+                <a:solidFill>
+                  <a:schemeClr val="tx1">
+                    <a:lumMod val="85000"/>
+                  </a:schemeClr>
+                </a:solidFill>
+                <a:effectLst/>
+                <a:latin typeface="Open Sans" panose="020B0606030504020204" pitchFamily="34" charset="0"/>
+              </a:rPr>
+              <a:t>,  you will also have to </a:t>
+            </a:r>
+            <a:r>
+              <a:rPr lang="en-US" b="0" i="0" dirty="0">
+                <a:solidFill>
+                  <a:srgbClr val="00B0F0"/>
+                </a:solidFill>
+                <a:effectLst/>
+                <a:latin typeface="Open Sans" panose="020B0606030504020204" pitchFamily="34" charset="0"/>
+              </a:rPr>
+              <a:t>import </a:t>
+            </a:r>
+            <a:r>
+              <a:rPr lang="en-US" b="0" i="0" dirty="0" err="1">
+                <a:solidFill>
+                  <a:srgbClr val="00B0F0"/>
+                </a:solidFill>
+                <a:effectLst/>
+                <a:latin typeface="Open Sans" panose="020B0606030504020204" pitchFamily="34" charset="0"/>
+              </a:rPr>
+              <a:t>ArrayList</a:t>
+            </a:r>
+            <a:r>
+              <a:rPr lang="en-US" b="0" i="0" dirty="0">
+                <a:solidFill>
+                  <a:srgbClr val="00B0F0"/>
+                </a:solidFill>
+                <a:effectLst/>
+                <a:latin typeface="Open Sans" panose="020B0606030504020204" pitchFamily="34" charset="0"/>
+              </a:rPr>
+              <a:t> from </a:t>
+            </a:r>
+            <a:r>
+              <a:rPr lang="en-US" b="0" i="0" dirty="0" err="1">
+                <a:solidFill>
+                  <a:srgbClr val="00B0F0"/>
+                </a:solidFill>
+                <a:effectLst/>
+                <a:latin typeface="Open Sans" panose="020B0606030504020204" pitchFamily="34" charset="0"/>
+              </a:rPr>
+              <a:t>java.util</a:t>
             </a:r>
             <a:r>
               <a:rPr lang="en-US" b="0" i="0" dirty="0">
@@ -6640,119 +5302,19 @@
             </a:r>
           </a:p>
           <a:p>
-            <a:pPr marL="285750" indent="-285750" algn="l">
-              <a:buFont typeface="Arial" panose="020B0604020202020204" pitchFamily="34" charset="0"/>
-              <a:buChar char="•"/>
-            </a:pPr>
-            <a:r>
-              <a:rPr lang="en-US" b="0" i="0" dirty="0">
-                <a:solidFill>
-                  <a:srgbClr val="00B0F0"/>
-                </a:solidFill>
-                <a:effectLst/>
-                <a:latin typeface="Open Sans" panose="020B0606030504020204" pitchFamily="34" charset="0"/>
-              </a:rPr>
-              <a:t>Iteration</a:t>
-            </a:r>
-            <a:r>
-              <a:rPr lang="en-US" b="0" i="0" dirty="0">
-                <a:solidFill>
-                  <a:schemeClr val="tx1">
-                    <a:lumMod val="85000"/>
-                  </a:schemeClr>
-                </a:solidFill>
-                <a:effectLst/>
-                <a:latin typeface="Open Sans" panose="020B0606030504020204" pitchFamily="34" charset="0"/>
-              </a:rPr>
-              <a:t> — extends Iterator semantics to take advantage of the list's sequential nature. The </a:t>
-            </a:r>
-            <a:r>
-              <a:rPr lang="en-US" b="0" i="0" dirty="0" err="1">
-                <a:solidFill>
-                  <a:schemeClr val="tx1">
-                    <a:lumMod val="85000"/>
-                  </a:schemeClr>
-                </a:solidFill>
-                <a:effectLst/>
-                <a:latin typeface="Open Sans" panose="020B0606030504020204" pitchFamily="34" charset="0"/>
-              </a:rPr>
-              <a:t>listIterator</a:t>
-            </a:r>
-            <a:r>
-              <a:rPr lang="en-US" b="0" i="0" dirty="0">
-                <a:solidFill>
-                  <a:schemeClr val="tx1">
-                    <a:lumMod val="85000"/>
-                  </a:schemeClr>
-                </a:solidFill>
-                <a:effectLst/>
-                <a:latin typeface="Open Sans" panose="020B0606030504020204" pitchFamily="34" charset="0"/>
-              </a:rPr>
-              <a:t> methods provide this behavior.</a:t>
-            </a:r>
-          </a:p>
-          <a:p>
-            <a:pPr marL="285750" indent="-285750" algn="l">
-              <a:buFont typeface="Arial" panose="020B0604020202020204" pitchFamily="34" charset="0"/>
-              <a:buChar char="•"/>
-            </a:pPr>
-            <a:r>
-              <a:rPr lang="en-US" b="0" i="0" dirty="0">
-                <a:solidFill>
-                  <a:srgbClr val="00B0F0"/>
-                </a:solidFill>
-                <a:effectLst/>
-                <a:latin typeface="Open Sans" panose="020B0606030504020204" pitchFamily="34" charset="0"/>
-              </a:rPr>
-              <a:t>Range-view</a:t>
-            </a:r>
-            <a:r>
-              <a:rPr lang="en-US" b="0" i="0" dirty="0">
-                <a:solidFill>
-                  <a:schemeClr val="tx1">
-                    <a:lumMod val="85000"/>
-                  </a:schemeClr>
-                </a:solidFill>
-                <a:effectLst/>
-                <a:latin typeface="Open Sans" panose="020B0606030504020204" pitchFamily="34" charset="0"/>
-              </a:rPr>
-              <a:t> — The </a:t>
-            </a:r>
-            <a:r>
-              <a:rPr lang="en-US" b="0" i="0" dirty="0" err="1">
-                <a:solidFill>
-                  <a:schemeClr val="tx1">
-                    <a:lumMod val="85000"/>
-                  </a:schemeClr>
-                </a:solidFill>
-                <a:effectLst/>
-                <a:latin typeface="Open Sans" panose="020B0606030504020204" pitchFamily="34" charset="0"/>
-              </a:rPr>
-              <a:t>sublist</a:t>
-            </a:r>
-            <a:r>
-              <a:rPr lang="en-US" b="0" i="0" dirty="0">
-                <a:solidFill>
-                  <a:schemeClr val="tx1">
-                    <a:lumMod val="85000"/>
-                  </a:schemeClr>
-                </a:solidFill>
-                <a:effectLst/>
-                <a:latin typeface="Open Sans" panose="020B0606030504020204" pitchFamily="34" charset="0"/>
-              </a:rPr>
-              <a:t> method performs arbitrary range operations on the list.</a:t>
-            </a:r>
-          </a:p>
-          <a:p>
             <a:pPr algn="l"/>
-            <a:endParaRPr lang="en-US" dirty="0">
-              <a:solidFill>
-                <a:schemeClr val="tx1">
-                  <a:lumMod val="85000"/>
-                </a:schemeClr>
-              </a:solidFill>
-              <a:latin typeface="Open Sans" panose="020B0606030504020204" pitchFamily="34" charset="0"/>
-            </a:endParaRPr>
+            <a:r>
+              <a:rPr lang="en-US" b="0" i="0" dirty="0">
+                <a:solidFill>
+                  <a:schemeClr val="tx1">
+                    <a:lumMod val="85000"/>
+                  </a:schemeClr>
+                </a:solidFill>
+                <a:effectLst/>
+                <a:latin typeface="Open Sans" panose="020B0606030504020204" pitchFamily="34" charset="0"/>
+              </a:rPr>
+              <a:t>Example declaring a List of String:</a:t>
+            </a:r>
           </a:p>
           <a:p>
             <a:pPr algn="l"/>
@@ -6767,93 +5329,174 @@
             </a:endParaRPr>
           </a:p>
           <a:p>
-            <a:pPr algn="l"/>
-            <a:r>
-              <a:rPr lang="en-US" b="0" i="0" dirty="0">
-                <a:solidFill>
-                  <a:schemeClr val="tx1">
-                    <a:lumMod val="85000"/>
-                  </a:schemeClr>
-                </a:solidFill>
-                <a:effectLst/>
-                <a:latin typeface="Open Sans" panose="020B0606030504020204" pitchFamily="34" charset="0"/>
-              </a:rPr>
-              <a:t>A List:</a:t>
-            </a:r>
-          </a:p>
-          <a:p>
-            <a:pPr algn="l"/>
-            <a:r>
-              <a:rPr lang="en-US" b="0" i="0" dirty="0">
-                <a:solidFill>
-                  <a:schemeClr val="tx1">
-                    <a:lumMod val="85000"/>
-                  </a:schemeClr>
-                </a:solidFill>
-                <a:effectLst/>
-                <a:latin typeface="Open Sans" panose="020B0606030504020204" pitchFamily="34" charset="0"/>
-              </a:rPr>
-              <a:t>- Is Ordered</a:t>
-            </a:r>
-          </a:p>
-          <a:p>
-            <a:pPr algn="l"/>
-            <a:r>
-              <a:rPr lang="en-US" b="0" i="0" dirty="0">
-                <a:solidFill>
-                  <a:schemeClr val="tx1">
-                    <a:lumMod val="85000"/>
-                  </a:schemeClr>
-                </a:solidFill>
-                <a:effectLst/>
-                <a:latin typeface="Open Sans" panose="020B0606030504020204" pitchFamily="34" charset="0"/>
-              </a:rPr>
-              <a:t>- Preserves Insertion Order</a:t>
-            </a:r>
-          </a:p>
-          <a:p>
-            <a:pPr algn="l"/>
-            <a:r>
-              <a:rPr lang="en-US" b="0" i="0" dirty="0">
-                <a:solidFill>
-                  <a:schemeClr val="tx1">
-                    <a:lumMod val="85000"/>
-                  </a:schemeClr>
-                </a:solidFill>
-                <a:effectLst/>
-                <a:latin typeface="Open Sans" panose="020B0606030504020204" pitchFamily="34" charset="0"/>
-              </a:rPr>
-              <a:t>- Allows Positional Access and Insertion of Items</a:t>
-            </a:r>
-          </a:p>
-          <a:p>
-            <a:pPr algn="l"/>
-            <a:r>
-              <a:rPr lang="en-US" b="0" i="0" dirty="0">
-                <a:solidFill>
-                  <a:schemeClr val="tx1">
-                    <a:lumMod val="85000"/>
-                  </a:schemeClr>
-                </a:solidFill>
-                <a:effectLst/>
-                <a:latin typeface="Open Sans" panose="020B0606030504020204" pitchFamily="34" charset="0"/>
-              </a:rPr>
-              <a:t>- Allows Duplicates</a:t>
-            </a:r>
-          </a:p>
-          <a:p>
-            <a:pPr algn="l"/>
-            <a:r>
-              <a:rPr lang="en-US" b="0" i="0" dirty="0">
-                <a:solidFill>
-                  <a:schemeClr val="tx1">
-                    <a:lumMod val="85000"/>
-                  </a:schemeClr>
-                </a:solidFill>
-                <a:effectLst/>
-                <a:latin typeface="Open Sans" panose="020B0606030504020204" pitchFamily="34" charset="0"/>
-              </a:rPr>
-              <a:t>- Is a Collection of Objects </a:t>
+            <a:pPr lvl="1"/>
+            <a:r>
+              <a:rPr lang="en-US" sz="1200" b="0" i="0" dirty="0">
+                <a:solidFill>
+                  <a:schemeClr val="tx1">
+                    <a:lumMod val="85000"/>
+                  </a:schemeClr>
+                </a:solidFill>
+                <a:effectLst/>
+                <a:latin typeface="Open Sans" panose="020B0606030504020204" pitchFamily="34" charset="0"/>
+              </a:rPr>
+              <a:t>List&lt;String&gt; </a:t>
+            </a:r>
+            <a:r>
+              <a:rPr lang="en-US" sz="1200" b="0" i="0" dirty="0" err="1">
+                <a:solidFill>
+                  <a:schemeClr val="tx1">
+                    <a:lumMod val="85000"/>
+                  </a:schemeClr>
+                </a:solidFill>
+                <a:effectLst/>
+                <a:latin typeface="Open Sans" panose="020B0606030504020204" pitchFamily="34" charset="0"/>
+              </a:rPr>
+              <a:t>myInstruments</a:t>
+            </a:r>
+            <a:r>
+              <a:rPr lang="en-US" sz="1200" b="0" i="0" dirty="0">
+                <a:solidFill>
+                  <a:schemeClr val="tx1">
+                    <a:lumMod val="85000"/>
+                  </a:schemeClr>
+                </a:solidFill>
+                <a:effectLst/>
+                <a:latin typeface="Open Sans" panose="020B0606030504020204" pitchFamily="34" charset="0"/>
+              </a:rPr>
+              <a:t> = new </a:t>
+            </a:r>
+            <a:r>
+              <a:rPr lang="en-US" sz="1200" b="0" i="0" dirty="0" err="1">
+                <a:solidFill>
+                  <a:schemeClr val="tx1">
+                    <a:lumMod val="85000"/>
+                  </a:schemeClr>
+                </a:solidFill>
+                <a:effectLst/>
+                <a:latin typeface="Open Sans" panose="020B0606030504020204" pitchFamily="34" charset="0"/>
+              </a:rPr>
+              <a:t>ArrayList</a:t>
+            </a:r>
+            <a:r>
+              <a:rPr lang="en-US" sz="1200" b="0" i="0" dirty="0">
+                <a:solidFill>
+                  <a:schemeClr val="tx1">
+                    <a:lumMod val="85000"/>
+                  </a:schemeClr>
+                </a:solidFill>
+                <a:effectLst/>
+                <a:latin typeface="Open Sans" panose="020B0606030504020204" pitchFamily="34" charset="0"/>
+              </a:rPr>
+              <a:t>&lt;String&gt;();</a:t>
+            </a:r>
+          </a:p>
+          <a:p>
+            <a:pPr lvl="1"/>
+            <a:r>
+              <a:rPr lang="en-US" sz="1200" b="0" i="0" dirty="0" err="1">
+                <a:solidFill>
+                  <a:schemeClr val="tx1">
+                    <a:lumMod val="85000"/>
+                  </a:schemeClr>
+                </a:solidFill>
+                <a:effectLst/>
+                <a:latin typeface="Open Sans" panose="020B0606030504020204" pitchFamily="34" charset="0"/>
+              </a:rPr>
+              <a:t>myInstruments.add</a:t>
+            </a:r>
+            <a:r>
+              <a:rPr lang="en-US" sz="1200" b="0" i="0" dirty="0">
+                <a:solidFill>
+                  <a:schemeClr val="tx1">
+                    <a:lumMod val="85000"/>
+                  </a:schemeClr>
+                </a:solidFill>
+                <a:effectLst/>
+                <a:latin typeface="Open Sans" panose="020B0606030504020204" pitchFamily="34" charset="0"/>
+              </a:rPr>
+              <a:t>("Tuba");</a:t>
+            </a:r>
+          </a:p>
+          <a:p>
+            <a:pPr lvl="1"/>
+            <a:r>
+              <a:rPr lang="en-US" sz="1200" b="0" i="0" dirty="0" err="1">
+                <a:solidFill>
+                  <a:schemeClr val="tx1">
+                    <a:lumMod val="85000"/>
+                  </a:schemeClr>
+                </a:solidFill>
+                <a:effectLst/>
+                <a:latin typeface="Open Sans" panose="020B0606030504020204" pitchFamily="34" charset="0"/>
+              </a:rPr>
+              <a:t>myInstruments.add</a:t>
+            </a:r>
+            <a:r>
+              <a:rPr lang="en-US" sz="1200" b="0" i="0" dirty="0">
+                <a:solidFill>
+                  <a:schemeClr val="tx1">
+                    <a:lumMod val="85000"/>
+                  </a:schemeClr>
+                </a:solidFill>
+                <a:effectLst/>
+                <a:latin typeface="Open Sans" panose="020B0606030504020204" pitchFamily="34" charset="0"/>
+              </a:rPr>
+              <a:t>("Trombone");</a:t>
+            </a:r>
+          </a:p>
+          <a:p>
+            <a:pPr lvl="1"/>
+            <a:r>
+              <a:rPr lang="en-US" sz="1200" b="0" i="0" dirty="0" err="1">
+                <a:solidFill>
+                  <a:schemeClr val="tx1">
+                    <a:lumMod val="85000"/>
+                  </a:schemeClr>
+                </a:solidFill>
+                <a:effectLst/>
+                <a:latin typeface="Open Sans" panose="020B0606030504020204" pitchFamily="34" charset="0"/>
+              </a:rPr>
+              <a:t>myInstruments.add</a:t>
+            </a:r>
+            <a:r>
+              <a:rPr lang="en-US" sz="1200" b="0" i="0" dirty="0">
+                <a:solidFill>
+                  <a:schemeClr val="tx1">
+                    <a:lumMod val="85000"/>
+                  </a:schemeClr>
+                </a:solidFill>
+                <a:effectLst/>
+                <a:latin typeface="Open Sans" panose="020B0606030504020204" pitchFamily="34" charset="0"/>
+              </a:rPr>
+              <a:t>("Trumpet");</a:t>
+            </a:r>
+          </a:p>
+          <a:p>
+            <a:pPr lvl="1"/>
+            <a:r>
+              <a:rPr lang="en-US" sz="1200" b="0" i="0" dirty="0" err="1">
+                <a:solidFill>
+                  <a:schemeClr val="tx1">
+                    <a:lumMod val="85000"/>
+                  </a:schemeClr>
+                </a:solidFill>
+                <a:effectLst/>
+                <a:latin typeface="Open Sans" panose="020B0606030504020204" pitchFamily="34" charset="0"/>
+              </a:rPr>
+              <a:t>myInstruments.add</a:t>
+            </a:r>
+            <a:r>
+              <a:rPr lang="en-US" sz="1200" b="0" i="0" dirty="0">
+                <a:solidFill>
+                  <a:schemeClr val="tx1">
+                    <a:lumMod val="85000"/>
+                  </a:schemeClr>
+                </a:solidFill>
+                <a:effectLst/>
+                <a:latin typeface="Open Sans" panose="020B0606030504020204" pitchFamily="34" charset="0"/>
+              </a:rPr>
+              <a:t>("Triangle");</a:t>
             </a:r>
           </a:p>
           <a:p>
@@ -6868,6 +5511,170 @@
               <a:latin typeface="Open Sans" panose="020B0606030504020204" pitchFamily="34" charset="0"/>
             </a:endParaRPr>
           </a:p>
+          <a:p>
+            <a:pPr algn="l"/>
+            <a:r>
+              <a:rPr lang="en-US" b="0" i="0" dirty="0">
+                <a:solidFill>
+                  <a:schemeClr val="tx1">
+                    <a:lumMod val="85000"/>
+                  </a:schemeClr>
+                </a:solidFill>
+                <a:effectLst/>
+                <a:latin typeface="Open Sans" panose="020B0606030504020204" pitchFamily="34" charset="0"/>
+              </a:rPr>
+              <a:t>Notice that </a:t>
+            </a:r>
+            <a:r>
+              <a:rPr lang="en-US" b="0" i="0" dirty="0">
+                <a:solidFill>
+                  <a:srgbClr val="00B0F0"/>
+                </a:solidFill>
+                <a:effectLst/>
+                <a:latin typeface="Open Sans" panose="020B0606030504020204" pitchFamily="34" charset="0"/>
+              </a:rPr>
+              <a:t>unlike an Array</a:t>
+            </a:r>
+            <a:r>
+              <a:rPr lang="en-US" b="0" i="0" dirty="0">
+                <a:solidFill>
+                  <a:schemeClr val="tx1">
+                    <a:lumMod val="85000"/>
+                  </a:schemeClr>
+                </a:solidFill>
+                <a:effectLst/>
+                <a:latin typeface="Open Sans" panose="020B0606030504020204" pitchFamily="34" charset="0"/>
+              </a:rPr>
+              <a:t>, you can </a:t>
+            </a:r>
+            <a:r>
+              <a:rPr lang="en-US" b="0" i="0" dirty="0">
+                <a:solidFill>
+                  <a:srgbClr val="00B0F0"/>
+                </a:solidFill>
+                <a:effectLst/>
+                <a:latin typeface="Open Sans" panose="020B0606030504020204" pitchFamily="34" charset="0"/>
+              </a:rPr>
+              <a:t>dynamically add additional elements to your List</a:t>
+            </a:r>
+            <a:r>
+              <a:rPr lang="en-US" b="0" i="0" dirty="0">
+                <a:solidFill>
+                  <a:schemeClr val="tx1">
+                    <a:lumMod val="85000"/>
+                  </a:schemeClr>
+                </a:solidFill>
+                <a:effectLst/>
+                <a:latin typeface="Open Sans" panose="020B0606030504020204" pitchFamily="34" charset="0"/>
+              </a:rPr>
+              <a:t>, inserting as many elements as you wish to this same List, without throwing an exception:</a:t>
+            </a:r>
+          </a:p>
+          <a:p>
+            <a:pPr algn="l"/>
+            <a:endParaRPr lang="en-US" b="0" i="0" dirty="0">
+              <a:solidFill>
+                <a:schemeClr val="tx1">
+                  <a:lumMod val="85000"/>
+                </a:schemeClr>
+              </a:solidFill>
+              <a:effectLst/>
+              <a:latin typeface="Open Sans" panose="020B0606030504020204" pitchFamily="34" charset="0"/>
+            </a:endParaRPr>
+          </a:p>
+          <a:p>
+            <a:pPr lvl="1"/>
+            <a:r>
+              <a:rPr lang="en-US" sz="1200" b="0" i="0" dirty="0" err="1">
+                <a:solidFill>
+                  <a:schemeClr val="tx1">
+                    <a:lumMod val="85000"/>
+                  </a:schemeClr>
+                </a:solidFill>
+                <a:effectLst/>
+                <a:latin typeface="Open Sans" panose="020B0606030504020204" pitchFamily="34" charset="0"/>
+              </a:rPr>
+              <a:t>myInstruments.add</a:t>
+            </a:r>
+            <a:r>
+              <a:rPr lang="en-US" sz="1200" b="0" i="0" dirty="0">
+                <a:solidFill>
+                  <a:schemeClr val="tx1">
+                    <a:lumMod val="85000"/>
+                  </a:schemeClr>
+                </a:solidFill>
+                <a:effectLst/>
+                <a:latin typeface="Open Sans" panose="020B0606030504020204" pitchFamily="34" charset="0"/>
+              </a:rPr>
+              <a:t>("Flute");</a:t>
+            </a:r>
+          </a:p>
+          <a:p>
+            <a:pPr lvl="1"/>
+            <a:r>
+              <a:rPr lang="en-US" sz="1200" b="0" i="0" dirty="0" err="1">
+                <a:solidFill>
+                  <a:schemeClr val="tx1">
+                    <a:lumMod val="85000"/>
+                  </a:schemeClr>
+                </a:solidFill>
+                <a:effectLst/>
+                <a:latin typeface="Open Sans" panose="020B0606030504020204" pitchFamily="34" charset="0"/>
+              </a:rPr>
+              <a:t>myInstruments.add</a:t>
+            </a:r>
+            <a:r>
+              <a:rPr lang="en-US" sz="1200" b="0" i="0" dirty="0">
+                <a:solidFill>
+                  <a:schemeClr val="tx1">
+                    <a:lumMod val="85000"/>
+                  </a:schemeClr>
+                </a:solidFill>
+                <a:effectLst/>
+                <a:latin typeface="Open Sans" panose="020B0606030504020204" pitchFamily="34" charset="0"/>
+              </a:rPr>
+              <a:t>("Clarinet");</a:t>
+            </a:r>
+          </a:p>
+          <a:p>
+            <a:pPr lvl="1"/>
+            <a:r>
+              <a:rPr lang="en-US" sz="1200" b="0" i="0" dirty="0" err="1">
+                <a:solidFill>
+                  <a:schemeClr val="tx1">
+                    <a:lumMod val="85000"/>
+                  </a:schemeClr>
+                </a:solidFill>
+                <a:effectLst/>
+                <a:latin typeface="Open Sans" panose="020B0606030504020204" pitchFamily="34" charset="0"/>
+              </a:rPr>
+              <a:t>myInstruments.add</a:t>
+            </a:r>
+            <a:r>
+              <a:rPr lang="en-US" sz="1200" b="0" i="0" dirty="0">
+                <a:solidFill>
+                  <a:schemeClr val="tx1">
+                    <a:lumMod val="85000"/>
+                  </a:schemeClr>
+                </a:solidFill>
+                <a:effectLst/>
+                <a:latin typeface="Open Sans" panose="020B0606030504020204" pitchFamily="34" charset="0"/>
+              </a:rPr>
+              <a:t>("Oboe");</a:t>
+            </a:r>
+          </a:p>
+          <a:p>
+            <a:pPr algn="l"/>
+            <a:endParaRPr lang="en-US" b="0" i="0" dirty="0">
+              <a:solidFill>
+                <a:schemeClr val="tx1">
+                  <a:lumMod val="85000"/>
+                </a:schemeClr>
+              </a:solidFill>
+              <a:effectLst/>
+              <a:latin typeface="Open Sans" panose="020B0606030504020204" pitchFamily="34" charset="0"/>
+            </a:endParaRPr>
+          </a:p>
         </p:txBody>
       </p:sp>
       <p:sp>
@@ -6875,7 +5682,7 @@
           <p:cNvPr id="5" name="TextBox 4">
             <a:extLst>
               <a:ext uri="{FF2B5EF4-FFF2-40B4-BE49-F238E27FC236}">
-                <a16:creationId xmlns:a16="http://schemas.microsoft.com/office/drawing/2014/main" id="{468397A7-672B-24AB-3F61-0F9A073389EE}"/>
+                <a16:creationId xmlns:a16="http://schemas.microsoft.com/office/drawing/2014/main" id="{B437B980-7F96-675E-3EC5-34BF0DF65123}"/>
               </a:ext>
             </a:extLst>
           </p:cNvPr>
@@ -6911,7 +5718,7 @@
     </p:spTree>
     <p:extLst>
       <p:ext uri="{BB962C8B-B14F-4D97-AF65-F5344CB8AC3E}">
-        <p14:creationId xmlns:p14="http://schemas.microsoft.com/office/powerpoint/2010/main" val="2491041013"/>
+        <p14:creationId xmlns:p14="http://schemas.microsoft.com/office/powerpoint/2010/main" val="3007476099"/>
       </p:ext>
     </p:extLst>
   </p:cSld>
@@ -9373,20 +8180,44 @@
                 <a:ea typeface="Open Sans" panose="020B0606030504020204" pitchFamily="34" charset="0"/>
                 <a:cs typeface="Open Sans" panose="020B0606030504020204" pitchFamily="34" charset="0"/>
               </a:rPr>
-              <a:t>Class is a blueprint</a:t>
-            </a:r>
-            <a:r>
-              <a:rPr lang="en-US" sz="2000" dirty="0">
-                <a:solidFill>
-                  <a:schemeClr val="tx1">
-                    <a:lumMod val="85000"/>
-                  </a:schemeClr>
+              <a:t>Class is a blueprint </a:t>
+            </a:r>
+            <a:r>
+              <a:rPr lang="en-US" sz="2000">
+                <a:solidFill>
+                  <a:srgbClr val="00B0F0"/>
                 </a:solidFill>
                 <a:latin typeface="Open Sans" panose="020B0606030504020204" pitchFamily="34" charset="0"/>
                 <a:ea typeface="Open Sans" panose="020B0606030504020204" pitchFamily="34" charset="0"/>
                 <a:cs typeface="Open Sans" panose="020B0606030504020204" pitchFamily="34" charset="0"/>
               </a:rPr>
-              <a:t>, in which you create your properties and functionality.</a:t>
+              <a:t>or template</a:t>
+            </a:r>
+            <a:r>
+              <a:rPr lang="en-US" sz="2000">
+                <a:solidFill>
+                  <a:schemeClr val="tx1">
+                    <a:lumMod val="85000"/>
+                  </a:schemeClr>
+                </a:solidFill>
+                <a:latin typeface="Open Sans" panose="020B0606030504020204" pitchFamily="34" charset="0"/>
+                <a:ea typeface="Open Sans" panose="020B0606030504020204" pitchFamily="34" charset="0"/>
+                <a:cs typeface="Open Sans" panose="020B0606030504020204" pitchFamily="34" charset="0"/>
+              </a:rPr>
+              <a:t>, </a:t>
+            </a:r>
+            <a:r>
+              <a:rPr lang="en-US" sz="2000" dirty="0">
+                <a:solidFill>
+                  <a:schemeClr val="tx1">
+                    <a:lumMod val="85000"/>
+                  </a:schemeClr>
+                </a:solidFill>
+                <a:latin typeface="Open Sans" panose="020B0606030504020204" pitchFamily="34" charset="0"/>
+                <a:ea typeface="Open Sans" panose="020B0606030504020204" pitchFamily="34" charset="0"/>
+                <a:cs typeface="Open Sans" panose="020B0606030504020204" pitchFamily="34" charset="0"/>
+              </a:rPr>
+              <a:t>in which you create your properties and functionality.</a:t>
             </a:r>
           </a:p>
           <a:p>
@@ -10474,7 +9305,7 @@
         <p:spPr>
           <a:xfrm>
             <a:off x="698739" y="2478280"/>
-            <a:ext cx="11220773" cy="3416320"/>
+            <a:ext cx="11220773" cy="1015663"/>
           </a:xfrm>
           <a:prstGeom prst="rect">
             <a:avLst/>
@@ -10543,89 +9374,6 @@
               </a:rPr>
               <a:t> List, Set, Map</a:t>
             </a:r>
-          </a:p>
-          <a:p>
-            <a:pPr marL="0" marR="0" lvl="0" indent="0" algn="l" defTabSz="914400" rtl="0" eaLnBrk="1" fontAlgn="auto" latinLnBrk="0" hangingPunct="1">
-              <a:lnSpc>
-                <a:spcPct val="100000"/>
-              </a:lnSpc>
-              <a:spcBef>
-                <a:spcPts val="0"/>
-              </a:spcBef>
-              <a:spcAft>
-                <a:spcPts val="0"/>
-              </a:spcAft>
-              <a:buClrTx/>
-              <a:buSzTx/>
-              <a:buFontTx/>
-              <a:buNone/>
-              <a:tabLst/>
-              <a:defRPr/>
-            </a:pPr>
-            <a:endParaRPr lang="en-US" sz="6000" dirty="0">
-              <a:solidFill>
-                <a:prstClr val="white">
-                  <a:lumMod val="75000"/>
-                </a:prstClr>
-              </a:solidFill>
-              <a:latin typeface="Open Sans" panose="020B0606030504020204" pitchFamily="34" charset="0"/>
-              <a:sym typeface="Wingdings" panose="05000000000000000000" pitchFamily="2" charset="2"/>
-            </a:endParaRPr>
-          </a:p>
-          <a:p>
-            <a:pPr marL="0" marR="0" lvl="0" indent="0" algn="l" defTabSz="914400" rtl="0" eaLnBrk="1" fontAlgn="auto" latinLnBrk="0" hangingPunct="1">
-              <a:lnSpc>
-                <a:spcPct val="100000"/>
-              </a:lnSpc>
-              <a:spcBef>
-                <a:spcPts val="0"/>
-              </a:spcBef>
-              <a:spcAft>
-                <a:spcPts val="0"/>
-              </a:spcAft>
-              <a:buClrTx/>
-              <a:buSzTx/>
-              <a:buFontTx/>
-              <a:buNone/>
-              <a:tabLst/>
-              <a:defRPr/>
-            </a:pPr>
-            <a:r>
-              <a:rPr kumimoji="0" lang="en-US" sz="4400" b="0" i="0" u="none" strike="noStrike" kern="1200" cap="none" spc="0" normalizeH="0" baseline="0" noProof="0" dirty="0">
-                <a:ln>
-                  <a:noFill/>
-                </a:ln>
-                <a:solidFill>
-                  <a:prstClr val="white">
-                    <a:lumMod val="75000"/>
-                  </a:prstClr>
-                </a:solidFill>
-                <a:effectLst/>
-                <a:uLnTx/>
-                <a:uFillTx/>
-                <a:latin typeface="Open Sans" panose="020B0606030504020204" pitchFamily="34" charset="0"/>
-                <a:ea typeface="+mn-ea"/>
-                <a:cs typeface="+mn-cs"/>
-                <a:sym typeface="Wingdings" panose="05000000000000000000" pitchFamily="2" charset="2"/>
-              </a:rPr>
-              <a:t>…but first, a little about Classes, Objects, &amp; Interfaces </a:t>
-            </a:r>
-            <a:endParaRPr kumimoji="0" lang="en-US" sz="4400" b="0" i="0" u="none" strike="noStrike" kern="1200" cap="none" spc="0" normalizeH="0" baseline="0" noProof="0" dirty="0">
-              <a:ln>
-                <a:noFill/>
-              </a:ln>
-              <a:solidFill>
-                <a:prstClr val="white">
-                  <a:lumMod val="75000"/>
-                </a:prstClr>
-              </a:solidFill>
-              <a:effectLst/>
-              <a:uLnTx/>
-              <a:uFillTx/>
-              <a:latin typeface="Open Sans" panose="020B0606030504020204" pitchFamily="34" charset="0"/>
-              <a:ea typeface="+mn-ea"/>
-              <a:cs typeface="+mn-cs"/>
-            </a:endParaRPr>
           </a:p>
         </p:txBody>
       </p:sp>
